--- a/Наработки/диздоки/ЮАС/ЮАС доработка.pptx
+++ b/Наработки/диздоки/ЮАС/ЮАС доработка.pptx
@@ -209,7 +209,7 @@
             <a:fld id="{33E3D7F9-E251-484C-A6FF-FA958879DF69}" type="datetimeFigureOut">
               <a:rPr lang="ru-RU" smtClean="0"/>
               <a:pPr/>
-              <a:t>13.04.2023</a:t>
+              <a:t>19.04.2023</a:t>
             </a:fld>
             <a:endParaRPr lang="ru-RU"/>
           </a:p>
@@ -699,7 +699,7 @@
             <a:fld id="{85A5DE44-605B-4D3B-B2B7-94543DF81A36}" type="datetimeFigureOut">
               <a:rPr lang="ru-RU" smtClean="0"/>
               <a:pPr/>
-              <a:t>13.04.2023</a:t>
+              <a:t>19.04.2023</a:t>
             </a:fld>
             <a:endParaRPr lang="ru-RU"/>
           </a:p>
@@ -871,7 +871,7 @@
             <a:fld id="{85A5DE44-605B-4D3B-B2B7-94543DF81A36}" type="datetimeFigureOut">
               <a:rPr lang="ru-RU" smtClean="0"/>
               <a:pPr/>
-              <a:t>13.04.2023</a:t>
+              <a:t>19.04.2023</a:t>
             </a:fld>
             <a:endParaRPr lang="ru-RU"/>
           </a:p>
@@ -1053,7 +1053,7 @@
             <a:fld id="{85A5DE44-605B-4D3B-B2B7-94543DF81A36}" type="datetimeFigureOut">
               <a:rPr lang="ru-RU" smtClean="0"/>
               <a:pPr/>
-              <a:t>13.04.2023</a:t>
+              <a:t>19.04.2023</a:t>
             </a:fld>
             <a:endParaRPr lang="ru-RU"/>
           </a:p>
@@ -1225,7 +1225,7 @@
             <a:fld id="{85A5DE44-605B-4D3B-B2B7-94543DF81A36}" type="datetimeFigureOut">
               <a:rPr lang="ru-RU" smtClean="0"/>
               <a:pPr/>
-              <a:t>13.04.2023</a:t>
+              <a:t>19.04.2023</a:t>
             </a:fld>
             <a:endParaRPr lang="ru-RU"/>
           </a:p>
@@ -1473,7 +1473,7 @@
             <a:fld id="{85A5DE44-605B-4D3B-B2B7-94543DF81A36}" type="datetimeFigureOut">
               <a:rPr lang="ru-RU" smtClean="0"/>
               <a:pPr/>
-              <a:t>13.04.2023</a:t>
+              <a:t>19.04.2023</a:t>
             </a:fld>
             <a:endParaRPr lang="ru-RU"/>
           </a:p>
@@ -1707,7 +1707,7 @@
             <a:fld id="{85A5DE44-605B-4D3B-B2B7-94543DF81A36}" type="datetimeFigureOut">
               <a:rPr lang="ru-RU" smtClean="0"/>
               <a:pPr/>
-              <a:t>13.04.2023</a:t>
+              <a:t>19.04.2023</a:t>
             </a:fld>
             <a:endParaRPr lang="ru-RU"/>
           </a:p>
@@ -2076,7 +2076,7 @@
             <a:fld id="{85A5DE44-605B-4D3B-B2B7-94543DF81A36}" type="datetimeFigureOut">
               <a:rPr lang="ru-RU" smtClean="0"/>
               <a:pPr/>
-              <a:t>13.04.2023</a:t>
+              <a:t>19.04.2023</a:t>
             </a:fld>
             <a:endParaRPr lang="ru-RU"/>
           </a:p>
@@ -2196,7 +2196,7 @@
             <a:fld id="{85A5DE44-605B-4D3B-B2B7-94543DF81A36}" type="datetimeFigureOut">
               <a:rPr lang="ru-RU" smtClean="0"/>
               <a:pPr/>
-              <a:t>13.04.2023</a:t>
+              <a:t>19.04.2023</a:t>
             </a:fld>
             <a:endParaRPr lang="ru-RU"/>
           </a:p>
@@ -2293,7 +2293,7 @@
             <a:fld id="{85A5DE44-605B-4D3B-B2B7-94543DF81A36}" type="datetimeFigureOut">
               <a:rPr lang="ru-RU" smtClean="0"/>
               <a:pPr/>
-              <a:t>13.04.2023</a:t>
+              <a:t>19.04.2023</a:t>
             </a:fld>
             <a:endParaRPr lang="ru-RU"/>
           </a:p>
@@ -2572,7 +2572,7 @@
             <a:fld id="{85A5DE44-605B-4D3B-B2B7-94543DF81A36}" type="datetimeFigureOut">
               <a:rPr lang="ru-RU" smtClean="0"/>
               <a:pPr/>
-              <a:t>13.04.2023</a:t>
+              <a:t>19.04.2023</a:t>
             </a:fld>
             <a:endParaRPr lang="ru-RU"/>
           </a:p>
@@ -2831,7 +2831,7 @@
             <a:fld id="{85A5DE44-605B-4D3B-B2B7-94543DF81A36}" type="datetimeFigureOut">
               <a:rPr lang="ru-RU" smtClean="0"/>
               <a:pPr/>
-              <a:t>13.04.2023</a:t>
+              <a:t>19.04.2023</a:t>
             </a:fld>
             <a:endParaRPr lang="ru-RU"/>
           </a:p>
@@ -3046,7 +3046,7 @@
             <a:fld id="{85A5DE44-605B-4D3B-B2B7-94543DF81A36}" type="datetimeFigureOut">
               <a:rPr lang="ru-RU" smtClean="0"/>
               <a:pPr/>
-              <a:t>13.04.2023</a:t>
+              <a:t>19.04.2023</a:t>
             </a:fld>
             <a:endParaRPr lang="ru-RU"/>
           </a:p>
@@ -13100,11 +13100,7 @@
             <a:pPr algn="ctr"/>
             <a:r>
               <a:rPr lang="ru-RU" sz="1400" dirty="0"/>
-              <a:t>Принести независимость туземным республикам </a:t>
-            </a:r>
-            <a:r>
-              <a:rPr lang="ru-RU" sz="600" dirty="0"/>
-              <a:t>(Однако в письме от 14 мая 1935 г. в Международный секретариат они заявили, что их тезис критикует сталинский лозунг «Независимые туземные республики как шаг к Рабоче-крестьянской республике»)</a:t>
+              <a:t>Принести независимость туземным республикам</a:t>
             </a:r>
             <a:endParaRPr lang="ru-RU" sz="800" dirty="0"/>
           </a:p>

--- a/Наработки/диздоки/ЮАС/ЮАС доработка.pptx
+++ b/Наработки/диздоки/ЮАС/ЮАС доработка.pptx
@@ -209,7 +209,7 @@
             <a:fld id="{33E3D7F9-E251-484C-A6FF-FA958879DF69}" type="datetimeFigureOut">
               <a:rPr lang="ru-RU" smtClean="0"/>
               <a:pPr/>
-              <a:t>19.04.2023</a:t>
+              <a:t>25.04.2023</a:t>
             </a:fld>
             <a:endParaRPr lang="ru-RU"/>
           </a:p>
@@ -699,7 +699,7 @@
             <a:fld id="{85A5DE44-605B-4D3B-B2B7-94543DF81A36}" type="datetimeFigureOut">
               <a:rPr lang="ru-RU" smtClean="0"/>
               <a:pPr/>
-              <a:t>19.04.2023</a:t>
+              <a:t>25.04.2023</a:t>
             </a:fld>
             <a:endParaRPr lang="ru-RU"/>
           </a:p>
@@ -871,7 +871,7 @@
             <a:fld id="{85A5DE44-605B-4D3B-B2B7-94543DF81A36}" type="datetimeFigureOut">
               <a:rPr lang="ru-RU" smtClean="0"/>
               <a:pPr/>
-              <a:t>19.04.2023</a:t>
+              <a:t>25.04.2023</a:t>
             </a:fld>
             <a:endParaRPr lang="ru-RU"/>
           </a:p>
@@ -1053,7 +1053,7 @@
             <a:fld id="{85A5DE44-605B-4D3B-B2B7-94543DF81A36}" type="datetimeFigureOut">
               <a:rPr lang="ru-RU" smtClean="0"/>
               <a:pPr/>
-              <a:t>19.04.2023</a:t>
+              <a:t>25.04.2023</a:t>
             </a:fld>
             <a:endParaRPr lang="ru-RU"/>
           </a:p>
@@ -1225,7 +1225,7 @@
             <a:fld id="{85A5DE44-605B-4D3B-B2B7-94543DF81A36}" type="datetimeFigureOut">
               <a:rPr lang="ru-RU" smtClean="0"/>
               <a:pPr/>
-              <a:t>19.04.2023</a:t>
+              <a:t>25.04.2023</a:t>
             </a:fld>
             <a:endParaRPr lang="ru-RU"/>
           </a:p>
@@ -1473,7 +1473,7 @@
             <a:fld id="{85A5DE44-605B-4D3B-B2B7-94543DF81A36}" type="datetimeFigureOut">
               <a:rPr lang="ru-RU" smtClean="0"/>
               <a:pPr/>
-              <a:t>19.04.2023</a:t>
+              <a:t>25.04.2023</a:t>
             </a:fld>
             <a:endParaRPr lang="ru-RU"/>
           </a:p>
@@ -1707,7 +1707,7 @@
             <a:fld id="{85A5DE44-605B-4D3B-B2B7-94543DF81A36}" type="datetimeFigureOut">
               <a:rPr lang="ru-RU" smtClean="0"/>
               <a:pPr/>
-              <a:t>19.04.2023</a:t>
+              <a:t>25.04.2023</a:t>
             </a:fld>
             <a:endParaRPr lang="ru-RU"/>
           </a:p>
@@ -2076,7 +2076,7 @@
             <a:fld id="{85A5DE44-605B-4D3B-B2B7-94543DF81A36}" type="datetimeFigureOut">
               <a:rPr lang="ru-RU" smtClean="0"/>
               <a:pPr/>
-              <a:t>19.04.2023</a:t>
+              <a:t>25.04.2023</a:t>
             </a:fld>
             <a:endParaRPr lang="ru-RU"/>
           </a:p>
@@ -2196,7 +2196,7 @@
             <a:fld id="{85A5DE44-605B-4D3B-B2B7-94543DF81A36}" type="datetimeFigureOut">
               <a:rPr lang="ru-RU" smtClean="0"/>
               <a:pPr/>
-              <a:t>19.04.2023</a:t>
+              <a:t>25.04.2023</a:t>
             </a:fld>
             <a:endParaRPr lang="ru-RU"/>
           </a:p>
@@ -2293,7 +2293,7 @@
             <a:fld id="{85A5DE44-605B-4D3B-B2B7-94543DF81A36}" type="datetimeFigureOut">
               <a:rPr lang="ru-RU" smtClean="0"/>
               <a:pPr/>
-              <a:t>19.04.2023</a:t>
+              <a:t>25.04.2023</a:t>
             </a:fld>
             <a:endParaRPr lang="ru-RU"/>
           </a:p>
@@ -2572,7 +2572,7 @@
             <a:fld id="{85A5DE44-605B-4D3B-B2B7-94543DF81A36}" type="datetimeFigureOut">
               <a:rPr lang="ru-RU" smtClean="0"/>
               <a:pPr/>
-              <a:t>19.04.2023</a:t>
+              <a:t>25.04.2023</a:t>
             </a:fld>
             <a:endParaRPr lang="ru-RU"/>
           </a:p>
@@ -2831,7 +2831,7 @@
             <a:fld id="{85A5DE44-605B-4D3B-B2B7-94543DF81A36}" type="datetimeFigureOut">
               <a:rPr lang="ru-RU" smtClean="0"/>
               <a:pPr/>
-              <a:t>19.04.2023</a:t>
+              <a:t>25.04.2023</a:t>
             </a:fld>
             <a:endParaRPr lang="ru-RU"/>
           </a:p>
@@ -3046,7 +3046,7 @@
             <a:fld id="{85A5DE44-605B-4D3B-B2B7-94543DF81A36}" type="datetimeFigureOut">
               <a:rPr lang="ru-RU" smtClean="0"/>
               <a:pPr/>
-              <a:t>19.04.2023</a:t>
+              <a:t>25.04.2023</a:t>
             </a:fld>
             <a:endParaRPr lang="ru-RU"/>
           </a:p>

--- a/Наработки/диздоки/ЮАС/ЮАС доработка.pptx
+++ b/Наработки/диздоки/ЮАС/ЮАС доработка.pptx
@@ -209,7 +209,7 @@
             <a:fld id="{33E3D7F9-E251-484C-A6FF-FA958879DF69}" type="datetimeFigureOut">
               <a:rPr lang="ru-RU" smtClean="0"/>
               <a:pPr/>
-              <a:t>25.04.2023</a:t>
+              <a:t>27.04.2023</a:t>
             </a:fld>
             <a:endParaRPr lang="ru-RU"/>
           </a:p>
@@ -699,7 +699,7 @@
             <a:fld id="{85A5DE44-605B-4D3B-B2B7-94543DF81A36}" type="datetimeFigureOut">
               <a:rPr lang="ru-RU" smtClean="0"/>
               <a:pPr/>
-              <a:t>25.04.2023</a:t>
+              <a:t>27.04.2023</a:t>
             </a:fld>
             <a:endParaRPr lang="ru-RU"/>
           </a:p>
@@ -871,7 +871,7 @@
             <a:fld id="{85A5DE44-605B-4D3B-B2B7-94543DF81A36}" type="datetimeFigureOut">
               <a:rPr lang="ru-RU" smtClean="0"/>
               <a:pPr/>
-              <a:t>25.04.2023</a:t>
+              <a:t>27.04.2023</a:t>
             </a:fld>
             <a:endParaRPr lang="ru-RU"/>
           </a:p>
@@ -1053,7 +1053,7 @@
             <a:fld id="{85A5DE44-605B-4D3B-B2B7-94543DF81A36}" type="datetimeFigureOut">
               <a:rPr lang="ru-RU" smtClean="0"/>
               <a:pPr/>
-              <a:t>25.04.2023</a:t>
+              <a:t>27.04.2023</a:t>
             </a:fld>
             <a:endParaRPr lang="ru-RU"/>
           </a:p>
@@ -1225,7 +1225,7 @@
             <a:fld id="{85A5DE44-605B-4D3B-B2B7-94543DF81A36}" type="datetimeFigureOut">
               <a:rPr lang="ru-RU" smtClean="0"/>
               <a:pPr/>
-              <a:t>25.04.2023</a:t>
+              <a:t>27.04.2023</a:t>
             </a:fld>
             <a:endParaRPr lang="ru-RU"/>
           </a:p>
@@ -1473,7 +1473,7 @@
             <a:fld id="{85A5DE44-605B-4D3B-B2B7-94543DF81A36}" type="datetimeFigureOut">
               <a:rPr lang="ru-RU" smtClean="0"/>
               <a:pPr/>
-              <a:t>25.04.2023</a:t>
+              <a:t>27.04.2023</a:t>
             </a:fld>
             <a:endParaRPr lang="ru-RU"/>
           </a:p>
@@ -1707,7 +1707,7 @@
             <a:fld id="{85A5DE44-605B-4D3B-B2B7-94543DF81A36}" type="datetimeFigureOut">
               <a:rPr lang="ru-RU" smtClean="0"/>
               <a:pPr/>
-              <a:t>25.04.2023</a:t>
+              <a:t>27.04.2023</a:t>
             </a:fld>
             <a:endParaRPr lang="ru-RU"/>
           </a:p>
@@ -2076,7 +2076,7 @@
             <a:fld id="{85A5DE44-605B-4D3B-B2B7-94543DF81A36}" type="datetimeFigureOut">
               <a:rPr lang="ru-RU" smtClean="0"/>
               <a:pPr/>
-              <a:t>25.04.2023</a:t>
+              <a:t>27.04.2023</a:t>
             </a:fld>
             <a:endParaRPr lang="ru-RU"/>
           </a:p>
@@ -2196,7 +2196,7 @@
             <a:fld id="{85A5DE44-605B-4D3B-B2B7-94543DF81A36}" type="datetimeFigureOut">
               <a:rPr lang="ru-RU" smtClean="0"/>
               <a:pPr/>
-              <a:t>25.04.2023</a:t>
+              <a:t>27.04.2023</a:t>
             </a:fld>
             <a:endParaRPr lang="ru-RU"/>
           </a:p>
@@ -2293,7 +2293,7 @@
             <a:fld id="{85A5DE44-605B-4D3B-B2B7-94543DF81A36}" type="datetimeFigureOut">
               <a:rPr lang="ru-RU" smtClean="0"/>
               <a:pPr/>
-              <a:t>25.04.2023</a:t>
+              <a:t>27.04.2023</a:t>
             </a:fld>
             <a:endParaRPr lang="ru-RU"/>
           </a:p>
@@ -2572,7 +2572,7 @@
             <a:fld id="{85A5DE44-605B-4D3B-B2B7-94543DF81A36}" type="datetimeFigureOut">
               <a:rPr lang="ru-RU" smtClean="0"/>
               <a:pPr/>
-              <a:t>25.04.2023</a:t>
+              <a:t>27.04.2023</a:t>
             </a:fld>
             <a:endParaRPr lang="ru-RU"/>
           </a:p>
@@ -2831,7 +2831,7 @@
             <a:fld id="{85A5DE44-605B-4D3B-B2B7-94543DF81A36}" type="datetimeFigureOut">
               <a:rPr lang="ru-RU" smtClean="0"/>
               <a:pPr/>
-              <a:t>25.04.2023</a:t>
+              <a:t>27.04.2023</a:t>
             </a:fld>
             <a:endParaRPr lang="ru-RU"/>
           </a:p>
@@ -3046,7 +3046,7 @@
             <a:fld id="{85A5DE44-605B-4D3B-B2B7-94543DF81A36}" type="datetimeFigureOut">
               <a:rPr lang="ru-RU" smtClean="0"/>
               <a:pPr/>
-              <a:t>25.04.2023</a:t>
+              <a:t>27.04.2023</a:t>
             </a:fld>
             <a:endParaRPr lang="ru-RU"/>
           </a:p>
@@ -21243,6 +21243,136 @@
           </a:fontRef>
         </p:style>
       </p:cxnSp>
+      <p:sp>
+        <p:nvSpPr>
+          <p:cNvPr id="361" name="Прямоугольник 360">
+            <a:extLst>
+              <a:ext uri="{FF2B5EF4-FFF2-40B4-BE49-F238E27FC236}">
+                <a16:creationId xmlns:a16="http://schemas.microsoft.com/office/drawing/2014/main" id="{4788210C-B018-441F-9EF9-1F3D1019454F}"/>
+              </a:ext>
+            </a:extLst>
+          </p:cNvPr>
+          <p:cNvSpPr/>
+          <p:nvPr/>
+        </p:nvSpPr>
+        <p:spPr>
+          <a:xfrm>
+            <a:off x="30927448" y="22508903"/>
+            <a:ext cx="2115918" cy="1080000"/>
+          </a:xfrm>
+          <a:prstGeom prst="rect">
+            <a:avLst/>
+          </a:prstGeom>
+          <a:ln w="28575"/>
+        </p:spPr>
+        <p:style>
+          <a:lnRef idx="2">
+            <a:schemeClr val="accent1"/>
+          </a:lnRef>
+          <a:fillRef idx="1">
+            <a:schemeClr val="lt1"/>
+          </a:fillRef>
+          <a:effectRef idx="0">
+            <a:schemeClr val="accent1"/>
+          </a:effectRef>
+          <a:fontRef idx="minor">
+            <a:schemeClr val="dk1"/>
+          </a:fontRef>
+        </p:style>
+        <p:txBody>
+          <a:bodyPr lIns="124733" tIns="62367" rIns="124733" bIns="62367" rtlCol="0" anchor="ctr"/>
+          <a:lstStyle/>
+          <a:p>
+            <a:pPr algn="ctr"/>
+            <a:r>
+              <a:rPr lang="ru-RU" sz="500" dirty="0"/>
+              <a:t>Гул был членом AAC и вместе с другими членами или сторонниками WPSA был связан с Товариществом Новой Эры, созданным в 1937 году из ядра студентов и членов существующих организаций Кейптауна. Этот клуб оказал значительное влияние в Кейптауне и его окрестностях и обеспечил растущее влияние среди цветных учителей и их организации, Лиги учителей Южной Африки. NEF сыграл ведущую роль в противодействии созданию Департамента по делам цветных, помог сформировать </a:t>
+            </a:r>
+            <a:r>
+              <a:rPr lang="ru-RU" sz="500" dirty="0" err="1"/>
+              <a:t>Anti</a:t>
+            </a:r>
+            <a:r>
+              <a:rPr lang="ru-RU" sz="500" dirty="0"/>
+              <a:t>-CAD в 1943 году и присоединился к AAC, чтобы сформировать NEUM. После 1943 года Гул и другие, упомянутые выше, посвятили все свое время работе в NEUM, выпуская </a:t>
+            </a:r>
+            <a:r>
+              <a:rPr lang="ru-RU" sz="500" dirty="0" err="1"/>
+              <a:t>Torch</a:t>
+            </a:r>
+            <a:r>
+              <a:rPr lang="ru-RU" sz="500" dirty="0"/>
+              <a:t> , информационные бюллетени AAC и </a:t>
+            </a:r>
+            <a:r>
+              <a:rPr lang="ru-RU" sz="500" dirty="0" err="1"/>
+              <a:t>Anti</a:t>
+            </a:r>
+            <a:r>
+              <a:rPr lang="ru-RU" sz="500" dirty="0"/>
+              <a:t>-CAD.</a:t>
+            </a:r>
+            <a:endParaRPr lang="ru-RU" sz="100" dirty="0"/>
+          </a:p>
+        </p:txBody>
+      </p:sp>
+      <p:sp>
+        <p:nvSpPr>
+          <p:cNvPr id="369" name="Прямоугольник 368">
+            <a:extLst>
+              <a:ext uri="{FF2B5EF4-FFF2-40B4-BE49-F238E27FC236}">
+                <a16:creationId xmlns:a16="http://schemas.microsoft.com/office/drawing/2014/main" id="{06D8E490-8AB5-4E7B-91C5-8E5B42D33714}"/>
+              </a:ext>
+            </a:extLst>
+          </p:cNvPr>
+          <p:cNvSpPr/>
+          <p:nvPr/>
+        </p:nvSpPr>
+        <p:spPr>
+          <a:xfrm>
+            <a:off x="33312917" y="22471006"/>
+            <a:ext cx="2115918" cy="1080000"/>
+          </a:xfrm>
+          <a:prstGeom prst="rect">
+            <a:avLst/>
+          </a:prstGeom>
+          <a:ln w="28575"/>
+        </p:spPr>
+        <p:style>
+          <a:lnRef idx="2">
+            <a:schemeClr val="accent1"/>
+          </a:lnRef>
+          <a:fillRef idx="1">
+            <a:schemeClr val="lt1"/>
+          </a:fillRef>
+          <a:effectRef idx="0">
+            <a:schemeClr val="accent1"/>
+          </a:effectRef>
+          <a:fontRef idx="minor">
+            <a:schemeClr val="dk1"/>
+          </a:fontRef>
+        </p:style>
+        <p:txBody>
+          <a:bodyPr lIns="124733" tIns="62367" rIns="124733" bIns="62367" rtlCol="0" anchor="ctr"/>
+          <a:lstStyle/>
+          <a:p>
+            <a:pPr algn="ctr"/>
+            <a:r>
+              <a:rPr lang="ru-RU" sz="300" dirty="0"/>
+              <a:t>Вопреки всему, что впоследствии утверждало меньшинство, в редакционную комиссию не было представлено никакого формального </a:t>
+            </a:r>
+            <a:r>
+              <a:rPr lang="ru-RU" sz="300" dirty="0" err="1"/>
+              <a:t>контртезиса</a:t>
+            </a:r>
+            <a:r>
+              <a:rPr lang="ru-RU" sz="300" dirty="0"/>
+              <a:t> по «Родному вопросу», а подготовленный М. Н. Авербахом (вождем чем самостоятельный тезис. Оригинал статьи, написанной Авербахом, и документы, отправленные позднее в Международный секретариат, не найдены. Однако статья, появившаяся в феврале 1936 г. в « Рабочем голосе»., орган CLSA, по земельному вопросу тупой. Он утверждал, что «простой призыв к земле не составляет аграрной проблемы». Африканцы, изгнанные с земли, страдали в основном от налогов. Их главная потребность заключалась не в земле, а в освобождении от налогов. Авербах, кажется, неправильно понял позицию большинства. Если бы африканцы получили больше земли, писал он, крестьяне по-прежнему страдали бы от этих пагубных налогов, призванных загнать их в шахты, промышленность и фермы. [11]Но позиция большинства, чувствительная к нехватке земли, была направлена ​​не на то, чтобы предоставить больше земли африканцам в неизменной стране, а на то, чтобы найти рычаг, с помощью которого можно свергнуть капитализм. Позиция меньшинства в этом вопросе была настолько неясной, что затемнила их главное утверждение: именно борьба африканских рабочих должна была стать ключом к переменам в Южной Африке. Эту позицию можно было занять без всякого обращения к теории, а когда дело доходило до теории, Авербах и меньшинство мало что могли предложить.</a:t>
+            </a:r>
+            <a:endParaRPr lang="ru-RU" sz="100" dirty="0"/>
+          </a:p>
+        </p:txBody>
+      </p:sp>
     </p:spTree>
     <p:extLst>
       <p:ext uri="{BB962C8B-B14F-4D97-AF65-F5344CB8AC3E}">

--- a/Наработки/диздоки/ЮАС/ЮАС доработка.pptx
+++ b/Наработки/диздоки/ЮАС/ЮАС доработка.pptx
@@ -5,10 +5,11 @@
     <p:sldMasterId id="2147483732" r:id="rId1"/>
   </p:sldMasterIdLst>
   <p:notesMasterIdLst>
-    <p:notesMasterId r:id="rId3"/>
+    <p:notesMasterId r:id="rId4"/>
   </p:notesMasterIdLst>
   <p:sldIdLst>
     <p:sldId id="259" r:id="rId2"/>
+    <p:sldId id="260" r:id="rId3"/>
   </p:sldIdLst>
   <p:sldSz cx="51206400" cy="36018788"/>
   <p:notesSz cx="6858000" cy="9144000"/>
@@ -209,7 +210,7 @@
             <a:fld id="{33E3D7F9-E251-484C-A6FF-FA958879DF69}" type="datetimeFigureOut">
               <a:rPr lang="ru-RU" smtClean="0"/>
               <a:pPr/>
-              <a:t>28.04.2023</a:t>
+              <a:t>16.05.2023</a:t>
             </a:fld>
             <a:endParaRPr lang="ru-RU"/>
           </a:p>
@@ -699,7 +700,7 @@
             <a:fld id="{85A5DE44-605B-4D3B-B2B7-94543DF81A36}" type="datetimeFigureOut">
               <a:rPr lang="ru-RU" smtClean="0"/>
               <a:pPr/>
-              <a:t>28.04.2023</a:t>
+              <a:t>16.05.2023</a:t>
             </a:fld>
             <a:endParaRPr lang="ru-RU"/>
           </a:p>
@@ -871,7 +872,7 @@
             <a:fld id="{85A5DE44-605B-4D3B-B2B7-94543DF81A36}" type="datetimeFigureOut">
               <a:rPr lang="ru-RU" smtClean="0"/>
               <a:pPr/>
-              <a:t>28.04.2023</a:t>
+              <a:t>16.05.2023</a:t>
             </a:fld>
             <a:endParaRPr lang="ru-RU"/>
           </a:p>
@@ -1053,7 +1054,7 @@
             <a:fld id="{85A5DE44-605B-4D3B-B2B7-94543DF81A36}" type="datetimeFigureOut">
               <a:rPr lang="ru-RU" smtClean="0"/>
               <a:pPr/>
-              <a:t>28.04.2023</a:t>
+              <a:t>16.05.2023</a:t>
             </a:fld>
             <a:endParaRPr lang="ru-RU"/>
           </a:p>
@@ -1225,7 +1226,7 @@
             <a:fld id="{85A5DE44-605B-4D3B-B2B7-94543DF81A36}" type="datetimeFigureOut">
               <a:rPr lang="ru-RU" smtClean="0"/>
               <a:pPr/>
-              <a:t>28.04.2023</a:t>
+              <a:t>16.05.2023</a:t>
             </a:fld>
             <a:endParaRPr lang="ru-RU"/>
           </a:p>
@@ -1473,7 +1474,7 @@
             <a:fld id="{85A5DE44-605B-4D3B-B2B7-94543DF81A36}" type="datetimeFigureOut">
               <a:rPr lang="ru-RU" smtClean="0"/>
               <a:pPr/>
-              <a:t>28.04.2023</a:t>
+              <a:t>16.05.2023</a:t>
             </a:fld>
             <a:endParaRPr lang="ru-RU"/>
           </a:p>
@@ -1707,7 +1708,7 @@
             <a:fld id="{85A5DE44-605B-4D3B-B2B7-94543DF81A36}" type="datetimeFigureOut">
               <a:rPr lang="ru-RU" smtClean="0"/>
               <a:pPr/>
-              <a:t>28.04.2023</a:t>
+              <a:t>16.05.2023</a:t>
             </a:fld>
             <a:endParaRPr lang="ru-RU"/>
           </a:p>
@@ -2076,7 +2077,7 @@
             <a:fld id="{85A5DE44-605B-4D3B-B2B7-94543DF81A36}" type="datetimeFigureOut">
               <a:rPr lang="ru-RU" smtClean="0"/>
               <a:pPr/>
-              <a:t>28.04.2023</a:t>
+              <a:t>16.05.2023</a:t>
             </a:fld>
             <a:endParaRPr lang="ru-RU"/>
           </a:p>
@@ -2196,7 +2197,7 @@
             <a:fld id="{85A5DE44-605B-4D3B-B2B7-94543DF81A36}" type="datetimeFigureOut">
               <a:rPr lang="ru-RU" smtClean="0"/>
               <a:pPr/>
-              <a:t>28.04.2023</a:t>
+              <a:t>16.05.2023</a:t>
             </a:fld>
             <a:endParaRPr lang="ru-RU"/>
           </a:p>
@@ -2293,7 +2294,7 @@
             <a:fld id="{85A5DE44-605B-4D3B-B2B7-94543DF81A36}" type="datetimeFigureOut">
               <a:rPr lang="ru-RU" smtClean="0"/>
               <a:pPr/>
-              <a:t>28.04.2023</a:t>
+              <a:t>16.05.2023</a:t>
             </a:fld>
             <a:endParaRPr lang="ru-RU"/>
           </a:p>
@@ -2572,7 +2573,7 @@
             <a:fld id="{85A5DE44-605B-4D3B-B2B7-94543DF81A36}" type="datetimeFigureOut">
               <a:rPr lang="ru-RU" smtClean="0"/>
               <a:pPr/>
-              <a:t>28.04.2023</a:t>
+              <a:t>16.05.2023</a:t>
             </a:fld>
             <a:endParaRPr lang="ru-RU"/>
           </a:p>
@@ -2831,7 +2832,7 @@
             <a:fld id="{85A5DE44-605B-4D3B-B2B7-94543DF81A36}" type="datetimeFigureOut">
               <a:rPr lang="ru-RU" smtClean="0"/>
               <a:pPr/>
-              <a:t>28.04.2023</a:t>
+              <a:t>16.05.2023</a:t>
             </a:fld>
             <a:endParaRPr lang="ru-RU"/>
           </a:p>
@@ -3046,7 +3047,7 @@
             <a:fld id="{85A5DE44-605B-4D3B-B2B7-94543DF81A36}" type="datetimeFigureOut">
               <a:rPr lang="ru-RU" smtClean="0"/>
               <a:pPr/>
-              <a:t>28.04.2023</a:t>
+              <a:t>16.05.2023</a:t>
             </a:fld>
             <a:endParaRPr lang="ru-RU"/>
           </a:p>
@@ -20290,6 +20291,1364 @@
     <p:extLst>
       <p:ext uri="{BB962C8B-B14F-4D97-AF65-F5344CB8AC3E}">
         <p14:creationId xmlns:p14="http://schemas.microsoft.com/office/powerpoint/2010/main" val="3113188735"/>
+      </p:ext>
+    </p:extLst>
+  </p:cSld>
+  <p:clrMapOvr>
+    <a:masterClrMapping/>
+  </p:clrMapOvr>
+</p:sld>
+</file>
+
+<file path=ppt/slides/slide2.xml><?xml version="1.0" encoding="utf-8"?>
+<p:sld xmlns:a="http://schemas.openxmlformats.org/drawingml/2006/main" xmlns:r="http://schemas.openxmlformats.org/officeDocument/2006/relationships" xmlns:p="http://schemas.openxmlformats.org/presentationml/2006/main">
+  <p:cSld>
+    <p:spTree>
+      <p:nvGrpSpPr>
+        <p:cNvPr id="1" name=""/>
+        <p:cNvGrpSpPr/>
+        <p:nvPr/>
+      </p:nvGrpSpPr>
+      <p:grpSpPr>
+        <a:xfrm>
+          <a:off x="0" y="0"/>
+          <a:ext cx="0" cy="0"/>
+          <a:chOff x="0" y="0"/>
+          <a:chExt cx="0" cy="0"/>
+        </a:xfrm>
+      </p:grpSpPr>
+      <p:sp>
+        <p:nvSpPr>
+          <p:cNvPr id="4" name="Прямоугольник 3">
+            <a:extLst>
+              <a:ext uri="{FF2B5EF4-FFF2-40B4-BE49-F238E27FC236}">
+                <a16:creationId xmlns:a16="http://schemas.microsoft.com/office/drawing/2014/main" id="{1F9C0D72-2B8C-422F-AA1B-75E2613CE527}"/>
+              </a:ext>
+            </a:extLst>
+          </p:cNvPr>
+          <p:cNvSpPr/>
+          <p:nvPr/>
+        </p:nvSpPr>
+        <p:spPr>
+          <a:xfrm>
+            <a:off x="2512632" y="2251858"/>
+            <a:ext cx="2115918" cy="1080000"/>
+          </a:xfrm>
+          <a:prstGeom prst="rect">
+            <a:avLst/>
+          </a:prstGeom>
+          <a:solidFill>
+            <a:schemeClr val="accent2"/>
+          </a:solidFill>
+          <a:ln w="28575"/>
+        </p:spPr>
+        <p:style>
+          <a:lnRef idx="2">
+            <a:schemeClr val="accent1"/>
+          </a:lnRef>
+          <a:fillRef idx="1">
+            <a:schemeClr val="lt1"/>
+          </a:fillRef>
+          <a:effectRef idx="0">
+            <a:schemeClr val="accent1"/>
+          </a:effectRef>
+          <a:fontRef idx="minor">
+            <a:schemeClr val="dk1"/>
+          </a:fontRef>
+        </p:style>
+        <p:txBody>
+          <a:bodyPr lIns="124733" tIns="62367" rIns="124733" bIns="62367" rtlCol="0" anchor="ctr"/>
+          <a:lstStyle/>
+          <a:p>
+            <a:pPr algn="ctr"/>
+            <a:r>
+              <a:rPr lang="ru-RU" sz="1400" dirty="0"/>
+              <a:t>Нацистская диктатура (</a:t>
+            </a:r>
+            <a:r>
+              <a:rPr lang="ru-RU" sz="1400" dirty="0" err="1"/>
+              <a:t>кирино</a:t>
+            </a:r>
+            <a:r>
+              <a:rPr lang="en-US" sz="1400" dirty="0"/>
+              <a:t>: </a:t>
+            </a:r>
+            <a:r>
+              <a:rPr lang="ru-RU" sz="1400" dirty="0"/>
+              <a:t>НД на 100 дней, </a:t>
+            </a:r>
+            <a:r>
+              <a:rPr lang="ru-RU" sz="1400" dirty="0" err="1"/>
+              <a:t>политка</a:t>
+            </a:r>
+            <a:r>
+              <a:rPr lang="ru-RU" sz="1400" dirty="0"/>
+              <a:t> +1, автономия +2, </a:t>
+            </a:r>
+            <a:r>
+              <a:rPr lang="ru-RU" sz="1400" dirty="0" err="1"/>
+              <a:t>фазим</a:t>
+            </a:r>
+            <a:r>
+              <a:rPr lang="ru-RU" sz="1400" dirty="0"/>
+              <a:t> +0,1)</a:t>
+            </a:r>
+            <a:endParaRPr lang="ru-RU" sz="800" dirty="0"/>
+          </a:p>
+        </p:txBody>
+      </p:sp>
+      <p:sp>
+        <p:nvSpPr>
+          <p:cNvPr id="5" name="Прямоугольник 4">
+            <a:extLst>
+              <a:ext uri="{FF2B5EF4-FFF2-40B4-BE49-F238E27FC236}">
+                <a16:creationId xmlns:a16="http://schemas.microsoft.com/office/drawing/2014/main" id="{1EEB06B4-DE13-4E69-B6E7-D0359E824360}"/>
+              </a:ext>
+            </a:extLst>
+          </p:cNvPr>
+          <p:cNvSpPr/>
+          <p:nvPr/>
+        </p:nvSpPr>
+        <p:spPr>
+          <a:xfrm>
+            <a:off x="2512632" y="3720583"/>
+            <a:ext cx="2115918" cy="1080000"/>
+          </a:xfrm>
+          <a:prstGeom prst="rect">
+            <a:avLst/>
+          </a:prstGeom>
+          <a:solidFill>
+            <a:schemeClr val="accent2"/>
+          </a:solidFill>
+          <a:ln w="28575"/>
+        </p:spPr>
+        <p:style>
+          <a:lnRef idx="2">
+            <a:schemeClr val="accent1"/>
+          </a:lnRef>
+          <a:fillRef idx="1">
+            <a:schemeClr val="lt1"/>
+          </a:fillRef>
+          <a:effectRef idx="0">
+            <a:schemeClr val="accent1"/>
+          </a:effectRef>
+          <a:fontRef idx="minor">
+            <a:schemeClr val="dk1"/>
+          </a:fontRef>
+        </p:style>
+        <p:txBody>
+          <a:bodyPr lIns="124733" tIns="62367" rIns="124733" bIns="62367" rtlCol="0" anchor="ctr"/>
+          <a:lstStyle/>
+          <a:p>
+            <a:pPr algn="ctr"/>
+            <a:r>
+              <a:rPr lang="ru-RU" sz="1400" dirty="0"/>
+              <a:t>Вооружённые отряды </a:t>
+            </a:r>
+            <a:r>
+              <a:rPr lang="ru-RU" sz="1400" dirty="0" err="1"/>
+              <a:t>серорубашечников</a:t>
+            </a:r>
+            <a:r>
+              <a:rPr lang="ru-RU" sz="1400" dirty="0"/>
+              <a:t> (</a:t>
+            </a:r>
+            <a:r>
+              <a:rPr lang="ru-RU" sz="1400" dirty="0" err="1"/>
+              <a:t>кирино</a:t>
+            </a:r>
+            <a:r>
+              <a:rPr lang="en-US" sz="1400" dirty="0"/>
+              <a:t>: </a:t>
+            </a:r>
+            <a:r>
+              <a:rPr lang="ru-RU" sz="1400" dirty="0"/>
+              <a:t>НД -20% время подготовки, </a:t>
+            </a:r>
+            <a:r>
+              <a:rPr lang="ru-RU" sz="1400" dirty="0" err="1"/>
+              <a:t>орагнизация</a:t>
+            </a:r>
+            <a:r>
+              <a:rPr lang="ru-RU" sz="1400" dirty="0"/>
+              <a:t> +8%, </a:t>
+            </a:r>
+            <a:r>
+              <a:rPr lang="ru-RU" sz="1400" dirty="0" err="1"/>
+              <a:t>военка</a:t>
+            </a:r>
+            <a:r>
+              <a:rPr lang="ru-RU" sz="1400" dirty="0"/>
+              <a:t> +1%, решение на </a:t>
+            </a:r>
+            <a:r>
+              <a:rPr lang="ru-RU" sz="1400" dirty="0" err="1"/>
+              <a:t>дивки</a:t>
+            </a:r>
+            <a:r>
+              <a:rPr lang="ru-RU" sz="1400" dirty="0"/>
+              <a:t> рубашек)</a:t>
+            </a:r>
+            <a:endParaRPr lang="ru-RU" sz="800" dirty="0"/>
+          </a:p>
+        </p:txBody>
+      </p:sp>
+      <p:cxnSp>
+        <p:nvCxnSpPr>
+          <p:cNvPr id="6" name="Shape 248">
+            <a:extLst>
+              <a:ext uri="{FF2B5EF4-FFF2-40B4-BE49-F238E27FC236}">
+                <a16:creationId xmlns:a16="http://schemas.microsoft.com/office/drawing/2014/main" id="{B234CA33-0C27-440C-A25F-97E99F3EBEA0}"/>
+              </a:ext>
+            </a:extLst>
+          </p:cNvPr>
+          <p:cNvCxnSpPr>
+            <a:cxnSpLocks/>
+          </p:cNvCxnSpPr>
+          <p:nvPr/>
+        </p:nvCxnSpPr>
+        <p:spPr>
+          <a:xfrm rot="16200000" flipH="1">
+            <a:off x="7805014" y="2156063"/>
+            <a:ext cx="353071" cy="1182405"/>
+          </a:xfrm>
+          <a:prstGeom prst="bentConnector3">
+            <a:avLst>
+              <a:gd name="adj1" fmla="val 50000"/>
+            </a:avLst>
+          </a:prstGeom>
+          <a:ln w="28575">
+            <a:prstDash val="dash"/>
+            <a:tailEnd type="arrow"/>
+          </a:ln>
+        </p:spPr>
+        <p:style>
+          <a:lnRef idx="1">
+            <a:schemeClr val="accent1"/>
+          </a:lnRef>
+          <a:fillRef idx="0">
+            <a:schemeClr val="accent1"/>
+          </a:fillRef>
+          <a:effectRef idx="0">
+            <a:schemeClr val="accent1"/>
+          </a:effectRef>
+          <a:fontRef idx="minor">
+            <a:schemeClr val="tx1"/>
+          </a:fontRef>
+        </p:style>
+      </p:cxnSp>
+      <p:cxnSp>
+        <p:nvCxnSpPr>
+          <p:cNvPr id="7" name="Shape 248">
+            <a:extLst>
+              <a:ext uri="{FF2B5EF4-FFF2-40B4-BE49-F238E27FC236}">
+                <a16:creationId xmlns:a16="http://schemas.microsoft.com/office/drawing/2014/main" id="{9C43B1C8-42BA-4945-AF2A-77ECD434BF3F}"/>
+              </a:ext>
+            </a:extLst>
+          </p:cNvPr>
+          <p:cNvCxnSpPr>
+            <a:cxnSpLocks/>
+          </p:cNvCxnSpPr>
+          <p:nvPr/>
+        </p:nvCxnSpPr>
+        <p:spPr>
+          <a:xfrm rot="5400000">
+            <a:off x="6587839" y="2121293"/>
+            <a:ext cx="353071" cy="1251946"/>
+          </a:xfrm>
+          <a:prstGeom prst="bentConnector3">
+            <a:avLst>
+              <a:gd name="adj1" fmla="val 50000"/>
+            </a:avLst>
+          </a:prstGeom>
+          <a:ln w="28575">
+            <a:tailEnd type="arrow"/>
+          </a:ln>
+        </p:spPr>
+        <p:style>
+          <a:lnRef idx="1">
+            <a:schemeClr val="accent1"/>
+          </a:lnRef>
+          <a:fillRef idx="0">
+            <a:schemeClr val="accent1"/>
+          </a:fillRef>
+          <a:effectRef idx="0">
+            <a:schemeClr val="accent1"/>
+          </a:effectRef>
+          <a:fontRef idx="minor">
+            <a:schemeClr val="tx1"/>
+          </a:fontRef>
+        </p:style>
+      </p:cxnSp>
+      <p:cxnSp>
+        <p:nvCxnSpPr>
+          <p:cNvPr id="8" name="Прямая со стрелкой 7">
+            <a:extLst>
+              <a:ext uri="{FF2B5EF4-FFF2-40B4-BE49-F238E27FC236}">
+                <a16:creationId xmlns:a16="http://schemas.microsoft.com/office/drawing/2014/main" id="{A5B1A6DF-B58D-4E00-8DA0-A96D9F0E3C53}"/>
+              </a:ext>
+            </a:extLst>
+          </p:cNvPr>
+          <p:cNvCxnSpPr>
+            <a:cxnSpLocks/>
+          </p:cNvCxnSpPr>
+          <p:nvPr/>
+        </p:nvCxnSpPr>
+        <p:spPr>
+          <a:xfrm flipH="1">
+            <a:off x="7390347" y="1146555"/>
+            <a:ext cx="242" cy="344176"/>
+          </a:xfrm>
+          <a:prstGeom prst="straightConnector1">
+            <a:avLst/>
+          </a:prstGeom>
+          <a:ln w="28575">
+            <a:tailEnd type="arrow"/>
+          </a:ln>
+        </p:spPr>
+        <p:style>
+          <a:lnRef idx="1">
+            <a:schemeClr val="accent1"/>
+          </a:lnRef>
+          <a:fillRef idx="0">
+            <a:schemeClr val="accent1"/>
+          </a:fillRef>
+          <a:effectRef idx="0">
+            <a:schemeClr val="accent1"/>
+          </a:effectRef>
+          <a:fontRef idx="minor">
+            <a:schemeClr val="tx1"/>
+          </a:fontRef>
+        </p:style>
+      </p:cxnSp>
+      <p:cxnSp>
+        <p:nvCxnSpPr>
+          <p:cNvPr id="9" name="Прямая соединительная линия 8">
+            <a:extLst>
+              <a:ext uri="{FF2B5EF4-FFF2-40B4-BE49-F238E27FC236}">
+                <a16:creationId xmlns:a16="http://schemas.microsoft.com/office/drawing/2014/main" id="{021126FA-D9A9-479C-94E2-9B1AF5E5451A}"/>
+              </a:ext>
+            </a:extLst>
+          </p:cNvPr>
+          <p:cNvCxnSpPr>
+            <a:cxnSpLocks/>
+            <a:stCxn id="11" idx="3"/>
+            <a:endCxn id="12" idx="1"/>
+          </p:cNvCxnSpPr>
+          <p:nvPr/>
+        </p:nvCxnSpPr>
+        <p:spPr>
+          <a:xfrm>
+            <a:off x="3334287" y="7198033"/>
+            <a:ext cx="415924" cy="0"/>
+          </a:xfrm>
+          <a:prstGeom prst="line">
+            <a:avLst/>
+          </a:prstGeom>
+          <a:ln w="38100">
+            <a:solidFill>
+              <a:srgbClr val="FF0000"/>
+            </a:solidFill>
+          </a:ln>
+        </p:spPr>
+        <p:style>
+          <a:lnRef idx="1">
+            <a:schemeClr val="accent2"/>
+          </a:lnRef>
+          <a:fillRef idx="0">
+            <a:schemeClr val="accent2"/>
+          </a:fillRef>
+          <a:effectRef idx="0">
+            <a:schemeClr val="accent2"/>
+          </a:effectRef>
+          <a:fontRef idx="minor">
+            <a:schemeClr val="tx1"/>
+          </a:fontRef>
+        </p:style>
+      </p:cxnSp>
+      <p:sp>
+        <p:nvSpPr>
+          <p:cNvPr id="10" name="Прямоугольник 9">
+            <a:extLst>
+              <a:ext uri="{FF2B5EF4-FFF2-40B4-BE49-F238E27FC236}">
+                <a16:creationId xmlns:a16="http://schemas.microsoft.com/office/drawing/2014/main" id="{66B19C8F-C1CF-449B-9FD8-33ABF2ABBEF2}"/>
+              </a:ext>
+            </a:extLst>
+          </p:cNvPr>
+          <p:cNvSpPr/>
+          <p:nvPr/>
+        </p:nvSpPr>
+        <p:spPr>
+          <a:xfrm>
+            <a:off x="2512632" y="5189308"/>
+            <a:ext cx="2115918" cy="1080000"/>
+          </a:xfrm>
+          <a:prstGeom prst="rect">
+            <a:avLst/>
+          </a:prstGeom>
+          <a:solidFill>
+            <a:schemeClr val="accent2"/>
+          </a:solidFill>
+          <a:ln w="28575"/>
+        </p:spPr>
+        <p:style>
+          <a:lnRef idx="2">
+            <a:schemeClr val="accent1"/>
+          </a:lnRef>
+          <a:fillRef idx="1">
+            <a:schemeClr val="lt1"/>
+          </a:fillRef>
+          <a:effectRef idx="0">
+            <a:schemeClr val="accent1"/>
+          </a:effectRef>
+          <a:fontRef idx="minor">
+            <a:schemeClr val="dk1"/>
+          </a:fontRef>
+        </p:style>
+        <p:txBody>
+          <a:bodyPr lIns="124733" tIns="62367" rIns="124733" bIns="62367" rtlCol="0" anchor="ctr"/>
+          <a:lstStyle/>
+          <a:p>
+            <a:pPr algn="ctr"/>
+            <a:r>
+              <a:rPr lang="ru-RU" sz="1400" dirty="0"/>
+              <a:t>Объявить о независимости от Британии (</a:t>
+            </a:r>
+            <a:r>
+              <a:rPr lang="ru-RU" sz="1400" dirty="0" err="1"/>
+              <a:t>кирино</a:t>
+            </a:r>
+            <a:r>
+              <a:rPr lang="en-US" sz="1400" dirty="0"/>
+              <a:t>: </a:t>
+            </a:r>
+            <a:r>
+              <a:rPr lang="ru-RU" sz="1400" dirty="0"/>
+              <a:t>свобода)</a:t>
+            </a:r>
+            <a:endParaRPr lang="ru-RU" sz="800" dirty="0"/>
+          </a:p>
+        </p:txBody>
+      </p:sp>
+      <p:sp>
+        <p:nvSpPr>
+          <p:cNvPr id="11" name="Прямоугольник 10">
+            <a:extLst>
+              <a:ext uri="{FF2B5EF4-FFF2-40B4-BE49-F238E27FC236}">
+                <a16:creationId xmlns:a16="http://schemas.microsoft.com/office/drawing/2014/main" id="{79058CB1-7ABF-43FB-AD92-0741BD72F940}"/>
+              </a:ext>
+            </a:extLst>
+          </p:cNvPr>
+          <p:cNvSpPr/>
+          <p:nvPr/>
+        </p:nvSpPr>
+        <p:spPr>
+          <a:xfrm>
+            <a:off x="1218369" y="6658033"/>
+            <a:ext cx="2115918" cy="1080000"/>
+          </a:xfrm>
+          <a:prstGeom prst="rect">
+            <a:avLst/>
+          </a:prstGeom>
+          <a:solidFill>
+            <a:schemeClr val="accent2"/>
+          </a:solidFill>
+          <a:ln w="28575"/>
+        </p:spPr>
+        <p:style>
+          <a:lnRef idx="2">
+            <a:schemeClr val="accent1"/>
+          </a:lnRef>
+          <a:fillRef idx="1">
+            <a:schemeClr val="lt1"/>
+          </a:fillRef>
+          <a:effectRef idx="0">
+            <a:schemeClr val="accent1"/>
+          </a:effectRef>
+          <a:fontRef idx="minor">
+            <a:schemeClr val="dk1"/>
+          </a:fontRef>
+        </p:style>
+        <p:txBody>
+          <a:bodyPr lIns="124733" tIns="62367" rIns="124733" bIns="62367" rtlCol="0" anchor="ctr"/>
+          <a:lstStyle/>
+          <a:p>
+            <a:pPr algn="ctr"/>
+            <a:r>
+              <a:rPr lang="ru-RU" sz="1400" dirty="0"/>
+              <a:t>Союз белой Африки (</a:t>
+            </a:r>
+            <a:r>
+              <a:rPr lang="ru-RU" sz="1400" dirty="0" err="1"/>
+              <a:t>кирино</a:t>
+            </a:r>
+            <a:r>
+              <a:rPr lang="en-US" sz="1400" dirty="0"/>
+              <a:t>: </a:t>
+            </a:r>
+            <a:r>
+              <a:rPr lang="ru-RU" sz="1400" dirty="0"/>
+              <a:t>одноимённый альянс)</a:t>
+            </a:r>
+            <a:endParaRPr lang="ru-RU" sz="800" dirty="0"/>
+          </a:p>
+        </p:txBody>
+      </p:sp>
+      <p:sp>
+        <p:nvSpPr>
+          <p:cNvPr id="12" name="Прямоугольник 11">
+            <a:extLst>
+              <a:ext uri="{FF2B5EF4-FFF2-40B4-BE49-F238E27FC236}">
+                <a16:creationId xmlns:a16="http://schemas.microsoft.com/office/drawing/2014/main" id="{98BC2A06-2E3C-4DF7-B51A-82E3CD9D83BE}"/>
+              </a:ext>
+            </a:extLst>
+          </p:cNvPr>
+          <p:cNvSpPr/>
+          <p:nvPr/>
+        </p:nvSpPr>
+        <p:spPr>
+          <a:xfrm>
+            <a:off x="3750211" y="6658033"/>
+            <a:ext cx="2115918" cy="1080000"/>
+          </a:xfrm>
+          <a:prstGeom prst="rect">
+            <a:avLst/>
+          </a:prstGeom>
+          <a:solidFill>
+            <a:schemeClr val="accent2"/>
+          </a:solidFill>
+          <a:ln w="28575"/>
+        </p:spPr>
+        <p:style>
+          <a:lnRef idx="2">
+            <a:schemeClr val="accent1"/>
+          </a:lnRef>
+          <a:fillRef idx="1">
+            <a:schemeClr val="lt1"/>
+          </a:fillRef>
+          <a:effectRef idx="0">
+            <a:schemeClr val="accent1"/>
+          </a:effectRef>
+          <a:fontRef idx="minor">
+            <a:schemeClr val="dk1"/>
+          </a:fontRef>
+        </p:style>
+        <p:txBody>
+          <a:bodyPr lIns="124733" tIns="62367" rIns="124733" bIns="62367" rtlCol="0" anchor="ctr"/>
+          <a:lstStyle/>
+          <a:p>
+            <a:pPr algn="ctr"/>
+            <a:r>
+              <a:rPr lang="ru-RU" sz="1400" dirty="0"/>
+              <a:t>Вступить в Ось (</a:t>
+            </a:r>
+            <a:r>
+              <a:rPr lang="ru-RU" sz="1400" dirty="0" err="1"/>
+              <a:t>кирино</a:t>
+            </a:r>
+            <a:r>
+              <a:rPr lang="ru-RU" sz="1400" dirty="0"/>
+              <a:t>)</a:t>
+            </a:r>
+            <a:endParaRPr lang="ru-RU" sz="800" dirty="0"/>
+          </a:p>
+        </p:txBody>
+      </p:sp>
+      <p:sp>
+        <p:nvSpPr>
+          <p:cNvPr id="13" name="Прямоугольник 12">
+            <a:extLst>
+              <a:ext uri="{FF2B5EF4-FFF2-40B4-BE49-F238E27FC236}">
+                <a16:creationId xmlns:a16="http://schemas.microsoft.com/office/drawing/2014/main" id="{79F30FFD-254C-4994-BCCF-7802FA86095A}"/>
+              </a:ext>
+            </a:extLst>
+          </p:cNvPr>
+          <p:cNvSpPr/>
+          <p:nvPr/>
+        </p:nvSpPr>
+        <p:spPr>
+          <a:xfrm>
+            <a:off x="3750211" y="8126758"/>
+            <a:ext cx="2115918" cy="1080000"/>
+          </a:xfrm>
+          <a:prstGeom prst="rect">
+            <a:avLst/>
+          </a:prstGeom>
+          <a:solidFill>
+            <a:schemeClr val="accent2"/>
+          </a:solidFill>
+          <a:ln w="28575"/>
+        </p:spPr>
+        <p:style>
+          <a:lnRef idx="2">
+            <a:schemeClr val="accent1"/>
+          </a:lnRef>
+          <a:fillRef idx="1">
+            <a:schemeClr val="lt1"/>
+          </a:fillRef>
+          <a:effectRef idx="0">
+            <a:schemeClr val="accent1"/>
+          </a:effectRef>
+          <a:fontRef idx="minor">
+            <a:schemeClr val="dk1"/>
+          </a:fontRef>
+        </p:style>
+        <p:txBody>
+          <a:bodyPr lIns="124733" tIns="62367" rIns="124733" bIns="62367" rtlCol="0" anchor="ctr"/>
+          <a:lstStyle/>
+          <a:p>
+            <a:pPr algn="ctr"/>
+            <a:r>
+              <a:rPr lang="ru-RU" sz="1400" dirty="0"/>
+              <a:t>Совместные разработки (</a:t>
+            </a:r>
+            <a:r>
+              <a:rPr lang="ru-RU" sz="1400" dirty="0" err="1"/>
+              <a:t>кирино</a:t>
+            </a:r>
+            <a:r>
+              <a:rPr lang="en-US" sz="1400" dirty="0"/>
+              <a:t>: </a:t>
+            </a:r>
+            <a:r>
+              <a:rPr lang="ru-RU" sz="1400" dirty="0"/>
+              <a:t>одноимённый альянс)</a:t>
+            </a:r>
+            <a:endParaRPr lang="ru-RU" sz="800" dirty="0"/>
+          </a:p>
+        </p:txBody>
+      </p:sp>
+      <p:sp>
+        <p:nvSpPr>
+          <p:cNvPr id="16" name="Прямоугольник 15">
+            <a:extLst>
+              <a:ext uri="{FF2B5EF4-FFF2-40B4-BE49-F238E27FC236}">
+                <a16:creationId xmlns:a16="http://schemas.microsoft.com/office/drawing/2014/main" id="{15A5BF7B-9859-4D99-B8AC-4D91B0C96D00}"/>
+              </a:ext>
+            </a:extLst>
+          </p:cNvPr>
+          <p:cNvSpPr/>
+          <p:nvPr/>
+        </p:nvSpPr>
+        <p:spPr>
+          <a:xfrm>
+            <a:off x="2512632" y="9595483"/>
+            <a:ext cx="2115918" cy="1080000"/>
+          </a:xfrm>
+          <a:prstGeom prst="rect">
+            <a:avLst/>
+          </a:prstGeom>
+          <a:solidFill>
+            <a:schemeClr val="accent2"/>
+          </a:solidFill>
+          <a:ln w="28575"/>
+        </p:spPr>
+        <p:style>
+          <a:lnRef idx="2">
+            <a:schemeClr val="accent1"/>
+          </a:lnRef>
+          <a:fillRef idx="1">
+            <a:schemeClr val="lt1"/>
+          </a:fillRef>
+          <a:effectRef idx="0">
+            <a:schemeClr val="accent1"/>
+          </a:effectRef>
+          <a:fontRef idx="minor">
+            <a:schemeClr val="dk1"/>
+          </a:fontRef>
+        </p:style>
+        <p:txBody>
+          <a:bodyPr lIns="124733" tIns="62367" rIns="124733" bIns="62367" rtlCol="0" anchor="ctr"/>
+          <a:lstStyle/>
+          <a:p>
+            <a:pPr algn="ctr"/>
+            <a:r>
+              <a:rPr lang="ru-RU" sz="1400" dirty="0"/>
+              <a:t>Внедриться в Южную Родезию (</a:t>
+            </a:r>
+            <a:r>
+              <a:rPr lang="ru-RU" sz="1400" dirty="0" err="1"/>
+              <a:t>кирино</a:t>
+            </a:r>
+            <a:r>
+              <a:rPr lang="en-US" sz="1400" dirty="0"/>
+              <a:t>: </a:t>
+            </a:r>
+            <a:r>
+              <a:rPr lang="ru-RU" sz="1400" dirty="0"/>
+              <a:t>решения)</a:t>
+            </a:r>
+            <a:endParaRPr lang="ru-RU" sz="800" dirty="0"/>
+          </a:p>
+        </p:txBody>
+      </p:sp>
+      <p:sp>
+        <p:nvSpPr>
+          <p:cNvPr id="17" name="Прямоугольник 16">
+            <a:extLst>
+              <a:ext uri="{FF2B5EF4-FFF2-40B4-BE49-F238E27FC236}">
+                <a16:creationId xmlns:a16="http://schemas.microsoft.com/office/drawing/2014/main" id="{6F904001-736C-4D47-AD3B-976AAF18B4B5}"/>
+              </a:ext>
+            </a:extLst>
+          </p:cNvPr>
+          <p:cNvSpPr/>
+          <p:nvPr/>
+        </p:nvSpPr>
+        <p:spPr>
+          <a:xfrm>
+            <a:off x="5080442" y="9595483"/>
+            <a:ext cx="2115918" cy="1080000"/>
+          </a:xfrm>
+          <a:prstGeom prst="rect">
+            <a:avLst/>
+          </a:prstGeom>
+          <a:solidFill>
+            <a:schemeClr val="accent2"/>
+          </a:solidFill>
+          <a:ln w="28575"/>
+        </p:spPr>
+        <p:style>
+          <a:lnRef idx="2">
+            <a:schemeClr val="accent1"/>
+          </a:lnRef>
+          <a:fillRef idx="1">
+            <a:schemeClr val="lt1"/>
+          </a:fillRef>
+          <a:effectRef idx="0">
+            <a:schemeClr val="accent1"/>
+          </a:effectRef>
+          <a:fontRef idx="minor">
+            <a:schemeClr val="dk1"/>
+          </a:fontRef>
+        </p:style>
+        <p:txBody>
+          <a:bodyPr lIns="124733" tIns="62367" rIns="124733" bIns="62367" rtlCol="0" anchor="ctr"/>
+          <a:lstStyle/>
+          <a:p>
+            <a:pPr algn="ctr"/>
+            <a:r>
+              <a:rPr lang="ru-RU" sz="1400" dirty="0" err="1"/>
+              <a:t>Преторийские</a:t>
+            </a:r>
+            <a:r>
+              <a:rPr lang="ru-RU" sz="1400" dirty="0"/>
+              <a:t> законы (</a:t>
+            </a:r>
+            <a:r>
+              <a:rPr lang="ru-RU" sz="1400" dirty="0" err="1"/>
+              <a:t>кирино</a:t>
+            </a:r>
+            <a:r>
+              <a:rPr lang="en-US" sz="1400" dirty="0"/>
+              <a:t>: </a:t>
+            </a:r>
+            <a:r>
+              <a:rPr lang="ru-RU" sz="1400" dirty="0"/>
+              <a:t>всякое такое судя по </a:t>
+            </a:r>
+            <a:r>
+              <a:rPr lang="ru-RU" sz="1400" dirty="0" err="1"/>
+              <a:t>тултипу</a:t>
+            </a:r>
+            <a:r>
+              <a:rPr lang="ru-RU" sz="1400" dirty="0"/>
+              <a:t>)</a:t>
+            </a:r>
+            <a:endParaRPr lang="ru-RU" sz="800" dirty="0"/>
+          </a:p>
+        </p:txBody>
+      </p:sp>
+      <p:sp>
+        <p:nvSpPr>
+          <p:cNvPr id="23" name="Прямоугольник 22">
+            <a:extLst>
+              <a:ext uri="{FF2B5EF4-FFF2-40B4-BE49-F238E27FC236}">
+                <a16:creationId xmlns:a16="http://schemas.microsoft.com/office/drawing/2014/main" id="{460B3274-71A8-4E02-BF84-C018D966FCE8}"/>
+              </a:ext>
+            </a:extLst>
+          </p:cNvPr>
+          <p:cNvSpPr/>
+          <p:nvPr/>
+        </p:nvSpPr>
+        <p:spPr>
+          <a:xfrm>
+            <a:off x="6332388" y="11064208"/>
+            <a:ext cx="2115918" cy="1080000"/>
+          </a:xfrm>
+          <a:prstGeom prst="rect">
+            <a:avLst/>
+          </a:prstGeom>
+          <a:solidFill>
+            <a:schemeClr val="accent2"/>
+          </a:solidFill>
+          <a:ln w="28575"/>
+        </p:spPr>
+        <p:style>
+          <a:lnRef idx="2">
+            <a:schemeClr val="accent1"/>
+          </a:lnRef>
+          <a:fillRef idx="1">
+            <a:schemeClr val="lt1"/>
+          </a:fillRef>
+          <a:effectRef idx="0">
+            <a:schemeClr val="accent1"/>
+          </a:effectRef>
+          <a:fontRef idx="minor">
+            <a:schemeClr val="dk1"/>
+          </a:fontRef>
+        </p:style>
+        <p:txBody>
+          <a:bodyPr lIns="124733" tIns="62367" rIns="124733" bIns="62367" rtlCol="0" anchor="ctr"/>
+          <a:lstStyle/>
+          <a:p>
+            <a:pPr algn="ctr"/>
+            <a:r>
+              <a:rPr lang="ru-RU" sz="1400" dirty="0"/>
+              <a:t>Провести референдум в Южной Родезии (</a:t>
+            </a:r>
+            <a:r>
+              <a:rPr lang="ru-RU" sz="1400" dirty="0" err="1"/>
+              <a:t>кирино</a:t>
+            </a:r>
+            <a:r>
+              <a:rPr lang="en-US" sz="1400" dirty="0"/>
+              <a:t>: </a:t>
+            </a:r>
+            <a:r>
+              <a:rPr lang="ru-RU" sz="1400" dirty="0"/>
+              <a:t>претензии и объединение)</a:t>
+            </a:r>
+            <a:endParaRPr lang="ru-RU" sz="800" dirty="0"/>
+          </a:p>
+        </p:txBody>
+      </p:sp>
+      <p:sp>
+        <p:nvSpPr>
+          <p:cNvPr id="24" name="Прямоугольник 23">
+            <a:extLst>
+              <a:ext uri="{FF2B5EF4-FFF2-40B4-BE49-F238E27FC236}">
+                <a16:creationId xmlns:a16="http://schemas.microsoft.com/office/drawing/2014/main" id="{8B932D75-8E0B-42AE-9709-A099564F76B0}"/>
+              </a:ext>
+            </a:extLst>
+          </p:cNvPr>
+          <p:cNvSpPr/>
+          <p:nvPr/>
+        </p:nvSpPr>
+        <p:spPr>
+          <a:xfrm>
+            <a:off x="5080442" y="12532933"/>
+            <a:ext cx="2115918" cy="1080000"/>
+          </a:xfrm>
+          <a:prstGeom prst="rect">
+            <a:avLst/>
+          </a:prstGeom>
+          <a:solidFill>
+            <a:schemeClr val="accent2"/>
+          </a:solidFill>
+          <a:ln w="28575"/>
+        </p:spPr>
+        <p:style>
+          <a:lnRef idx="2">
+            <a:schemeClr val="accent1"/>
+          </a:lnRef>
+          <a:fillRef idx="1">
+            <a:schemeClr val="lt1"/>
+          </a:fillRef>
+          <a:effectRef idx="0">
+            <a:schemeClr val="accent1"/>
+          </a:effectRef>
+          <a:fontRef idx="minor">
+            <a:schemeClr val="dk1"/>
+          </a:fontRef>
+        </p:style>
+        <p:txBody>
+          <a:bodyPr lIns="124733" tIns="62367" rIns="124733" bIns="62367" rtlCol="0" anchor="ctr"/>
+          <a:lstStyle/>
+          <a:p>
+            <a:pPr algn="ctr"/>
+            <a:r>
+              <a:rPr lang="ru-RU" sz="1400" dirty="0"/>
+              <a:t>Объединение Родезии (</a:t>
+            </a:r>
+            <a:r>
+              <a:rPr lang="ru-RU" sz="1400" dirty="0" err="1"/>
+              <a:t>кирино</a:t>
+            </a:r>
+            <a:r>
+              <a:rPr lang="en-US" sz="1400" dirty="0"/>
+              <a:t>: </a:t>
+            </a:r>
+            <a:r>
+              <a:rPr lang="ru-RU" sz="1400" dirty="0" err="1"/>
+              <a:t>щас</a:t>
+            </a:r>
+            <a:r>
+              <a:rPr lang="ru-RU" sz="1400" dirty="0"/>
+              <a:t> вообще пусто)</a:t>
+            </a:r>
+            <a:endParaRPr lang="ru-RU" sz="800" dirty="0"/>
+          </a:p>
+        </p:txBody>
+      </p:sp>
+      <p:sp>
+        <p:nvSpPr>
+          <p:cNvPr id="25" name="Прямоугольник 24">
+            <a:extLst>
+              <a:ext uri="{FF2B5EF4-FFF2-40B4-BE49-F238E27FC236}">
+                <a16:creationId xmlns:a16="http://schemas.microsoft.com/office/drawing/2014/main" id="{75AC6935-7994-4025-972C-A9B606F1C600}"/>
+              </a:ext>
+            </a:extLst>
+          </p:cNvPr>
+          <p:cNvSpPr/>
+          <p:nvPr/>
+        </p:nvSpPr>
+        <p:spPr>
+          <a:xfrm>
+            <a:off x="7981549" y="12532933"/>
+            <a:ext cx="2115918" cy="1080000"/>
+          </a:xfrm>
+          <a:prstGeom prst="rect">
+            <a:avLst/>
+          </a:prstGeom>
+          <a:solidFill>
+            <a:schemeClr val="accent2"/>
+          </a:solidFill>
+          <a:ln w="28575"/>
+        </p:spPr>
+        <p:style>
+          <a:lnRef idx="2">
+            <a:schemeClr val="accent1"/>
+          </a:lnRef>
+          <a:fillRef idx="1">
+            <a:schemeClr val="lt1"/>
+          </a:fillRef>
+          <a:effectRef idx="0">
+            <a:schemeClr val="accent1"/>
+          </a:effectRef>
+          <a:fontRef idx="minor">
+            <a:schemeClr val="dk1"/>
+          </a:fontRef>
+        </p:style>
+        <p:txBody>
+          <a:bodyPr lIns="124733" tIns="62367" rIns="124733" bIns="62367" rtlCol="0" anchor="ctr"/>
+          <a:lstStyle/>
+          <a:p>
+            <a:pPr algn="ctr"/>
+            <a:r>
+              <a:rPr lang="ru-RU" sz="1400" dirty="0"/>
+              <a:t>Централизация Южной Африки (</a:t>
+            </a:r>
+            <a:r>
+              <a:rPr lang="ru-RU" sz="1400" dirty="0" err="1"/>
+              <a:t>кирино</a:t>
+            </a:r>
+            <a:r>
+              <a:rPr lang="en-US" sz="1400" dirty="0"/>
+              <a:t>: </a:t>
+            </a:r>
+            <a:r>
+              <a:rPr lang="ru-RU" sz="1400" dirty="0"/>
+              <a:t>НД +10% </a:t>
+            </a:r>
+            <a:r>
+              <a:rPr lang="ru-RU" sz="1400" dirty="0" err="1"/>
+              <a:t>политки</a:t>
+            </a:r>
+            <a:r>
+              <a:rPr lang="ru-RU" sz="1400" dirty="0"/>
+              <a:t>, люди </a:t>
+            </a:r>
+            <a:r>
+              <a:rPr lang="ru-RU" sz="1400" dirty="0" err="1"/>
+              <a:t>ненац</a:t>
+            </a:r>
+            <a:r>
+              <a:rPr lang="ru-RU" sz="1400" dirty="0"/>
+              <a:t> +2%, атака и защита на </a:t>
+            </a:r>
+            <a:r>
+              <a:rPr lang="ru-RU" sz="1400" dirty="0" err="1"/>
+              <a:t>нац</a:t>
+            </a:r>
+            <a:r>
+              <a:rPr lang="ru-RU" sz="1400" dirty="0"/>
+              <a:t> +5%</a:t>
+            </a:r>
+            <a:r>
+              <a:rPr lang="en-US" sz="1400" dirty="0"/>
+              <a:t>; </a:t>
+            </a:r>
+            <a:r>
+              <a:rPr lang="ru-RU" sz="1400" dirty="0"/>
+              <a:t>+100 </a:t>
+            </a:r>
+            <a:r>
+              <a:rPr lang="ru-RU" sz="1400" dirty="0" err="1"/>
+              <a:t>политки</a:t>
+            </a:r>
+            <a:r>
+              <a:rPr lang="ru-RU" sz="1400" dirty="0"/>
+              <a:t>, +10% </a:t>
+            </a:r>
+            <a:r>
+              <a:rPr lang="ru-RU" sz="1400" dirty="0" err="1"/>
+              <a:t>стабы</a:t>
+            </a:r>
+            <a:r>
+              <a:rPr lang="ru-RU" sz="1400" dirty="0"/>
+              <a:t> и поддержки)</a:t>
+            </a:r>
+            <a:endParaRPr lang="ru-RU" sz="800" dirty="0"/>
+          </a:p>
+        </p:txBody>
+      </p:sp>
+      <p:sp>
+        <p:nvSpPr>
+          <p:cNvPr id="26" name="Прямоугольник 25">
+            <a:extLst>
+              <a:ext uri="{FF2B5EF4-FFF2-40B4-BE49-F238E27FC236}">
+                <a16:creationId xmlns:a16="http://schemas.microsoft.com/office/drawing/2014/main" id="{CD50A99F-E1B4-48A5-97DB-ADFEE84EBF5C}"/>
+              </a:ext>
+            </a:extLst>
+          </p:cNvPr>
+          <p:cNvSpPr/>
+          <p:nvPr/>
+        </p:nvSpPr>
+        <p:spPr>
+          <a:xfrm>
+            <a:off x="9298815" y="14001658"/>
+            <a:ext cx="2115918" cy="1080000"/>
+          </a:xfrm>
+          <a:prstGeom prst="rect">
+            <a:avLst/>
+          </a:prstGeom>
+          <a:solidFill>
+            <a:schemeClr val="accent2"/>
+          </a:solidFill>
+          <a:ln w="28575"/>
+        </p:spPr>
+        <p:style>
+          <a:lnRef idx="2">
+            <a:schemeClr val="accent1"/>
+          </a:lnRef>
+          <a:fillRef idx="1">
+            <a:schemeClr val="lt1"/>
+          </a:fillRef>
+          <a:effectRef idx="0">
+            <a:schemeClr val="accent1"/>
+          </a:effectRef>
+          <a:fontRef idx="minor">
+            <a:schemeClr val="dk1"/>
+          </a:fontRef>
+        </p:style>
+        <p:txBody>
+          <a:bodyPr lIns="124733" tIns="62367" rIns="124733" bIns="62367" rtlCol="0" anchor="ctr"/>
+          <a:lstStyle/>
+          <a:p>
+            <a:pPr algn="ctr"/>
+            <a:r>
+              <a:rPr lang="ru-RU" sz="1400" dirty="0"/>
+              <a:t>Потребовать контроль над протекторатами (</a:t>
+            </a:r>
+            <a:r>
+              <a:rPr lang="ru-RU" sz="1400" dirty="0" err="1"/>
+              <a:t>кирино</a:t>
+            </a:r>
+            <a:r>
+              <a:rPr lang="en-US" sz="1400" dirty="0"/>
+              <a:t>: </a:t>
+            </a:r>
+            <a:r>
+              <a:rPr lang="ru-RU" sz="1400" dirty="0"/>
+              <a:t>претензия и ивент)</a:t>
+            </a:r>
+            <a:endParaRPr lang="ru-RU" sz="800" dirty="0"/>
+          </a:p>
+        </p:txBody>
+      </p:sp>
+      <p:sp>
+        <p:nvSpPr>
+          <p:cNvPr id="27" name="Прямоугольник 26">
+            <a:extLst>
+              <a:ext uri="{FF2B5EF4-FFF2-40B4-BE49-F238E27FC236}">
+                <a16:creationId xmlns:a16="http://schemas.microsoft.com/office/drawing/2014/main" id="{17F70722-D13D-41F3-BE3E-56DF8747031F}"/>
+              </a:ext>
+            </a:extLst>
+          </p:cNvPr>
+          <p:cNvSpPr/>
+          <p:nvPr/>
+        </p:nvSpPr>
+        <p:spPr>
+          <a:xfrm>
+            <a:off x="5080442" y="3723292"/>
+            <a:ext cx="2115918" cy="1080000"/>
+          </a:xfrm>
+          <a:prstGeom prst="rect">
+            <a:avLst/>
+          </a:prstGeom>
+          <a:solidFill>
+            <a:schemeClr val="accent2"/>
+          </a:solidFill>
+          <a:ln w="28575"/>
+        </p:spPr>
+        <p:style>
+          <a:lnRef idx="2">
+            <a:schemeClr val="accent1"/>
+          </a:lnRef>
+          <a:fillRef idx="1">
+            <a:schemeClr val="lt1"/>
+          </a:fillRef>
+          <a:effectRef idx="0">
+            <a:schemeClr val="accent1"/>
+          </a:effectRef>
+          <a:fontRef idx="minor">
+            <a:schemeClr val="dk1"/>
+          </a:fontRef>
+        </p:style>
+        <p:txBody>
+          <a:bodyPr lIns="124733" tIns="62367" rIns="124733" bIns="62367" rtlCol="0" anchor="ctr"/>
+          <a:lstStyle/>
+          <a:p>
+            <a:pPr algn="ctr"/>
+            <a:r>
+              <a:rPr lang="ru-RU" sz="1400" dirty="0"/>
+              <a:t>Принять спонсирование от НДСАП </a:t>
+            </a:r>
+            <a:r>
+              <a:rPr lang="ru-RU" sz="800" dirty="0"/>
+              <a:t>(Южноафриканское нееврейское национал-социалистическое движение финансировалось НСДАП/АО и получило поддержку среди молодых немцев, южноафриканцев и буров)</a:t>
+            </a:r>
+          </a:p>
+        </p:txBody>
+      </p:sp>
+      <p:sp>
+        <p:nvSpPr>
+          <p:cNvPr id="28" name="Прямоугольник 27">
+            <a:extLst>
+              <a:ext uri="{FF2B5EF4-FFF2-40B4-BE49-F238E27FC236}">
+                <a16:creationId xmlns:a16="http://schemas.microsoft.com/office/drawing/2014/main" id="{E5389385-69EE-48FB-A1DC-B9F4755FB094}"/>
+              </a:ext>
+            </a:extLst>
+          </p:cNvPr>
+          <p:cNvSpPr/>
+          <p:nvPr/>
+        </p:nvSpPr>
+        <p:spPr>
+          <a:xfrm>
+            <a:off x="-55178" y="3720583"/>
+            <a:ext cx="2115918" cy="1077903"/>
+          </a:xfrm>
+          <a:prstGeom prst="rect">
+            <a:avLst/>
+          </a:prstGeom>
+          <a:solidFill>
+            <a:schemeClr val="accent2"/>
+          </a:solidFill>
+          <a:ln w="28575"/>
+        </p:spPr>
+        <p:style>
+          <a:lnRef idx="2">
+            <a:schemeClr val="accent1"/>
+          </a:lnRef>
+          <a:fillRef idx="1">
+            <a:schemeClr val="lt1"/>
+          </a:fillRef>
+          <a:effectRef idx="0">
+            <a:schemeClr val="accent1"/>
+          </a:effectRef>
+          <a:fontRef idx="minor">
+            <a:schemeClr val="dk1"/>
+          </a:fontRef>
+        </p:style>
+        <p:txBody>
+          <a:bodyPr lIns="124733" tIns="62367" rIns="124733" bIns="62367" rtlCol="0" anchor="ctr"/>
+          <a:lstStyle/>
+          <a:p>
+            <a:pPr algn="ctr"/>
+            <a:r>
+              <a:rPr lang="ru-RU" sz="1400" dirty="0"/>
+              <a:t>Решить вопрос с англичанами </a:t>
+            </a:r>
+            <a:r>
+              <a:rPr lang="ru-RU" sz="500" dirty="0"/>
+              <a:t>(Движение также пыталось заручиться поддержкой белых англоязычных, но без особого успеха. Белые носители английского языка боялись африканеров. национализма и в целом были удовлетворены правительством Герцога и </a:t>
+            </a:r>
+            <a:r>
+              <a:rPr lang="ru-RU" sz="500" dirty="0" err="1"/>
+              <a:t>Смэтса</a:t>
+            </a:r>
+            <a:r>
+              <a:rPr lang="ru-RU" sz="500" dirty="0"/>
+              <a:t> .)</a:t>
+            </a:r>
+            <a:endParaRPr lang="ru-RU" sz="800" dirty="0"/>
+          </a:p>
+        </p:txBody>
+      </p:sp>
+      <p:sp>
+        <p:nvSpPr>
+          <p:cNvPr id="29" name="Прямоугольник 28">
+            <a:extLst>
+              <a:ext uri="{FF2B5EF4-FFF2-40B4-BE49-F238E27FC236}">
+                <a16:creationId xmlns:a16="http://schemas.microsoft.com/office/drawing/2014/main" id="{ADC16910-B304-4E84-891B-163B651F2E74}"/>
+              </a:ext>
+            </a:extLst>
+          </p:cNvPr>
+          <p:cNvSpPr/>
+          <p:nvPr/>
+        </p:nvSpPr>
+        <p:spPr>
+          <a:xfrm>
+            <a:off x="5080442" y="5189308"/>
+            <a:ext cx="2115918" cy="1080000"/>
+          </a:xfrm>
+          <a:prstGeom prst="rect">
+            <a:avLst/>
+          </a:prstGeom>
+          <a:solidFill>
+            <a:schemeClr val="accent2"/>
+          </a:solidFill>
+          <a:ln w="28575"/>
+        </p:spPr>
+        <p:style>
+          <a:lnRef idx="2">
+            <a:schemeClr val="accent1"/>
+          </a:lnRef>
+          <a:fillRef idx="1">
+            <a:schemeClr val="lt1"/>
+          </a:fillRef>
+          <a:effectRef idx="0">
+            <a:schemeClr val="accent1"/>
+          </a:effectRef>
+          <a:fontRef idx="minor">
+            <a:schemeClr val="dk1"/>
+          </a:fontRef>
+        </p:style>
+        <p:txBody>
+          <a:bodyPr lIns="124733" tIns="62367" rIns="124733" bIns="62367" rtlCol="0" anchor="ctr"/>
+          <a:lstStyle/>
+          <a:p>
+            <a:pPr algn="ctr"/>
+            <a:r>
+              <a:rPr lang="ru-RU" sz="1400" dirty="0"/>
+              <a:t>Прогнать евреев и национализировать их имущество </a:t>
+            </a:r>
+            <a:r>
+              <a:rPr lang="ru-RU" sz="400" dirty="0"/>
+              <a:t>(</a:t>
+            </a:r>
+            <a:r>
+              <a:rPr lang="ru-RU" sz="400" dirty="0" err="1"/>
+              <a:t>грышемде</a:t>
+            </a:r>
+            <a:r>
+              <a:rPr lang="ru-RU" sz="400" dirty="0"/>
+              <a:t> якобы предназначались для защиты митингов южноафриканского нацистского движения, но на самом деле это были банды, избивавшие противников движения. </a:t>
+            </a:r>
+            <a:r>
+              <a:rPr lang="ru-RU" sz="400" dirty="0" err="1"/>
+              <a:t>Грышемде</a:t>
+            </a:r>
+            <a:r>
+              <a:rPr lang="ru-RU" sz="400" dirty="0"/>
+              <a:t> также разрушили некоторые синагоги и запугали евреев . Поскольку </a:t>
+            </a:r>
+            <a:r>
+              <a:rPr lang="ru-RU" sz="400" dirty="0" err="1"/>
+              <a:t>Гришемде</a:t>
+            </a:r>
+            <a:r>
+              <a:rPr lang="ru-RU" sz="400" dirty="0"/>
+              <a:t> занимал такое важное место в южноафриканском нееврейском национал-социалистическом движении, это движение вскоре стало широко известно как </a:t>
+            </a:r>
+            <a:r>
+              <a:rPr lang="ru-RU" sz="400" dirty="0" err="1"/>
+              <a:t>Гришемде</a:t>
+            </a:r>
+            <a:r>
+              <a:rPr lang="ru-RU" sz="400" dirty="0"/>
+              <a:t>.)</a:t>
+            </a:r>
+            <a:endParaRPr lang="ru-RU" sz="800" dirty="0"/>
+          </a:p>
+        </p:txBody>
+      </p:sp>
+      <p:sp>
+        <p:nvSpPr>
+          <p:cNvPr id="30" name="Прямоугольник 29">
+            <a:extLst>
+              <a:ext uri="{FF2B5EF4-FFF2-40B4-BE49-F238E27FC236}">
+                <a16:creationId xmlns:a16="http://schemas.microsoft.com/office/drawing/2014/main" id="{8451F12F-5CAE-4431-8EB7-1F746686EB80}"/>
+              </a:ext>
+            </a:extLst>
+          </p:cNvPr>
+          <p:cNvSpPr/>
+          <p:nvPr/>
+        </p:nvSpPr>
+        <p:spPr>
+          <a:xfrm>
+            <a:off x="-55178" y="5189308"/>
+            <a:ext cx="2115918" cy="1080000"/>
+          </a:xfrm>
+          <a:prstGeom prst="rect">
+            <a:avLst/>
+          </a:prstGeom>
+          <a:solidFill>
+            <a:schemeClr val="accent2"/>
+          </a:solidFill>
+          <a:ln w="28575"/>
+        </p:spPr>
+        <p:style>
+          <a:lnRef idx="2">
+            <a:schemeClr val="accent1"/>
+          </a:lnRef>
+          <a:fillRef idx="1">
+            <a:schemeClr val="lt1"/>
+          </a:fillRef>
+          <a:effectRef idx="0">
+            <a:schemeClr val="accent1"/>
+          </a:effectRef>
+          <a:fontRef idx="minor">
+            <a:schemeClr val="dk1"/>
+          </a:fontRef>
+        </p:style>
+        <p:txBody>
+          <a:bodyPr lIns="124733" tIns="62367" rIns="124733" bIns="62367" rtlCol="0" anchor="ctr"/>
+          <a:lstStyle/>
+          <a:p>
+            <a:pPr algn="ctr"/>
+            <a:r>
+              <a:rPr lang="ru-RU" sz="1400" dirty="0"/>
+              <a:t>Ввести </a:t>
+            </a:r>
+            <a:r>
+              <a:rPr lang="ru-RU" sz="1400" dirty="0" err="1"/>
+              <a:t>однопартийность</a:t>
+            </a:r>
+            <a:r>
+              <a:rPr lang="ru-RU" sz="1400" dirty="0"/>
+              <a:t> </a:t>
+            </a:r>
+            <a:r>
+              <a:rPr lang="ru-RU" sz="700" dirty="0"/>
+              <a:t>(Однако однопартийное государство, за которое выступал Ван </a:t>
+            </a:r>
+            <a:r>
+              <a:rPr lang="ru-RU" sz="700" dirty="0" err="1"/>
+              <a:t>Ренсбург</a:t>
+            </a:r>
+            <a:r>
+              <a:rPr lang="ru-RU" sz="700" dirty="0"/>
+              <a:t> , не было принято, а парламентская система — хотя и в пользу националистического правительства — сохранилась.)</a:t>
+            </a:r>
+            <a:endParaRPr lang="ru-RU" sz="800" dirty="0"/>
+          </a:p>
+        </p:txBody>
+      </p:sp>
+    </p:spTree>
+    <p:extLst>
+      <p:ext uri="{BB962C8B-B14F-4D97-AF65-F5344CB8AC3E}">
+        <p14:creationId xmlns:p14="http://schemas.microsoft.com/office/powerpoint/2010/main" val="3877162775"/>
       </p:ext>
     </p:extLst>
   </p:cSld>

--- a/Наработки/диздоки/ЮАС/ЮАС доработка.pptx
+++ b/Наработки/диздоки/ЮАС/ЮАС доработка.pptx
@@ -210,7 +210,7 @@
             <a:fld id="{33E3D7F9-E251-484C-A6FF-FA958879DF69}" type="datetimeFigureOut">
               <a:rPr lang="ru-RU" smtClean="0"/>
               <a:pPr/>
-              <a:t>16.05.2023</a:t>
+              <a:t>29.05.2023</a:t>
             </a:fld>
             <a:endParaRPr lang="ru-RU"/>
           </a:p>
@@ -700,7 +700,7 @@
             <a:fld id="{85A5DE44-605B-4D3B-B2B7-94543DF81A36}" type="datetimeFigureOut">
               <a:rPr lang="ru-RU" smtClean="0"/>
               <a:pPr/>
-              <a:t>16.05.2023</a:t>
+              <a:t>29.05.2023</a:t>
             </a:fld>
             <a:endParaRPr lang="ru-RU"/>
           </a:p>
@@ -872,7 +872,7 @@
             <a:fld id="{85A5DE44-605B-4D3B-B2B7-94543DF81A36}" type="datetimeFigureOut">
               <a:rPr lang="ru-RU" smtClean="0"/>
               <a:pPr/>
-              <a:t>16.05.2023</a:t>
+              <a:t>29.05.2023</a:t>
             </a:fld>
             <a:endParaRPr lang="ru-RU"/>
           </a:p>
@@ -1054,7 +1054,7 @@
             <a:fld id="{85A5DE44-605B-4D3B-B2B7-94543DF81A36}" type="datetimeFigureOut">
               <a:rPr lang="ru-RU" smtClean="0"/>
               <a:pPr/>
-              <a:t>16.05.2023</a:t>
+              <a:t>29.05.2023</a:t>
             </a:fld>
             <a:endParaRPr lang="ru-RU"/>
           </a:p>
@@ -1226,7 +1226,7 @@
             <a:fld id="{85A5DE44-605B-4D3B-B2B7-94543DF81A36}" type="datetimeFigureOut">
               <a:rPr lang="ru-RU" smtClean="0"/>
               <a:pPr/>
-              <a:t>16.05.2023</a:t>
+              <a:t>29.05.2023</a:t>
             </a:fld>
             <a:endParaRPr lang="ru-RU"/>
           </a:p>
@@ -1474,7 +1474,7 @@
             <a:fld id="{85A5DE44-605B-4D3B-B2B7-94543DF81A36}" type="datetimeFigureOut">
               <a:rPr lang="ru-RU" smtClean="0"/>
               <a:pPr/>
-              <a:t>16.05.2023</a:t>
+              <a:t>29.05.2023</a:t>
             </a:fld>
             <a:endParaRPr lang="ru-RU"/>
           </a:p>
@@ -1708,7 +1708,7 @@
             <a:fld id="{85A5DE44-605B-4D3B-B2B7-94543DF81A36}" type="datetimeFigureOut">
               <a:rPr lang="ru-RU" smtClean="0"/>
               <a:pPr/>
-              <a:t>16.05.2023</a:t>
+              <a:t>29.05.2023</a:t>
             </a:fld>
             <a:endParaRPr lang="ru-RU"/>
           </a:p>
@@ -2077,7 +2077,7 @@
             <a:fld id="{85A5DE44-605B-4D3B-B2B7-94543DF81A36}" type="datetimeFigureOut">
               <a:rPr lang="ru-RU" smtClean="0"/>
               <a:pPr/>
-              <a:t>16.05.2023</a:t>
+              <a:t>29.05.2023</a:t>
             </a:fld>
             <a:endParaRPr lang="ru-RU"/>
           </a:p>
@@ -2197,7 +2197,7 @@
             <a:fld id="{85A5DE44-605B-4D3B-B2B7-94543DF81A36}" type="datetimeFigureOut">
               <a:rPr lang="ru-RU" smtClean="0"/>
               <a:pPr/>
-              <a:t>16.05.2023</a:t>
+              <a:t>29.05.2023</a:t>
             </a:fld>
             <a:endParaRPr lang="ru-RU"/>
           </a:p>
@@ -2294,7 +2294,7 @@
             <a:fld id="{85A5DE44-605B-4D3B-B2B7-94543DF81A36}" type="datetimeFigureOut">
               <a:rPr lang="ru-RU" smtClean="0"/>
               <a:pPr/>
-              <a:t>16.05.2023</a:t>
+              <a:t>29.05.2023</a:t>
             </a:fld>
             <a:endParaRPr lang="ru-RU"/>
           </a:p>
@@ -2573,7 +2573,7 @@
             <a:fld id="{85A5DE44-605B-4D3B-B2B7-94543DF81A36}" type="datetimeFigureOut">
               <a:rPr lang="ru-RU" smtClean="0"/>
               <a:pPr/>
-              <a:t>16.05.2023</a:t>
+              <a:t>29.05.2023</a:t>
             </a:fld>
             <a:endParaRPr lang="ru-RU"/>
           </a:p>
@@ -2832,7 +2832,7 @@
             <a:fld id="{85A5DE44-605B-4D3B-B2B7-94543DF81A36}" type="datetimeFigureOut">
               <a:rPr lang="ru-RU" smtClean="0"/>
               <a:pPr/>
-              <a:t>16.05.2023</a:t>
+              <a:t>29.05.2023</a:t>
             </a:fld>
             <a:endParaRPr lang="ru-RU"/>
           </a:p>
@@ -3047,7 +3047,7 @@
             <a:fld id="{85A5DE44-605B-4D3B-B2B7-94543DF81A36}" type="datetimeFigureOut">
               <a:rPr lang="ru-RU" smtClean="0"/>
               <a:pPr/>
-              <a:t>16.05.2023</a:t>
+              <a:t>29.05.2023</a:t>
             </a:fld>
             <a:endParaRPr lang="ru-RU"/>
           </a:p>
@@ -11821,19 +11821,7 @@
             <a:pPr algn="ctr"/>
             <a:r>
               <a:rPr lang="ru-RU" sz="1400" dirty="0"/>
-              <a:t>Объединение цветных, белых и чёрных профсоюзов </a:t>
-            </a:r>
-            <a:r>
-              <a:rPr lang="ru-RU" sz="300" dirty="0"/>
-              <a:t>(В частности, нужно было отменить цветную полосу, а черных и белых рабочих объединить в одно профсоюзное движение. До тех пор, пока это не будет достигнуто, рабочие, исключенные из профсоюзов, должны быть организованы в отдельные профсоюзы. Но они </a:t>
-            </a:r>
-            <a:r>
-              <a:rPr lang="ru-RU" sz="300" dirty="0" err="1"/>
-              <a:t>подчеркнули:«Ни</a:t>
-            </a:r>
-            <a:r>
-              <a:rPr lang="ru-RU" sz="300" dirty="0"/>
-              <a:t> при каких обстоятельствах… мы не рассматриваем такие чисто туземные профсоюзы как оппозиционные профсоюзы или как самостоятельную цель. Это всего лишь шаг к объединению всех профсоюзов, черных и белых, в одну центральную организацию профсоюзов всех рабочих Южной Африки».)</a:t>
+              <a:t>Объединение цветных, белых и чёрных профсоюзов</a:t>
             </a:r>
             <a:endParaRPr lang="ru-RU" sz="800" dirty="0"/>
           </a:p>
@@ -11885,7 +11873,7 @@
             <a:pPr algn="ctr"/>
             <a:r>
               <a:rPr lang="ru-RU" sz="1400" dirty="0"/>
-              <a:t>Объединиться против апартеида</a:t>
+              <a:t>Объединиться против угнетателей</a:t>
             </a:r>
             <a:endParaRPr lang="ru-RU" sz="500" dirty="0"/>
           </a:p>
@@ -12798,11 +12786,7 @@
             <a:pPr algn="ctr"/>
             <a:r>
               <a:rPr lang="ru-RU" sz="1400" dirty="0"/>
-              <a:t>Снижение налогов на землю </a:t>
-            </a:r>
-            <a:r>
-              <a:rPr lang="ru-RU" sz="400" dirty="0"/>
-              <a:t>(подготовленный М. Н. Авербахом (вождем чем самостоятельный тезис. Оригинал статьи, написанной Авербахом, и документы, отправленные позднее в Международный секретариат, не найдены. Однако статья, появившаяся в феврале 1936 г. в « Рабочем голосе»., орган CLSA, по земельному вопросу тупой. Он утверждал, что «простой призыв к земле не составляет аграрной проблемы». Африканцы, изгнанные с земли, страдали в основном от налогов. Их главная потребность заключалась не в земле, а в освобождении от налогов. Авербах, кажется, неправильно понял позицию большинства. Если бы африканцы получили больше земли, писал он, крестьяне по-прежнему страдали бы от этих пагубных налогов, призванных загнать их в шахты, промышленность и фермы.)</a:t>
+              <a:t>Снижение налогов на землю</a:t>
             </a:r>
             <a:endParaRPr lang="ru-RU" sz="500" dirty="0"/>
           </a:p>
@@ -12906,11 +12890,7 @@
             <a:pPr algn="ctr"/>
             <a:r>
               <a:rPr lang="ru-RU" sz="1400" dirty="0"/>
-              <a:t>Социальная революция </a:t>
-            </a:r>
-            <a:r>
-              <a:rPr lang="ru-RU" sz="500" dirty="0"/>
-              <a:t>(Затем письмо продолжилось. Они подтвердили, что революционная партия должна повернуться прежде всего к черным рабочим. Их национальное самосознание надо было развивать, но не за счет разжигания и развития шовинизма. И национальный, и аграрный вопросы могли найти свое решение только через социальную революцию. На всякий случай они добавили, что центральным лозунгом было «ниспровержение британского империализма и колониального капитализма» и создание Советской Южно-Африканской Республики с правом всех рас на самоопределение и гарантиями прав меньшинств.)</a:t>
+              <a:t>Социальная революция</a:t>
             </a:r>
             <a:endParaRPr lang="ru-RU" sz="100" dirty="0"/>
           </a:p>
@@ -13017,11 +12997,7 @@
             <a:pPr algn="ctr"/>
             <a:r>
               <a:rPr lang="ru-RU" sz="1400" dirty="0"/>
-              <a:t>Единство крестьян и рабочих </a:t>
-            </a:r>
-            <a:r>
-              <a:rPr lang="ru-RU" sz="600" dirty="0"/>
-              <a:t>(Путем популяризации среди рабочих нужд крестьянства и наоборот, большевики добились успеха в своей революции. Так может и наша революция иметь успех. Объединяя и защищая совместными усилиями общие цели и интересы рабочих и крестьян, черных и белых, революционное движение может привести к свержению капитализма и созданию Советской Южной Африки.)</a:t>
+              <a:t>Единство крестьян и рабочих</a:t>
             </a:r>
             <a:endParaRPr lang="ru-RU" sz="500" dirty="0"/>
           </a:p>

--- a/Наработки/диздоки/ЮАС/ЮАС доработка.pptx
+++ b/Наработки/диздоки/ЮАС/ЮАС доработка.pptx
@@ -110,7 +110,7 @@
   </p:defaultTextStyle>
   <p:extLst>
     <p:ext uri="{EFAFB233-063F-42B5-8137-9DF3F51BA10A}">
-      <p15:sldGuideLst xmlns:p15="http://schemas.microsoft.com/office/powerpoint/2012/main">
+      <p15:sldGuideLst xmlns="" xmlns:p15="http://schemas.microsoft.com/office/powerpoint/2012/main">
         <p15:guide id="1" orient="horz" pos="11344">
           <p15:clr>
             <a:srgbClr val="A4A3A4"/>
@@ -210,7 +210,7 @@
             <a:fld id="{33E3D7F9-E251-484C-A6FF-FA958879DF69}" type="datetimeFigureOut">
               <a:rPr lang="ru-RU" smtClean="0"/>
               <a:pPr/>
-              <a:t>29.05.2023</a:t>
+              <a:t>02.11.2023</a:t>
             </a:fld>
             <a:endParaRPr lang="ru-RU"/>
           </a:p>
@@ -700,7 +700,7 @@
             <a:fld id="{85A5DE44-605B-4D3B-B2B7-94543DF81A36}" type="datetimeFigureOut">
               <a:rPr lang="ru-RU" smtClean="0"/>
               <a:pPr/>
-              <a:t>29.05.2023</a:t>
+              <a:t>02.11.2023</a:t>
             </a:fld>
             <a:endParaRPr lang="ru-RU"/>
           </a:p>
@@ -872,7 +872,7 @@
             <a:fld id="{85A5DE44-605B-4D3B-B2B7-94543DF81A36}" type="datetimeFigureOut">
               <a:rPr lang="ru-RU" smtClean="0"/>
               <a:pPr/>
-              <a:t>29.05.2023</a:t>
+              <a:t>02.11.2023</a:t>
             </a:fld>
             <a:endParaRPr lang="ru-RU"/>
           </a:p>
@@ -1054,7 +1054,7 @@
             <a:fld id="{85A5DE44-605B-4D3B-B2B7-94543DF81A36}" type="datetimeFigureOut">
               <a:rPr lang="ru-RU" smtClean="0"/>
               <a:pPr/>
-              <a:t>29.05.2023</a:t>
+              <a:t>02.11.2023</a:t>
             </a:fld>
             <a:endParaRPr lang="ru-RU"/>
           </a:p>
@@ -1226,7 +1226,7 @@
             <a:fld id="{85A5DE44-605B-4D3B-B2B7-94543DF81A36}" type="datetimeFigureOut">
               <a:rPr lang="ru-RU" smtClean="0"/>
               <a:pPr/>
-              <a:t>29.05.2023</a:t>
+              <a:t>02.11.2023</a:t>
             </a:fld>
             <a:endParaRPr lang="ru-RU"/>
           </a:p>
@@ -1474,7 +1474,7 @@
             <a:fld id="{85A5DE44-605B-4D3B-B2B7-94543DF81A36}" type="datetimeFigureOut">
               <a:rPr lang="ru-RU" smtClean="0"/>
               <a:pPr/>
-              <a:t>29.05.2023</a:t>
+              <a:t>02.11.2023</a:t>
             </a:fld>
             <a:endParaRPr lang="ru-RU"/>
           </a:p>
@@ -1708,7 +1708,7 @@
             <a:fld id="{85A5DE44-605B-4D3B-B2B7-94543DF81A36}" type="datetimeFigureOut">
               <a:rPr lang="ru-RU" smtClean="0"/>
               <a:pPr/>
-              <a:t>29.05.2023</a:t>
+              <a:t>02.11.2023</a:t>
             </a:fld>
             <a:endParaRPr lang="ru-RU"/>
           </a:p>
@@ -2077,7 +2077,7 @@
             <a:fld id="{85A5DE44-605B-4D3B-B2B7-94543DF81A36}" type="datetimeFigureOut">
               <a:rPr lang="ru-RU" smtClean="0"/>
               <a:pPr/>
-              <a:t>29.05.2023</a:t>
+              <a:t>02.11.2023</a:t>
             </a:fld>
             <a:endParaRPr lang="ru-RU"/>
           </a:p>
@@ -2197,7 +2197,7 @@
             <a:fld id="{85A5DE44-605B-4D3B-B2B7-94543DF81A36}" type="datetimeFigureOut">
               <a:rPr lang="ru-RU" smtClean="0"/>
               <a:pPr/>
-              <a:t>29.05.2023</a:t>
+              <a:t>02.11.2023</a:t>
             </a:fld>
             <a:endParaRPr lang="ru-RU"/>
           </a:p>
@@ -2294,7 +2294,7 @@
             <a:fld id="{85A5DE44-605B-4D3B-B2B7-94543DF81A36}" type="datetimeFigureOut">
               <a:rPr lang="ru-RU" smtClean="0"/>
               <a:pPr/>
-              <a:t>29.05.2023</a:t>
+              <a:t>02.11.2023</a:t>
             </a:fld>
             <a:endParaRPr lang="ru-RU"/>
           </a:p>
@@ -2573,7 +2573,7 @@
             <a:fld id="{85A5DE44-605B-4D3B-B2B7-94543DF81A36}" type="datetimeFigureOut">
               <a:rPr lang="ru-RU" smtClean="0"/>
               <a:pPr/>
-              <a:t>29.05.2023</a:t>
+              <a:t>02.11.2023</a:t>
             </a:fld>
             <a:endParaRPr lang="ru-RU"/>
           </a:p>
@@ -2832,7 +2832,7 @@
             <a:fld id="{85A5DE44-605B-4D3B-B2B7-94543DF81A36}" type="datetimeFigureOut">
               <a:rPr lang="ru-RU" smtClean="0"/>
               <a:pPr/>
-              <a:t>29.05.2023</a:t>
+              <a:t>02.11.2023</a:t>
             </a:fld>
             <a:endParaRPr lang="ru-RU"/>
           </a:p>
@@ -3047,7 +3047,7 @@
             <a:fld id="{85A5DE44-605B-4D3B-B2B7-94543DF81A36}" type="datetimeFigureOut">
               <a:rPr lang="ru-RU" smtClean="0"/>
               <a:pPr/>
-              <a:t>29.05.2023</a:t>
+              <a:t>02.11.2023</a:t>
             </a:fld>
             <a:endParaRPr lang="ru-RU"/>
           </a:p>
@@ -3622,7 +3622,7 @@
           <p:cNvPr id="746" name="Прямоугольник 745">
             <a:extLst>
               <a:ext uri="{FF2B5EF4-FFF2-40B4-BE49-F238E27FC236}">
-                <a16:creationId xmlns:a16="http://schemas.microsoft.com/office/drawing/2014/main" id="{5A5C35EB-BF83-444C-A337-D22BC58B37C6}"/>
+                <a16:creationId xmlns="" xmlns:a16="http://schemas.microsoft.com/office/drawing/2014/main" id="{5A5C35EB-BF83-444C-A337-D22BC58B37C6}"/>
               </a:ext>
             </a:extLst>
           </p:cNvPr>
@@ -3671,7 +3671,7 @@
           <p:cNvPr id="749" name="Прямоугольник 748">
             <a:extLst>
               <a:ext uri="{FF2B5EF4-FFF2-40B4-BE49-F238E27FC236}">
-                <a16:creationId xmlns:a16="http://schemas.microsoft.com/office/drawing/2014/main" id="{4D6886D0-A543-4D66-A88B-993D92E2F107}"/>
+                <a16:creationId xmlns="" xmlns:a16="http://schemas.microsoft.com/office/drawing/2014/main" id="{4D6886D0-A543-4D66-A88B-993D92E2F107}"/>
               </a:ext>
             </a:extLst>
           </p:cNvPr>
@@ -3720,7 +3720,7 @@
           <p:cNvPr id="17" name="Прямоугольник 16">
             <a:extLst>
               <a:ext uri="{FF2B5EF4-FFF2-40B4-BE49-F238E27FC236}">
-                <a16:creationId xmlns:a16="http://schemas.microsoft.com/office/drawing/2014/main" id="{2A6F6301-CA97-4EB0-A44D-E7FF27A013B5}"/>
+                <a16:creationId xmlns="" xmlns:a16="http://schemas.microsoft.com/office/drawing/2014/main" id="{2A6F6301-CA97-4EB0-A44D-E7FF27A013B5}"/>
               </a:ext>
             </a:extLst>
           </p:cNvPr>
@@ -3769,7 +3769,7 @@
           <p:cNvPr id="18" name="Прямоугольник 17">
             <a:extLst>
               <a:ext uri="{FF2B5EF4-FFF2-40B4-BE49-F238E27FC236}">
-                <a16:creationId xmlns:a16="http://schemas.microsoft.com/office/drawing/2014/main" id="{221854E5-65A8-4BC0-9062-E1F29DFF7724}"/>
+                <a16:creationId xmlns="" xmlns:a16="http://schemas.microsoft.com/office/drawing/2014/main" id="{221854E5-65A8-4BC0-9062-E1F29DFF7724}"/>
               </a:ext>
             </a:extLst>
           </p:cNvPr>
@@ -3818,7 +3818,7 @@
           <p:cNvPr id="19" name="Прямоугольник 18">
             <a:extLst>
               <a:ext uri="{FF2B5EF4-FFF2-40B4-BE49-F238E27FC236}">
-                <a16:creationId xmlns:a16="http://schemas.microsoft.com/office/drawing/2014/main" id="{033C32B1-7FB5-4427-AC80-41EF0E3274D9}"/>
+                <a16:creationId xmlns="" xmlns:a16="http://schemas.microsoft.com/office/drawing/2014/main" id="{033C32B1-7FB5-4427-AC80-41EF0E3274D9}"/>
               </a:ext>
             </a:extLst>
           </p:cNvPr>
@@ -3867,7 +3867,7 @@
           <p:cNvPr id="20" name="Прямоугольник 19">
             <a:extLst>
               <a:ext uri="{FF2B5EF4-FFF2-40B4-BE49-F238E27FC236}">
-                <a16:creationId xmlns:a16="http://schemas.microsoft.com/office/drawing/2014/main" id="{DE8DA818-D0A4-4747-B22E-8EA433779FBF}"/>
+                <a16:creationId xmlns="" xmlns:a16="http://schemas.microsoft.com/office/drawing/2014/main" id="{DE8DA818-D0A4-4747-B22E-8EA433779FBF}"/>
               </a:ext>
             </a:extLst>
           </p:cNvPr>
@@ -3916,7 +3916,7 @@
           <p:cNvPr id="21" name="Прямоугольник 20">
             <a:extLst>
               <a:ext uri="{FF2B5EF4-FFF2-40B4-BE49-F238E27FC236}">
-                <a16:creationId xmlns:a16="http://schemas.microsoft.com/office/drawing/2014/main" id="{CC1F0354-3AC0-4BAF-B8BB-C910E7C4A5D6}"/>
+                <a16:creationId xmlns="" xmlns:a16="http://schemas.microsoft.com/office/drawing/2014/main" id="{CC1F0354-3AC0-4BAF-B8BB-C910E7C4A5D6}"/>
               </a:ext>
             </a:extLst>
           </p:cNvPr>
@@ -3965,7 +3965,7 @@
           <p:cNvPr id="22" name="Прямоугольник 21">
             <a:extLst>
               <a:ext uri="{FF2B5EF4-FFF2-40B4-BE49-F238E27FC236}">
-                <a16:creationId xmlns:a16="http://schemas.microsoft.com/office/drawing/2014/main" id="{626AB241-048C-4E7B-8C47-DD836E054087}"/>
+                <a16:creationId xmlns="" xmlns:a16="http://schemas.microsoft.com/office/drawing/2014/main" id="{626AB241-048C-4E7B-8C47-DD836E054087}"/>
               </a:ext>
             </a:extLst>
           </p:cNvPr>
@@ -4014,7 +4014,7 @@
           <p:cNvPr id="23" name="Прямоугольник 22">
             <a:extLst>
               <a:ext uri="{FF2B5EF4-FFF2-40B4-BE49-F238E27FC236}">
-                <a16:creationId xmlns:a16="http://schemas.microsoft.com/office/drawing/2014/main" id="{3E58D11B-FF28-4315-BCA2-A769980F1758}"/>
+                <a16:creationId xmlns="" xmlns:a16="http://schemas.microsoft.com/office/drawing/2014/main" id="{3E58D11B-FF28-4315-BCA2-A769980F1758}"/>
               </a:ext>
             </a:extLst>
           </p:cNvPr>
@@ -4063,7 +4063,7 @@
           <p:cNvPr id="24" name="Прямоугольник 23">
             <a:extLst>
               <a:ext uri="{FF2B5EF4-FFF2-40B4-BE49-F238E27FC236}">
-                <a16:creationId xmlns:a16="http://schemas.microsoft.com/office/drawing/2014/main" id="{35D89978-ED38-4BF1-8A1D-667372754781}"/>
+                <a16:creationId xmlns="" xmlns:a16="http://schemas.microsoft.com/office/drawing/2014/main" id="{35D89978-ED38-4BF1-8A1D-667372754781}"/>
               </a:ext>
             </a:extLst>
           </p:cNvPr>
@@ -4112,7 +4112,7 @@
           <p:cNvPr id="25" name="Прямоугольник 24">
             <a:extLst>
               <a:ext uri="{FF2B5EF4-FFF2-40B4-BE49-F238E27FC236}">
-                <a16:creationId xmlns:a16="http://schemas.microsoft.com/office/drawing/2014/main" id="{771F1D95-8056-47E0-8042-78976D883C77}"/>
+                <a16:creationId xmlns="" xmlns:a16="http://schemas.microsoft.com/office/drawing/2014/main" id="{771F1D95-8056-47E0-8042-78976D883C77}"/>
               </a:ext>
             </a:extLst>
           </p:cNvPr>
@@ -4161,7 +4161,7 @@
           <p:cNvPr id="26" name="Прямоугольник 25">
             <a:extLst>
               <a:ext uri="{FF2B5EF4-FFF2-40B4-BE49-F238E27FC236}">
-                <a16:creationId xmlns:a16="http://schemas.microsoft.com/office/drawing/2014/main" id="{9F9C69CF-CC3F-47D0-B213-FA599973B24B}"/>
+                <a16:creationId xmlns="" xmlns:a16="http://schemas.microsoft.com/office/drawing/2014/main" id="{9F9C69CF-CC3F-47D0-B213-FA599973B24B}"/>
               </a:ext>
             </a:extLst>
           </p:cNvPr>
@@ -4214,7 +4214,7 @@
           <p:cNvPr id="28" name="Прямоугольник 27">
             <a:extLst>
               <a:ext uri="{FF2B5EF4-FFF2-40B4-BE49-F238E27FC236}">
-                <a16:creationId xmlns:a16="http://schemas.microsoft.com/office/drawing/2014/main" id="{3D69AD52-26EA-4816-8BCF-6D9B1B889307}"/>
+                <a16:creationId xmlns="" xmlns:a16="http://schemas.microsoft.com/office/drawing/2014/main" id="{3D69AD52-26EA-4816-8BCF-6D9B1B889307}"/>
               </a:ext>
             </a:extLst>
           </p:cNvPr>
@@ -4263,7 +4263,7 @@
           <p:cNvPr id="29" name="Прямоугольник 28">
             <a:extLst>
               <a:ext uri="{FF2B5EF4-FFF2-40B4-BE49-F238E27FC236}">
-                <a16:creationId xmlns:a16="http://schemas.microsoft.com/office/drawing/2014/main" id="{792B2C5D-D74D-4FB3-8B78-C7BCC7046C90}"/>
+                <a16:creationId xmlns="" xmlns:a16="http://schemas.microsoft.com/office/drawing/2014/main" id="{792B2C5D-D74D-4FB3-8B78-C7BCC7046C90}"/>
               </a:ext>
             </a:extLst>
           </p:cNvPr>
@@ -4312,7 +4312,7 @@
           <p:cNvPr id="30" name="Прямоугольник 29">
             <a:extLst>
               <a:ext uri="{FF2B5EF4-FFF2-40B4-BE49-F238E27FC236}">
-                <a16:creationId xmlns:a16="http://schemas.microsoft.com/office/drawing/2014/main" id="{9EE84AD7-C133-4B21-8162-048600DC6053}"/>
+                <a16:creationId xmlns="" xmlns:a16="http://schemas.microsoft.com/office/drawing/2014/main" id="{9EE84AD7-C133-4B21-8162-048600DC6053}"/>
               </a:ext>
             </a:extLst>
           </p:cNvPr>
@@ -4361,7 +4361,7 @@
           <p:cNvPr id="31" name="Прямоугольник 30">
             <a:extLst>
               <a:ext uri="{FF2B5EF4-FFF2-40B4-BE49-F238E27FC236}">
-                <a16:creationId xmlns:a16="http://schemas.microsoft.com/office/drawing/2014/main" id="{BAE0D071-9F16-46A2-A3C7-D4043769D316}"/>
+                <a16:creationId xmlns="" xmlns:a16="http://schemas.microsoft.com/office/drawing/2014/main" id="{BAE0D071-9F16-46A2-A3C7-D4043769D316}"/>
               </a:ext>
             </a:extLst>
           </p:cNvPr>
@@ -4417,7 +4417,7 @@
           <p:cNvPr id="32" name="Прямоугольник 31">
             <a:extLst>
               <a:ext uri="{FF2B5EF4-FFF2-40B4-BE49-F238E27FC236}">
-                <a16:creationId xmlns:a16="http://schemas.microsoft.com/office/drawing/2014/main" id="{3FA86464-4A7A-4479-B421-35E994E3C985}"/>
+                <a16:creationId xmlns="" xmlns:a16="http://schemas.microsoft.com/office/drawing/2014/main" id="{3FA86464-4A7A-4479-B421-35E994E3C985}"/>
               </a:ext>
             </a:extLst>
           </p:cNvPr>
@@ -4466,7 +4466,7 @@
           <p:cNvPr id="36" name="Прямоугольник 35">
             <a:extLst>
               <a:ext uri="{FF2B5EF4-FFF2-40B4-BE49-F238E27FC236}">
-                <a16:creationId xmlns:a16="http://schemas.microsoft.com/office/drawing/2014/main" id="{1DE14A81-2776-4187-BF76-C4A0AB64650B}"/>
+                <a16:creationId xmlns="" xmlns:a16="http://schemas.microsoft.com/office/drawing/2014/main" id="{1DE14A81-2776-4187-BF76-C4A0AB64650B}"/>
               </a:ext>
             </a:extLst>
           </p:cNvPr>
@@ -4515,7 +4515,7 @@
           <p:cNvPr id="37" name="Прямоугольник 36">
             <a:extLst>
               <a:ext uri="{FF2B5EF4-FFF2-40B4-BE49-F238E27FC236}">
-                <a16:creationId xmlns:a16="http://schemas.microsoft.com/office/drawing/2014/main" id="{FBD8229D-379D-4D52-BB0C-76E0E81CD826}"/>
+                <a16:creationId xmlns="" xmlns:a16="http://schemas.microsoft.com/office/drawing/2014/main" id="{FBD8229D-379D-4D52-BB0C-76E0E81CD826}"/>
               </a:ext>
             </a:extLst>
           </p:cNvPr>
@@ -4580,7 +4580,7 @@
           <p:cNvPr id="38" name="Прямоугольник 37">
             <a:extLst>
               <a:ext uri="{FF2B5EF4-FFF2-40B4-BE49-F238E27FC236}">
-                <a16:creationId xmlns:a16="http://schemas.microsoft.com/office/drawing/2014/main" id="{5577797A-63B1-4A4D-BF5F-CE7415CAF008}"/>
+                <a16:creationId xmlns="" xmlns:a16="http://schemas.microsoft.com/office/drawing/2014/main" id="{5577797A-63B1-4A4D-BF5F-CE7415CAF008}"/>
               </a:ext>
             </a:extLst>
           </p:cNvPr>
@@ -4629,7 +4629,7 @@
           <p:cNvPr id="39" name="Прямоугольник 38">
             <a:extLst>
               <a:ext uri="{FF2B5EF4-FFF2-40B4-BE49-F238E27FC236}">
-                <a16:creationId xmlns:a16="http://schemas.microsoft.com/office/drawing/2014/main" id="{EC51DEA3-FD70-4670-A431-295D6B333808}"/>
+                <a16:creationId xmlns="" xmlns:a16="http://schemas.microsoft.com/office/drawing/2014/main" id="{EC51DEA3-FD70-4670-A431-295D6B333808}"/>
               </a:ext>
             </a:extLst>
           </p:cNvPr>
@@ -4684,7 +4684,7 @@
           <p:cNvPr id="40" name="Прямоугольник 39">
             <a:extLst>
               <a:ext uri="{FF2B5EF4-FFF2-40B4-BE49-F238E27FC236}">
-                <a16:creationId xmlns:a16="http://schemas.microsoft.com/office/drawing/2014/main" id="{EA2CA77D-FB8E-4EA3-BD84-AEE2E9318B52}"/>
+                <a16:creationId xmlns="" xmlns:a16="http://schemas.microsoft.com/office/drawing/2014/main" id="{EA2CA77D-FB8E-4EA3-BD84-AEE2E9318B52}"/>
               </a:ext>
             </a:extLst>
           </p:cNvPr>
@@ -4741,7 +4741,7 @@
           <p:cNvPr id="42" name="Прямоугольник 41">
             <a:extLst>
               <a:ext uri="{FF2B5EF4-FFF2-40B4-BE49-F238E27FC236}">
-                <a16:creationId xmlns:a16="http://schemas.microsoft.com/office/drawing/2014/main" id="{BD556DD8-C967-42C9-9A2B-4B9E2DB3097F}"/>
+                <a16:creationId xmlns="" xmlns:a16="http://schemas.microsoft.com/office/drawing/2014/main" id="{BD556DD8-C967-42C9-9A2B-4B9E2DB3097F}"/>
               </a:ext>
             </a:extLst>
           </p:cNvPr>
@@ -4790,7 +4790,7 @@
           <p:cNvPr id="43" name="Прямоугольник 42">
             <a:extLst>
               <a:ext uri="{FF2B5EF4-FFF2-40B4-BE49-F238E27FC236}">
-                <a16:creationId xmlns:a16="http://schemas.microsoft.com/office/drawing/2014/main" id="{645E2E65-98B9-4262-8BA0-E3EE832689F7}"/>
+                <a16:creationId xmlns="" xmlns:a16="http://schemas.microsoft.com/office/drawing/2014/main" id="{645E2E65-98B9-4262-8BA0-E3EE832689F7}"/>
               </a:ext>
             </a:extLst>
           </p:cNvPr>
@@ -4843,7 +4843,7 @@
           <p:cNvPr id="49" name="Shape 248">
             <a:extLst>
               <a:ext uri="{FF2B5EF4-FFF2-40B4-BE49-F238E27FC236}">
-                <a16:creationId xmlns:a16="http://schemas.microsoft.com/office/drawing/2014/main" id="{BD5D228F-210F-458B-89AE-DDE88B49461D}"/>
+                <a16:creationId xmlns="" xmlns:a16="http://schemas.microsoft.com/office/drawing/2014/main" id="{BD5D228F-210F-458B-89AE-DDE88B49461D}"/>
               </a:ext>
             </a:extLst>
           </p:cNvPr>
@@ -4888,7 +4888,7 @@
           <p:cNvPr id="52" name="Прямоугольник 51">
             <a:extLst>
               <a:ext uri="{FF2B5EF4-FFF2-40B4-BE49-F238E27FC236}">
-                <a16:creationId xmlns:a16="http://schemas.microsoft.com/office/drawing/2014/main" id="{46EE00FE-646D-4C1F-A9C8-51C2B2622237}"/>
+                <a16:creationId xmlns="" xmlns:a16="http://schemas.microsoft.com/office/drawing/2014/main" id="{46EE00FE-646D-4C1F-A9C8-51C2B2622237}"/>
               </a:ext>
             </a:extLst>
           </p:cNvPr>
@@ -4937,7 +4937,7 @@
           <p:cNvPr id="55" name="Shape 248">
             <a:extLst>
               <a:ext uri="{FF2B5EF4-FFF2-40B4-BE49-F238E27FC236}">
-                <a16:creationId xmlns:a16="http://schemas.microsoft.com/office/drawing/2014/main" id="{E7E90FE1-73EE-4AA8-B507-2A9427ABD363}"/>
+                <a16:creationId xmlns="" xmlns:a16="http://schemas.microsoft.com/office/drawing/2014/main" id="{E7E90FE1-73EE-4AA8-B507-2A9427ABD363}"/>
               </a:ext>
             </a:extLst>
           </p:cNvPr>
@@ -4982,7 +4982,7 @@
           <p:cNvPr id="58" name="Прямоугольник 57">
             <a:extLst>
               <a:ext uri="{FF2B5EF4-FFF2-40B4-BE49-F238E27FC236}">
-                <a16:creationId xmlns:a16="http://schemas.microsoft.com/office/drawing/2014/main" id="{BEA30B09-C375-448F-862A-864DB922DE93}"/>
+                <a16:creationId xmlns="" xmlns:a16="http://schemas.microsoft.com/office/drawing/2014/main" id="{BEA30B09-C375-448F-862A-864DB922DE93}"/>
               </a:ext>
             </a:extLst>
           </p:cNvPr>
@@ -5047,7 +5047,7 @@
           <p:cNvPr id="61" name="Прямая со стрелкой 60">
             <a:extLst>
               <a:ext uri="{FF2B5EF4-FFF2-40B4-BE49-F238E27FC236}">
-                <a16:creationId xmlns:a16="http://schemas.microsoft.com/office/drawing/2014/main" id="{CCA94CF1-3EF1-4DC8-8583-E856FE0E7B60}"/>
+                <a16:creationId xmlns="" xmlns:a16="http://schemas.microsoft.com/office/drawing/2014/main" id="{CCA94CF1-3EF1-4DC8-8583-E856FE0E7B60}"/>
               </a:ext>
             </a:extLst>
           </p:cNvPr>
@@ -5090,7 +5090,7 @@
           <p:cNvPr id="64" name="Прямая со стрелкой 63">
             <a:extLst>
               <a:ext uri="{FF2B5EF4-FFF2-40B4-BE49-F238E27FC236}">
-                <a16:creationId xmlns:a16="http://schemas.microsoft.com/office/drawing/2014/main" id="{E4E35A0E-E65F-407D-AB83-AA088EBABEBC}"/>
+                <a16:creationId xmlns="" xmlns:a16="http://schemas.microsoft.com/office/drawing/2014/main" id="{E4E35A0E-E65F-407D-AB83-AA088EBABEBC}"/>
               </a:ext>
             </a:extLst>
           </p:cNvPr>
@@ -5133,7 +5133,7 @@
           <p:cNvPr id="67" name="Shape 248">
             <a:extLst>
               <a:ext uri="{FF2B5EF4-FFF2-40B4-BE49-F238E27FC236}">
-                <a16:creationId xmlns:a16="http://schemas.microsoft.com/office/drawing/2014/main" id="{5D4BE53E-DF5C-4E66-B1E7-1885D3B286F1}"/>
+                <a16:creationId xmlns="" xmlns:a16="http://schemas.microsoft.com/office/drawing/2014/main" id="{5D4BE53E-DF5C-4E66-B1E7-1885D3B286F1}"/>
               </a:ext>
             </a:extLst>
           </p:cNvPr>
@@ -5178,7 +5178,7 @@
           <p:cNvPr id="70" name="Shape 248">
             <a:extLst>
               <a:ext uri="{FF2B5EF4-FFF2-40B4-BE49-F238E27FC236}">
-                <a16:creationId xmlns:a16="http://schemas.microsoft.com/office/drawing/2014/main" id="{55A42631-74CA-4086-8355-0D18574FCB06}"/>
+                <a16:creationId xmlns="" xmlns:a16="http://schemas.microsoft.com/office/drawing/2014/main" id="{55A42631-74CA-4086-8355-0D18574FCB06}"/>
               </a:ext>
             </a:extLst>
           </p:cNvPr>
@@ -5223,7 +5223,7 @@
           <p:cNvPr id="73" name="Прямоугольник 72">
             <a:extLst>
               <a:ext uri="{FF2B5EF4-FFF2-40B4-BE49-F238E27FC236}">
-                <a16:creationId xmlns:a16="http://schemas.microsoft.com/office/drawing/2014/main" id="{28846087-0D11-4C41-98D5-FF64F01C8EED}"/>
+                <a16:creationId xmlns="" xmlns:a16="http://schemas.microsoft.com/office/drawing/2014/main" id="{28846087-0D11-4C41-98D5-FF64F01C8EED}"/>
               </a:ext>
             </a:extLst>
           </p:cNvPr>
@@ -5276,7 +5276,7 @@
           <p:cNvPr id="74" name="Прямая со стрелкой 73">
             <a:extLst>
               <a:ext uri="{FF2B5EF4-FFF2-40B4-BE49-F238E27FC236}">
-                <a16:creationId xmlns:a16="http://schemas.microsoft.com/office/drawing/2014/main" id="{76BD4381-1AF6-47C0-9685-3C3F816BB149}"/>
+                <a16:creationId xmlns="" xmlns:a16="http://schemas.microsoft.com/office/drawing/2014/main" id="{76BD4381-1AF6-47C0-9685-3C3F816BB149}"/>
               </a:ext>
             </a:extLst>
           </p:cNvPr>
@@ -5319,7 +5319,7 @@
           <p:cNvPr id="77" name="Прямоугольник 76">
             <a:extLst>
               <a:ext uri="{FF2B5EF4-FFF2-40B4-BE49-F238E27FC236}">
-                <a16:creationId xmlns:a16="http://schemas.microsoft.com/office/drawing/2014/main" id="{25EF6ECF-6406-4EAA-9FFF-5F8B11AAFEEA}"/>
+                <a16:creationId xmlns="" xmlns:a16="http://schemas.microsoft.com/office/drawing/2014/main" id="{25EF6ECF-6406-4EAA-9FFF-5F8B11AAFEEA}"/>
               </a:ext>
             </a:extLst>
           </p:cNvPr>
@@ -5368,7 +5368,7 @@
           <p:cNvPr id="78" name="Прямая со стрелкой 77">
             <a:extLst>
               <a:ext uri="{FF2B5EF4-FFF2-40B4-BE49-F238E27FC236}">
-                <a16:creationId xmlns:a16="http://schemas.microsoft.com/office/drawing/2014/main" id="{6E9786A6-51F2-4C7F-A2C6-9E3184A50EA9}"/>
+                <a16:creationId xmlns="" xmlns:a16="http://schemas.microsoft.com/office/drawing/2014/main" id="{6E9786A6-51F2-4C7F-A2C6-9E3184A50EA9}"/>
               </a:ext>
             </a:extLst>
           </p:cNvPr>
@@ -5411,7 +5411,7 @@
           <p:cNvPr id="81" name="Прямая со стрелкой 80">
             <a:extLst>
               <a:ext uri="{FF2B5EF4-FFF2-40B4-BE49-F238E27FC236}">
-                <a16:creationId xmlns:a16="http://schemas.microsoft.com/office/drawing/2014/main" id="{4803635F-708D-4CBC-A897-0D61B6AA5CE6}"/>
+                <a16:creationId xmlns="" xmlns:a16="http://schemas.microsoft.com/office/drawing/2014/main" id="{4803635F-708D-4CBC-A897-0D61B6AA5CE6}"/>
               </a:ext>
             </a:extLst>
           </p:cNvPr>
@@ -5454,7 +5454,7 @@
           <p:cNvPr id="84" name="Shape 248">
             <a:extLst>
               <a:ext uri="{FF2B5EF4-FFF2-40B4-BE49-F238E27FC236}">
-                <a16:creationId xmlns:a16="http://schemas.microsoft.com/office/drawing/2014/main" id="{700C8A12-2D4F-49EA-86E1-78C48BA648F3}"/>
+                <a16:creationId xmlns="" xmlns:a16="http://schemas.microsoft.com/office/drawing/2014/main" id="{700C8A12-2D4F-49EA-86E1-78C48BA648F3}"/>
               </a:ext>
             </a:extLst>
           </p:cNvPr>
@@ -5499,7 +5499,7 @@
           <p:cNvPr id="87" name="Shape 248">
             <a:extLst>
               <a:ext uri="{FF2B5EF4-FFF2-40B4-BE49-F238E27FC236}">
-                <a16:creationId xmlns:a16="http://schemas.microsoft.com/office/drawing/2014/main" id="{59BFC179-4040-42B9-B9FD-CEBEB4F660EA}"/>
+                <a16:creationId xmlns="" xmlns:a16="http://schemas.microsoft.com/office/drawing/2014/main" id="{59BFC179-4040-42B9-B9FD-CEBEB4F660EA}"/>
               </a:ext>
             </a:extLst>
           </p:cNvPr>
@@ -5544,7 +5544,7 @@
           <p:cNvPr id="90" name="Shape 248">
             <a:extLst>
               <a:ext uri="{FF2B5EF4-FFF2-40B4-BE49-F238E27FC236}">
-                <a16:creationId xmlns:a16="http://schemas.microsoft.com/office/drawing/2014/main" id="{62AA7CF6-F06B-4A00-B8C6-DA4C8C112830}"/>
+                <a16:creationId xmlns="" xmlns:a16="http://schemas.microsoft.com/office/drawing/2014/main" id="{62AA7CF6-F06B-4A00-B8C6-DA4C8C112830}"/>
               </a:ext>
             </a:extLst>
           </p:cNvPr>
@@ -5589,7 +5589,7 @@
           <p:cNvPr id="93" name="Shape 248">
             <a:extLst>
               <a:ext uri="{FF2B5EF4-FFF2-40B4-BE49-F238E27FC236}">
-                <a16:creationId xmlns:a16="http://schemas.microsoft.com/office/drawing/2014/main" id="{1E71622C-0B52-40C2-B2A7-7C300CBE6EA7}"/>
+                <a16:creationId xmlns="" xmlns:a16="http://schemas.microsoft.com/office/drawing/2014/main" id="{1E71622C-0B52-40C2-B2A7-7C300CBE6EA7}"/>
               </a:ext>
             </a:extLst>
           </p:cNvPr>
@@ -5634,7 +5634,7 @@
           <p:cNvPr id="96" name="Shape 248">
             <a:extLst>
               <a:ext uri="{FF2B5EF4-FFF2-40B4-BE49-F238E27FC236}">
-                <a16:creationId xmlns:a16="http://schemas.microsoft.com/office/drawing/2014/main" id="{678CE35A-0F37-49CD-B54A-CAFFF9D4A1F6}"/>
+                <a16:creationId xmlns="" xmlns:a16="http://schemas.microsoft.com/office/drawing/2014/main" id="{678CE35A-0F37-49CD-B54A-CAFFF9D4A1F6}"/>
               </a:ext>
             </a:extLst>
           </p:cNvPr>
@@ -5679,7 +5679,7 @@
           <p:cNvPr id="99" name="Shape 248">
             <a:extLst>
               <a:ext uri="{FF2B5EF4-FFF2-40B4-BE49-F238E27FC236}">
-                <a16:creationId xmlns:a16="http://schemas.microsoft.com/office/drawing/2014/main" id="{E6261722-3108-462A-B217-3F7FD3B0DDFB}"/>
+                <a16:creationId xmlns="" xmlns:a16="http://schemas.microsoft.com/office/drawing/2014/main" id="{E6261722-3108-462A-B217-3F7FD3B0DDFB}"/>
               </a:ext>
             </a:extLst>
           </p:cNvPr>
@@ -5724,7 +5724,7 @@
           <p:cNvPr id="102" name="Shape 248">
             <a:extLst>
               <a:ext uri="{FF2B5EF4-FFF2-40B4-BE49-F238E27FC236}">
-                <a16:creationId xmlns:a16="http://schemas.microsoft.com/office/drawing/2014/main" id="{FD5E7D5A-F053-4AE5-BA18-1275C8A6FF31}"/>
+                <a16:creationId xmlns="" xmlns:a16="http://schemas.microsoft.com/office/drawing/2014/main" id="{FD5E7D5A-F053-4AE5-BA18-1275C8A6FF31}"/>
               </a:ext>
             </a:extLst>
           </p:cNvPr>
@@ -5769,7 +5769,7 @@
           <p:cNvPr id="107" name="Shape 248">
             <a:extLst>
               <a:ext uri="{FF2B5EF4-FFF2-40B4-BE49-F238E27FC236}">
-                <a16:creationId xmlns:a16="http://schemas.microsoft.com/office/drawing/2014/main" id="{FE9E9FAE-0CA2-4071-8287-52722FDADD22}"/>
+                <a16:creationId xmlns="" xmlns:a16="http://schemas.microsoft.com/office/drawing/2014/main" id="{FE9E9FAE-0CA2-4071-8287-52722FDADD22}"/>
               </a:ext>
             </a:extLst>
           </p:cNvPr>
@@ -5815,7 +5815,7 @@
           <p:cNvPr id="110" name="Прямоугольник 109">
             <a:extLst>
               <a:ext uri="{FF2B5EF4-FFF2-40B4-BE49-F238E27FC236}">
-                <a16:creationId xmlns:a16="http://schemas.microsoft.com/office/drawing/2014/main" id="{AF761871-6C13-4546-83B1-02B3391D9F15}"/>
+                <a16:creationId xmlns="" xmlns:a16="http://schemas.microsoft.com/office/drawing/2014/main" id="{AF761871-6C13-4546-83B1-02B3391D9F15}"/>
               </a:ext>
             </a:extLst>
           </p:cNvPr>
@@ -5863,7 +5863,7 @@
           <p:cNvPr id="111" name="Прямоугольник 110">
             <a:extLst>
               <a:ext uri="{FF2B5EF4-FFF2-40B4-BE49-F238E27FC236}">
-                <a16:creationId xmlns:a16="http://schemas.microsoft.com/office/drawing/2014/main" id="{D2CDA8C3-CF75-4C72-93E9-E8DBACEC6530}"/>
+                <a16:creationId xmlns="" xmlns:a16="http://schemas.microsoft.com/office/drawing/2014/main" id="{D2CDA8C3-CF75-4C72-93E9-E8DBACEC6530}"/>
               </a:ext>
             </a:extLst>
           </p:cNvPr>
@@ -5912,7 +5912,7 @@
           <p:cNvPr id="112" name="Прямая со стрелкой 111">
             <a:extLst>
               <a:ext uri="{FF2B5EF4-FFF2-40B4-BE49-F238E27FC236}">
-                <a16:creationId xmlns:a16="http://schemas.microsoft.com/office/drawing/2014/main" id="{F58F84DE-E9C4-4BD7-8748-A78C2F6FD8BF}"/>
+                <a16:creationId xmlns="" xmlns:a16="http://schemas.microsoft.com/office/drawing/2014/main" id="{F58F84DE-E9C4-4BD7-8748-A78C2F6FD8BF}"/>
               </a:ext>
             </a:extLst>
           </p:cNvPr>
@@ -5955,7 +5955,7 @@
           <p:cNvPr id="115" name="Прямая со стрелкой 114">
             <a:extLst>
               <a:ext uri="{FF2B5EF4-FFF2-40B4-BE49-F238E27FC236}">
-                <a16:creationId xmlns:a16="http://schemas.microsoft.com/office/drawing/2014/main" id="{B1276E7E-09F3-4F48-83F0-61AD6A00A2DC}"/>
+                <a16:creationId xmlns="" xmlns:a16="http://schemas.microsoft.com/office/drawing/2014/main" id="{B1276E7E-09F3-4F48-83F0-61AD6A00A2DC}"/>
               </a:ext>
             </a:extLst>
           </p:cNvPr>
@@ -5998,7 +5998,7 @@
           <p:cNvPr id="118" name="Прямоугольник 117">
             <a:extLst>
               <a:ext uri="{FF2B5EF4-FFF2-40B4-BE49-F238E27FC236}">
-                <a16:creationId xmlns:a16="http://schemas.microsoft.com/office/drawing/2014/main" id="{B9B0CFE7-80AC-4244-B88C-C62FC2E3D2AD}"/>
+                <a16:creationId xmlns="" xmlns:a16="http://schemas.microsoft.com/office/drawing/2014/main" id="{B9B0CFE7-80AC-4244-B88C-C62FC2E3D2AD}"/>
               </a:ext>
             </a:extLst>
           </p:cNvPr>
@@ -6055,7 +6055,7 @@
           <p:cNvPr id="122" name="Прямая со стрелкой 121">
             <a:extLst>
               <a:ext uri="{FF2B5EF4-FFF2-40B4-BE49-F238E27FC236}">
-                <a16:creationId xmlns:a16="http://schemas.microsoft.com/office/drawing/2014/main" id="{AFFC3425-EE6E-4A23-8273-1B43F1F5FFD8}"/>
+                <a16:creationId xmlns="" xmlns:a16="http://schemas.microsoft.com/office/drawing/2014/main" id="{AFFC3425-EE6E-4A23-8273-1B43F1F5FFD8}"/>
               </a:ext>
             </a:extLst>
           </p:cNvPr>
@@ -6098,7 +6098,7 @@
           <p:cNvPr id="127" name="Shape 248">
             <a:extLst>
               <a:ext uri="{FF2B5EF4-FFF2-40B4-BE49-F238E27FC236}">
-                <a16:creationId xmlns:a16="http://schemas.microsoft.com/office/drawing/2014/main" id="{1281530A-C1F3-48DD-BF88-2B748908877C}"/>
+                <a16:creationId xmlns="" xmlns:a16="http://schemas.microsoft.com/office/drawing/2014/main" id="{1281530A-C1F3-48DD-BF88-2B748908877C}"/>
               </a:ext>
             </a:extLst>
           </p:cNvPr>
@@ -6143,7 +6143,7 @@
           <p:cNvPr id="130" name="Shape 248">
             <a:extLst>
               <a:ext uri="{FF2B5EF4-FFF2-40B4-BE49-F238E27FC236}">
-                <a16:creationId xmlns:a16="http://schemas.microsoft.com/office/drawing/2014/main" id="{5BC99ECC-6DFA-4AF9-A537-86299940BCE8}"/>
+                <a16:creationId xmlns="" xmlns:a16="http://schemas.microsoft.com/office/drawing/2014/main" id="{5BC99ECC-6DFA-4AF9-A537-86299940BCE8}"/>
               </a:ext>
             </a:extLst>
           </p:cNvPr>
@@ -6188,7 +6188,7 @@
           <p:cNvPr id="71" name="Прямая со стрелкой 70">
             <a:extLst>
               <a:ext uri="{FF2B5EF4-FFF2-40B4-BE49-F238E27FC236}">
-                <a16:creationId xmlns:a16="http://schemas.microsoft.com/office/drawing/2014/main" id="{5D611DF3-BAD3-4686-8234-9390823E265F}"/>
+                <a16:creationId xmlns="" xmlns:a16="http://schemas.microsoft.com/office/drawing/2014/main" id="{5D611DF3-BAD3-4686-8234-9390823E265F}"/>
               </a:ext>
             </a:extLst>
           </p:cNvPr>
@@ -6231,7 +6231,7 @@
           <p:cNvPr id="92" name="Shape 248">
             <a:extLst>
               <a:ext uri="{FF2B5EF4-FFF2-40B4-BE49-F238E27FC236}">
-                <a16:creationId xmlns:a16="http://schemas.microsoft.com/office/drawing/2014/main" id="{09A8D863-1F84-47A3-B5DC-A2A2F04B9107}"/>
+                <a16:creationId xmlns="" xmlns:a16="http://schemas.microsoft.com/office/drawing/2014/main" id="{09A8D863-1F84-47A3-B5DC-A2A2F04B9107}"/>
               </a:ext>
             </a:extLst>
           </p:cNvPr>
@@ -6276,7 +6276,7 @@
           <p:cNvPr id="97" name="Прямая со стрелкой 96">
             <a:extLst>
               <a:ext uri="{FF2B5EF4-FFF2-40B4-BE49-F238E27FC236}">
-                <a16:creationId xmlns:a16="http://schemas.microsoft.com/office/drawing/2014/main" id="{6AE319B6-0D5D-4CAD-8389-B4F846942362}"/>
+                <a16:creationId xmlns="" xmlns:a16="http://schemas.microsoft.com/office/drawing/2014/main" id="{6AE319B6-0D5D-4CAD-8389-B4F846942362}"/>
               </a:ext>
             </a:extLst>
           </p:cNvPr>
@@ -6319,7 +6319,7 @@
           <p:cNvPr id="65" name="Прямоугольник 64">
             <a:extLst>
               <a:ext uri="{FF2B5EF4-FFF2-40B4-BE49-F238E27FC236}">
-                <a16:creationId xmlns:a16="http://schemas.microsoft.com/office/drawing/2014/main" id="{D5C4CE5D-E228-4302-A40B-45607257F566}"/>
+                <a16:creationId xmlns="" xmlns:a16="http://schemas.microsoft.com/office/drawing/2014/main" id="{D5C4CE5D-E228-4302-A40B-45607257F566}"/>
               </a:ext>
             </a:extLst>
           </p:cNvPr>
@@ -6371,7 +6371,7 @@
           <p:cNvPr id="66" name="Прямоугольник 65">
             <a:extLst>
               <a:ext uri="{FF2B5EF4-FFF2-40B4-BE49-F238E27FC236}">
-                <a16:creationId xmlns:a16="http://schemas.microsoft.com/office/drawing/2014/main" id="{9814D52B-042A-4826-B9FB-5E23E9DC90C4}"/>
+                <a16:creationId xmlns="" xmlns:a16="http://schemas.microsoft.com/office/drawing/2014/main" id="{9814D52B-042A-4826-B9FB-5E23E9DC90C4}"/>
               </a:ext>
             </a:extLst>
           </p:cNvPr>
@@ -6423,7 +6423,7 @@
           <p:cNvPr id="69" name="Прямоугольник 68">
             <a:extLst>
               <a:ext uri="{FF2B5EF4-FFF2-40B4-BE49-F238E27FC236}">
-                <a16:creationId xmlns:a16="http://schemas.microsoft.com/office/drawing/2014/main" id="{D1E21AE8-FED8-415A-84BE-CECD9BE7D909}"/>
+                <a16:creationId xmlns="" xmlns:a16="http://schemas.microsoft.com/office/drawing/2014/main" id="{D1E21AE8-FED8-415A-84BE-CECD9BE7D909}"/>
               </a:ext>
             </a:extLst>
           </p:cNvPr>
@@ -6472,7 +6472,7 @@
           <p:cNvPr id="75" name="Прямоугольник 74">
             <a:extLst>
               <a:ext uri="{FF2B5EF4-FFF2-40B4-BE49-F238E27FC236}">
-                <a16:creationId xmlns:a16="http://schemas.microsoft.com/office/drawing/2014/main" id="{FFC663BD-E4F3-4BD7-AB51-03B9E26D051C}"/>
+                <a16:creationId xmlns="" xmlns:a16="http://schemas.microsoft.com/office/drawing/2014/main" id="{FFC663BD-E4F3-4BD7-AB51-03B9E26D051C}"/>
               </a:ext>
             </a:extLst>
           </p:cNvPr>
@@ -6521,7 +6521,7 @@
           <p:cNvPr id="76" name="Прямоугольник 75">
             <a:extLst>
               <a:ext uri="{FF2B5EF4-FFF2-40B4-BE49-F238E27FC236}">
-                <a16:creationId xmlns:a16="http://schemas.microsoft.com/office/drawing/2014/main" id="{81B2F421-1079-4D0D-A355-84D8F52990B6}"/>
+                <a16:creationId xmlns="" xmlns:a16="http://schemas.microsoft.com/office/drawing/2014/main" id="{81B2F421-1079-4D0D-A355-84D8F52990B6}"/>
               </a:ext>
             </a:extLst>
           </p:cNvPr>
@@ -6570,7 +6570,7 @@
           <p:cNvPr id="79" name="Прямоугольник 78">
             <a:extLst>
               <a:ext uri="{FF2B5EF4-FFF2-40B4-BE49-F238E27FC236}">
-                <a16:creationId xmlns:a16="http://schemas.microsoft.com/office/drawing/2014/main" id="{4A880EDB-FD22-487D-A63C-C40C68E73A62}"/>
+                <a16:creationId xmlns="" xmlns:a16="http://schemas.microsoft.com/office/drawing/2014/main" id="{4A880EDB-FD22-487D-A63C-C40C68E73A62}"/>
               </a:ext>
             </a:extLst>
           </p:cNvPr>
@@ -6619,7 +6619,7 @@
           <p:cNvPr id="82" name="Прямоугольник 81">
             <a:extLst>
               <a:ext uri="{FF2B5EF4-FFF2-40B4-BE49-F238E27FC236}">
-                <a16:creationId xmlns:a16="http://schemas.microsoft.com/office/drawing/2014/main" id="{6FB916C4-3F16-4E21-831A-E94C97D7C1BD}"/>
+                <a16:creationId xmlns="" xmlns:a16="http://schemas.microsoft.com/office/drawing/2014/main" id="{6FB916C4-3F16-4E21-831A-E94C97D7C1BD}"/>
               </a:ext>
             </a:extLst>
           </p:cNvPr>
@@ -6668,7 +6668,7 @@
           <p:cNvPr id="83" name="Прямоугольник 82">
             <a:extLst>
               <a:ext uri="{FF2B5EF4-FFF2-40B4-BE49-F238E27FC236}">
-                <a16:creationId xmlns:a16="http://schemas.microsoft.com/office/drawing/2014/main" id="{425A5458-014A-4B90-AB2E-D3A5BB1F561B}"/>
+                <a16:creationId xmlns="" xmlns:a16="http://schemas.microsoft.com/office/drawing/2014/main" id="{425A5458-014A-4B90-AB2E-D3A5BB1F561B}"/>
               </a:ext>
             </a:extLst>
           </p:cNvPr>
@@ -6721,7 +6721,7 @@
           <p:cNvPr id="86" name="Прямоугольник 85">
             <a:extLst>
               <a:ext uri="{FF2B5EF4-FFF2-40B4-BE49-F238E27FC236}">
-                <a16:creationId xmlns:a16="http://schemas.microsoft.com/office/drawing/2014/main" id="{5AE4370A-92AF-4C68-9C81-314B1F2EDB58}"/>
+                <a16:creationId xmlns="" xmlns:a16="http://schemas.microsoft.com/office/drawing/2014/main" id="{5AE4370A-92AF-4C68-9C81-314B1F2EDB58}"/>
               </a:ext>
             </a:extLst>
           </p:cNvPr>
@@ -6770,7 +6770,7 @@
           <p:cNvPr id="88" name="Прямоугольник 87">
             <a:extLst>
               <a:ext uri="{FF2B5EF4-FFF2-40B4-BE49-F238E27FC236}">
-                <a16:creationId xmlns:a16="http://schemas.microsoft.com/office/drawing/2014/main" id="{6EC0AFE5-F5AA-4DA8-9343-35C78004867D}"/>
+                <a16:creationId xmlns="" xmlns:a16="http://schemas.microsoft.com/office/drawing/2014/main" id="{6EC0AFE5-F5AA-4DA8-9343-35C78004867D}"/>
               </a:ext>
             </a:extLst>
           </p:cNvPr>
@@ -6819,7 +6819,7 @@
           <p:cNvPr id="89" name="Прямоугольник 88">
             <a:extLst>
               <a:ext uri="{FF2B5EF4-FFF2-40B4-BE49-F238E27FC236}">
-                <a16:creationId xmlns:a16="http://schemas.microsoft.com/office/drawing/2014/main" id="{3E84CE71-6654-4A0F-9542-713D6728B0CC}"/>
+                <a16:creationId xmlns="" xmlns:a16="http://schemas.microsoft.com/office/drawing/2014/main" id="{3E84CE71-6654-4A0F-9542-713D6728B0CC}"/>
               </a:ext>
             </a:extLst>
           </p:cNvPr>
@@ -6868,7 +6868,7 @@
           <p:cNvPr id="91" name="Прямоугольник 90">
             <a:extLst>
               <a:ext uri="{FF2B5EF4-FFF2-40B4-BE49-F238E27FC236}">
-                <a16:creationId xmlns:a16="http://schemas.microsoft.com/office/drawing/2014/main" id="{1754E2EA-CB0D-42EE-80B9-FC4D998F5280}"/>
+                <a16:creationId xmlns="" xmlns:a16="http://schemas.microsoft.com/office/drawing/2014/main" id="{1754E2EA-CB0D-42EE-80B9-FC4D998F5280}"/>
               </a:ext>
             </a:extLst>
           </p:cNvPr>
@@ -6917,7 +6917,7 @@
           <p:cNvPr id="95" name="Прямоугольник 94">
             <a:extLst>
               <a:ext uri="{FF2B5EF4-FFF2-40B4-BE49-F238E27FC236}">
-                <a16:creationId xmlns:a16="http://schemas.microsoft.com/office/drawing/2014/main" id="{DEDA82B9-E307-4F93-85E5-547ADE88D28B}"/>
+                <a16:creationId xmlns="" xmlns:a16="http://schemas.microsoft.com/office/drawing/2014/main" id="{DEDA82B9-E307-4F93-85E5-547ADE88D28B}"/>
               </a:ext>
             </a:extLst>
           </p:cNvPr>
@@ -6972,7 +6972,7 @@
           <p:cNvPr id="98" name="Прямоугольник 97">
             <a:extLst>
               <a:ext uri="{FF2B5EF4-FFF2-40B4-BE49-F238E27FC236}">
-                <a16:creationId xmlns:a16="http://schemas.microsoft.com/office/drawing/2014/main" id="{6413196C-E8CA-4F1B-B0BF-4E36A8D9CA72}"/>
+                <a16:creationId xmlns="" xmlns:a16="http://schemas.microsoft.com/office/drawing/2014/main" id="{6413196C-E8CA-4F1B-B0BF-4E36A8D9CA72}"/>
               </a:ext>
             </a:extLst>
           </p:cNvPr>
@@ -7021,7 +7021,7 @@
           <p:cNvPr id="100" name="Прямоугольник 99">
             <a:extLst>
               <a:ext uri="{FF2B5EF4-FFF2-40B4-BE49-F238E27FC236}">
-                <a16:creationId xmlns:a16="http://schemas.microsoft.com/office/drawing/2014/main" id="{2E431EFB-FFBD-4F28-8EDF-DAACB4BDE5DF}"/>
+                <a16:creationId xmlns="" xmlns:a16="http://schemas.microsoft.com/office/drawing/2014/main" id="{2E431EFB-FFBD-4F28-8EDF-DAACB4BDE5DF}"/>
               </a:ext>
             </a:extLst>
           </p:cNvPr>
@@ -7074,7 +7074,7 @@
           <p:cNvPr id="101" name="Прямоугольник 100">
             <a:extLst>
               <a:ext uri="{FF2B5EF4-FFF2-40B4-BE49-F238E27FC236}">
-                <a16:creationId xmlns:a16="http://schemas.microsoft.com/office/drawing/2014/main" id="{4D5CA7C1-C7E7-4441-A96D-1225D8429F32}"/>
+                <a16:creationId xmlns="" xmlns:a16="http://schemas.microsoft.com/office/drawing/2014/main" id="{4D5CA7C1-C7E7-4441-A96D-1225D8429F32}"/>
               </a:ext>
             </a:extLst>
           </p:cNvPr>
@@ -7123,7 +7123,7 @@
           <p:cNvPr id="104" name="Shape 248">
             <a:extLst>
               <a:ext uri="{FF2B5EF4-FFF2-40B4-BE49-F238E27FC236}">
-                <a16:creationId xmlns:a16="http://schemas.microsoft.com/office/drawing/2014/main" id="{50A46DFC-48CD-4996-962B-731F30654153}"/>
+                <a16:creationId xmlns="" xmlns:a16="http://schemas.microsoft.com/office/drawing/2014/main" id="{50A46DFC-48CD-4996-962B-731F30654153}"/>
               </a:ext>
             </a:extLst>
           </p:cNvPr>
@@ -7168,7 +7168,7 @@
           <p:cNvPr id="105" name="Shape 248">
             <a:extLst>
               <a:ext uri="{FF2B5EF4-FFF2-40B4-BE49-F238E27FC236}">
-                <a16:creationId xmlns:a16="http://schemas.microsoft.com/office/drawing/2014/main" id="{BA78C400-6195-44EF-8E9A-5CF984F63B83}"/>
+                <a16:creationId xmlns="" xmlns:a16="http://schemas.microsoft.com/office/drawing/2014/main" id="{BA78C400-6195-44EF-8E9A-5CF984F63B83}"/>
               </a:ext>
             </a:extLst>
           </p:cNvPr>
@@ -7213,7 +7213,7 @@
           <p:cNvPr id="106" name="Shape 248">
             <a:extLst>
               <a:ext uri="{FF2B5EF4-FFF2-40B4-BE49-F238E27FC236}">
-                <a16:creationId xmlns:a16="http://schemas.microsoft.com/office/drawing/2014/main" id="{911A6549-0DBC-4A77-853E-03AD62A81859}"/>
+                <a16:creationId xmlns="" xmlns:a16="http://schemas.microsoft.com/office/drawing/2014/main" id="{911A6549-0DBC-4A77-853E-03AD62A81859}"/>
               </a:ext>
             </a:extLst>
           </p:cNvPr>
@@ -7258,7 +7258,7 @@
           <p:cNvPr id="108" name="Shape 248">
             <a:extLst>
               <a:ext uri="{FF2B5EF4-FFF2-40B4-BE49-F238E27FC236}">
-                <a16:creationId xmlns:a16="http://schemas.microsoft.com/office/drawing/2014/main" id="{3CB2C9CA-D143-487B-B5AB-88D2BF81137D}"/>
+                <a16:creationId xmlns="" xmlns:a16="http://schemas.microsoft.com/office/drawing/2014/main" id="{3CB2C9CA-D143-487B-B5AB-88D2BF81137D}"/>
               </a:ext>
             </a:extLst>
           </p:cNvPr>
@@ -7303,7 +7303,7 @@
           <p:cNvPr id="109" name="Shape 248">
             <a:extLst>
               <a:ext uri="{FF2B5EF4-FFF2-40B4-BE49-F238E27FC236}">
-                <a16:creationId xmlns:a16="http://schemas.microsoft.com/office/drawing/2014/main" id="{1AF38B1E-4A4B-4A62-B680-9E377AB2B953}"/>
+                <a16:creationId xmlns="" xmlns:a16="http://schemas.microsoft.com/office/drawing/2014/main" id="{1AF38B1E-4A4B-4A62-B680-9E377AB2B953}"/>
               </a:ext>
             </a:extLst>
           </p:cNvPr>
@@ -7349,7 +7349,7 @@
           <p:cNvPr id="114" name="Shape 248">
             <a:extLst>
               <a:ext uri="{FF2B5EF4-FFF2-40B4-BE49-F238E27FC236}">
-                <a16:creationId xmlns:a16="http://schemas.microsoft.com/office/drawing/2014/main" id="{7502E7D5-9C5C-420C-88C2-51B3DD2E61B0}"/>
+                <a16:creationId xmlns="" xmlns:a16="http://schemas.microsoft.com/office/drawing/2014/main" id="{7502E7D5-9C5C-420C-88C2-51B3DD2E61B0}"/>
               </a:ext>
             </a:extLst>
           </p:cNvPr>
@@ -7395,7 +7395,7 @@
           <p:cNvPr id="116" name="Shape 248">
             <a:extLst>
               <a:ext uri="{FF2B5EF4-FFF2-40B4-BE49-F238E27FC236}">
-                <a16:creationId xmlns:a16="http://schemas.microsoft.com/office/drawing/2014/main" id="{85A530F4-1E0B-48DD-AD7F-830E6EB01AB5}"/>
+                <a16:creationId xmlns="" xmlns:a16="http://schemas.microsoft.com/office/drawing/2014/main" id="{85A530F4-1E0B-48DD-AD7F-830E6EB01AB5}"/>
               </a:ext>
             </a:extLst>
           </p:cNvPr>
@@ -7441,7 +7441,7 @@
           <p:cNvPr id="119" name="Shape 248">
             <a:extLst>
               <a:ext uri="{FF2B5EF4-FFF2-40B4-BE49-F238E27FC236}">
-                <a16:creationId xmlns:a16="http://schemas.microsoft.com/office/drawing/2014/main" id="{15B56209-2812-45D2-ADAD-DF88359CF2B3}"/>
+                <a16:creationId xmlns="" xmlns:a16="http://schemas.microsoft.com/office/drawing/2014/main" id="{15B56209-2812-45D2-ADAD-DF88359CF2B3}"/>
               </a:ext>
             </a:extLst>
           </p:cNvPr>
@@ -7487,7 +7487,7 @@
           <p:cNvPr id="123" name="Shape 248">
             <a:extLst>
               <a:ext uri="{FF2B5EF4-FFF2-40B4-BE49-F238E27FC236}">
-                <a16:creationId xmlns:a16="http://schemas.microsoft.com/office/drawing/2014/main" id="{95E032AE-0EBF-4995-8C39-DDC6681A1B7E}"/>
+                <a16:creationId xmlns="" xmlns:a16="http://schemas.microsoft.com/office/drawing/2014/main" id="{95E032AE-0EBF-4995-8C39-DDC6681A1B7E}"/>
               </a:ext>
             </a:extLst>
           </p:cNvPr>
@@ -7533,7 +7533,7 @@
           <p:cNvPr id="128" name="Shape 248">
             <a:extLst>
               <a:ext uri="{FF2B5EF4-FFF2-40B4-BE49-F238E27FC236}">
-                <a16:creationId xmlns:a16="http://schemas.microsoft.com/office/drawing/2014/main" id="{B2BA28E1-2581-4FA8-BDBE-B599C6A906A2}"/>
+                <a16:creationId xmlns="" xmlns:a16="http://schemas.microsoft.com/office/drawing/2014/main" id="{B2BA28E1-2581-4FA8-BDBE-B599C6A906A2}"/>
               </a:ext>
             </a:extLst>
           </p:cNvPr>
@@ -7579,7 +7579,7 @@
           <p:cNvPr id="131" name="Shape 248">
             <a:extLst>
               <a:ext uri="{FF2B5EF4-FFF2-40B4-BE49-F238E27FC236}">
-                <a16:creationId xmlns:a16="http://schemas.microsoft.com/office/drawing/2014/main" id="{E0AF8DD7-3889-4346-98A2-39A5A3B56D8A}"/>
+                <a16:creationId xmlns="" xmlns:a16="http://schemas.microsoft.com/office/drawing/2014/main" id="{E0AF8DD7-3889-4346-98A2-39A5A3B56D8A}"/>
               </a:ext>
             </a:extLst>
           </p:cNvPr>
@@ -7624,7 +7624,7 @@
           <p:cNvPr id="133" name="Shape 248">
             <a:extLst>
               <a:ext uri="{FF2B5EF4-FFF2-40B4-BE49-F238E27FC236}">
-                <a16:creationId xmlns:a16="http://schemas.microsoft.com/office/drawing/2014/main" id="{C56D727D-4959-4AF2-988E-526B674656E7}"/>
+                <a16:creationId xmlns="" xmlns:a16="http://schemas.microsoft.com/office/drawing/2014/main" id="{C56D727D-4959-4AF2-988E-526B674656E7}"/>
               </a:ext>
             </a:extLst>
           </p:cNvPr>
@@ -7669,7 +7669,7 @@
           <p:cNvPr id="136" name="Shape 248">
             <a:extLst>
               <a:ext uri="{FF2B5EF4-FFF2-40B4-BE49-F238E27FC236}">
-                <a16:creationId xmlns:a16="http://schemas.microsoft.com/office/drawing/2014/main" id="{5EA808C1-F8AA-4234-A194-F6D9DE19C15A}"/>
+                <a16:creationId xmlns="" xmlns:a16="http://schemas.microsoft.com/office/drawing/2014/main" id="{5EA808C1-F8AA-4234-A194-F6D9DE19C15A}"/>
               </a:ext>
             </a:extLst>
           </p:cNvPr>
@@ -7714,7 +7714,7 @@
           <p:cNvPr id="139" name="Shape 248">
             <a:extLst>
               <a:ext uri="{FF2B5EF4-FFF2-40B4-BE49-F238E27FC236}">
-                <a16:creationId xmlns:a16="http://schemas.microsoft.com/office/drawing/2014/main" id="{64D88D61-5DAA-4B2B-BD1B-324742A8CC4A}"/>
+                <a16:creationId xmlns="" xmlns:a16="http://schemas.microsoft.com/office/drawing/2014/main" id="{64D88D61-5DAA-4B2B-BD1B-324742A8CC4A}"/>
               </a:ext>
             </a:extLst>
           </p:cNvPr>
@@ -7759,7 +7759,7 @@
           <p:cNvPr id="113" name="Прямоугольник 112">
             <a:extLst>
               <a:ext uri="{FF2B5EF4-FFF2-40B4-BE49-F238E27FC236}">
-                <a16:creationId xmlns:a16="http://schemas.microsoft.com/office/drawing/2014/main" id="{692FD614-B45F-44F2-97C1-5B1F574A4286}"/>
+                <a16:creationId xmlns="" xmlns:a16="http://schemas.microsoft.com/office/drawing/2014/main" id="{692FD614-B45F-44F2-97C1-5B1F574A4286}"/>
               </a:ext>
             </a:extLst>
           </p:cNvPr>
@@ -7816,7 +7816,7 @@
           <p:cNvPr id="117" name="Shape 248">
             <a:extLst>
               <a:ext uri="{FF2B5EF4-FFF2-40B4-BE49-F238E27FC236}">
-                <a16:creationId xmlns:a16="http://schemas.microsoft.com/office/drawing/2014/main" id="{DF1CAE3A-A702-4A17-BD9A-7E154FAAA753}"/>
+                <a16:creationId xmlns="" xmlns:a16="http://schemas.microsoft.com/office/drawing/2014/main" id="{DF1CAE3A-A702-4A17-BD9A-7E154FAAA753}"/>
               </a:ext>
             </a:extLst>
           </p:cNvPr>
@@ -7861,7 +7861,7 @@
           <p:cNvPr id="120" name="Прямоугольник 119">
             <a:extLst>
               <a:ext uri="{FF2B5EF4-FFF2-40B4-BE49-F238E27FC236}">
-                <a16:creationId xmlns:a16="http://schemas.microsoft.com/office/drawing/2014/main" id="{52994B44-4FEE-4BC2-940E-9121055E91A1}"/>
+                <a16:creationId xmlns="" xmlns:a16="http://schemas.microsoft.com/office/drawing/2014/main" id="{52994B44-4FEE-4BC2-940E-9121055E91A1}"/>
               </a:ext>
             </a:extLst>
           </p:cNvPr>
@@ -7910,7 +7910,7 @@
           <p:cNvPr id="121" name="Shape 248">
             <a:extLst>
               <a:ext uri="{FF2B5EF4-FFF2-40B4-BE49-F238E27FC236}">
-                <a16:creationId xmlns:a16="http://schemas.microsoft.com/office/drawing/2014/main" id="{4D38D20E-AC58-411A-A865-3C081EF18269}"/>
+                <a16:creationId xmlns="" xmlns:a16="http://schemas.microsoft.com/office/drawing/2014/main" id="{4D38D20E-AC58-411A-A865-3C081EF18269}"/>
               </a:ext>
             </a:extLst>
           </p:cNvPr>
@@ -7955,7 +7955,7 @@
           <p:cNvPr id="124" name="Shape 248">
             <a:extLst>
               <a:ext uri="{FF2B5EF4-FFF2-40B4-BE49-F238E27FC236}">
-                <a16:creationId xmlns:a16="http://schemas.microsoft.com/office/drawing/2014/main" id="{96EAAB4B-25A1-45E5-8029-1961F49C27F6}"/>
+                <a16:creationId xmlns="" xmlns:a16="http://schemas.microsoft.com/office/drawing/2014/main" id="{96EAAB4B-25A1-45E5-8029-1961F49C27F6}"/>
               </a:ext>
             </a:extLst>
           </p:cNvPr>
@@ -8000,7 +8000,7 @@
           <p:cNvPr id="125" name="Прямоугольник 124">
             <a:extLst>
               <a:ext uri="{FF2B5EF4-FFF2-40B4-BE49-F238E27FC236}">
-                <a16:creationId xmlns:a16="http://schemas.microsoft.com/office/drawing/2014/main" id="{BBF66D38-3B77-4A72-80FE-1124919B958E}"/>
+                <a16:creationId xmlns="" xmlns:a16="http://schemas.microsoft.com/office/drawing/2014/main" id="{BBF66D38-3B77-4A72-80FE-1124919B958E}"/>
               </a:ext>
             </a:extLst>
           </p:cNvPr>
@@ -8049,7 +8049,7 @@
           <p:cNvPr id="126" name="Shape 248">
             <a:extLst>
               <a:ext uri="{FF2B5EF4-FFF2-40B4-BE49-F238E27FC236}">
-                <a16:creationId xmlns:a16="http://schemas.microsoft.com/office/drawing/2014/main" id="{002436B9-1324-4489-8D67-C6E3C1427869}"/>
+                <a16:creationId xmlns="" xmlns:a16="http://schemas.microsoft.com/office/drawing/2014/main" id="{002436B9-1324-4489-8D67-C6E3C1427869}"/>
               </a:ext>
             </a:extLst>
           </p:cNvPr>
@@ -8094,7 +8094,7 @@
           <p:cNvPr id="129" name="Shape 248">
             <a:extLst>
               <a:ext uri="{FF2B5EF4-FFF2-40B4-BE49-F238E27FC236}">
-                <a16:creationId xmlns:a16="http://schemas.microsoft.com/office/drawing/2014/main" id="{8B2AE635-F813-4D4B-93C0-BFAE7C59986C}"/>
+                <a16:creationId xmlns="" xmlns:a16="http://schemas.microsoft.com/office/drawing/2014/main" id="{8B2AE635-F813-4D4B-93C0-BFAE7C59986C}"/>
               </a:ext>
             </a:extLst>
           </p:cNvPr>
@@ -8139,7 +8139,7 @@
           <p:cNvPr id="132" name="Прямоугольник 131">
             <a:extLst>
               <a:ext uri="{FF2B5EF4-FFF2-40B4-BE49-F238E27FC236}">
-                <a16:creationId xmlns:a16="http://schemas.microsoft.com/office/drawing/2014/main" id="{C13EAB58-199B-4B01-9E93-CCDA91E30626}"/>
+                <a16:creationId xmlns="" xmlns:a16="http://schemas.microsoft.com/office/drawing/2014/main" id="{C13EAB58-199B-4B01-9E93-CCDA91E30626}"/>
               </a:ext>
             </a:extLst>
           </p:cNvPr>
@@ -8194,7 +8194,7 @@
           <p:cNvPr id="135" name="Прямоугольник 134">
             <a:extLst>
               <a:ext uri="{FF2B5EF4-FFF2-40B4-BE49-F238E27FC236}">
-                <a16:creationId xmlns:a16="http://schemas.microsoft.com/office/drawing/2014/main" id="{9C9F49EE-9417-4A04-A4B0-B121AE471BAB}"/>
+                <a16:creationId xmlns="" xmlns:a16="http://schemas.microsoft.com/office/drawing/2014/main" id="{9C9F49EE-9417-4A04-A4B0-B121AE471BAB}"/>
               </a:ext>
             </a:extLst>
           </p:cNvPr>
@@ -8249,7 +8249,7 @@
           <p:cNvPr id="137" name="Прямоугольник 136">
             <a:extLst>
               <a:ext uri="{FF2B5EF4-FFF2-40B4-BE49-F238E27FC236}">
-                <a16:creationId xmlns:a16="http://schemas.microsoft.com/office/drawing/2014/main" id="{40BC72D3-CE41-4743-90C0-615333F29391}"/>
+                <a16:creationId xmlns="" xmlns:a16="http://schemas.microsoft.com/office/drawing/2014/main" id="{40BC72D3-CE41-4743-90C0-615333F29391}"/>
               </a:ext>
             </a:extLst>
           </p:cNvPr>
@@ -8304,7 +8304,7 @@
           <p:cNvPr id="138" name="Прямоугольник 137">
             <a:extLst>
               <a:ext uri="{FF2B5EF4-FFF2-40B4-BE49-F238E27FC236}">
-                <a16:creationId xmlns:a16="http://schemas.microsoft.com/office/drawing/2014/main" id="{3F5C4FA9-61FD-4FD2-97D7-1672A9A1C989}"/>
+                <a16:creationId xmlns="" xmlns:a16="http://schemas.microsoft.com/office/drawing/2014/main" id="{3F5C4FA9-61FD-4FD2-97D7-1672A9A1C989}"/>
               </a:ext>
             </a:extLst>
           </p:cNvPr>
@@ -8359,7 +8359,7 @@
           <p:cNvPr id="140" name="Прямоугольник 139">
             <a:extLst>
               <a:ext uri="{FF2B5EF4-FFF2-40B4-BE49-F238E27FC236}">
-                <a16:creationId xmlns:a16="http://schemas.microsoft.com/office/drawing/2014/main" id="{58AFA13B-EEC9-4097-BE09-1C51485C8F1F}"/>
+                <a16:creationId xmlns="" xmlns:a16="http://schemas.microsoft.com/office/drawing/2014/main" id="{58AFA13B-EEC9-4097-BE09-1C51485C8F1F}"/>
               </a:ext>
             </a:extLst>
           </p:cNvPr>
@@ -8414,7 +8414,7 @@
           <p:cNvPr id="141" name="Прямая соединительная линия 140">
             <a:extLst>
               <a:ext uri="{FF2B5EF4-FFF2-40B4-BE49-F238E27FC236}">
-                <a16:creationId xmlns:a16="http://schemas.microsoft.com/office/drawing/2014/main" id="{BB94E2D8-7880-44D7-97CA-4D17D4CAC014}"/>
+                <a16:creationId xmlns="" xmlns:a16="http://schemas.microsoft.com/office/drawing/2014/main" id="{BB94E2D8-7880-44D7-97CA-4D17D4CAC014}"/>
               </a:ext>
             </a:extLst>
           </p:cNvPr>
@@ -8459,7 +8459,7 @@
           <p:cNvPr id="142" name="Прямоугольник 141">
             <a:extLst>
               <a:ext uri="{FF2B5EF4-FFF2-40B4-BE49-F238E27FC236}">
-                <a16:creationId xmlns:a16="http://schemas.microsoft.com/office/drawing/2014/main" id="{3F50D8DF-0634-43AD-80A2-E47126298642}"/>
+                <a16:creationId xmlns="" xmlns:a16="http://schemas.microsoft.com/office/drawing/2014/main" id="{3F50D8DF-0634-43AD-80A2-E47126298642}"/>
               </a:ext>
             </a:extLst>
           </p:cNvPr>
@@ -8514,7 +8514,7 @@
           <p:cNvPr id="143" name="Прямоугольник 142">
             <a:extLst>
               <a:ext uri="{FF2B5EF4-FFF2-40B4-BE49-F238E27FC236}">
-                <a16:creationId xmlns:a16="http://schemas.microsoft.com/office/drawing/2014/main" id="{95B3EF4F-5151-431D-AA6A-D00E487D5830}"/>
+                <a16:creationId xmlns="" xmlns:a16="http://schemas.microsoft.com/office/drawing/2014/main" id="{95B3EF4F-5151-431D-AA6A-D00E487D5830}"/>
               </a:ext>
             </a:extLst>
           </p:cNvPr>
@@ -8569,7 +8569,7 @@
           <p:cNvPr id="144" name="Прямоугольник 143">
             <a:extLst>
               <a:ext uri="{FF2B5EF4-FFF2-40B4-BE49-F238E27FC236}">
-                <a16:creationId xmlns:a16="http://schemas.microsoft.com/office/drawing/2014/main" id="{60610E5E-754A-4D53-A261-E399488942B9}"/>
+                <a16:creationId xmlns="" xmlns:a16="http://schemas.microsoft.com/office/drawing/2014/main" id="{60610E5E-754A-4D53-A261-E399488942B9}"/>
               </a:ext>
             </a:extLst>
           </p:cNvPr>
@@ -8624,7 +8624,7 @@
           <p:cNvPr id="145" name="Прямая соединительная линия 144">
             <a:extLst>
               <a:ext uri="{FF2B5EF4-FFF2-40B4-BE49-F238E27FC236}">
-                <a16:creationId xmlns:a16="http://schemas.microsoft.com/office/drawing/2014/main" id="{FA260062-FB46-4D5D-9DE2-7B0B8BD8DFD0}"/>
+                <a16:creationId xmlns="" xmlns:a16="http://schemas.microsoft.com/office/drawing/2014/main" id="{FA260062-FB46-4D5D-9DE2-7B0B8BD8DFD0}"/>
               </a:ext>
             </a:extLst>
           </p:cNvPr>
@@ -8669,7 +8669,7 @@
           <p:cNvPr id="146" name="Shape 248">
             <a:extLst>
               <a:ext uri="{FF2B5EF4-FFF2-40B4-BE49-F238E27FC236}">
-                <a16:creationId xmlns:a16="http://schemas.microsoft.com/office/drawing/2014/main" id="{FC2C2AD8-9C0B-40B1-9111-0A2E007A3288}"/>
+                <a16:creationId xmlns="" xmlns:a16="http://schemas.microsoft.com/office/drawing/2014/main" id="{FC2C2AD8-9C0B-40B1-9111-0A2E007A3288}"/>
               </a:ext>
             </a:extLst>
           </p:cNvPr>
@@ -8714,7 +8714,7 @@
           <p:cNvPr id="147" name="Shape 248">
             <a:extLst>
               <a:ext uri="{FF2B5EF4-FFF2-40B4-BE49-F238E27FC236}">
-                <a16:creationId xmlns:a16="http://schemas.microsoft.com/office/drawing/2014/main" id="{80E2086F-3E60-4652-AE9A-32DB04678296}"/>
+                <a16:creationId xmlns="" xmlns:a16="http://schemas.microsoft.com/office/drawing/2014/main" id="{80E2086F-3E60-4652-AE9A-32DB04678296}"/>
               </a:ext>
             </a:extLst>
           </p:cNvPr>
@@ -8759,7 +8759,7 @@
           <p:cNvPr id="148" name="Shape 248">
             <a:extLst>
               <a:ext uri="{FF2B5EF4-FFF2-40B4-BE49-F238E27FC236}">
-                <a16:creationId xmlns:a16="http://schemas.microsoft.com/office/drawing/2014/main" id="{E0B741F2-E935-498D-AC4E-642D3630538B}"/>
+                <a16:creationId xmlns="" xmlns:a16="http://schemas.microsoft.com/office/drawing/2014/main" id="{E0B741F2-E935-498D-AC4E-642D3630538B}"/>
               </a:ext>
             </a:extLst>
           </p:cNvPr>
@@ -8804,7 +8804,7 @@
           <p:cNvPr id="149" name="Shape 248">
             <a:extLst>
               <a:ext uri="{FF2B5EF4-FFF2-40B4-BE49-F238E27FC236}">
-                <a16:creationId xmlns:a16="http://schemas.microsoft.com/office/drawing/2014/main" id="{47638B92-B99E-4CB4-99E2-4C7AC3B60060}"/>
+                <a16:creationId xmlns="" xmlns:a16="http://schemas.microsoft.com/office/drawing/2014/main" id="{47638B92-B99E-4CB4-99E2-4C7AC3B60060}"/>
               </a:ext>
             </a:extLst>
           </p:cNvPr>
@@ -8849,7 +8849,7 @@
           <p:cNvPr id="152" name="Shape 248">
             <a:extLst>
               <a:ext uri="{FF2B5EF4-FFF2-40B4-BE49-F238E27FC236}">
-                <a16:creationId xmlns:a16="http://schemas.microsoft.com/office/drawing/2014/main" id="{7C8EDC8E-CDE1-4CA2-91B4-52D4658E58DA}"/>
+                <a16:creationId xmlns="" xmlns:a16="http://schemas.microsoft.com/office/drawing/2014/main" id="{7C8EDC8E-CDE1-4CA2-91B4-52D4658E58DA}"/>
               </a:ext>
             </a:extLst>
           </p:cNvPr>
@@ -8894,7 +8894,7 @@
           <p:cNvPr id="155" name="Shape 248">
             <a:extLst>
               <a:ext uri="{FF2B5EF4-FFF2-40B4-BE49-F238E27FC236}">
-                <a16:creationId xmlns:a16="http://schemas.microsoft.com/office/drawing/2014/main" id="{1279B33C-FD72-4315-86F0-C7DB150F3DD1}"/>
+                <a16:creationId xmlns="" xmlns:a16="http://schemas.microsoft.com/office/drawing/2014/main" id="{1279B33C-FD72-4315-86F0-C7DB150F3DD1}"/>
               </a:ext>
             </a:extLst>
           </p:cNvPr>
@@ -8939,7 +8939,7 @@
           <p:cNvPr id="158" name="Shape 248">
             <a:extLst>
               <a:ext uri="{FF2B5EF4-FFF2-40B4-BE49-F238E27FC236}">
-                <a16:creationId xmlns:a16="http://schemas.microsoft.com/office/drawing/2014/main" id="{6CED0B40-61B7-466B-8F67-3EF77B3584A5}"/>
+                <a16:creationId xmlns="" xmlns:a16="http://schemas.microsoft.com/office/drawing/2014/main" id="{6CED0B40-61B7-466B-8F67-3EF77B3584A5}"/>
               </a:ext>
             </a:extLst>
           </p:cNvPr>
@@ -8984,7 +8984,7 @@
           <p:cNvPr id="161" name="Прямоугольник 160">
             <a:extLst>
               <a:ext uri="{FF2B5EF4-FFF2-40B4-BE49-F238E27FC236}">
-                <a16:creationId xmlns:a16="http://schemas.microsoft.com/office/drawing/2014/main" id="{5198995C-E84D-44CF-8362-6FC5D4B1143B}"/>
+                <a16:creationId xmlns="" xmlns:a16="http://schemas.microsoft.com/office/drawing/2014/main" id="{5198995C-E84D-44CF-8362-6FC5D4B1143B}"/>
               </a:ext>
             </a:extLst>
           </p:cNvPr>
@@ -9039,7 +9039,7 @@
           <p:cNvPr id="162" name="Прямоугольник 161">
             <a:extLst>
               <a:ext uri="{FF2B5EF4-FFF2-40B4-BE49-F238E27FC236}">
-                <a16:creationId xmlns:a16="http://schemas.microsoft.com/office/drawing/2014/main" id="{4020F592-5054-4E4A-B023-6359EC72C162}"/>
+                <a16:creationId xmlns="" xmlns:a16="http://schemas.microsoft.com/office/drawing/2014/main" id="{4020F592-5054-4E4A-B023-6359EC72C162}"/>
               </a:ext>
             </a:extLst>
           </p:cNvPr>
@@ -9094,7 +9094,7 @@
           <p:cNvPr id="163" name="Прямоугольник 162">
             <a:extLst>
               <a:ext uri="{FF2B5EF4-FFF2-40B4-BE49-F238E27FC236}">
-                <a16:creationId xmlns:a16="http://schemas.microsoft.com/office/drawing/2014/main" id="{8E7A537A-8EE2-4454-A485-36EAF5844820}"/>
+                <a16:creationId xmlns="" xmlns:a16="http://schemas.microsoft.com/office/drawing/2014/main" id="{8E7A537A-8EE2-4454-A485-36EAF5844820}"/>
               </a:ext>
             </a:extLst>
           </p:cNvPr>
@@ -9149,7 +9149,7 @@
           <p:cNvPr id="164" name="Прямоугольник 163">
             <a:extLst>
               <a:ext uri="{FF2B5EF4-FFF2-40B4-BE49-F238E27FC236}">
-                <a16:creationId xmlns:a16="http://schemas.microsoft.com/office/drawing/2014/main" id="{4FF87BA2-DD53-4A8E-BC1F-D19E1127E3CD}"/>
+                <a16:creationId xmlns="" xmlns:a16="http://schemas.microsoft.com/office/drawing/2014/main" id="{4FF87BA2-DD53-4A8E-BC1F-D19E1127E3CD}"/>
               </a:ext>
             </a:extLst>
           </p:cNvPr>
@@ -9204,7 +9204,7 @@
           <p:cNvPr id="165" name="Shape 248">
             <a:extLst>
               <a:ext uri="{FF2B5EF4-FFF2-40B4-BE49-F238E27FC236}">
-                <a16:creationId xmlns:a16="http://schemas.microsoft.com/office/drawing/2014/main" id="{C584C0F4-71B5-4D37-8305-6677CA9CA6F0}"/>
+                <a16:creationId xmlns="" xmlns:a16="http://schemas.microsoft.com/office/drawing/2014/main" id="{C584C0F4-71B5-4D37-8305-6677CA9CA6F0}"/>
               </a:ext>
             </a:extLst>
           </p:cNvPr>
@@ -9249,7 +9249,7 @@
           <p:cNvPr id="168" name="Shape 248">
             <a:extLst>
               <a:ext uri="{FF2B5EF4-FFF2-40B4-BE49-F238E27FC236}">
-                <a16:creationId xmlns:a16="http://schemas.microsoft.com/office/drawing/2014/main" id="{3E5C971E-8B32-48F3-BCFC-6EDF7FDD62B8}"/>
+                <a16:creationId xmlns="" xmlns:a16="http://schemas.microsoft.com/office/drawing/2014/main" id="{3E5C971E-8B32-48F3-BCFC-6EDF7FDD62B8}"/>
               </a:ext>
             </a:extLst>
           </p:cNvPr>
@@ -9294,7 +9294,7 @@
           <p:cNvPr id="171" name="Shape 248">
             <a:extLst>
               <a:ext uri="{FF2B5EF4-FFF2-40B4-BE49-F238E27FC236}">
-                <a16:creationId xmlns:a16="http://schemas.microsoft.com/office/drawing/2014/main" id="{388CEDB2-BCE5-47F4-A263-5613F83B749C}"/>
+                <a16:creationId xmlns="" xmlns:a16="http://schemas.microsoft.com/office/drawing/2014/main" id="{388CEDB2-BCE5-47F4-A263-5613F83B749C}"/>
               </a:ext>
             </a:extLst>
           </p:cNvPr>
@@ -9339,7 +9339,7 @@
           <p:cNvPr id="175" name="Shape 248">
             <a:extLst>
               <a:ext uri="{FF2B5EF4-FFF2-40B4-BE49-F238E27FC236}">
-                <a16:creationId xmlns:a16="http://schemas.microsoft.com/office/drawing/2014/main" id="{15ABCEDF-284E-44F8-83ED-B2CE718081A7}"/>
+                <a16:creationId xmlns="" xmlns:a16="http://schemas.microsoft.com/office/drawing/2014/main" id="{15ABCEDF-284E-44F8-83ED-B2CE718081A7}"/>
               </a:ext>
             </a:extLst>
           </p:cNvPr>
@@ -9384,7 +9384,7 @@
           <p:cNvPr id="179" name="Прямоугольник 178">
             <a:extLst>
               <a:ext uri="{FF2B5EF4-FFF2-40B4-BE49-F238E27FC236}">
-                <a16:creationId xmlns:a16="http://schemas.microsoft.com/office/drawing/2014/main" id="{4D450CD8-6BA8-4CE6-A7AF-1D646DC797A7}"/>
+                <a16:creationId xmlns="" xmlns:a16="http://schemas.microsoft.com/office/drawing/2014/main" id="{4D450CD8-6BA8-4CE6-A7AF-1D646DC797A7}"/>
               </a:ext>
             </a:extLst>
           </p:cNvPr>
@@ -9436,7 +9436,7 @@
           <p:cNvPr id="180" name="Прямоугольник 179">
             <a:extLst>
               <a:ext uri="{FF2B5EF4-FFF2-40B4-BE49-F238E27FC236}">
-                <a16:creationId xmlns:a16="http://schemas.microsoft.com/office/drawing/2014/main" id="{40BC13A1-50C0-4F8A-A26E-B9A261B680F0}"/>
+                <a16:creationId xmlns="" xmlns:a16="http://schemas.microsoft.com/office/drawing/2014/main" id="{40BC13A1-50C0-4F8A-A26E-B9A261B680F0}"/>
               </a:ext>
             </a:extLst>
           </p:cNvPr>
@@ -9492,7 +9492,7 @@
           <p:cNvPr id="181" name="Прямая соединительная линия 180">
             <a:extLst>
               <a:ext uri="{FF2B5EF4-FFF2-40B4-BE49-F238E27FC236}">
-                <a16:creationId xmlns:a16="http://schemas.microsoft.com/office/drawing/2014/main" id="{C0AA5F36-639B-4043-9411-7F1C19FF42D1}"/>
+                <a16:creationId xmlns="" xmlns:a16="http://schemas.microsoft.com/office/drawing/2014/main" id="{C0AA5F36-639B-4043-9411-7F1C19FF42D1}"/>
               </a:ext>
             </a:extLst>
           </p:cNvPr>
@@ -9537,7 +9537,7 @@
           <p:cNvPr id="182" name="Прямоугольник 181">
             <a:extLst>
               <a:ext uri="{FF2B5EF4-FFF2-40B4-BE49-F238E27FC236}">
-                <a16:creationId xmlns:a16="http://schemas.microsoft.com/office/drawing/2014/main" id="{95166D09-967B-48B4-A7E5-518E9CABBC8E}"/>
+                <a16:creationId xmlns="" xmlns:a16="http://schemas.microsoft.com/office/drawing/2014/main" id="{95166D09-967B-48B4-A7E5-518E9CABBC8E}"/>
               </a:ext>
             </a:extLst>
           </p:cNvPr>
@@ -9589,7 +9589,7 @@
           <p:cNvPr id="183" name="Прямоугольник 182">
             <a:extLst>
               <a:ext uri="{FF2B5EF4-FFF2-40B4-BE49-F238E27FC236}">
-                <a16:creationId xmlns:a16="http://schemas.microsoft.com/office/drawing/2014/main" id="{D04E1CE4-188F-4F4B-8A68-8D0B3634515C}"/>
+                <a16:creationId xmlns="" xmlns:a16="http://schemas.microsoft.com/office/drawing/2014/main" id="{D04E1CE4-188F-4F4B-8A68-8D0B3634515C}"/>
               </a:ext>
             </a:extLst>
           </p:cNvPr>
@@ -9641,7 +9641,7 @@
           <p:cNvPr id="184" name="Прямоугольник 183">
             <a:extLst>
               <a:ext uri="{FF2B5EF4-FFF2-40B4-BE49-F238E27FC236}">
-                <a16:creationId xmlns:a16="http://schemas.microsoft.com/office/drawing/2014/main" id="{7D95E591-1D9F-40DF-BB43-A1025426DC3B}"/>
+                <a16:creationId xmlns="" xmlns:a16="http://schemas.microsoft.com/office/drawing/2014/main" id="{7D95E591-1D9F-40DF-BB43-A1025426DC3B}"/>
               </a:ext>
             </a:extLst>
           </p:cNvPr>
@@ -9697,7 +9697,7 @@
           <p:cNvPr id="189" name="Прямоугольник 188">
             <a:extLst>
               <a:ext uri="{FF2B5EF4-FFF2-40B4-BE49-F238E27FC236}">
-                <a16:creationId xmlns:a16="http://schemas.microsoft.com/office/drawing/2014/main" id="{A51D4A15-1158-4C28-8484-2097D4960981}"/>
+                <a16:creationId xmlns="" xmlns:a16="http://schemas.microsoft.com/office/drawing/2014/main" id="{A51D4A15-1158-4C28-8484-2097D4960981}"/>
               </a:ext>
             </a:extLst>
           </p:cNvPr>
@@ -9753,7 +9753,7 @@
           <p:cNvPr id="190" name="Shape 248">
             <a:extLst>
               <a:ext uri="{FF2B5EF4-FFF2-40B4-BE49-F238E27FC236}">
-                <a16:creationId xmlns:a16="http://schemas.microsoft.com/office/drawing/2014/main" id="{51852AA5-4BC9-45D7-B135-81009A9566A8}"/>
+                <a16:creationId xmlns="" xmlns:a16="http://schemas.microsoft.com/office/drawing/2014/main" id="{51852AA5-4BC9-45D7-B135-81009A9566A8}"/>
               </a:ext>
             </a:extLst>
           </p:cNvPr>
@@ -9798,7 +9798,7 @@
           <p:cNvPr id="193" name="Shape 248">
             <a:extLst>
               <a:ext uri="{FF2B5EF4-FFF2-40B4-BE49-F238E27FC236}">
-                <a16:creationId xmlns:a16="http://schemas.microsoft.com/office/drawing/2014/main" id="{D7D93370-20F5-4517-932B-5E66AC2C63FE}"/>
+                <a16:creationId xmlns="" xmlns:a16="http://schemas.microsoft.com/office/drawing/2014/main" id="{D7D93370-20F5-4517-932B-5E66AC2C63FE}"/>
               </a:ext>
             </a:extLst>
           </p:cNvPr>
@@ -9843,7 +9843,7 @@
           <p:cNvPr id="196" name="Shape 248">
             <a:extLst>
               <a:ext uri="{FF2B5EF4-FFF2-40B4-BE49-F238E27FC236}">
-                <a16:creationId xmlns:a16="http://schemas.microsoft.com/office/drawing/2014/main" id="{5BB9178E-3847-431F-B9DF-970D3B652FA9}"/>
+                <a16:creationId xmlns="" xmlns:a16="http://schemas.microsoft.com/office/drawing/2014/main" id="{5BB9178E-3847-431F-B9DF-970D3B652FA9}"/>
               </a:ext>
             </a:extLst>
           </p:cNvPr>
@@ -9888,7 +9888,7 @@
           <p:cNvPr id="199" name="Shape 248">
             <a:extLst>
               <a:ext uri="{FF2B5EF4-FFF2-40B4-BE49-F238E27FC236}">
-                <a16:creationId xmlns:a16="http://schemas.microsoft.com/office/drawing/2014/main" id="{1A9FD21D-78EE-4BA4-B9E1-E5D6A6E41E1D}"/>
+                <a16:creationId xmlns="" xmlns:a16="http://schemas.microsoft.com/office/drawing/2014/main" id="{1A9FD21D-78EE-4BA4-B9E1-E5D6A6E41E1D}"/>
               </a:ext>
             </a:extLst>
           </p:cNvPr>
@@ -9933,7 +9933,7 @@
           <p:cNvPr id="202" name="Shape 248">
             <a:extLst>
               <a:ext uri="{FF2B5EF4-FFF2-40B4-BE49-F238E27FC236}">
-                <a16:creationId xmlns:a16="http://schemas.microsoft.com/office/drawing/2014/main" id="{EE84D303-F6DA-4C56-92C0-57364B77ACF8}"/>
+                <a16:creationId xmlns="" xmlns:a16="http://schemas.microsoft.com/office/drawing/2014/main" id="{EE84D303-F6DA-4C56-92C0-57364B77ACF8}"/>
               </a:ext>
             </a:extLst>
           </p:cNvPr>
@@ -9978,7 +9978,7 @@
           <p:cNvPr id="208" name="Прямая соединительная линия 207">
             <a:extLst>
               <a:ext uri="{FF2B5EF4-FFF2-40B4-BE49-F238E27FC236}">
-                <a16:creationId xmlns:a16="http://schemas.microsoft.com/office/drawing/2014/main" id="{D5947B72-7F18-4E3D-9015-6DE7BA610776}"/>
+                <a16:creationId xmlns="" xmlns:a16="http://schemas.microsoft.com/office/drawing/2014/main" id="{D5947B72-7F18-4E3D-9015-6DE7BA610776}"/>
               </a:ext>
             </a:extLst>
           </p:cNvPr>
@@ -10023,7 +10023,7 @@
           <p:cNvPr id="211" name="Прямоугольник 210">
             <a:extLst>
               <a:ext uri="{FF2B5EF4-FFF2-40B4-BE49-F238E27FC236}">
-                <a16:creationId xmlns:a16="http://schemas.microsoft.com/office/drawing/2014/main" id="{D75815DF-1295-45F6-A24F-F3F3F8B4BBFB}"/>
+                <a16:creationId xmlns="" xmlns:a16="http://schemas.microsoft.com/office/drawing/2014/main" id="{D75815DF-1295-45F6-A24F-F3F3F8B4BBFB}"/>
               </a:ext>
             </a:extLst>
           </p:cNvPr>
@@ -10079,7 +10079,7 @@
           <p:cNvPr id="212" name="Прямоугольник 211">
             <a:extLst>
               <a:ext uri="{FF2B5EF4-FFF2-40B4-BE49-F238E27FC236}">
-                <a16:creationId xmlns:a16="http://schemas.microsoft.com/office/drawing/2014/main" id="{0151B7FA-9194-430D-BD39-8CC623C30AAC}"/>
+                <a16:creationId xmlns="" xmlns:a16="http://schemas.microsoft.com/office/drawing/2014/main" id="{0151B7FA-9194-430D-BD39-8CC623C30AAC}"/>
               </a:ext>
             </a:extLst>
           </p:cNvPr>
@@ -10135,7 +10135,7 @@
           <p:cNvPr id="213" name="Прямоугольник 212">
             <a:extLst>
               <a:ext uri="{FF2B5EF4-FFF2-40B4-BE49-F238E27FC236}">
-                <a16:creationId xmlns:a16="http://schemas.microsoft.com/office/drawing/2014/main" id="{7729F444-4FEA-432F-8013-2BEBC57E2B6D}"/>
+                <a16:creationId xmlns="" xmlns:a16="http://schemas.microsoft.com/office/drawing/2014/main" id="{7729F444-4FEA-432F-8013-2BEBC57E2B6D}"/>
               </a:ext>
             </a:extLst>
           </p:cNvPr>
@@ -10191,7 +10191,7 @@
           <p:cNvPr id="214" name="Прямоугольник 213">
             <a:extLst>
               <a:ext uri="{FF2B5EF4-FFF2-40B4-BE49-F238E27FC236}">
-                <a16:creationId xmlns:a16="http://schemas.microsoft.com/office/drawing/2014/main" id="{16AAD304-6FEE-4D2E-9993-5A8DC45D6651}"/>
+                <a16:creationId xmlns="" xmlns:a16="http://schemas.microsoft.com/office/drawing/2014/main" id="{16AAD304-6FEE-4D2E-9993-5A8DC45D6651}"/>
               </a:ext>
             </a:extLst>
           </p:cNvPr>
@@ -10247,7 +10247,7 @@
           <p:cNvPr id="215" name="Прямоугольник 214">
             <a:extLst>
               <a:ext uri="{FF2B5EF4-FFF2-40B4-BE49-F238E27FC236}">
-                <a16:creationId xmlns:a16="http://schemas.microsoft.com/office/drawing/2014/main" id="{74B39C5A-7232-4332-92CA-D9A8138D38DA}"/>
+                <a16:creationId xmlns="" xmlns:a16="http://schemas.microsoft.com/office/drawing/2014/main" id="{74B39C5A-7232-4332-92CA-D9A8138D38DA}"/>
               </a:ext>
             </a:extLst>
           </p:cNvPr>
@@ -10303,7 +10303,7 @@
           <p:cNvPr id="216" name="Прямоугольник 215">
             <a:extLst>
               <a:ext uri="{FF2B5EF4-FFF2-40B4-BE49-F238E27FC236}">
-                <a16:creationId xmlns:a16="http://schemas.microsoft.com/office/drawing/2014/main" id="{AE26874C-3E14-4254-9FF9-22A53182396D}"/>
+                <a16:creationId xmlns="" xmlns:a16="http://schemas.microsoft.com/office/drawing/2014/main" id="{AE26874C-3E14-4254-9FF9-22A53182396D}"/>
               </a:ext>
             </a:extLst>
           </p:cNvPr>
@@ -10367,7 +10367,7 @@
           <p:cNvPr id="217" name="Shape 248">
             <a:extLst>
               <a:ext uri="{FF2B5EF4-FFF2-40B4-BE49-F238E27FC236}">
-                <a16:creationId xmlns:a16="http://schemas.microsoft.com/office/drawing/2014/main" id="{FC454BD7-96BE-4558-85A5-0C6F748CF25B}"/>
+                <a16:creationId xmlns="" xmlns:a16="http://schemas.microsoft.com/office/drawing/2014/main" id="{FC454BD7-96BE-4558-85A5-0C6F748CF25B}"/>
               </a:ext>
             </a:extLst>
           </p:cNvPr>
@@ -10412,7 +10412,7 @@
           <p:cNvPr id="224" name="Shape 248">
             <a:extLst>
               <a:ext uri="{FF2B5EF4-FFF2-40B4-BE49-F238E27FC236}">
-                <a16:creationId xmlns:a16="http://schemas.microsoft.com/office/drawing/2014/main" id="{458482DB-E941-4E82-968C-B151033B4F35}"/>
+                <a16:creationId xmlns="" xmlns:a16="http://schemas.microsoft.com/office/drawing/2014/main" id="{458482DB-E941-4E82-968C-B151033B4F35}"/>
               </a:ext>
             </a:extLst>
           </p:cNvPr>
@@ -10457,7 +10457,7 @@
           <p:cNvPr id="229" name="Shape 248">
             <a:extLst>
               <a:ext uri="{FF2B5EF4-FFF2-40B4-BE49-F238E27FC236}">
-                <a16:creationId xmlns:a16="http://schemas.microsoft.com/office/drawing/2014/main" id="{3AE9B19C-B228-4A22-8CCB-A75C420B187D}"/>
+                <a16:creationId xmlns="" xmlns:a16="http://schemas.microsoft.com/office/drawing/2014/main" id="{3AE9B19C-B228-4A22-8CCB-A75C420B187D}"/>
               </a:ext>
             </a:extLst>
           </p:cNvPr>
@@ -10502,7 +10502,7 @@
           <p:cNvPr id="235" name="Прямоугольник 234">
             <a:extLst>
               <a:ext uri="{FF2B5EF4-FFF2-40B4-BE49-F238E27FC236}">
-                <a16:creationId xmlns:a16="http://schemas.microsoft.com/office/drawing/2014/main" id="{169ADD3C-7D9B-40F6-B582-CA9FCE0885C3}"/>
+                <a16:creationId xmlns="" xmlns:a16="http://schemas.microsoft.com/office/drawing/2014/main" id="{169ADD3C-7D9B-40F6-B582-CA9FCE0885C3}"/>
               </a:ext>
             </a:extLst>
           </p:cNvPr>
@@ -10554,7 +10554,7 @@
           <p:cNvPr id="237" name="Shape 248">
             <a:extLst>
               <a:ext uri="{FF2B5EF4-FFF2-40B4-BE49-F238E27FC236}">
-                <a16:creationId xmlns:a16="http://schemas.microsoft.com/office/drawing/2014/main" id="{B3D13C37-9FB0-4412-BC63-C2A65F220279}"/>
+                <a16:creationId xmlns="" xmlns:a16="http://schemas.microsoft.com/office/drawing/2014/main" id="{B3D13C37-9FB0-4412-BC63-C2A65F220279}"/>
               </a:ext>
             </a:extLst>
           </p:cNvPr>
@@ -10600,7 +10600,7 @@
           <p:cNvPr id="240" name="Shape 248">
             <a:extLst>
               <a:ext uri="{FF2B5EF4-FFF2-40B4-BE49-F238E27FC236}">
-                <a16:creationId xmlns:a16="http://schemas.microsoft.com/office/drawing/2014/main" id="{EC3C1C20-31C0-458B-B819-AA2D51E58845}"/>
+                <a16:creationId xmlns="" xmlns:a16="http://schemas.microsoft.com/office/drawing/2014/main" id="{EC3C1C20-31C0-458B-B819-AA2D51E58845}"/>
               </a:ext>
             </a:extLst>
           </p:cNvPr>
@@ -10646,7 +10646,7 @@
           <p:cNvPr id="243" name="Прямоугольник 242">
             <a:extLst>
               <a:ext uri="{FF2B5EF4-FFF2-40B4-BE49-F238E27FC236}">
-                <a16:creationId xmlns:a16="http://schemas.microsoft.com/office/drawing/2014/main" id="{EC9BD36C-D972-42C4-93E6-6DAE9234F692}"/>
+                <a16:creationId xmlns="" xmlns:a16="http://schemas.microsoft.com/office/drawing/2014/main" id="{EC9BD36C-D972-42C4-93E6-6DAE9234F692}"/>
               </a:ext>
             </a:extLst>
           </p:cNvPr>
@@ -10701,7 +10701,7 @@
           <p:cNvPr id="244" name="Прямоугольник 243">
             <a:extLst>
               <a:ext uri="{FF2B5EF4-FFF2-40B4-BE49-F238E27FC236}">
-                <a16:creationId xmlns:a16="http://schemas.microsoft.com/office/drawing/2014/main" id="{948FBE2C-B2A6-473E-BB60-11F26ADF54F1}"/>
+                <a16:creationId xmlns="" xmlns:a16="http://schemas.microsoft.com/office/drawing/2014/main" id="{948FBE2C-B2A6-473E-BB60-11F26ADF54F1}"/>
               </a:ext>
             </a:extLst>
           </p:cNvPr>
@@ -10756,7 +10756,7 @@
           <p:cNvPr id="245" name="Прямоугольник 244">
             <a:extLst>
               <a:ext uri="{FF2B5EF4-FFF2-40B4-BE49-F238E27FC236}">
-                <a16:creationId xmlns:a16="http://schemas.microsoft.com/office/drawing/2014/main" id="{2E0544E4-9592-4382-8DDF-EB6FEA328AC2}"/>
+                <a16:creationId xmlns="" xmlns:a16="http://schemas.microsoft.com/office/drawing/2014/main" id="{2E0544E4-9592-4382-8DDF-EB6FEA328AC2}"/>
               </a:ext>
             </a:extLst>
           </p:cNvPr>
@@ -10811,7 +10811,7 @@
           <p:cNvPr id="247" name="Прямоугольник 246">
             <a:extLst>
               <a:ext uri="{FF2B5EF4-FFF2-40B4-BE49-F238E27FC236}">
-                <a16:creationId xmlns:a16="http://schemas.microsoft.com/office/drawing/2014/main" id="{B8E1ED6E-2489-4B4F-B2DE-827983897179}"/>
+                <a16:creationId xmlns="" xmlns:a16="http://schemas.microsoft.com/office/drawing/2014/main" id="{B8E1ED6E-2489-4B4F-B2DE-827983897179}"/>
               </a:ext>
             </a:extLst>
           </p:cNvPr>
@@ -10866,7 +10866,7 @@
           <p:cNvPr id="252" name="Прямоугольник 251">
             <a:extLst>
               <a:ext uri="{FF2B5EF4-FFF2-40B4-BE49-F238E27FC236}">
-                <a16:creationId xmlns:a16="http://schemas.microsoft.com/office/drawing/2014/main" id="{5C03381E-AD84-48D0-9DF4-9972112B9350}"/>
+                <a16:creationId xmlns="" xmlns:a16="http://schemas.microsoft.com/office/drawing/2014/main" id="{5C03381E-AD84-48D0-9DF4-9972112B9350}"/>
               </a:ext>
             </a:extLst>
           </p:cNvPr>
@@ -10921,7 +10921,7 @@
           <p:cNvPr id="253" name="Прямоугольник 252">
             <a:extLst>
               <a:ext uri="{FF2B5EF4-FFF2-40B4-BE49-F238E27FC236}">
-                <a16:creationId xmlns:a16="http://schemas.microsoft.com/office/drawing/2014/main" id="{850A0E66-09E6-4644-8D6F-21BF01BD6C95}"/>
+                <a16:creationId xmlns="" xmlns:a16="http://schemas.microsoft.com/office/drawing/2014/main" id="{850A0E66-09E6-4644-8D6F-21BF01BD6C95}"/>
               </a:ext>
             </a:extLst>
           </p:cNvPr>
@@ -10973,7 +10973,7 @@
           <p:cNvPr id="254" name="Прямая соединительная линия 253">
             <a:extLst>
               <a:ext uri="{FF2B5EF4-FFF2-40B4-BE49-F238E27FC236}">
-                <a16:creationId xmlns:a16="http://schemas.microsoft.com/office/drawing/2014/main" id="{05512C7F-F1A2-4A1D-9E7E-FDFD88048733}"/>
+                <a16:creationId xmlns="" xmlns:a16="http://schemas.microsoft.com/office/drawing/2014/main" id="{05512C7F-F1A2-4A1D-9E7E-FDFD88048733}"/>
               </a:ext>
             </a:extLst>
           </p:cNvPr>
@@ -11018,7 +11018,7 @@
           <p:cNvPr id="265" name="Shape 248">
             <a:extLst>
               <a:ext uri="{FF2B5EF4-FFF2-40B4-BE49-F238E27FC236}">
-                <a16:creationId xmlns:a16="http://schemas.microsoft.com/office/drawing/2014/main" id="{965E4F13-6620-46F1-9F72-BCA7B26C6B87}"/>
+                <a16:creationId xmlns="" xmlns:a16="http://schemas.microsoft.com/office/drawing/2014/main" id="{965E4F13-6620-46F1-9F72-BCA7B26C6B87}"/>
               </a:ext>
             </a:extLst>
           </p:cNvPr>
@@ -11063,7 +11063,7 @@
           <p:cNvPr id="268" name="Shape 248">
             <a:extLst>
               <a:ext uri="{FF2B5EF4-FFF2-40B4-BE49-F238E27FC236}">
-                <a16:creationId xmlns:a16="http://schemas.microsoft.com/office/drawing/2014/main" id="{43A2D1CA-9033-40EF-87B0-93997D4F9F71}"/>
+                <a16:creationId xmlns="" xmlns:a16="http://schemas.microsoft.com/office/drawing/2014/main" id="{43A2D1CA-9033-40EF-87B0-93997D4F9F71}"/>
               </a:ext>
             </a:extLst>
           </p:cNvPr>
@@ -11108,7 +11108,7 @@
           <p:cNvPr id="271" name="Shape 248">
             <a:extLst>
               <a:ext uri="{FF2B5EF4-FFF2-40B4-BE49-F238E27FC236}">
-                <a16:creationId xmlns:a16="http://schemas.microsoft.com/office/drawing/2014/main" id="{31EA9CC3-4B9C-471F-B841-04E10150BF96}"/>
+                <a16:creationId xmlns="" xmlns:a16="http://schemas.microsoft.com/office/drawing/2014/main" id="{31EA9CC3-4B9C-471F-B841-04E10150BF96}"/>
               </a:ext>
             </a:extLst>
           </p:cNvPr>
@@ -11153,7 +11153,7 @@
           <p:cNvPr id="274" name="Shape 248">
             <a:extLst>
               <a:ext uri="{FF2B5EF4-FFF2-40B4-BE49-F238E27FC236}">
-                <a16:creationId xmlns:a16="http://schemas.microsoft.com/office/drawing/2014/main" id="{A394FB90-22D2-4484-A214-232F2AEB4696}"/>
+                <a16:creationId xmlns="" xmlns:a16="http://schemas.microsoft.com/office/drawing/2014/main" id="{A394FB90-22D2-4484-A214-232F2AEB4696}"/>
               </a:ext>
             </a:extLst>
           </p:cNvPr>
@@ -11198,7 +11198,7 @@
           <p:cNvPr id="278" name="Shape 248">
             <a:extLst>
               <a:ext uri="{FF2B5EF4-FFF2-40B4-BE49-F238E27FC236}">
-                <a16:creationId xmlns:a16="http://schemas.microsoft.com/office/drawing/2014/main" id="{703E60BD-ADB7-4A72-90BF-7EF67693663E}"/>
+                <a16:creationId xmlns="" xmlns:a16="http://schemas.microsoft.com/office/drawing/2014/main" id="{703E60BD-ADB7-4A72-90BF-7EF67693663E}"/>
               </a:ext>
             </a:extLst>
           </p:cNvPr>
@@ -11244,7 +11244,7 @@
           <p:cNvPr id="281" name="Shape 248">
             <a:extLst>
               <a:ext uri="{FF2B5EF4-FFF2-40B4-BE49-F238E27FC236}">
-                <a16:creationId xmlns:a16="http://schemas.microsoft.com/office/drawing/2014/main" id="{2BE0D2B9-EF73-4EA6-8C3F-892E696BB91F}"/>
+                <a16:creationId xmlns="" xmlns:a16="http://schemas.microsoft.com/office/drawing/2014/main" id="{2BE0D2B9-EF73-4EA6-8C3F-892E696BB91F}"/>
               </a:ext>
             </a:extLst>
           </p:cNvPr>
@@ -11290,7 +11290,7 @@
           <p:cNvPr id="284" name="Shape 248">
             <a:extLst>
               <a:ext uri="{FF2B5EF4-FFF2-40B4-BE49-F238E27FC236}">
-                <a16:creationId xmlns:a16="http://schemas.microsoft.com/office/drawing/2014/main" id="{C4320DC5-3F17-4C64-A1A3-5D0740777DD5}"/>
+                <a16:creationId xmlns="" xmlns:a16="http://schemas.microsoft.com/office/drawing/2014/main" id="{C4320DC5-3F17-4C64-A1A3-5D0740777DD5}"/>
               </a:ext>
             </a:extLst>
           </p:cNvPr>
@@ -11335,7 +11335,7 @@
           <p:cNvPr id="287" name="Shape 248">
             <a:extLst>
               <a:ext uri="{FF2B5EF4-FFF2-40B4-BE49-F238E27FC236}">
-                <a16:creationId xmlns:a16="http://schemas.microsoft.com/office/drawing/2014/main" id="{B5D0389A-2DCC-4BBF-9A57-8FF52A479BBB}"/>
+                <a16:creationId xmlns="" xmlns:a16="http://schemas.microsoft.com/office/drawing/2014/main" id="{B5D0389A-2DCC-4BBF-9A57-8FF52A479BBB}"/>
               </a:ext>
             </a:extLst>
           </p:cNvPr>
@@ -11380,7 +11380,7 @@
           <p:cNvPr id="308" name="Прямоугольник 307">
             <a:extLst>
               <a:ext uri="{FF2B5EF4-FFF2-40B4-BE49-F238E27FC236}">
-                <a16:creationId xmlns:a16="http://schemas.microsoft.com/office/drawing/2014/main" id="{2556BFD4-D2F0-4404-AAEE-9366CE5E0E2B}"/>
+                <a16:creationId xmlns="" xmlns:a16="http://schemas.microsoft.com/office/drawing/2014/main" id="{2556BFD4-D2F0-4404-AAEE-9366CE5E0E2B}"/>
               </a:ext>
             </a:extLst>
           </p:cNvPr>
@@ -11435,7 +11435,7 @@
           <p:cNvPr id="309" name="Shape 248">
             <a:extLst>
               <a:ext uri="{FF2B5EF4-FFF2-40B4-BE49-F238E27FC236}">
-                <a16:creationId xmlns:a16="http://schemas.microsoft.com/office/drawing/2014/main" id="{5F86BDF8-1375-4E38-BF60-B4D7F56FC739}"/>
+                <a16:creationId xmlns="" xmlns:a16="http://schemas.microsoft.com/office/drawing/2014/main" id="{5F86BDF8-1375-4E38-BF60-B4D7F56FC739}"/>
               </a:ext>
             </a:extLst>
           </p:cNvPr>
@@ -11480,7 +11480,7 @@
           <p:cNvPr id="314" name="Прямоугольник 313">
             <a:extLst>
               <a:ext uri="{FF2B5EF4-FFF2-40B4-BE49-F238E27FC236}">
-                <a16:creationId xmlns:a16="http://schemas.microsoft.com/office/drawing/2014/main" id="{215ABD23-9D4E-461A-9AF0-4DBCA32E7358}"/>
+                <a16:creationId xmlns="" xmlns:a16="http://schemas.microsoft.com/office/drawing/2014/main" id="{215ABD23-9D4E-461A-9AF0-4DBCA32E7358}"/>
               </a:ext>
             </a:extLst>
           </p:cNvPr>
@@ -11535,7 +11535,7 @@
           <p:cNvPr id="315" name="Shape 248">
             <a:extLst>
               <a:ext uri="{FF2B5EF4-FFF2-40B4-BE49-F238E27FC236}">
-                <a16:creationId xmlns:a16="http://schemas.microsoft.com/office/drawing/2014/main" id="{3DE9E056-50E7-4870-B99F-6A62987742D8}"/>
+                <a16:creationId xmlns="" xmlns:a16="http://schemas.microsoft.com/office/drawing/2014/main" id="{3DE9E056-50E7-4870-B99F-6A62987742D8}"/>
               </a:ext>
             </a:extLst>
           </p:cNvPr>
@@ -11580,7 +11580,7 @@
           <p:cNvPr id="319" name="Прямоугольник 318">
             <a:extLst>
               <a:ext uri="{FF2B5EF4-FFF2-40B4-BE49-F238E27FC236}">
-                <a16:creationId xmlns:a16="http://schemas.microsoft.com/office/drawing/2014/main" id="{6735B9BD-008B-4094-B7AA-5B87EFC9DE63}"/>
+                <a16:creationId xmlns="" xmlns:a16="http://schemas.microsoft.com/office/drawing/2014/main" id="{6735B9BD-008B-4094-B7AA-5B87EFC9DE63}"/>
               </a:ext>
             </a:extLst>
           </p:cNvPr>
@@ -11629,7 +11629,7 @@
           <p:cNvPr id="320" name="Прямоугольник 319">
             <a:extLst>
               <a:ext uri="{FF2B5EF4-FFF2-40B4-BE49-F238E27FC236}">
-                <a16:creationId xmlns:a16="http://schemas.microsoft.com/office/drawing/2014/main" id="{C77885C1-D5CA-4930-ADE1-7C46C64D16E5}"/>
+                <a16:creationId xmlns="" xmlns:a16="http://schemas.microsoft.com/office/drawing/2014/main" id="{C77885C1-D5CA-4930-ADE1-7C46C64D16E5}"/>
               </a:ext>
             </a:extLst>
           </p:cNvPr>
@@ -11682,7 +11682,7 @@
           <p:cNvPr id="321" name="Прямоугольник 320">
             <a:extLst>
               <a:ext uri="{FF2B5EF4-FFF2-40B4-BE49-F238E27FC236}">
-                <a16:creationId xmlns:a16="http://schemas.microsoft.com/office/drawing/2014/main" id="{961053D9-AAA7-4CAF-848A-3DA66DABCD04}"/>
+                <a16:creationId xmlns="" xmlns:a16="http://schemas.microsoft.com/office/drawing/2014/main" id="{961053D9-AAA7-4CAF-848A-3DA66DABCD04}"/>
               </a:ext>
             </a:extLst>
           </p:cNvPr>
@@ -11731,7 +11731,7 @@
           <p:cNvPr id="322" name="Прямоугольник 321">
             <a:extLst>
               <a:ext uri="{FF2B5EF4-FFF2-40B4-BE49-F238E27FC236}">
-                <a16:creationId xmlns:a16="http://schemas.microsoft.com/office/drawing/2014/main" id="{8A876C97-99BD-45AC-8D01-F343AE503AE2}"/>
+                <a16:creationId xmlns="" xmlns:a16="http://schemas.microsoft.com/office/drawing/2014/main" id="{8A876C97-99BD-45AC-8D01-F343AE503AE2}"/>
               </a:ext>
             </a:extLst>
           </p:cNvPr>
@@ -11780,7 +11780,7 @@
           <p:cNvPr id="323" name="Прямоугольник 322">
             <a:extLst>
               <a:ext uri="{FF2B5EF4-FFF2-40B4-BE49-F238E27FC236}">
-                <a16:creationId xmlns:a16="http://schemas.microsoft.com/office/drawing/2014/main" id="{665A1BD9-0771-4BD6-B348-D40983890E9C}"/>
+                <a16:creationId xmlns="" xmlns:a16="http://schemas.microsoft.com/office/drawing/2014/main" id="{665A1BD9-0771-4BD6-B348-D40983890E9C}"/>
               </a:ext>
             </a:extLst>
           </p:cNvPr>
@@ -11832,7 +11832,7 @@
           <p:cNvPr id="191" name="Прямоугольник 190">
             <a:extLst>
               <a:ext uri="{FF2B5EF4-FFF2-40B4-BE49-F238E27FC236}">
-                <a16:creationId xmlns:a16="http://schemas.microsoft.com/office/drawing/2014/main" id="{752C84E7-7069-46CF-8D98-C9A1A02720BA}"/>
+                <a16:creationId xmlns="" xmlns:a16="http://schemas.microsoft.com/office/drawing/2014/main" id="{752C84E7-7069-46CF-8D98-C9A1A02720BA}"/>
               </a:ext>
             </a:extLst>
           </p:cNvPr>
@@ -11884,7 +11884,7 @@
           <p:cNvPr id="194" name="Прямоугольник 193">
             <a:extLst>
               <a:ext uri="{FF2B5EF4-FFF2-40B4-BE49-F238E27FC236}">
-                <a16:creationId xmlns:a16="http://schemas.microsoft.com/office/drawing/2014/main" id="{215EA1EA-7CCD-4839-A9B1-0356F6327E10}"/>
+                <a16:creationId xmlns="" xmlns:a16="http://schemas.microsoft.com/office/drawing/2014/main" id="{215EA1EA-7CCD-4839-A9B1-0356F6327E10}"/>
               </a:ext>
             </a:extLst>
           </p:cNvPr>
@@ -11936,7 +11936,7 @@
           <p:cNvPr id="197" name="Прямоугольник 196">
             <a:extLst>
               <a:ext uri="{FF2B5EF4-FFF2-40B4-BE49-F238E27FC236}">
-                <a16:creationId xmlns:a16="http://schemas.microsoft.com/office/drawing/2014/main" id="{15DD7879-ED81-4846-A052-BDF25170F776}"/>
+                <a16:creationId xmlns="" xmlns:a16="http://schemas.microsoft.com/office/drawing/2014/main" id="{15DD7879-ED81-4846-A052-BDF25170F776}"/>
               </a:ext>
             </a:extLst>
           </p:cNvPr>
@@ -11988,7 +11988,7 @@
           <p:cNvPr id="198" name="Прямоугольник 197">
             <a:extLst>
               <a:ext uri="{FF2B5EF4-FFF2-40B4-BE49-F238E27FC236}">
-                <a16:creationId xmlns:a16="http://schemas.microsoft.com/office/drawing/2014/main" id="{40F3892C-19A4-4EE2-8CF4-3802CB87F842}"/>
+                <a16:creationId xmlns="" xmlns:a16="http://schemas.microsoft.com/office/drawing/2014/main" id="{40F3892C-19A4-4EE2-8CF4-3802CB87F842}"/>
               </a:ext>
             </a:extLst>
           </p:cNvPr>
@@ -12040,7 +12040,7 @@
           <p:cNvPr id="200" name="Прямоугольник 199">
             <a:extLst>
               <a:ext uri="{FF2B5EF4-FFF2-40B4-BE49-F238E27FC236}">
-                <a16:creationId xmlns:a16="http://schemas.microsoft.com/office/drawing/2014/main" id="{FFAA3B33-5852-432D-A3C7-D46B69099BB1}"/>
+                <a16:creationId xmlns="" xmlns:a16="http://schemas.microsoft.com/office/drawing/2014/main" id="{FFAA3B33-5852-432D-A3C7-D46B69099BB1}"/>
               </a:ext>
             </a:extLst>
           </p:cNvPr>
@@ -12092,7 +12092,7 @@
           <p:cNvPr id="201" name="Прямоугольник 200">
             <a:extLst>
               <a:ext uri="{FF2B5EF4-FFF2-40B4-BE49-F238E27FC236}">
-                <a16:creationId xmlns:a16="http://schemas.microsoft.com/office/drawing/2014/main" id="{5FD3282B-6227-4385-846F-EA7DAB179048}"/>
+                <a16:creationId xmlns="" xmlns:a16="http://schemas.microsoft.com/office/drawing/2014/main" id="{5FD3282B-6227-4385-846F-EA7DAB179048}"/>
               </a:ext>
             </a:extLst>
           </p:cNvPr>
@@ -12144,7 +12144,7 @@
           <p:cNvPr id="203" name="Прямоугольник 202">
             <a:extLst>
               <a:ext uri="{FF2B5EF4-FFF2-40B4-BE49-F238E27FC236}">
-                <a16:creationId xmlns:a16="http://schemas.microsoft.com/office/drawing/2014/main" id="{057FDB6C-639A-4A2B-B43B-A1EAEDD0FA56}"/>
+                <a16:creationId xmlns="" xmlns:a16="http://schemas.microsoft.com/office/drawing/2014/main" id="{057FDB6C-639A-4A2B-B43B-A1EAEDD0FA56}"/>
               </a:ext>
             </a:extLst>
           </p:cNvPr>
@@ -12220,7 +12220,7 @@
           <p:cNvPr id="204" name="Прямоугольник 203">
             <a:extLst>
               <a:ext uri="{FF2B5EF4-FFF2-40B4-BE49-F238E27FC236}">
-                <a16:creationId xmlns:a16="http://schemas.microsoft.com/office/drawing/2014/main" id="{6C94C3ED-2619-47F4-A7C9-E9B23AF450C0}"/>
+                <a16:creationId xmlns="" xmlns:a16="http://schemas.microsoft.com/office/drawing/2014/main" id="{6C94C3ED-2619-47F4-A7C9-E9B23AF450C0}"/>
               </a:ext>
             </a:extLst>
           </p:cNvPr>
@@ -12272,7 +12272,7 @@
           <p:cNvPr id="209" name="Прямоугольник 208">
             <a:extLst>
               <a:ext uri="{FF2B5EF4-FFF2-40B4-BE49-F238E27FC236}">
-                <a16:creationId xmlns:a16="http://schemas.microsoft.com/office/drawing/2014/main" id="{DA264832-EDDB-45DE-857E-EF2A1A0CCA95}"/>
+                <a16:creationId xmlns="" xmlns:a16="http://schemas.microsoft.com/office/drawing/2014/main" id="{DA264832-EDDB-45DE-857E-EF2A1A0CCA95}"/>
               </a:ext>
             </a:extLst>
           </p:cNvPr>
@@ -12324,7 +12324,7 @@
           <p:cNvPr id="218" name="Прямоугольник 217">
             <a:extLst>
               <a:ext uri="{FF2B5EF4-FFF2-40B4-BE49-F238E27FC236}">
-                <a16:creationId xmlns:a16="http://schemas.microsoft.com/office/drawing/2014/main" id="{84BD2C83-7F0B-495E-A795-68E099A4282C}"/>
+                <a16:creationId xmlns="" xmlns:a16="http://schemas.microsoft.com/office/drawing/2014/main" id="{84BD2C83-7F0B-495E-A795-68E099A4282C}"/>
               </a:ext>
             </a:extLst>
           </p:cNvPr>
@@ -12376,7 +12376,7 @@
           <p:cNvPr id="219" name="Прямоугольник 218">
             <a:extLst>
               <a:ext uri="{FF2B5EF4-FFF2-40B4-BE49-F238E27FC236}">
-                <a16:creationId xmlns:a16="http://schemas.microsoft.com/office/drawing/2014/main" id="{068D5A92-12C5-4674-BB60-C9AF6DC376DD}"/>
+                <a16:creationId xmlns="" xmlns:a16="http://schemas.microsoft.com/office/drawing/2014/main" id="{068D5A92-12C5-4674-BB60-C9AF6DC376DD}"/>
               </a:ext>
             </a:extLst>
           </p:cNvPr>
@@ -12428,7 +12428,7 @@
           <p:cNvPr id="225" name="Shape 248">
             <a:extLst>
               <a:ext uri="{FF2B5EF4-FFF2-40B4-BE49-F238E27FC236}">
-                <a16:creationId xmlns:a16="http://schemas.microsoft.com/office/drawing/2014/main" id="{EC83F1B2-5677-47B7-89B7-9339717E53CE}"/>
+                <a16:creationId xmlns="" xmlns:a16="http://schemas.microsoft.com/office/drawing/2014/main" id="{EC83F1B2-5677-47B7-89B7-9339717E53CE}"/>
               </a:ext>
             </a:extLst>
           </p:cNvPr>
@@ -12473,7 +12473,7 @@
           <p:cNvPr id="227" name="Shape 248">
             <a:extLst>
               <a:ext uri="{FF2B5EF4-FFF2-40B4-BE49-F238E27FC236}">
-                <a16:creationId xmlns:a16="http://schemas.microsoft.com/office/drawing/2014/main" id="{F9072406-5AA8-42DE-92B5-0D4BA917E76A}"/>
+                <a16:creationId xmlns="" xmlns:a16="http://schemas.microsoft.com/office/drawing/2014/main" id="{F9072406-5AA8-42DE-92B5-0D4BA917E76A}"/>
               </a:ext>
             </a:extLst>
           </p:cNvPr>
@@ -12518,7 +12518,7 @@
           <p:cNvPr id="228" name="Shape 248">
             <a:extLst>
               <a:ext uri="{FF2B5EF4-FFF2-40B4-BE49-F238E27FC236}">
-                <a16:creationId xmlns:a16="http://schemas.microsoft.com/office/drawing/2014/main" id="{5D6B41B9-2CC5-41C0-B3A7-715B18E79872}"/>
+                <a16:creationId xmlns="" xmlns:a16="http://schemas.microsoft.com/office/drawing/2014/main" id="{5D6B41B9-2CC5-41C0-B3A7-715B18E79872}"/>
               </a:ext>
             </a:extLst>
           </p:cNvPr>
@@ -12563,7 +12563,7 @@
           <p:cNvPr id="231" name="Shape 248">
             <a:extLst>
               <a:ext uri="{FF2B5EF4-FFF2-40B4-BE49-F238E27FC236}">
-                <a16:creationId xmlns:a16="http://schemas.microsoft.com/office/drawing/2014/main" id="{256A8B7B-1717-4B4C-9F5D-E711DC225A0F}"/>
+                <a16:creationId xmlns="" xmlns:a16="http://schemas.microsoft.com/office/drawing/2014/main" id="{256A8B7B-1717-4B4C-9F5D-E711DC225A0F}"/>
               </a:ext>
             </a:extLst>
           </p:cNvPr>
@@ -12608,7 +12608,7 @@
           <p:cNvPr id="233" name="Shape 248">
             <a:extLst>
               <a:ext uri="{FF2B5EF4-FFF2-40B4-BE49-F238E27FC236}">
-                <a16:creationId xmlns:a16="http://schemas.microsoft.com/office/drawing/2014/main" id="{11232296-C52D-45C3-BBF1-C59D3E29E989}"/>
+                <a16:creationId xmlns="" xmlns:a16="http://schemas.microsoft.com/office/drawing/2014/main" id="{11232296-C52D-45C3-BBF1-C59D3E29E989}"/>
               </a:ext>
             </a:extLst>
           </p:cNvPr>
@@ -12653,7 +12653,7 @@
           <p:cNvPr id="236" name="Shape 248">
             <a:extLst>
               <a:ext uri="{FF2B5EF4-FFF2-40B4-BE49-F238E27FC236}">
-                <a16:creationId xmlns:a16="http://schemas.microsoft.com/office/drawing/2014/main" id="{0E3C4F9F-42F6-472D-8A8B-E36CC3BEAA58}"/>
+                <a16:creationId xmlns="" xmlns:a16="http://schemas.microsoft.com/office/drawing/2014/main" id="{0E3C4F9F-42F6-472D-8A8B-E36CC3BEAA58}"/>
               </a:ext>
             </a:extLst>
           </p:cNvPr>
@@ -12699,7 +12699,7 @@
           <p:cNvPr id="238" name="Shape 248">
             <a:extLst>
               <a:ext uri="{FF2B5EF4-FFF2-40B4-BE49-F238E27FC236}">
-                <a16:creationId xmlns:a16="http://schemas.microsoft.com/office/drawing/2014/main" id="{DC5596EF-0BFD-4C5F-BE4B-81CC4EB3D125}"/>
+                <a16:creationId xmlns="" xmlns:a16="http://schemas.microsoft.com/office/drawing/2014/main" id="{DC5596EF-0BFD-4C5F-BE4B-81CC4EB3D125}"/>
               </a:ext>
             </a:extLst>
           </p:cNvPr>
@@ -12745,7 +12745,7 @@
           <p:cNvPr id="255" name="Прямоугольник 254">
             <a:extLst>
               <a:ext uri="{FF2B5EF4-FFF2-40B4-BE49-F238E27FC236}">
-                <a16:creationId xmlns:a16="http://schemas.microsoft.com/office/drawing/2014/main" id="{46A324E1-A9F3-4F99-9754-C8F10879F564}"/>
+                <a16:creationId xmlns="" xmlns:a16="http://schemas.microsoft.com/office/drawing/2014/main" id="{46A324E1-A9F3-4F99-9754-C8F10879F564}"/>
               </a:ext>
             </a:extLst>
           </p:cNvPr>
@@ -12797,7 +12797,7 @@
           <p:cNvPr id="257" name="Прямоугольник 256">
             <a:extLst>
               <a:ext uri="{FF2B5EF4-FFF2-40B4-BE49-F238E27FC236}">
-                <a16:creationId xmlns:a16="http://schemas.microsoft.com/office/drawing/2014/main" id="{E19DB08F-F422-42E4-8EC8-DCF6DF6ADE72}"/>
+                <a16:creationId xmlns="" xmlns:a16="http://schemas.microsoft.com/office/drawing/2014/main" id="{E19DB08F-F422-42E4-8EC8-DCF6DF6ADE72}"/>
               </a:ext>
             </a:extLst>
           </p:cNvPr>
@@ -12849,7 +12849,7 @@
           <p:cNvPr id="258" name="Прямоугольник 257">
             <a:extLst>
               <a:ext uri="{FF2B5EF4-FFF2-40B4-BE49-F238E27FC236}">
-                <a16:creationId xmlns:a16="http://schemas.microsoft.com/office/drawing/2014/main" id="{DBB21772-5DC6-49CD-8347-70472CFCB171}"/>
+                <a16:creationId xmlns="" xmlns:a16="http://schemas.microsoft.com/office/drawing/2014/main" id="{DBB21772-5DC6-49CD-8347-70472CFCB171}"/>
               </a:ext>
             </a:extLst>
           </p:cNvPr>
@@ -12901,7 +12901,7 @@
           <p:cNvPr id="259" name="Прямоугольник 258">
             <a:extLst>
               <a:ext uri="{FF2B5EF4-FFF2-40B4-BE49-F238E27FC236}">
-                <a16:creationId xmlns:a16="http://schemas.microsoft.com/office/drawing/2014/main" id="{08EE18AE-8727-4E84-B350-FF84B357DC6D}"/>
+                <a16:creationId xmlns="" xmlns:a16="http://schemas.microsoft.com/office/drawing/2014/main" id="{08EE18AE-8727-4E84-B350-FF84B357DC6D}"/>
               </a:ext>
             </a:extLst>
           </p:cNvPr>
@@ -12941,13 +12941,10 @@
           <a:p>
             <a:pPr algn="ctr"/>
             <a:r>
-              <a:rPr lang="ru-RU" sz="1400" dirty="0"/>
-              <a:t>«от каждого по его способностям; каждому по его потребности» </a:t>
-            </a:r>
-            <a:r>
-              <a:rPr lang="ru-RU" sz="500" dirty="0"/>
-              <a:t>(Однако NEUM ничего не сделал, кроме призывов к объединению, у него не было планов действий, и о социализме больше не было разговоров. Забыты были заключительные слова того письма 1938 года, в котором говорилось, что девизом общества, которое они хотели, было «от каждого по его способностям; каждому по его потребности».)</a:t>
-            </a:r>
+              <a:rPr lang="ru-RU" sz="1400" dirty="0" smtClean="0"/>
+              <a:t>От каждого по способностям, каждому по потребностям</a:t>
+            </a:r>
+            <a:endParaRPr lang="ru-RU" sz="500" dirty="0"/>
           </a:p>
         </p:txBody>
       </p:sp>
@@ -12956,7 +12953,7 @@
           <p:cNvPr id="260" name="Прямоугольник 259">
             <a:extLst>
               <a:ext uri="{FF2B5EF4-FFF2-40B4-BE49-F238E27FC236}">
-                <a16:creationId xmlns:a16="http://schemas.microsoft.com/office/drawing/2014/main" id="{621FE09E-C13D-4C26-BDAE-5E66C7E42E9D}"/>
+                <a16:creationId xmlns="" xmlns:a16="http://schemas.microsoft.com/office/drawing/2014/main" id="{621FE09E-C13D-4C26-BDAE-5E66C7E42E9D}"/>
               </a:ext>
             </a:extLst>
           </p:cNvPr>
@@ -13008,7 +13005,7 @@
           <p:cNvPr id="261" name="Прямоугольник 260">
             <a:extLst>
               <a:ext uri="{FF2B5EF4-FFF2-40B4-BE49-F238E27FC236}">
-                <a16:creationId xmlns:a16="http://schemas.microsoft.com/office/drawing/2014/main" id="{956584E7-3DC8-451E-8A93-10468CFF313C}"/>
+                <a16:creationId xmlns="" xmlns:a16="http://schemas.microsoft.com/office/drawing/2014/main" id="{956584E7-3DC8-451E-8A93-10468CFF313C}"/>
               </a:ext>
             </a:extLst>
           </p:cNvPr>
@@ -13049,19 +13046,11 @@
             <a:pPr algn="ctr"/>
             <a:r>
               <a:rPr lang="ru-RU" sz="1400" dirty="0"/>
-              <a:t>Создание единой образовательной лиги </a:t>
-            </a:r>
-            <a:r>
-              <a:rPr lang="ru-RU" sz="700" dirty="0"/>
-              <a:t>(В движение вошли Африканская ассоциация учителей Кейптауна (CATA),Лига цветных учителей Южной Африки (TLSA), Ассоциация избирателей Капской Африки (CAVA) и Организованные органы </a:t>
-            </a:r>
-            <a:r>
-              <a:rPr lang="ru-RU" sz="700" dirty="0" err="1"/>
-              <a:t>Транскея</a:t>
-            </a:r>
-            <a:r>
-              <a:rPr lang="ru-RU" sz="700" dirty="0"/>
-              <a:t>.)</a:t>
+              <a:t>Создание единой образовательной </a:t>
+            </a:r>
+            <a:r>
+              <a:rPr lang="ru-RU" sz="1400" dirty="0" smtClean="0"/>
+              <a:t>лиги</a:t>
             </a:r>
             <a:endParaRPr lang="ru-RU" sz="800" dirty="0"/>
           </a:p>
@@ -13072,7 +13061,7 @@
           <p:cNvPr id="262" name="Прямоугольник 261">
             <a:extLst>
               <a:ext uri="{FF2B5EF4-FFF2-40B4-BE49-F238E27FC236}">
-                <a16:creationId xmlns:a16="http://schemas.microsoft.com/office/drawing/2014/main" id="{52EFBB1F-7910-4514-87B0-5B6B22F9A1E2}"/>
+                <a16:creationId xmlns="" xmlns:a16="http://schemas.microsoft.com/office/drawing/2014/main" id="{52EFBB1F-7910-4514-87B0-5B6B22F9A1E2}"/>
               </a:ext>
             </a:extLst>
           </p:cNvPr>
@@ -13113,11 +13102,11 @@
             <a:pPr algn="ctr"/>
             <a:r>
               <a:rPr lang="ru-RU" sz="1400" dirty="0"/>
-              <a:t>Изъять имущество миссионерских церквей </a:t>
-            </a:r>
-            <a:r>
-              <a:rPr lang="ru-RU" sz="500" dirty="0"/>
-              <a:t>(Также, в отличие от членов АНК, они не платили дань уважения какой-либо религиозной группе или церкви. Действительно, книга «Роль миссионера в завоевании», широко распространенная в кругах NEUM, была, как следует из ее названия, критикой роли миссионеров в Южной Африке как прародителей завоеваний и ментальных оков.)</a:t>
+              <a:t>Изъять имущество миссионерских </a:t>
+            </a:r>
+            <a:r>
+              <a:rPr lang="ru-RU" sz="1400" dirty="0" smtClean="0"/>
+              <a:t>церквей</a:t>
             </a:r>
             <a:endParaRPr lang="ru-RU" sz="100" dirty="0"/>
           </a:p>
@@ -13128,7 +13117,7 @@
           <p:cNvPr id="263" name="Прямоугольник 262">
             <a:extLst>
               <a:ext uri="{FF2B5EF4-FFF2-40B4-BE49-F238E27FC236}">
-                <a16:creationId xmlns:a16="http://schemas.microsoft.com/office/drawing/2014/main" id="{0AE0E348-7DA9-40B5-B7FB-B39FB858D660}"/>
+                <a16:creationId xmlns="" xmlns:a16="http://schemas.microsoft.com/office/drawing/2014/main" id="{0AE0E348-7DA9-40B5-B7FB-B39FB858D660}"/>
               </a:ext>
             </a:extLst>
           </p:cNvPr>
@@ -13184,7 +13173,7 @@
           <p:cNvPr id="266" name="Прямоугольник 265">
             <a:extLst>
               <a:ext uri="{FF2B5EF4-FFF2-40B4-BE49-F238E27FC236}">
-                <a16:creationId xmlns:a16="http://schemas.microsoft.com/office/drawing/2014/main" id="{2A2DA3A3-7506-43C9-8221-C1A4D02D818C}"/>
+                <a16:creationId xmlns="" xmlns:a16="http://schemas.microsoft.com/office/drawing/2014/main" id="{2A2DA3A3-7506-43C9-8221-C1A4D02D818C}"/>
               </a:ext>
             </a:extLst>
           </p:cNvPr>
@@ -13225,19 +13214,11 @@
             <a:pPr algn="ctr"/>
             <a:r>
               <a:rPr lang="ru-RU" sz="1400" dirty="0"/>
-              <a:t>Принять антиимпериалистические лозунги </a:t>
-            </a:r>
-            <a:r>
-              <a:rPr lang="ru-RU" sz="400" dirty="0"/>
-              <a:t>(Все колониальные националисты использовали антиимпериалистические лозунги, и это, по-видимому, поставило их в антикапиталистический лагерь. В свете ранних прокламаций Ленина и Коминтерна такая ориентация привела многие подобные группы к просоветской позиции и поставила их, опять-таки по-видимому, </a:t>
-            </a:r>
-            <a:r>
-              <a:rPr lang="ru-RU" sz="400" dirty="0" err="1"/>
-              <a:t>втвердо</a:t>
-            </a:r>
-            <a:r>
-              <a:rPr lang="ru-RU" sz="400" dirty="0"/>
-              <a:t> на стороне СССР и против империалистических держав.)</a:t>
+              <a:t>Принять антиимпериалистические </a:t>
+            </a:r>
+            <a:r>
+              <a:rPr lang="ru-RU" sz="1400" dirty="0" smtClean="0"/>
+              <a:t>лозунги</a:t>
             </a:r>
             <a:endParaRPr lang="ru-RU" sz="500" dirty="0"/>
           </a:p>
@@ -13248,7 +13229,7 @@
           <p:cNvPr id="267" name="Прямоугольник 266">
             <a:extLst>
               <a:ext uri="{FF2B5EF4-FFF2-40B4-BE49-F238E27FC236}">
-                <a16:creationId xmlns:a16="http://schemas.microsoft.com/office/drawing/2014/main" id="{6A09D8C1-FE84-48D6-A838-F1E4C6F73CDC}"/>
+                <a16:creationId xmlns="" xmlns:a16="http://schemas.microsoft.com/office/drawing/2014/main" id="{6A09D8C1-FE84-48D6-A838-F1E4C6F73CDC}"/>
               </a:ext>
             </a:extLst>
           </p:cNvPr>
@@ -13300,7 +13281,7 @@
           <p:cNvPr id="269" name="Shape 248">
             <a:extLst>
               <a:ext uri="{FF2B5EF4-FFF2-40B4-BE49-F238E27FC236}">
-                <a16:creationId xmlns:a16="http://schemas.microsoft.com/office/drawing/2014/main" id="{FBEAA8DC-5277-431B-B72A-96CB92AB08F2}"/>
+                <a16:creationId xmlns="" xmlns:a16="http://schemas.microsoft.com/office/drawing/2014/main" id="{FBEAA8DC-5277-431B-B72A-96CB92AB08F2}"/>
               </a:ext>
             </a:extLst>
           </p:cNvPr>
@@ -13345,7 +13326,7 @@
           <p:cNvPr id="272" name="Shape 248">
             <a:extLst>
               <a:ext uri="{FF2B5EF4-FFF2-40B4-BE49-F238E27FC236}">
-                <a16:creationId xmlns:a16="http://schemas.microsoft.com/office/drawing/2014/main" id="{D5D4437B-1223-4FCE-9062-B8243AC66A55}"/>
+                <a16:creationId xmlns="" xmlns:a16="http://schemas.microsoft.com/office/drawing/2014/main" id="{D5D4437B-1223-4FCE-9062-B8243AC66A55}"/>
               </a:ext>
             </a:extLst>
           </p:cNvPr>
@@ -13390,7 +13371,7 @@
           <p:cNvPr id="275" name="Shape 248">
             <a:extLst>
               <a:ext uri="{FF2B5EF4-FFF2-40B4-BE49-F238E27FC236}">
-                <a16:creationId xmlns:a16="http://schemas.microsoft.com/office/drawing/2014/main" id="{D95A6C3B-CFE7-40B6-9CE6-1A9B074D319A}"/>
+                <a16:creationId xmlns="" xmlns:a16="http://schemas.microsoft.com/office/drawing/2014/main" id="{D95A6C3B-CFE7-40B6-9CE6-1A9B074D319A}"/>
               </a:ext>
             </a:extLst>
           </p:cNvPr>
@@ -13435,7 +13416,7 @@
           <p:cNvPr id="277" name="Shape 248">
             <a:extLst>
               <a:ext uri="{FF2B5EF4-FFF2-40B4-BE49-F238E27FC236}">
-                <a16:creationId xmlns:a16="http://schemas.microsoft.com/office/drawing/2014/main" id="{1084AFBE-7DDB-4565-899D-F5786F8B9959}"/>
+                <a16:creationId xmlns="" xmlns:a16="http://schemas.microsoft.com/office/drawing/2014/main" id="{1084AFBE-7DDB-4565-899D-F5786F8B9959}"/>
               </a:ext>
             </a:extLst>
           </p:cNvPr>
@@ -13480,7 +13461,7 @@
           <p:cNvPr id="280" name="Shape 248">
             <a:extLst>
               <a:ext uri="{FF2B5EF4-FFF2-40B4-BE49-F238E27FC236}">
-                <a16:creationId xmlns:a16="http://schemas.microsoft.com/office/drawing/2014/main" id="{25708BBE-8555-4AEA-85E9-6204F5F68A3E}"/>
+                <a16:creationId xmlns="" xmlns:a16="http://schemas.microsoft.com/office/drawing/2014/main" id="{25708BBE-8555-4AEA-85E9-6204F5F68A3E}"/>
               </a:ext>
             </a:extLst>
           </p:cNvPr>
@@ -13525,7 +13506,7 @@
           <p:cNvPr id="283" name="Shape 248">
             <a:extLst>
               <a:ext uri="{FF2B5EF4-FFF2-40B4-BE49-F238E27FC236}">
-                <a16:creationId xmlns:a16="http://schemas.microsoft.com/office/drawing/2014/main" id="{0E0F779A-C2E1-4552-804D-2183B64A70F0}"/>
+                <a16:creationId xmlns="" xmlns:a16="http://schemas.microsoft.com/office/drawing/2014/main" id="{0E0F779A-C2E1-4552-804D-2183B64A70F0}"/>
               </a:ext>
             </a:extLst>
           </p:cNvPr>
@@ -13570,7 +13551,7 @@
           <p:cNvPr id="286" name="Shape 248">
             <a:extLst>
               <a:ext uri="{FF2B5EF4-FFF2-40B4-BE49-F238E27FC236}">
-                <a16:creationId xmlns:a16="http://schemas.microsoft.com/office/drawing/2014/main" id="{EB6E88A6-88A3-42F9-BD1A-6684BEB9B8D6}"/>
+                <a16:creationId xmlns="" xmlns:a16="http://schemas.microsoft.com/office/drawing/2014/main" id="{EB6E88A6-88A3-42F9-BD1A-6684BEB9B8D6}"/>
               </a:ext>
             </a:extLst>
           </p:cNvPr>
@@ -13615,7 +13596,7 @@
           <p:cNvPr id="289" name="Shape 248">
             <a:extLst>
               <a:ext uri="{FF2B5EF4-FFF2-40B4-BE49-F238E27FC236}">
-                <a16:creationId xmlns:a16="http://schemas.microsoft.com/office/drawing/2014/main" id="{B02C59D2-F9E9-489C-9E27-CE850599413C}"/>
+                <a16:creationId xmlns="" xmlns:a16="http://schemas.microsoft.com/office/drawing/2014/main" id="{B02C59D2-F9E9-489C-9E27-CE850599413C}"/>
               </a:ext>
             </a:extLst>
           </p:cNvPr>
@@ -13660,7 +13641,7 @@
           <p:cNvPr id="292" name="Shape 248">
             <a:extLst>
               <a:ext uri="{FF2B5EF4-FFF2-40B4-BE49-F238E27FC236}">
-                <a16:creationId xmlns:a16="http://schemas.microsoft.com/office/drawing/2014/main" id="{8B496B63-0C0F-4927-8651-F1B95AF109E8}"/>
+                <a16:creationId xmlns="" xmlns:a16="http://schemas.microsoft.com/office/drawing/2014/main" id="{8B496B63-0C0F-4927-8651-F1B95AF109E8}"/>
               </a:ext>
             </a:extLst>
           </p:cNvPr>
@@ -13705,7 +13686,7 @@
           <p:cNvPr id="296" name="Shape 248">
             <a:extLst>
               <a:ext uri="{FF2B5EF4-FFF2-40B4-BE49-F238E27FC236}">
-                <a16:creationId xmlns:a16="http://schemas.microsoft.com/office/drawing/2014/main" id="{E6DE7C41-4D34-4CBF-97CF-6AF882811621}"/>
+                <a16:creationId xmlns="" xmlns:a16="http://schemas.microsoft.com/office/drawing/2014/main" id="{E6DE7C41-4D34-4CBF-97CF-6AF882811621}"/>
               </a:ext>
             </a:extLst>
           </p:cNvPr>
@@ -13750,7 +13731,7 @@
           <p:cNvPr id="299" name="Shape 248">
             <a:extLst>
               <a:ext uri="{FF2B5EF4-FFF2-40B4-BE49-F238E27FC236}">
-                <a16:creationId xmlns:a16="http://schemas.microsoft.com/office/drawing/2014/main" id="{5847288F-E13F-43FA-AA58-BCF5A8AF3328}"/>
+                <a16:creationId xmlns="" xmlns:a16="http://schemas.microsoft.com/office/drawing/2014/main" id="{5847288F-E13F-43FA-AA58-BCF5A8AF3328}"/>
               </a:ext>
             </a:extLst>
           </p:cNvPr>
@@ -13795,7 +13776,7 @@
           <p:cNvPr id="303" name="Shape 248">
             <a:extLst>
               <a:ext uri="{FF2B5EF4-FFF2-40B4-BE49-F238E27FC236}">
-                <a16:creationId xmlns:a16="http://schemas.microsoft.com/office/drawing/2014/main" id="{C80F61D8-ADF1-4B65-8A1E-844EE7901F2F}"/>
+                <a16:creationId xmlns="" xmlns:a16="http://schemas.microsoft.com/office/drawing/2014/main" id="{C80F61D8-ADF1-4B65-8A1E-844EE7901F2F}"/>
               </a:ext>
             </a:extLst>
           </p:cNvPr>
@@ -13841,7 +13822,7 @@
           <p:cNvPr id="306" name="Shape 248">
             <a:extLst>
               <a:ext uri="{FF2B5EF4-FFF2-40B4-BE49-F238E27FC236}">
-                <a16:creationId xmlns:a16="http://schemas.microsoft.com/office/drawing/2014/main" id="{43615F59-8DE9-4A52-A00D-280ED942E214}"/>
+                <a16:creationId xmlns="" xmlns:a16="http://schemas.microsoft.com/office/drawing/2014/main" id="{43615F59-8DE9-4A52-A00D-280ED942E214}"/>
               </a:ext>
             </a:extLst>
           </p:cNvPr>
@@ -13887,7 +13868,7 @@
           <p:cNvPr id="310" name="Shape 248">
             <a:extLst>
               <a:ext uri="{FF2B5EF4-FFF2-40B4-BE49-F238E27FC236}">
-                <a16:creationId xmlns:a16="http://schemas.microsoft.com/office/drawing/2014/main" id="{3E568EFD-AB22-4B1D-ABAE-A49289BD4CD7}"/>
+                <a16:creationId xmlns="" xmlns:a16="http://schemas.microsoft.com/office/drawing/2014/main" id="{3E568EFD-AB22-4B1D-ABAE-A49289BD4CD7}"/>
               </a:ext>
             </a:extLst>
           </p:cNvPr>
@@ -13932,7 +13913,7 @@
           <p:cNvPr id="312" name="Shape 248">
             <a:extLst>
               <a:ext uri="{FF2B5EF4-FFF2-40B4-BE49-F238E27FC236}">
-                <a16:creationId xmlns:a16="http://schemas.microsoft.com/office/drawing/2014/main" id="{EF759961-7159-4379-AA26-833B860B0ED0}"/>
+                <a16:creationId xmlns="" xmlns:a16="http://schemas.microsoft.com/office/drawing/2014/main" id="{EF759961-7159-4379-AA26-833B860B0ED0}"/>
               </a:ext>
             </a:extLst>
           </p:cNvPr>
@@ -13977,7 +13958,7 @@
           <p:cNvPr id="317" name="Shape 248">
             <a:extLst>
               <a:ext uri="{FF2B5EF4-FFF2-40B4-BE49-F238E27FC236}">
-                <a16:creationId xmlns:a16="http://schemas.microsoft.com/office/drawing/2014/main" id="{7F1D5B0D-BF85-4F7E-8FDE-7B0B73F1D859}"/>
+                <a16:creationId xmlns="" xmlns:a16="http://schemas.microsoft.com/office/drawing/2014/main" id="{7F1D5B0D-BF85-4F7E-8FDE-7B0B73F1D859}"/>
               </a:ext>
             </a:extLst>
           </p:cNvPr>
@@ -14022,7 +14003,7 @@
           <p:cNvPr id="324" name="Прямоугольник 323">
             <a:extLst>
               <a:ext uri="{FF2B5EF4-FFF2-40B4-BE49-F238E27FC236}">
-                <a16:creationId xmlns:a16="http://schemas.microsoft.com/office/drawing/2014/main" id="{090D5B30-D28E-45E5-80C9-AC7113668184}"/>
+                <a16:creationId xmlns="" xmlns:a16="http://schemas.microsoft.com/office/drawing/2014/main" id="{090D5B30-D28E-45E5-80C9-AC7113668184}"/>
               </a:ext>
             </a:extLst>
           </p:cNvPr>
@@ -14082,7 +14063,7 @@
           <p:cNvPr id="325" name="Shape 248">
             <a:extLst>
               <a:ext uri="{FF2B5EF4-FFF2-40B4-BE49-F238E27FC236}">
-                <a16:creationId xmlns:a16="http://schemas.microsoft.com/office/drawing/2014/main" id="{7C694EB8-431B-486D-BF60-285B9805A151}"/>
+                <a16:creationId xmlns="" xmlns:a16="http://schemas.microsoft.com/office/drawing/2014/main" id="{7C694EB8-431B-486D-BF60-285B9805A151}"/>
               </a:ext>
             </a:extLst>
           </p:cNvPr>
@@ -14127,7 +14108,7 @@
           <p:cNvPr id="242" name="Прямоугольник 241">
             <a:extLst>
               <a:ext uri="{FF2B5EF4-FFF2-40B4-BE49-F238E27FC236}">
-                <a16:creationId xmlns:a16="http://schemas.microsoft.com/office/drawing/2014/main" id="{6201302F-2B79-485A-8CA8-C76C5AFF5369}"/>
+                <a16:creationId xmlns="" xmlns:a16="http://schemas.microsoft.com/office/drawing/2014/main" id="{6201302F-2B79-485A-8CA8-C76C5AFF5369}"/>
               </a:ext>
             </a:extLst>
           </p:cNvPr>
@@ -14179,7 +14160,7 @@
           <p:cNvPr id="246" name="Прямоугольник 245">
             <a:extLst>
               <a:ext uri="{FF2B5EF4-FFF2-40B4-BE49-F238E27FC236}">
-                <a16:creationId xmlns:a16="http://schemas.microsoft.com/office/drawing/2014/main" id="{143F99BB-7B85-4860-8066-4F19AE080121}"/>
+                <a16:creationId xmlns="" xmlns:a16="http://schemas.microsoft.com/office/drawing/2014/main" id="{143F99BB-7B85-4860-8066-4F19AE080121}"/>
               </a:ext>
             </a:extLst>
           </p:cNvPr>
@@ -14231,7 +14212,7 @@
           <p:cNvPr id="249" name="Прямоугольник 248">
             <a:extLst>
               <a:ext uri="{FF2B5EF4-FFF2-40B4-BE49-F238E27FC236}">
-                <a16:creationId xmlns:a16="http://schemas.microsoft.com/office/drawing/2014/main" id="{CBF8D7E5-5FA7-45F0-905E-03584CFA09A9}"/>
+                <a16:creationId xmlns="" xmlns:a16="http://schemas.microsoft.com/office/drawing/2014/main" id="{CBF8D7E5-5FA7-45F0-905E-03584CFA09A9}"/>
               </a:ext>
             </a:extLst>
           </p:cNvPr>
@@ -14291,7 +14272,7 @@
           <p:cNvPr id="273" name="Прямоугольник 272">
             <a:extLst>
               <a:ext uri="{FF2B5EF4-FFF2-40B4-BE49-F238E27FC236}">
-                <a16:creationId xmlns:a16="http://schemas.microsoft.com/office/drawing/2014/main" id="{790C883A-8E36-488E-9D37-AB7A70439BE5}"/>
+                <a16:creationId xmlns="" xmlns:a16="http://schemas.microsoft.com/office/drawing/2014/main" id="{790C883A-8E36-488E-9D37-AB7A70439BE5}"/>
               </a:ext>
             </a:extLst>
           </p:cNvPr>
@@ -14343,7 +14324,7 @@
           <p:cNvPr id="276" name="Shape 248">
             <a:extLst>
               <a:ext uri="{FF2B5EF4-FFF2-40B4-BE49-F238E27FC236}">
-                <a16:creationId xmlns:a16="http://schemas.microsoft.com/office/drawing/2014/main" id="{4AA09D23-CE38-421D-BBD5-32E3F4CE98E5}"/>
+                <a16:creationId xmlns="" xmlns:a16="http://schemas.microsoft.com/office/drawing/2014/main" id="{4AA09D23-CE38-421D-BBD5-32E3F4CE98E5}"/>
               </a:ext>
             </a:extLst>
           </p:cNvPr>
@@ -14388,7 +14369,7 @@
           <p:cNvPr id="279" name="Shape 248">
             <a:extLst>
               <a:ext uri="{FF2B5EF4-FFF2-40B4-BE49-F238E27FC236}">
-                <a16:creationId xmlns:a16="http://schemas.microsoft.com/office/drawing/2014/main" id="{3FA42726-9174-4F29-BF65-55ADC46C885A}"/>
+                <a16:creationId xmlns="" xmlns:a16="http://schemas.microsoft.com/office/drawing/2014/main" id="{3FA42726-9174-4F29-BF65-55ADC46C885A}"/>
               </a:ext>
             </a:extLst>
           </p:cNvPr>
@@ -14433,7 +14414,7 @@
           <p:cNvPr id="282" name="Shape 248">
             <a:extLst>
               <a:ext uri="{FF2B5EF4-FFF2-40B4-BE49-F238E27FC236}">
-                <a16:creationId xmlns:a16="http://schemas.microsoft.com/office/drawing/2014/main" id="{32093D4D-B7AB-4952-AC16-553CF78E1350}"/>
+                <a16:creationId xmlns="" xmlns:a16="http://schemas.microsoft.com/office/drawing/2014/main" id="{32093D4D-B7AB-4952-AC16-553CF78E1350}"/>
               </a:ext>
             </a:extLst>
           </p:cNvPr>
@@ -14478,7 +14459,7 @@
           <p:cNvPr id="285" name="Shape 248">
             <a:extLst>
               <a:ext uri="{FF2B5EF4-FFF2-40B4-BE49-F238E27FC236}">
-                <a16:creationId xmlns:a16="http://schemas.microsoft.com/office/drawing/2014/main" id="{4D3DE100-6F63-4974-9A7E-28065A179310}"/>
+                <a16:creationId xmlns="" xmlns:a16="http://schemas.microsoft.com/office/drawing/2014/main" id="{4D3DE100-6F63-4974-9A7E-28065A179310}"/>
               </a:ext>
             </a:extLst>
           </p:cNvPr>
@@ -14523,7 +14504,7 @@
           <p:cNvPr id="288" name="Shape 248">
             <a:extLst>
               <a:ext uri="{FF2B5EF4-FFF2-40B4-BE49-F238E27FC236}">
-                <a16:creationId xmlns:a16="http://schemas.microsoft.com/office/drawing/2014/main" id="{E5891B7E-CB5F-4EBA-B244-E22ED8E1A91A}"/>
+                <a16:creationId xmlns="" xmlns:a16="http://schemas.microsoft.com/office/drawing/2014/main" id="{E5891B7E-CB5F-4EBA-B244-E22ED8E1A91A}"/>
               </a:ext>
             </a:extLst>
           </p:cNvPr>
@@ -14568,7 +14549,7 @@
           <p:cNvPr id="290" name="Прямоугольник 289">
             <a:extLst>
               <a:ext uri="{FF2B5EF4-FFF2-40B4-BE49-F238E27FC236}">
-                <a16:creationId xmlns:a16="http://schemas.microsoft.com/office/drawing/2014/main" id="{278D16BB-FDBF-449B-A690-A858ABF81FDD}"/>
+                <a16:creationId xmlns="" xmlns:a16="http://schemas.microsoft.com/office/drawing/2014/main" id="{278D16BB-FDBF-449B-A690-A858ABF81FDD}"/>
               </a:ext>
             </a:extLst>
           </p:cNvPr>
@@ -14624,7 +14605,7 @@
           <p:cNvPr id="297" name="Shape 248">
             <a:extLst>
               <a:ext uri="{FF2B5EF4-FFF2-40B4-BE49-F238E27FC236}">
-                <a16:creationId xmlns:a16="http://schemas.microsoft.com/office/drawing/2014/main" id="{2E5CEB81-8F51-4CC7-BFD3-6870AF84267A}"/>
+                <a16:creationId xmlns="" xmlns:a16="http://schemas.microsoft.com/office/drawing/2014/main" id="{2E5CEB81-8F51-4CC7-BFD3-6870AF84267A}"/>
               </a:ext>
             </a:extLst>
           </p:cNvPr>
@@ -14669,7 +14650,7 @@
           <p:cNvPr id="300" name="Shape 248">
             <a:extLst>
               <a:ext uri="{FF2B5EF4-FFF2-40B4-BE49-F238E27FC236}">
-                <a16:creationId xmlns:a16="http://schemas.microsoft.com/office/drawing/2014/main" id="{84E866F4-D79B-450D-9F47-A00044FA3472}"/>
+                <a16:creationId xmlns="" xmlns:a16="http://schemas.microsoft.com/office/drawing/2014/main" id="{84E866F4-D79B-450D-9F47-A00044FA3472}"/>
               </a:ext>
             </a:extLst>
           </p:cNvPr>
@@ -14714,7 +14695,7 @@
           <p:cNvPr id="302" name="Shape 248">
             <a:extLst>
               <a:ext uri="{FF2B5EF4-FFF2-40B4-BE49-F238E27FC236}">
-                <a16:creationId xmlns:a16="http://schemas.microsoft.com/office/drawing/2014/main" id="{6806A5C0-9C92-4221-9909-972B914DA1ED}"/>
+                <a16:creationId xmlns="" xmlns:a16="http://schemas.microsoft.com/office/drawing/2014/main" id="{6806A5C0-9C92-4221-9909-972B914DA1ED}"/>
               </a:ext>
             </a:extLst>
           </p:cNvPr>
@@ -14759,7 +14740,7 @@
           <p:cNvPr id="305" name="Shape 248">
             <a:extLst>
               <a:ext uri="{FF2B5EF4-FFF2-40B4-BE49-F238E27FC236}">
-                <a16:creationId xmlns:a16="http://schemas.microsoft.com/office/drawing/2014/main" id="{166046F6-53A2-4A8F-9E82-FECD6D61EDCA}"/>
+                <a16:creationId xmlns="" xmlns:a16="http://schemas.microsoft.com/office/drawing/2014/main" id="{166046F6-53A2-4A8F-9E82-FECD6D61EDCA}"/>
               </a:ext>
             </a:extLst>
           </p:cNvPr>
@@ -14804,7 +14785,7 @@
           <p:cNvPr id="311" name="Прямоугольник 310">
             <a:extLst>
               <a:ext uri="{FF2B5EF4-FFF2-40B4-BE49-F238E27FC236}">
-                <a16:creationId xmlns:a16="http://schemas.microsoft.com/office/drawing/2014/main" id="{868A50E7-D497-4453-8F17-23811042DB8B}"/>
+                <a16:creationId xmlns="" xmlns:a16="http://schemas.microsoft.com/office/drawing/2014/main" id="{868A50E7-D497-4453-8F17-23811042DB8B}"/>
               </a:ext>
             </a:extLst>
           </p:cNvPr>
@@ -14860,7 +14841,7 @@
           <p:cNvPr id="313" name="Shape 248">
             <a:extLst>
               <a:ext uri="{FF2B5EF4-FFF2-40B4-BE49-F238E27FC236}">
-                <a16:creationId xmlns:a16="http://schemas.microsoft.com/office/drawing/2014/main" id="{BEB45FBF-7486-4531-8351-79A56BEB7C89}"/>
+                <a16:creationId xmlns="" xmlns:a16="http://schemas.microsoft.com/office/drawing/2014/main" id="{BEB45FBF-7486-4531-8351-79A56BEB7C89}"/>
               </a:ext>
             </a:extLst>
           </p:cNvPr>
@@ -14905,7 +14886,7 @@
           <p:cNvPr id="316" name="Прямоугольник 315">
             <a:extLst>
               <a:ext uri="{FF2B5EF4-FFF2-40B4-BE49-F238E27FC236}">
-                <a16:creationId xmlns:a16="http://schemas.microsoft.com/office/drawing/2014/main" id="{C8C7E08F-B7C9-4CD3-8C8F-5B457D7950AB}"/>
+                <a16:creationId xmlns="" xmlns:a16="http://schemas.microsoft.com/office/drawing/2014/main" id="{C8C7E08F-B7C9-4CD3-8C8F-5B457D7950AB}"/>
               </a:ext>
             </a:extLst>
           </p:cNvPr>
@@ -14961,7 +14942,7 @@
           <p:cNvPr id="318" name="Shape 248">
             <a:extLst>
               <a:ext uri="{FF2B5EF4-FFF2-40B4-BE49-F238E27FC236}">
-                <a16:creationId xmlns:a16="http://schemas.microsoft.com/office/drawing/2014/main" id="{C6747080-ACF1-466D-BAE8-F4F3F47DC1F4}"/>
+                <a16:creationId xmlns="" xmlns:a16="http://schemas.microsoft.com/office/drawing/2014/main" id="{C6747080-ACF1-466D-BAE8-F4F3F47DC1F4}"/>
               </a:ext>
             </a:extLst>
           </p:cNvPr>
@@ -15006,7 +14987,7 @@
           <p:cNvPr id="326" name="Shape 248">
             <a:extLst>
               <a:ext uri="{FF2B5EF4-FFF2-40B4-BE49-F238E27FC236}">
-                <a16:creationId xmlns:a16="http://schemas.microsoft.com/office/drawing/2014/main" id="{58161C5D-DEC3-4839-BC8D-724EEFE6C33B}"/>
+                <a16:creationId xmlns="" xmlns:a16="http://schemas.microsoft.com/office/drawing/2014/main" id="{58161C5D-DEC3-4839-BC8D-724EEFE6C33B}"/>
               </a:ext>
             </a:extLst>
           </p:cNvPr>
@@ -15051,7 +15032,7 @@
           <p:cNvPr id="329" name="Shape 248">
             <a:extLst>
               <a:ext uri="{FF2B5EF4-FFF2-40B4-BE49-F238E27FC236}">
-                <a16:creationId xmlns:a16="http://schemas.microsoft.com/office/drawing/2014/main" id="{BED6FD35-7ED6-489B-ACD7-6FC6A87D7BDF}"/>
+                <a16:creationId xmlns="" xmlns:a16="http://schemas.microsoft.com/office/drawing/2014/main" id="{BED6FD35-7ED6-489B-ACD7-6FC6A87D7BDF}"/>
               </a:ext>
             </a:extLst>
           </p:cNvPr>
@@ -15097,7 +15078,7 @@
           <p:cNvPr id="332" name="Shape 248">
             <a:extLst>
               <a:ext uri="{FF2B5EF4-FFF2-40B4-BE49-F238E27FC236}">
-                <a16:creationId xmlns:a16="http://schemas.microsoft.com/office/drawing/2014/main" id="{A63CAA29-B0BF-400A-84BE-FBC537E38D9C}"/>
+                <a16:creationId xmlns="" xmlns:a16="http://schemas.microsoft.com/office/drawing/2014/main" id="{A63CAA29-B0BF-400A-84BE-FBC537E38D9C}"/>
               </a:ext>
             </a:extLst>
           </p:cNvPr>
@@ -15143,7 +15124,7 @@
           <p:cNvPr id="335" name="Shape 248">
             <a:extLst>
               <a:ext uri="{FF2B5EF4-FFF2-40B4-BE49-F238E27FC236}">
-                <a16:creationId xmlns:a16="http://schemas.microsoft.com/office/drawing/2014/main" id="{5EC344A3-0BF5-4484-9C11-CE03EA7FB834}"/>
+                <a16:creationId xmlns="" xmlns:a16="http://schemas.microsoft.com/office/drawing/2014/main" id="{5EC344A3-0BF5-4484-9C11-CE03EA7FB834}"/>
               </a:ext>
             </a:extLst>
           </p:cNvPr>
@@ -15189,7 +15170,7 @@
           <p:cNvPr id="338" name="Shape 248">
             <a:extLst>
               <a:ext uri="{FF2B5EF4-FFF2-40B4-BE49-F238E27FC236}">
-                <a16:creationId xmlns:a16="http://schemas.microsoft.com/office/drawing/2014/main" id="{A7F12841-AB34-4CC1-9965-824DF87AC7B9}"/>
+                <a16:creationId xmlns="" xmlns:a16="http://schemas.microsoft.com/office/drawing/2014/main" id="{A7F12841-AB34-4CC1-9965-824DF87AC7B9}"/>
               </a:ext>
             </a:extLst>
           </p:cNvPr>
@@ -15235,7 +15216,7 @@
           <p:cNvPr id="341" name="Shape 248">
             <a:extLst>
               <a:ext uri="{FF2B5EF4-FFF2-40B4-BE49-F238E27FC236}">
-                <a16:creationId xmlns:a16="http://schemas.microsoft.com/office/drawing/2014/main" id="{6336FDC1-AA70-43B0-9203-70B8EF94EAD4}"/>
+                <a16:creationId xmlns="" xmlns:a16="http://schemas.microsoft.com/office/drawing/2014/main" id="{6336FDC1-AA70-43B0-9203-70B8EF94EAD4}"/>
               </a:ext>
             </a:extLst>
           </p:cNvPr>
@@ -15281,7 +15262,7 @@
           <p:cNvPr id="344" name="Shape 248">
             <a:extLst>
               <a:ext uri="{FF2B5EF4-FFF2-40B4-BE49-F238E27FC236}">
-                <a16:creationId xmlns:a16="http://schemas.microsoft.com/office/drawing/2014/main" id="{1C5B0918-B29C-4027-908B-CB9D03FDFEA9}"/>
+                <a16:creationId xmlns="" xmlns:a16="http://schemas.microsoft.com/office/drawing/2014/main" id="{1C5B0918-B29C-4027-908B-CB9D03FDFEA9}"/>
               </a:ext>
             </a:extLst>
           </p:cNvPr>
@@ -15327,7 +15308,7 @@
           <p:cNvPr id="347" name="Shape 248">
             <a:extLst>
               <a:ext uri="{FF2B5EF4-FFF2-40B4-BE49-F238E27FC236}">
-                <a16:creationId xmlns:a16="http://schemas.microsoft.com/office/drawing/2014/main" id="{6A050BE5-6D0C-4AD4-868D-EC7425253258}"/>
+                <a16:creationId xmlns="" xmlns:a16="http://schemas.microsoft.com/office/drawing/2014/main" id="{6A050BE5-6D0C-4AD4-868D-EC7425253258}"/>
               </a:ext>
             </a:extLst>
           </p:cNvPr>
@@ -15372,7 +15353,7 @@
           <p:cNvPr id="350" name="Прямоугольник 349">
             <a:extLst>
               <a:ext uri="{FF2B5EF4-FFF2-40B4-BE49-F238E27FC236}">
-                <a16:creationId xmlns:a16="http://schemas.microsoft.com/office/drawing/2014/main" id="{765E26F8-259A-4760-98B9-CFA5E8DB365C}"/>
+                <a16:creationId xmlns="" xmlns:a16="http://schemas.microsoft.com/office/drawing/2014/main" id="{765E26F8-259A-4760-98B9-CFA5E8DB365C}"/>
               </a:ext>
             </a:extLst>
           </p:cNvPr>
@@ -15428,7 +15409,7 @@
           <p:cNvPr id="351" name="Shape 248">
             <a:extLst>
               <a:ext uri="{FF2B5EF4-FFF2-40B4-BE49-F238E27FC236}">
-                <a16:creationId xmlns:a16="http://schemas.microsoft.com/office/drawing/2014/main" id="{148F55FF-8BDD-4E8A-BE73-081B70FFD284}"/>
+                <a16:creationId xmlns="" xmlns:a16="http://schemas.microsoft.com/office/drawing/2014/main" id="{148F55FF-8BDD-4E8A-BE73-081B70FFD284}"/>
               </a:ext>
             </a:extLst>
           </p:cNvPr>
@@ -15473,7 +15454,7 @@
           <p:cNvPr id="354" name="Прямоугольник 353">
             <a:extLst>
               <a:ext uri="{FF2B5EF4-FFF2-40B4-BE49-F238E27FC236}">
-                <a16:creationId xmlns:a16="http://schemas.microsoft.com/office/drawing/2014/main" id="{BDEC123E-8F59-477F-B827-9EB5E35E3B23}"/>
+                <a16:creationId xmlns="" xmlns:a16="http://schemas.microsoft.com/office/drawing/2014/main" id="{BDEC123E-8F59-477F-B827-9EB5E35E3B23}"/>
               </a:ext>
             </a:extLst>
           </p:cNvPr>
@@ -15529,7 +15510,7 @@
           <p:cNvPr id="355" name="Shape 248">
             <a:extLst>
               <a:ext uri="{FF2B5EF4-FFF2-40B4-BE49-F238E27FC236}">
-                <a16:creationId xmlns:a16="http://schemas.microsoft.com/office/drawing/2014/main" id="{0D0F5707-F5F0-4A89-9C8D-7B643700012E}"/>
+                <a16:creationId xmlns="" xmlns:a16="http://schemas.microsoft.com/office/drawing/2014/main" id="{0D0F5707-F5F0-4A89-9C8D-7B643700012E}"/>
               </a:ext>
             </a:extLst>
           </p:cNvPr>
@@ -15574,7 +15555,7 @@
           <p:cNvPr id="358" name="Прямоугольник 357">
             <a:extLst>
               <a:ext uri="{FF2B5EF4-FFF2-40B4-BE49-F238E27FC236}">
-                <a16:creationId xmlns:a16="http://schemas.microsoft.com/office/drawing/2014/main" id="{303508BD-E009-4A74-9100-C9F0887DF0CB}"/>
+                <a16:creationId xmlns="" xmlns:a16="http://schemas.microsoft.com/office/drawing/2014/main" id="{303508BD-E009-4A74-9100-C9F0887DF0CB}"/>
               </a:ext>
             </a:extLst>
           </p:cNvPr>
@@ -15630,7 +15611,7 @@
           <p:cNvPr id="359" name="Shape 248">
             <a:extLst>
               <a:ext uri="{FF2B5EF4-FFF2-40B4-BE49-F238E27FC236}">
-                <a16:creationId xmlns:a16="http://schemas.microsoft.com/office/drawing/2014/main" id="{FF497636-6F8A-4D52-A5D8-7BDAE47FFF42}"/>
+                <a16:creationId xmlns="" xmlns:a16="http://schemas.microsoft.com/office/drawing/2014/main" id="{FF497636-6F8A-4D52-A5D8-7BDAE47FFF42}"/>
               </a:ext>
             </a:extLst>
           </p:cNvPr>
@@ -15676,7 +15657,7 @@
           <p:cNvPr id="363" name="Shape 248">
             <a:extLst>
               <a:ext uri="{FF2B5EF4-FFF2-40B4-BE49-F238E27FC236}">
-                <a16:creationId xmlns:a16="http://schemas.microsoft.com/office/drawing/2014/main" id="{7BA2ACFB-4C24-4A72-A2EB-4B1262117E3C}"/>
+                <a16:creationId xmlns="" xmlns:a16="http://schemas.microsoft.com/office/drawing/2014/main" id="{7BA2ACFB-4C24-4A72-A2EB-4B1262117E3C}"/>
               </a:ext>
             </a:extLst>
           </p:cNvPr>
@@ -15722,7 +15703,7 @@
           <p:cNvPr id="381" name="Прямая соединительная линия 380">
             <a:extLst>
               <a:ext uri="{FF2B5EF4-FFF2-40B4-BE49-F238E27FC236}">
-                <a16:creationId xmlns:a16="http://schemas.microsoft.com/office/drawing/2014/main" id="{CD8E8FE1-3FE9-4617-A9E7-1413F44D5694}"/>
+                <a16:creationId xmlns="" xmlns:a16="http://schemas.microsoft.com/office/drawing/2014/main" id="{CD8E8FE1-3FE9-4617-A9E7-1413F44D5694}"/>
               </a:ext>
             </a:extLst>
           </p:cNvPr>
@@ -15767,7 +15748,7 @@
           <p:cNvPr id="401" name="Прямоугольник 400">
             <a:extLst>
               <a:ext uri="{FF2B5EF4-FFF2-40B4-BE49-F238E27FC236}">
-                <a16:creationId xmlns:a16="http://schemas.microsoft.com/office/drawing/2014/main" id="{1A5ACA76-F98C-4AAE-8C89-68E8846C4F3E}"/>
+                <a16:creationId xmlns="" xmlns:a16="http://schemas.microsoft.com/office/drawing/2014/main" id="{1A5ACA76-F98C-4AAE-8C89-68E8846C4F3E}"/>
               </a:ext>
             </a:extLst>
           </p:cNvPr>
@@ -15816,7 +15797,7 @@
           <p:cNvPr id="294" name="Прямоугольник 293">
             <a:extLst>
               <a:ext uri="{FF2B5EF4-FFF2-40B4-BE49-F238E27FC236}">
-                <a16:creationId xmlns:a16="http://schemas.microsoft.com/office/drawing/2014/main" id="{6E35469B-525C-4828-B38E-EB394D1EC372}"/>
+                <a16:creationId xmlns="" xmlns:a16="http://schemas.microsoft.com/office/drawing/2014/main" id="{6E35469B-525C-4828-B38E-EB394D1EC372}"/>
               </a:ext>
             </a:extLst>
           </p:cNvPr>
@@ -15868,7 +15849,7 @@
           <p:cNvPr id="295" name="Shape 248">
             <a:extLst>
               <a:ext uri="{FF2B5EF4-FFF2-40B4-BE49-F238E27FC236}">
-                <a16:creationId xmlns:a16="http://schemas.microsoft.com/office/drawing/2014/main" id="{98250168-2090-4892-8242-4BC7C0F6FB8F}"/>
+                <a16:creationId xmlns="" xmlns:a16="http://schemas.microsoft.com/office/drawing/2014/main" id="{98250168-2090-4892-8242-4BC7C0F6FB8F}"/>
               </a:ext>
             </a:extLst>
           </p:cNvPr>
@@ -15913,7 +15894,7 @@
           <p:cNvPr id="301" name="Прямоугольник 300">
             <a:extLst>
               <a:ext uri="{FF2B5EF4-FFF2-40B4-BE49-F238E27FC236}">
-                <a16:creationId xmlns:a16="http://schemas.microsoft.com/office/drawing/2014/main" id="{E0B91D39-873F-4E56-AD7B-A4D2A2CCFE0A}"/>
+                <a16:creationId xmlns="" xmlns:a16="http://schemas.microsoft.com/office/drawing/2014/main" id="{E0B91D39-873F-4E56-AD7B-A4D2A2CCFE0A}"/>
               </a:ext>
             </a:extLst>
           </p:cNvPr>
@@ -15962,7 +15943,7 @@
           <p:cNvPr id="304" name="Прямоугольник 303">
             <a:extLst>
               <a:ext uri="{FF2B5EF4-FFF2-40B4-BE49-F238E27FC236}">
-                <a16:creationId xmlns:a16="http://schemas.microsoft.com/office/drawing/2014/main" id="{1EC70A17-71D7-4837-A6E2-DD76104A96BE}"/>
+                <a16:creationId xmlns="" xmlns:a16="http://schemas.microsoft.com/office/drawing/2014/main" id="{1EC70A17-71D7-4837-A6E2-DD76104A96BE}"/>
               </a:ext>
             </a:extLst>
           </p:cNvPr>
@@ -16014,7 +15995,7 @@
           <p:cNvPr id="307" name="Shape 248">
             <a:extLst>
               <a:ext uri="{FF2B5EF4-FFF2-40B4-BE49-F238E27FC236}">
-                <a16:creationId xmlns:a16="http://schemas.microsoft.com/office/drawing/2014/main" id="{3D4FFAB0-F1E2-47BA-8A15-E97093B366CB}"/>
+                <a16:creationId xmlns="" xmlns:a16="http://schemas.microsoft.com/office/drawing/2014/main" id="{3D4FFAB0-F1E2-47BA-8A15-E97093B366CB}"/>
               </a:ext>
             </a:extLst>
           </p:cNvPr>
@@ -16059,7 +16040,7 @@
           <p:cNvPr id="327" name="Прямоугольник 326">
             <a:extLst>
               <a:ext uri="{FF2B5EF4-FFF2-40B4-BE49-F238E27FC236}">
-                <a16:creationId xmlns:a16="http://schemas.microsoft.com/office/drawing/2014/main" id="{A2AB9ED9-5B3C-4386-B630-F3FB0647C62A}"/>
+                <a16:creationId xmlns="" xmlns:a16="http://schemas.microsoft.com/office/drawing/2014/main" id="{A2AB9ED9-5B3C-4386-B630-F3FB0647C62A}"/>
               </a:ext>
             </a:extLst>
           </p:cNvPr>
@@ -16108,7 +16089,7 @@
           <p:cNvPr id="330" name="Прямоугольник 329">
             <a:extLst>
               <a:ext uri="{FF2B5EF4-FFF2-40B4-BE49-F238E27FC236}">
-                <a16:creationId xmlns:a16="http://schemas.microsoft.com/office/drawing/2014/main" id="{8934B9E5-7DDC-45E3-B553-D88557E3717A}"/>
+                <a16:creationId xmlns="" xmlns:a16="http://schemas.microsoft.com/office/drawing/2014/main" id="{8934B9E5-7DDC-45E3-B553-D88557E3717A}"/>
               </a:ext>
             </a:extLst>
           </p:cNvPr>
@@ -16157,7 +16138,7 @@
           <p:cNvPr id="331" name="Прямоугольник 330">
             <a:extLst>
               <a:ext uri="{FF2B5EF4-FFF2-40B4-BE49-F238E27FC236}">
-                <a16:creationId xmlns:a16="http://schemas.microsoft.com/office/drawing/2014/main" id="{2A539DFE-7DE2-4F44-A176-FBF949A136E7}"/>
+                <a16:creationId xmlns="" xmlns:a16="http://schemas.microsoft.com/office/drawing/2014/main" id="{2A539DFE-7DE2-4F44-A176-FBF949A136E7}"/>
               </a:ext>
             </a:extLst>
           </p:cNvPr>
@@ -16206,7 +16187,7 @@
           <p:cNvPr id="333" name="Shape 248">
             <a:extLst>
               <a:ext uri="{FF2B5EF4-FFF2-40B4-BE49-F238E27FC236}">
-                <a16:creationId xmlns:a16="http://schemas.microsoft.com/office/drawing/2014/main" id="{B197B95A-64FD-40DB-8AEF-404BEC0A4FAF}"/>
+                <a16:creationId xmlns="" xmlns:a16="http://schemas.microsoft.com/office/drawing/2014/main" id="{B197B95A-64FD-40DB-8AEF-404BEC0A4FAF}"/>
               </a:ext>
             </a:extLst>
           </p:cNvPr>
@@ -16251,7 +16232,7 @@
           <p:cNvPr id="334" name="Shape 248">
             <a:extLst>
               <a:ext uri="{FF2B5EF4-FFF2-40B4-BE49-F238E27FC236}">
-                <a16:creationId xmlns:a16="http://schemas.microsoft.com/office/drawing/2014/main" id="{AEF02320-8584-4B14-9DA4-9E158D4E6BE1}"/>
+                <a16:creationId xmlns="" xmlns:a16="http://schemas.microsoft.com/office/drawing/2014/main" id="{AEF02320-8584-4B14-9DA4-9E158D4E6BE1}"/>
               </a:ext>
             </a:extLst>
           </p:cNvPr>
@@ -16296,7 +16277,7 @@
           <p:cNvPr id="336" name="Shape 248">
             <a:extLst>
               <a:ext uri="{FF2B5EF4-FFF2-40B4-BE49-F238E27FC236}">
-                <a16:creationId xmlns:a16="http://schemas.microsoft.com/office/drawing/2014/main" id="{FFE49214-3D1A-47C5-853C-A519DED7E626}"/>
+                <a16:creationId xmlns="" xmlns:a16="http://schemas.microsoft.com/office/drawing/2014/main" id="{FFE49214-3D1A-47C5-853C-A519DED7E626}"/>
               </a:ext>
             </a:extLst>
           </p:cNvPr>
@@ -16341,7 +16322,7 @@
           <p:cNvPr id="337" name="Прямоугольник 336">
             <a:extLst>
               <a:ext uri="{FF2B5EF4-FFF2-40B4-BE49-F238E27FC236}">
-                <a16:creationId xmlns:a16="http://schemas.microsoft.com/office/drawing/2014/main" id="{4810CE09-044F-4028-9963-17F645CF17E1}"/>
+                <a16:creationId xmlns="" xmlns:a16="http://schemas.microsoft.com/office/drawing/2014/main" id="{4810CE09-044F-4028-9963-17F645CF17E1}"/>
               </a:ext>
             </a:extLst>
           </p:cNvPr>
@@ -16390,7 +16371,7 @@
           <p:cNvPr id="339" name="Прямоугольник 338">
             <a:extLst>
               <a:ext uri="{FF2B5EF4-FFF2-40B4-BE49-F238E27FC236}">
-                <a16:creationId xmlns:a16="http://schemas.microsoft.com/office/drawing/2014/main" id="{DACD93FF-4987-4926-8F38-D945341E780F}"/>
+                <a16:creationId xmlns="" xmlns:a16="http://schemas.microsoft.com/office/drawing/2014/main" id="{DACD93FF-4987-4926-8F38-D945341E780F}"/>
               </a:ext>
             </a:extLst>
           </p:cNvPr>
@@ -16439,7 +16420,7 @@
           <p:cNvPr id="340" name="Shape 248">
             <a:extLst>
               <a:ext uri="{FF2B5EF4-FFF2-40B4-BE49-F238E27FC236}">
-                <a16:creationId xmlns:a16="http://schemas.microsoft.com/office/drawing/2014/main" id="{57ED5092-06C9-451A-9497-EE2BA068B736}"/>
+                <a16:creationId xmlns="" xmlns:a16="http://schemas.microsoft.com/office/drawing/2014/main" id="{57ED5092-06C9-451A-9497-EE2BA068B736}"/>
               </a:ext>
             </a:extLst>
           </p:cNvPr>
@@ -16484,7 +16465,7 @@
           <p:cNvPr id="342" name="Shape 248">
             <a:extLst>
               <a:ext uri="{FF2B5EF4-FFF2-40B4-BE49-F238E27FC236}">
-                <a16:creationId xmlns:a16="http://schemas.microsoft.com/office/drawing/2014/main" id="{89C02F00-0F9E-417D-B0F2-B3BC9ACDD8E7}"/>
+                <a16:creationId xmlns="" xmlns:a16="http://schemas.microsoft.com/office/drawing/2014/main" id="{89C02F00-0F9E-417D-B0F2-B3BC9ACDD8E7}"/>
               </a:ext>
             </a:extLst>
           </p:cNvPr>
@@ -16529,7 +16510,7 @@
           <p:cNvPr id="343" name="Прямоугольник 342">
             <a:extLst>
               <a:ext uri="{FF2B5EF4-FFF2-40B4-BE49-F238E27FC236}">
-                <a16:creationId xmlns:a16="http://schemas.microsoft.com/office/drawing/2014/main" id="{84AADFEF-C44F-4A0C-B548-AD6C27E9481A}"/>
+                <a16:creationId xmlns="" xmlns:a16="http://schemas.microsoft.com/office/drawing/2014/main" id="{84AADFEF-C44F-4A0C-B548-AD6C27E9481A}"/>
               </a:ext>
             </a:extLst>
           </p:cNvPr>
@@ -16584,7 +16565,7 @@
           <p:cNvPr id="345" name="Shape 248">
             <a:extLst>
               <a:ext uri="{FF2B5EF4-FFF2-40B4-BE49-F238E27FC236}">
-                <a16:creationId xmlns:a16="http://schemas.microsoft.com/office/drawing/2014/main" id="{ED164C79-E745-4E00-B162-C077CEB94B3D}"/>
+                <a16:creationId xmlns="" xmlns:a16="http://schemas.microsoft.com/office/drawing/2014/main" id="{ED164C79-E745-4E00-B162-C077CEB94B3D}"/>
               </a:ext>
             </a:extLst>
           </p:cNvPr>
@@ -16629,7 +16610,7 @@
           <p:cNvPr id="346" name="Shape 248">
             <a:extLst>
               <a:ext uri="{FF2B5EF4-FFF2-40B4-BE49-F238E27FC236}">
-                <a16:creationId xmlns:a16="http://schemas.microsoft.com/office/drawing/2014/main" id="{AB025B75-CA82-4738-9584-661FF1F9AFC7}"/>
+                <a16:creationId xmlns="" xmlns:a16="http://schemas.microsoft.com/office/drawing/2014/main" id="{AB025B75-CA82-4738-9584-661FF1F9AFC7}"/>
               </a:ext>
             </a:extLst>
           </p:cNvPr>
@@ -16674,7 +16655,7 @@
           <p:cNvPr id="348" name="Прямоугольник 347">
             <a:extLst>
               <a:ext uri="{FF2B5EF4-FFF2-40B4-BE49-F238E27FC236}">
-                <a16:creationId xmlns:a16="http://schemas.microsoft.com/office/drawing/2014/main" id="{D55A3798-78DE-4AEA-B65A-44853BA63CDC}"/>
+                <a16:creationId xmlns="" xmlns:a16="http://schemas.microsoft.com/office/drawing/2014/main" id="{D55A3798-78DE-4AEA-B65A-44853BA63CDC}"/>
               </a:ext>
             </a:extLst>
           </p:cNvPr>
@@ -16729,7 +16710,7 @@
           <p:cNvPr id="349" name="Shape 248">
             <a:extLst>
               <a:ext uri="{FF2B5EF4-FFF2-40B4-BE49-F238E27FC236}">
-                <a16:creationId xmlns:a16="http://schemas.microsoft.com/office/drawing/2014/main" id="{0D3B46AE-B282-44B8-8A12-4E5EECB02E66}"/>
+                <a16:creationId xmlns="" xmlns:a16="http://schemas.microsoft.com/office/drawing/2014/main" id="{0D3B46AE-B282-44B8-8A12-4E5EECB02E66}"/>
               </a:ext>
             </a:extLst>
           </p:cNvPr>
@@ -16774,7 +16755,7 @@
           <p:cNvPr id="291" name="Прямоугольник 290">
             <a:extLst>
               <a:ext uri="{FF2B5EF4-FFF2-40B4-BE49-F238E27FC236}">
-                <a16:creationId xmlns:a16="http://schemas.microsoft.com/office/drawing/2014/main" id="{BBE97868-F913-4A04-B315-FFBD7C869FB8}"/>
+                <a16:creationId xmlns="" xmlns:a16="http://schemas.microsoft.com/office/drawing/2014/main" id="{BBE97868-F913-4A04-B315-FFBD7C869FB8}"/>
               </a:ext>
             </a:extLst>
           </p:cNvPr>
@@ -16823,7 +16804,7 @@
           <p:cNvPr id="293" name="Прямоугольник 292">
             <a:extLst>
               <a:ext uri="{FF2B5EF4-FFF2-40B4-BE49-F238E27FC236}">
-                <a16:creationId xmlns:a16="http://schemas.microsoft.com/office/drawing/2014/main" id="{19E19291-2883-482A-9158-780CCDD02818}"/>
+                <a16:creationId xmlns="" xmlns:a16="http://schemas.microsoft.com/office/drawing/2014/main" id="{19E19291-2883-482A-9158-780CCDD02818}"/>
               </a:ext>
             </a:extLst>
           </p:cNvPr>
@@ -16875,7 +16856,7 @@
           <p:cNvPr id="356" name="Прямоугольник 355">
             <a:extLst>
               <a:ext uri="{FF2B5EF4-FFF2-40B4-BE49-F238E27FC236}">
-                <a16:creationId xmlns:a16="http://schemas.microsoft.com/office/drawing/2014/main" id="{F30D2F31-8C89-4480-AD61-A748CEF20503}"/>
+                <a16:creationId xmlns="" xmlns:a16="http://schemas.microsoft.com/office/drawing/2014/main" id="{F30D2F31-8C89-4480-AD61-A748CEF20503}"/>
               </a:ext>
             </a:extLst>
           </p:cNvPr>
@@ -16927,7 +16908,7 @@
           <p:cNvPr id="357" name="Прямоугольник 356">
             <a:extLst>
               <a:ext uri="{FF2B5EF4-FFF2-40B4-BE49-F238E27FC236}">
-                <a16:creationId xmlns:a16="http://schemas.microsoft.com/office/drawing/2014/main" id="{2FEA859D-10FB-4DAA-9DBD-D0DC7593E82F}"/>
+                <a16:creationId xmlns="" xmlns:a16="http://schemas.microsoft.com/office/drawing/2014/main" id="{2FEA859D-10FB-4DAA-9DBD-D0DC7593E82F}"/>
               </a:ext>
             </a:extLst>
           </p:cNvPr>
@@ -16979,7 +16960,7 @@
           <p:cNvPr id="360" name="Прямоугольник 359">
             <a:extLst>
               <a:ext uri="{FF2B5EF4-FFF2-40B4-BE49-F238E27FC236}">
-                <a16:creationId xmlns:a16="http://schemas.microsoft.com/office/drawing/2014/main" id="{1151439D-42B9-4DDC-B179-24BAE7966164}"/>
+                <a16:creationId xmlns="" xmlns:a16="http://schemas.microsoft.com/office/drawing/2014/main" id="{1151439D-42B9-4DDC-B179-24BAE7966164}"/>
               </a:ext>
             </a:extLst>
           </p:cNvPr>
@@ -17031,7 +17012,7 @@
           <p:cNvPr id="365" name="Shape 248">
             <a:extLst>
               <a:ext uri="{FF2B5EF4-FFF2-40B4-BE49-F238E27FC236}">
-                <a16:creationId xmlns:a16="http://schemas.microsoft.com/office/drawing/2014/main" id="{A31771CB-5275-4C25-86A3-AEC450D8ADA5}"/>
+                <a16:creationId xmlns="" xmlns:a16="http://schemas.microsoft.com/office/drawing/2014/main" id="{A31771CB-5275-4C25-86A3-AEC450D8ADA5}"/>
               </a:ext>
             </a:extLst>
           </p:cNvPr>
@@ -17076,7 +17057,7 @@
           <p:cNvPr id="366" name="Shape 248">
             <a:extLst>
               <a:ext uri="{FF2B5EF4-FFF2-40B4-BE49-F238E27FC236}">
-                <a16:creationId xmlns:a16="http://schemas.microsoft.com/office/drawing/2014/main" id="{0B92EA90-7AF8-459E-B3F8-E86651C88809}"/>
+                <a16:creationId xmlns="" xmlns:a16="http://schemas.microsoft.com/office/drawing/2014/main" id="{0B92EA90-7AF8-459E-B3F8-E86651C88809}"/>
               </a:ext>
             </a:extLst>
           </p:cNvPr>
@@ -17121,7 +17102,7 @@
           <p:cNvPr id="367" name="Shape 248">
             <a:extLst>
               <a:ext uri="{FF2B5EF4-FFF2-40B4-BE49-F238E27FC236}">
-                <a16:creationId xmlns:a16="http://schemas.microsoft.com/office/drawing/2014/main" id="{E0B58690-7BFB-4341-9B0B-D2CF51567296}"/>
+                <a16:creationId xmlns="" xmlns:a16="http://schemas.microsoft.com/office/drawing/2014/main" id="{E0B58690-7BFB-4341-9B0B-D2CF51567296}"/>
               </a:ext>
             </a:extLst>
           </p:cNvPr>
@@ -17167,7 +17148,7 @@
           <p:cNvPr id="368" name="Shape 248">
             <a:extLst>
               <a:ext uri="{FF2B5EF4-FFF2-40B4-BE49-F238E27FC236}">
-                <a16:creationId xmlns:a16="http://schemas.microsoft.com/office/drawing/2014/main" id="{A0D9E41C-B9B6-4B98-AA22-DCB7343A00A2}"/>
+                <a16:creationId xmlns="" xmlns:a16="http://schemas.microsoft.com/office/drawing/2014/main" id="{A0D9E41C-B9B6-4B98-AA22-DCB7343A00A2}"/>
               </a:ext>
             </a:extLst>
           </p:cNvPr>
@@ -17213,7 +17194,7 @@
           <p:cNvPr id="371" name="Прямоугольник 370">
             <a:extLst>
               <a:ext uri="{FF2B5EF4-FFF2-40B4-BE49-F238E27FC236}">
-                <a16:creationId xmlns:a16="http://schemas.microsoft.com/office/drawing/2014/main" id="{6589CDF3-EA74-4502-BEF2-691BB87A46C4}"/>
+                <a16:creationId xmlns="" xmlns:a16="http://schemas.microsoft.com/office/drawing/2014/main" id="{6589CDF3-EA74-4502-BEF2-691BB87A46C4}"/>
               </a:ext>
             </a:extLst>
           </p:cNvPr>
@@ -17270,7 +17251,7 @@
           <p:cNvPr id="373" name="Прямоугольник 372">
             <a:extLst>
               <a:ext uri="{FF2B5EF4-FFF2-40B4-BE49-F238E27FC236}">
-                <a16:creationId xmlns:a16="http://schemas.microsoft.com/office/drawing/2014/main" id="{2FC2B334-CF25-4EFB-958E-A3877D34A5B4}"/>
+                <a16:creationId xmlns="" xmlns:a16="http://schemas.microsoft.com/office/drawing/2014/main" id="{2FC2B334-CF25-4EFB-958E-A3877D34A5B4}"/>
               </a:ext>
             </a:extLst>
           </p:cNvPr>
@@ -17319,7 +17300,7 @@
           <p:cNvPr id="383" name="Прямоугольник 382">
             <a:extLst>
               <a:ext uri="{FF2B5EF4-FFF2-40B4-BE49-F238E27FC236}">
-                <a16:creationId xmlns:a16="http://schemas.microsoft.com/office/drawing/2014/main" id="{74E3C8C4-8719-4232-8983-702495896567}"/>
+                <a16:creationId xmlns="" xmlns:a16="http://schemas.microsoft.com/office/drawing/2014/main" id="{74E3C8C4-8719-4232-8983-702495896567}"/>
               </a:ext>
             </a:extLst>
           </p:cNvPr>
@@ -17368,7 +17349,7 @@
           <p:cNvPr id="384" name="Прямоугольник 383">
             <a:extLst>
               <a:ext uri="{FF2B5EF4-FFF2-40B4-BE49-F238E27FC236}">
-                <a16:creationId xmlns:a16="http://schemas.microsoft.com/office/drawing/2014/main" id="{34CBEC2C-B29B-4008-BB32-C0D97A96B6A4}"/>
+                <a16:creationId xmlns="" xmlns:a16="http://schemas.microsoft.com/office/drawing/2014/main" id="{34CBEC2C-B29B-4008-BB32-C0D97A96B6A4}"/>
               </a:ext>
             </a:extLst>
           </p:cNvPr>
@@ -17417,7 +17398,7 @@
           <p:cNvPr id="385" name="Прямоугольник 384">
             <a:extLst>
               <a:ext uri="{FF2B5EF4-FFF2-40B4-BE49-F238E27FC236}">
-                <a16:creationId xmlns:a16="http://schemas.microsoft.com/office/drawing/2014/main" id="{F6212F07-8BD3-444F-ADFF-B5C47CFD3244}"/>
+                <a16:creationId xmlns="" xmlns:a16="http://schemas.microsoft.com/office/drawing/2014/main" id="{F6212F07-8BD3-444F-ADFF-B5C47CFD3244}"/>
               </a:ext>
             </a:extLst>
           </p:cNvPr>
@@ -17466,7 +17447,7 @@
           <p:cNvPr id="387" name="Прямоугольник 386">
             <a:extLst>
               <a:ext uri="{FF2B5EF4-FFF2-40B4-BE49-F238E27FC236}">
-                <a16:creationId xmlns:a16="http://schemas.microsoft.com/office/drawing/2014/main" id="{98064EED-8B9F-4A13-90EE-26802E23532C}"/>
+                <a16:creationId xmlns="" xmlns:a16="http://schemas.microsoft.com/office/drawing/2014/main" id="{98064EED-8B9F-4A13-90EE-26802E23532C}"/>
               </a:ext>
             </a:extLst>
           </p:cNvPr>
@@ -17515,7 +17496,7 @@
           <p:cNvPr id="393" name="Прямоугольник 392">
             <a:extLst>
               <a:ext uri="{FF2B5EF4-FFF2-40B4-BE49-F238E27FC236}">
-                <a16:creationId xmlns:a16="http://schemas.microsoft.com/office/drawing/2014/main" id="{7D821894-30E4-4D16-B7A3-4288BF3A8DD5}"/>
+                <a16:creationId xmlns="" xmlns:a16="http://schemas.microsoft.com/office/drawing/2014/main" id="{7D821894-30E4-4D16-B7A3-4288BF3A8DD5}"/>
               </a:ext>
             </a:extLst>
           </p:cNvPr>
@@ -17564,7 +17545,7 @@
           <p:cNvPr id="394" name="Прямоугольник 393">
             <a:extLst>
               <a:ext uri="{FF2B5EF4-FFF2-40B4-BE49-F238E27FC236}">
-                <a16:creationId xmlns:a16="http://schemas.microsoft.com/office/drawing/2014/main" id="{85C37AE4-8F03-4A08-9707-A3ADEC64EC29}"/>
+                <a16:creationId xmlns="" xmlns:a16="http://schemas.microsoft.com/office/drawing/2014/main" id="{85C37AE4-8F03-4A08-9707-A3ADEC64EC29}"/>
               </a:ext>
             </a:extLst>
           </p:cNvPr>
@@ -17613,7 +17594,7 @@
           <p:cNvPr id="395" name="Прямая соединительная линия 394">
             <a:extLst>
               <a:ext uri="{FF2B5EF4-FFF2-40B4-BE49-F238E27FC236}">
-                <a16:creationId xmlns:a16="http://schemas.microsoft.com/office/drawing/2014/main" id="{EA678973-43FE-47C6-B2EF-08BFA8BDCB5C}"/>
+                <a16:creationId xmlns="" xmlns:a16="http://schemas.microsoft.com/office/drawing/2014/main" id="{EA678973-43FE-47C6-B2EF-08BFA8BDCB5C}"/>
               </a:ext>
             </a:extLst>
           </p:cNvPr>
@@ -17658,7 +17639,7 @@
           <p:cNvPr id="396" name="Прямая соединительная линия 395">
             <a:extLst>
               <a:ext uri="{FF2B5EF4-FFF2-40B4-BE49-F238E27FC236}">
-                <a16:creationId xmlns:a16="http://schemas.microsoft.com/office/drawing/2014/main" id="{E8A01847-02CC-4C2D-B6D4-08D7E256ABCB}"/>
+                <a16:creationId xmlns="" xmlns:a16="http://schemas.microsoft.com/office/drawing/2014/main" id="{E8A01847-02CC-4C2D-B6D4-08D7E256ABCB}"/>
               </a:ext>
             </a:extLst>
           </p:cNvPr>
@@ -17703,7 +17684,7 @@
           <p:cNvPr id="397" name="Прямая соединительная линия 396">
             <a:extLst>
               <a:ext uri="{FF2B5EF4-FFF2-40B4-BE49-F238E27FC236}">
-                <a16:creationId xmlns:a16="http://schemas.microsoft.com/office/drawing/2014/main" id="{1BE9E3DD-A17F-40ED-BBBC-532AEDB0BD61}"/>
+                <a16:creationId xmlns="" xmlns:a16="http://schemas.microsoft.com/office/drawing/2014/main" id="{1BE9E3DD-A17F-40ED-BBBC-532AEDB0BD61}"/>
               </a:ext>
             </a:extLst>
           </p:cNvPr>
@@ -17748,7 +17729,7 @@
           <p:cNvPr id="398" name="Shape 248">
             <a:extLst>
               <a:ext uri="{FF2B5EF4-FFF2-40B4-BE49-F238E27FC236}">
-                <a16:creationId xmlns:a16="http://schemas.microsoft.com/office/drawing/2014/main" id="{EC82461A-7A55-41A3-80AF-7A628CA5F8E5}"/>
+                <a16:creationId xmlns="" xmlns:a16="http://schemas.microsoft.com/office/drawing/2014/main" id="{EC82461A-7A55-41A3-80AF-7A628CA5F8E5}"/>
               </a:ext>
             </a:extLst>
           </p:cNvPr>
@@ -17793,7 +17774,7 @@
           <p:cNvPr id="399" name="Shape 248">
             <a:extLst>
               <a:ext uri="{FF2B5EF4-FFF2-40B4-BE49-F238E27FC236}">
-                <a16:creationId xmlns:a16="http://schemas.microsoft.com/office/drawing/2014/main" id="{04663475-868B-4441-B2AC-AFF94DAC204A}"/>
+                <a16:creationId xmlns="" xmlns:a16="http://schemas.microsoft.com/office/drawing/2014/main" id="{04663475-868B-4441-B2AC-AFF94DAC204A}"/>
               </a:ext>
             </a:extLst>
           </p:cNvPr>
@@ -17838,7 +17819,7 @@
           <p:cNvPr id="400" name="Прямоугольник 399">
             <a:extLst>
               <a:ext uri="{FF2B5EF4-FFF2-40B4-BE49-F238E27FC236}">
-                <a16:creationId xmlns:a16="http://schemas.microsoft.com/office/drawing/2014/main" id="{98CB1FCD-D016-4556-A623-C25C9F69458D}"/>
+                <a16:creationId xmlns="" xmlns:a16="http://schemas.microsoft.com/office/drawing/2014/main" id="{98CB1FCD-D016-4556-A623-C25C9F69458D}"/>
               </a:ext>
             </a:extLst>
           </p:cNvPr>
@@ -17887,7 +17868,7 @@
           <p:cNvPr id="403" name="Shape 248">
             <a:extLst>
               <a:ext uri="{FF2B5EF4-FFF2-40B4-BE49-F238E27FC236}">
-                <a16:creationId xmlns:a16="http://schemas.microsoft.com/office/drawing/2014/main" id="{B3D5614B-64AC-46FA-9641-F98A81F2C35D}"/>
+                <a16:creationId xmlns="" xmlns:a16="http://schemas.microsoft.com/office/drawing/2014/main" id="{B3D5614B-64AC-46FA-9641-F98A81F2C35D}"/>
               </a:ext>
             </a:extLst>
           </p:cNvPr>
@@ -17932,7 +17913,7 @@
           <p:cNvPr id="404" name="Shape 248">
             <a:extLst>
               <a:ext uri="{FF2B5EF4-FFF2-40B4-BE49-F238E27FC236}">
-                <a16:creationId xmlns:a16="http://schemas.microsoft.com/office/drawing/2014/main" id="{58E38658-E864-43E9-A148-A077C3FEA59C}"/>
+                <a16:creationId xmlns="" xmlns:a16="http://schemas.microsoft.com/office/drawing/2014/main" id="{58E38658-E864-43E9-A148-A077C3FEA59C}"/>
               </a:ext>
             </a:extLst>
           </p:cNvPr>
@@ -17977,7 +17958,7 @@
           <p:cNvPr id="406" name="Прямоугольник 405">
             <a:extLst>
               <a:ext uri="{FF2B5EF4-FFF2-40B4-BE49-F238E27FC236}">
-                <a16:creationId xmlns:a16="http://schemas.microsoft.com/office/drawing/2014/main" id="{11D53174-6F15-4B59-9C87-AEC60385AFE0}"/>
+                <a16:creationId xmlns="" xmlns:a16="http://schemas.microsoft.com/office/drawing/2014/main" id="{11D53174-6F15-4B59-9C87-AEC60385AFE0}"/>
               </a:ext>
             </a:extLst>
           </p:cNvPr>
@@ -18026,7 +18007,7 @@
           <p:cNvPr id="407" name="Прямоугольник 406">
             <a:extLst>
               <a:ext uri="{FF2B5EF4-FFF2-40B4-BE49-F238E27FC236}">
-                <a16:creationId xmlns:a16="http://schemas.microsoft.com/office/drawing/2014/main" id="{B2BDEA18-D950-4D2A-84E0-6AFC7BFECBD1}"/>
+                <a16:creationId xmlns="" xmlns:a16="http://schemas.microsoft.com/office/drawing/2014/main" id="{B2BDEA18-D950-4D2A-84E0-6AFC7BFECBD1}"/>
               </a:ext>
             </a:extLst>
           </p:cNvPr>
@@ -18075,7 +18056,7 @@
           <p:cNvPr id="408" name="Прямоугольник 407">
             <a:extLst>
               <a:ext uri="{FF2B5EF4-FFF2-40B4-BE49-F238E27FC236}">
-                <a16:creationId xmlns:a16="http://schemas.microsoft.com/office/drawing/2014/main" id="{B510A4A1-0CB1-4B30-877B-8169A826C48F}"/>
+                <a16:creationId xmlns="" xmlns:a16="http://schemas.microsoft.com/office/drawing/2014/main" id="{B510A4A1-0CB1-4B30-877B-8169A826C48F}"/>
               </a:ext>
             </a:extLst>
           </p:cNvPr>
@@ -18124,7 +18105,7 @@
           <p:cNvPr id="409" name="Прямоугольник 408">
             <a:extLst>
               <a:ext uri="{FF2B5EF4-FFF2-40B4-BE49-F238E27FC236}">
-                <a16:creationId xmlns:a16="http://schemas.microsoft.com/office/drawing/2014/main" id="{5B3B97FD-E9A5-466E-B336-C13C2EC33A2A}"/>
+                <a16:creationId xmlns="" xmlns:a16="http://schemas.microsoft.com/office/drawing/2014/main" id="{5B3B97FD-E9A5-466E-B336-C13C2EC33A2A}"/>
               </a:ext>
             </a:extLst>
           </p:cNvPr>
@@ -18173,7 +18154,7 @@
           <p:cNvPr id="410" name="Прямоугольник 409">
             <a:extLst>
               <a:ext uri="{FF2B5EF4-FFF2-40B4-BE49-F238E27FC236}">
-                <a16:creationId xmlns:a16="http://schemas.microsoft.com/office/drawing/2014/main" id="{A6251E2A-62E6-457D-B6AD-4AB5C5F67C14}"/>
+                <a16:creationId xmlns="" xmlns:a16="http://schemas.microsoft.com/office/drawing/2014/main" id="{A6251E2A-62E6-457D-B6AD-4AB5C5F67C14}"/>
               </a:ext>
             </a:extLst>
           </p:cNvPr>
@@ -18222,7 +18203,7 @@
           <p:cNvPr id="411" name="Прямоугольник 410">
             <a:extLst>
               <a:ext uri="{FF2B5EF4-FFF2-40B4-BE49-F238E27FC236}">
-                <a16:creationId xmlns:a16="http://schemas.microsoft.com/office/drawing/2014/main" id="{A810956C-8C81-46CD-82F1-2C73CD6A360D}"/>
+                <a16:creationId xmlns="" xmlns:a16="http://schemas.microsoft.com/office/drawing/2014/main" id="{A810956C-8C81-46CD-82F1-2C73CD6A360D}"/>
               </a:ext>
             </a:extLst>
           </p:cNvPr>
@@ -18271,7 +18252,7 @@
           <p:cNvPr id="412" name="Прямоугольник 411">
             <a:extLst>
               <a:ext uri="{FF2B5EF4-FFF2-40B4-BE49-F238E27FC236}">
-                <a16:creationId xmlns:a16="http://schemas.microsoft.com/office/drawing/2014/main" id="{E013B640-13C2-4561-A980-61EEF4C9936B}"/>
+                <a16:creationId xmlns="" xmlns:a16="http://schemas.microsoft.com/office/drawing/2014/main" id="{E013B640-13C2-4561-A980-61EEF4C9936B}"/>
               </a:ext>
             </a:extLst>
           </p:cNvPr>
@@ -18320,7 +18301,7 @@
           <p:cNvPr id="413" name="Прямоугольник 412">
             <a:extLst>
               <a:ext uri="{FF2B5EF4-FFF2-40B4-BE49-F238E27FC236}">
-                <a16:creationId xmlns:a16="http://schemas.microsoft.com/office/drawing/2014/main" id="{8BB552E8-5927-43C6-9CBE-BD94613D3A4F}"/>
+                <a16:creationId xmlns="" xmlns:a16="http://schemas.microsoft.com/office/drawing/2014/main" id="{8BB552E8-5927-43C6-9CBE-BD94613D3A4F}"/>
               </a:ext>
             </a:extLst>
           </p:cNvPr>
@@ -18369,7 +18350,7 @@
           <p:cNvPr id="414" name="Прямоугольник 413">
             <a:extLst>
               <a:ext uri="{FF2B5EF4-FFF2-40B4-BE49-F238E27FC236}">
-                <a16:creationId xmlns:a16="http://schemas.microsoft.com/office/drawing/2014/main" id="{3B68D7CC-ADC7-45FC-AAC2-C4834B00D8D4}"/>
+                <a16:creationId xmlns="" xmlns:a16="http://schemas.microsoft.com/office/drawing/2014/main" id="{3B68D7CC-ADC7-45FC-AAC2-C4834B00D8D4}"/>
               </a:ext>
             </a:extLst>
           </p:cNvPr>
@@ -18418,7 +18399,7 @@
           <p:cNvPr id="415" name="Прямоугольник 414">
             <a:extLst>
               <a:ext uri="{FF2B5EF4-FFF2-40B4-BE49-F238E27FC236}">
-                <a16:creationId xmlns:a16="http://schemas.microsoft.com/office/drawing/2014/main" id="{0208E2E7-22A1-4E23-AD59-E183A4AB30B4}"/>
+                <a16:creationId xmlns="" xmlns:a16="http://schemas.microsoft.com/office/drawing/2014/main" id="{0208E2E7-22A1-4E23-AD59-E183A4AB30B4}"/>
               </a:ext>
             </a:extLst>
           </p:cNvPr>
@@ -18467,7 +18448,7 @@
           <p:cNvPr id="416" name="Прямоугольник 415">
             <a:extLst>
               <a:ext uri="{FF2B5EF4-FFF2-40B4-BE49-F238E27FC236}">
-                <a16:creationId xmlns:a16="http://schemas.microsoft.com/office/drawing/2014/main" id="{5183ADFB-0CE9-4641-8F3A-B7B41140F3D9}"/>
+                <a16:creationId xmlns="" xmlns:a16="http://schemas.microsoft.com/office/drawing/2014/main" id="{5183ADFB-0CE9-4641-8F3A-B7B41140F3D9}"/>
               </a:ext>
             </a:extLst>
           </p:cNvPr>
@@ -18520,7 +18501,7 @@
           <p:cNvPr id="417" name="Прямоугольник 416">
             <a:extLst>
               <a:ext uri="{FF2B5EF4-FFF2-40B4-BE49-F238E27FC236}">
-                <a16:creationId xmlns:a16="http://schemas.microsoft.com/office/drawing/2014/main" id="{8DAA09BF-0621-4F87-82F3-0F2D1D560DB6}"/>
+                <a16:creationId xmlns="" xmlns:a16="http://schemas.microsoft.com/office/drawing/2014/main" id="{8DAA09BF-0621-4F87-82F3-0F2D1D560DB6}"/>
               </a:ext>
             </a:extLst>
           </p:cNvPr>
@@ -18569,7 +18550,7 @@
           <p:cNvPr id="418" name="Прямоугольник 417">
             <a:extLst>
               <a:ext uri="{FF2B5EF4-FFF2-40B4-BE49-F238E27FC236}">
-                <a16:creationId xmlns:a16="http://schemas.microsoft.com/office/drawing/2014/main" id="{CCF4112B-78CF-44C9-BFC8-E5AE5800A998}"/>
+                <a16:creationId xmlns="" xmlns:a16="http://schemas.microsoft.com/office/drawing/2014/main" id="{CCF4112B-78CF-44C9-BFC8-E5AE5800A998}"/>
               </a:ext>
             </a:extLst>
           </p:cNvPr>
@@ -18630,7 +18611,7 @@
           <p:cNvPr id="419" name="Прямоугольник 418">
             <a:extLst>
               <a:ext uri="{FF2B5EF4-FFF2-40B4-BE49-F238E27FC236}">
-                <a16:creationId xmlns:a16="http://schemas.microsoft.com/office/drawing/2014/main" id="{97EDE762-91A1-4BD2-B3B0-16CF467752B1}"/>
+                <a16:creationId xmlns="" xmlns:a16="http://schemas.microsoft.com/office/drawing/2014/main" id="{97EDE762-91A1-4BD2-B3B0-16CF467752B1}"/>
               </a:ext>
             </a:extLst>
           </p:cNvPr>
@@ -18679,7 +18660,7 @@
           <p:cNvPr id="420" name="Прямоугольник 419">
             <a:extLst>
               <a:ext uri="{FF2B5EF4-FFF2-40B4-BE49-F238E27FC236}">
-                <a16:creationId xmlns:a16="http://schemas.microsoft.com/office/drawing/2014/main" id="{026787F2-46EB-48E7-8A00-39DBCA329709}"/>
+                <a16:creationId xmlns="" xmlns:a16="http://schemas.microsoft.com/office/drawing/2014/main" id="{026787F2-46EB-48E7-8A00-39DBCA329709}"/>
               </a:ext>
             </a:extLst>
           </p:cNvPr>
@@ -18728,7 +18709,7 @@
           <p:cNvPr id="421" name="Прямоугольник 420">
             <a:extLst>
               <a:ext uri="{FF2B5EF4-FFF2-40B4-BE49-F238E27FC236}">
-                <a16:creationId xmlns:a16="http://schemas.microsoft.com/office/drawing/2014/main" id="{F99920BC-5BD7-4AA3-BB90-FD60CF3820C9}"/>
+                <a16:creationId xmlns="" xmlns:a16="http://schemas.microsoft.com/office/drawing/2014/main" id="{F99920BC-5BD7-4AA3-BB90-FD60CF3820C9}"/>
               </a:ext>
             </a:extLst>
           </p:cNvPr>
@@ -18777,7 +18758,7 @@
           <p:cNvPr id="422" name="Прямоугольник 421">
             <a:extLst>
               <a:ext uri="{FF2B5EF4-FFF2-40B4-BE49-F238E27FC236}">
-                <a16:creationId xmlns:a16="http://schemas.microsoft.com/office/drawing/2014/main" id="{C9A6598D-6EBA-41F5-A086-7422F7D1CBBC}"/>
+                <a16:creationId xmlns="" xmlns:a16="http://schemas.microsoft.com/office/drawing/2014/main" id="{C9A6598D-6EBA-41F5-A086-7422F7D1CBBC}"/>
               </a:ext>
             </a:extLst>
           </p:cNvPr>
@@ -18826,7 +18807,7 @@
           <p:cNvPr id="425" name="Shape 248">
             <a:extLst>
               <a:ext uri="{FF2B5EF4-FFF2-40B4-BE49-F238E27FC236}">
-                <a16:creationId xmlns:a16="http://schemas.microsoft.com/office/drawing/2014/main" id="{1C0E1EDA-6112-449B-8D45-E7C72731CCF7}"/>
+                <a16:creationId xmlns="" xmlns:a16="http://schemas.microsoft.com/office/drawing/2014/main" id="{1C0E1EDA-6112-449B-8D45-E7C72731CCF7}"/>
               </a:ext>
             </a:extLst>
           </p:cNvPr>
@@ -18871,7 +18852,7 @@
           <p:cNvPr id="428" name="Shape 248">
             <a:extLst>
               <a:ext uri="{FF2B5EF4-FFF2-40B4-BE49-F238E27FC236}">
-                <a16:creationId xmlns:a16="http://schemas.microsoft.com/office/drawing/2014/main" id="{A1569A00-87C6-4ACC-9C9F-5AE7DDFE889E}"/>
+                <a16:creationId xmlns="" xmlns:a16="http://schemas.microsoft.com/office/drawing/2014/main" id="{A1569A00-87C6-4ACC-9C9F-5AE7DDFE889E}"/>
               </a:ext>
             </a:extLst>
           </p:cNvPr>
@@ -18916,7 +18897,7 @@
           <p:cNvPr id="431" name="Shape 248">
             <a:extLst>
               <a:ext uri="{FF2B5EF4-FFF2-40B4-BE49-F238E27FC236}">
-                <a16:creationId xmlns:a16="http://schemas.microsoft.com/office/drawing/2014/main" id="{56649A38-32E3-4575-AD86-B79539030BD1}"/>
+                <a16:creationId xmlns="" xmlns:a16="http://schemas.microsoft.com/office/drawing/2014/main" id="{56649A38-32E3-4575-AD86-B79539030BD1}"/>
               </a:ext>
             </a:extLst>
           </p:cNvPr>
@@ -18961,7 +18942,7 @@
           <p:cNvPr id="434" name="Shape 248">
             <a:extLst>
               <a:ext uri="{FF2B5EF4-FFF2-40B4-BE49-F238E27FC236}">
-                <a16:creationId xmlns:a16="http://schemas.microsoft.com/office/drawing/2014/main" id="{4393AA00-4777-49B6-A614-A445AD9E48FA}"/>
+                <a16:creationId xmlns="" xmlns:a16="http://schemas.microsoft.com/office/drawing/2014/main" id="{4393AA00-4777-49B6-A614-A445AD9E48FA}"/>
               </a:ext>
             </a:extLst>
           </p:cNvPr>
@@ -19006,7 +18987,7 @@
           <p:cNvPr id="437" name="Shape 248">
             <a:extLst>
               <a:ext uri="{FF2B5EF4-FFF2-40B4-BE49-F238E27FC236}">
-                <a16:creationId xmlns:a16="http://schemas.microsoft.com/office/drawing/2014/main" id="{95CC49D0-1574-4AE3-9C68-91FF8A89FF0B}"/>
+                <a16:creationId xmlns="" xmlns:a16="http://schemas.microsoft.com/office/drawing/2014/main" id="{95CC49D0-1574-4AE3-9C68-91FF8A89FF0B}"/>
               </a:ext>
             </a:extLst>
           </p:cNvPr>
@@ -19051,7 +19032,7 @@
           <p:cNvPr id="440" name="Shape 248">
             <a:extLst>
               <a:ext uri="{FF2B5EF4-FFF2-40B4-BE49-F238E27FC236}">
-                <a16:creationId xmlns:a16="http://schemas.microsoft.com/office/drawing/2014/main" id="{CA5992D2-100E-4BF6-8084-8A327F4990F1}"/>
+                <a16:creationId xmlns="" xmlns:a16="http://schemas.microsoft.com/office/drawing/2014/main" id="{CA5992D2-100E-4BF6-8084-8A327F4990F1}"/>
               </a:ext>
             </a:extLst>
           </p:cNvPr>
@@ -19096,7 +19077,7 @@
           <p:cNvPr id="443" name="Shape 248">
             <a:extLst>
               <a:ext uri="{FF2B5EF4-FFF2-40B4-BE49-F238E27FC236}">
-                <a16:creationId xmlns:a16="http://schemas.microsoft.com/office/drawing/2014/main" id="{75DBBB45-4351-426F-9388-2BEF9986DFAD}"/>
+                <a16:creationId xmlns="" xmlns:a16="http://schemas.microsoft.com/office/drawing/2014/main" id="{75DBBB45-4351-426F-9388-2BEF9986DFAD}"/>
               </a:ext>
             </a:extLst>
           </p:cNvPr>
@@ -19141,7 +19122,7 @@
           <p:cNvPr id="448" name="Прямая со стрелкой 447">
             <a:extLst>
               <a:ext uri="{FF2B5EF4-FFF2-40B4-BE49-F238E27FC236}">
-                <a16:creationId xmlns:a16="http://schemas.microsoft.com/office/drawing/2014/main" id="{D054572B-74CE-49FB-B23F-137ACAB3AA29}"/>
+                <a16:creationId xmlns="" xmlns:a16="http://schemas.microsoft.com/office/drawing/2014/main" id="{D054572B-74CE-49FB-B23F-137ACAB3AA29}"/>
               </a:ext>
             </a:extLst>
           </p:cNvPr>
@@ -19184,7 +19165,7 @@
           <p:cNvPr id="451" name="Прямая со стрелкой 450">
             <a:extLst>
               <a:ext uri="{FF2B5EF4-FFF2-40B4-BE49-F238E27FC236}">
-                <a16:creationId xmlns:a16="http://schemas.microsoft.com/office/drawing/2014/main" id="{2C43F354-059D-4DB0-8721-719221C10B3F}"/>
+                <a16:creationId xmlns="" xmlns:a16="http://schemas.microsoft.com/office/drawing/2014/main" id="{2C43F354-059D-4DB0-8721-719221C10B3F}"/>
               </a:ext>
             </a:extLst>
           </p:cNvPr>
@@ -19227,7 +19208,7 @@
           <p:cNvPr id="454" name="Прямая со стрелкой 453">
             <a:extLst>
               <a:ext uri="{FF2B5EF4-FFF2-40B4-BE49-F238E27FC236}">
-                <a16:creationId xmlns:a16="http://schemas.microsoft.com/office/drawing/2014/main" id="{B6C01A1F-50D4-4C7F-90CA-A7766887112D}"/>
+                <a16:creationId xmlns="" xmlns:a16="http://schemas.microsoft.com/office/drawing/2014/main" id="{B6C01A1F-50D4-4C7F-90CA-A7766887112D}"/>
               </a:ext>
             </a:extLst>
           </p:cNvPr>
@@ -19270,7 +19251,7 @@
           <p:cNvPr id="457" name="Shape 248">
             <a:extLst>
               <a:ext uri="{FF2B5EF4-FFF2-40B4-BE49-F238E27FC236}">
-                <a16:creationId xmlns:a16="http://schemas.microsoft.com/office/drawing/2014/main" id="{585F9789-D5B6-4751-945B-516EC2C58F23}"/>
+                <a16:creationId xmlns="" xmlns:a16="http://schemas.microsoft.com/office/drawing/2014/main" id="{585F9789-D5B6-4751-945B-516EC2C58F23}"/>
               </a:ext>
             </a:extLst>
           </p:cNvPr>
@@ -19315,7 +19296,7 @@
           <p:cNvPr id="460" name="Прямая со стрелкой 459">
             <a:extLst>
               <a:ext uri="{FF2B5EF4-FFF2-40B4-BE49-F238E27FC236}">
-                <a16:creationId xmlns:a16="http://schemas.microsoft.com/office/drawing/2014/main" id="{08C12D7C-36D5-4E12-9188-111687479AB6}"/>
+                <a16:creationId xmlns="" xmlns:a16="http://schemas.microsoft.com/office/drawing/2014/main" id="{08C12D7C-36D5-4E12-9188-111687479AB6}"/>
               </a:ext>
             </a:extLst>
           </p:cNvPr>
@@ -19358,7 +19339,7 @@
           <p:cNvPr id="463" name="Прямая со стрелкой 462">
             <a:extLst>
               <a:ext uri="{FF2B5EF4-FFF2-40B4-BE49-F238E27FC236}">
-                <a16:creationId xmlns:a16="http://schemas.microsoft.com/office/drawing/2014/main" id="{BE6B48E0-57CB-4905-B3CF-5A9AF18FA3F4}"/>
+                <a16:creationId xmlns="" xmlns:a16="http://schemas.microsoft.com/office/drawing/2014/main" id="{BE6B48E0-57CB-4905-B3CF-5A9AF18FA3F4}"/>
               </a:ext>
             </a:extLst>
           </p:cNvPr>
@@ -19401,7 +19382,7 @@
           <p:cNvPr id="470" name="Shape 248">
             <a:extLst>
               <a:ext uri="{FF2B5EF4-FFF2-40B4-BE49-F238E27FC236}">
-                <a16:creationId xmlns:a16="http://schemas.microsoft.com/office/drawing/2014/main" id="{163D0B73-AD3F-45C1-9871-F265D332646A}"/>
+                <a16:creationId xmlns="" xmlns:a16="http://schemas.microsoft.com/office/drawing/2014/main" id="{163D0B73-AD3F-45C1-9871-F265D332646A}"/>
               </a:ext>
             </a:extLst>
           </p:cNvPr>
@@ -19446,7 +19427,7 @@
           <p:cNvPr id="474" name="Shape 248">
             <a:extLst>
               <a:ext uri="{FF2B5EF4-FFF2-40B4-BE49-F238E27FC236}">
-                <a16:creationId xmlns:a16="http://schemas.microsoft.com/office/drawing/2014/main" id="{38B97A0C-CF15-45DB-9FD6-EC725FD84812}"/>
+                <a16:creationId xmlns="" xmlns:a16="http://schemas.microsoft.com/office/drawing/2014/main" id="{38B97A0C-CF15-45DB-9FD6-EC725FD84812}"/>
               </a:ext>
             </a:extLst>
           </p:cNvPr>
@@ -19491,7 +19472,7 @@
           <p:cNvPr id="477" name="Shape 248">
             <a:extLst>
               <a:ext uri="{FF2B5EF4-FFF2-40B4-BE49-F238E27FC236}">
-                <a16:creationId xmlns:a16="http://schemas.microsoft.com/office/drawing/2014/main" id="{E43BDC75-E8C3-42B8-B225-CDFD4A24FC1F}"/>
+                <a16:creationId xmlns="" xmlns:a16="http://schemas.microsoft.com/office/drawing/2014/main" id="{E43BDC75-E8C3-42B8-B225-CDFD4A24FC1F}"/>
               </a:ext>
             </a:extLst>
           </p:cNvPr>
@@ -19536,7 +19517,7 @@
           <p:cNvPr id="480" name="Shape 248">
             <a:extLst>
               <a:ext uri="{FF2B5EF4-FFF2-40B4-BE49-F238E27FC236}">
-                <a16:creationId xmlns:a16="http://schemas.microsoft.com/office/drawing/2014/main" id="{87234C00-795E-4185-BB78-B4DFED59D8D5}"/>
+                <a16:creationId xmlns="" xmlns:a16="http://schemas.microsoft.com/office/drawing/2014/main" id="{87234C00-795E-4185-BB78-B4DFED59D8D5}"/>
               </a:ext>
             </a:extLst>
           </p:cNvPr>
@@ -19581,7 +19562,7 @@
           <p:cNvPr id="483" name="Shape 248">
             <a:extLst>
               <a:ext uri="{FF2B5EF4-FFF2-40B4-BE49-F238E27FC236}">
-                <a16:creationId xmlns:a16="http://schemas.microsoft.com/office/drawing/2014/main" id="{D4CCABE6-97D4-4105-93E9-32A70EB5ACB6}"/>
+                <a16:creationId xmlns="" xmlns:a16="http://schemas.microsoft.com/office/drawing/2014/main" id="{D4CCABE6-97D4-4105-93E9-32A70EB5ACB6}"/>
               </a:ext>
             </a:extLst>
           </p:cNvPr>
@@ -19626,7 +19607,7 @@
           <p:cNvPr id="488" name="Shape 248">
             <a:extLst>
               <a:ext uri="{FF2B5EF4-FFF2-40B4-BE49-F238E27FC236}">
-                <a16:creationId xmlns:a16="http://schemas.microsoft.com/office/drawing/2014/main" id="{04406A94-4D68-4E3B-A185-816972AAD50D}"/>
+                <a16:creationId xmlns="" xmlns:a16="http://schemas.microsoft.com/office/drawing/2014/main" id="{04406A94-4D68-4E3B-A185-816972AAD50D}"/>
               </a:ext>
             </a:extLst>
           </p:cNvPr>
@@ -19672,7 +19653,7 @@
           <p:cNvPr id="491" name="Shape 248">
             <a:extLst>
               <a:ext uri="{FF2B5EF4-FFF2-40B4-BE49-F238E27FC236}">
-                <a16:creationId xmlns:a16="http://schemas.microsoft.com/office/drawing/2014/main" id="{379DA79B-7B03-4CE3-B5C7-7E9C569C7BFF}"/>
+                <a16:creationId xmlns="" xmlns:a16="http://schemas.microsoft.com/office/drawing/2014/main" id="{379DA79B-7B03-4CE3-B5C7-7E9C569C7BFF}"/>
               </a:ext>
             </a:extLst>
           </p:cNvPr>
@@ -19718,7 +19699,7 @@
           <p:cNvPr id="494" name="Shape 248">
             <a:extLst>
               <a:ext uri="{FF2B5EF4-FFF2-40B4-BE49-F238E27FC236}">
-                <a16:creationId xmlns:a16="http://schemas.microsoft.com/office/drawing/2014/main" id="{D41A89F4-AADC-494A-A04C-F120E6B71608}"/>
+                <a16:creationId xmlns="" xmlns:a16="http://schemas.microsoft.com/office/drawing/2014/main" id="{D41A89F4-AADC-494A-A04C-F120E6B71608}"/>
               </a:ext>
             </a:extLst>
           </p:cNvPr>
@@ -19764,7 +19745,7 @@
           <p:cNvPr id="497" name="Shape 248">
             <a:extLst>
               <a:ext uri="{FF2B5EF4-FFF2-40B4-BE49-F238E27FC236}">
-                <a16:creationId xmlns:a16="http://schemas.microsoft.com/office/drawing/2014/main" id="{3687ACE2-F7C0-4ECB-9022-B8221549BF70}"/>
+                <a16:creationId xmlns="" xmlns:a16="http://schemas.microsoft.com/office/drawing/2014/main" id="{3687ACE2-F7C0-4ECB-9022-B8221549BF70}"/>
               </a:ext>
             </a:extLst>
           </p:cNvPr>
@@ -19810,7 +19791,7 @@
           <p:cNvPr id="500" name="Shape 248">
             <a:extLst>
               <a:ext uri="{FF2B5EF4-FFF2-40B4-BE49-F238E27FC236}">
-                <a16:creationId xmlns:a16="http://schemas.microsoft.com/office/drawing/2014/main" id="{592B8110-494B-4B66-B594-90A5E025E9F1}"/>
+                <a16:creationId xmlns="" xmlns:a16="http://schemas.microsoft.com/office/drawing/2014/main" id="{592B8110-494B-4B66-B594-90A5E025E9F1}"/>
               </a:ext>
             </a:extLst>
           </p:cNvPr>
@@ -19855,7 +19836,7 @@
           <p:cNvPr id="505" name="Shape 248">
             <a:extLst>
               <a:ext uri="{FF2B5EF4-FFF2-40B4-BE49-F238E27FC236}">
-                <a16:creationId xmlns:a16="http://schemas.microsoft.com/office/drawing/2014/main" id="{5A4B961B-3733-4129-BC73-3B4C2244B2D4}"/>
+                <a16:creationId xmlns="" xmlns:a16="http://schemas.microsoft.com/office/drawing/2014/main" id="{5A4B961B-3733-4129-BC73-3B4C2244B2D4}"/>
               </a:ext>
             </a:extLst>
           </p:cNvPr>
@@ -19900,7 +19881,7 @@
           <p:cNvPr id="509" name="Shape 248">
             <a:extLst>
               <a:ext uri="{FF2B5EF4-FFF2-40B4-BE49-F238E27FC236}">
-                <a16:creationId xmlns:a16="http://schemas.microsoft.com/office/drawing/2014/main" id="{0E49FC30-7F95-414C-BCF1-C89612144E07}"/>
+                <a16:creationId xmlns="" xmlns:a16="http://schemas.microsoft.com/office/drawing/2014/main" id="{0E49FC30-7F95-414C-BCF1-C89612144E07}"/>
               </a:ext>
             </a:extLst>
           </p:cNvPr>
@@ -19945,7 +19926,7 @@
           <p:cNvPr id="576" name="Прямая со стрелкой 575">
             <a:extLst>
               <a:ext uri="{FF2B5EF4-FFF2-40B4-BE49-F238E27FC236}">
-                <a16:creationId xmlns:a16="http://schemas.microsoft.com/office/drawing/2014/main" id="{9786A1C4-F115-4707-BEB8-7BD45F18AFA1}"/>
+                <a16:creationId xmlns="" xmlns:a16="http://schemas.microsoft.com/office/drawing/2014/main" id="{9786A1C4-F115-4707-BEB8-7BD45F18AFA1}"/>
               </a:ext>
             </a:extLst>
           </p:cNvPr>
@@ -19988,7 +19969,7 @@
           <p:cNvPr id="578" name="Shape 248">
             <a:extLst>
               <a:ext uri="{FF2B5EF4-FFF2-40B4-BE49-F238E27FC236}">
-                <a16:creationId xmlns:a16="http://schemas.microsoft.com/office/drawing/2014/main" id="{79E19F73-D641-4C7A-AA27-959AAEAD578F}"/>
+                <a16:creationId xmlns="" xmlns:a16="http://schemas.microsoft.com/office/drawing/2014/main" id="{79E19F73-D641-4C7A-AA27-959AAEAD578F}"/>
               </a:ext>
             </a:extLst>
           </p:cNvPr>
@@ -20033,7 +20014,7 @@
           <p:cNvPr id="597" name="Прямая со стрелкой 596">
             <a:extLst>
               <a:ext uri="{FF2B5EF4-FFF2-40B4-BE49-F238E27FC236}">
-                <a16:creationId xmlns:a16="http://schemas.microsoft.com/office/drawing/2014/main" id="{EFF7721C-2831-4027-8613-EB301D241B42}"/>
+                <a16:creationId xmlns="" xmlns:a16="http://schemas.microsoft.com/office/drawing/2014/main" id="{EFF7721C-2831-4027-8613-EB301D241B42}"/>
               </a:ext>
             </a:extLst>
           </p:cNvPr>
@@ -20076,7 +20057,7 @@
           <p:cNvPr id="377" name="Shape 248">
             <a:extLst>
               <a:ext uri="{FF2B5EF4-FFF2-40B4-BE49-F238E27FC236}">
-                <a16:creationId xmlns:a16="http://schemas.microsoft.com/office/drawing/2014/main" id="{1BDFD058-3088-4A39-B00D-0D88C5B4D41E}"/>
+                <a16:creationId xmlns="" xmlns:a16="http://schemas.microsoft.com/office/drawing/2014/main" id="{1BDFD058-3088-4A39-B00D-0D88C5B4D41E}"/>
               </a:ext>
             </a:extLst>
           </p:cNvPr>
@@ -20121,7 +20102,7 @@
           <p:cNvPr id="362" name="Прямоугольник 361">
             <a:extLst>
               <a:ext uri="{FF2B5EF4-FFF2-40B4-BE49-F238E27FC236}">
-                <a16:creationId xmlns:a16="http://schemas.microsoft.com/office/drawing/2014/main" id="{33D724F3-BCB9-4419-ABB7-752519A753B4}"/>
+                <a16:creationId xmlns="" xmlns:a16="http://schemas.microsoft.com/office/drawing/2014/main" id="{33D724F3-BCB9-4419-ABB7-752519A753B4}"/>
               </a:ext>
             </a:extLst>
           </p:cNvPr>
@@ -20177,7 +20158,7 @@
           <p:cNvPr id="364" name="Shape 248">
             <a:extLst>
               <a:ext uri="{FF2B5EF4-FFF2-40B4-BE49-F238E27FC236}">
-                <a16:creationId xmlns:a16="http://schemas.microsoft.com/office/drawing/2014/main" id="{9B715593-1715-4A42-91C3-88FE3A615CA3}"/>
+                <a16:creationId xmlns="" xmlns:a16="http://schemas.microsoft.com/office/drawing/2014/main" id="{9B715593-1715-4A42-91C3-88FE3A615CA3}"/>
               </a:ext>
             </a:extLst>
           </p:cNvPr>
@@ -20223,7 +20204,7 @@
           <p:cNvPr id="374" name="Shape 248">
             <a:extLst>
               <a:ext uri="{FF2B5EF4-FFF2-40B4-BE49-F238E27FC236}">
-                <a16:creationId xmlns:a16="http://schemas.microsoft.com/office/drawing/2014/main" id="{66F0B54A-C8E7-4525-B599-B86C61BA3285}"/>
+                <a16:creationId xmlns="" xmlns:a16="http://schemas.microsoft.com/office/drawing/2014/main" id="{66F0B54A-C8E7-4525-B599-B86C61BA3285}"/>
               </a:ext>
             </a:extLst>
           </p:cNvPr>
@@ -20298,7 +20279,7 @@
           <p:cNvPr id="4" name="Прямоугольник 3">
             <a:extLst>
               <a:ext uri="{FF2B5EF4-FFF2-40B4-BE49-F238E27FC236}">
-                <a16:creationId xmlns:a16="http://schemas.microsoft.com/office/drawing/2014/main" id="{1F9C0D72-2B8C-422F-AA1B-75E2613CE527}"/>
+                <a16:creationId xmlns="" xmlns:a16="http://schemas.microsoft.com/office/drawing/2014/main" id="{1F9C0D72-2B8C-422F-AA1B-75E2613CE527}"/>
               </a:ext>
             </a:extLst>
           </p:cNvPr>
@@ -20378,7 +20359,7 @@
           <p:cNvPr id="5" name="Прямоугольник 4">
             <a:extLst>
               <a:ext uri="{FF2B5EF4-FFF2-40B4-BE49-F238E27FC236}">
-                <a16:creationId xmlns:a16="http://schemas.microsoft.com/office/drawing/2014/main" id="{1EEB06B4-DE13-4E69-B6E7-D0359E824360}"/>
+                <a16:creationId xmlns="" xmlns:a16="http://schemas.microsoft.com/office/drawing/2014/main" id="{1EEB06B4-DE13-4E69-B6E7-D0359E824360}"/>
               </a:ext>
             </a:extLst>
           </p:cNvPr>
@@ -20474,7 +20455,7 @@
           <p:cNvPr id="6" name="Shape 248">
             <a:extLst>
               <a:ext uri="{FF2B5EF4-FFF2-40B4-BE49-F238E27FC236}">
-                <a16:creationId xmlns:a16="http://schemas.microsoft.com/office/drawing/2014/main" id="{B234CA33-0C27-440C-A25F-97E99F3EBEA0}"/>
+                <a16:creationId xmlns="" xmlns:a16="http://schemas.microsoft.com/office/drawing/2014/main" id="{B234CA33-0C27-440C-A25F-97E99F3EBEA0}"/>
               </a:ext>
             </a:extLst>
           </p:cNvPr>
@@ -20518,7 +20499,7 @@
           <p:cNvPr id="7" name="Shape 248">
             <a:extLst>
               <a:ext uri="{FF2B5EF4-FFF2-40B4-BE49-F238E27FC236}">
-                <a16:creationId xmlns:a16="http://schemas.microsoft.com/office/drawing/2014/main" id="{9C43B1C8-42BA-4945-AF2A-77ECD434BF3F}"/>
+                <a16:creationId xmlns="" xmlns:a16="http://schemas.microsoft.com/office/drawing/2014/main" id="{9C43B1C8-42BA-4945-AF2A-77ECD434BF3F}"/>
               </a:ext>
             </a:extLst>
           </p:cNvPr>
@@ -20561,7 +20542,7 @@
           <p:cNvPr id="8" name="Прямая со стрелкой 7">
             <a:extLst>
               <a:ext uri="{FF2B5EF4-FFF2-40B4-BE49-F238E27FC236}">
-                <a16:creationId xmlns:a16="http://schemas.microsoft.com/office/drawing/2014/main" id="{A5B1A6DF-B58D-4E00-8DA0-A96D9F0E3C53}"/>
+                <a16:creationId xmlns="" xmlns:a16="http://schemas.microsoft.com/office/drawing/2014/main" id="{A5B1A6DF-B58D-4E00-8DA0-A96D9F0E3C53}"/>
               </a:ext>
             </a:extLst>
           </p:cNvPr>
@@ -20602,7 +20583,7 @@
           <p:cNvPr id="9" name="Прямая соединительная линия 8">
             <a:extLst>
               <a:ext uri="{FF2B5EF4-FFF2-40B4-BE49-F238E27FC236}">
-                <a16:creationId xmlns:a16="http://schemas.microsoft.com/office/drawing/2014/main" id="{021126FA-D9A9-479C-94E2-9B1AF5E5451A}"/>
+                <a16:creationId xmlns="" xmlns:a16="http://schemas.microsoft.com/office/drawing/2014/main" id="{021126FA-D9A9-479C-94E2-9B1AF5E5451A}"/>
               </a:ext>
             </a:extLst>
           </p:cNvPr>
@@ -20647,7 +20628,7 @@
           <p:cNvPr id="10" name="Прямоугольник 9">
             <a:extLst>
               <a:ext uri="{FF2B5EF4-FFF2-40B4-BE49-F238E27FC236}">
-                <a16:creationId xmlns:a16="http://schemas.microsoft.com/office/drawing/2014/main" id="{66B19C8F-C1CF-449B-9FD8-33ABF2ABBEF2}"/>
+                <a16:creationId xmlns="" xmlns:a16="http://schemas.microsoft.com/office/drawing/2014/main" id="{66B19C8F-C1CF-449B-9FD8-33ABF2ABBEF2}"/>
               </a:ext>
             </a:extLst>
           </p:cNvPr>
@@ -20711,7 +20692,7 @@
           <p:cNvPr id="11" name="Прямоугольник 10">
             <a:extLst>
               <a:ext uri="{FF2B5EF4-FFF2-40B4-BE49-F238E27FC236}">
-                <a16:creationId xmlns:a16="http://schemas.microsoft.com/office/drawing/2014/main" id="{79058CB1-7ABF-43FB-AD92-0741BD72F940}"/>
+                <a16:creationId xmlns="" xmlns:a16="http://schemas.microsoft.com/office/drawing/2014/main" id="{79058CB1-7ABF-43FB-AD92-0741BD72F940}"/>
               </a:ext>
             </a:extLst>
           </p:cNvPr>
@@ -20775,7 +20756,7 @@
           <p:cNvPr id="12" name="Прямоугольник 11">
             <a:extLst>
               <a:ext uri="{FF2B5EF4-FFF2-40B4-BE49-F238E27FC236}">
-                <a16:creationId xmlns:a16="http://schemas.microsoft.com/office/drawing/2014/main" id="{98BC2A06-2E3C-4DF7-B51A-82E3CD9D83BE}"/>
+                <a16:creationId xmlns="" xmlns:a16="http://schemas.microsoft.com/office/drawing/2014/main" id="{98BC2A06-2E3C-4DF7-B51A-82E3CD9D83BE}"/>
               </a:ext>
             </a:extLst>
           </p:cNvPr>
@@ -20835,7 +20816,7 @@
           <p:cNvPr id="13" name="Прямоугольник 12">
             <a:extLst>
               <a:ext uri="{FF2B5EF4-FFF2-40B4-BE49-F238E27FC236}">
-                <a16:creationId xmlns:a16="http://schemas.microsoft.com/office/drawing/2014/main" id="{79F30FFD-254C-4994-BCCF-7802FA86095A}"/>
+                <a16:creationId xmlns="" xmlns:a16="http://schemas.microsoft.com/office/drawing/2014/main" id="{79F30FFD-254C-4994-BCCF-7802FA86095A}"/>
               </a:ext>
             </a:extLst>
           </p:cNvPr>
@@ -20899,7 +20880,7 @@
           <p:cNvPr id="16" name="Прямоугольник 15">
             <a:extLst>
               <a:ext uri="{FF2B5EF4-FFF2-40B4-BE49-F238E27FC236}">
-                <a16:creationId xmlns:a16="http://schemas.microsoft.com/office/drawing/2014/main" id="{15A5BF7B-9859-4D99-B8AC-4D91B0C96D00}"/>
+                <a16:creationId xmlns="" xmlns:a16="http://schemas.microsoft.com/office/drawing/2014/main" id="{15A5BF7B-9859-4D99-B8AC-4D91B0C96D00}"/>
               </a:ext>
             </a:extLst>
           </p:cNvPr>
@@ -20963,7 +20944,7 @@
           <p:cNvPr id="17" name="Прямоугольник 16">
             <a:extLst>
               <a:ext uri="{FF2B5EF4-FFF2-40B4-BE49-F238E27FC236}">
-                <a16:creationId xmlns:a16="http://schemas.microsoft.com/office/drawing/2014/main" id="{6F904001-736C-4D47-AD3B-976AAF18B4B5}"/>
+                <a16:creationId xmlns="" xmlns:a16="http://schemas.microsoft.com/office/drawing/2014/main" id="{6F904001-736C-4D47-AD3B-976AAF18B4B5}"/>
               </a:ext>
             </a:extLst>
           </p:cNvPr>
@@ -21039,7 +21020,7 @@
           <p:cNvPr id="23" name="Прямоугольник 22">
             <a:extLst>
               <a:ext uri="{FF2B5EF4-FFF2-40B4-BE49-F238E27FC236}">
-                <a16:creationId xmlns:a16="http://schemas.microsoft.com/office/drawing/2014/main" id="{460B3274-71A8-4E02-BF84-C018D966FCE8}"/>
+                <a16:creationId xmlns="" xmlns:a16="http://schemas.microsoft.com/office/drawing/2014/main" id="{460B3274-71A8-4E02-BF84-C018D966FCE8}"/>
               </a:ext>
             </a:extLst>
           </p:cNvPr>
@@ -21103,7 +21084,7 @@
           <p:cNvPr id="24" name="Прямоугольник 23">
             <a:extLst>
               <a:ext uri="{FF2B5EF4-FFF2-40B4-BE49-F238E27FC236}">
-                <a16:creationId xmlns:a16="http://schemas.microsoft.com/office/drawing/2014/main" id="{8B932D75-8E0B-42AE-9709-A099564F76B0}"/>
+                <a16:creationId xmlns="" xmlns:a16="http://schemas.microsoft.com/office/drawing/2014/main" id="{8B932D75-8E0B-42AE-9709-A099564F76B0}"/>
               </a:ext>
             </a:extLst>
           </p:cNvPr>
@@ -21171,7 +21152,7 @@
           <p:cNvPr id="25" name="Прямоугольник 24">
             <a:extLst>
               <a:ext uri="{FF2B5EF4-FFF2-40B4-BE49-F238E27FC236}">
-                <a16:creationId xmlns:a16="http://schemas.microsoft.com/office/drawing/2014/main" id="{75AC6935-7994-4025-972C-A9B606F1C600}"/>
+                <a16:creationId xmlns="" xmlns:a16="http://schemas.microsoft.com/office/drawing/2014/main" id="{75AC6935-7994-4025-972C-A9B606F1C600}"/>
               </a:ext>
             </a:extLst>
           </p:cNvPr>
@@ -21283,7 +21264,7 @@
           <p:cNvPr id="26" name="Прямоугольник 25">
             <a:extLst>
               <a:ext uri="{FF2B5EF4-FFF2-40B4-BE49-F238E27FC236}">
-                <a16:creationId xmlns:a16="http://schemas.microsoft.com/office/drawing/2014/main" id="{CD50A99F-E1B4-48A5-97DB-ADFEE84EBF5C}"/>
+                <a16:creationId xmlns="" xmlns:a16="http://schemas.microsoft.com/office/drawing/2014/main" id="{CD50A99F-E1B4-48A5-97DB-ADFEE84EBF5C}"/>
               </a:ext>
             </a:extLst>
           </p:cNvPr>
@@ -21347,7 +21328,7 @@
           <p:cNvPr id="27" name="Прямоугольник 26">
             <a:extLst>
               <a:ext uri="{FF2B5EF4-FFF2-40B4-BE49-F238E27FC236}">
-                <a16:creationId xmlns:a16="http://schemas.microsoft.com/office/drawing/2014/main" id="{17F70722-D13D-41F3-BE3E-56DF8747031F}"/>
+                <a16:creationId xmlns="" xmlns:a16="http://schemas.microsoft.com/office/drawing/2014/main" id="{17F70722-D13D-41F3-BE3E-56DF8747031F}"/>
               </a:ext>
             </a:extLst>
           </p:cNvPr>
@@ -21402,7 +21383,7 @@
           <p:cNvPr id="28" name="Прямоугольник 27">
             <a:extLst>
               <a:ext uri="{FF2B5EF4-FFF2-40B4-BE49-F238E27FC236}">
-                <a16:creationId xmlns:a16="http://schemas.microsoft.com/office/drawing/2014/main" id="{E5389385-69EE-48FB-A1DC-B9F4755FB094}"/>
+                <a16:creationId xmlns="" xmlns:a16="http://schemas.microsoft.com/office/drawing/2014/main" id="{E5389385-69EE-48FB-A1DC-B9F4755FB094}"/>
               </a:ext>
             </a:extLst>
           </p:cNvPr>
@@ -21466,7 +21447,7 @@
           <p:cNvPr id="29" name="Прямоугольник 28">
             <a:extLst>
               <a:ext uri="{FF2B5EF4-FFF2-40B4-BE49-F238E27FC236}">
-                <a16:creationId xmlns:a16="http://schemas.microsoft.com/office/drawing/2014/main" id="{ADC16910-B304-4E84-891B-163B651F2E74}"/>
+                <a16:creationId xmlns="" xmlns:a16="http://schemas.microsoft.com/office/drawing/2014/main" id="{ADC16910-B304-4E84-891B-163B651F2E74}"/>
               </a:ext>
             </a:extLst>
           </p:cNvPr>
@@ -21554,7 +21535,7 @@
           <p:cNvPr id="30" name="Прямоугольник 29">
             <a:extLst>
               <a:ext uri="{FF2B5EF4-FFF2-40B4-BE49-F238E27FC236}">
-                <a16:creationId xmlns:a16="http://schemas.microsoft.com/office/drawing/2014/main" id="{8451F12F-5CAE-4431-8EB7-1F746686EB80}"/>
+                <a16:creationId xmlns="" xmlns:a16="http://schemas.microsoft.com/office/drawing/2014/main" id="{8451F12F-5CAE-4431-8EB7-1F746686EB80}"/>
               </a:ext>
             </a:extLst>
           </p:cNvPr>
@@ -21889,7 +21870,7 @@
   <a:extraClrSchemeLst/>
   <a:extLst>
     <a:ext uri="{05A4C25C-085E-4340-85A3-A5531E510DB2}">
-      <thm15:themeFamily xmlns:thm15="http://schemas.microsoft.com/office/thememl/2012/main" name="Office Theme" id="{62F939B6-93AF-4DB8-9C6B-D6C7DFDC589F}" vid="{4A3C46E8-61CC-4603-A589-7422A47A8E4A}"/>
+      <thm15:themeFamily xmlns="" xmlns:thm15="http://schemas.microsoft.com/office/thememl/2012/main" name="Office Theme" id="{62F939B6-93AF-4DB8-9C6B-D6C7DFDC589F}" vid="{4A3C46E8-61CC-4603-A589-7422A47A8E4A}"/>
     </a:ext>
   </a:extLst>
 </a:theme>
@@ -22150,7 +22131,7 @@
   <a:extraClrSchemeLst/>
   <a:extLst>
     <a:ext uri="{05A4C25C-085E-4340-85A3-A5531E510DB2}">
-      <thm15:themeFamily xmlns:thm15="http://schemas.microsoft.com/office/thememl/2012/main" name="Office Theme" id="{62F939B6-93AF-4DB8-9C6B-D6C7DFDC589F}" vid="{4A3C46E8-61CC-4603-A589-7422A47A8E4A}"/>
+      <thm15:themeFamily xmlns="" xmlns:thm15="http://schemas.microsoft.com/office/thememl/2012/main" name="Office Theme" id="{62F939B6-93AF-4DB8-9C6B-D6C7DFDC589F}" vid="{4A3C46E8-61CC-4603-A589-7422A47A8E4A}"/>
     </a:ext>
   </a:extLst>
 </a:theme>

--- a/Наработки/диздоки/ЮАС/ЮАС доработка.pptx
+++ b/Наработки/диздоки/ЮАС/ЮАС доработка.pptx
@@ -110,7 +110,7 @@
   </p:defaultTextStyle>
   <p:extLst>
     <p:ext uri="{EFAFB233-063F-42B5-8137-9DF3F51BA10A}">
-      <p15:sldGuideLst xmlns="" xmlns:p15="http://schemas.microsoft.com/office/powerpoint/2012/main">
+      <p15:sldGuideLst xmlns:p15="http://schemas.microsoft.com/office/powerpoint/2012/main" xmlns="">
         <p15:guide id="1" orient="horz" pos="11344">
           <p15:clr>
             <a:srgbClr val="A4A3A4"/>
@@ -210,7 +210,7 @@
             <a:fld id="{33E3D7F9-E251-484C-A6FF-FA958879DF69}" type="datetimeFigureOut">
               <a:rPr lang="ru-RU" smtClean="0"/>
               <a:pPr/>
-              <a:t>02.11.2023</a:t>
+              <a:t>03.11.2023</a:t>
             </a:fld>
             <a:endParaRPr lang="ru-RU"/>
           </a:p>
@@ -700,7 +700,7 @@
             <a:fld id="{85A5DE44-605B-4D3B-B2B7-94543DF81A36}" type="datetimeFigureOut">
               <a:rPr lang="ru-RU" smtClean="0"/>
               <a:pPr/>
-              <a:t>02.11.2023</a:t>
+              <a:t>03.11.2023</a:t>
             </a:fld>
             <a:endParaRPr lang="ru-RU"/>
           </a:p>
@@ -872,7 +872,7 @@
             <a:fld id="{85A5DE44-605B-4D3B-B2B7-94543DF81A36}" type="datetimeFigureOut">
               <a:rPr lang="ru-RU" smtClean="0"/>
               <a:pPr/>
-              <a:t>02.11.2023</a:t>
+              <a:t>03.11.2023</a:t>
             </a:fld>
             <a:endParaRPr lang="ru-RU"/>
           </a:p>
@@ -1054,7 +1054,7 @@
             <a:fld id="{85A5DE44-605B-4D3B-B2B7-94543DF81A36}" type="datetimeFigureOut">
               <a:rPr lang="ru-RU" smtClean="0"/>
               <a:pPr/>
-              <a:t>02.11.2023</a:t>
+              <a:t>03.11.2023</a:t>
             </a:fld>
             <a:endParaRPr lang="ru-RU"/>
           </a:p>
@@ -1226,7 +1226,7 @@
             <a:fld id="{85A5DE44-605B-4D3B-B2B7-94543DF81A36}" type="datetimeFigureOut">
               <a:rPr lang="ru-RU" smtClean="0"/>
               <a:pPr/>
-              <a:t>02.11.2023</a:t>
+              <a:t>03.11.2023</a:t>
             </a:fld>
             <a:endParaRPr lang="ru-RU"/>
           </a:p>
@@ -1474,7 +1474,7 @@
             <a:fld id="{85A5DE44-605B-4D3B-B2B7-94543DF81A36}" type="datetimeFigureOut">
               <a:rPr lang="ru-RU" smtClean="0"/>
               <a:pPr/>
-              <a:t>02.11.2023</a:t>
+              <a:t>03.11.2023</a:t>
             </a:fld>
             <a:endParaRPr lang="ru-RU"/>
           </a:p>
@@ -1708,7 +1708,7 @@
             <a:fld id="{85A5DE44-605B-4D3B-B2B7-94543DF81A36}" type="datetimeFigureOut">
               <a:rPr lang="ru-RU" smtClean="0"/>
               <a:pPr/>
-              <a:t>02.11.2023</a:t>
+              <a:t>03.11.2023</a:t>
             </a:fld>
             <a:endParaRPr lang="ru-RU"/>
           </a:p>
@@ -2077,7 +2077,7 @@
             <a:fld id="{85A5DE44-605B-4D3B-B2B7-94543DF81A36}" type="datetimeFigureOut">
               <a:rPr lang="ru-RU" smtClean="0"/>
               <a:pPr/>
-              <a:t>02.11.2023</a:t>
+              <a:t>03.11.2023</a:t>
             </a:fld>
             <a:endParaRPr lang="ru-RU"/>
           </a:p>
@@ -2197,7 +2197,7 @@
             <a:fld id="{85A5DE44-605B-4D3B-B2B7-94543DF81A36}" type="datetimeFigureOut">
               <a:rPr lang="ru-RU" smtClean="0"/>
               <a:pPr/>
-              <a:t>02.11.2023</a:t>
+              <a:t>03.11.2023</a:t>
             </a:fld>
             <a:endParaRPr lang="ru-RU"/>
           </a:p>
@@ -2294,7 +2294,7 @@
             <a:fld id="{85A5DE44-605B-4D3B-B2B7-94543DF81A36}" type="datetimeFigureOut">
               <a:rPr lang="ru-RU" smtClean="0"/>
               <a:pPr/>
-              <a:t>02.11.2023</a:t>
+              <a:t>03.11.2023</a:t>
             </a:fld>
             <a:endParaRPr lang="ru-RU"/>
           </a:p>
@@ -2573,7 +2573,7 @@
             <a:fld id="{85A5DE44-605B-4D3B-B2B7-94543DF81A36}" type="datetimeFigureOut">
               <a:rPr lang="ru-RU" smtClean="0"/>
               <a:pPr/>
-              <a:t>02.11.2023</a:t>
+              <a:t>03.11.2023</a:t>
             </a:fld>
             <a:endParaRPr lang="ru-RU"/>
           </a:p>
@@ -2832,7 +2832,7 @@
             <a:fld id="{85A5DE44-605B-4D3B-B2B7-94543DF81A36}" type="datetimeFigureOut">
               <a:rPr lang="ru-RU" smtClean="0"/>
               <a:pPr/>
-              <a:t>02.11.2023</a:t>
+              <a:t>03.11.2023</a:t>
             </a:fld>
             <a:endParaRPr lang="ru-RU"/>
           </a:p>
@@ -3047,7 +3047,7 @@
             <a:fld id="{85A5DE44-605B-4D3B-B2B7-94543DF81A36}" type="datetimeFigureOut">
               <a:rPr lang="ru-RU" smtClean="0"/>
               <a:pPr/>
-              <a:t>02.11.2023</a:t>
+              <a:t>03.11.2023</a:t>
             </a:fld>
             <a:endParaRPr lang="ru-RU"/>
           </a:p>
@@ -3622,7 +3622,7 @@
           <p:cNvPr id="746" name="Прямоугольник 745">
             <a:extLst>
               <a:ext uri="{FF2B5EF4-FFF2-40B4-BE49-F238E27FC236}">
-                <a16:creationId xmlns="" xmlns:a16="http://schemas.microsoft.com/office/drawing/2014/main" id="{5A5C35EB-BF83-444C-A337-D22BC58B37C6}"/>
+                <a16:creationId xmlns:a16="http://schemas.microsoft.com/office/drawing/2014/main" xmlns="" id="{5A5C35EB-BF83-444C-A337-D22BC58B37C6}"/>
               </a:ext>
             </a:extLst>
           </p:cNvPr>
@@ -3671,7 +3671,7 @@
           <p:cNvPr id="749" name="Прямоугольник 748">
             <a:extLst>
               <a:ext uri="{FF2B5EF4-FFF2-40B4-BE49-F238E27FC236}">
-                <a16:creationId xmlns="" xmlns:a16="http://schemas.microsoft.com/office/drawing/2014/main" id="{4D6886D0-A543-4D66-A88B-993D92E2F107}"/>
+                <a16:creationId xmlns:a16="http://schemas.microsoft.com/office/drawing/2014/main" xmlns="" id="{4D6886D0-A543-4D66-A88B-993D92E2F107}"/>
               </a:ext>
             </a:extLst>
           </p:cNvPr>
@@ -3720,7 +3720,7 @@
           <p:cNvPr id="17" name="Прямоугольник 16">
             <a:extLst>
               <a:ext uri="{FF2B5EF4-FFF2-40B4-BE49-F238E27FC236}">
-                <a16:creationId xmlns="" xmlns:a16="http://schemas.microsoft.com/office/drawing/2014/main" id="{2A6F6301-CA97-4EB0-A44D-E7FF27A013B5}"/>
+                <a16:creationId xmlns:a16="http://schemas.microsoft.com/office/drawing/2014/main" xmlns="" id="{2A6F6301-CA97-4EB0-A44D-E7FF27A013B5}"/>
               </a:ext>
             </a:extLst>
           </p:cNvPr>
@@ -3769,7 +3769,7 @@
           <p:cNvPr id="18" name="Прямоугольник 17">
             <a:extLst>
               <a:ext uri="{FF2B5EF4-FFF2-40B4-BE49-F238E27FC236}">
-                <a16:creationId xmlns="" xmlns:a16="http://schemas.microsoft.com/office/drawing/2014/main" id="{221854E5-65A8-4BC0-9062-E1F29DFF7724}"/>
+                <a16:creationId xmlns:a16="http://schemas.microsoft.com/office/drawing/2014/main" xmlns="" id="{221854E5-65A8-4BC0-9062-E1F29DFF7724}"/>
               </a:ext>
             </a:extLst>
           </p:cNvPr>
@@ -3818,7 +3818,7 @@
           <p:cNvPr id="19" name="Прямоугольник 18">
             <a:extLst>
               <a:ext uri="{FF2B5EF4-FFF2-40B4-BE49-F238E27FC236}">
-                <a16:creationId xmlns="" xmlns:a16="http://schemas.microsoft.com/office/drawing/2014/main" id="{033C32B1-7FB5-4427-AC80-41EF0E3274D9}"/>
+                <a16:creationId xmlns:a16="http://schemas.microsoft.com/office/drawing/2014/main" xmlns="" id="{033C32B1-7FB5-4427-AC80-41EF0E3274D9}"/>
               </a:ext>
             </a:extLst>
           </p:cNvPr>
@@ -3867,7 +3867,7 @@
           <p:cNvPr id="20" name="Прямоугольник 19">
             <a:extLst>
               <a:ext uri="{FF2B5EF4-FFF2-40B4-BE49-F238E27FC236}">
-                <a16:creationId xmlns="" xmlns:a16="http://schemas.microsoft.com/office/drawing/2014/main" id="{DE8DA818-D0A4-4747-B22E-8EA433779FBF}"/>
+                <a16:creationId xmlns:a16="http://schemas.microsoft.com/office/drawing/2014/main" xmlns="" id="{DE8DA818-D0A4-4747-B22E-8EA433779FBF}"/>
               </a:ext>
             </a:extLst>
           </p:cNvPr>
@@ -3916,7 +3916,7 @@
           <p:cNvPr id="21" name="Прямоугольник 20">
             <a:extLst>
               <a:ext uri="{FF2B5EF4-FFF2-40B4-BE49-F238E27FC236}">
-                <a16:creationId xmlns="" xmlns:a16="http://schemas.microsoft.com/office/drawing/2014/main" id="{CC1F0354-3AC0-4BAF-B8BB-C910E7C4A5D6}"/>
+                <a16:creationId xmlns:a16="http://schemas.microsoft.com/office/drawing/2014/main" xmlns="" id="{CC1F0354-3AC0-4BAF-B8BB-C910E7C4A5D6}"/>
               </a:ext>
             </a:extLst>
           </p:cNvPr>
@@ -3965,7 +3965,7 @@
           <p:cNvPr id="22" name="Прямоугольник 21">
             <a:extLst>
               <a:ext uri="{FF2B5EF4-FFF2-40B4-BE49-F238E27FC236}">
-                <a16:creationId xmlns="" xmlns:a16="http://schemas.microsoft.com/office/drawing/2014/main" id="{626AB241-048C-4E7B-8C47-DD836E054087}"/>
+                <a16:creationId xmlns:a16="http://schemas.microsoft.com/office/drawing/2014/main" xmlns="" id="{626AB241-048C-4E7B-8C47-DD836E054087}"/>
               </a:ext>
             </a:extLst>
           </p:cNvPr>
@@ -4014,7 +4014,7 @@
           <p:cNvPr id="23" name="Прямоугольник 22">
             <a:extLst>
               <a:ext uri="{FF2B5EF4-FFF2-40B4-BE49-F238E27FC236}">
-                <a16:creationId xmlns="" xmlns:a16="http://schemas.microsoft.com/office/drawing/2014/main" id="{3E58D11B-FF28-4315-BCA2-A769980F1758}"/>
+                <a16:creationId xmlns:a16="http://schemas.microsoft.com/office/drawing/2014/main" xmlns="" id="{3E58D11B-FF28-4315-BCA2-A769980F1758}"/>
               </a:ext>
             </a:extLst>
           </p:cNvPr>
@@ -4063,7 +4063,7 @@
           <p:cNvPr id="24" name="Прямоугольник 23">
             <a:extLst>
               <a:ext uri="{FF2B5EF4-FFF2-40B4-BE49-F238E27FC236}">
-                <a16:creationId xmlns="" xmlns:a16="http://schemas.microsoft.com/office/drawing/2014/main" id="{35D89978-ED38-4BF1-8A1D-667372754781}"/>
+                <a16:creationId xmlns:a16="http://schemas.microsoft.com/office/drawing/2014/main" xmlns="" id="{35D89978-ED38-4BF1-8A1D-667372754781}"/>
               </a:ext>
             </a:extLst>
           </p:cNvPr>
@@ -4112,7 +4112,7 @@
           <p:cNvPr id="25" name="Прямоугольник 24">
             <a:extLst>
               <a:ext uri="{FF2B5EF4-FFF2-40B4-BE49-F238E27FC236}">
-                <a16:creationId xmlns="" xmlns:a16="http://schemas.microsoft.com/office/drawing/2014/main" id="{771F1D95-8056-47E0-8042-78976D883C77}"/>
+                <a16:creationId xmlns:a16="http://schemas.microsoft.com/office/drawing/2014/main" xmlns="" id="{771F1D95-8056-47E0-8042-78976D883C77}"/>
               </a:ext>
             </a:extLst>
           </p:cNvPr>
@@ -4161,7 +4161,7 @@
           <p:cNvPr id="26" name="Прямоугольник 25">
             <a:extLst>
               <a:ext uri="{FF2B5EF4-FFF2-40B4-BE49-F238E27FC236}">
-                <a16:creationId xmlns="" xmlns:a16="http://schemas.microsoft.com/office/drawing/2014/main" id="{9F9C69CF-CC3F-47D0-B213-FA599973B24B}"/>
+                <a16:creationId xmlns:a16="http://schemas.microsoft.com/office/drawing/2014/main" xmlns="" id="{9F9C69CF-CC3F-47D0-B213-FA599973B24B}"/>
               </a:ext>
             </a:extLst>
           </p:cNvPr>
@@ -4214,7 +4214,7 @@
           <p:cNvPr id="28" name="Прямоугольник 27">
             <a:extLst>
               <a:ext uri="{FF2B5EF4-FFF2-40B4-BE49-F238E27FC236}">
-                <a16:creationId xmlns="" xmlns:a16="http://schemas.microsoft.com/office/drawing/2014/main" id="{3D69AD52-26EA-4816-8BCF-6D9B1B889307}"/>
+                <a16:creationId xmlns:a16="http://schemas.microsoft.com/office/drawing/2014/main" xmlns="" id="{3D69AD52-26EA-4816-8BCF-6D9B1B889307}"/>
               </a:ext>
             </a:extLst>
           </p:cNvPr>
@@ -4263,7 +4263,7 @@
           <p:cNvPr id="29" name="Прямоугольник 28">
             <a:extLst>
               <a:ext uri="{FF2B5EF4-FFF2-40B4-BE49-F238E27FC236}">
-                <a16:creationId xmlns="" xmlns:a16="http://schemas.microsoft.com/office/drawing/2014/main" id="{792B2C5D-D74D-4FB3-8B78-C7BCC7046C90}"/>
+                <a16:creationId xmlns:a16="http://schemas.microsoft.com/office/drawing/2014/main" xmlns="" id="{792B2C5D-D74D-4FB3-8B78-C7BCC7046C90}"/>
               </a:ext>
             </a:extLst>
           </p:cNvPr>
@@ -4312,7 +4312,7 @@
           <p:cNvPr id="30" name="Прямоугольник 29">
             <a:extLst>
               <a:ext uri="{FF2B5EF4-FFF2-40B4-BE49-F238E27FC236}">
-                <a16:creationId xmlns="" xmlns:a16="http://schemas.microsoft.com/office/drawing/2014/main" id="{9EE84AD7-C133-4B21-8162-048600DC6053}"/>
+                <a16:creationId xmlns:a16="http://schemas.microsoft.com/office/drawing/2014/main" xmlns="" id="{9EE84AD7-C133-4B21-8162-048600DC6053}"/>
               </a:ext>
             </a:extLst>
           </p:cNvPr>
@@ -4361,7 +4361,7 @@
           <p:cNvPr id="31" name="Прямоугольник 30">
             <a:extLst>
               <a:ext uri="{FF2B5EF4-FFF2-40B4-BE49-F238E27FC236}">
-                <a16:creationId xmlns="" xmlns:a16="http://schemas.microsoft.com/office/drawing/2014/main" id="{BAE0D071-9F16-46A2-A3C7-D4043769D316}"/>
+                <a16:creationId xmlns:a16="http://schemas.microsoft.com/office/drawing/2014/main" xmlns="" id="{BAE0D071-9F16-46A2-A3C7-D4043769D316}"/>
               </a:ext>
             </a:extLst>
           </p:cNvPr>
@@ -4417,7 +4417,7 @@
           <p:cNvPr id="32" name="Прямоугольник 31">
             <a:extLst>
               <a:ext uri="{FF2B5EF4-FFF2-40B4-BE49-F238E27FC236}">
-                <a16:creationId xmlns="" xmlns:a16="http://schemas.microsoft.com/office/drawing/2014/main" id="{3FA86464-4A7A-4479-B421-35E994E3C985}"/>
+                <a16:creationId xmlns:a16="http://schemas.microsoft.com/office/drawing/2014/main" xmlns="" id="{3FA86464-4A7A-4479-B421-35E994E3C985}"/>
               </a:ext>
             </a:extLst>
           </p:cNvPr>
@@ -4466,7 +4466,7 @@
           <p:cNvPr id="36" name="Прямоугольник 35">
             <a:extLst>
               <a:ext uri="{FF2B5EF4-FFF2-40B4-BE49-F238E27FC236}">
-                <a16:creationId xmlns="" xmlns:a16="http://schemas.microsoft.com/office/drawing/2014/main" id="{1DE14A81-2776-4187-BF76-C4A0AB64650B}"/>
+                <a16:creationId xmlns:a16="http://schemas.microsoft.com/office/drawing/2014/main" xmlns="" id="{1DE14A81-2776-4187-BF76-C4A0AB64650B}"/>
               </a:ext>
             </a:extLst>
           </p:cNvPr>
@@ -4515,7 +4515,7 @@
           <p:cNvPr id="37" name="Прямоугольник 36">
             <a:extLst>
               <a:ext uri="{FF2B5EF4-FFF2-40B4-BE49-F238E27FC236}">
-                <a16:creationId xmlns="" xmlns:a16="http://schemas.microsoft.com/office/drawing/2014/main" id="{FBD8229D-379D-4D52-BB0C-76E0E81CD826}"/>
+                <a16:creationId xmlns:a16="http://schemas.microsoft.com/office/drawing/2014/main" xmlns="" id="{FBD8229D-379D-4D52-BB0C-76E0E81CD826}"/>
               </a:ext>
             </a:extLst>
           </p:cNvPr>
@@ -4580,7 +4580,7 @@
           <p:cNvPr id="38" name="Прямоугольник 37">
             <a:extLst>
               <a:ext uri="{FF2B5EF4-FFF2-40B4-BE49-F238E27FC236}">
-                <a16:creationId xmlns="" xmlns:a16="http://schemas.microsoft.com/office/drawing/2014/main" id="{5577797A-63B1-4A4D-BF5F-CE7415CAF008}"/>
+                <a16:creationId xmlns:a16="http://schemas.microsoft.com/office/drawing/2014/main" xmlns="" id="{5577797A-63B1-4A4D-BF5F-CE7415CAF008}"/>
               </a:ext>
             </a:extLst>
           </p:cNvPr>
@@ -4629,7 +4629,7 @@
           <p:cNvPr id="39" name="Прямоугольник 38">
             <a:extLst>
               <a:ext uri="{FF2B5EF4-FFF2-40B4-BE49-F238E27FC236}">
-                <a16:creationId xmlns="" xmlns:a16="http://schemas.microsoft.com/office/drawing/2014/main" id="{EC51DEA3-FD70-4670-A431-295D6B333808}"/>
+                <a16:creationId xmlns:a16="http://schemas.microsoft.com/office/drawing/2014/main" xmlns="" id="{EC51DEA3-FD70-4670-A431-295D6B333808}"/>
               </a:ext>
             </a:extLst>
           </p:cNvPr>
@@ -4684,7 +4684,7 @@
           <p:cNvPr id="40" name="Прямоугольник 39">
             <a:extLst>
               <a:ext uri="{FF2B5EF4-FFF2-40B4-BE49-F238E27FC236}">
-                <a16:creationId xmlns="" xmlns:a16="http://schemas.microsoft.com/office/drawing/2014/main" id="{EA2CA77D-FB8E-4EA3-BD84-AEE2E9318B52}"/>
+                <a16:creationId xmlns:a16="http://schemas.microsoft.com/office/drawing/2014/main" xmlns="" id="{EA2CA77D-FB8E-4EA3-BD84-AEE2E9318B52}"/>
               </a:ext>
             </a:extLst>
           </p:cNvPr>
@@ -4741,7 +4741,7 @@
           <p:cNvPr id="42" name="Прямоугольник 41">
             <a:extLst>
               <a:ext uri="{FF2B5EF4-FFF2-40B4-BE49-F238E27FC236}">
-                <a16:creationId xmlns="" xmlns:a16="http://schemas.microsoft.com/office/drawing/2014/main" id="{BD556DD8-C967-42C9-9A2B-4B9E2DB3097F}"/>
+                <a16:creationId xmlns:a16="http://schemas.microsoft.com/office/drawing/2014/main" xmlns="" id="{BD556DD8-C967-42C9-9A2B-4B9E2DB3097F}"/>
               </a:ext>
             </a:extLst>
           </p:cNvPr>
@@ -4790,7 +4790,7 @@
           <p:cNvPr id="43" name="Прямоугольник 42">
             <a:extLst>
               <a:ext uri="{FF2B5EF4-FFF2-40B4-BE49-F238E27FC236}">
-                <a16:creationId xmlns="" xmlns:a16="http://schemas.microsoft.com/office/drawing/2014/main" id="{645E2E65-98B9-4262-8BA0-E3EE832689F7}"/>
+                <a16:creationId xmlns:a16="http://schemas.microsoft.com/office/drawing/2014/main" xmlns="" id="{645E2E65-98B9-4262-8BA0-E3EE832689F7}"/>
               </a:ext>
             </a:extLst>
           </p:cNvPr>
@@ -4843,7 +4843,7 @@
           <p:cNvPr id="49" name="Shape 248">
             <a:extLst>
               <a:ext uri="{FF2B5EF4-FFF2-40B4-BE49-F238E27FC236}">
-                <a16:creationId xmlns="" xmlns:a16="http://schemas.microsoft.com/office/drawing/2014/main" id="{BD5D228F-210F-458B-89AE-DDE88B49461D}"/>
+                <a16:creationId xmlns:a16="http://schemas.microsoft.com/office/drawing/2014/main" xmlns="" id="{BD5D228F-210F-458B-89AE-DDE88B49461D}"/>
               </a:ext>
             </a:extLst>
           </p:cNvPr>
@@ -4888,7 +4888,7 @@
           <p:cNvPr id="52" name="Прямоугольник 51">
             <a:extLst>
               <a:ext uri="{FF2B5EF4-FFF2-40B4-BE49-F238E27FC236}">
-                <a16:creationId xmlns="" xmlns:a16="http://schemas.microsoft.com/office/drawing/2014/main" id="{46EE00FE-646D-4C1F-A9C8-51C2B2622237}"/>
+                <a16:creationId xmlns:a16="http://schemas.microsoft.com/office/drawing/2014/main" xmlns="" id="{46EE00FE-646D-4C1F-A9C8-51C2B2622237}"/>
               </a:ext>
             </a:extLst>
           </p:cNvPr>
@@ -4937,7 +4937,7 @@
           <p:cNvPr id="55" name="Shape 248">
             <a:extLst>
               <a:ext uri="{FF2B5EF4-FFF2-40B4-BE49-F238E27FC236}">
-                <a16:creationId xmlns="" xmlns:a16="http://schemas.microsoft.com/office/drawing/2014/main" id="{E7E90FE1-73EE-4AA8-B507-2A9427ABD363}"/>
+                <a16:creationId xmlns:a16="http://schemas.microsoft.com/office/drawing/2014/main" xmlns="" id="{E7E90FE1-73EE-4AA8-B507-2A9427ABD363}"/>
               </a:ext>
             </a:extLst>
           </p:cNvPr>
@@ -4982,7 +4982,7 @@
           <p:cNvPr id="58" name="Прямоугольник 57">
             <a:extLst>
               <a:ext uri="{FF2B5EF4-FFF2-40B4-BE49-F238E27FC236}">
-                <a16:creationId xmlns="" xmlns:a16="http://schemas.microsoft.com/office/drawing/2014/main" id="{BEA30B09-C375-448F-862A-864DB922DE93}"/>
+                <a16:creationId xmlns:a16="http://schemas.microsoft.com/office/drawing/2014/main" xmlns="" id="{BEA30B09-C375-448F-862A-864DB922DE93}"/>
               </a:ext>
             </a:extLst>
           </p:cNvPr>
@@ -5047,7 +5047,7 @@
           <p:cNvPr id="61" name="Прямая со стрелкой 60">
             <a:extLst>
               <a:ext uri="{FF2B5EF4-FFF2-40B4-BE49-F238E27FC236}">
-                <a16:creationId xmlns="" xmlns:a16="http://schemas.microsoft.com/office/drawing/2014/main" id="{CCA94CF1-3EF1-4DC8-8583-E856FE0E7B60}"/>
+                <a16:creationId xmlns:a16="http://schemas.microsoft.com/office/drawing/2014/main" xmlns="" id="{CCA94CF1-3EF1-4DC8-8583-E856FE0E7B60}"/>
               </a:ext>
             </a:extLst>
           </p:cNvPr>
@@ -5090,7 +5090,7 @@
           <p:cNvPr id="64" name="Прямая со стрелкой 63">
             <a:extLst>
               <a:ext uri="{FF2B5EF4-FFF2-40B4-BE49-F238E27FC236}">
-                <a16:creationId xmlns="" xmlns:a16="http://schemas.microsoft.com/office/drawing/2014/main" id="{E4E35A0E-E65F-407D-AB83-AA088EBABEBC}"/>
+                <a16:creationId xmlns:a16="http://schemas.microsoft.com/office/drawing/2014/main" xmlns="" id="{E4E35A0E-E65F-407D-AB83-AA088EBABEBC}"/>
               </a:ext>
             </a:extLst>
           </p:cNvPr>
@@ -5133,7 +5133,7 @@
           <p:cNvPr id="67" name="Shape 248">
             <a:extLst>
               <a:ext uri="{FF2B5EF4-FFF2-40B4-BE49-F238E27FC236}">
-                <a16:creationId xmlns="" xmlns:a16="http://schemas.microsoft.com/office/drawing/2014/main" id="{5D4BE53E-DF5C-4E66-B1E7-1885D3B286F1}"/>
+                <a16:creationId xmlns:a16="http://schemas.microsoft.com/office/drawing/2014/main" xmlns="" id="{5D4BE53E-DF5C-4E66-B1E7-1885D3B286F1}"/>
               </a:ext>
             </a:extLst>
           </p:cNvPr>
@@ -5178,7 +5178,7 @@
           <p:cNvPr id="70" name="Shape 248">
             <a:extLst>
               <a:ext uri="{FF2B5EF4-FFF2-40B4-BE49-F238E27FC236}">
-                <a16:creationId xmlns="" xmlns:a16="http://schemas.microsoft.com/office/drawing/2014/main" id="{55A42631-74CA-4086-8355-0D18574FCB06}"/>
+                <a16:creationId xmlns:a16="http://schemas.microsoft.com/office/drawing/2014/main" xmlns="" id="{55A42631-74CA-4086-8355-0D18574FCB06}"/>
               </a:ext>
             </a:extLst>
           </p:cNvPr>
@@ -5223,7 +5223,7 @@
           <p:cNvPr id="73" name="Прямоугольник 72">
             <a:extLst>
               <a:ext uri="{FF2B5EF4-FFF2-40B4-BE49-F238E27FC236}">
-                <a16:creationId xmlns="" xmlns:a16="http://schemas.microsoft.com/office/drawing/2014/main" id="{28846087-0D11-4C41-98D5-FF64F01C8EED}"/>
+                <a16:creationId xmlns:a16="http://schemas.microsoft.com/office/drawing/2014/main" xmlns="" id="{28846087-0D11-4C41-98D5-FF64F01C8EED}"/>
               </a:ext>
             </a:extLst>
           </p:cNvPr>
@@ -5276,7 +5276,7 @@
           <p:cNvPr id="74" name="Прямая со стрелкой 73">
             <a:extLst>
               <a:ext uri="{FF2B5EF4-FFF2-40B4-BE49-F238E27FC236}">
-                <a16:creationId xmlns="" xmlns:a16="http://schemas.microsoft.com/office/drawing/2014/main" id="{76BD4381-1AF6-47C0-9685-3C3F816BB149}"/>
+                <a16:creationId xmlns:a16="http://schemas.microsoft.com/office/drawing/2014/main" xmlns="" id="{76BD4381-1AF6-47C0-9685-3C3F816BB149}"/>
               </a:ext>
             </a:extLst>
           </p:cNvPr>
@@ -5319,7 +5319,7 @@
           <p:cNvPr id="77" name="Прямоугольник 76">
             <a:extLst>
               <a:ext uri="{FF2B5EF4-FFF2-40B4-BE49-F238E27FC236}">
-                <a16:creationId xmlns="" xmlns:a16="http://schemas.microsoft.com/office/drawing/2014/main" id="{25EF6ECF-6406-4EAA-9FFF-5F8B11AAFEEA}"/>
+                <a16:creationId xmlns:a16="http://schemas.microsoft.com/office/drawing/2014/main" xmlns="" id="{25EF6ECF-6406-4EAA-9FFF-5F8B11AAFEEA}"/>
               </a:ext>
             </a:extLst>
           </p:cNvPr>
@@ -5368,7 +5368,7 @@
           <p:cNvPr id="78" name="Прямая со стрелкой 77">
             <a:extLst>
               <a:ext uri="{FF2B5EF4-FFF2-40B4-BE49-F238E27FC236}">
-                <a16:creationId xmlns="" xmlns:a16="http://schemas.microsoft.com/office/drawing/2014/main" id="{6E9786A6-51F2-4C7F-A2C6-9E3184A50EA9}"/>
+                <a16:creationId xmlns:a16="http://schemas.microsoft.com/office/drawing/2014/main" xmlns="" id="{6E9786A6-51F2-4C7F-A2C6-9E3184A50EA9}"/>
               </a:ext>
             </a:extLst>
           </p:cNvPr>
@@ -5411,7 +5411,7 @@
           <p:cNvPr id="81" name="Прямая со стрелкой 80">
             <a:extLst>
               <a:ext uri="{FF2B5EF4-FFF2-40B4-BE49-F238E27FC236}">
-                <a16:creationId xmlns="" xmlns:a16="http://schemas.microsoft.com/office/drawing/2014/main" id="{4803635F-708D-4CBC-A897-0D61B6AA5CE6}"/>
+                <a16:creationId xmlns:a16="http://schemas.microsoft.com/office/drawing/2014/main" xmlns="" id="{4803635F-708D-4CBC-A897-0D61B6AA5CE6}"/>
               </a:ext>
             </a:extLst>
           </p:cNvPr>
@@ -5454,7 +5454,7 @@
           <p:cNvPr id="84" name="Shape 248">
             <a:extLst>
               <a:ext uri="{FF2B5EF4-FFF2-40B4-BE49-F238E27FC236}">
-                <a16:creationId xmlns="" xmlns:a16="http://schemas.microsoft.com/office/drawing/2014/main" id="{700C8A12-2D4F-49EA-86E1-78C48BA648F3}"/>
+                <a16:creationId xmlns:a16="http://schemas.microsoft.com/office/drawing/2014/main" xmlns="" id="{700C8A12-2D4F-49EA-86E1-78C48BA648F3}"/>
               </a:ext>
             </a:extLst>
           </p:cNvPr>
@@ -5499,7 +5499,7 @@
           <p:cNvPr id="87" name="Shape 248">
             <a:extLst>
               <a:ext uri="{FF2B5EF4-FFF2-40B4-BE49-F238E27FC236}">
-                <a16:creationId xmlns="" xmlns:a16="http://schemas.microsoft.com/office/drawing/2014/main" id="{59BFC179-4040-42B9-B9FD-CEBEB4F660EA}"/>
+                <a16:creationId xmlns:a16="http://schemas.microsoft.com/office/drawing/2014/main" xmlns="" id="{59BFC179-4040-42B9-B9FD-CEBEB4F660EA}"/>
               </a:ext>
             </a:extLst>
           </p:cNvPr>
@@ -5544,7 +5544,7 @@
           <p:cNvPr id="90" name="Shape 248">
             <a:extLst>
               <a:ext uri="{FF2B5EF4-FFF2-40B4-BE49-F238E27FC236}">
-                <a16:creationId xmlns="" xmlns:a16="http://schemas.microsoft.com/office/drawing/2014/main" id="{62AA7CF6-F06B-4A00-B8C6-DA4C8C112830}"/>
+                <a16:creationId xmlns:a16="http://schemas.microsoft.com/office/drawing/2014/main" xmlns="" id="{62AA7CF6-F06B-4A00-B8C6-DA4C8C112830}"/>
               </a:ext>
             </a:extLst>
           </p:cNvPr>
@@ -5589,7 +5589,7 @@
           <p:cNvPr id="93" name="Shape 248">
             <a:extLst>
               <a:ext uri="{FF2B5EF4-FFF2-40B4-BE49-F238E27FC236}">
-                <a16:creationId xmlns="" xmlns:a16="http://schemas.microsoft.com/office/drawing/2014/main" id="{1E71622C-0B52-40C2-B2A7-7C300CBE6EA7}"/>
+                <a16:creationId xmlns:a16="http://schemas.microsoft.com/office/drawing/2014/main" xmlns="" id="{1E71622C-0B52-40C2-B2A7-7C300CBE6EA7}"/>
               </a:ext>
             </a:extLst>
           </p:cNvPr>
@@ -5634,7 +5634,7 @@
           <p:cNvPr id="96" name="Shape 248">
             <a:extLst>
               <a:ext uri="{FF2B5EF4-FFF2-40B4-BE49-F238E27FC236}">
-                <a16:creationId xmlns="" xmlns:a16="http://schemas.microsoft.com/office/drawing/2014/main" id="{678CE35A-0F37-49CD-B54A-CAFFF9D4A1F6}"/>
+                <a16:creationId xmlns:a16="http://schemas.microsoft.com/office/drawing/2014/main" xmlns="" id="{678CE35A-0F37-49CD-B54A-CAFFF9D4A1F6}"/>
               </a:ext>
             </a:extLst>
           </p:cNvPr>
@@ -5679,7 +5679,7 @@
           <p:cNvPr id="99" name="Shape 248">
             <a:extLst>
               <a:ext uri="{FF2B5EF4-FFF2-40B4-BE49-F238E27FC236}">
-                <a16:creationId xmlns="" xmlns:a16="http://schemas.microsoft.com/office/drawing/2014/main" id="{E6261722-3108-462A-B217-3F7FD3B0DDFB}"/>
+                <a16:creationId xmlns:a16="http://schemas.microsoft.com/office/drawing/2014/main" xmlns="" id="{E6261722-3108-462A-B217-3F7FD3B0DDFB}"/>
               </a:ext>
             </a:extLst>
           </p:cNvPr>
@@ -5724,7 +5724,7 @@
           <p:cNvPr id="102" name="Shape 248">
             <a:extLst>
               <a:ext uri="{FF2B5EF4-FFF2-40B4-BE49-F238E27FC236}">
-                <a16:creationId xmlns="" xmlns:a16="http://schemas.microsoft.com/office/drawing/2014/main" id="{FD5E7D5A-F053-4AE5-BA18-1275C8A6FF31}"/>
+                <a16:creationId xmlns:a16="http://schemas.microsoft.com/office/drawing/2014/main" xmlns="" id="{FD5E7D5A-F053-4AE5-BA18-1275C8A6FF31}"/>
               </a:ext>
             </a:extLst>
           </p:cNvPr>
@@ -5769,7 +5769,7 @@
           <p:cNvPr id="107" name="Shape 248">
             <a:extLst>
               <a:ext uri="{FF2B5EF4-FFF2-40B4-BE49-F238E27FC236}">
-                <a16:creationId xmlns="" xmlns:a16="http://schemas.microsoft.com/office/drawing/2014/main" id="{FE9E9FAE-0CA2-4071-8287-52722FDADD22}"/>
+                <a16:creationId xmlns:a16="http://schemas.microsoft.com/office/drawing/2014/main" xmlns="" id="{FE9E9FAE-0CA2-4071-8287-52722FDADD22}"/>
               </a:ext>
             </a:extLst>
           </p:cNvPr>
@@ -5815,7 +5815,7 @@
           <p:cNvPr id="110" name="Прямоугольник 109">
             <a:extLst>
               <a:ext uri="{FF2B5EF4-FFF2-40B4-BE49-F238E27FC236}">
-                <a16:creationId xmlns="" xmlns:a16="http://schemas.microsoft.com/office/drawing/2014/main" id="{AF761871-6C13-4546-83B1-02B3391D9F15}"/>
+                <a16:creationId xmlns:a16="http://schemas.microsoft.com/office/drawing/2014/main" xmlns="" id="{AF761871-6C13-4546-83B1-02B3391D9F15}"/>
               </a:ext>
             </a:extLst>
           </p:cNvPr>
@@ -5863,7 +5863,7 @@
           <p:cNvPr id="111" name="Прямоугольник 110">
             <a:extLst>
               <a:ext uri="{FF2B5EF4-FFF2-40B4-BE49-F238E27FC236}">
-                <a16:creationId xmlns="" xmlns:a16="http://schemas.microsoft.com/office/drawing/2014/main" id="{D2CDA8C3-CF75-4C72-93E9-E8DBACEC6530}"/>
+                <a16:creationId xmlns:a16="http://schemas.microsoft.com/office/drawing/2014/main" xmlns="" id="{D2CDA8C3-CF75-4C72-93E9-E8DBACEC6530}"/>
               </a:ext>
             </a:extLst>
           </p:cNvPr>
@@ -5912,7 +5912,7 @@
           <p:cNvPr id="112" name="Прямая со стрелкой 111">
             <a:extLst>
               <a:ext uri="{FF2B5EF4-FFF2-40B4-BE49-F238E27FC236}">
-                <a16:creationId xmlns="" xmlns:a16="http://schemas.microsoft.com/office/drawing/2014/main" id="{F58F84DE-E9C4-4BD7-8748-A78C2F6FD8BF}"/>
+                <a16:creationId xmlns:a16="http://schemas.microsoft.com/office/drawing/2014/main" xmlns="" id="{F58F84DE-E9C4-4BD7-8748-A78C2F6FD8BF}"/>
               </a:ext>
             </a:extLst>
           </p:cNvPr>
@@ -5955,7 +5955,7 @@
           <p:cNvPr id="115" name="Прямая со стрелкой 114">
             <a:extLst>
               <a:ext uri="{FF2B5EF4-FFF2-40B4-BE49-F238E27FC236}">
-                <a16:creationId xmlns="" xmlns:a16="http://schemas.microsoft.com/office/drawing/2014/main" id="{B1276E7E-09F3-4F48-83F0-61AD6A00A2DC}"/>
+                <a16:creationId xmlns:a16="http://schemas.microsoft.com/office/drawing/2014/main" xmlns="" id="{B1276E7E-09F3-4F48-83F0-61AD6A00A2DC}"/>
               </a:ext>
             </a:extLst>
           </p:cNvPr>
@@ -5998,7 +5998,7 @@
           <p:cNvPr id="118" name="Прямоугольник 117">
             <a:extLst>
               <a:ext uri="{FF2B5EF4-FFF2-40B4-BE49-F238E27FC236}">
-                <a16:creationId xmlns="" xmlns:a16="http://schemas.microsoft.com/office/drawing/2014/main" id="{B9B0CFE7-80AC-4244-B88C-C62FC2E3D2AD}"/>
+                <a16:creationId xmlns:a16="http://schemas.microsoft.com/office/drawing/2014/main" xmlns="" id="{B9B0CFE7-80AC-4244-B88C-C62FC2E3D2AD}"/>
               </a:ext>
             </a:extLst>
           </p:cNvPr>
@@ -6055,7 +6055,7 @@
           <p:cNvPr id="122" name="Прямая со стрелкой 121">
             <a:extLst>
               <a:ext uri="{FF2B5EF4-FFF2-40B4-BE49-F238E27FC236}">
-                <a16:creationId xmlns="" xmlns:a16="http://schemas.microsoft.com/office/drawing/2014/main" id="{AFFC3425-EE6E-4A23-8273-1B43F1F5FFD8}"/>
+                <a16:creationId xmlns:a16="http://schemas.microsoft.com/office/drawing/2014/main" xmlns="" id="{AFFC3425-EE6E-4A23-8273-1B43F1F5FFD8}"/>
               </a:ext>
             </a:extLst>
           </p:cNvPr>
@@ -6098,7 +6098,7 @@
           <p:cNvPr id="127" name="Shape 248">
             <a:extLst>
               <a:ext uri="{FF2B5EF4-FFF2-40B4-BE49-F238E27FC236}">
-                <a16:creationId xmlns="" xmlns:a16="http://schemas.microsoft.com/office/drawing/2014/main" id="{1281530A-C1F3-48DD-BF88-2B748908877C}"/>
+                <a16:creationId xmlns:a16="http://schemas.microsoft.com/office/drawing/2014/main" xmlns="" id="{1281530A-C1F3-48DD-BF88-2B748908877C}"/>
               </a:ext>
             </a:extLst>
           </p:cNvPr>
@@ -6143,7 +6143,7 @@
           <p:cNvPr id="130" name="Shape 248">
             <a:extLst>
               <a:ext uri="{FF2B5EF4-FFF2-40B4-BE49-F238E27FC236}">
-                <a16:creationId xmlns="" xmlns:a16="http://schemas.microsoft.com/office/drawing/2014/main" id="{5BC99ECC-6DFA-4AF9-A537-86299940BCE8}"/>
+                <a16:creationId xmlns:a16="http://schemas.microsoft.com/office/drawing/2014/main" xmlns="" id="{5BC99ECC-6DFA-4AF9-A537-86299940BCE8}"/>
               </a:ext>
             </a:extLst>
           </p:cNvPr>
@@ -6188,7 +6188,7 @@
           <p:cNvPr id="71" name="Прямая со стрелкой 70">
             <a:extLst>
               <a:ext uri="{FF2B5EF4-FFF2-40B4-BE49-F238E27FC236}">
-                <a16:creationId xmlns="" xmlns:a16="http://schemas.microsoft.com/office/drawing/2014/main" id="{5D611DF3-BAD3-4686-8234-9390823E265F}"/>
+                <a16:creationId xmlns:a16="http://schemas.microsoft.com/office/drawing/2014/main" xmlns="" id="{5D611DF3-BAD3-4686-8234-9390823E265F}"/>
               </a:ext>
             </a:extLst>
           </p:cNvPr>
@@ -6231,7 +6231,7 @@
           <p:cNvPr id="92" name="Shape 248">
             <a:extLst>
               <a:ext uri="{FF2B5EF4-FFF2-40B4-BE49-F238E27FC236}">
-                <a16:creationId xmlns="" xmlns:a16="http://schemas.microsoft.com/office/drawing/2014/main" id="{09A8D863-1F84-47A3-B5DC-A2A2F04B9107}"/>
+                <a16:creationId xmlns:a16="http://schemas.microsoft.com/office/drawing/2014/main" xmlns="" id="{09A8D863-1F84-47A3-B5DC-A2A2F04B9107}"/>
               </a:ext>
             </a:extLst>
           </p:cNvPr>
@@ -6276,7 +6276,7 @@
           <p:cNvPr id="97" name="Прямая со стрелкой 96">
             <a:extLst>
               <a:ext uri="{FF2B5EF4-FFF2-40B4-BE49-F238E27FC236}">
-                <a16:creationId xmlns="" xmlns:a16="http://schemas.microsoft.com/office/drawing/2014/main" id="{6AE319B6-0D5D-4CAD-8389-B4F846942362}"/>
+                <a16:creationId xmlns:a16="http://schemas.microsoft.com/office/drawing/2014/main" xmlns="" id="{6AE319B6-0D5D-4CAD-8389-B4F846942362}"/>
               </a:ext>
             </a:extLst>
           </p:cNvPr>
@@ -6319,7 +6319,7 @@
           <p:cNvPr id="65" name="Прямоугольник 64">
             <a:extLst>
               <a:ext uri="{FF2B5EF4-FFF2-40B4-BE49-F238E27FC236}">
-                <a16:creationId xmlns="" xmlns:a16="http://schemas.microsoft.com/office/drawing/2014/main" id="{D5C4CE5D-E228-4302-A40B-45607257F566}"/>
+                <a16:creationId xmlns:a16="http://schemas.microsoft.com/office/drawing/2014/main" xmlns="" id="{D5C4CE5D-E228-4302-A40B-45607257F566}"/>
               </a:ext>
             </a:extLst>
           </p:cNvPr>
@@ -6371,7 +6371,7 @@
           <p:cNvPr id="66" name="Прямоугольник 65">
             <a:extLst>
               <a:ext uri="{FF2B5EF4-FFF2-40B4-BE49-F238E27FC236}">
-                <a16:creationId xmlns="" xmlns:a16="http://schemas.microsoft.com/office/drawing/2014/main" id="{9814D52B-042A-4826-B9FB-5E23E9DC90C4}"/>
+                <a16:creationId xmlns:a16="http://schemas.microsoft.com/office/drawing/2014/main" xmlns="" id="{9814D52B-042A-4826-B9FB-5E23E9DC90C4}"/>
               </a:ext>
             </a:extLst>
           </p:cNvPr>
@@ -6423,7 +6423,7 @@
           <p:cNvPr id="69" name="Прямоугольник 68">
             <a:extLst>
               <a:ext uri="{FF2B5EF4-FFF2-40B4-BE49-F238E27FC236}">
-                <a16:creationId xmlns="" xmlns:a16="http://schemas.microsoft.com/office/drawing/2014/main" id="{D1E21AE8-FED8-415A-84BE-CECD9BE7D909}"/>
+                <a16:creationId xmlns:a16="http://schemas.microsoft.com/office/drawing/2014/main" xmlns="" id="{D1E21AE8-FED8-415A-84BE-CECD9BE7D909}"/>
               </a:ext>
             </a:extLst>
           </p:cNvPr>
@@ -6472,7 +6472,7 @@
           <p:cNvPr id="75" name="Прямоугольник 74">
             <a:extLst>
               <a:ext uri="{FF2B5EF4-FFF2-40B4-BE49-F238E27FC236}">
-                <a16:creationId xmlns="" xmlns:a16="http://schemas.microsoft.com/office/drawing/2014/main" id="{FFC663BD-E4F3-4BD7-AB51-03B9E26D051C}"/>
+                <a16:creationId xmlns:a16="http://schemas.microsoft.com/office/drawing/2014/main" xmlns="" id="{FFC663BD-E4F3-4BD7-AB51-03B9E26D051C}"/>
               </a:ext>
             </a:extLst>
           </p:cNvPr>
@@ -6521,7 +6521,7 @@
           <p:cNvPr id="76" name="Прямоугольник 75">
             <a:extLst>
               <a:ext uri="{FF2B5EF4-FFF2-40B4-BE49-F238E27FC236}">
-                <a16:creationId xmlns="" xmlns:a16="http://schemas.microsoft.com/office/drawing/2014/main" id="{81B2F421-1079-4D0D-A355-84D8F52990B6}"/>
+                <a16:creationId xmlns:a16="http://schemas.microsoft.com/office/drawing/2014/main" xmlns="" id="{81B2F421-1079-4D0D-A355-84D8F52990B6}"/>
               </a:ext>
             </a:extLst>
           </p:cNvPr>
@@ -6570,7 +6570,7 @@
           <p:cNvPr id="79" name="Прямоугольник 78">
             <a:extLst>
               <a:ext uri="{FF2B5EF4-FFF2-40B4-BE49-F238E27FC236}">
-                <a16:creationId xmlns="" xmlns:a16="http://schemas.microsoft.com/office/drawing/2014/main" id="{4A880EDB-FD22-487D-A63C-C40C68E73A62}"/>
+                <a16:creationId xmlns:a16="http://schemas.microsoft.com/office/drawing/2014/main" xmlns="" id="{4A880EDB-FD22-487D-A63C-C40C68E73A62}"/>
               </a:ext>
             </a:extLst>
           </p:cNvPr>
@@ -6619,7 +6619,7 @@
           <p:cNvPr id="82" name="Прямоугольник 81">
             <a:extLst>
               <a:ext uri="{FF2B5EF4-FFF2-40B4-BE49-F238E27FC236}">
-                <a16:creationId xmlns="" xmlns:a16="http://schemas.microsoft.com/office/drawing/2014/main" id="{6FB916C4-3F16-4E21-831A-E94C97D7C1BD}"/>
+                <a16:creationId xmlns:a16="http://schemas.microsoft.com/office/drawing/2014/main" xmlns="" id="{6FB916C4-3F16-4E21-831A-E94C97D7C1BD}"/>
               </a:ext>
             </a:extLst>
           </p:cNvPr>
@@ -6668,7 +6668,7 @@
           <p:cNvPr id="83" name="Прямоугольник 82">
             <a:extLst>
               <a:ext uri="{FF2B5EF4-FFF2-40B4-BE49-F238E27FC236}">
-                <a16:creationId xmlns="" xmlns:a16="http://schemas.microsoft.com/office/drawing/2014/main" id="{425A5458-014A-4B90-AB2E-D3A5BB1F561B}"/>
+                <a16:creationId xmlns:a16="http://schemas.microsoft.com/office/drawing/2014/main" xmlns="" id="{425A5458-014A-4B90-AB2E-D3A5BB1F561B}"/>
               </a:ext>
             </a:extLst>
           </p:cNvPr>
@@ -6721,7 +6721,7 @@
           <p:cNvPr id="86" name="Прямоугольник 85">
             <a:extLst>
               <a:ext uri="{FF2B5EF4-FFF2-40B4-BE49-F238E27FC236}">
-                <a16:creationId xmlns="" xmlns:a16="http://schemas.microsoft.com/office/drawing/2014/main" id="{5AE4370A-92AF-4C68-9C81-314B1F2EDB58}"/>
+                <a16:creationId xmlns:a16="http://schemas.microsoft.com/office/drawing/2014/main" xmlns="" id="{5AE4370A-92AF-4C68-9C81-314B1F2EDB58}"/>
               </a:ext>
             </a:extLst>
           </p:cNvPr>
@@ -6770,7 +6770,7 @@
           <p:cNvPr id="88" name="Прямоугольник 87">
             <a:extLst>
               <a:ext uri="{FF2B5EF4-FFF2-40B4-BE49-F238E27FC236}">
-                <a16:creationId xmlns="" xmlns:a16="http://schemas.microsoft.com/office/drawing/2014/main" id="{6EC0AFE5-F5AA-4DA8-9343-35C78004867D}"/>
+                <a16:creationId xmlns:a16="http://schemas.microsoft.com/office/drawing/2014/main" xmlns="" id="{6EC0AFE5-F5AA-4DA8-9343-35C78004867D}"/>
               </a:ext>
             </a:extLst>
           </p:cNvPr>
@@ -6819,7 +6819,7 @@
           <p:cNvPr id="89" name="Прямоугольник 88">
             <a:extLst>
               <a:ext uri="{FF2B5EF4-FFF2-40B4-BE49-F238E27FC236}">
-                <a16:creationId xmlns="" xmlns:a16="http://schemas.microsoft.com/office/drawing/2014/main" id="{3E84CE71-6654-4A0F-9542-713D6728B0CC}"/>
+                <a16:creationId xmlns:a16="http://schemas.microsoft.com/office/drawing/2014/main" xmlns="" id="{3E84CE71-6654-4A0F-9542-713D6728B0CC}"/>
               </a:ext>
             </a:extLst>
           </p:cNvPr>
@@ -6868,7 +6868,7 @@
           <p:cNvPr id="91" name="Прямоугольник 90">
             <a:extLst>
               <a:ext uri="{FF2B5EF4-FFF2-40B4-BE49-F238E27FC236}">
-                <a16:creationId xmlns="" xmlns:a16="http://schemas.microsoft.com/office/drawing/2014/main" id="{1754E2EA-CB0D-42EE-80B9-FC4D998F5280}"/>
+                <a16:creationId xmlns:a16="http://schemas.microsoft.com/office/drawing/2014/main" xmlns="" id="{1754E2EA-CB0D-42EE-80B9-FC4D998F5280}"/>
               </a:ext>
             </a:extLst>
           </p:cNvPr>
@@ -6917,7 +6917,7 @@
           <p:cNvPr id="95" name="Прямоугольник 94">
             <a:extLst>
               <a:ext uri="{FF2B5EF4-FFF2-40B4-BE49-F238E27FC236}">
-                <a16:creationId xmlns="" xmlns:a16="http://schemas.microsoft.com/office/drawing/2014/main" id="{DEDA82B9-E307-4F93-85E5-547ADE88D28B}"/>
+                <a16:creationId xmlns:a16="http://schemas.microsoft.com/office/drawing/2014/main" xmlns="" id="{DEDA82B9-E307-4F93-85E5-547ADE88D28B}"/>
               </a:ext>
             </a:extLst>
           </p:cNvPr>
@@ -6972,7 +6972,7 @@
           <p:cNvPr id="98" name="Прямоугольник 97">
             <a:extLst>
               <a:ext uri="{FF2B5EF4-FFF2-40B4-BE49-F238E27FC236}">
-                <a16:creationId xmlns="" xmlns:a16="http://schemas.microsoft.com/office/drawing/2014/main" id="{6413196C-E8CA-4F1B-B0BF-4E36A8D9CA72}"/>
+                <a16:creationId xmlns:a16="http://schemas.microsoft.com/office/drawing/2014/main" xmlns="" id="{6413196C-E8CA-4F1B-B0BF-4E36A8D9CA72}"/>
               </a:ext>
             </a:extLst>
           </p:cNvPr>
@@ -7021,7 +7021,7 @@
           <p:cNvPr id="100" name="Прямоугольник 99">
             <a:extLst>
               <a:ext uri="{FF2B5EF4-FFF2-40B4-BE49-F238E27FC236}">
-                <a16:creationId xmlns="" xmlns:a16="http://schemas.microsoft.com/office/drawing/2014/main" id="{2E431EFB-FFBD-4F28-8EDF-DAACB4BDE5DF}"/>
+                <a16:creationId xmlns:a16="http://schemas.microsoft.com/office/drawing/2014/main" xmlns="" id="{2E431EFB-FFBD-4F28-8EDF-DAACB4BDE5DF}"/>
               </a:ext>
             </a:extLst>
           </p:cNvPr>
@@ -7074,7 +7074,7 @@
           <p:cNvPr id="101" name="Прямоугольник 100">
             <a:extLst>
               <a:ext uri="{FF2B5EF4-FFF2-40B4-BE49-F238E27FC236}">
-                <a16:creationId xmlns="" xmlns:a16="http://schemas.microsoft.com/office/drawing/2014/main" id="{4D5CA7C1-C7E7-4441-A96D-1225D8429F32}"/>
+                <a16:creationId xmlns:a16="http://schemas.microsoft.com/office/drawing/2014/main" xmlns="" id="{4D5CA7C1-C7E7-4441-A96D-1225D8429F32}"/>
               </a:ext>
             </a:extLst>
           </p:cNvPr>
@@ -7123,7 +7123,7 @@
           <p:cNvPr id="104" name="Shape 248">
             <a:extLst>
               <a:ext uri="{FF2B5EF4-FFF2-40B4-BE49-F238E27FC236}">
-                <a16:creationId xmlns="" xmlns:a16="http://schemas.microsoft.com/office/drawing/2014/main" id="{50A46DFC-48CD-4996-962B-731F30654153}"/>
+                <a16:creationId xmlns:a16="http://schemas.microsoft.com/office/drawing/2014/main" xmlns="" id="{50A46DFC-48CD-4996-962B-731F30654153}"/>
               </a:ext>
             </a:extLst>
           </p:cNvPr>
@@ -7168,7 +7168,7 @@
           <p:cNvPr id="105" name="Shape 248">
             <a:extLst>
               <a:ext uri="{FF2B5EF4-FFF2-40B4-BE49-F238E27FC236}">
-                <a16:creationId xmlns="" xmlns:a16="http://schemas.microsoft.com/office/drawing/2014/main" id="{BA78C400-6195-44EF-8E9A-5CF984F63B83}"/>
+                <a16:creationId xmlns:a16="http://schemas.microsoft.com/office/drawing/2014/main" xmlns="" id="{BA78C400-6195-44EF-8E9A-5CF984F63B83}"/>
               </a:ext>
             </a:extLst>
           </p:cNvPr>
@@ -7213,7 +7213,7 @@
           <p:cNvPr id="106" name="Shape 248">
             <a:extLst>
               <a:ext uri="{FF2B5EF4-FFF2-40B4-BE49-F238E27FC236}">
-                <a16:creationId xmlns="" xmlns:a16="http://schemas.microsoft.com/office/drawing/2014/main" id="{911A6549-0DBC-4A77-853E-03AD62A81859}"/>
+                <a16:creationId xmlns:a16="http://schemas.microsoft.com/office/drawing/2014/main" xmlns="" id="{911A6549-0DBC-4A77-853E-03AD62A81859}"/>
               </a:ext>
             </a:extLst>
           </p:cNvPr>
@@ -7258,7 +7258,7 @@
           <p:cNvPr id="108" name="Shape 248">
             <a:extLst>
               <a:ext uri="{FF2B5EF4-FFF2-40B4-BE49-F238E27FC236}">
-                <a16:creationId xmlns="" xmlns:a16="http://schemas.microsoft.com/office/drawing/2014/main" id="{3CB2C9CA-D143-487B-B5AB-88D2BF81137D}"/>
+                <a16:creationId xmlns:a16="http://schemas.microsoft.com/office/drawing/2014/main" xmlns="" id="{3CB2C9CA-D143-487B-B5AB-88D2BF81137D}"/>
               </a:ext>
             </a:extLst>
           </p:cNvPr>
@@ -7303,7 +7303,7 @@
           <p:cNvPr id="109" name="Shape 248">
             <a:extLst>
               <a:ext uri="{FF2B5EF4-FFF2-40B4-BE49-F238E27FC236}">
-                <a16:creationId xmlns="" xmlns:a16="http://schemas.microsoft.com/office/drawing/2014/main" id="{1AF38B1E-4A4B-4A62-B680-9E377AB2B953}"/>
+                <a16:creationId xmlns:a16="http://schemas.microsoft.com/office/drawing/2014/main" xmlns="" id="{1AF38B1E-4A4B-4A62-B680-9E377AB2B953}"/>
               </a:ext>
             </a:extLst>
           </p:cNvPr>
@@ -7349,7 +7349,7 @@
           <p:cNvPr id="114" name="Shape 248">
             <a:extLst>
               <a:ext uri="{FF2B5EF4-FFF2-40B4-BE49-F238E27FC236}">
-                <a16:creationId xmlns="" xmlns:a16="http://schemas.microsoft.com/office/drawing/2014/main" id="{7502E7D5-9C5C-420C-88C2-51B3DD2E61B0}"/>
+                <a16:creationId xmlns:a16="http://schemas.microsoft.com/office/drawing/2014/main" xmlns="" id="{7502E7D5-9C5C-420C-88C2-51B3DD2E61B0}"/>
               </a:ext>
             </a:extLst>
           </p:cNvPr>
@@ -7395,7 +7395,7 @@
           <p:cNvPr id="116" name="Shape 248">
             <a:extLst>
               <a:ext uri="{FF2B5EF4-FFF2-40B4-BE49-F238E27FC236}">
-                <a16:creationId xmlns="" xmlns:a16="http://schemas.microsoft.com/office/drawing/2014/main" id="{85A530F4-1E0B-48DD-AD7F-830E6EB01AB5}"/>
+                <a16:creationId xmlns:a16="http://schemas.microsoft.com/office/drawing/2014/main" xmlns="" id="{85A530F4-1E0B-48DD-AD7F-830E6EB01AB5}"/>
               </a:ext>
             </a:extLst>
           </p:cNvPr>
@@ -7441,7 +7441,7 @@
           <p:cNvPr id="119" name="Shape 248">
             <a:extLst>
               <a:ext uri="{FF2B5EF4-FFF2-40B4-BE49-F238E27FC236}">
-                <a16:creationId xmlns="" xmlns:a16="http://schemas.microsoft.com/office/drawing/2014/main" id="{15B56209-2812-45D2-ADAD-DF88359CF2B3}"/>
+                <a16:creationId xmlns:a16="http://schemas.microsoft.com/office/drawing/2014/main" xmlns="" id="{15B56209-2812-45D2-ADAD-DF88359CF2B3}"/>
               </a:ext>
             </a:extLst>
           </p:cNvPr>
@@ -7487,7 +7487,7 @@
           <p:cNvPr id="123" name="Shape 248">
             <a:extLst>
               <a:ext uri="{FF2B5EF4-FFF2-40B4-BE49-F238E27FC236}">
-                <a16:creationId xmlns="" xmlns:a16="http://schemas.microsoft.com/office/drawing/2014/main" id="{95E032AE-0EBF-4995-8C39-DDC6681A1B7E}"/>
+                <a16:creationId xmlns:a16="http://schemas.microsoft.com/office/drawing/2014/main" xmlns="" id="{95E032AE-0EBF-4995-8C39-DDC6681A1B7E}"/>
               </a:ext>
             </a:extLst>
           </p:cNvPr>
@@ -7533,7 +7533,7 @@
           <p:cNvPr id="128" name="Shape 248">
             <a:extLst>
               <a:ext uri="{FF2B5EF4-FFF2-40B4-BE49-F238E27FC236}">
-                <a16:creationId xmlns="" xmlns:a16="http://schemas.microsoft.com/office/drawing/2014/main" id="{B2BA28E1-2581-4FA8-BDBE-B599C6A906A2}"/>
+                <a16:creationId xmlns:a16="http://schemas.microsoft.com/office/drawing/2014/main" xmlns="" id="{B2BA28E1-2581-4FA8-BDBE-B599C6A906A2}"/>
               </a:ext>
             </a:extLst>
           </p:cNvPr>
@@ -7579,7 +7579,7 @@
           <p:cNvPr id="131" name="Shape 248">
             <a:extLst>
               <a:ext uri="{FF2B5EF4-FFF2-40B4-BE49-F238E27FC236}">
-                <a16:creationId xmlns="" xmlns:a16="http://schemas.microsoft.com/office/drawing/2014/main" id="{E0AF8DD7-3889-4346-98A2-39A5A3B56D8A}"/>
+                <a16:creationId xmlns:a16="http://schemas.microsoft.com/office/drawing/2014/main" xmlns="" id="{E0AF8DD7-3889-4346-98A2-39A5A3B56D8A}"/>
               </a:ext>
             </a:extLst>
           </p:cNvPr>
@@ -7624,7 +7624,7 @@
           <p:cNvPr id="133" name="Shape 248">
             <a:extLst>
               <a:ext uri="{FF2B5EF4-FFF2-40B4-BE49-F238E27FC236}">
-                <a16:creationId xmlns="" xmlns:a16="http://schemas.microsoft.com/office/drawing/2014/main" id="{C56D727D-4959-4AF2-988E-526B674656E7}"/>
+                <a16:creationId xmlns:a16="http://schemas.microsoft.com/office/drawing/2014/main" xmlns="" id="{C56D727D-4959-4AF2-988E-526B674656E7}"/>
               </a:ext>
             </a:extLst>
           </p:cNvPr>
@@ -7669,7 +7669,7 @@
           <p:cNvPr id="136" name="Shape 248">
             <a:extLst>
               <a:ext uri="{FF2B5EF4-FFF2-40B4-BE49-F238E27FC236}">
-                <a16:creationId xmlns="" xmlns:a16="http://schemas.microsoft.com/office/drawing/2014/main" id="{5EA808C1-F8AA-4234-A194-F6D9DE19C15A}"/>
+                <a16:creationId xmlns:a16="http://schemas.microsoft.com/office/drawing/2014/main" xmlns="" id="{5EA808C1-F8AA-4234-A194-F6D9DE19C15A}"/>
               </a:ext>
             </a:extLst>
           </p:cNvPr>
@@ -7714,7 +7714,7 @@
           <p:cNvPr id="139" name="Shape 248">
             <a:extLst>
               <a:ext uri="{FF2B5EF4-FFF2-40B4-BE49-F238E27FC236}">
-                <a16:creationId xmlns="" xmlns:a16="http://schemas.microsoft.com/office/drawing/2014/main" id="{64D88D61-5DAA-4B2B-BD1B-324742A8CC4A}"/>
+                <a16:creationId xmlns:a16="http://schemas.microsoft.com/office/drawing/2014/main" xmlns="" id="{64D88D61-5DAA-4B2B-BD1B-324742A8CC4A}"/>
               </a:ext>
             </a:extLst>
           </p:cNvPr>
@@ -7759,7 +7759,7 @@
           <p:cNvPr id="113" name="Прямоугольник 112">
             <a:extLst>
               <a:ext uri="{FF2B5EF4-FFF2-40B4-BE49-F238E27FC236}">
-                <a16:creationId xmlns="" xmlns:a16="http://schemas.microsoft.com/office/drawing/2014/main" id="{692FD614-B45F-44F2-97C1-5B1F574A4286}"/>
+                <a16:creationId xmlns:a16="http://schemas.microsoft.com/office/drawing/2014/main" xmlns="" id="{692FD614-B45F-44F2-97C1-5B1F574A4286}"/>
               </a:ext>
             </a:extLst>
           </p:cNvPr>
@@ -7816,7 +7816,7 @@
           <p:cNvPr id="117" name="Shape 248">
             <a:extLst>
               <a:ext uri="{FF2B5EF4-FFF2-40B4-BE49-F238E27FC236}">
-                <a16:creationId xmlns="" xmlns:a16="http://schemas.microsoft.com/office/drawing/2014/main" id="{DF1CAE3A-A702-4A17-BD9A-7E154FAAA753}"/>
+                <a16:creationId xmlns:a16="http://schemas.microsoft.com/office/drawing/2014/main" xmlns="" id="{DF1CAE3A-A702-4A17-BD9A-7E154FAAA753}"/>
               </a:ext>
             </a:extLst>
           </p:cNvPr>
@@ -7861,7 +7861,7 @@
           <p:cNvPr id="120" name="Прямоугольник 119">
             <a:extLst>
               <a:ext uri="{FF2B5EF4-FFF2-40B4-BE49-F238E27FC236}">
-                <a16:creationId xmlns="" xmlns:a16="http://schemas.microsoft.com/office/drawing/2014/main" id="{52994B44-4FEE-4BC2-940E-9121055E91A1}"/>
+                <a16:creationId xmlns:a16="http://schemas.microsoft.com/office/drawing/2014/main" xmlns="" id="{52994B44-4FEE-4BC2-940E-9121055E91A1}"/>
               </a:ext>
             </a:extLst>
           </p:cNvPr>
@@ -7910,7 +7910,7 @@
           <p:cNvPr id="121" name="Shape 248">
             <a:extLst>
               <a:ext uri="{FF2B5EF4-FFF2-40B4-BE49-F238E27FC236}">
-                <a16:creationId xmlns="" xmlns:a16="http://schemas.microsoft.com/office/drawing/2014/main" id="{4D38D20E-AC58-411A-A865-3C081EF18269}"/>
+                <a16:creationId xmlns:a16="http://schemas.microsoft.com/office/drawing/2014/main" xmlns="" id="{4D38D20E-AC58-411A-A865-3C081EF18269}"/>
               </a:ext>
             </a:extLst>
           </p:cNvPr>
@@ -7955,7 +7955,7 @@
           <p:cNvPr id="124" name="Shape 248">
             <a:extLst>
               <a:ext uri="{FF2B5EF4-FFF2-40B4-BE49-F238E27FC236}">
-                <a16:creationId xmlns="" xmlns:a16="http://schemas.microsoft.com/office/drawing/2014/main" id="{96EAAB4B-25A1-45E5-8029-1961F49C27F6}"/>
+                <a16:creationId xmlns:a16="http://schemas.microsoft.com/office/drawing/2014/main" xmlns="" id="{96EAAB4B-25A1-45E5-8029-1961F49C27F6}"/>
               </a:ext>
             </a:extLst>
           </p:cNvPr>
@@ -8000,7 +8000,7 @@
           <p:cNvPr id="125" name="Прямоугольник 124">
             <a:extLst>
               <a:ext uri="{FF2B5EF4-FFF2-40B4-BE49-F238E27FC236}">
-                <a16:creationId xmlns="" xmlns:a16="http://schemas.microsoft.com/office/drawing/2014/main" id="{BBF66D38-3B77-4A72-80FE-1124919B958E}"/>
+                <a16:creationId xmlns:a16="http://schemas.microsoft.com/office/drawing/2014/main" xmlns="" id="{BBF66D38-3B77-4A72-80FE-1124919B958E}"/>
               </a:ext>
             </a:extLst>
           </p:cNvPr>
@@ -8049,7 +8049,7 @@
           <p:cNvPr id="126" name="Shape 248">
             <a:extLst>
               <a:ext uri="{FF2B5EF4-FFF2-40B4-BE49-F238E27FC236}">
-                <a16:creationId xmlns="" xmlns:a16="http://schemas.microsoft.com/office/drawing/2014/main" id="{002436B9-1324-4489-8D67-C6E3C1427869}"/>
+                <a16:creationId xmlns:a16="http://schemas.microsoft.com/office/drawing/2014/main" xmlns="" id="{002436B9-1324-4489-8D67-C6E3C1427869}"/>
               </a:ext>
             </a:extLst>
           </p:cNvPr>
@@ -8094,7 +8094,7 @@
           <p:cNvPr id="129" name="Shape 248">
             <a:extLst>
               <a:ext uri="{FF2B5EF4-FFF2-40B4-BE49-F238E27FC236}">
-                <a16:creationId xmlns="" xmlns:a16="http://schemas.microsoft.com/office/drawing/2014/main" id="{8B2AE635-F813-4D4B-93C0-BFAE7C59986C}"/>
+                <a16:creationId xmlns:a16="http://schemas.microsoft.com/office/drawing/2014/main" xmlns="" id="{8B2AE635-F813-4D4B-93C0-BFAE7C59986C}"/>
               </a:ext>
             </a:extLst>
           </p:cNvPr>
@@ -8139,7 +8139,7 @@
           <p:cNvPr id="132" name="Прямоугольник 131">
             <a:extLst>
               <a:ext uri="{FF2B5EF4-FFF2-40B4-BE49-F238E27FC236}">
-                <a16:creationId xmlns="" xmlns:a16="http://schemas.microsoft.com/office/drawing/2014/main" id="{C13EAB58-199B-4B01-9E93-CCDA91E30626}"/>
+                <a16:creationId xmlns:a16="http://schemas.microsoft.com/office/drawing/2014/main" xmlns="" id="{C13EAB58-199B-4B01-9E93-CCDA91E30626}"/>
               </a:ext>
             </a:extLst>
           </p:cNvPr>
@@ -8194,7 +8194,7 @@
           <p:cNvPr id="135" name="Прямоугольник 134">
             <a:extLst>
               <a:ext uri="{FF2B5EF4-FFF2-40B4-BE49-F238E27FC236}">
-                <a16:creationId xmlns="" xmlns:a16="http://schemas.microsoft.com/office/drawing/2014/main" id="{9C9F49EE-9417-4A04-A4B0-B121AE471BAB}"/>
+                <a16:creationId xmlns:a16="http://schemas.microsoft.com/office/drawing/2014/main" xmlns="" id="{9C9F49EE-9417-4A04-A4B0-B121AE471BAB}"/>
               </a:ext>
             </a:extLst>
           </p:cNvPr>
@@ -8249,7 +8249,7 @@
           <p:cNvPr id="137" name="Прямоугольник 136">
             <a:extLst>
               <a:ext uri="{FF2B5EF4-FFF2-40B4-BE49-F238E27FC236}">
-                <a16:creationId xmlns="" xmlns:a16="http://schemas.microsoft.com/office/drawing/2014/main" id="{40BC72D3-CE41-4743-90C0-615333F29391}"/>
+                <a16:creationId xmlns:a16="http://schemas.microsoft.com/office/drawing/2014/main" xmlns="" id="{40BC72D3-CE41-4743-90C0-615333F29391}"/>
               </a:ext>
             </a:extLst>
           </p:cNvPr>
@@ -8304,7 +8304,7 @@
           <p:cNvPr id="138" name="Прямоугольник 137">
             <a:extLst>
               <a:ext uri="{FF2B5EF4-FFF2-40B4-BE49-F238E27FC236}">
-                <a16:creationId xmlns="" xmlns:a16="http://schemas.microsoft.com/office/drawing/2014/main" id="{3F5C4FA9-61FD-4FD2-97D7-1672A9A1C989}"/>
+                <a16:creationId xmlns:a16="http://schemas.microsoft.com/office/drawing/2014/main" xmlns="" id="{3F5C4FA9-61FD-4FD2-97D7-1672A9A1C989}"/>
               </a:ext>
             </a:extLst>
           </p:cNvPr>
@@ -8359,7 +8359,7 @@
           <p:cNvPr id="140" name="Прямоугольник 139">
             <a:extLst>
               <a:ext uri="{FF2B5EF4-FFF2-40B4-BE49-F238E27FC236}">
-                <a16:creationId xmlns="" xmlns:a16="http://schemas.microsoft.com/office/drawing/2014/main" id="{58AFA13B-EEC9-4097-BE09-1C51485C8F1F}"/>
+                <a16:creationId xmlns:a16="http://schemas.microsoft.com/office/drawing/2014/main" xmlns="" id="{58AFA13B-EEC9-4097-BE09-1C51485C8F1F}"/>
               </a:ext>
             </a:extLst>
           </p:cNvPr>
@@ -8414,7 +8414,7 @@
           <p:cNvPr id="141" name="Прямая соединительная линия 140">
             <a:extLst>
               <a:ext uri="{FF2B5EF4-FFF2-40B4-BE49-F238E27FC236}">
-                <a16:creationId xmlns="" xmlns:a16="http://schemas.microsoft.com/office/drawing/2014/main" id="{BB94E2D8-7880-44D7-97CA-4D17D4CAC014}"/>
+                <a16:creationId xmlns:a16="http://schemas.microsoft.com/office/drawing/2014/main" xmlns="" id="{BB94E2D8-7880-44D7-97CA-4D17D4CAC014}"/>
               </a:ext>
             </a:extLst>
           </p:cNvPr>
@@ -8459,7 +8459,7 @@
           <p:cNvPr id="142" name="Прямоугольник 141">
             <a:extLst>
               <a:ext uri="{FF2B5EF4-FFF2-40B4-BE49-F238E27FC236}">
-                <a16:creationId xmlns="" xmlns:a16="http://schemas.microsoft.com/office/drawing/2014/main" id="{3F50D8DF-0634-43AD-80A2-E47126298642}"/>
+                <a16:creationId xmlns:a16="http://schemas.microsoft.com/office/drawing/2014/main" xmlns="" id="{3F50D8DF-0634-43AD-80A2-E47126298642}"/>
               </a:ext>
             </a:extLst>
           </p:cNvPr>
@@ -8514,7 +8514,7 @@
           <p:cNvPr id="143" name="Прямоугольник 142">
             <a:extLst>
               <a:ext uri="{FF2B5EF4-FFF2-40B4-BE49-F238E27FC236}">
-                <a16:creationId xmlns="" xmlns:a16="http://schemas.microsoft.com/office/drawing/2014/main" id="{95B3EF4F-5151-431D-AA6A-D00E487D5830}"/>
+                <a16:creationId xmlns:a16="http://schemas.microsoft.com/office/drawing/2014/main" xmlns="" id="{95B3EF4F-5151-431D-AA6A-D00E487D5830}"/>
               </a:ext>
             </a:extLst>
           </p:cNvPr>
@@ -8569,7 +8569,7 @@
           <p:cNvPr id="144" name="Прямоугольник 143">
             <a:extLst>
               <a:ext uri="{FF2B5EF4-FFF2-40B4-BE49-F238E27FC236}">
-                <a16:creationId xmlns="" xmlns:a16="http://schemas.microsoft.com/office/drawing/2014/main" id="{60610E5E-754A-4D53-A261-E399488942B9}"/>
+                <a16:creationId xmlns:a16="http://schemas.microsoft.com/office/drawing/2014/main" xmlns="" id="{60610E5E-754A-4D53-A261-E399488942B9}"/>
               </a:ext>
             </a:extLst>
           </p:cNvPr>
@@ -8624,7 +8624,7 @@
           <p:cNvPr id="145" name="Прямая соединительная линия 144">
             <a:extLst>
               <a:ext uri="{FF2B5EF4-FFF2-40B4-BE49-F238E27FC236}">
-                <a16:creationId xmlns="" xmlns:a16="http://schemas.microsoft.com/office/drawing/2014/main" id="{FA260062-FB46-4D5D-9DE2-7B0B8BD8DFD0}"/>
+                <a16:creationId xmlns:a16="http://schemas.microsoft.com/office/drawing/2014/main" xmlns="" id="{FA260062-FB46-4D5D-9DE2-7B0B8BD8DFD0}"/>
               </a:ext>
             </a:extLst>
           </p:cNvPr>
@@ -8669,7 +8669,7 @@
           <p:cNvPr id="146" name="Shape 248">
             <a:extLst>
               <a:ext uri="{FF2B5EF4-FFF2-40B4-BE49-F238E27FC236}">
-                <a16:creationId xmlns="" xmlns:a16="http://schemas.microsoft.com/office/drawing/2014/main" id="{FC2C2AD8-9C0B-40B1-9111-0A2E007A3288}"/>
+                <a16:creationId xmlns:a16="http://schemas.microsoft.com/office/drawing/2014/main" xmlns="" id="{FC2C2AD8-9C0B-40B1-9111-0A2E007A3288}"/>
               </a:ext>
             </a:extLst>
           </p:cNvPr>
@@ -8714,7 +8714,7 @@
           <p:cNvPr id="147" name="Shape 248">
             <a:extLst>
               <a:ext uri="{FF2B5EF4-FFF2-40B4-BE49-F238E27FC236}">
-                <a16:creationId xmlns="" xmlns:a16="http://schemas.microsoft.com/office/drawing/2014/main" id="{80E2086F-3E60-4652-AE9A-32DB04678296}"/>
+                <a16:creationId xmlns:a16="http://schemas.microsoft.com/office/drawing/2014/main" xmlns="" id="{80E2086F-3E60-4652-AE9A-32DB04678296}"/>
               </a:ext>
             </a:extLst>
           </p:cNvPr>
@@ -8759,7 +8759,7 @@
           <p:cNvPr id="148" name="Shape 248">
             <a:extLst>
               <a:ext uri="{FF2B5EF4-FFF2-40B4-BE49-F238E27FC236}">
-                <a16:creationId xmlns="" xmlns:a16="http://schemas.microsoft.com/office/drawing/2014/main" id="{E0B741F2-E935-498D-AC4E-642D3630538B}"/>
+                <a16:creationId xmlns:a16="http://schemas.microsoft.com/office/drawing/2014/main" xmlns="" id="{E0B741F2-E935-498D-AC4E-642D3630538B}"/>
               </a:ext>
             </a:extLst>
           </p:cNvPr>
@@ -8804,7 +8804,7 @@
           <p:cNvPr id="149" name="Shape 248">
             <a:extLst>
               <a:ext uri="{FF2B5EF4-FFF2-40B4-BE49-F238E27FC236}">
-                <a16:creationId xmlns="" xmlns:a16="http://schemas.microsoft.com/office/drawing/2014/main" id="{47638B92-B99E-4CB4-99E2-4C7AC3B60060}"/>
+                <a16:creationId xmlns:a16="http://schemas.microsoft.com/office/drawing/2014/main" xmlns="" id="{47638B92-B99E-4CB4-99E2-4C7AC3B60060}"/>
               </a:ext>
             </a:extLst>
           </p:cNvPr>
@@ -8849,7 +8849,7 @@
           <p:cNvPr id="152" name="Shape 248">
             <a:extLst>
               <a:ext uri="{FF2B5EF4-FFF2-40B4-BE49-F238E27FC236}">
-                <a16:creationId xmlns="" xmlns:a16="http://schemas.microsoft.com/office/drawing/2014/main" id="{7C8EDC8E-CDE1-4CA2-91B4-52D4658E58DA}"/>
+                <a16:creationId xmlns:a16="http://schemas.microsoft.com/office/drawing/2014/main" xmlns="" id="{7C8EDC8E-CDE1-4CA2-91B4-52D4658E58DA}"/>
               </a:ext>
             </a:extLst>
           </p:cNvPr>
@@ -8894,7 +8894,7 @@
           <p:cNvPr id="155" name="Shape 248">
             <a:extLst>
               <a:ext uri="{FF2B5EF4-FFF2-40B4-BE49-F238E27FC236}">
-                <a16:creationId xmlns="" xmlns:a16="http://schemas.microsoft.com/office/drawing/2014/main" id="{1279B33C-FD72-4315-86F0-C7DB150F3DD1}"/>
+                <a16:creationId xmlns:a16="http://schemas.microsoft.com/office/drawing/2014/main" xmlns="" id="{1279B33C-FD72-4315-86F0-C7DB150F3DD1}"/>
               </a:ext>
             </a:extLst>
           </p:cNvPr>
@@ -8939,7 +8939,7 @@
           <p:cNvPr id="158" name="Shape 248">
             <a:extLst>
               <a:ext uri="{FF2B5EF4-FFF2-40B4-BE49-F238E27FC236}">
-                <a16:creationId xmlns="" xmlns:a16="http://schemas.microsoft.com/office/drawing/2014/main" id="{6CED0B40-61B7-466B-8F67-3EF77B3584A5}"/>
+                <a16:creationId xmlns:a16="http://schemas.microsoft.com/office/drawing/2014/main" xmlns="" id="{6CED0B40-61B7-466B-8F67-3EF77B3584A5}"/>
               </a:ext>
             </a:extLst>
           </p:cNvPr>
@@ -8984,7 +8984,7 @@
           <p:cNvPr id="161" name="Прямоугольник 160">
             <a:extLst>
               <a:ext uri="{FF2B5EF4-FFF2-40B4-BE49-F238E27FC236}">
-                <a16:creationId xmlns="" xmlns:a16="http://schemas.microsoft.com/office/drawing/2014/main" id="{5198995C-E84D-44CF-8362-6FC5D4B1143B}"/>
+                <a16:creationId xmlns:a16="http://schemas.microsoft.com/office/drawing/2014/main" xmlns="" id="{5198995C-E84D-44CF-8362-6FC5D4B1143B}"/>
               </a:ext>
             </a:extLst>
           </p:cNvPr>
@@ -9039,7 +9039,7 @@
           <p:cNvPr id="162" name="Прямоугольник 161">
             <a:extLst>
               <a:ext uri="{FF2B5EF4-FFF2-40B4-BE49-F238E27FC236}">
-                <a16:creationId xmlns="" xmlns:a16="http://schemas.microsoft.com/office/drawing/2014/main" id="{4020F592-5054-4E4A-B023-6359EC72C162}"/>
+                <a16:creationId xmlns:a16="http://schemas.microsoft.com/office/drawing/2014/main" xmlns="" id="{4020F592-5054-4E4A-B023-6359EC72C162}"/>
               </a:ext>
             </a:extLst>
           </p:cNvPr>
@@ -9094,7 +9094,7 @@
           <p:cNvPr id="163" name="Прямоугольник 162">
             <a:extLst>
               <a:ext uri="{FF2B5EF4-FFF2-40B4-BE49-F238E27FC236}">
-                <a16:creationId xmlns="" xmlns:a16="http://schemas.microsoft.com/office/drawing/2014/main" id="{8E7A537A-8EE2-4454-A485-36EAF5844820}"/>
+                <a16:creationId xmlns:a16="http://schemas.microsoft.com/office/drawing/2014/main" xmlns="" id="{8E7A537A-8EE2-4454-A485-36EAF5844820}"/>
               </a:ext>
             </a:extLst>
           </p:cNvPr>
@@ -9149,7 +9149,7 @@
           <p:cNvPr id="164" name="Прямоугольник 163">
             <a:extLst>
               <a:ext uri="{FF2B5EF4-FFF2-40B4-BE49-F238E27FC236}">
-                <a16:creationId xmlns="" xmlns:a16="http://schemas.microsoft.com/office/drawing/2014/main" id="{4FF87BA2-DD53-4A8E-BC1F-D19E1127E3CD}"/>
+                <a16:creationId xmlns:a16="http://schemas.microsoft.com/office/drawing/2014/main" xmlns="" id="{4FF87BA2-DD53-4A8E-BC1F-D19E1127E3CD}"/>
               </a:ext>
             </a:extLst>
           </p:cNvPr>
@@ -9204,7 +9204,7 @@
           <p:cNvPr id="165" name="Shape 248">
             <a:extLst>
               <a:ext uri="{FF2B5EF4-FFF2-40B4-BE49-F238E27FC236}">
-                <a16:creationId xmlns="" xmlns:a16="http://schemas.microsoft.com/office/drawing/2014/main" id="{C584C0F4-71B5-4D37-8305-6677CA9CA6F0}"/>
+                <a16:creationId xmlns:a16="http://schemas.microsoft.com/office/drawing/2014/main" xmlns="" id="{C584C0F4-71B5-4D37-8305-6677CA9CA6F0}"/>
               </a:ext>
             </a:extLst>
           </p:cNvPr>
@@ -9249,7 +9249,7 @@
           <p:cNvPr id="168" name="Shape 248">
             <a:extLst>
               <a:ext uri="{FF2B5EF4-FFF2-40B4-BE49-F238E27FC236}">
-                <a16:creationId xmlns="" xmlns:a16="http://schemas.microsoft.com/office/drawing/2014/main" id="{3E5C971E-8B32-48F3-BCFC-6EDF7FDD62B8}"/>
+                <a16:creationId xmlns:a16="http://schemas.microsoft.com/office/drawing/2014/main" xmlns="" id="{3E5C971E-8B32-48F3-BCFC-6EDF7FDD62B8}"/>
               </a:ext>
             </a:extLst>
           </p:cNvPr>
@@ -9294,7 +9294,7 @@
           <p:cNvPr id="171" name="Shape 248">
             <a:extLst>
               <a:ext uri="{FF2B5EF4-FFF2-40B4-BE49-F238E27FC236}">
-                <a16:creationId xmlns="" xmlns:a16="http://schemas.microsoft.com/office/drawing/2014/main" id="{388CEDB2-BCE5-47F4-A263-5613F83B749C}"/>
+                <a16:creationId xmlns:a16="http://schemas.microsoft.com/office/drawing/2014/main" xmlns="" id="{388CEDB2-BCE5-47F4-A263-5613F83B749C}"/>
               </a:ext>
             </a:extLst>
           </p:cNvPr>
@@ -9339,7 +9339,7 @@
           <p:cNvPr id="175" name="Shape 248">
             <a:extLst>
               <a:ext uri="{FF2B5EF4-FFF2-40B4-BE49-F238E27FC236}">
-                <a16:creationId xmlns="" xmlns:a16="http://schemas.microsoft.com/office/drawing/2014/main" id="{15ABCEDF-284E-44F8-83ED-B2CE718081A7}"/>
+                <a16:creationId xmlns:a16="http://schemas.microsoft.com/office/drawing/2014/main" xmlns="" id="{15ABCEDF-284E-44F8-83ED-B2CE718081A7}"/>
               </a:ext>
             </a:extLst>
           </p:cNvPr>
@@ -9384,7 +9384,7 @@
           <p:cNvPr id="179" name="Прямоугольник 178">
             <a:extLst>
               <a:ext uri="{FF2B5EF4-FFF2-40B4-BE49-F238E27FC236}">
-                <a16:creationId xmlns="" xmlns:a16="http://schemas.microsoft.com/office/drawing/2014/main" id="{4D450CD8-6BA8-4CE6-A7AF-1D646DC797A7}"/>
+                <a16:creationId xmlns:a16="http://schemas.microsoft.com/office/drawing/2014/main" xmlns="" id="{4D450CD8-6BA8-4CE6-A7AF-1D646DC797A7}"/>
               </a:ext>
             </a:extLst>
           </p:cNvPr>
@@ -9436,7 +9436,7 @@
           <p:cNvPr id="180" name="Прямоугольник 179">
             <a:extLst>
               <a:ext uri="{FF2B5EF4-FFF2-40B4-BE49-F238E27FC236}">
-                <a16:creationId xmlns="" xmlns:a16="http://schemas.microsoft.com/office/drawing/2014/main" id="{40BC13A1-50C0-4F8A-A26E-B9A261B680F0}"/>
+                <a16:creationId xmlns:a16="http://schemas.microsoft.com/office/drawing/2014/main" xmlns="" id="{40BC13A1-50C0-4F8A-A26E-B9A261B680F0}"/>
               </a:ext>
             </a:extLst>
           </p:cNvPr>
@@ -9492,7 +9492,7 @@
           <p:cNvPr id="181" name="Прямая соединительная линия 180">
             <a:extLst>
               <a:ext uri="{FF2B5EF4-FFF2-40B4-BE49-F238E27FC236}">
-                <a16:creationId xmlns="" xmlns:a16="http://schemas.microsoft.com/office/drawing/2014/main" id="{C0AA5F36-639B-4043-9411-7F1C19FF42D1}"/>
+                <a16:creationId xmlns:a16="http://schemas.microsoft.com/office/drawing/2014/main" xmlns="" id="{C0AA5F36-639B-4043-9411-7F1C19FF42D1}"/>
               </a:ext>
             </a:extLst>
           </p:cNvPr>
@@ -9537,7 +9537,7 @@
           <p:cNvPr id="182" name="Прямоугольник 181">
             <a:extLst>
               <a:ext uri="{FF2B5EF4-FFF2-40B4-BE49-F238E27FC236}">
-                <a16:creationId xmlns="" xmlns:a16="http://schemas.microsoft.com/office/drawing/2014/main" id="{95166D09-967B-48B4-A7E5-518E9CABBC8E}"/>
+                <a16:creationId xmlns:a16="http://schemas.microsoft.com/office/drawing/2014/main" xmlns="" id="{95166D09-967B-48B4-A7E5-518E9CABBC8E}"/>
               </a:ext>
             </a:extLst>
           </p:cNvPr>
@@ -9589,7 +9589,7 @@
           <p:cNvPr id="183" name="Прямоугольник 182">
             <a:extLst>
               <a:ext uri="{FF2B5EF4-FFF2-40B4-BE49-F238E27FC236}">
-                <a16:creationId xmlns="" xmlns:a16="http://schemas.microsoft.com/office/drawing/2014/main" id="{D04E1CE4-188F-4F4B-8A68-8D0B3634515C}"/>
+                <a16:creationId xmlns:a16="http://schemas.microsoft.com/office/drawing/2014/main" xmlns="" id="{D04E1CE4-188F-4F4B-8A68-8D0B3634515C}"/>
               </a:ext>
             </a:extLst>
           </p:cNvPr>
@@ -9641,7 +9641,7 @@
           <p:cNvPr id="184" name="Прямоугольник 183">
             <a:extLst>
               <a:ext uri="{FF2B5EF4-FFF2-40B4-BE49-F238E27FC236}">
-                <a16:creationId xmlns="" xmlns:a16="http://schemas.microsoft.com/office/drawing/2014/main" id="{7D95E591-1D9F-40DF-BB43-A1025426DC3B}"/>
+                <a16:creationId xmlns:a16="http://schemas.microsoft.com/office/drawing/2014/main" xmlns="" id="{7D95E591-1D9F-40DF-BB43-A1025426DC3B}"/>
               </a:ext>
             </a:extLst>
           </p:cNvPr>
@@ -9697,7 +9697,7 @@
           <p:cNvPr id="189" name="Прямоугольник 188">
             <a:extLst>
               <a:ext uri="{FF2B5EF4-FFF2-40B4-BE49-F238E27FC236}">
-                <a16:creationId xmlns="" xmlns:a16="http://schemas.microsoft.com/office/drawing/2014/main" id="{A51D4A15-1158-4C28-8484-2097D4960981}"/>
+                <a16:creationId xmlns:a16="http://schemas.microsoft.com/office/drawing/2014/main" xmlns="" id="{A51D4A15-1158-4C28-8484-2097D4960981}"/>
               </a:ext>
             </a:extLst>
           </p:cNvPr>
@@ -9753,7 +9753,7 @@
           <p:cNvPr id="190" name="Shape 248">
             <a:extLst>
               <a:ext uri="{FF2B5EF4-FFF2-40B4-BE49-F238E27FC236}">
-                <a16:creationId xmlns="" xmlns:a16="http://schemas.microsoft.com/office/drawing/2014/main" id="{51852AA5-4BC9-45D7-B135-81009A9566A8}"/>
+                <a16:creationId xmlns:a16="http://schemas.microsoft.com/office/drawing/2014/main" xmlns="" id="{51852AA5-4BC9-45D7-B135-81009A9566A8}"/>
               </a:ext>
             </a:extLst>
           </p:cNvPr>
@@ -9798,7 +9798,7 @@
           <p:cNvPr id="193" name="Shape 248">
             <a:extLst>
               <a:ext uri="{FF2B5EF4-FFF2-40B4-BE49-F238E27FC236}">
-                <a16:creationId xmlns="" xmlns:a16="http://schemas.microsoft.com/office/drawing/2014/main" id="{D7D93370-20F5-4517-932B-5E66AC2C63FE}"/>
+                <a16:creationId xmlns:a16="http://schemas.microsoft.com/office/drawing/2014/main" xmlns="" id="{D7D93370-20F5-4517-932B-5E66AC2C63FE}"/>
               </a:ext>
             </a:extLst>
           </p:cNvPr>
@@ -9843,7 +9843,7 @@
           <p:cNvPr id="196" name="Shape 248">
             <a:extLst>
               <a:ext uri="{FF2B5EF4-FFF2-40B4-BE49-F238E27FC236}">
-                <a16:creationId xmlns="" xmlns:a16="http://schemas.microsoft.com/office/drawing/2014/main" id="{5BB9178E-3847-431F-B9DF-970D3B652FA9}"/>
+                <a16:creationId xmlns:a16="http://schemas.microsoft.com/office/drawing/2014/main" xmlns="" id="{5BB9178E-3847-431F-B9DF-970D3B652FA9}"/>
               </a:ext>
             </a:extLst>
           </p:cNvPr>
@@ -9888,7 +9888,7 @@
           <p:cNvPr id="199" name="Shape 248">
             <a:extLst>
               <a:ext uri="{FF2B5EF4-FFF2-40B4-BE49-F238E27FC236}">
-                <a16:creationId xmlns="" xmlns:a16="http://schemas.microsoft.com/office/drawing/2014/main" id="{1A9FD21D-78EE-4BA4-B9E1-E5D6A6E41E1D}"/>
+                <a16:creationId xmlns:a16="http://schemas.microsoft.com/office/drawing/2014/main" xmlns="" id="{1A9FD21D-78EE-4BA4-B9E1-E5D6A6E41E1D}"/>
               </a:ext>
             </a:extLst>
           </p:cNvPr>
@@ -9933,7 +9933,7 @@
           <p:cNvPr id="202" name="Shape 248">
             <a:extLst>
               <a:ext uri="{FF2B5EF4-FFF2-40B4-BE49-F238E27FC236}">
-                <a16:creationId xmlns="" xmlns:a16="http://schemas.microsoft.com/office/drawing/2014/main" id="{EE84D303-F6DA-4C56-92C0-57364B77ACF8}"/>
+                <a16:creationId xmlns:a16="http://schemas.microsoft.com/office/drawing/2014/main" xmlns="" id="{EE84D303-F6DA-4C56-92C0-57364B77ACF8}"/>
               </a:ext>
             </a:extLst>
           </p:cNvPr>
@@ -9978,7 +9978,7 @@
           <p:cNvPr id="208" name="Прямая соединительная линия 207">
             <a:extLst>
               <a:ext uri="{FF2B5EF4-FFF2-40B4-BE49-F238E27FC236}">
-                <a16:creationId xmlns="" xmlns:a16="http://schemas.microsoft.com/office/drawing/2014/main" id="{D5947B72-7F18-4E3D-9015-6DE7BA610776}"/>
+                <a16:creationId xmlns:a16="http://schemas.microsoft.com/office/drawing/2014/main" xmlns="" id="{D5947B72-7F18-4E3D-9015-6DE7BA610776}"/>
               </a:ext>
             </a:extLst>
           </p:cNvPr>
@@ -10023,7 +10023,7 @@
           <p:cNvPr id="211" name="Прямоугольник 210">
             <a:extLst>
               <a:ext uri="{FF2B5EF4-FFF2-40B4-BE49-F238E27FC236}">
-                <a16:creationId xmlns="" xmlns:a16="http://schemas.microsoft.com/office/drawing/2014/main" id="{D75815DF-1295-45F6-A24F-F3F3F8B4BBFB}"/>
+                <a16:creationId xmlns:a16="http://schemas.microsoft.com/office/drawing/2014/main" xmlns="" id="{D75815DF-1295-45F6-A24F-F3F3F8B4BBFB}"/>
               </a:ext>
             </a:extLst>
           </p:cNvPr>
@@ -10079,7 +10079,7 @@
           <p:cNvPr id="212" name="Прямоугольник 211">
             <a:extLst>
               <a:ext uri="{FF2B5EF4-FFF2-40B4-BE49-F238E27FC236}">
-                <a16:creationId xmlns="" xmlns:a16="http://schemas.microsoft.com/office/drawing/2014/main" id="{0151B7FA-9194-430D-BD39-8CC623C30AAC}"/>
+                <a16:creationId xmlns:a16="http://schemas.microsoft.com/office/drawing/2014/main" xmlns="" id="{0151B7FA-9194-430D-BD39-8CC623C30AAC}"/>
               </a:ext>
             </a:extLst>
           </p:cNvPr>
@@ -10135,7 +10135,7 @@
           <p:cNvPr id="213" name="Прямоугольник 212">
             <a:extLst>
               <a:ext uri="{FF2B5EF4-FFF2-40B4-BE49-F238E27FC236}">
-                <a16:creationId xmlns="" xmlns:a16="http://schemas.microsoft.com/office/drawing/2014/main" id="{7729F444-4FEA-432F-8013-2BEBC57E2B6D}"/>
+                <a16:creationId xmlns:a16="http://schemas.microsoft.com/office/drawing/2014/main" xmlns="" id="{7729F444-4FEA-432F-8013-2BEBC57E2B6D}"/>
               </a:ext>
             </a:extLst>
           </p:cNvPr>
@@ -10191,7 +10191,7 @@
           <p:cNvPr id="214" name="Прямоугольник 213">
             <a:extLst>
               <a:ext uri="{FF2B5EF4-FFF2-40B4-BE49-F238E27FC236}">
-                <a16:creationId xmlns="" xmlns:a16="http://schemas.microsoft.com/office/drawing/2014/main" id="{16AAD304-6FEE-4D2E-9993-5A8DC45D6651}"/>
+                <a16:creationId xmlns:a16="http://schemas.microsoft.com/office/drawing/2014/main" xmlns="" id="{16AAD304-6FEE-4D2E-9993-5A8DC45D6651}"/>
               </a:ext>
             </a:extLst>
           </p:cNvPr>
@@ -10247,7 +10247,7 @@
           <p:cNvPr id="215" name="Прямоугольник 214">
             <a:extLst>
               <a:ext uri="{FF2B5EF4-FFF2-40B4-BE49-F238E27FC236}">
-                <a16:creationId xmlns="" xmlns:a16="http://schemas.microsoft.com/office/drawing/2014/main" id="{74B39C5A-7232-4332-92CA-D9A8138D38DA}"/>
+                <a16:creationId xmlns:a16="http://schemas.microsoft.com/office/drawing/2014/main" xmlns="" id="{74B39C5A-7232-4332-92CA-D9A8138D38DA}"/>
               </a:ext>
             </a:extLst>
           </p:cNvPr>
@@ -10303,7 +10303,7 @@
           <p:cNvPr id="216" name="Прямоугольник 215">
             <a:extLst>
               <a:ext uri="{FF2B5EF4-FFF2-40B4-BE49-F238E27FC236}">
-                <a16:creationId xmlns="" xmlns:a16="http://schemas.microsoft.com/office/drawing/2014/main" id="{AE26874C-3E14-4254-9FF9-22A53182396D}"/>
+                <a16:creationId xmlns:a16="http://schemas.microsoft.com/office/drawing/2014/main" xmlns="" id="{AE26874C-3E14-4254-9FF9-22A53182396D}"/>
               </a:ext>
             </a:extLst>
           </p:cNvPr>
@@ -10367,7 +10367,7 @@
           <p:cNvPr id="217" name="Shape 248">
             <a:extLst>
               <a:ext uri="{FF2B5EF4-FFF2-40B4-BE49-F238E27FC236}">
-                <a16:creationId xmlns="" xmlns:a16="http://schemas.microsoft.com/office/drawing/2014/main" id="{FC454BD7-96BE-4558-85A5-0C6F748CF25B}"/>
+                <a16:creationId xmlns:a16="http://schemas.microsoft.com/office/drawing/2014/main" xmlns="" id="{FC454BD7-96BE-4558-85A5-0C6F748CF25B}"/>
               </a:ext>
             </a:extLst>
           </p:cNvPr>
@@ -10412,7 +10412,7 @@
           <p:cNvPr id="224" name="Shape 248">
             <a:extLst>
               <a:ext uri="{FF2B5EF4-FFF2-40B4-BE49-F238E27FC236}">
-                <a16:creationId xmlns="" xmlns:a16="http://schemas.microsoft.com/office/drawing/2014/main" id="{458482DB-E941-4E82-968C-B151033B4F35}"/>
+                <a16:creationId xmlns:a16="http://schemas.microsoft.com/office/drawing/2014/main" xmlns="" id="{458482DB-E941-4E82-968C-B151033B4F35}"/>
               </a:ext>
             </a:extLst>
           </p:cNvPr>
@@ -10457,7 +10457,7 @@
           <p:cNvPr id="229" name="Shape 248">
             <a:extLst>
               <a:ext uri="{FF2B5EF4-FFF2-40B4-BE49-F238E27FC236}">
-                <a16:creationId xmlns="" xmlns:a16="http://schemas.microsoft.com/office/drawing/2014/main" id="{3AE9B19C-B228-4A22-8CCB-A75C420B187D}"/>
+                <a16:creationId xmlns:a16="http://schemas.microsoft.com/office/drawing/2014/main" xmlns="" id="{3AE9B19C-B228-4A22-8CCB-A75C420B187D}"/>
               </a:ext>
             </a:extLst>
           </p:cNvPr>
@@ -10502,7 +10502,7 @@
           <p:cNvPr id="235" name="Прямоугольник 234">
             <a:extLst>
               <a:ext uri="{FF2B5EF4-FFF2-40B4-BE49-F238E27FC236}">
-                <a16:creationId xmlns="" xmlns:a16="http://schemas.microsoft.com/office/drawing/2014/main" id="{169ADD3C-7D9B-40F6-B582-CA9FCE0885C3}"/>
+                <a16:creationId xmlns:a16="http://schemas.microsoft.com/office/drawing/2014/main" xmlns="" id="{169ADD3C-7D9B-40F6-B582-CA9FCE0885C3}"/>
               </a:ext>
             </a:extLst>
           </p:cNvPr>
@@ -10554,7 +10554,7 @@
           <p:cNvPr id="237" name="Shape 248">
             <a:extLst>
               <a:ext uri="{FF2B5EF4-FFF2-40B4-BE49-F238E27FC236}">
-                <a16:creationId xmlns="" xmlns:a16="http://schemas.microsoft.com/office/drawing/2014/main" id="{B3D13C37-9FB0-4412-BC63-C2A65F220279}"/>
+                <a16:creationId xmlns:a16="http://schemas.microsoft.com/office/drawing/2014/main" xmlns="" id="{B3D13C37-9FB0-4412-BC63-C2A65F220279}"/>
               </a:ext>
             </a:extLst>
           </p:cNvPr>
@@ -10600,7 +10600,7 @@
           <p:cNvPr id="240" name="Shape 248">
             <a:extLst>
               <a:ext uri="{FF2B5EF4-FFF2-40B4-BE49-F238E27FC236}">
-                <a16:creationId xmlns="" xmlns:a16="http://schemas.microsoft.com/office/drawing/2014/main" id="{EC3C1C20-31C0-458B-B819-AA2D51E58845}"/>
+                <a16:creationId xmlns:a16="http://schemas.microsoft.com/office/drawing/2014/main" xmlns="" id="{EC3C1C20-31C0-458B-B819-AA2D51E58845}"/>
               </a:ext>
             </a:extLst>
           </p:cNvPr>
@@ -10646,7 +10646,7 @@
           <p:cNvPr id="243" name="Прямоугольник 242">
             <a:extLst>
               <a:ext uri="{FF2B5EF4-FFF2-40B4-BE49-F238E27FC236}">
-                <a16:creationId xmlns="" xmlns:a16="http://schemas.microsoft.com/office/drawing/2014/main" id="{EC9BD36C-D972-42C4-93E6-6DAE9234F692}"/>
+                <a16:creationId xmlns:a16="http://schemas.microsoft.com/office/drawing/2014/main" xmlns="" id="{EC9BD36C-D972-42C4-93E6-6DAE9234F692}"/>
               </a:ext>
             </a:extLst>
           </p:cNvPr>
@@ -10701,7 +10701,7 @@
           <p:cNvPr id="244" name="Прямоугольник 243">
             <a:extLst>
               <a:ext uri="{FF2B5EF4-FFF2-40B4-BE49-F238E27FC236}">
-                <a16:creationId xmlns="" xmlns:a16="http://schemas.microsoft.com/office/drawing/2014/main" id="{948FBE2C-B2A6-473E-BB60-11F26ADF54F1}"/>
+                <a16:creationId xmlns:a16="http://schemas.microsoft.com/office/drawing/2014/main" xmlns="" id="{948FBE2C-B2A6-473E-BB60-11F26ADF54F1}"/>
               </a:ext>
             </a:extLst>
           </p:cNvPr>
@@ -10756,7 +10756,7 @@
           <p:cNvPr id="245" name="Прямоугольник 244">
             <a:extLst>
               <a:ext uri="{FF2B5EF4-FFF2-40B4-BE49-F238E27FC236}">
-                <a16:creationId xmlns="" xmlns:a16="http://schemas.microsoft.com/office/drawing/2014/main" id="{2E0544E4-9592-4382-8DDF-EB6FEA328AC2}"/>
+                <a16:creationId xmlns:a16="http://schemas.microsoft.com/office/drawing/2014/main" xmlns="" id="{2E0544E4-9592-4382-8DDF-EB6FEA328AC2}"/>
               </a:ext>
             </a:extLst>
           </p:cNvPr>
@@ -10811,7 +10811,7 @@
           <p:cNvPr id="247" name="Прямоугольник 246">
             <a:extLst>
               <a:ext uri="{FF2B5EF4-FFF2-40B4-BE49-F238E27FC236}">
-                <a16:creationId xmlns="" xmlns:a16="http://schemas.microsoft.com/office/drawing/2014/main" id="{B8E1ED6E-2489-4B4F-B2DE-827983897179}"/>
+                <a16:creationId xmlns:a16="http://schemas.microsoft.com/office/drawing/2014/main" xmlns="" id="{B8E1ED6E-2489-4B4F-B2DE-827983897179}"/>
               </a:ext>
             </a:extLst>
           </p:cNvPr>
@@ -10866,7 +10866,7 @@
           <p:cNvPr id="252" name="Прямоугольник 251">
             <a:extLst>
               <a:ext uri="{FF2B5EF4-FFF2-40B4-BE49-F238E27FC236}">
-                <a16:creationId xmlns="" xmlns:a16="http://schemas.microsoft.com/office/drawing/2014/main" id="{5C03381E-AD84-48D0-9DF4-9972112B9350}"/>
+                <a16:creationId xmlns:a16="http://schemas.microsoft.com/office/drawing/2014/main" xmlns="" id="{5C03381E-AD84-48D0-9DF4-9972112B9350}"/>
               </a:ext>
             </a:extLst>
           </p:cNvPr>
@@ -10921,7 +10921,7 @@
           <p:cNvPr id="253" name="Прямоугольник 252">
             <a:extLst>
               <a:ext uri="{FF2B5EF4-FFF2-40B4-BE49-F238E27FC236}">
-                <a16:creationId xmlns="" xmlns:a16="http://schemas.microsoft.com/office/drawing/2014/main" id="{850A0E66-09E6-4644-8D6F-21BF01BD6C95}"/>
+                <a16:creationId xmlns:a16="http://schemas.microsoft.com/office/drawing/2014/main" xmlns="" id="{850A0E66-09E6-4644-8D6F-21BF01BD6C95}"/>
               </a:ext>
             </a:extLst>
           </p:cNvPr>
@@ -10973,7 +10973,7 @@
           <p:cNvPr id="254" name="Прямая соединительная линия 253">
             <a:extLst>
               <a:ext uri="{FF2B5EF4-FFF2-40B4-BE49-F238E27FC236}">
-                <a16:creationId xmlns="" xmlns:a16="http://schemas.microsoft.com/office/drawing/2014/main" id="{05512C7F-F1A2-4A1D-9E7E-FDFD88048733}"/>
+                <a16:creationId xmlns:a16="http://schemas.microsoft.com/office/drawing/2014/main" xmlns="" id="{05512C7F-F1A2-4A1D-9E7E-FDFD88048733}"/>
               </a:ext>
             </a:extLst>
           </p:cNvPr>
@@ -11018,7 +11018,7 @@
           <p:cNvPr id="265" name="Shape 248">
             <a:extLst>
               <a:ext uri="{FF2B5EF4-FFF2-40B4-BE49-F238E27FC236}">
-                <a16:creationId xmlns="" xmlns:a16="http://schemas.microsoft.com/office/drawing/2014/main" id="{965E4F13-6620-46F1-9F72-BCA7B26C6B87}"/>
+                <a16:creationId xmlns:a16="http://schemas.microsoft.com/office/drawing/2014/main" xmlns="" id="{965E4F13-6620-46F1-9F72-BCA7B26C6B87}"/>
               </a:ext>
             </a:extLst>
           </p:cNvPr>
@@ -11063,7 +11063,7 @@
           <p:cNvPr id="268" name="Shape 248">
             <a:extLst>
               <a:ext uri="{FF2B5EF4-FFF2-40B4-BE49-F238E27FC236}">
-                <a16:creationId xmlns="" xmlns:a16="http://schemas.microsoft.com/office/drawing/2014/main" id="{43A2D1CA-9033-40EF-87B0-93997D4F9F71}"/>
+                <a16:creationId xmlns:a16="http://schemas.microsoft.com/office/drawing/2014/main" xmlns="" id="{43A2D1CA-9033-40EF-87B0-93997D4F9F71}"/>
               </a:ext>
             </a:extLst>
           </p:cNvPr>
@@ -11108,7 +11108,7 @@
           <p:cNvPr id="271" name="Shape 248">
             <a:extLst>
               <a:ext uri="{FF2B5EF4-FFF2-40B4-BE49-F238E27FC236}">
-                <a16:creationId xmlns="" xmlns:a16="http://schemas.microsoft.com/office/drawing/2014/main" id="{31EA9CC3-4B9C-471F-B841-04E10150BF96}"/>
+                <a16:creationId xmlns:a16="http://schemas.microsoft.com/office/drawing/2014/main" xmlns="" id="{31EA9CC3-4B9C-471F-B841-04E10150BF96}"/>
               </a:ext>
             </a:extLst>
           </p:cNvPr>
@@ -11153,7 +11153,7 @@
           <p:cNvPr id="274" name="Shape 248">
             <a:extLst>
               <a:ext uri="{FF2B5EF4-FFF2-40B4-BE49-F238E27FC236}">
-                <a16:creationId xmlns="" xmlns:a16="http://schemas.microsoft.com/office/drawing/2014/main" id="{A394FB90-22D2-4484-A214-232F2AEB4696}"/>
+                <a16:creationId xmlns:a16="http://schemas.microsoft.com/office/drawing/2014/main" xmlns="" id="{A394FB90-22D2-4484-A214-232F2AEB4696}"/>
               </a:ext>
             </a:extLst>
           </p:cNvPr>
@@ -11198,7 +11198,7 @@
           <p:cNvPr id="278" name="Shape 248">
             <a:extLst>
               <a:ext uri="{FF2B5EF4-FFF2-40B4-BE49-F238E27FC236}">
-                <a16:creationId xmlns="" xmlns:a16="http://schemas.microsoft.com/office/drawing/2014/main" id="{703E60BD-ADB7-4A72-90BF-7EF67693663E}"/>
+                <a16:creationId xmlns:a16="http://schemas.microsoft.com/office/drawing/2014/main" xmlns="" id="{703E60BD-ADB7-4A72-90BF-7EF67693663E}"/>
               </a:ext>
             </a:extLst>
           </p:cNvPr>
@@ -11244,7 +11244,7 @@
           <p:cNvPr id="281" name="Shape 248">
             <a:extLst>
               <a:ext uri="{FF2B5EF4-FFF2-40B4-BE49-F238E27FC236}">
-                <a16:creationId xmlns="" xmlns:a16="http://schemas.microsoft.com/office/drawing/2014/main" id="{2BE0D2B9-EF73-4EA6-8C3F-892E696BB91F}"/>
+                <a16:creationId xmlns:a16="http://schemas.microsoft.com/office/drawing/2014/main" xmlns="" id="{2BE0D2B9-EF73-4EA6-8C3F-892E696BB91F}"/>
               </a:ext>
             </a:extLst>
           </p:cNvPr>
@@ -11290,7 +11290,7 @@
           <p:cNvPr id="284" name="Shape 248">
             <a:extLst>
               <a:ext uri="{FF2B5EF4-FFF2-40B4-BE49-F238E27FC236}">
-                <a16:creationId xmlns="" xmlns:a16="http://schemas.microsoft.com/office/drawing/2014/main" id="{C4320DC5-3F17-4C64-A1A3-5D0740777DD5}"/>
+                <a16:creationId xmlns:a16="http://schemas.microsoft.com/office/drawing/2014/main" xmlns="" id="{C4320DC5-3F17-4C64-A1A3-5D0740777DD5}"/>
               </a:ext>
             </a:extLst>
           </p:cNvPr>
@@ -11335,7 +11335,7 @@
           <p:cNvPr id="287" name="Shape 248">
             <a:extLst>
               <a:ext uri="{FF2B5EF4-FFF2-40B4-BE49-F238E27FC236}">
-                <a16:creationId xmlns="" xmlns:a16="http://schemas.microsoft.com/office/drawing/2014/main" id="{B5D0389A-2DCC-4BBF-9A57-8FF52A479BBB}"/>
+                <a16:creationId xmlns:a16="http://schemas.microsoft.com/office/drawing/2014/main" xmlns="" id="{B5D0389A-2DCC-4BBF-9A57-8FF52A479BBB}"/>
               </a:ext>
             </a:extLst>
           </p:cNvPr>
@@ -11380,7 +11380,7 @@
           <p:cNvPr id="308" name="Прямоугольник 307">
             <a:extLst>
               <a:ext uri="{FF2B5EF4-FFF2-40B4-BE49-F238E27FC236}">
-                <a16:creationId xmlns="" xmlns:a16="http://schemas.microsoft.com/office/drawing/2014/main" id="{2556BFD4-D2F0-4404-AAEE-9366CE5E0E2B}"/>
+                <a16:creationId xmlns:a16="http://schemas.microsoft.com/office/drawing/2014/main" xmlns="" id="{2556BFD4-D2F0-4404-AAEE-9366CE5E0E2B}"/>
               </a:ext>
             </a:extLst>
           </p:cNvPr>
@@ -11435,7 +11435,7 @@
           <p:cNvPr id="309" name="Shape 248">
             <a:extLst>
               <a:ext uri="{FF2B5EF4-FFF2-40B4-BE49-F238E27FC236}">
-                <a16:creationId xmlns="" xmlns:a16="http://schemas.microsoft.com/office/drawing/2014/main" id="{5F86BDF8-1375-4E38-BF60-B4D7F56FC739}"/>
+                <a16:creationId xmlns:a16="http://schemas.microsoft.com/office/drawing/2014/main" xmlns="" id="{5F86BDF8-1375-4E38-BF60-B4D7F56FC739}"/>
               </a:ext>
             </a:extLst>
           </p:cNvPr>
@@ -11480,7 +11480,7 @@
           <p:cNvPr id="314" name="Прямоугольник 313">
             <a:extLst>
               <a:ext uri="{FF2B5EF4-FFF2-40B4-BE49-F238E27FC236}">
-                <a16:creationId xmlns="" xmlns:a16="http://schemas.microsoft.com/office/drawing/2014/main" id="{215ABD23-9D4E-461A-9AF0-4DBCA32E7358}"/>
+                <a16:creationId xmlns:a16="http://schemas.microsoft.com/office/drawing/2014/main" xmlns="" id="{215ABD23-9D4E-461A-9AF0-4DBCA32E7358}"/>
               </a:ext>
             </a:extLst>
           </p:cNvPr>
@@ -11535,7 +11535,7 @@
           <p:cNvPr id="315" name="Shape 248">
             <a:extLst>
               <a:ext uri="{FF2B5EF4-FFF2-40B4-BE49-F238E27FC236}">
-                <a16:creationId xmlns="" xmlns:a16="http://schemas.microsoft.com/office/drawing/2014/main" id="{3DE9E056-50E7-4870-B99F-6A62987742D8}"/>
+                <a16:creationId xmlns:a16="http://schemas.microsoft.com/office/drawing/2014/main" xmlns="" id="{3DE9E056-50E7-4870-B99F-6A62987742D8}"/>
               </a:ext>
             </a:extLst>
           </p:cNvPr>
@@ -11580,7 +11580,7 @@
           <p:cNvPr id="319" name="Прямоугольник 318">
             <a:extLst>
               <a:ext uri="{FF2B5EF4-FFF2-40B4-BE49-F238E27FC236}">
-                <a16:creationId xmlns="" xmlns:a16="http://schemas.microsoft.com/office/drawing/2014/main" id="{6735B9BD-008B-4094-B7AA-5B87EFC9DE63}"/>
+                <a16:creationId xmlns:a16="http://schemas.microsoft.com/office/drawing/2014/main" xmlns="" id="{6735B9BD-008B-4094-B7AA-5B87EFC9DE63}"/>
               </a:ext>
             </a:extLst>
           </p:cNvPr>
@@ -11629,7 +11629,7 @@
           <p:cNvPr id="320" name="Прямоугольник 319">
             <a:extLst>
               <a:ext uri="{FF2B5EF4-FFF2-40B4-BE49-F238E27FC236}">
-                <a16:creationId xmlns="" xmlns:a16="http://schemas.microsoft.com/office/drawing/2014/main" id="{C77885C1-D5CA-4930-ADE1-7C46C64D16E5}"/>
+                <a16:creationId xmlns:a16="http://schemas.microsoft.com/office/drawing/2014/main" xmlns="" id="{C77885C1-D5CA-4930-ADE1-7C46C64D16E5}"/>
               </a:ext>
             </a:extLst>
           </p:cNvPr>
@@ -11682,7 +11682,7 @@
           <p:cNvPr id="321" name="Прямоугольник 320">
             <a:extLst>
               <a:ext uri="{FF2B5EF4-FFF2-40B4-BE49-F238E27FC236}">
-                <a16:creationId xmlns="" xmlns:a16="http://schemas.microsoft.com/office/drawing/2014/main" id="{961053D9-AAA7-4CAF-848A-3DA66DABCD04}"/>
+                <a16:creationId xmlns:a16="http://schemas.microsoft.com/office/drawing/2014/main" xmlns="" id="{961053D9-AAA7-4CAF-848A-3DA66DABCD04}"/>
               </a:ext>
             </a:extLst>
           </p:cNvPr>
@@ -11731,7 +11731,7 @@
           <p:cNvPr id="322" name="Прямоугольник 321">
             <a:extLst>
               <a:ext uri="{FF2B5EF4-FFF2-40B4-BE49-F238E27FC236}">
-                <a16:creationId xmlns="" xmlns:a16="http://schemas.microsoft.com/office/drawing/2014/main" id="{8A876C97-99BD-45AC-8D01-F343AE503AE2}"/>
+                <a16:creationId xmlns:a16="http://schemas.microsoft.com/office/drawing/2014/main" xmlns="" id="{8A876C97-99BD-45AC-8D01-F343AE503AE2}"/>
               </a:ext>
             </a:extLst>
           </p:cNvPr>
@@ -11780,7 +11780,7 @@
           <p:cNvPr id="323" name="Прямоугольник 322">
             <a:extLst>
               <a:ext uri="{FF2B5EF4-FFF2-40B4-BE49-F238E27FC236}">
-                <a16:creationId xmlns="" xmlns:a16="http://schemas.microsoft.com/office/drawing/2014/main" id="{665A1BD9-0771-4BD6-B348-D40983890E9C}"/>
+                <a16:creationId xmlns:a16="http://schemas.microsoft.com/office/drawing/2014/main" xmlns="" id="{665A1BD9-0771-4BD6-B348-D40983890E9C}"/>
               </a:ext>
             </a:extLst>
           </p:cNvPr>
@@ -11832,7 +11832,7 @@
           <p:cNvPr id="191" name="Прямоугольник 190">
             <a:extLst>
               <a:ext uri="{FF2B5EF4-FFF2-40B4-BE49-F238E27FC236}">
-                <a16:creationId xmlns="" xmlns:a16="http://schemas.microsoft.com/office/drawing/2014/main" id="{752C84E7-7069-46CF-8D98-C9A1A02720BA}"/>
+                <a16:creationId xmlns:a16="http://schemas.microsoft.com/office/drawing/2014/main" xmlns="" id="{752C84E7-7069-46CF-8D98-C9A1A02720BA}"/>
               </a:ext>
             </a:extLst>
           </p:cNvPr>
@@ -11884,7 +11884,7 @@
           <p:cNvPr id="194" name="Прямоугольник 193">
             <a:extLst>
               <a:ext uri="{FF2B5EF4-FFF2-40B4-BE49-F238E27FC236}">
-                <a16:creationId xmlns="" xmlns:a16="http://schemas.microsoft.com/office/drawing/2014/main" id="{215EA1EA-7CCD-4839-A9B1-0356F6327E10}"/>
+                <a16:creationId xmlns:a16="http://schemas.microsoft.com/office/drawing/2014/main" xmlns="" id="{215EA1EA-7CCD-4839-A9B1-0356F6327E10}"/>
               </a:ext>
             </a:extLst>
           </p:cNvPr>
@@ -11925,7 +11925,11 @@
             <a:pPr algn="ctr"/>
             <a:r>
               <a:rPr lang="ru-RU" sz="1400" dirty="0"/>
-              <a:t>Военный социализм в африканских условиях (текущее, изменено название 3 воен. Зав, 10% поддержки войны)</a:t>
+              <a:t>Военный социализм в африканских </a:t>
+            </a:r>
+            <a:r>
+              <a:rPr lang="ru-RU" sz="1400" dirty="0" smtClean="0"/>
+              <a:t>условиях</a:t>
             </a:r>
             <a:endParaRPr lang="ru-RU" sz="500" dirty="0"/>
           </a:p>
@@ -11936,7 +11940,7 @@
           <p:cNvPr id="197" name="Прямоугольник 196">
             <a:extLst>
               <a:ext uri="{FF2B5EF4-FFF2-40B4-BE49-F238E27FC236}">
-                <a16:creationId xmlns="" xmlns:a16="http://schemas.microsoft.com/office/drawing/2014/main" id="{15DD7879-ED81-4846-A052-BDF25170F776}"/>
+                <a16:creationId xmlns:a16="http://schemas.microsoft.com/office/drawing/2014/main" xmlns="" id="{15DD7879-ED81-4846-A052-BDF25170F776}"/>
               </a:ext>
             </a:extLst>
           </p:cNvPr>
@@ -11988,7 +11992,7 @@
           <p:cNvPr id="198" name="Прямоугольник 197">
             <a:extLst>
               <a:ext uri="{FF2B5EF4-FFF2-40B4-BE49-F238E27FC236}">
-                <a16:creationId xmlns="" xmlns:a16="http://schemas.microsoft.com/office/drawing/2014/main" id="{40F3892C-19A4-4EE2-8CF4-3802CB87F842}"/>
+                <a16:creationId xmlns:a16="http://schemas.microsoft.com/office/drawing/2014/main" xmlns="" id="{40F3892C-19A4-4EE2-8CF4-3802CB87F842}"/>
               </a:ext>
             </a:extLst>
           </p:cNvPr>
@@ -12040,7 +12044,7 @@
           <p:cNvPr id="200" name="Прямоугольник 199">
             <a:extLst>
               <a:ext uri="{FF2B5EF4-FFF2-40B4-BE49-F238E27FC236}">
-                <a16:creationId xmlns="" xmlns:a16="http://schemas.microsoft.com/office/drawing/2014/main" id="{FFAA3B33-5852-432D-A3C7-D46B69099BB1}"/>
+                <a16:creationId xmlns:a16="http://schemas.microsoft.com/office/drawing/2014/main" xmlns="" id="{FFAA3B33-5852-432D-A3C7-D46B69099BB1}"/>
               </a:ext>
             </a:extLst>
           </p:cNvPr>
@@ -12092,7 +12096,7 @@
           <p:cNvPr id="201" name="Прямоугольник 200">
             <a:extLst>
               <a:ext uri="{FF2B5EF4-FFF2-40B4-BE49-F238E27FC236}">
-                <a16:creationId xmlns="" xmlns:a16="http://schemas.microsoft.com/office/drawing/2014/main" id="{5FD3282B-6227-4385-846F-EA7DAB179048}"/>
+                <a16:creationId xmlns:a16="http://schemas.microsoft.com/office/drawing/2014/main" xmlns="" id="{5FD3282B-6227-4385-846F-EA7DAB179048}"/>
               </a:ext>
             </a:extLst>
           </p:cNvPr>
@@ -12144,7 +12148,7 @@
           <p:cNvPr id="203" name="Прямоугольник 202">
             <a:extLst>
               <a:ext uri="{FF2B5EF4-FFF2-40B4-BE49-F238E27FC236}">
-                <a16:creationId xmlns="" xmlns:a16="http://schemas.microsoft.com/office/drawing/2014/main" id="{057FDB6C-639A-4A2B-B43B-A1EAEDD0FA56}"/>
+                <a16:creationId xmlns:a16="http://schemas.microsoft.com/office/drawing/2014/main" xmlns="" id="{057FDB6C-639A-4A2B-B43B-A1EAEDD0FA56}"/>
               </a:ext>
             </a:extLst>
           </p:cNvPr>
@@ -12185,31 +12189,11 @@
             <a:pPr algn="ctr"/>
             <a:r>
               <a:rPr lang="ru-RU" sz="1400" dirty="0"/>
-              <a:t>Спасти угнетённых арабов (текущее </a:t>
-            </a:r>
-            <a:r>
-              <a:rPr lang="ru-RU" sz="1400" dirty="0" err="1"/>
-              <a:t>нац</a:t>
-            </a:r>
-            <a:r>
-              <a:rPr lang="ru-RU" sz="1400" dirty="0"/>
-              <a:t> 72 регионов </a:t>
-            </a:r>
-            <a:r>
-              <a:rPr lang="ru-RU" sz="1400" dirty="0" err="1"/>
-              <a:t>мус</a:t>
-            </a:r>
-            <a:r>
-              <a:rPr lang="ru-RU" sz="1400" dirty="0"/>
-              <a:t> </a:t>
-            </a:r>
-            <a:r>
-              <a:rPr lang="ru-RU" sz="1400" dirty="0" err="1"/>
-              <a:t>африки</a:t>
-            </a:r>
-            <a:r>
-              <a:rPr lang="ru-RU" sz="1400" dirty="0"/>
-              <a:t>)</a:t>
+              <a:t>Спасти угнетённых </a:t>
+            </a:r>
+            <a:r>
+              <a:rPr lang="ru-RU" sz="1400" dirty="0" smtClean="0"/>
+              <a:t>арабов</a:t>
             </a:r>
             <a:endParaRPr lang="ru-RU" sz="500" dirty="0"/>
           </a:p>
@@ -12220,7 +12204,7 @@
           <p:cNvPr id="204" name="Прямоугольник 203">
             <a:extLst>
               <a:ext uri="{FF2B5EF4-FFF2-40B4-BE49-F238E27FC236}">
-                <a16:creationId xmlns="" xmlns:a16="http://schemas.microsoft.com/office/drawing/2014/main" id="{6C94C3ED-2619-47F4-A7C9-E9B23AF450C0}"/>
+                <a16:creationId xmlns:a16="http://schemas.microsoft.com/office/drawing/2014/main" xmlns="" id="{6C94C3ED-2619-47F4-A7C9-E9B23AF450C0}"/>
               </a:ext>
             </a:extLst>
           </p:cNvPr>
@@ -12261,7 +12245,11 @@
             <a:pPr algn="ctr"/>
             <a:r>
               <a:rPr lang="ru-RU" sz="1400" dirty="0"/>
-              <a:t>Спасти индусов от империалистического гнёта (текущее, название изменено)</a:t>
+              <a:t>Спасти индусов от империалистического </a:t>
+            </a:r>
+            <a:r>
+              <a:rPr lang="ru-RU" sz="1400" dirty="0" smtClean="0"/>
+              <a:t>гнёта</a:t>
             </a:r>
             <a:endParaRPr lang="ru-RU" sz="500" dirty="0"/>
           </a:p>
@@ -12272,7 +12260,7 @@
           <p:cNvPr id="209" name="Прямоугольник 208">
             <a:extLst>
               <a:ext uri="{FF2B5EF4-FFF2-40B4-BE49-F238E27FC236}">
-                <a16:creationId xmlns="" xmlns:a16="http://schemas.microsoft.com/office/drawing/2014/main" id="{DA264832-EDDB-45DE-857E-EF2A1A0CCA95}"/>
+                <a16:creationId xmlns:a16="http://schemas.microsoft.com/office/drawing/2014/main" xmlns="" id="{DA264832-EDDB-45DE-857E-EF2A1A0CCA95}"/>
               </a:ext>
             </a:extLst>
           </p:cNvPr>
@@ -12324,7 +12312,7 @@
           <p:cNvPr id="218" name="Прямоугольник 217">
             <a:extLst>
               <a:ext uri="{FF2B5EF4-FFF2-40B4-BE49-F238E27FC236}">
-                <a16:creationId xmlns="" xmlns:a16="http://schemas.microsoft.com/office/drawing/2014/main" id="{84BD2C83-7F0B-495E-A795-68E099A4282C}"/>
+                <a16:creationId xmlns:a16="http://schemas.microsoft.com/office/drawing/2014/main" xmlns="" id="{84BD2C83-7F0B-495E-A795-68E099A4282C}"/>
               </a:ext>
             </a:extLst>
           </p:cNvPr>
@@ -12376,7 +12364,7 @@
           <p:cNvPr id="219" name="Прямоугольник 218">
             <a:extLst>
               <a:ext uri="{FF2B5EF4-FFF2-40B4-BE49-F238E27FC236}">
-                <a16:creationId xmlns="" xmlns:a16="http://schemas.microsoft.com/office/drawing/2014/main" id="{068D5A92-12C5-4674-BB60-C9AF6DC376DD}"/>
+                <a16:creationId xmlns:a16="http://schemas.microsoft.com/office/drawing/2014/main" xmlns="" id="{068D5A92-12C5-4674-BB60-C9AF6DC376DD}"/>
               </a:ext>
             </a:extLst>
           </p:cNvPr>
@@ -12428,7 +12416,7 @@
           <p:cNvPr id="225" name="Shape 248">
             <a:extLst>
               <a:ext uri="{FF2B5EF4-FFF2-40B4-BE49-F238E27FC236}">
-                <a16:creationId xmlns="" xmlns:a16="http://schemas.microsoft.com/office/drawing/2014/main" id="{EC83F1B2-5677-47B7-89B7-9339717E53CE}"/>
+                <a16:creationId xmlns:a16="http://schemas.microsoft.com/office/drawing/2014/main" xmlns="" id="{EC83F1B2-5677-47B7-89B7-9339717E53CE}"/>
               </a:ext>
             </a:extLst>
           </p:cNvPr>
@@ -12473,7 +12461,7 @@
           <p:cNvPr id="227" name="Shape 248">
             <a:extLst>
               <a:ext uri="{FF2B5EF4-FFF2-40B4-BE49-F238E27FC236}">
-                <a16:creationId xmlns="" xmlns:a16="http://schemas.microsoft.com/office/drawing/2014/main" id="{F9072406-5AA8-42DE-92B5-0D4BA917E76A}"/>
+                <a16:creationId xmlns:a16="http://schemas.microsoft.com/office/drawing/2014/main" xmlns="" id="{F9072406-5AA8-42DE-92B5-0D4BA917E76A}"/>
               </a:ext>
             </a:extLst>
           </p:cNvPr>
@@ -12518,7 +12506,7 @@
           <p:cNvPr id="228" name="Shape 248">
             <a:extLst>
               <a:ext uri="{FF2B5EF4-FFF2-40B4-BE49-F238E27FC236}">
-                <a16:creationId xmlns="" xmlns:a16="http://schemas.microsoft.com/office/drawing/2014/main" id="{5D6B41B9-2CC5-41C0-B3A7-715B18E79872}"/>
+                <a16:creationId xmlns:a16="http://schemas.microsoft.com/office/drawing/2014/main" xmlns="" id="{5D6B41B9-2CC5-41C0-B3A7-715B18E79872}"/>
               </a:ext>
             </a:extLst>
           </p:cNvPr>
@@ -12563,7 +12551,7 @@
           <p:cNvPr id="231" name="Shape 248">
             <a:extLst>
               <a:ext uri="{FF2B5EF4-FFF2-40B4-BE49-F238E27FC236}">
-                <a16:creationId xmlns="" xmlns:a16="http://schemas.microsoft.com/office/drawing/2014/main" id="{256A8B7B-1717-4B4C-9F5D-E711DC225A0F}"/>
+                <a16:creationId xmlns:a16="http://schemas.microsoft.com/office/drawing/2014/main" xmlns="" id="{256A8B7B-1717-4B4C-9F5D-E711DC225A0F}"/>
               </a:ext>
             </a:extLst>
           </p:cNvPr>
@@ -12608,7 +12596,7 @@
           <p:cNvPr id="233" name="Shape 248">
             <a:extLst>
               <a:ext uri="{FF2B5EF4-FFF2-40B4-BE49-F238E27FC236}">
-                <a16:creationId xmlns="" xmlns:a16="http://schemas.microsoft.com/office/drawing/2014/main" id="{11232296-C52D-45C3-BBF1-C59D3E29E989}"/>
+                <a16:creationId xmlns:a16="http://schemas.microsoft.com/office/drawing/2014/main" xmlns="" id="{11232296-C52D-45C3-BBF1-C59D3E29E989}"/>
               </a:ext>
             </a:extLst>
           </p:cNvPr>
@@ -12653,7 +12641,7 @@
           <p:cNvPr id="236" name="Shape 248">
             <a:extLst>
               <a:ext uri="{FF2B5EF4-FFF2-40B4-BE49-F238E27FC236}">
-                <a16:creationId xmlns="" xmlns:a16="http://schemas.microsoft.com/office/drawing/2014/main" id="{0E3C4F9F-42F6-472D-8A8B-E36CC3BEAA58}"/>
+                <a16:creationId xmlns:a16="http://schemas.microsoft.com/office/drawing/2014/main" xmlns="" id="{0E3C4F9F-42F6-472D-8A8B-E36CC3BEAA58}"/>
               </a:ext>
             </a:extLst>
           </p:cNvPr>
@@ -12699,7 +12687,7 @@
           <p:cNvPr id="238" name="Shape 248">
             <a:extLst>
               <a:ext uri="{FF2B5EF4-FFF2-40B4-BE49-F238E27FC236}">
-                <a16:creationId xmlns="" xmlns:a16="http://schemas.microsoft.com/office/drawing/2014/main" id="{DC5596EF-0BFD-4C5F-BE4B-81CC4EB3D125}"/>
+                <a16:creationId xmlns:a16="http://schemas.microsoft.com/office/drawing/2014/main" xmlns="" id="{DC5596EF-0BFD-4C5F-BE4B-81CC4EB3D125}"/>
               </a:ext>
             </a:extLst>
           </p:cNvPr>
@@ -12745,7 +12733,7 @@
           <p:cNvPr id="255" name="Прямоугольник 254">
             <a:extLst>
               <a:ext uri="{FF2B5EF4-FFF2-40B4-BE49-F238E27FC236}">
-                <a16:creationId xmlns="" xmlns:a16="http://schemas.microsoft.com/office/drawing/2014/main" id="{46A324E1-A9F3-4F99-9754-C8F10879F564}"/>
+                <a16:creationId xmlns:a16="http://schemas.microsoft.com/office/drawing/2014/main" xmlns="" id="{46A324E1-A9F3-4F99-9754-C8F10879F564}"/>
               </a:ext>
             </a:extLst>
           </p:cNvPr>
@@ -12797,7 +12785,7 @@
           <p:cNvPr id="257" name="Прямоугольник 256">
             <a:extLst>
               <a:ext uri="{FF2B5EF4-FFF2-40B4-BE49-F238E27FC236}">
-                <a16:creationId xmlns="" xmlns:a16="http://schemas.microsoft.com/office/drawing/2014/main" id="{E19DB08F-F422-42E4-8EC8-DCF6DF6ADE72}"/>
+                <a16:creationId xmlns:a16="http://schemas.microsoft.com/office/drawing/2014/main" xmlns="" id="{E19DB08F-F422-42E4-8EC8-DCF6DF6ADE72}"/>
               </a:ext>
             </a:extLst>
           </p:cNvPr>
@@ -12849,7 +12837,7 @@
           <p:cNvPr id="258" name="Прямоугольник 257">
             <a:extLst>
               <a:ext uri="{FF2B5EF4-FFF2-40B4-BE49-F238E27FC236}">
-                <a16:creationId xmlns="" xmlns:a16="http://schemas.microsoft.com/office/drawing/2014/main" id="{DBB21772-5DC6-49CD-8347-70472CFCB171}"/>
+                <a16:creationId xmlns:a16="http://schemas.microsoft.com/office/drawing/2014/main" xmlns="" id="{DBB21772-5DC6-49CD-8347-70472CFCB171}"/>
               </a:ext>
             </a:extLst>
           </p:cNvPr>
@@ -12901,7 +12889,7 @@
           <p:cNvPr id="259" name="Прямоугольник 258">
             <a:extLst>
               <a:ext uri="{FF2B5EF4-FFF2-40B4-BE49-F238E27FC236}">
-                <a16:creationId xmlns="" xmlns:a16="http://schemas.microsoft.com/office/drawing/2014/main" id="{08EE18AE-8727-4E84-B350-FF84B357DC6D}"/>
+                <a16:creationId xmlns:a16="http://schemas.microsoft.com/office/drawing/2014/main" xmlns="" id="{08EE18AE-8727-4E84-B350-FF84B357DC6D}"/>
               </a:ext>
             </a:extLst>
           </p:cNvPr>
@@ -12953,7 +12941,7 @@
           <p:cNvPr id="260" name="Прямоугольник 259">
             <a:extLst>
               <a:ext uri="{FF2B5EF4-FFF2-40B4-BE49-F238E27FC236}">
-                <a16:creationId xmlns="" xmlns:a16="http://schemas.microsoft.com/office/drawing/2014/main" id="{621FE09E-C13D-4C26-BDAE-5E66C7E42E9D}"/>
+                <a16:creationId xmlns:a16="http://schemas.microsoft.com/office/drawing/2014/main" xmlns="" id="{621FE09E-C13D-4C26-BDAE-5E66C7E42E9D}"/>
               </a:ext>
             </a:extLst>
           </p:cNvPr>
@@ -13005,7 +12993,7 @@
           <p:cNvPr id="261" name="Прямоугольник 260">
             <a:extLst>
               <a:ext uri="{FF2B5EF4-FFF2-40B4-BE49-F238E27FC236}">
-                <a16:creationId xmlns="" xmlns:a16="http://schemas.microsoft.com/office/drawing/2014/main" id="{956584E7-3DC8-451E-8A93-10468CFF313C}"/>
+                <a16:creationId xmlns:a16="http://schemas.microsoft.com/office/drawing/2014/main" xmlns="" id="{956584E7-3DC8-451E-8A93-10468CFF313C}"/>
               </a:ext>
             </a:extLst>
           </p:cNvPr>
@@ -13061,7 +13049,7 @@
           <p:cNvPr id="262" name="Прямоугольник 261">
             <a:extLst>
               <a:ext uri="{FF2B5EF4-FFF2-40B4-BE49-F238E27FC236}">
-                <a16:creationId xmlns="" xmlns:a16="http://schemas.microsoft.com/office/drawing/2014/main" id="{52EFBB1F-7910-4514-87B0-5B6B22F9A1E2}"/>
+                <a16:creationId xmlns:a16="http://schemas.microsoft.com/office/drawing/2014/main" xmlns="" id="{52EFBB1F-7910-4514-87B0-5B6B22F9A1E2}"/>
               </a:ext>
             </a:extLst>
           </p:cNvPr>
@@ -13117,7 +13105,7 @@
           <p:cNvPr id="263" name="Прямоугольник 262">
             <a:extLst>
               <a:ext uri="{FF2B5EF4-FFF2-40B4-BE49-F238E27FC236}">
-                <a16:creationId xmlns="" xmlns:a16="http://schemas.microsoft.com/office/drawing/2014/main" id="{0AE0E348-7DA9-40B5-B7FB-B39FB858D660}"/>
+                <a16:creationId xmlns:a16="http://schemas.microsoft.com/office/drawing/2014/main" xmlns="" id="{0AE0E348-7DA9-40B5-B7FB-B39FB858D660}"/>
               </a:ext>
             </a:extLst>
           </p:cNvPr>
@@ -13158,11 +13146,11 @@
             <a:pPr algn="ctr"/>
             <a:r>
               <a:rPr lang="ru-RU" sz="1400" dirty="0"/>
-              <a:t>Политическая революция в СССР </a:t>
-            </a:r>
-            <a:r>
-              <a:rPr lang="ru-RU" sz="900" dirty="0"/>
-              <a:t>(Многие говорили о необходимости «политической» революции в СССР, которая устранит сталинизм и обеспечит руководство грядущей мировой революцией.)</a:t>
+              <a:t>Политическая революция в </a:t>
+            </a:r>
+            <a:r>
+              <a:rPr lang="ru-RU" sz="1400" dirty="0" smtClean="0"/>
+              <a:t>СССР</a:t>
             </a:r>
             <a:endParaRPr lang="ru-RU" sz="500" dirty="0"/>
           </a:p>
@@ -13173,7 +13161,7 @@
           <p:cNvPr id="266" name="Прямоугольник 265">
             <a:extLst>
               <a:ext uri="{FF2B5EF4-FFF2-40B4-BE49-F238E27FC236}">
-                <a16:creationId xmlns="" xmlns:a16="http://schemas.microsoft.com/office/drawing/2014/main" id="{2A2DA3A3-7506-43C9-8221-C1A4D02D818C}"/>
+                <a16:creationId xmlns:a16="http://schemas.microsoft.com/office/drawing/2014/main" xmlns="" id="{2A2DA3A3-7506-43C9-8221-C1A4D02D818C}"/>
               </a:ext>
             </a:extLst>
           </p:cNvPr>
@@ -13229,7 +13217,7 @@
           <p:cNvPr id="267" name="Прямоугольник 266">
             <a:extLst>
               <a:ext uri="{FF2B5EF4-FFF2-40B4-BE49-F238E27FC236}">
-                <a16:creationId xmlns="" xmlns:a16="http://schemas.microsoft.com/office/drawing/2014/main" id="{6A09D8C1-FE84-48D6-A838-F1E4C6F73CDC}"/>
+                <a16:creationId xmlns:a16="http://schemas.microsoft.com/office/drawing/2014/main" xmlns="" id="{6A09D8C1-FE84-48D6-A838-F1E4C6F73CDC}"/>
               </a:ext>
             </a:extLst>
           </p:cNvPr>
@@ -13281,7 +13269,7 @@
           <p:cNvPr id="269" name="Shape 248">
             <a:extLst>
               <a:ext uri="{FF2B5EF4-FFF2-40B4-BE49-F238E27FC236}">
-                <a16:creationId xmlns="" xmlns:a16="http://schemas.microsoft.com/office/drawing/2014/main" id="{FBEAA8DC-5277-431B-B72A-96CB92AB08F2}"/>
+                <a16:creationId xmlns:a16="http://schemas.microsoft.com/office/drawing/2014/main" xmlns="" id="{FBEAA8DC-5277-431B-B72A-96CB92AB08F2}"/>
               </a:ext>
             </a:extLst>
           </p:cNvPr>
@@ -13326,7 +13314,7 @@
           <p:cNvPr id="272" name="Shape 248">
             <a:extLst>
               <a:ext uri="{FF2B5EF4-FFF2-40B4-BE49-F238E27FC236}">
-                <a16:creationId xmlns="" xmlns:a16="http://schemas.microsoft.com/office/drawing/2014/main" id="{D5D4437B-1223-4FCE-9062-B8243AC66A55}"/>
+                <a16:creationId xmlns:a16="http://schemas.microsoft.com/office/drawing/2014/main" xmlns="" id="{D5D4437B-1223-4FCE-9062-B8243AC66A55}"/>
               </a:ext>
             </a:extLst>
           </p:cNvPr>
@@ -13371,7 +13359,7 @@
           <p:cNvPr id="275" name="Shape 248">
             <a:extLst>
               <a:ext uri="{FF2B5EF4-FFF2-40B4-BE49-F238E27FC236}">
-                <a16:creationId xmlns="" xmlns:a16="http://schemas.microsoft.com/office/drawing/2014/main" id="{D95A6C3B-CFE7-40B6-9CE6-1A9B074D319A}"/>
+                <a16:creationId xmlns:a16="http://schemas.microsoft.com/office/drawing/2014/main" xmlns="" id="{D95A6C3B-CFE7-40B6-9CE6-1A9B074D319A}"/>
               </a:ext>
             </a:extLst>
           </p:cNvPr>
@@ -13416,7 +13404,7 @@
           <p:cNvPr id="277" name="Shape 248">
             <a:extLst>
               <a:ext uri="{FF2B5EF4-FFF2-40B4-BE49-F238E27FC236}">
-                <a16:creationId xmlns="" xmlns:a16="http://schemas.microsoft.com/office/drawing/2014/main" id="{1084AFBE-7DDB-4565-899D-F5786F8B9959}"/>
+                <a16:creationId xmlns:a16="http://schemas.microsoft.com/office/drawing/2014/main" xmlns="" id="{1084AFBE-7DDB-4565-899D-F5786F8B9959}"/>
               </a:ext>
             </a:extLst>
           </p:cNvPr>
@@ -13461,7 +13449,7 @@
           <p:cNvPr id="280" name="Shape 248">
             <a:extLst>
               <a:ext uri="{FF2B5EF4-FFF2-40B4-BE49-F238E27FC236}">
-                <a16:creationId xmlns="" xmlns:a16="http://schemas.microsoft.com/office/drawing/2014/main" id="{25708BBE-8555-4AEA-85E9-6204F5F68A3E}"/>
+                <a16:creationId xmlns:a16="http://schemas.microsoft.com/office/drawing/2014/main" xmlns="" id="{25708BBE-8555-4AEA-85E9-6204F5F68A3E}"/>
               </a:ext>
             </a:extLst>
           </p:cNvPr>
@@ -13506,7 +13494,7 @@
           <p:cNvPr id="283" name="Shape 248">
             <a:extLst>
               <a:ext uri="{FF2B5EF4-FFF2-40B4-BE49-F238E27FC236}">
-                <a16:creationId xmlns="" xmlns:a16="http://schemas.microsoft.com/office/drawing/2014/main" id="{0E0F779A-C2E1-4552-804D-2183B64A70F0}"/>
+                <a16:creationId xmlns:a16="http://schemas.microsoft.com/office/drawing/2014/main" xmlns="" id="{0E0F779A-C2E1-4552-804D-2183B64A70F0}"/>
               </a:ext>
             </a:extLst>
           </p:cNvPr>
@@ -13551,7 +13539,7 @@
           <p:cNvPr id="286" name="Shape 248">
             <a:extLst>
               <a:ext uri="{FF2B5EF4-FFF2-40B4-BE49-F238E27FC236}">
-                <a16:creationId xmlns="" xmlns:a16="http://schemas.microsoft.com/office/drawing/2014/main" id="{EB6E88A6-88A3-42F9-BD1A-6684BEB9B8D6}"/>
+                <a16:creationId xmlns:a16="http://schemas.microsoft.com/office/drawing/2014/main" xmlns="" id="{EB6E88A6-88A3-42F9-BD1A-6684BEB9B8D6}"/>
               </a:ext>
             </a:extLst>
           </p:cNvPr>
@@ -13596,7 +13584,7 @@
           <p:cNvPr id="289" name="Shape 248">
             <a:extLst>
               <a:ext uri="{FF2B5EF4-FFF2-40B4-BE49-F238E27FC236}">
-                <a16:creationId xmlns="" xmlns:a16="http://schemas.microsoft.com/office/drawing/2014/main" id="{B02C59D2-F9E9-489C-9E27-CE850599413C}"/>
+                <a16:creationId xmlns:a16="http://schemas.microsoft.com/office/drawing/2014/main" xmlns="" id="{B02C59D2-F9E9-489C-9E27-CE850599413C}"/>
               </a:ext>
             </a:extLst>
           </p:cNvPr>
@@ -13641,7 +13629,7 @@
           <p:cNvPr id="292" name="Shape 248">
             <a:extLst>
               <a:ext uri="{FF2B5EF4-FFF2-40B4-BE49-F238E27FC236}">
-                <a16:creationId xmlns="" xmlns:a16="http://schemas.microsoft.com/office/drawing/2014/main" id="{8B496B63-0C0F-4927-8651-F1B95AF109E8}"/>
+                <a16:creationId xmlns:a16="http://schemas.microsoft.com/office/drawing/2014/main" xmlns="" id="{8B496B63-0C0F-4927-8651-F1B95AF109E8}"/>
               </a:ext>
             </a:extLst>
           </p:cNvPr>
@@ -13686,7 +13674,7 @@
           <p:cNvPr id="296" name="Shape 248">
             <a:extLst>
               <a:ext uri="{FF2B5EF4-FFF2-40B4-BE49-F238E27FC236}">
-                <a16:creationId xmlns="" xmlns:a16="http://schemas.microsoft.com/office/drawing/2014/main" id="{E6DE7C41-4D34-4CBF-97CF-6AF882811621}"/>
+                <a16:creationId xmlns:a16="http://schemas.microsoft.com/office/drawing/2014/main" xmlns="" id="{E6DE7C41-4D34-4CBF-97CF-6AF882811621}"/>
               </a:ext>
             </a:extLst>
           </p:cNvPr>
@@ -13731,7 +13719,7 @@
           <p:cNvPr id="299" name="Shape 248">
             <a:extLst>
               <a:ext uri="{FF2B5EF4-FFF2-40B4-BE49-F238E27FC236}">
-                <a16:creationId xmlns="" xmlns:a16="http://schemas.microsoft.com/office/drawing/2014/main" id="{5847288F-E13F-43FA-AA58-BCF5A8AF3328}"/>
+                <a16:creationId xmlns:a16="http://schemas.microsoft.com/office/drawing/2014/main" xmlns="" id="{5847288F-E13F-43FA-AA58-BCF5A8AF3328}"/>
               </a:ext>
             </a:extLst>
           </p:cNvPr>
@@ -13776,7 +13764,7 @@
           <p:cNvPr id="303" name="Shape 248">
             <a:extLst>
               <a:ext uri="{FF2B5EF4-FFF2-40B4-BE49-F238E27FC236}">
-                <a16:creationId xmlns="" xmlns:a16="http://schemas.microsoft.com/office/drawing/2014/main" id="{C80F61D8-ADF1-4B65-8A1E-844EE7901F2F}"/>
+                <a16:creationId xmlns:a16="http://schemas.microsoft.com/office/drawing/2014/main" xmlns="" id="{C80F61D8-ADF1-4B65-8A1E-844EE7901F2F}"/>
               </a:ext>
             </a:extLst>
           </p:cNvPr>
@@ -13822,7 +13810,7 @@
           <p:cNvPr id="306" name="Shape 248">
             <a:extLst>
               <a:ext uri="{FF2B5EF4-FFF2-40B4-BE49-F238E27FC236}">
-                <a16:creationId xmlns="" xmlns:a16="http://schemas.microsoft.com/office/drawing/2014/main" id="{43615F59-8DE9-4A52-A00D-280ED942E214}"/>
+                <a16:creationId xmlns:a16="http://schemas.microsoft.com/office/drawing/2014/main" xmlns="" id="{43615F59-8DE9-4A52-A00D-280ED942E214}"/>
               </a:ext>
             </a:extLst>
           </p:cNvPr>
@@ -13868,7 +13856,7 @@
           <p:cNvPr id="310" name="Shape 248">
             <a:extLst>
               <a:ext uri="{FF2B5EF4-FFF2-40B4-BE49-F238E27FC236}">
-                <a16:creationId xmlns="" xmlns:a16="http://schemas.microsoft.com/office/drawing/2014/main" id="{3E568EFD-AB22-4B1D-ABAE-A49289BD4CD7}"/>
+                <a16:creationId xmlns:a16="http://schemas.microsoft.com/office/drawing/2014/main" xmlns="" id="{3E568EFD-AB22-4B1D-ABAE-A49289BD4CD7}"/>
               </a:ext>
             </a:extLst>
           </p:cNvPr>
@@ -13913,7 +13901,7 @@
           <p:cNvPr id="312" name="Shape 248">
             <a:extLst>
               <a:ext uri="{FF2B5EF4-FFF2-40B4-BE49-F238E27FC236}">
-                <a16:creationId xmlns="" xmlns:a16="http://schemas.microsoft.com/office/drawing/2014/main" id="{EF759961-7159-4379-AA26-833B860B0ED0}"/>
+                <a16:creationId xmlns:a16="http://schemas.microsoft.com/office/drawing/2014/main" xmlns="" id="{EF759961-7159-4379-AA26-833B860B0ED0}"/>
               </a:ext>
             </a:extLst>
           </p:cNvPr>
@@ -13958,7 +13946,7 @@
           <p:cNvPr id="317" name="Shape 248">
             <a:extLst>
               <a:ext uri="{FF2B5EF4-FFF2-40B4-BE49-F238E27FC236}">
-                <a16:creationId xmlns="" xmlns:a16="http://schemas.microsoft.com/office/drawing/2014/main" id="{7F1D5B0D-BF85-4F7E-8FDE-7B0B73F1D859}"/>
+                <a16:creationId xmlns:a16="http://schemas.microsoft.com/office/drawing/2014/main" xmlns="" id="{7F1D5B0D-BF85-4F7E-8FDE-7B0B73F1D859}"/>
               </a:ext>
             </a:extLst>
           </p:cNvPr>
@@ -14003,7 +13991,7 @@
           <p:cNvPr id="324" name="Прямоугольник 323">
             <a:extLst>
               <a:ext uri="{FF2B5EF4-FFF2-40B4-BE49-F238E27FC236}">
-                <a16:creationId xmlns="" xmlns:a16="http://schemas.microsoft.com/office/drawing/2014/main" id="{090D5B30-D28E-45E5-80C9-AC7113668184}"/>
+                <a16:creationId xmlns:a16="http://schemas.microsoft.com/office/drawing/2014/main" xmlns="" id="{090D5B30-D28E-45E5-80C9-AC7113668184}"/>
               </a:ext>
             </a:extLst>
           </p:cNvPr>
@@ -14044,15 +14032,7 @@
             <a:pPr algn="ctr"/>
             <a:r>
               <a:rPr lang="ru-RU" sz="1400" dirty="0"/>
-              <a:t>Объявить войну колонизаторам (войну евро державам у кого есть терки в </a:t>
-            </a:r>
-            <a:r>
-              <a:rPr lang="ru-RU" sz="1400" dirty="0" err="1"/>
-              <a:t>африке</a:t>
-            </a:r>
-            <a:r>
-              <a:rPr lang="ru-RU" sz="1400" dirty="0"/>
-              <a:t>)</a:t>
+              <a:t>Объявить войну колонизаторам </a:t>
             </a:r>
             <a:endParaRPr lang="ru-RU" sz="500" dirty="0"/>
           </a:p>
@@ -14063,7 +14043,7 @@
           <p:cNvPr id="325" name="Shape 248">
             <a:extLst>
               <a:ext uri="{FF2B5EF4-FFF2-40B4-BE49-F238E27FC236}">
-                <a16:creationId xmlns="" xmlns:a16="http://schemas.microsoft.com/office/drawing/2014/main" id="{7C694EB8-431B-486D-BF60-285B9805A151}"/>
+                <a16:creationId xmlns:a16="http://schemas.microsoft.com/office/drawing/2014/main" xmlns="" id="{7C694EB8-431B-486D-BF60-285B9805A151}"/>
               </a:ext>
             </a:extLst>
           </p:cNvPr>
@@ -14108,7 +14088,7 @@
           <p:cNvPr id="242" name="Прямоугольник 241">
             <a:extLst>
               <a:ext uri="{FF2B5EF4-FFF2-40B4-BE49-F238E27FC236}">
-                <a16:creationId xmlns="" xmlns:a16="http://schemas.microsoft.com/office/drawing/2014/main" id="{6201302F-2B79-485A-8CA8-C76C5AFF5369}"/>
+                <a16:creationId xmlns:a16="http://schemas.microsoft.com/office/drawing/2014/main" xmlns="" id="{6201302F-2B79-485A-8CA8-C76C5AFF5369}"/>
               </a:ext>
             </a:extLst>
           </p:cNvPr>
@@ -14160,7 +14140,7 @@
           <p:cNvPr id="246" name="Прямоугольник 245">
             <a:extLst>
               <a:ext uri="{FF2B5EF4-FFF2-40B4-BE49-F238E27FC236}">
-                <a16:creationId xmlns="" xmlns:a16="http://schemas.microsoft.com/office/drawing/2014/main" id="{143F99BB-7B85-4860-8066-4F19AE080121}"/>
+                <a16:creationId xmlns:a16="http://schemas.microsoft.com/office/drawing/2014/main" xmlns="" id="{143F99BB-7B85-4860-8066-4F19AE080121}"/>
               </a:ext>
             </a:extLst>
           </p:cNvPr>
@@ -14212,7 +14192,7 @@
           <p:cNvPr id="249" name="Прямоугольник 248">
             <a:extLst>
               <a:ext uri="{FF2B5EF4-FFF2-40B4-BE49-F238E27FC236}">
-                <a16:creationId xmlns="" xmlns:a16="http://schemas.microsoft.com/office/drawing/2014/main" id="{CBF8D7E5-5FA7-45F0-905E-03584CFA09A9}"/>
+                <a16:creationId xmlns:a16="http://schemas.microsoft.com/office/drawing/2014/main" xmlns="" id="{CBF8D7E5-5FA7-45F0-905E-03584CFA09A9}"/>
               </a:ext>
             </a:extLst>
           </p:cNvPr>
@@ -14272,7 +14252,7 @@
           <p:cNvPr id="273" name="Прямоугольник 272">
             <a:extLst>
               <a:ext uri="{FF2B5EF4-FFF2-40B4-BE49-F238E27FC236}">
-                <a16:creationId xmlns="" xmlns:a16="http://schemas.microsoft.com/office/drawing/2014/main" id="{790C883A-8E36-488E-9D37-AB7A70439BE5}"/>
+                <a16:creationId xmlns:a16="http://schemas.microsoft.com/office/drawing/2014/main" xmlns="" id="{790C883A-8E36-488E-9D37-AB7A70439BE5}"/>
               </a:ext>
             </a:extLst>
           </p:cNvPr>
@@ -14324,7 +14304,7 @@
           <p:cNvPr id="276" name="Shape 248">
             <a:extLst>
               <a:ext uri="{FF2B5EF4-FFF2-40B4-BE49-F238E27FC236}">
-                <a16:creationId xmlns="" xmlns:a16="http://schemas.microsoft.com/office/drawing/2014/main" id="{4AA09D23-CE38-421D-BBD5-32E3F4CE98E5}"/>
+                <a16:creationId xmlns:a16="http://schemas.microsoft.com/office/drawing/2014/main" xmlns="" id="{4AA09D23-CE38-421D-BBD5-32E3F4CE98E5}"/>
               </a:ext>
             </a:extLst>
           </p:cNvPr>
@@ -14369,7 +14349,7 @@
           <p:cNvPr id="279" name="Shape 248">
             <a:extLst>
               <a:ext uri="{FF2B5EF4-FFF2-40B4-BE49-F238E27FC236}">
-                <a16:creationId xmlns="" xmlns:a16="http://schemas.microsoft.com/office/drawing/2014/main" id="{3FA42726-9174-4F29-BF65-55ADC46C885A}"/>
+                <a16:creationId xmlns:a16="http://schemas.microsoft.com/office/drawing/2014/main" xmlns="" id="{3FA42726-9174-4F29-BF65-55ADC46C885A}"/>
               </a:ext>
             </a:extLst>
           </p:cNvPr>
@@ -14414,7 +14394,7 @@
           <p:cNvPr id="282" name="Shape 248">
             <a:extLst>
               <a:ext uri="{FF2B5EF4-FFF2-40B4-BE49-F238E27FC236}">
-                <a16:creationId xmlns="" xmlns:a16="http://schemas.microsoft.com/office/drawing/2014/main" id="{32093D4D-B7AB-4952-AC16-553CF78E1350}"/>
+                <a16:creationId xmlns:a16="http://schemas.microsoft.com/office/drawing/2014/main" xmlns="" id="{32093D4D-B7AB-4952-AC16-553CF78E1350}"/>
               </a:ext>
             </a:extLst>
           </p:cNvPr>
@@ -14459,7 +14439,7 @@
           <p:cNvPr id="285" name="Shape 248">
             <a:extLst>
               <a:ext uri="{FF2B5EF4-FFF2-40B4-BE49-F238E27FC236}">
-                <a16:creationId xmlns="" xmlns:a16="http://schemas.microsoft.com/office/drawing/2014/main" id="{4D3DE100-6F63-4974-9A7E-28065A179310}"/>
+                <a16:creationId xmlns:a16="http://schemas.microsoft.com/office/drawing/2014/main" xmlns="" id="{4D3DE100-6F63-4974-9A7E-28065A179310}"/>
               </a:ext>
             </a:extLst>
           </p:cNvPr>
@@ -14504,7 +14484,7 @@
           <p:cNvPr id="288" name="Shape 248">
             <a:extLst>
               <a:ext uri="{FF2B5EF4-FFF2-40B4-BE49-F238E27FC236}">
-                <a16:creationId xmlns="" xmlns:a16="http://schemas.microsoft.com/office/drawing/2014/main" id="{E5891B7E-CB5F-4EBA-B244-E22ED8E1A91A}"/>
+                <a16:creationId xmlns:a16="http://schemas.microsoft.com/office/drawing/2014/main" xmlns="" id="{E5891B7E-CB5F-4EBA-B244-E22ED8E1A91A}"/>
               </a:ext>
             </a:extLst>
           </p:cNvPr>
@@ -14549,7 +14529,7 @@
           <p:cNvPr id="290" name="Прямоугольник 289">
             <a:extLst>
               <a:ext uri="{FF2B5EF4-FFF2-40B4-BE49-F238E27FC236}">
-                <a16:creationId xmlns="" xmlns:a16="http://schemas.microsoft.com/office/drawing/2014/main" id="{278D16BB-FDBF-449B-A690-A858ABF81FDD}"/>
+                <a16:creationId xmlns:a16="http://schemas.microsoft.com/office/drawing/2014/main" xmlns="" id="{278D16BB-FDBF-449B-A690-A858ABF81FDD}"/>
               </a:ext>
             </a:extLst>
           </p:cNvPr>
@@ -14605,7 +14585,7 @@
           <p:cNvPr id="297" name="Shape 248">
             <a:extLst>
               <a:ext uri="{FF2B5EF4-FFF2-40B4-BE49-F238E27FC236}">
-                <a16:creationId xmlns="" xmlns:a16="http://schemas.microsoft.com/office/drawing/2014/main" id="{2E5CEB81-8F51-4CC7-BFD3-6870AF84267A}"/>
+                <a16:creationId xmlns:a16="http://schemas.microsoft.com/office/drawing/2014/main" xmlns="" id="{2E5CEB81-8F51-4CC7-BFD3-6870AF84267A}"/>
               </a:ext>
             </a:extLst>
           </p:cNvPr>
@@ -14650,7 +14630,7 @@
           <p:cNvPr id="300" name="Shape 248">
             <a:extLst>
               <a:ext uri="{FF2B5EF4-FFF2-40B4-BE49-F238E27FC236}">
-                <a16:creationId xmlns="" xmlns:a16="http://schemas.microsoft.com/office/drawing/2014/main" id="{84E866F4-D79B-450D-9F47-A00044FA3472}"/>
+                <a16:creationId xmlns:a16="http://schemas.microsoft.com/office/drawing/2014/main" xmlns="" id="{84E866F4-D79B-450D-9F47-A00044FA3472}"/>
               </a:ext>
             </a:extLst>
           </p:cNvPr>
@@ -14695,7 +14675,7 @@
           <p:cNvPr id="302" name="Shape 248">
             <a:extLst>
               <a:ext uri="{FF2B5EF4-FFF2-40B4-BE49-F238E27FC236}">
-                <a16:creationId xmlns="" xmlns:a16="http://schemas.microsoft.com/office/drawing/2014/main" id="{6806A5C0-9C92-4221-9909-972B914DA1ED}"/>
+                <a16:creationId xmlns:a16="http://schemas.microsoft.com/office/drawing/2014/main" xmlns="" id="{6806A5C0-9C92-4221-9909-972B914DA1ED}"/>
               </a:ext>
             </a:extLst>
           </p:cNvPr>
@@ -14740,7 +14720,7 @@
           <p:cNvPr id="305" name="Shape 248">
             <a:extLst>
               <a:ext uri="{FF2B5EF4-FFF2-40B4-BE49-F238E27FC236}">
-                <a16:creationId xmlns="" xmlns:a16="http://schemas.microsoft.com/office/drawing/2014/main" id="{166046F6-53A2-4A8F-9E82-FECD6D61EDCA}"/>
+                <a16:creationId xmlns:a16="http://schemas.microsoft.com/office/drawing/2014/main" xmlns="" id="{166046F6-53A2-4A8F-9E82-FECD6D61EDCA}"/>
               </a:ext>
             </a:extLst>
           </p:cNvPr>
@@ -14785,7 +14765,7 @@
           <p:cNvPr id="311" name="Прямоугольник 310">
             <a:extLst>
               <a:ext uri="{FF2B5EF4-FFF2-40B4-BE49-F238E27FC236}">
-                <a16:creationId xmlns="" xmlns:a16="http://schemas.microsoft.com/office/drawing/2014/main" id="{868A50E7-D497-4453-8F17-23811042DB8B}"/>
+                <a16:creationId xmlns:a16="http://schemas.microsoft.com/office/drawing/2014/main" xmlns="" id="{868A50E7-D497-4453-8F17-23811042DB8B}"/>
               </a:ext>
             </a:extLst>
           </p:cNvPr>
@@ -14841,7 +14821,7 @@
           <p:cNvPr id="313" name="Shape 248">
             <a:extLst>
               <a:ext uri="{FF2B5EF4-FFF2-40B4-BE49-F238E27FC236}">
-                <a16:creationId xmlns="" xmlns:a16="http://schemas.microsoft.com/office/drawing/2014/main" id="{BEB45FBF-7486-4531-8351-79A56BEB7C89}"/>
+                <a16:creationId xmlns:a16="http://schemas.microsoft.com/office/drawing/2014/main" xmlns="" id="{BEB45FBF-7486-4531-8351-79A56BEB7C89}"/>
               </a:ext>
             </a:extLst>
           </p:cNvPr>
@@ -14886,7 +14866,7 @@
           <p:cNvPr id="316" name="Прямоугольник 315">
             <a:extLst>
               <a:ext uri="{FF2B5EF4-FFF2-40B4-BE49-F238E27FC236}">
-                <a16:creationId xmlns="" xmlns:a16="http://schemas.microsoft.com/office/drawing/2014/main" id="{C8C7E08F-B7C9-4CD3-8C8F-5B457D7950AB}"/>
+                <a16:creationId xmlns:a16="http://schemas.microsoft.com/office/drawing/2014/main" xmlns="" id="{C8C7E08F-B7C9-4CD3-8C8F-5B457D7950AB}"/>
               </a:ext>
             </a:extLst>
           </p:cNvPr>
@@ -14942,7 +14922,7 @@
           <p:cNvPr id="318" name="Shape 248">
             <a:extLst>
               <a:ext uri="{FF2B5EF4-FFF2-40B4-BE49-F238E27FC236}">
-                <a16:creationId xmlns="" xmlns:a16="http://schemas.microsoft.com/office/drawing/2014/main" id="{C6747080-ACF1-466D-BAE8-F4F3F47DC1F4}"/>
+                <a16:creationId xmlns:a16="http://schemas.microsoft.com/office/drawing/2014/main" xmlns="" id="{C6747080-ACF1-466D-BAE8-F4F3F47DC1F4}"/>
               </a:ext>
             </a:extLst>
           </p:cNvPr>
@@ -14987,7 +14967,7 @@
           <p:cNvPr id="326" name="Shape 248">
             <a:extLst>
               <a:ext uri="{FF2B5EF4-FFF2-40B4-BE49-F238E27FC236}">
-                <a16:creationId xmlns="" xmlns:a16="http://schemas.microsoft.com/office/drawing/2014/main" id="{58161C5D-DEC3-4839-BC8D-724EEFE6C33B}"/>
+                <a16:creationId xmlns:a16="http://schemas.microsoft.com/office/drawing/2014/main" xmlns="" id="{58161C5D-DEC3-4839-BC8D-724EEFE6C33B}"/>
               </a:ext>
             </a:extLst>
           </p:cNvPr>
@@ -15032,7 +15012,7 @@
           <p:cNvPr id="329" name="Shape 248">
             <a:extLst>
               <a:ext uri="{FF2B5EF4-FFF2-40B4-BE49-F238E27FC236}">
-                <a16:creationId xmlns="" xmlns:a16="http://schemas.microsoft.com/office/drawing/2014/main" id="{BED6FD35-7ED6-489B-ACD7-6FC6A87D7BDF}"/>
+                <a16:creationId xmlns:a16="http://schemas.microsoft.com/office/drawing/2014/main" xmlns="" id="{BED6FD35-7ED6-489B-ACD7-6FC6A87D7BDF}"/>
               </a:ext>
             </a:extLst>
           </p:cNvPr>
@@ -15078,7 +15058,7 @@
           <p:cNvPr id="332" name="Shape 248">
             <a:extLst>
               <a:ext uri="{FF2B5EF4-FFF2-40B4-BE49-F238E27FC236}">
-                <a16:creationId xmlns="" xmlns:a16="http://schemas.microsoft.com/office/drawing/2014/main" id="{A63CAA29-B0BF-400A-84BE-FBC537E38D9C}"/>
+                <a16:creationId xmlns:a16="http://schemas.microsoft.com/office/drawing/2014/main" xmlns="" id="{A63CAA29-B0BF-400A-84BE-FBC537E38D9C}"/>
               </a:ext>
             </a:extLst>
           </p:cNvPr>
@@ -15124,7 +15104,7 @@
           <p:cNvPr id="335" name="Shape 248">
             <a:extLst>
               <a:ext uri="{FF2B5EF4-FFF2-40B4-BE49-F238E27FC236}">
-                <a16:creationId xmlns="" xmlns:a16="http://schemas.microsoft.com/office/drawing/2014/main" id="{5EC344A3-0BF5-4484-9C11-CE03EA7FB834}"/>
+                <a16:creationId xmlns:a16="http://schemas.microsoft.com/office/drawing/2014/main" xmlns="" id="{5EC344A3-0BF5-4484-9C11-CE03EA7FB834}"/>
               </a:ext>
             </a:extLst>
           </p:cNvPr>
@@ -15170,7 +15150,7 @@
           <p:cNvPr id="338" name="Shape 248">
             <a:extLst>
               <a:ext uri="{FF2B5EF4-FFF2-40B4-BE49-F238E27FC236}">
-                <a16:creationId xmlns="" xmlns:a16="http://schemas.microsoft.com/office/drawing/2014/main" id="{A7F12841-AB34-4CC1-9965-824DF87AC7B9}"/>
+                <a16:creationId xmlns:a16="http://schemas.microsoft.com/office/drawing/2014/main" xmlns="" id="{A7F12841-AB34-4CC1-9965-824DF87AC7B9}"/>
               </a:ext>
             </a:extLst>
           </p:cNvPr>
@@ -15216,7 +15196,7 @@
           <p:cNvPr id="341" name="Shape 248">
             <a:extLst>
               <a:ext uri="{FF2B5EF4-FFF2-40B4-BE49-F238E27FC236}">
-                <a16:creationId xmlns="" xmlns:a16="http://schemas.microsoft.com/office/drawing/2014/main" id="{6336FDC1-AA70-43B0-9203-70B8EF94EAD4}"/>
+                <a16:creationId xmlns:a16="http://schemas.microsoft.com/office/drawing/2014/main" xmlns="" id="{6336FDC1-AA70-43B0-9203-70B8EF94EAD4}"/>
               </a:ext>
             </a:extLst>
           </p:cNvPr>
@@ -15262,7 +15242,7 @@
           <p:cNvPr id="344" name="Shape 248">
             <a:extLst>
               <a:ext uri="{FF2B5EF4-FFF2-40B4-BE49-F238E27FC236}">
-                <a16:creationId xmlns="" xmlns:a16="http://schemas.microsoft.com/office/drawing/2014/main" id="{1C5B0918-B29C-4027-908B-CB9D03FDFEA9}"/>
+                <a16:creationId xmlns:a16="http://schemas.microsoft.com/office/drawing/2014/main" xmlns="" id="{1C5B0918-B29C-4027-908B-CB9D03FDFEA9}"/>
               </a:ext>
             </a:extLst>
           </p:cNvPr>
@@ -15308,7 +15288,7 @@
           <p:cNvPr id="347" name="Shape 248">
             <a:extLst>
               <a:ext uri="{FF2B5EF4-FFF2-40B4-BE49-F238E27FC236}">
-                <a16:creationId xmlns="" xmlns:a16="http://schemas.microsoft.com/office/drawing/2014/main" id="{6A050BE5-6D0C-4AD4-868D-EC7425253258}"/>
+                <a16:creationId xmlns:a16="http://schemas.microsoft.com/office/drawing/2014/main" xmlns="" id="{6A050BE5-6D0C-4AD4-868D-EC7425253258}"/>
               </a:ext>
             </a:extLst>
           </p:cNvPr>
@@ -15353,7 +15333,7 @@
           <p:cNvPr id="350" name="Прямоугольник 349">
             <a:extLst>
               <a:ext uri="{FF2B5EF4-FFF2-40B4-BE49-F238E27FC236}">
-                <a16:creationId xmlns="" xmlns:a16="http://schemas.microsoft.com/office/drawing/2014/main" id="{765E26F8-259A-4760-98B9-CFA5E8DB365C}"/>
+                <a16:creationId xmlns:a16="http://schemas.microsoft.com/office/drawing/2014/main" xmlns="" id="{765E26F8-259A-4760-98B9-CFA5E8DB365C}"/>
               </a:ext>
             </a:extLst>
           </p:cNvPr>
@@ -15409,7 +15389,7 @@
           <p:cNvPr id="351" name="Shape 248">
             <a:extLst>
               <a:ext uri="{FF2B5EF4-FFF2-40B4-BE49-F238E27FC236}">
-                <a16:creationId xmlns="" xmlns:a16="http://schemas.microsoft.com/office/drawing/2014/main" id="{148F55FF-8BDD-4E8A-BE73-081B70FFD284}"/>
+                <a16:creationId xmlns:a16="http://schemas.microsoft.com/office/drawing/2014/main" xmlns="" id="{148F55FF-8BDD-4E8A-BE73-081B70FFD284}"/>
               </a:ext>
             </a:extLst>
           </p:cNvPr>
@@ -15454,7 +15434,7 @@
           <p:cNvPr id="354" name="Прямоугольник 353">
             <a:extLst>
               <a:ext uri="{FF2B5EF4-FFF2-40B4-BE49-F238E27FC236}">
-                <a16:creationId xmlns="" xmlns:a16="http://schemas.microsoft.com/office/drawing/2014/main" id="{BDEC123E-8F59-477F-B827-9EB5E35E3B23}"/>
+                <a16:creationId xmlns:a16="http://schemas.microsoft.com/office/drawing/2014/main" xmlns="" id="{BDEC123E-8F59-477F-B827-9EB5E35E3B23}"/>
               </a:ext>
             </a:extLst>
           </p:cNvPr>
@@ -15510,7 +15490,7 @@
           <p:cNvPr id="355" name="Shape 248">
             <a:extLst>
               <a:ext uri="{FF2B5EF4-FFF2-40B4-BE49-F238E27FC236}">
-                <a16:creationId xmlns="" xmlns:a16="http://schemas.microsoft.com/office/drawing/2014/main" id="{0D0F5707-F5F0-4A89-9C8D-7B643700012E}"/>
+                <a16:creationId xmlns:a16="http://schemas.microsoft.com/office/drawing/2014/main" xmlns="" id="{0D0F5707-F5F0-4A89-9C8D-7B643700012E}"/>
               </a:ext>
             </a:extLst>
           </p:cNvPr>
@@ -15555,7 +15535,7 @@
           <p:cNvPr id="358" name="Прямоугольник 357">
             <a:extLst>
               <a:ext uri="{FF2B5EF4-FFF2-40B4-BE49-F238E27FC236}">
-                <a16:creationId xmlns="" xmlns:a16="http://schemas.microsoft.com/office/drawing/2014/main" id="{303508BD-E009-4A74-9100-C9F0887DF0CB}"/>
+                <a16:creationId xmlns:a16="http://schemas.microsoft.com/office/drawing/2014/main" xmlns="" id="{303508BD-E009-4A74-9100-C9F0887DF0CB}"/>
               </a:ext>
             </a:extLst>
           </p:cNvPr>
@@ -15611,7 +15591,7 @@
           <p:cNvPr id="359" name="Shape 248">
             <a:extLst>
               <a:ext uri="{FF2B5EF4-FFF2-40B4-BE49-F238E27FC236}">
-                <a16:creationId xmlns="" xmlns:a16="http://schemas.microsoft.com/office/drawing/2014/main" id="{FF497636-6F8A-4D52-A5D8-7BDAE47FFF42}"/>
+                <a16:creationId xmlns:a16="http://schemas.microsoft.com/office/drawing/2014/main" xmlns="" id="{FF497636-6F8A-4D52-A5D8-7BDAE47FFF42}"/>
               </a:ext>
             </a:extLst>
           </p:cNvPr>
@@ -15657,7 +15637,7 @@
           <p:cNvPr id="363" name="Shape 248">
             <a:extLst>
               <a:ext uri="{FF2B5EF4-FFF2-40B4-BE49-F238E27FC236}">
-                <a16:creationId xmlns="" xmlns:a16="http://schemas.microsoft.com/office/drawing/2014/main" id="{7BA2ACFB-4C24-4A72-A2EB-4B1262117E3C}"/>
+                <a16:creationId xmlns:a16="http://schemas.microsoft.com/office/drawing/2014/main" xmlns="" id="{7BA2ACFB-4C24-4A72-A2EB-4B1262117E3C}"/>
               </a:ext>
             </a:extLst>
           </p:cNvPr>
@@ -15703,7 +15683,7 @@
           <p:cNvPr id="381" name="Прямая соединительная линия 380">
             <a:extLst>
               <a:ext uri="{FF2B5EF4-FFF2-40B4-BE49-F238E27FC236}">
-                <a16:creationId xmlns="" xmlns:a16="http://schemas.microsoft.com/office/drawing/2014/main" id="{CD8E8FE1-3FE9-4617-A9E7-1413F44D5694}"/>
+                <a16:creationId xmlns:a16="http://schemas.microsoft.com/office/drawing/2014/main" xmlns="" id="{CD8E8FE1-3FE9-4617-A9E7-1413F44D5694}"/>
               </a:ext>
             </a:extLst>
           </p:cNvPr>
@@ -15748,7 +15728,7 @@
           <p:cNvPr id="401" name="Прямоугольник 400">
             <a:extLst>
               <a:ext uri="{FF2B5EF4-FFF2-40B4-BE49-F238E27FC236}">
-                <a16:creationId xmlns="" xmlns:a16="http://schemas.microsoft.com/office/drawing/2014/main" id="{1A5ACA76-F98C-4AAE-8C89-68E8846C4F3E}"/>
+                <a16:creationId xmlns:a16="http://schemas.microsoft.com/office/drawing/2014/main" xmlns="" id="{1A5ACA76-F98C-4AAE-8C89-68E8846C4F3E}"/>
               </a:ext>
             </a:extLst>
           </p:cNvPr>
@@ -15797,7 +15777,7 @@
           <p:cNvPr id="294" name="Прямоугольник 293">
             <a:extLst>
               <a:ext uri="{FF2B5EF4-FFF2-40B4-BE49-F238E27FC236}">
-                <a16:creationId xmlns="" xmlns:a16="http://schemas.microsoft.com/office/drawing/2014/main" id="{6E35469B-525C-4828-B38E-EB394D1EC372}"/>
+                <a16:creationId xmlns:a16="http://schemas.microsoft.com/office/drawing/2014/main" xmlns="" id="{6E35469B-525C-4828-B38E-EB394D1EC372}"/>
               </a:ext>
             </a:extLst>
           </p:cNvPr>
@@ -15849,7 +15829,7 @@
           <p:cNvPr id="295" name="Shape 248">
             <a:extLst>
               <a:ext uri="{FF2B5EF4-FFF2-40B4-BE49-F238E27FC236}">
-                <a16:creationId xmlns="" xmlns:a16="http://schemas.microsoft.com/office/drawing/2014/main" id="{98250168-2090-4892-8242-4BC7C0F6FB8F}"/>
+                <a16:creationId xmlns:a16="http://schemas.microsoft.com/office/drawing/2014/main" xmlns="" id="{98250168-2090-4892-8242-4BC7C0F6FB8F}"/>
               </a:ext>
             </a:extLst>
           </p:cNvPr>
@@ -15894,7 +15874,7 @@
           <p:cNvPr id="301" name="Прямоугольник 300">
             <a:extLst>
               <a:ext uri="{FF2B5EF4-FFF2-40B4-BE49-F238E27FC236}">
-                <a16:creationId xmlns="" xmlns:a16="http://schemas.microsoft.com/office/drawing/2014/main" id="{E0B91D39-873F-4E56-AD7B-A4D2A2CCFE0A}"/>
+                <a16:creationId xmlns:a16="http://schemas.microsoft.com/office/drawing/2014/main" xmlns="" id="{E0B91D39-873F-4E56-AD7B-A4D2A2CCFE0A}"/>
               </a:ext>
             </a:extLst>
           </p:cNvPr>
@@ -15943,7 +15923,7 @@
           <p:cNvPr id="304" name="Прямоугольник 303">
             <a:extLst>
               <a:ext uri="{FF2B5EF4-FFF2-40B4-BE49-F238E27FC236}">
-                <a16:creationId xmlns="" xmlns:a16="http://schemas.microsoft.com/office/drawing/2014/main" id="{1EC70A17-71D7-4837-A6E2-DD76104A96BE}"/>
+                <a16:creationId xmlns:a16="http://schemas.microsoft.com/office/drawing/2014/main" xmlns="" id="{1EC70A17-71D7-4837-A6E2-DD76104A96BE}"/>
               </a:ext>
             </a:extLst>
           </p:cNvPr>
@@ -15995,7 +15975,7 @@
           <p:cNvPr id="307" name="Shape 248">
             <a:extLst>
               <a:ext uri="{FF2B5EF4-FFF2-40B4-BE49-F238E27FC236}">
-                <a16:creationId xmlns="" xmlns:a16="http://schemas.microsoft.com/office/drawing/2014/main" id="{3D4FFAB0-F1E2-47BA-8A15-E97093B366CB}"/>
+                <a16:creationId xmlns:a16="http://schemas.microsoft.com/office/drawing/2014/main" xmlns="" id="{3D4FFAB0-F1E2-47BA-8A15-E97093B366CB}"/>
               </a:ext>
             </a:extLst>
           </p:cNvPr>
@@ -16040,7 +16020,7 @@
           <p:cNvPr id="327" name="Прямоугольник 326">
             <a:extLst>
               <a:ext uri="{FF2B5EF4-FFF2-40B4-BE49-F238E27FC236}">
-                <a16:creationId xmlns="" xmlns:a16="http://schemas.microsoft.com/office/drawing/2014/main" id="{A2AB9ED9-5B3C-4386-B630-F3FB0647C62A}"/>
+                <a16:creationId xmlns:a16="http://schemas.microsoft.com/office/drawing/2014/main" xmlns="" id="{A2AB9ED9-5B3C-4386-B630-F3FB0647C62A}"/>
               </a:ext>
             </a:extLst>
           </p:cNvPr>
@@ -16089,7 +16069,7 @@
           <p:cNvPr id="330" name="Прямоугольник 329">
             <a:extLst>
               <a:ext uri="{FF2B5EF4-FFF2-40B4-BE49-F238E27FC236}">
-                <a16:creationId xmlns="" xmlns:a16="http://schemas.microsoft.com/office/drawing/2014/main" id="{8934B9E5-7DDC-45E3-B553-D88557E3717A}"/>
+                <a16:creationId xmlns:a16="http://schemas.microsoft.com/office/drawing/2014/main" xmlns="" id="{8934B9E5-7DDC-45E3-B553-D88557E3717A}"/>
               </a:ext>
             </a:extLst>
           </p:cNvPr>
@@ -16138,7 +16118,7 @@
           <p:cNvPr id="331" name="Прямоугольник 330">
             <a:extLst>
               <a:ext uri="{FF2B5EF4-FFF2-40B4-BE49-F238E27FC236}">
-                <a16:creationId xmlns="" xmlns:a16="http://schemas.microsoft.com/office/drawing/2014/main" id="{2A539DFE-7DE2-4F44-A176-FBF949A136E7}"/>
+                <a16:creationId xmlns:a16="http://schemas.microsoft.com/office/drawing/2014/main" xmlns="" id="{2A539DFE-7DE2-4F44-A176-FBF949A136E7}"/>
               </a:ext>
             </a:extLst>
           </p:cNvPr>
@@ -16187,7 +16167,7 @@
           <p:cNvPr id="333" name="Shape 248">
             <a:extLst>
               <a:ext uri="{FF2B5EF4-FFF2-40B4-BE49-F238E27FC236}">
-                <a16:creationId xmlns="" xmlns:a16="http://schemas.microsoft.com/office/drawing/2014/main" id="{B197B95A-64FD-40DB-8AEF-404BEC0A4FAF}"/>
+                <a16:creationId xmlns:a16="http://schemas.microsoft.com/office/drawing/2014/main" xmlns="" id="{B197B95A-64FD-40DB-8AEF-404BEC0A4FAF}"/>
               </a:ext>
             </a:extLst>
           </p:cNvPr>
@@ -16232,7 +16212,7 @@
           <p:cNvPr id="334" name="Shape 248">
             <a:extLst>
               <a:ext uri="{FF2B5EF4-FFF2-40B4-BE49-F238E27FC236}">
-                <a16:creationId xmlns="" xmlns:a16="http://schemas.microsoft.com/office/drawing/2014/main" id="{AEF02320-8584-4B14-9DA4-9E158D4E6BE1}"/>
+                <a16:creationId xmlns:a16="http://schemas.microsoft.com/office/drawing/2014/main" xmlns="" id="{AEF02320-8584-4B14-9DA4-9E158D4E6BE1}"/>
               </a:ext>
             </a:extLst>
           </p:cNvPr>
@@ -16277,7 +16257,7 @@
           <p:cNvPr id="336" name="Shape 248">
             <a:extLst>
               <a:ext uri="{FF2B5EF4-FFF2-40B4-BE49-F238E27FC236}">
-                <a16:creationId xmlns="" xmlns:a16="http://schemas.microsoft.com/office/drawing/2014/main" id="{FFE49214-3D1A-47C5-853C-A519DED7E626}"/>
+                <a16:creationId xmlns:a16="http://schemas.microsoft.com/office/drawing/2014/main" xmlns="" id="{FFE49214-3D1A-47C5-853C-A519DED7E626}"/>
               </a:ext>
             </a:extLst>
           </p:cNvPr>
@@ -16322,7 +16302,7 @@
           <p:cNvPr id="337" name="Прямоугольник 336">
             <a:extLst>
               <a:ext uri="{FF2B5EF4-FFF2-40B4-BE49-F238E27FC236}">
-                <a16:creationId xmlns="" xmlns:a16="http://schemas.microsoft.com/office/drawing/2014/main" id="{4810CE09-044F-4028-9963-17F645CF17E1}"/>
+                <a16:creationId xmlns:a16="http://schemas.microsoft.com/office/drawing/2014/main" xmlns="" id="{4810CE09-044F-4028-9963-17F645CF17E1}"/>
               </a:ext>
             </a:extLst>
           </p:cNvPr>
@@ -16371,7 +16351,7 @@
           <p:cNvPr id="339" name="Прямоугольник 338">
             <a:extLst>
               <a:ext uri="{FF2B5EF4-FFF2-40B4-BE49-F238E27FC236}">
-                <a16:creationId xmlns="" xmlns:a16="http://schemas.microsoft.com/office/drawing/2014/main" id="{DACD93FF-4987-4926-8F38-D945341E780F}"/>
+                <a16:creationId xmlns:a16="http://schemas.microsoft.com/office/drawing/2014/main" xmlns="" id="{DACD93FF-4987-4926-8F38-D945341E780F}"/>
               </a:ext>
             </a:extLst>
           </p:cNvPr>
@@ -16420,7 +16400,7 @@
           <p:cNvPr id="340" name="Shape 248">
             <a:extLst>
               <a:ext uri="{FF2B5EF4-FFF2-40B4-BE49-F238E27FC236}">
-                <a16:creationId xmlns="" xmlns:a16="http://schemas.microsoft.com/office/drawing/2014/main" id="{57ED5092-06C9-451A-9497-EE2BA068B736}"/>
+                <a16:creationId xmlns:a16="http://schemas.microsoft.com/office/drawing/2014/main" xmlns="" id="{57ED5092-06C9-451A-9497-EE2BA068B736}"/>
               </a:ext>
             </a:extLst>
           </p:cNvPr>
@@ -16465,7 +16445,7 @@
           <p:cNvPr id="342" name="Shape 248">
             <a:extLst>
               <a:ext uri="{FF2B5EF4-FFF2-40B4-BE49-F238E27FC236}">
-                <a16:creationId xmlns="" xmlns:a16="http://schemas.microsoft.com/office/drawing/2014/main" id="{89C02F00-0F9E-417D-B0F2-B3BC9ACDD8E7}"/>
+                <a16:creationId xmlns:a16="http://schemas.microsoft.com/office/drawing/2014/main" xmlns="" id="{89C02F00-0F9E-417D-B0F2-B3BC9ACDD8E7}"/>
               </a:ext>
             </a:extLst>
           </p:cNvPr>
@@ -16510,7 +16490,7 @@
           <p:cNvPr id="343" name="Прямоугольник 342">
             <a:extLst>
               <a:ext uri="{FF2B5EF4-FFF2-40B4-BE49-F238E27FC236}">
-                <a16:creationId xmlns="" xmlns:a16="http://schemas.microsoft.com/office/drawing/2014/main" id="{84AADFEF-C44F-4A0C-B548-AD6C27E9481A}"/>
+                <a16:creationId xmlns:a16="http://schemas.microsoft.com/office/drawing/2014/main" xmlns="" id="{84AADFEF-C44F-4A0C-B548-AD6C27E9481A}"/>
               </a:ext>
             </a:extLst>
           </p:cNvPr>
@@ -16565,7 +16545,7 @@
           <p:cNvPr id="345" name="Shape 248">
             <a:extLst>
               <a:ext uri="{FF2B5EF4-FFF2-40B4-BE49-F238E27FC236}">
-                <a16:creationId xmlns="" xmlns:a16="http://schemas.microsoft.com/office/drawing/2014/main" id="{ED164C79-E745-4E00-B162-C077CEB94B3D}"/>
+                <a16:creationId xmlns:a16="http://schemas.microsoft.com/office/drawing/2014/main" xmlns="" id="{ED164C79-E745-4E00-B162-C077CEB94B3D}"/>
               </a:ext>
             </a:extLst>
           </p:cNvPr>
@@ -16610,7 +16590,7 @@
           <p:cNvPr id="346" name="Shape 248">
             <a:extLst>
               <a:ext uri="{FF2B5EF4-FFF2-40B4-BE49-F238E27FC236}">
-                <a16:creationId xmlns="" xmlns:a16="http://schemas.microsoft.com/office/drawing/2014/main" id="{AB025B75-CA82-4738-9584-661FF1F9AFC7}"/>
+                <a16:creationId xmlns:a16="http://schemas.microsoft.com/office/drawing/2014/main" xmlns="" id="{AB025B75-CA82-4738-9584-661FF1F9AFC7}"/>
               </a:ext>
             </a:extLst>
           </p:cNvPr>
@@ -16655,7 +16635,7 @@
           <p:cNvPr id="348" name="Прямоугольник 347">
             <a:extLst>
               <a:ext uri="{FF2B5EF4-FFF2-40B4-BE49-F238E27FC236}">
-                <a16:creationId xmlns="" xmlns:a16="http://schemas.microsoft.com/office/drawing/2014/main" id="{D55A3798-78DE-4AEA-B65A-44853BA63CDC}"/>
+                <a16:creationId xmlns:a16="http://schemas.microsoft.com/office/drawing/2014/main" xmlns="" id="{D55A3798-78DE-4AEA-B65A-44853BA63CDC}"/>
               </a:ext>
             </a:extLst>
           </p:cNvPr>
@@ -16710,7 +16690,7 @@
           <p:cNvPr id="349" name="Shape 248">
             <a:extLst>
               <a:ext uri="{FF2B5EF4-FFF2-40B4-BE49-F238E27FC236}">
-                <a16:creationId xmlns="" xmlns:a16="http://schemas.microsoft.com/office/drawing/2014/main" id="{0D3B46AE-B282-44B8-8A12-4E5EECB02E66}"/>
+                <a16:creationId xmlns:a16="http://schemas.microsoft.com/office/drawing/2014/main" xmlns="" id="{0D3B46AE-B282-44B8-8A12-4E5EECB02E66}"/>
               </a:ext>
             </a:extLst>
           </p:cNvPr>
@@ -16755,7 +16735,7 @@
           <p:cNvPr id="291" name="Прямоугольник 290">
             <a:extLst>
               <a:ext uri="{FF2B5EF4-FFF2-40B4-BE49-F238E27FC236}">
-                <a16:creationId xmlns="" xmlns:a16="http://schemas.microsoft.com/office/drawing/2014/main" id="{BBE97868-F913-4A04-B315-FFBD7C869FB8}"/>
+                <a16:creationId xmlns:a16="http://schemas.microsoft.com/office/drawing/2014/main" xmlns="" id="{BBE97868-F913-4A04-B315-FFBD7C869FB8}"/>
               </a:ext>
             </a:extLst>
           </p:cNvPr>
@@ -16804,7 +16784,7 @@
           <p:cNvPr id="293" name="Прямоугольник 292">
             <a:extLst>
               <a:ext uri="{FF2B5EF4-FFF2-40B4-BE49-F238E27FC236}">
-                <a16:creationId xmlns="" xmlns:a16="http://schemas.microsoft.com/office/drawing/2014/main" id="{19E19291-2883-482A-9158-780CCDD02818}"/>
+                <a16:creationId xmlns:a16="http://schemas.microsoft.com/office/drawing/2014/main" xmlns="" id="{19E19291-2883-482A-9158-780CCDD02818}"/>
               </a:ext>
             </a:extLst>
           </p:cNvPr>
@@ -16856,7 +16836,7 @@
           <p:cNvPr id="356" name="Прямоугольник 355">
             <a:extLst>
               <a:ext uri="{FF2B5EF4-FFF2-40B4-BE49-F238E27FC236}">
-                <a16:creationId xmlns="" xmlns:a16="http://schemas.microsoft.com/office/drawing/2014/main" id="{F30D2F31-8C89-4480-AD61-A748CEF20503}"/>
+                <a16:creationId xmlns:a16="http://schemas.microsoft.com/office/drawing/2014/main" xmlns="" id="{F30D2F31-8C89-4480-AD61-A748CEF20503}"/>
               </a:ext>
             </a:extLst>
           </p:cNvPr>
@@ -16908,7 +16888,7 @@
           <p:cNvPr id="357" name="Прямоугольник 356">
             <a:extLst>
               <a:ext uri="{FF2B5EF4-FFF2-40B4-BE49-F238E27FC236}">
-                <a16:creationId xmlns="" xmlns:a16="http://schemas.microsoft.com/office/drawing/2014/main" id="{2FEA859D-10FB-4DAA-9DBD-D0DC7593E82F}"/>
+                <a16:creationId xmlns:a16="http://schemas.microsoft.com/office/drawing/2014/main" xmlns="" id="{2FEA859D-10FB-4DAA-9DBD-D0DC7593E82F}"/>
               </a:ext>
             </a:extLst>
           </p:cNvPr>
@@ -16960,7 +16940,7 @@
           <p:cNvPr id="360" name="Прямоугольник 359">
             <a:extLst>
               <a:ext uri="{FF2B5EF4-FFF2-40B4-BE49-F238E27FC236}">
-                <a16:creationId xmlns="" xmlns:a16="http://schemas.microsoft.com/office/drawing/2014/main" id="{1151439D-42B9-4DDC-B179-24BAE7966164}"/>
+                <a16:creationId xmlns:a16="http://schemas.microsoft.com/office/drawing/2014/main" xmlns="" id="{1151439D-42B9-4DDC-B179-24BAE7966164}"/>
               </a:ext>
             </a:extLst>
           </p:cNvPr>
@@ -17012,7 +16992,7 @@
           <p:cNvPr id="365" name="Shape 248">
             <a:extLst>
               <a:ext uri="{FF2B5EF4-FFF2-40B4-BE49-F238E27FC236}">
-                <a16:creationId xmlns="" xmlns:a16="http://schemas.microsoft.com/office/drawing/2014/main" id="{A31771CB-5275-4C25-86A3-AEC450D8ADA5}"/>
+                <a16:creationId xmlns:a16="http://schemas.microsoft.com/office/drawing/2014/main" xmlns="" id="{A31771CB-5275-4C25-86A3-AEC450D8ADA5}"/>
               </a:ext>
             </a:extLst>
           </p:cNvPr>
@@ -17057,7 +17037,7 @@
           <p:cNvPr id="366" name="Shape 248">
             <a:extLst>
               <a:ext uri="{FF2B5EF4-FFF2-40B4-BE49-F238E27FC236}">
-                <a16:creationId xmlns="" xmlns:a16="http://schemas.microsoft.com/office/drawing/2014/main" id="{0B92EA90-7AF8-459E-B3F8-E86651C88809}"/>
+                <a16:creationId xmlns:a16="http://schemas.microsoft.com/office/drawing/2014/main" xmlns="" id="{0B92EA90-7AF8-459E-B3F8-E86651C88809}"/>
               </a:ext>
             </a:extLst>
           </p:cNvPr>
@@ -17102,7 +17082,7 @@
           <p:cNvPr id="367" name="Shape 248">
             <a:extLst>
               <a:ext uri="{FF2B5EF4-FFF2-40B4-BE49-F238E27FC236}">
-                <a16:creationId xmlns="" xmlns:a16="http://schemas.microsoft.com/office/drawing/2014/main" id="{E0B58690-7BFB-4341-9B0B-D2CF51567296}"/>
+                <a16:creationId xmlns:a16="http://schemas.microsoft.com/office/drawing/2014/main" xmlns="" id="{E0B58690-7BFB-4341-9B0B-D2CF51567296}"/>
               </a:ext>
             </a:extLst>
           </p:cNvPr>
@@ -17148,7 +17128,7 @@
           <p:cNvPr id="368" name="Shape 248">
             <a:extLst>
               <a:ext uri="{FF2B5EF4-FFF2-40B4-BE49-F238E27FC236}">
-                <a16:creationId xmlns="" xmlns:a16="http://schemas.microsoft.com/office/drawing/2014/main" id="{A0D9E41C-B9B6-4B98-AA22-DCB7343A00A2}"/>
+                <a16:creationId xmlns:a16="http://schemas.microsoft.com/office/drawing/2014/main" xmlns="" id="{A0D9E41C-B9B6-4B98-AA22-DCB7343A00A2}"/>
               </a:ext>
             </a:extLst>
           </p:cNvPr>
@@ -17194,7 +17174,7 @@
           <p:cNvPr id="371" name="Прямоугольник 370">
             <a:extLst>
               <a:ext uri="{FF2B5EF4-FFF2-40B4-BE49-F238E27FC236}">
-                <a16:creationId xmlns="" xmlns:a16="http://schemas.microsoft.com/office/drawing/2014/main" id="{6589CDF3-EA74-4502-BEF2-691BB87A46C4}"/>
+                <a16:creationId xmlns:a16="http://schemas.microsoft.com/office/drawing/2014/main" xmlns="" id="{6589CDF3-EA74-4502-BEF2-691BB87A46C4}"/>
               </a:ext>
             </a:extLst>
           </p:cNvPr>
@@ -17251,7 +17231,7 @@
           <p:cNvPr id="373" name="Прямоугольник 372">
             <a:extLst>
               <a:ext uri="{FF2B5EF4-FFF2-40B4-BE49-F238E27FC236}">
-                <a16:creationId xmlns="" xmlns:a16="http://schemas.microsoft.com/office/drawing/2014/main" id="{2FC2B334-CF25-4EFB-958E-A3877D34A5B4}"/>
+                <a16:creationId xmlns:a16="http://schemas.microsoft.com/office/drawing/2014/main" xmlns="" id="{2FC2B334-CF25-4EFB-958E-A3877D34A5B4}"/>
               </a:ext>
             </a:extLst>
           </p:cNvPr>
@@ -17300,7 +17280,7 @@
           <p:cNvPr id="383" name="Прямоугольник 382">
             <a:extLst>
               <a:ext uri="{FF2B5EF4-FFF2-40B4-BE49-F238E27FC236}">
-                <a16:creationId xmlns="" xmlns:a16="http://schemas.microsoft.com/office/drawing/2014/main" id="{74E3C8C4-8719-4232-8983-702495896567}"/>
+                <a16:creationId xmlns:a16="http://schemas.microsoft.com/office/drawing/2014/main" xmlns="" id="{74E3C8C4-8719-4232-8983-702495896567}"/>
               </a:ext>
             </a:extLst>
           </p:cNvPr>
@@ -17349,7 +17329,7 @@
           <p:cNvPr id="384" name="Прямоугольник 383">
             <a:extLst>
               <a:ext uri="{FF2B5EF4-FFF2-40B4-BE49-F238E27FC236}">
-                <a16:creationId xmlns="" xmlns:a16="http://schemas.microsoft.com/office/drawing/2014/main" id="{34CBEC2C-B29B-4008-BB32-C0D97A96B6A4}"/>
+                <a16:creationId xmlns:a16="http://schemas.microsoft.com/office/drawing/2014/main" xmlns="" id="{34CBEC2C-B29B-4008-BB32-C0D97A96B6A4}"/>
               </a:ext>
             </a:extLst>
           </p:cNvPr>
@@ -17398,7 +17378,7 @@
           <p:cNvPr id="385" name="Прямоугольник 384">
             <a:extLst>
               <a:ext uri="{FF2B5EF4-FFF2-40B4-BE49-F238E27FC236}">
-                <a16:creationId xmlns="" xmlns:a16="http://schemas.microsoft.com/office/drawing/2014/main" id="{F6212F07-8BD3-444F-ADFF-B5C47CFD3244}"/>
+                <a16:creationId xmlns:a16="http://schemas.microsoft.com/office/drawing/2014/main" xmlns="" id="{F6212F07-8BD3-444F-ADFF-B5C47CFD3244}"/>
               </a:ext>
             </a:extLst>
           </p:cNvPr>
@@ -17447,7 +17427,7 @@
           <p:cNvPr id="387" name="Прямоугольник 386">
             <a:extLst>
               <a:ext uri="{FF2B5EF4-FFF2-40B4-BE49-F238E27FC236}">
-                <a16:creationId xmlns="" xmlns:a16="http://schemas.microsoft.com/office/drawing/2014/main" id="{98064EED-8B9F-4A13-90EE-26802E23532C}"/>
+                <a16:creationId xmlns:a16="http://schemas.microsoft.com/office/drawing/2014/main" xmlns="" id="{98064EED-8B9F-4A13-90EE-26802E23532C}"/>
               </a:ext>
             </a:extLst>
           </p:cNvPr>
@@ -17496,7 +17476,7 @@
           <p:cNvPr id="393" name="Прямоугольник 392">
             <a:extLst>
               <a:ext uri="{FF2B5EF4-FFF2-40B4-BE49-F238E27FC236}">
-                <a16:creationId xmlns="" xmlns:a16="http://schemas.microsoft.com/office/drawing/2014/main" id="{7D821894-30E4-4D16-B7A3-4288BF3A8DD5}"/>
+                <a16:creationId xmlns:a16="http://schemas.microsoft.com/office/drawing/2014/main" xmlns="" id="{7D821894-30E4-4D16-B7A3-4288BF3A8DD5}"/>
               </a:ext>
             </a:extLst>
           </p:cNvPr>
@@ -17545,7 +17525,7 @@
           <p:cNvPr id="394" name="Прямоугольник 393">
             <a:extLst>
               <a:ext uri="{FF2B5EF4-FFF2-40B4-BE49-F238E27FC236}">
-                <a16:creationId xmlns="" xmlns:a16="http://schemas.microsoft.com/office/drawing/2014/main" id="{85C37AE4-8F03-4A08-9707-A3ADEC64EC29}"/>
+                <a16:creationId xmlns:a16="http://schemas.microsoft.com/office/drawing/2014/main" xmlns="" id="{85C37AE4-8F03-4A08-9707-A3ADEC64EC29}"/>
               </a:ext>
             </a:extLst>
           </p:cNvPr>
@@ -17594,7 +17574,7 @@
           <p:cNvPr id="395" name="Прямая соединительная линия 394">
             <a:extLst>
               <a:ext uri="{FF2B5EF4-FFF2-40B4-BE49-F238E27FC236}">
-                <a16:creationId xmlns="" xmlns:a16="http://schemas.microsoft.com/office/drawing/2014/main" id="{EA678973-43FE-47C6-B2EF-08BFA8BDCB5C}"/>
+                <a16:creationId xmlns:a16="http://schemas.microsoft.com/office/drawing/2014/main" xmlns="" id="{EA678973-43FE-47C6-B2EF-08BFA8BDCB5C}"/>
               </a:ext>
             </a:extLst>
           </p:cNvPr>
@@ -17639,7 +17619,7 @@
           <p:cNvPr id="396" name="Прямая соединительная линия 395">
             <a:extLst>
               <a:ext uri="{FF2B5EF4-FFF2-40B4-BE49-F238E27FC236}">
-                <a16:creationId xmlns="" xmlns:a16="http://schemas.microsoft.com/office/drawing/2014/main" id="{E8A01847-02CC-4C2D-B6D4-08D7E256ABCB}"/>
+                <a16:creationId xmlns:a16="http://schemas.microsoft.com/office/drawing/2014/main" xmlns="" id="{E8A01847-02CC-4C2D-B6D4-08D7E256ABCB}"/>
               </a:ext>
             </a:extLst>
           </p:cNvPr>
@@ -17684,7 +17664,7 @@
           <p:cNvPr id="397" name="Прямая соединительная линия 396">
             <a:extLst>
               <a:ext uri="{FF2B5EF4-FFF2-40B4-BE49-F238E27FC236}">
-                <a16:creationId xmlns="" xmlns:a16="http://schemas.microsoft.com/office/drawing/2014/main" id="{1BE9E3DD-A17F-40ED-BBBC-532AEDB0BD61}"/>
+                <a16:creationId xmlns:a16="http://schemas.microsoft.com/office/drawing/2014/main" xmlns="" id="{1BE9E3DD-A17F-40ED-BBBC-532AEDB0BD61}"/>
               </a:ext>
             </a:extLst>
           </p:cNvPr>
@@ -17729,7 +17709,7 @@
           <p:cNvPr id="398" name="Shape 248">
             <a:extLst>
               <a:ext uri="{FF2B5EF4-FFF2-40B4-BE49-F238E27FC236}">
-                <a16:creationId xmlns="" xmlns:a16="http://schemas.microsoft.com/office/drawing/2014/main" id="{EC82461A-7A55-41A3-80AF-7A628CA5F8E5}"/>
+                <a16:creationId xmlns:a16="http://schemas.microsoft.com/office/drawing/2014/main" xmlns="" id="{EC82461A-7A55-41A3-80AF-7A628CA5F8E5}"/>
               </a:ext>
             </a:extLst>
           </p:cNvPr>
@@ -17774,7 +17754,7 @@
           <p:cNvPr id="399" name="Shape 248">
             <a:extLst>
               <a:ext uri="{FF2B5EF4-FFF2-40B4-BE49-F238E27FC236}">
-                <a16:creationId xmlns="" xmlns:a16="http://schemas.microsoft.com/office/drawing/2014/main" id="{04663475-868B-4441-B2AC-AFF94DAC204A}"/>
+                <a16:creationId xmlns:a16="http://schemas.microsoft.com/office/drawing/2014/main" xmlns="" id="{04663475-868B-4441-B2AC-AFF94DAC204A}"/>
               </a:ext>
             </a:extLst>
           </p:cNvPr>
@@ -17819,7 +17799,7 @@
           <p:cNvPr id="400" name="Прямоугольник 399">
             <a:extLst>
               <a:ext uri="{FF2B5EF4-FFF2-40B4-BE49-F238E27FC236}">
-                <a16:creationId xmlns="" xmlns:a16="http://schemas.microsoft.com/office/drawing/2014/main" id="{98CB1FCD-D016-4556-A623-C25C9F69458D}"/>
+                <a16:creationId xmlns:a16="http://schemas.microsoft.com/office/drawing/2014/main" xmlns="" id="{98CB1FCD-D016-4556-A623-C25C9F69458D}"/>
               </a:ext>
             </a:extLst>
           </p:cNvPr>
@@ -17868,7 +17848,7 @@
           <p:cNvPr id="403" name="Shape 248">
             <a:extLst>
               <a:ext uri="{FF2B5EF4-FFF2-40B4-BE49-F238E27FC236}">
-                <a16:creationId xmlns="" xmlns:a16="http://schemas.microsoft.com/office/drawing/2014/main" id="{B3D5614B-64AC-46FA-9641-F98A81F2C35D}"/>
+                <a16:creationId xmlns:a16="http://schemas.microsoft.com/office/drawing/2014/main" xmlns="" id="{B3D5614B-64AC-46FA-9641-F98A81F2C35D}"/>
               </a:ext>
             </a:extLst>
           </p:cNvPr>
@@ -17913,7 +17893,7 @@
           <p:cNvPr id="404" name="Shape 248">
             <a:extLst>
               <a:ext uri="{FF2B5EF4-FFF2-40B4-BE49-F238E27FC236}">
-                <a16:creationId xmlns="" xmlns:a16="http://schemas.microsoft.com/office/drawing/2014/main" id="{58E38658-E864-43E9-A148-A077C3FEA59C}"/>
+                <a16:creationId xmlns:a16="http://schemas.microsoft.com/office/drawing/2014/main" xmlns="" id="{58E38658-E864-43E9-A148-A077C3FEA59C}"/>
               </a:ext>
             </a:extLst>
           </p:cNvPr>
@@ -17958,7 +17938,7 @@
           <p:cNvPr id="406" name="Прямоугольник 405">
             <a:extLst>
               <a:ext uri="{FF2B5EF4-FFF2-40B4-BE49-F238E27FC236}">
-                <a16:creationId xmlns="" xmlns:a16="http://schemas.microsoft.com/office/drawing/2014/main" id="{11D53174-6F15-4B59-9C87-AEC60385AFE0}"/>
+                <a16:creationId xmlns:a16="http://schemas.microsoft.com/office/drawing/2014/main" xmlns="" id="{11D53174-6F15-4B59-9C87-AEC60385AFE0}"/>
               </a:ext>
             </a:extLst>
           </p:cNvPr>
@@ -18007,7 +17987,7 @@
           <p:cNvPr id="407" name="Прямоугольник 406">
             <a:extLst>
               <a:ext uri="{FF2B5EF4-FFF2-40B4-BE49-F238E27FC236}">
-                <a16:creationId xmlns="" xmlns:a16="http://schemas.microsoft.com/office/drawing/2014/main" id="{B2BDEA18-D950-4D2A-84E0-6AFC7BFECBD1}"/>
+                <a16:creationId xmlns:a16="http://schemas.microsoft.com/office/drawing/2014/main" xmlns="" id="{B2BDEA18-D950-4D2A-84E0-6AFC7BFECBD1}"/>
               </a:ext>
             </a:extLst>
           </p:cNvPr>
@@ -18056,7 +18036,7 @@
           <p:cNvPr id="408" name="Прямоугольник 407">
             <a:extLst>
               <a:ext uri="{FF2B5EF4-FFF2-40B4-BE49-F238E27FC236}">
-                <a16:creationId xmlns="" xmlns:a16="http://schemas.microsoft.com/office/drawing/2014/main" id="{B510A4A1-0CB1-4B30-877B-8169A826C48F}"/>
+                <a16:creationId xmlns:a16="http://schemas.microsoft.com/office/drawing/2014/main" xmlns="" id="{B510A4A1-0CB1-4B30-877B-8169A826C48F}"/>
               </a:ext>
             </a:extLst>
           </p:cNvPr>
@@ -18105,7 +18085,7 @@
           <p:cNvPr id="409" name="Прямоугольник 408">
             <a:extLst>
               <a:ext uri="{FF2B5EF4-FFF2-40B4-BE49-F238E27FC236}">
-                <a16:creationId xmlns="" xmlns:a16="http://schemas.microsoft.com/office/drawing/2014/main" id="{5B3B97FD-E9A5-466E-B336-C13C2EC33A2A}"/>
+                <a16:creationId xmlns:a16="http://schemas.microsoft.com/office/drawing/2014/main" xmlns="" id="{5B3B97FD-E9A5-466E-B336-C13C2EC33A2A}"/>
               </a:ext>
             </a:extLst>
           </p:cNvPr>
@@ -18154,7 +18134,7 @@
           <p:cNvPr id="410" name="Прямоугольник 409">
             <a:extLst>
               <a:ext uri="{FF2B5EF4-FFF2-40B4-BE49-F238E27FC236}">
-                <a16:creationId xmlns="" xmlns:a16="http://schemas.microsoft.com/office/drawing/2014/main" id="{A6251E2A-62E6-457D-B6AD-4AB5C5F67C14}"/>
+                <a16:creationId xmlns:a16="http://schemas.microsoft.com/office/drawing/2014/main" xmlns="" id="{A6251E2A-62E6-457D-B6AD-4AB5C5F67C14}"/>
               </a:ext>
             </a:extLst>
           </p:cNvPr>
@@ -18203,7 +18183,7 @@
           <p:cNvPr id="411" name="Прямоугольник 410">
             <a:extLst>
               <a:ext uri="{FF2B5EF4-FFF2-40B4-BE49-F238E27FC236}">
-                <a16:creationId xmlns="" xmlns:a16="http://schemas.microsoft.com/office/drawing/2014/main" id="{A810956C-8C81-46CD-82F1-2C73CD6A360D}"/>
+                <a16:creationId xmlns:a16="http://schemas.microsoft.com/office/drawing/2014/main" xmlns="" id="{A810956C-8C81-46CD-82F1-2C73CD6A360D}"/>
               </a:ext>
             </a:extLst>
           </p:cNvPr>
@@ -18252,7 +18232,7 @@
           <p:cNvPr id="412" name="Прямоугольник 411">
             <a:extLst>
               <a:ext uri="{FF2B5EF4-FFF2-40B4-BE49-F238E27FC236}">
-                <a16:creationId xmlns="" xmlns:a16="http://schemas.microsoft.com/office/drawing/2014/main" id="{E013B640-13C2-4561-A980-61EEF4C9936B}"/>
+                <a16:creationId xmlns:a16="http://schemas.microsoft.com/office/drawing/2014/main" xmlns="" id="{E013B640-13C2-4561-A980-61EEF4C9936B}"/>
               </a:ext>
             </a:extLst>
           </p:cNvPr>
@@ -18301,7 +18281,7 @@
           <p:cNvPr id="413" name="Прямоугольник 412">
             <a:extLst>
               <a:ext uri="{FF2B5EF4-FFF2-40B4-BE49-F238E27FC236}">
-                <a16:creationId xmlns="" xmlns:a16="http://schemas.microsoft.com/office/drawing/2014/main" id="{8BB552E8-5927-43C6-9CBE-BD94613D3A4F}"/>
+                <a16:creationId xmlns:a16="http://schemas.microsoft.com/office/drawing/2014/main" xmlns="" id="{8BB552E8-5927-43C6-9CBE-BD94613D3A4F}"/>
               </a:ext>
             </a:extLst>
           </p:cNvPr>
@@ -18350,7 +18330,7 @@
           <p:cNvPr id="414" name="Прямоугольник 413">
             <a:extLst>
               <a:ext uri="{FF2B5EF4-FFF2-40B4-BE49-F238E27FC236}">
-                <a16:creationId xmlns="" xmlns:a16="http://schemas.microsoft.com/office/drawing/2014/main" id="{3B68D7CC-ADC7-45FC-AAC2-C4834B00D8D4}"/>
+                <a16:creationId xmlns:a16="http://schemas.microsoft.com/office/drawing/2014/main" xmlns="" id="{3B68D7CC-ADC7-45FC-AAC2-C4834B00D8D4}"/>
               </a:ext>
             </a:extLst>
           </p:cNvPr>
@@ -18399,7 +18379,7 @@
           <p:cNvPr id="415" name="Прямоугольник 414">
             <a:extLst>
               <a:ext uri="{FF2B5EF4-FFF2-40B4-BE49-F238E27FC236}">
-                <a16:creationId xmlns="" xmlns:a16="http://schemas.microsoft.com/office/drawing/2014/main" id="{0208E2E7-22A1-4E23-AD59-E183A4AB30B4}"/>
+                <a16:creationId xmlns:a16="http://schemas.microsoft.com/office/drawing/2014/main" xmlns="" id="{0208E2E7-22A1-4E23-AD59-E183A4AB30B4}"/>
               </a:ext>
             </a:extLst>
           </p:cNvPr>
@@ -18448,7 +18428,7 @@
           <p:cNvPr id="416" name="Прямоугольник 415">
             <a:extLst>
               <a:ext uri="{FF2B5EF4-FFF2-40B4-BE49-F238E27FC236}">
-                <a16:creationId xmlns="" xmlns:a16="http://schemas.microsoft.com/office/drawing/2014/main" id="{5183ADFB-0CE9-4641-8F3A-B7B41140F3D9}"/>
+                <a16:creationId xmlns:a16="http://schemas.microsoft.com/office/drawing/2014/main" xmlns="" id="{5183ADFB-0CE9-4641-8F3A-B7B41140F3D9}"/>
               </a:ext>
             </a:extLst>
           </p:cNvPr>
@@ -18501,7 +18481,7 @@
           <p:cNvPr id="417" name="Прямоугольник 416">
             <a:extLst>
               <a:ext uri="{FF2B5EF4-FFF2-40B4-BE49-F238E27FC236}">
-                <a16:creationId xmlns="" xmlns:a16="http://schemas.microsoft.com/office/drawing/2014/main" id="{8DAA09BF-0621-4F87-82F3-0F2D1D560DB6}"/>
+                <a16:creationId xmlns:a16="http://schemas.microsoft.com/office/drawing/2014/main" xmlns="" id="{8DAA09BF-0621-4F87-82F3-0F2D1D560DB6}"/>
               </a:ext>
             </a:extLst>
           </p:cNvPr>
@@ -18550,7 +18530,7 @@
           <p:cNvPr id="418" name="Прямоугольник 417">
             <a:extLst>
               <a:ext uri="{FF2B5EF4-FFF2-40B4-BE49-F238E27FC236}">
-                <a16:creationId xmlns="" xmlns:a16="http://schemas.microsoft.com/office/drawing/2014/main" id="{CCF4112B-78CF-44C9-BFC8-E5AE5800A998}"/>
+                <a16:creationId xmlns:a16="http://schemas.microsoft.com/office/drawing/2014/main" xmlns="" id="{CCF4112B-78CF-44C9-BFC8-E5AE5800A998}"/>
               </a:ext>
             </a:extLst>
           </p:cNvPr>
@@ -18611,7 +18591,7 @@
           <p:cNvPr id="419" name="Прямоугольник 418">
             <a:extLst>
               <a:ext uri="{FF2B5EF4-FFF2-40B4-BE49-F238E27FC236}">
-                <a16:creationId xmlns="" xmlns:a16="http://schemas.microsoft.com/office/drawing/2014/main" id="{97EDE762-91A1-4BD2-B3B0-16CF467752B1}"/>
+                <a16:creationId xmlns:a16="http://schemas.microsoft.com/office/drawing/2014/main" xmlns="" id="{97EDE762-91A1-4BD2-B3B0-16CF467752B1}"/>
               </a:ext>
             </a:extLst>
           </p:cNvPr>
@@ -18660,7 +18640,7 @@
           <p:cNvPr id="420" name="Прямоугольник 419">
             <a:extLst>
               <a:ext uri="{FF2B5EF4-FFF2-40B4-BE49-F238E27FC236}">
-                <a16:creationId xmlns="" xmlns:a16="http://schemas.microsoft.com/office/drawing/2014/main" id="{026787F2-46EB-48E7-8A00-39DBCA329709}"/>
+                <a16:creationId xmlns:a16="http://schemas.microsoft.com/office/drawing/2014/main" xmlns="" id="{026787F2-46EB-48E7-8A00-39DBCA329709}"/>
               </a:ext>
             </a:extLst>
           </p:cNvPr>
@@ -18709,7 +18689,7 @@
           <p:cNvPr id="421" name="Прямоугольник 420">
             <a:extLst>
               <a:ext uri="{FF2B5EF4-FFF2-40B4-BE49-F238E27FC236}">
-                <a16:creationId xmlns="" xmlns:a16="http://schemas.microsoft.com/office/drawing/2014/main" id="{F99920BC-5BD7-4AA3-BB90-FD60CF3820C9}"/>
+                <a16:creationId xmlns:a16="http://schemas.microsoft.com/office/drawing/2014/main" xmlns="" id="{F99920BC-5BD7-4AA3-BB90-FD60CF3820C9}"/>
               </a:ext>
             </a:extLst>
           </p:cNvPr>
@@ -18758,7 +18738,7 @@
           <p:cNvPr id="422" name="Прямоугольник 421">
             <a:extLst>
               <a:ext uri="{FF2B5EF4-FFF2-40B4-BE49-F238E27FC236}">
-                <a16:creationId xmlns="" xmlns:a16="http://schemas.microsoft.com/office/drawing/2014/main" id="{C9A6598D-6EBA-41F5-A086-7422F7D1CBBC}"/>
+                <a16:creationId xmlns:a16="http://schemas.microsoft.com/office/drawing/2014/main" xmlns="" id="{C9A6598D-6EBA-41F5-A086-7422F7D1CBBC}"/>
               </a:ext>
             </a:extLst>
           </p:cNvPr>
@@ -18807,7 +18787,7 @@
           <p:cNvPr id="425" name="Shape 248">
             <a:extLst>
               <a:ext uri="{FF2B5EF4-FFF2-40B4-BE49-F238E27FC236}">
-                <a16:creationId xmlns="" xmlns:a16="http://schemas.microsoft.com/office/drawing/2014/main" id="{1C0E1EDA-6112-449B-8D45-E7C72731CCF7}"/>
+                <a16:creationId xmlns:a16="http://schemas.microsoft.com/office/drawing/2014/main" xmlns="" id="{1C0E1EDA-6112-449B-8D45-E7C72731CCF7}"/>
               </a:ext>
             </a:extLst>
           </p:cNvPr>
@@ -18852,7 +18832,7 @@
           <p:cNvPr id="428" name="Shape 248">
             <a:extLst>
               <a:ext uri="{FF2B5EF4-FFF2-40B4-BE49-F238E27FC236}">
-                <a16:creationId xmlns="" xmlns:a16="http://schemas.microsoft.com/office/drawing/2014/main" id="{A1569A00-87C6-4ACC-9C9F-5AE7DDFE889E}"/>
+                <a16:creationId xmlns:a16="http://schemas.microsoft.com/office/drawing/2014/main" xmlns="" id="{A1569A00-87C6-4ACC-9C9F-5AE7DDFE889E}"/>
               </a:ext>
             </a:extLst>
           </p:cNvPr>
@@ -18897,7 +18877,7 @@
           <p:cNvPr id="431" name="Shape 248">
             <a:extLst>
               <a:ext uri="{FF2B5EF4-FFF2-40B4-BE49-F238E27FC236}">
-                <a16:creationId xmlns="" xmlns:a16="http://schemas.microsoft.com/office/drawing/2014/main" id="{56649A38-32E3-4575-AD86-B79539030BD1}"/>
+                <a16:creationId xmlns:a16="http://schemas.microsoft.com/office/drawing/2014/main" xmlns="" id="{56649A38-32E3-4575-AD86-B79539030BD1}"/>
               </a:ext>
             </a:extLst>
           </p:cNvPr>
@@ -18942,7 +18922,7 @@
           <p:cNvPr id="434" name="Shape 248">
             <a:extLst>
               <a:ext uri="{FF2B5EF4-FFF2-40B4-BE49-F238E27FC236}">
-                <a16:creationId xmlns="" xmlns:a16="http://schemas.microsoft.com/office/drawing/2014/main" id="{4393AA00-4777-49B6-A614-A445AD9E48FA}"/>
+                <a16:creationId xmlns:a16="http://schemas.microsoft.com/office/drawing/2014/main" xmlns="" id="{4393AA00-4777-49B6-A614-A445AD9E48FA}"/>
               </a:ext>
             </a:extLst>
           </p:cNvPr>
@@ -18987,7 +18967,7 @@
           <p:cNvPr id="437" name="Shape 248">
             <a:extLst>
               <a:ext uri="{FF2B5EF4-FFF2-40B4-BE49-F238E27FC236}">
-                <a16:creationId xmlns="" xmlns:a16="http://schemas.microsoft.com/office/drawing/2014/main" id="{95CC49D0-1574-4AE3-9C68-91FF8A89FF0B}"/>
+                <a16:creationId xmlns:a16="http://schemas.microsoft.com/office/drawing/2014/main" xmlns="" id="{95CC49D0-1574-4AE3-9C68-91FF8A89FF0B}"/>
               </a:ext>
             </a:extLst>
           </p:cNvPr>
@@ -19032,7 +19012,7 @@
           <p:cNvPr id="440" name="Shape 248">
             <a:extLst>
               <a:ext uri="{FF2B5EF4-FFF2-40B4-BE49-F238E27FC236}">
-                <a16:creationId xmlns="" xmlns:a16="http://schemas.microsoft.com/office/drawing/2014/main" id="{CA5992D2-100E-4BF6-8084-8A327F4990F1}"/>
+                <a16:creationId xmlns:a16="http://schemas.microsoft.com/office/drawing/2014/main" xmlns="" id="{CA5992D2-100E-4BF6-8084-8A327F4990F1}"/>
               </a:ext>
             </a:extLst>
           </p:cNvPr>
@@ -19077,7 +19057,7 @@
           <p:cNvPr id="443" name="Shape 248">
             <a:extLst>
               <a:ext uri="{FF2B5EF4-FFF2-40B4-BE49-F238E27FC236}">
-                <a16:creationId xmlns="" xmlns:a16="http://schemas.microsoft.com/office/drawing/2014/main" id="{75DBBB45-4351-426F-9388-2BEF9986DFAD}"/>
+                <a16:creationId xmlns:a16="http://schemas.microsoft.com/office/drawing/2014/main" xmlns="" id="{75DBBB45-4351-426F-9388-2BEF9986DFAD}"/>
               </a:ext>
             </a:extLst>
           </p:cNvPr>
@@ -19122,7 +19102,7 @@
           <p:cNvPr id="448" name="Прямая со стрелкой 447">
             <a:extLst>
               <a:ext uri="{FF2B5EF4-FFF2-40B4-BE49-F238E27FC236}">
-                <a16:creationId xmlns="" xmlns:a16="http://schemas.microsoft.com/office/drawing/2014/main" id="{D054572B-74CE-49FB-B23F-137ACAB3AA29}"/>
+                <a16:creationId xmlns:a16="http://schemas.microsoft.com/office/drawing/2014/main" xmlns="" id="{D054572B-74CE-49FB-B23F-137ACAB3AA29}"/>
               </a:ext>
             </a:extLst>
           </p:cNvPr>
@@ -19165,7 +19145,7 @@
           <p:cNvPr id="451" name="Прямая со стрелкой 450">
             <a:extLst>
               <a:ext uri="{FF2B5EF4-FFF2-40B4-BE49-F238E27FC236}">
-                <a16:creationId xmlns="" xmlns:a16="http://schemas.microsoft.com/office/drawing/2014/main" id="{2C43F354-059D-4DB0-8721-719221C10B3F}"/>
+                <a16:creationId xmlns:a16="http://schemas.microsoft.com/office/drawing/2014/main" xmlns="" id="{2C43F354-059D-4DB0-8721-719221C10B3F}"/>
               </a:ext>
             </a:extLst>
           </p:cNvPr>
@@ -19208,7 +19188,7 @@
           <p:cNvPr id="454" name="Прямая со стрелкой 453">
             <a:extLst>
               <a:ext uri="{FF2B5EF4-FFF2-40B4-BE49-F238E27FC236}">
-                <a16:creationId xmlns="" xmlns:a16="http://schemas.microsoft.com/office/drawing/2014/main" id="{B6C01A1F-50D4-4C7F-90CA-A7766887112D}"/>
+                <a16:creationId xmlns:a16="http://schemas.microsoft.com/office/drawing/2014/main" xmlns="" id="{B6C01A1F-50D4-4C7F-90CA-A7766887112D}"/>
               </a:ext>
             </a:extLst>
           </p:cNvPr>
@@ -19251,7 +19231,7 @@
           <p:cNvPr id="457" name="Shape 248">
             <a:extLst>
               <a:ext uri="{FF2B5EF4-FFF2-40B4-BE49-F238E27FC236}">
-                <a16:creationId xmlns="" xmlns:a16="http://schemas.microsoft.com/office/drawing/2014/main" id="{585F9789-D5B6-4751-945B-516EC2C58F23}"/>
+                <a16:creationId xmlns:a16="http://schemas.microsoft.com/office/drawing/2014/main" xmlns="" id="{585F9789-D5B6-4751-945B-516EC2C58F23}"/>
               </a:ext>
             </a:extLst>
           </p:cNvPr>
@@ -19296,7 +19276,7 @@
           <p:cNvPr id="460" name="Прямая со стрелкой 459">
             <a:extLst>
               <a:ext uri="{FF2B5EF4-FFF2-40B4-BE49-F238E27FC236}">
-                <a16:creationId xmlns="" xmlns:a16="http://schemas.microsoft.com/office/drawing/2014/main" id="{08C12D7C-36D5-4E12-9188-111687479AB6}"/>
+                <a16:creationId xmlns:a16="http://schemas.microsoft.com/office/drawing/2014/main" xmlns="" id="{08C12D7C-36D5-4E12-9188-111687479AB6}"/>
               </a:ext>
             </a:extLst>
           </p:cNvPr>
@@ -19339,7 +19319,7 @@
           <p:cNvPr id="463" name="Прямая со стрелкой 462">
             <a:extLst>
               <a:ext uri="{FF2B5EF4-FFF2-40B4-BE49-F238E27FC236}">
-                <a16:creationId xmlns="" xmlns:a16="http://schemas.microsoft.com/office/drawing/2014/main" id="{BE6B48E0-57CB-4905-B3CF-5A9AF18FA3F4}"/>
+                <a16:creationId xmlns:a16="http://schemas.microsoft.com/office/drawing/2014/main" xmlns="" id="{BE6B48E0-57CB-4905-B3CF-5A9AF18FA3F4}"/>
               </a:ext>
             </a:extLst>
           </p:cNvPr>
@@ -19382,7 +19362,7 @@
           <p:cNvPr id="470" name="Shape 248">
             <a:extLst>
               <a:ext uri="{FF2B5EF4-FFF2-40B4-BE49-F238E27FC236}">
-                <a16:creationId xmlns="" xmlns:a16="http://schemas.microsoft.com/office/drawing/2014/main" id="{163D0B73-AD3F-45C1-9871-F265D332646A}"/>
+                <a16:creationId xmlns:a16="http://schemas.microsoft.com/office/drawing/2014/main" xmlns="" id="{163D0B73-AD3F-45C1-9871-F265D332646A}"/>
               </a:ext>
             </a:extLst>
           </p:cNvPr>
@@ -19427,7 +19407,7 @@
           <p:cNvPr id="474" name="Shape 248">
             <a:extLst>
               <a:ext uri="{FF2B5EF4-FFF2-40B4-BE49-F238E27FC236}">
-                <a16:creationId xmlns="" xmlns:a16="http://schemas.microsoft.com/office/drawing/2014/main" id="{38B97A0C-CF15-45DB-9FD6-EC725FD84812}"/>
+                <a16:creationId xmlns:a16="http://schemas.microsoft.com/office/drawing/2014/main" xmlns="" id="{38B97A0C-CF15-45DB-9FD6-EC725FD84812}"/>
               </a:ext>
             </a:extLst>
           </p:cNvPr>
@@ -19472,7 +19452,7 @@
           <p:cNvPr id="477" name="Shape 248">
             <a:extLst>
               <a:ext uri="{FF2B5EF4-FFF2-40B4-BE49-F238E27FC236}">
-                <a16:creationId xmlns="" xmlns:a16="http://schemas.microsoft.com/office/drawing/2014/main" id="{E43BDC75-E8C3-42B8-B225-CDFD4A24FC1F}"/>
+                <a16:creationId xmlns:a16="http://schemas.microsoft.com/office/drawing/2014/main" xmlns="" id="{E43BDC75-E8C3-42B8-B225-CDFD4A24FC1F}"/>
               </a:ext>
             </a:extLst>
           </p:cNvPr>
@@ -19517,7 +19497,7 @@
           <p:cNvPr id="480" name="Shape 248">
             <a:extLst>
               <a:ext uri="{FF2B5EF4-FFF2-40B4-BE49-F238E27FC236}">
-                <a16:creationId xmlns="" xmlns:a16="http://schemas.microsoft.com/office/drawing/2014/main" id="{87234C00-795E-4185-BB78-B4DFED59D8D5}"/>
+                <a16:creationId xmlns:a16="http://schemas.microsoft.com/office/drawing/2014/main" xmlns="" id="{87234C00-795E-4185-BB78-B4DFED59D8D5}"/>
               </a:ext>
             </a:extLst>
           </p:cNvPr>
@@ -19562,7 +19542,7 @@
           <p:cNvPr id="483" name="Shape 248">
             <a:extLst>
               <a:ext uri="{FF2B5EF4-FFF2-40B4-BE49-F238E27FC236}">
-                <a16:creationId xmlns="" xmlns:a16="http://schemas.microsoft.com/office/drawing/2014/main" id="{D4CCABE6-97D4-4105-93E9-32A70EB5ACB6}"/>
+                <a16:creationId xmlns:a16="http://schemas.microsoft.com/office/drawing/2014/main" xmlns="" id="{D4CCABE6-97D4-4105-93E9-32A70EB5ACB6}"/>
               </a:ext>
             </a:extLst>
           </p:cNvPr>
@@ -19607,7 +19587,7 @@
           <p:cNvPr id="488" name="Shape 248">
             <a:extLst>
               <a:ext uri="{FF2B5EF4-FFF2-40B4-BE49-F238E27FC236}">
-                <a16:creationId xmlns="" xmlns:a16="http://schemas.microsoft.com/office/drawing/2014/main" id="{04406A94-4D68-4E3B-A185-816972AAD50D}"/>
+                <a16:creationId xmlns:a16="http://schemas.microsoft.com/office/drawing/2014/main" xmlns="" id="{04406A94-4D68-4E3B-A185-816972AAD50D}"/>
               </a:ext>
             </a:extLst>
           </p:cNvPr>
@@ -19653,7 +19633,7 @@
           <p:cNvPr id="491" name="Shape 248">
             <a:extLst>
               <a:ext uri="{FF2B5EF4-FFF2-40B4-BE49-F238E27FC236}">
-                <a16:creationId xmlns="" xmlns:a16="http://schemas.microsoft.com/office/drawing/2014/main" id="{379DA79B-7B03-4CE3-B5C7-7E9C569C7BFF}"/>
+                <a16:creationId xmlns:a16="http://schemas.microsoft.com/office/drawing/2014/main" xmlns="" id="{379DA79B-7B03-4CE3-B5C7-7E9C569C7BFF}"/>
               </a:ext>
             </a:extLst>
           </p:cNvPr>
@@ -19699,7 +19679,7 @@
           <p:cNvPr id="494" name="Shape 248">
             <a:extLst>
               <a:ext uri="{FF2B5EF4-FFF2-40B4-BE49-F238E27FC236}">
-                <a16:creationId xmlns="" xmlns:a16="http://schemas.microsoft.com/office/drawing/2014/main" id="{D41A89F4-AADC-494A-A04C-F120E6B71608}"/>
+                <a16:creationId xmlns:a16="http://schemas.microsoft.com/office/drawing/2014/main" xmlns="" id="{D41A89F4-AADC-494A-A04C-F120E6B71608}"/>
               </a:ext>
             </a:extLst>
           </p:cNvPr>
@@ -19745,7 +19725,7 @@
           <p:cNvPr id="497" name="Shape 248">
             <a:extLst>
               <a:ext uri="{FF2B5EF4-FFF2-40B4-BE49-F238E27FC236}">
-                <a16:creationId xmlns="" xmlns:a16="http://schemas.microsoft.com/office/drawing/2014/main" id="{3687ACE2-F7C0-4ECB-9022-B8221549BF70}"/>
+                <a16:creationId xmlns:a16="http://schemas.microsoft.com/office/drawing/2014/main" xmlns="" id="{3687ACE2-F7C0-4ECB-9022-B8221549BF70}"/>
               </a:ext>
             </a:extLst>
           </p:cNvPr>
@@ -19791,7 +19771,7 @@
           <p:cNvPr id="500" name="Shape 248">
             <a:extLst>
               <a:ext uri="{FF2B5EF4-FFF2-40B4-BE49-F238E27FC236}">
-                <a16:creationId xmlns="" xmlns:a16="http://schemas.microsoft.com/office/drawing/2014/main" id="{592B8110-494B-4B66-B594-90A5E025E9F1}"/>
+                <a16:creationId xmlns:a16="http://schemas.microsoft.com/office/drawing/2014/main" xmlns="" id="{592B8110-494B-4B66-B594-90A5E025E9F1}"/>
               </a:ext>
             </a:extLst>
           </p:cNvPr>
@@ -19836,7 +19816,7 @@
           <p:cNvPr id="505" name="Shape 248">
             <a:extLst>
               <a:ext uri="{FF2B5EF4-FFF2-40B4-BE49-F238E27FC236}">
-                <a16:creationId xmlns="" xmlns:a16="http://schemas.microsoft.com/office/drawing/2014/main" id="{5A4B961B-3733-4129-BC73-3B4C2244B2D4}"/>
+                <a16:creationId xmlns:a16="http://schemas.microsoft.com/office/drawing/2014/main" xmlns="" id="{5A4B961B-3733-4129-BC73-3B4C2244B2D4}"/>
               </a:ext>
             </a:extLst>
           </p:cNvPr>
@@ -19881,7 +19861,7 @@
           <p:cNvPr id="509" name="Shape 248">
             <a:extLst>
               <a:ext uri="{FF2B5EF4-FFF2-40B4-BE49-F238E27FC236}">
-                <a16:creationId xmlns="" xmlns:a16="http://schemas.microsoft.com/office/drawing/2014/main" id="{0E49FC30-7F95-414C-BCF1-C89612144E07}"/>
+                <a16:creationId xmlns:a16="http://schemas.microsoft.com/office/drawing/2014/main" xmlns="" id="{0E49FC30-7F95-414C-BCF1-C89612144E07}"/>
               </a:ext>
             </a:extLst>
           </p:cNvPr>
@@ -19926,7 +19906,7 @@
           <p:cNvPr id="576" name="Прямая со стрелкой 575">
             <a:extLst>
               <a:ext uri="{FF2B5EF4-FFF2-40B4-BE49-F238E27FC236}">
-                <a16:creationId xmlns="" xmlns:a16="http://schemas.microsoft.com/office/drawing/2014/main" id="{9786A1C4-F115-4707-BEB8-7BD45F18AFA1}"/>
+                <a16:creationId xmlns:a16="http://schemas.microsoft.com/office/drawing/2014/main" xmlns="" id="{9786A1C4-F115-4707-BEB8-7BD45F18AFA1}"/>
               </a:ext>
             </a:extLst>
           </p:cNvPr>
@@ -19969,7 +19949,7 @@
           <p:cNvPr id="578" name="Shape 248">
             <a:extLst>
               <a:ext uri="{FF2B5EF4-FFF2-40B4-BE49-F238E27FC236}">
-                <a16:creationId xmlns="" xmlns:a16="http://schemas.microsoft.com/office/drawing/2014/main" id="{79E19F73-D641-4C7A-AA27-959AAEAD578F}"/>
+                <a16:creationId xmlns:a16="http://schemas.microsoft.com/office/drawing/2014/main" xmlns="" id="{79E19F73-D641-4C7A-AA27-959AAEAD578F}"/>
               </a:ext>
             </a:extLst>
           </p:cNvPr>
@@ -20014,7 +19994,7 @@
           <p:cNvPr id="597" name="Прямая со стрелкой 596">
             <a:extLst>
               <a:ext uri="{FF2B5EF4-FFF2-40B4-BE49-F238E27FC236}">
-                <a16:creationId xmlns="" xmlns:a16="http://schemas.microsoft.com/office/drawing/2014/main" id="{EFF7721C-2831-4027-8613-EB301D241B42}"/>
+                <a16:creationId xmlns:a16="http://schemas.microsoft.com/office/drawing/2014/main" xmlns="" id="{EFF7721C-2831-4027-8613-EB301D241B42}"/>
               </a:ext>
             </a:extLst>
           </p:cNvPr>
@@ -20057,7 +20037,7 @@
           <p:cNvPr id="377" name="Shape 248">
             <a:extLst>
               <a:ext uri="{FF2B5EF4-FFF2-40B4-BE49-F238E27FC236}">
-                <a16:creationId xmlns="" xmlns:a16="http://schemas.microsoft.com/office/drawing/2014/main" id="{1BDFD058-3088-4A39-B00D-0D88C5B4D41E}"/>
+                <a16:creationId xmlns:a16="http://schemas.microsoft.com/office/drawing/2014/main" xmlns="" id="{1BDFD058-3088-4A39-B00D-0D88C5B4D41E}"/>
               </a:ext>
             </a:extLst>
           </p:cNvPr>
@@ -20102,7 +20082,7 @@
           <p:cNvPr id="362" name="Прямоугольник 361">
             <a:extLst>
               <a:ext uri="{FF2B5EF4-FFF2-40B4-BE49-F238E27FC236}">
-                <a16:creationId xmlns="" xmlns:a16="http://schemas.microsoft.com/office/drawing/2014/main" id="{33D724F3-BCB9-4419-ABB7-752519A753B4}"/>
+                <a16:creationId xmlns:a16="http://schemas.microsoft.com/office/drawing/2014/main" xmlns="" id="{33D724F3-BCB9-4419-ABB7-752519A753B4}"/>
               </a:ext>
             </a:extLst>
           </p:cNvPr>
@@ -20158,7 +20138,7 @@
           <p:cNvPr id="364" name="Shape 248">
             <a:extLst>
               <a:ext uri="{FF2B5EF4-FFF2-40B4-BE49-F238E27FC236}">
-                <a16:creationId xmlns="" xmlns:a16="http://schemas.microsoft.com/office/drawing/2014/main" id="{9B715593-1715-4A42-91C3-88FE3A615CA3}"/>
+                <a16:creationId xmlns:a16="http://schemas.microsoft.com/office/drawing/2014/main" xmlns="" id="{9B715593-1715-4A42-91C3-88FE3A615CA3}"/>
               </a:ext>
             </a:extLst>
           </p:cNvPr>
@@ -20204,7 +20184,7 @@
           <p:cNvPr id="374" name="Shape 248">
             <a:extLst>
               <a:ext uri="{FF2B5EF4-FFF2-40B4-BE49-F238E27FC236}">
-                <a16:creationId xmlns="" xmlns:a16="http://schemas.microsoft.com/office/drawing/2014/main" id="{66F0B54A-C8E7-4525-B599-B86C61BA3285}"/>
+                <a16:creationId xmlns:a16="http://schemas.microsoft.com/office/drawing/2014/main" xmlns="" id="{66F0B54A-C8E7-4525-B599-B86C61BA3285}"/>
               </a:ext>
             </a:extLst>
           </p:cNvPr>
@@ -20279,7 +20259,7 @@
           <p:cNvPr id="4" name="Прямоугольник 3">
             <a:extLst>
               <a:ext uri="{FF2B5EF4-FFF2-40B4-BE49-F238E27FC236}">
-                <a16:creationId xmlns="" xmlns:a16="http://schemas.microsoft.com/office/drawing/2014/main" id="{1F9C0D72-2B8C-422F-AA1B-75E2613CE527}"/>
+                <a16:creationId xmlns:a16="http://schemas.microsoft.com/office/drawing/2014/main" xmlns="" id="{1F9C0D72-2B8C-422F-AA1B-75E2613CE527}"/>
               </a:ext>
             </a:extLst>
           </p:cNvPr>
@@ -20359,7 +20339,7 @@
           <p:cNvPr id="5" name="Прямоугольник 4">
             <a:extLst>
               <a:ext uri="{FF2B5EF4-FFF2-40B4-BE49-F238E27FC236}">
-                <a16:creationId xmlns="" xmlns:a16="http://schemas.microsoft.com/office/drawing/2014/main" id="{1EEB06B4-DE13-4E69-B6E7-D0359E824360}"/>
+                <a16:creationId xmlns:a16="http://schemas.microsoft.com/office/drawing/2014/main" xmlns="" id="{1EEB06B4-DE13-4E69-B6E7-D0359E824360}"/>
               </a:ext>
             </a:extLst>
           </p:cNvPr>
@@ -20455,7 +20435,7 @@
           <p:cNvPr id="6" name="Shape 248">
             <a:extLst>
               <a:ext uri="{FF2B5EF4-FFF2-40B4-BE49-F238E27FC236}">
-                <a16:creationId xmlns="" xmlns:a16="http://schemas.microsoft.com/office/drawing/2014/main" id="{B234CA33-0C27-440C-A25F-97E99F3EBEA0}"/>
+                <a16:creationId xmlns:a16="http://schemas.microsoft.com/office/drawing/2014/main" xmlns="" id="{B234CA33-0C27-440C-A25F-97E99F3EBEA0}"/>
               </a:ext>
             </a:extLst>
           </p:cNvPr>
@@ -20499,7 +20479,7 @@
           <p:cNvPr id="7" name="Shape 248">
             <a:extLst>
               <a:ext uri="{FF2B5EF4-FFF2-40B4-BE49-F238E27FC236}">
-                <a16:creationId xmlns="" xmlns:a16="http://schemas.microsoft.com/office/drawing/2014/main" id="{9C43B1C8-42BA-4945-AF2A-77ECD434BF3F}"/>
+                <a16:creationId xmlns:a16="http://schemas.microsoft.com/office/drawing/2014/main" xmlns="" id="{9C43B1C8-42BA-4945-AF2A-77ECD434BF3F}"/>
               </a:ext>
             </a:extLst>
           </p:cNvPr>
@@ -20542,7 +20522,7 @@
           <p:cNvPr id="8" name="Прямая со стрелкой 7">
             <a:extLst>
               <a:ext uri="{FF2B5EF4-FFF2-40B4-BE49-F238E27FC236}">
-                <a16:creationId xmlns="" xmlns:a16="http://schemas.microsoft.com/office/drawing/2014/main" id="{A5B1A6DF-B58D-4E00-8DA0-A96D9F0E3C53}"/>
+                <a16:creationId xmlns:a16="http://schemas.microsoft.com/office/drawing/2014/main" xmlns="" id="{A5B1A6DF-B58D-4E00-8DA0-A96D9F0E3C53}"/>
               </a:ext>
             </a:extLst>
           </p:cNvPr>
@@ -20583,7 +20563,7 @@
           <p:cNvPr id="9" name="Прямая соединительная линия 8">
             <a:extLst>
               <a:ext uri="{FF2B5EF4-FFF2-40B4-BE49-F238E27FC236}">
-                <a16:creationId xmlns="" xmlns:a16="http://schemas.microsoft.com/office/drawing/2014/main" id="{021126FA-D9A9-479C-94E2-9B1AF5E5451A}"/>
+                <a16:creationId xmlns:a16="http://schemas.microsoft.com/office/drawing/2014/main" xmlns="" id="{021126FA-D9A9-479C-94E2-9B1AF5E5451A}"/>
               </a:ext>
             </a:extLst>
           </p:cNvPr>
@@ -20628,7 +20608,7 @@
           <p:cNvPr id="10" name="Прямоугольник 9">
             <a:extLst>
               <a:ext uri="{FF2B5EF4-FFF2-40B4-BE49-F238E27FC236}">
-                <a16:creationId xmlns="" xmlns:a16="http://schemas.microsoft.com/office/drawing/2014/main" id="{66B19C8F-C1CF-449B-9FD8-33ABF2ABBEF2}"/>
+                <a16:creationId xmlns:a16="http://schemas.microsoft.com/office/drawing/2014/main" xmlns="" id="{66B19C8F-C1CF-449B-9FD8-33ABF2ABBEF2}"/>
               </a:ext>
             </a:extLst>
           </p:cNvPr>
@@ -20692,7 +20672,7 @@
           <p:cNvPr id="11" name="Прямоугольник 10">
             <a:extLst>
               <a:ext uri="{FF2B5EF4-FFF2-40B4-BE49-F238E27FC236}">
-                <a16:creationId xmlns="" xmlns:a16="http://schemas.microsoft.com/office/drawing/2014/main" id="{79058CB1-7ABF-43FB-AD92-0741BD72F940}"/>
+                <a16:creationId xmlns:a16="http://schemas.microsoft.com/office/drawing/2014/main" xmlns="" id="{79058CB1-7ABF-43FB-AD92-0741BD72F940}"/>
               </a:ext>
             </a:extLst>
           </p:cNvPr>
@@ -20756,7 +20736,7 @@
           <p:cNvPr id="12" name="Прямоугольник 11">
             <a:extLst>
               <a:ext uri="{FF2B5EF4-FFF2-40B4-BE49-F238E27FC236}">
-                <a16:creationId xmlns="" xmlns:a16="http://schemas.microsoft.com/office/drawing/2014/main" id="{98BC2A06-2E3C-4DF7-B51A-82E3CD9D83BE}"/>
+                <a16:creationId xmlns:a16="http://schemas.microsoft.com/office/drawing/2014/main" xmlns="" id="{98BC2A06-2E3C-4DF7-B51A-82E3CD9D83BE}"/>
               </a:ext>
             </a:extLst>
           </p:cNvPr>
@@ -20816,7 +20796,7 @@
           <p:cNvPr id="13" name="Прямоугольник 12">
             <a:extLst>
               <a:ext uri="{FF2B5EF4-FFF2-40B4-BE49-F238E27FC236}">
-                <a16:creationId xmlns="" xmlns:a16="http://schemas.microsoft.com/office/drawing/2014/main" id="{79F30FFD-254C-4994-BCCF-7802FA86095A}"/>
+                <a16:creationId xmlns:a16="http://schemas.microsoft.com/office/drawing/2014/main" xmlns="" id="{79F30FFD-254C-4994-BCCF-7802FA86095A}"/>
               </a:ext>
             </a:extLst>
           </p:cNvPr>
@@ -20880,7 +20860,7 @@
           <p:cNvPr id="16" name="Прямоугольник 15">
             <a:extLst>
               <a:ext uri="{FF2B5EF4-FFF2-40B4-BE49-F238E27FC236}">
-                <a16:creationId xmlns="" xmlns:a16="http://schemas.microsoft.com/office/drawing/2014/main" id="{15A5BF7B-9859-4D99-B8AC-4D91B0C96D00}"/>
+                <a16:creationId xmlns:a16="http://schemas.microsoft.com/office/drawing/2014/main" xmlns="" id="{15A5BF7B-9859-4D99-B8AC-4D91B0C96D00}"/>
               </a:ext>
             </a:extLst>
           </p:cNvPr>
@@ -20944,7 +20924,7 @@
           <p:cNvPr id="17" name="Прямоугольник 16">
             <a:extLst>
               <a:ext uri="{FF2B5EF4-FFF2-40B4-BE49-F238E27FC236}">
-                <a16:creationId xmlns="" xmlns:a16="http://schemas.microsoft.com/office/drawing/2014/main" id="{6F904001-736C-4D47-AD3B-976AAF18B4B5}"/>
+                <a16:creationId xmlns:a16="http://schemas.microsoft.com/office/drawing/2014/main" xmlns="" id="{6F904001-736C-4D47-AD3B-976AAF18B4B5}"/>
               </a:ext>
             </a:extLst>
           </p:cNvPr>
@@ -21020,7 +21000,7 @@
           <p:cNvPr id="23" name="Прямоугольник 22">
             <a:extLst>
               <a:ext uri="{FF2B5EF4-FFF2-40B4-BE49-F238E27FC236}">
-                <a16:creationId xmlns="" xmlns:a16="http://schemas.microsoft.com/office/drawing/2014/main" id="{460B3274-71A8-4E02-BF84-C018D966FCE8}"/>
+                <a16:creationId xmlns:a16="http://schemas.microsoft.com/office/drawing/2014/main" xmlns="" id="{460B3274-71A8-4E02-BF84-C018D966FCE8}"/>
               </a:ext>
             </a:extLst>
           </p:cNvPr>
@@ -21084,7 +21064,7 @@
           <p:cNvPr id="24" name="Прямоугольник 23">
             <a:extLst>
               <a:ext uri="{FF2B5EF4-FFF2-40B4-BE49-F238E27FC236}">
-                <a16:creationId xmlns="" xmlns:a16="http://schemas.microsoft.com/office/drawing/2014/main" id="{8B932D75-8E0B-42AE-9709-A099564F76B0}"/>
+                <a16:creationId xmlns:a16="http://schemas.microsoft.com/office/drawing/2014/main" xmlns="" id="{8B932D75-8E0B-42AE-9709-A099564F76B0}"/>
               </a:ext>
             </a:extLst>
           </p:cNvPr>
@@ -21152,7 +21132,7 @@
           <p:cNvPr id="25" name="Прямоугольник 24">
             <a:extLst>
               <a:ext uri="{FF2B5EF4-FFF2-40B4-BE49-F238E27FC236}">
-                <a16:creationId xmlns="" xmlns:a16="http://schemas.microsoft.com/office/drawing/2014/main" id="{75AC6935-7994-4025-972C-A9B606F1C600}"/>
+                <a16:creationId xmlns:a16="http://schemas.microsoft.com/office/drawing/2014/main" xmlns="" id="{75AC6935-7994-4025-972C-A9B606F1C600}"/>
               </a:ext>
             </a:extLst>
           </p:cNvPr>
@@ -21264,7 +21244,7 @@
           <p:cNvPr id="26" name="Прямоугольник 25">
             <a:extLst>
               <a:ext uri="{FF2B5EF4-FFF2-40B4-BE49-F238E27FC236}">
-                <a16:creationId xmlns="" xmlns:a16="http://schemas.microsoft.com/office/drawing/2014/main" id="{CD50A99F-E1B4-48A5-97DB-ADFEE84EBF5C}"/>
+                <a16:creationId xmlns:a16="http://schemas.microsoft.com/office/drawing/2014/main" xmlns="" id="{CD50A99F-E1B4-48A5-97DB-ADFEE84EBF5C}"/>
               </a:ext>
             </a:extLst>
           </p:cNvPr>
@@ -21328,7 +21308,7 @@
           <p:cNvPr id="27" name="Прямоугольник 26">
             <a:extLst>
               <a:ext uri="{FF2B5EF4-FFF2-40B4-BE49-F238E27FC236}">
-                <a16:creationId xmlns="" xmlns:a16="http://schemas.microsoft.com/office/drawing/2014/main" id="{17F70722-D13D-41F3-BE3E-56DF8747031F}"/>
+                <a16:creationId xmlns:a16="http://schemas.microsoft.com/office/drawing/2014/main" xmlns="" id="{17F70722-D13D-41F3-BE3E-56DF8747031F}"/>
               </a:ext>
             </a:extLst>
           </p:cNvPr>
@@ -21383,7 +21363,7 @@
           <p:cNvPr id="28" name="Прямоугольник 27">
             <a:extLst>
               <a:ext uri="{FF2B5EF4-FFF2-40B4-BE49-F238E27FC236}">
-                <a16:creationId xmlns="" xmlns:a16="http://schemas.microsoft.com/office/drawing/2014/main" id="{E5389385-69EE-48FB-A1DC-B9F4755FB094}"/>
+                <a16:creationId xmlns:a16="http://schemas.microsoft.com/office/drawing/2014/main" xmlns="" id="{E5389385-69EE-48FB-A1DC-B9F4755FB094}"/>
               </a:ext>
             </a:extLst>
           </p:cNvPr>
@@ -21447,7 +21427,7 @@
           <p:cNvPr id="29" name="Прямоугольник 28">
             <a:extLst>
               <a:ext uri="{FF2B5EF4-FFF2-40B4-BE49-F238E27FC236}">
-                <a16:creationId xmlns="" xmlns:a16="http://schemas.microsoft.com/office/drawing/2014/main" id="{ADC16910-B304-4E84-891B-163B651F2E74}"/>
+                <a16:creationId xmlns:a16="http://schemas.microsoft.com/office/drawing/2014/main" xmlns="" id="{ADC16910-B304-4E84-891B-163B651F2E74}"/>
               </a:ext>
             </a:extLst>
           </p:cNvPr>
@@ -21535,7 +21515,7 @@
           <p:cNvPr id="30" name="Прямоугольник 29">
             <a:extLst>
               <a:ext uri="{FF2B5EF4-FFF2-40B4-BE49-F238E27FC236}">
-                <a16:creationId xmlns="" xmlns:a16="http://schemas.microsoft.com/office/drawing/2014/main" id="{8451F12F-5CAE-4431-8EB7-1F746686EB80}"/>
+                <a16:creationId xmlns:a16="http://schemas.microsoft.com/office/drawing/2014/main" xmlns="" id="{8451F12F-5CAE-4431-8EB7-1F746686EB80}"/>
               </a:ext>
             </a:extLst>
           </p:cNvPr>
@@ -21597,6 +21577,66 @@
             <a:r>
               <a:rPr lang="ru-RU" sz="700" dirty="0"/>
               <a:t> , не было принято, а парламентская система — хотя и в пользу националистического правительства — сохранилась.)</a:t>
+            </a:r>
+            <a:endParaRPr lang="ru-RU" sz="800" dirty="0"/>
+          </a:p>
+        </p:txBody>
+      </p:sp>
+      <p:sp>
+        <p:nvSpPr>
+          <p:cNvPr id="22" name="Прямоугольник 21">
+            <a:extLst>
+              <a:ext uri="{FF2B5EF4-FFF2-40B4-BE49-F238E27FC236}">
+                <a16:creationId xmlns:a16="http://schemas.microsoft.com/office/drawing/2014/main" xmlns="" id="{98BC2A06-2E3C-4DF7-B51A-82E3CD9D83BE}"/>
+              </a:ext>
+            </a:extLst>
+          </p:cNvPr>
+          <p:cNvSpPr/>
+          <p:nvPr/>
+        </p:nvSpPr>
+        <p:spPr>
+          <a:xfrm>
+            <a:off x="10228983" y="5385670"/>
+            <a:ext cx="2115918" cy="1080000"/>
+          </a:xfrm>
+          <a:prstGeom prst="rect">
+            <a:avLst/>
+          </a:prstGeom>
+          <a:solidFill>
+            <a:schemeClr val="accent2"/>
+          </a:solidFill>
+          <a:ln w="28575"/>
+        </p:spPr>
+        <p:style>
+          <a:lnRef idx="2">
+            <a:schemeClr val="accent1"/>
+          </a:lnRef>
+          <a:fillRef idx="1">
+            <a:schemeClr val="lt1"/>
+          </a:fillRef>
+          <a:effectRef idx="0">
+            <a:schemeClr val="accent1"/>
+          </a:effectRef>
+          <a:fontRef idx="minor">
+            <a:schemeClr val="dk1"/>
+          </a:fontRef>
+        </p:style>
+        <p:txBody>
+          <a:bodyPr lIns="124733" tIns="62367" rIns="124733" bIns="62367" rtlCol="0" anchor="ctr"/>
+          <a:lstStyle/>
+          <a:p>
+            <a:pPr algn="ctr"/>
+            <a:r>
+              <a:rPr lang="ru-RU" sz="1400" dirty="0"/>
+              <a:t>Вступить в Ось (</a:t>
+            </a:r>
+            <a:r>
+              <a:rPr lang="ru-RU" sz="1400" dirty="0" err="1"/>
+              <a:t>кирино</a:t>
+            </a:r>
+            <a:r>
+              <a:rPr lang="ru-RU" sz="1400" dirty="0"/>
+              <a:t>)</a:t>
             </a:r>
             <a:endParaRPr lang="ru-RU" sz="800" dirty="0"/>
           </a:p>
@@ -21870,7 +21910,7 @@
   <a:extraClrSchemeLst/>
   <a:extLst>
     <a:ext uri="{05A4C25C-085E-4340-85A3-A5531E510DB2}">
-      <thm15:themeFamily xmlns="" xmlns:thm15="http://schemas.microsoft.com/office/thememl/2012/main" name="Office Theme" id="{62F939B6-93AF-4DB8-9C6B-D6C7DFDC589F}" vid="{4A3C46E8-61CC-4603-A589-7422A47A8E4A}"/>
+      <thm15:themeFamily xmlns:thm15="http://schemas.microsoft.com/office/thememl/2012/main" xmlns="" name="Office Theme" id="{62F939B6-93AF-4DB8-9C6B-D6C7DFDC589F}" vid="{4A3C46E8-61CC-4603-A589-7422A47A8E4A}"/>
     </a:ext>
   </a:extLst>
 </a:theme>
@@ -22131,7 +22171,7 @@
   <a:extraClrSchemeLst/>
   <a:extLst>
     <a:ext uri="{05A4C25C-085E-4340-85A3-A5531E510DB2}">
-      <thm15:themeFamily xmlns="" xmlns:thm15="http://schemas.microsoft.com/office/thememl/2012/main" name="Office Theme" id="{62F939B6-93AF-4DB8-9C6B-D6C7DFDC589F}" vid="{4A3C46E8-61CC-4603-A589-7422A47A8E4A}"/>
+      <thm15:themeFamily xmlns:thm15="http://schemas.microsoft.com/office/thememl/2012/main" xmlns="" name="Office Theme" id="{62F939B6-93AF-4DB8-9C6B-D6C7DFDC589F}" vid="{4A3C46E8-61CC-4603-A589-7422A47A8E4A}"/>
     </a:ext>
   </a:extLst>
 </a:theme>

--- a/Наработки/диздоки/ЮАС/ЮАС доработка.pptx
+++ b/Наработки/диздоки/ЮАС/ЮАС доработка.pptx
@@ -110,7 +110,7 @@
   </p:defaultTextStyle>
   <p:extLst>
     <p:ext uri="{EFAFB233-063F-42B5-8137-9DF3F51BA10A}">
-      <p15:sldGuideLst xmlns:p15="http://schemas.microsoft.com/office/powerpoint/2012/main" xmlns="">
+      <p15:sldGuideLst xmlns="" xmlns:p15="http://schemas.microsoft.com/office/powerpoint/2012/main">
         <p15:guide id="1" orient="horz" pos="11344">
           <p15:clr>
             <a:srgbClr val="A4A3A4"/>
@@ -210,7 +210,7 @@
             <a:fld id="{33E3D7F9-E251-484C-A6FF-FA958879DF69}" type="datetimeFigureOut">
               <a:rPr lang="ru-RU" smtClean="0"/>
               <a:pPr/>
-              <a:t>03.11.2023</a:t>
+              <a:t>08.11.2023</a:t>
             </a:fld>
             <a:endParaRPr lang="ru-RU"/>
           </a:p>
@@ -700,7 +700,7 @@
             <a:fld id="{85A5DE44-605B-4D3B-B2B7-94543DF81A36}" type="datetimeFigureOut">
               <a:rPr lang="ru-RU" smtClean="0"/>
               <a:pPr/>
-              <a:t>03.11.2023</a:t>
+              <a:t>08.11.2023</a:t>
             </a:fld>
             <a:endParaRPr lang="ru-RU"/>
           </a:p>
@@ -872,7 +872,7 @@
             <a:fld id="{85A5DE44-605B-4D3B-B2B7-94543DF81A36}" type="datetimeFigureOut">
               <a:rPr lang="ru-RU" smtClean="0"/>
               <a:pPr/>
-              <a:t>03.11.2023</a:t>
+              <a:t>08.11.2023</a:t>
             </a:fld>
             <a:endParaRPr lang="ru-RU"/>
           </a:p>
@@ -1054,7 +1054,7 @@
             <a:fld id="{85A5DE44-605B-4D3B-B2B7-94543DF81A36}" type="datetimeFigureOut">
               <a:rPr lang="ru-RU" smtClean="0"/>
               <a:pPr/>
-              <a:t>03.11.2023</a:t>
+              <a:t>08.11.2023</a:t>
             </a:fld>
             <a:endParaRPr lang="ru-RU"/>
           </a:p>
@@ -1226,7 +1226,7 @@
             <a:fld id="{85A5DE44-605B-4D3B-B2B7-94543DF81A36}" type="datetimeFigureOut">
               <a:rPr lang="ru-RU" smtClean="0"/>
               <a:pPr/>
-              <a:t>03.11.2023</a:t>
+              <a:t>08.11.2023</a:t>
             </a:fld>
             <a:endParaRPr lang="ru-RU"/>
           </a:p>
@@ -1474,7 +1474,7 @@
             <a:fld id="{85A5DE44-605B-4D3B-B2B7-94543DF81A36}" type="datetimeFigureOut">
               <a:rPr lang="ru-RU" smtClean="0"/>
               <a:pPr/>
-              <a:t>03.11.2023</a:t>
+              <a:t>08.11.2023</a:t>
             </a:fld>
             <a:endParaRPr lang="ru-RU"/>
           </a:p>
@@ -1708,7 +1708,7 @@
             <a:fld id="{85A5DE44-605B-4D3B-B2B7-94543DF81A36}" type="datetimeFigureOut">
               <a:rPr lang="ru-RU" smtClean="0"/>
               <a:pPr/>
-              <a:t>03.11.2023</a:t>
+              <a:t>08.11.2023</a:t>
             </a:fld>
             <a:endParaRPr lang="ru-RU"/>
           </a:p>
@@ -2077,7 +2077,7 @@
             <a:fld id="{85A5DE44-605B-4D3B-B2B7-94543DF81A36}" type="datetimeFigureOut">
               <a:rPr lang="ru-RU" smtClean="0"/>
               <a:pPr/>
-              <a:t>03.11.2023</a:t>
+              <a:t>08.11.2023</a:t>
             </a:fld>
             <a:endParaRPr lang="ru-RU"/>
           </a:p>
@@ -2197,7 +2197,7 @@
             <a:fld id="{85A5DE44-605B-4D3B-B2B7-94543DF81A36}" type="datetimeFigureOut">
               <a:rPr lang="ru-RU" smtClean="0"/>
               <a:pPr/>
-              <a:t>03.11.2023</a:t>
+              <a:t>08.11.2023</a:t>
             </a:fld>
             <a:endParaRPr lang="ru-RU"/>
           </a:p>
@@ -2294,7 +2294,7 @@
             <a:fld id="{85A5DE44-605B-4D3B-B2B7-94543DF81A36}" type="datetimeFigureOut">
               <a:rPr lang="ru-RU" smtClean="0"/>
               <a:pPr/>
-              <a:t>03.11.2023</a:t>
+              <a:t>08.11.2023</a:t>
             </a:fld>
             <a:endParaRPr lang="ru-RU"/>
           </a:p>
@@ -2573,7 +2573,7 @@
             <a:fld id="{85A5DE44-605B-4D3B-B2B7-94543DF81A36}" type="datetimeFigureOut">
               <a:rPr lang="ru-RU" smtClean="0"/>
               <a:pPr/>
-              <a:t>03.11.2023</a:t>
+              <a:t>08.11.2023</a:t>
             </a:fld>
             <a:endParaRPr lang="ru-RU"/>
           </a:p>
@@ -2832,7 +2832,7 @@
             <a:fld id="{85A5DE44-605B-4D3B-B2B7-94543DF81A36}" type="datetimeFigureOut">
               <a:rPr lang="ru-RU" smtClean="0"/>
               <a:pPr/>
-              <a:t>03.11.2023</a:t>
+              <a:t>08.11.2023</a:t>
             </a:fld>
             <a:endParaRPr lang="ru-RU"/>
           </a:p>
@@ -3047,7 +3047,7 @@
             <a:fld id="{85A5DE44-605B-4D3B-B2B7-94543DF81A36}" type="datetimeFigureOut">
               <a:rPr lang="ru-RU" smtClean="0"/>
               <a:pPr/>
-              <a:t>03.11.2023</a:t>
+              <a:t>08.11.2023</a:t>
             </a:fld>
             <a:endParaRPr lang="ru-RU"/>
           </a:p>
@@ -3622,7 +3622,7 @@
           <p:cNvPr id="746" name="Прямоугольник 745">
             <a:extLst>
               <a:ext uri="{FF2B5EF4-FFF2-40B4-BE49-F238E27FC236}">
-                <a16:creationId xmlns:a16="http://schemas.microsoft.com/office/drawing/2014/main" xmlns="" id="{5A5C35EB-BF83-444C-A337-D22BC58B37C6}"/>
+                <a16:creationId xmlns="" xmlns:a16="http://schemas.microsoft.com/office/drawing/2014/main" id="{5A5C35EB-BF83-444C-A337-D22BC58B37C6}"/>
               </a:ext>
             </a:extLst>
           </p:cNvPr>
@@ -3671,7 +3671,7 @@
           <p:cNvPr id="749" name="Прямоугольник 748">
             <a:extLst>
               <a:ext uri="{FF2B5EF4-FFF2-40B4-BE49-F238E27FC236}">
-                <a16:creationId xmlns:a16="http://schemas.microsoft.com/office/drawing/2014/main" xmlns="" id="{4D6886D0-A543-4D66-A88B-993D92E2F107}"/>
+                <a16:creationId xmlns="" xmlns:a16="http://schemas.microsoft.com/office/drawing/2014/main" id="{4D6886D0-A543-4D66-A88B-993D92E2F107}"/>
               </a:ext>
             </a:extLst>
           </p:cNvPr>
@@ -3720,7 +3720,7 @@
           <p:cNvPr id="17" name="Прямоугольник 16">
             <a:extLst>
               <a:ext uri="{FF2B5EF4-FFF2-40B4-BE49-F238E27FC236}">
-                <a16:creationId xmlns:a16="http://schemas.microsoft.com/office/drawing/2014/main" xmlns="" id="{2A6F6301-CA97-4EB0-A44D-E7FF27A013B5}"/>
+                <a16:creationId xmlns="" xmlns:a16="http://schemas.microsoft.com/office/drawing/2014/main" id="{2A6F6301-CA97-4EB0-A44D-E7FF27A013B5}"/>
               </a:ext>
             </a:extLst>
           </p:cNvPr>
@@ -3769,7 +3769,7 @@
           <p:cNvPr id="18" name="Прямоугольник 17">
             <a:extLst>
               <a:ext uri="{FF2B5EF4-FFF2-40B4-BE49-F238E27FC236}">
-                <a16:creationId xmlns:a16="http://schemas.microsoft.com/office/drawing/2014/main" xmlns="" id="{221854E5-65A8-4BC0-9062-E1F29DFF7724}"/>
+                <a16:creationId xmlns="" xmlns:a16="http://schemas.microsoft.com/office/drawing/2014/main" id="{221854E5-65A8-4BC0-9062-E1F29DFF7724}"/>
               </a:ext>
             </a:extLst>
           </p:cNvPr>
@@ -3818,7 +3818,7 @@
           <p:cNvPr id="19" name="Прямоугольник 18">
             <a:extLst>
               <a:ext uri="{FF2B5EF4-FFF2-40B4-BE49-F238E27FC236}">
-                <a16:creationId xmlns:a16="http://schemas.microsoft.com/office/drawing/2014/main" xmlns="" id="{033C32B1-7FB5-4427-AC80-41EF0E3274D9}"/>
+                <a16:creationId xmlns="" xmlns:a16="http://schemas.microsoft.com/office/drawing/2014/main" id="{033C32B1-7FB5-4427-AC80-41EF0E3274D9}"/>
               </a:ext>
             </a:extLst>
           </p:cNvPr>
@@ -3867,7 +3867,7 @@
           <p:cNvPr id="20" name="Прямоугольник 19">
             <a:extLst>
               <a:ext uri="{FF2B5EF4-FFF2-40B4-BE49-F238E27FC236}">
-                <a16:creationId xmlns:a16="http://schemas.microsoft.com/office/drawing/2014/main" xmlns="" id="{DE8DA818-D0A4-4747-B22E-8EA433779FBF}"/>
+                <a16:creationId xmlns="" xmlns:a16="http://schemas.microsoft.com/office/drawing/2014/main" id="{DE8DA818-D0A4-4747-B22E-8EA433779FBF}"/>
               </a:ext>
             </a:extLst>
           </p:cNvPr>
@@ -3916,7 +3916,7 @@
           <p:cNvPr id="21" name="Прямоугольник 20">
             <a:extLst>
               <a:ext uri="{FF2B5EF4-FFF2-40B4-BE49-F238E27FC236}">
-                <a16:creationId xmlns:a16="http://schemas.microsoft.com/office/drawing/2014/main" xmlns="" id="{CC1F0354-3AC0-4BAF-B8BB-C910E7C4A5D6}"/>
+                <a16:creationId xmlns="" xmlns:a16="http://schemas.microsoft.com/office/drawing/2014/main" id="{CC1F0354-3AC0-4BAF-B8BB-C910E7C4A5D6}"/>
               </a:ext>
             </a:extLst>
           </p:cNvPr>
@@ -3965,7 +3965,7 @@
           <p:cNvPr id="22" name="Прямоугольник 21">
             <a:extLst>
               <a:ext uri="{FF2B5EF4-FFF2-40B4-BE49-F238E27FC236}">
-                <a16:creationId xmlns:a16="http://schemas.microsoft.com/office/drawing/2014/main" xmlns="" id="{626AB241-048C-4E7B-8C47-DD836E054087}"/>
+                <a16:creationId xmlns="" xmlns:a16="http://schemas.microsoft.com/office/drawing/2014/main" id="{626AB241-048C-4E7B-8C47-DD836E054087}"/>
               </a:ext>
             </a:extLst>
           </p:cNvPr>
@@ -4014,7 +4014,7 @@
           <p:cNvPr id="23" name="Прямоугольник 22">
             <a:extLst>
               <a:ext uri="{FF2B5EF4-FFF2-40B4-BE49-F238E27FC236}">
-                <a16:creationId xmlns:a16="http://schemas.microsoft.com/office/drawing/2014/main" xmlns="" id="{3E58D11B-FF28-4315-BCA2-A769980F1758}"/>
+                <a16:creationId xmlns="" xmlns:a16="http://schemas.microsoft.com/office/drawing/2014/main" id="{3E58D11B-FF28-4315-BCA2-A769980F1758}"/>
               </a:ext>
             </a:extLst>
           </p:cNvPr>
@@ -4063,7 +4063,7 @@
           <p:cNvPr id="24" name="Прямоугольник 23">
             <a:extLst>
               <a:ext uri="{FF2B5EF4-FFF2-40B4-BE49-F238E27FC236}">
-                <a16:creationId xmlns:a16="http://schemas.microsoft.com/office/drawing/2014/main" xmlns="" id="{35D89978-ED38-4BF1-8A1D-667372754781}"/>
+                <a16:creationId xmlns="" xmlns:a16="http://schemas.microsoft.com/office/drawing/2014/main" id="{35D89978-ED38-4BF1-8A1D-667372754781}"/>
               </a:ext>
             </a:extLst>
           </p:cNvPr>
@@ -4112,7 +4112,7 @@
           <p:cNvPr id="25" name="Прямоугольник 24">
             <a:extLst>
               <a:ext uri="{FF2B5EF4-FFF2-40B4-BE49-F238E27FC236}">
-                <a16:creationId xmlns:a16="http://schemas.microsoft.com/office/drawing/2014/main" xmlns="" id="{771F1D95-8056-47E0-8042-78976D883C77}"/>
+                <a16:creationId xmlns="" xmlns:a16="http://schemas.microsoft.com/office/drawing/2014/main" id="{771F1D95-8056-47E0-8042-78976D883C77}"/>
               </a:ext>
             </a:extLst>
           </p:cNvPr>
@@ -4161,7 +4161,7 @@
           <p:cNvPr id="26" name="Прямоугольник 25">
             <a:extLst>
               <a:ext uri="{FF2B5EF4-FFF2-40B4-BE49-F238E27FC236}">
-                <a16:creationId xmlns:a16="http://schemas.microsoft.com/office/drawing/2014/main" xmlns="" id="{9F9C69CF-CC3F-47D0-B213-FA599973B24B}"/>
+                <a16:creationId xmlns="" xmlns:a16="http://schemas.microsoft.com/office/drawing/2014/main" id="{9F9C69CF-CC3F-47D0-B213-FA599973B24B}"/>
               </a:ext>
             </a:extLst>
           </p:cNvPr>
@@ -4214,7 +4214,7 @@
           <p:cNvPr id="28" name="Прямоугольник 27">
             <a:extLst>
               <a:ext uri="{FF2B5EF4-FFF2-40B4-BE49-F238E27FC236}">
-                <a16:creationId xmlns:a16="http://schemas.microsoft.com/office/drawing/2014/main" xmlns="" id="{3D69AD52-26EA-4816-8BCF-6D9B1B889307}"/>
+                <a16:creationId xmlns="" xmlns:a16="http://schemas.microsoft.com/office/drawing/2014/main" id="{3D69AD52-26EA-4816-8BCF-6D9B1B889307}"/>
               </a:ext>
             </a:extLst>
           </p:cNvPr>
@@ -4263,7 +4263,7 @@
           <p:cNvPr id="29" name="Прямоугольник 28">
             <a:extLst>
               <a:ext uri="{FF2B5EF4-FFF2-40B4-BE49-F238E27FC236}">
-                <a16:creationId xmlns:a16="http://schemas.microsoft.com/office/drawing/2014/main" xmlns="" id="{792B2C5D-D74D-4FB3-8B78-C7BCC7046C90}"/>
+                <a16:creationId xmlns="" xmlns:a16="http://schemas.microsoft.com/office/drawing/2014/main" id="{792B2C5D-D74D-4FB3-8B78-C7BCC7046C90}"/>
               </a:ext>
             </a:extLst>
           </p:cNvPr>
@@ -4312,7 +4312,7 @@
           <p:cNvPr id="30" name="Прямоугольник 29">
             <a:extLst>
               <a:ext uri="{FF2B5EF4-FFF2-40B4-BE49-F238E27FC236}">
-                <a16:creationId xmlns:a16="http://schemas.microsoft.com/office/drawing/2014/main" xmlns="" id="{9EE84AD7-C133-4B21-8162-048600DC6053}"/>
+                <a16:creationId xmlns="" xmlns:a16="http://schemas.microsoft.com/office/drawing/2014/main" id="{9EE84AD7-C133-4B21-8162-048600DC6053}"/>
               </a:ext>
             </a:extLst>
           </p:cNvPr>
@@ -4361,7 +4361,7 @@
           <p:cNvPr id="31" name="Прямоугольник 30">
             <a:extLst>
               <a:ext uri="{FF2B5EF4-FFF2-40B4-BE49-F238E27FC236}">
-                <a16:creationId xmlns:a16="http://schemas.microsoft.com/office/drawing/2014/main" xmlns="" id="{BAE0D071-9F16-46A2-A3C7-D4043769D316}"/>
+                <a16:creationId xmlns="" xmlns:a16="http://schemas.microsoft.com/office/drawing/2014/main" id="{BAE0D071-9F16-46A2-A3C7-D4043769D316}"/>
               </a:ext>
             </a:extLst>
           </p:cNvPr>
@@ -4417,7 +4417,7 @@
           <p:cNvPr id="32" name="Прямоугольник 31">
             <a:extLst>
               <a:ext uri="{FF2B5EF4-FFF2-40B4-BE49-F238E27FC236}">
-                <a16:creationId xmlns:a16="http://schemas.microsoft.com/office/drawing/2014/main" xmlns="" id="{3FA86464-4A7A-4479-B421-35E994E3C985}"/>
+                <a16:creationId xmlns="" xmlns:a16="http://schemas.microsoft.com/office/drawing/2014/main" id="{3FA86464-4A7A-4479-B421-35E994E3C985}"/>
               </a:ext>
             </a:extLst>
           </p:cNvPr>
@@ -4466,7 +4466,7 @@
           <p:cNvPr id="36" name="Прямоугольник 35">
             <a:extLst>
               <a:ext uri="{FF2B5EF4-FFF2-40B4-BE49-F238E27FC236}">
-                <a16:creationId xmlns:a16="http://schemas.microsoft.com/office/drawing/2014/main" xmlns="" id="{1DE14A81-2776-4187-BF76-C4A0AB64650B}"/>
+                <a16:creationId xmlns="" xmlns:a16="http://schemas.microsoft.com/office/drawing/2014/main" id="{1DE14A81-2776-4187-BF76-C4A0AB64650B}"/>
               </a:ext>
             </a:extLst>
           </p:cNvPr>
@@ -4515,7 +4515,7 @@
           <p:cNvPr id="37" name="Прямоугольник 36">
             <a:extLst>
               <a:ext uri="{FF2B5EF4-FFF2-40B4-BE49-F238E27FC236}">
-                <a16:creationId xmlns:a16="http://schemas.microsoft.com/office/drawing/2014/main" xmlns="" id="{FBD8229D-379D-4D52-BB0C-76E0E81CD826}"/>
+                <a16:creationId xmlns="" xmlns:a16="http://schemas.microsoft.com/office/drawing/2014/main" id="{FBD8229D-379D-4D52-BB0C-76E0E81CD826}"/>
               </a:ext>
             </a:extLst>
           </p:cNvPr>
@@ -4580,7 +4580,7 @@
           <p:cNvPr id="38" name="Прямоугольник 37">
             <a:extLst>
               <a:ext uri="{FF2B5EF4-FFF2-40B4-BE49-F238E27FC236}">
-                <a16:creationId xmlns:a16="http://schemas.microsoft.com/office/drawing/2014/main" xmlns="" id="{5577797A-63B1-4A4D-BF5F-CE7415CAF008}"/>
+                <a16:creationId xmlns="" xmlns:a16="http://schemas.microsoft.com/office/drawing/2014/main" id="{5577797A-63B1-4A4D-BF5F-CE7415CAF008}"/>
               </a:ext>
             </a:extLst>
           </p:cNvPr>
@@ -4629,7 +4629,7 @@
           <p:cNvPr id="39" name="Прямоугольник 38">
             <a:extLst>
               <a:ext uri="{FF2B5EF4-FFF2-40B4-BE49-F238E27FC236}">
-                <a16:creationId xmlns:a16="http://schemas.microsoft.com/office/drawing/2014/main" xmlns="" id="{EC51DEA3-FD70-4670-A431-295D6B333808}"/>
+                <a16:creationId xmlns="" xmlns:a16="http://schemas.microsoft.com/office/drawing/2014/main" id="{EC51DEA3-FD70-4670-A431-295D6B333808}"/>
               </a:ext>
             </a:extLst>
           </p:cNvPr>
@@ -4684,7 +4684,7 @@
           <p:cNvPr id="40" name="Прямоугольник 39">
             <a:extLst>
               <a:ext uri="{FF2B5EF4-FFF2-40B4-BE49-F238E27FC236}">
-                <a16:creationId xmlns:a16="http://schemas.microsoft.com/office/drawing/2014/main" xmlns="" id="{EA2CA77D-FB8E-4EA3-BD84-AEE2E9318B52}"/>
+                <a16:creationId xmlns="" xmlns:a16="http://schemas.microsoft.com/office/drawing/2014/main" id="{EA2CA77D-FB8E-4EA3-BD84-AEE2E9318B52}"/>
               </a:ext>
             </a:extLst>
           </p:cNvPr>
@@ -4741,7 +4741,7 @@
           <p:cNvPr id="42" name="Прямоугольник 41">
             <a:extLst>
               <a:ext uri="{FF2B5EF4-FFF2-40B4-BE49-F238E27FC236}">
-                <a16:creationId xmlns:a16="http://schemas.microsoft.com/office/drawing/2014/main" xmlns="" id="{BD556DD8-C967-42C9-9A2B-4B9E2DB3097F}"/>
+                <a16:creationId xmlns="" xmlns:a16="http://schemas.microsoft.com/office/drawing/2014/main" id="{BD556DD8-C967-42C9-9A2B-4B9E2DB3097F}"/>
               </a:ext>
             </a:extLst>
           </p:cNvPr>
@@ -4790,7 +4790,7 @@
           <p:cNvPr id="43" name="Прямоугольник 42">
             <a:extLst>
               <a:ext uri="{FF2B5EF4-FFF2-40B4-BE49-F238E27FC236}">
-                <a16:creationId xmlns:a16="http://schemas.microsoft.com/office/drawing/2014/main" xmlns="" id="{645E2E65-98B9-4262-8BA0-E3EE832689F7}"/>
+                <a16:creationId xmlns="" xmlns:a16="http://schemas.microsoft.com/office/drawing/2014/main" id="{645E2E65-98B9-4262-8BA0-E3EE832689F7}"/>
               </a:ext>
             </a:extLst>
           </p:cNvPr>
@@ -4843,7 +4843,7 @@
           <p:cNvPr id="49" name="Shape 248">
             <a:extLst>
               <a:ext uri="{FF2B5EF4-FFF2-40B4-BE49-F238E27FC236}">
-                <a16:creationId xmlns:a16="http://schemas.microsoft.com/office/drawing/2014/main" xmlns="" id="{BD5D228F-210F-458B-89AE-DDE88B49461D}"/>
+                <a16:creationId xmlns="" xmlns:a16="http://schemas.microsoft.com/office/drawing/2014/main" id="{BD5D228F-210F-458B-89AE-DDE88B49461D}"/>
               </a:ext>
             </a:extLst>
           </p:cNvPr>
@@ -4888,7 +4888,7 @@
           <p:cNvPr id="52" name="Прямоугольник 51">
             <a:extLst>
               <a:ext uri="{FF2B5EF4-FFF2-40B4-BE49-F238E27FC236}">
-                <a16:creationId xmlns:a16="http://schemas.microsoft.com/office/drawing/2014/main" xmlns="" id="{46EE00FE-646D-4C1F-A9C8-51C2B2622237}"/>
+                <a16:creationId xmlns="" xmlns:a16="http://schemas.microsoft.com/office/drawing/2014/main" id="{46EE00FE-646D-4C1F-A9C8-51C2B2622237}"/>
               </a:ext>
             </a:extLst>
           </p:cNvPr>
@@ -4937,7 +4937,7 @@
           <p:cNvPr id="55" name="Shape 248">
             <a:extLst>
               <a:ext uri="{FF2B5EF4-FFF2-40B4-BE49-F238E27FC236}">
-                <a16:creationId xmlns:a16="http://schemas.microsoft.com/office/drawing/2014/main" xmlns="" id="{E7E90FE1-73EE-4AA8-B507-2A9427ABD363}"/>
+                <a16:creationId xmlns="" xmlns:a16="http://schemas.microsoft.com/office/drawing/2014/main" id="{E7E90FE1-73EE-4AA8-B507-2A9427ABD363}"/>
               </a:ext>
             </a:extLst>
           </p:cNvPr>
@@ -4982,7 +4982,7 @@
           <p:cNvPr id="58" name="Прямоугольник 57">
             <a:extLst>
               <a:ext uri="{FF2B5EF4-FFF2-40B4-BE49-F238E27FC236}">
-                <a16:creationId xmlns:a16="http://schemas.microsoft.com/office/drawing/2014/main" xmlns="" id="{BEA30B09-C375-448F-862A-864DB922DE93}"/>
+                <a16:creationId xmlns="" xmlns:a16="http://schemas.microsoft.com/office/drawing/2014/main" id="{BEA30B09-C375-448F-862A-864DB922DE93}"/>
               </a:ext>
             </a:extLst>
           </p:cNvPr>
@@ -5047,7 +5047,7 @@
           <p:cNvPr id="61" name="Прямая со стрелкой 60">
             <a:extLst>
               <a:ext uri="{FF2B5EF4-FFF2-40B4-BE49-F238E27FC236}">
-                <a16:creationId xmlns:a16="http://schemas.microsoft.com/office/drawing/2014/main" xmlns="" id="{CCA94CF1-3EF1-4DC8-8583-E856FE0E7B60}"/>
+                <a16:creationId xmlns="" xmlns:a16="http://schemas.microsoft.com/office/drawing/2014/main" id="{CCA94CF1-3EF1-4DC8-8583-E856FE0E7B60}"/>
               </a:ext>
             </a:extLst>
           </p:cNvPr>
@@ -5090,7 +5090,7 @@
           <p:cNvPr id="64" name="Прямая со стрелкой 63">
             <a:extLst>
               <a:ext uri="{FF2B5EF4-FFF2-40B4-BE49-F238E27FC236}">
-                <a16:creationId xmlns:a16="http://schemas.microsoft.com/office/drawing/2014/main" xmlns="" id="{E4E35A0E-E65F-407D-AB83-AA088EBABEBC}"/>
+                <a16:creationId xmlns="" xmlns:a16="http://schemas.microsoft.com/office/drawing/2014/main" id="{E4E35A0E-E65F-407D-AB83-AA088EBABEBC}"/>
               </a:ext>
             </a:extLst>
           </p:cNvPr>
@@ -5133,7 +5133,7 @@
           <p:cNvPr id="67" name="Shape 248">
             <a:extLst>
               <a:ext uri="{FF2B5EF4-FFF2-40B4-BE49-F238E27FC236}">
-                <a16:creationId xmlns:a16="http://schemas.microsoft.com/office/drawing/2014/main" xmlns="" id="{5D4BE53E-DF5C-4E66-B1E7-1885D3B286F1}"/>
+                <a16:creationId xmlns="" xmlns:a16="http://schemas.microsoft.com/office/drawing/2014/main" id="{5D4BE53E-DF5C-4E66-B1E7-1885D3B286F1}"/>
               </a:ext>
             </a:extLst>
           </p:cNvPr>
@@ -5178,7 +5178,7 @@
           <p:cNvPr id="70" name="Shape 248">
             <a:extLst>
               <a:ext uri="{FF2B5EF4-FFF2-40B4-BE49-F238E27FC236}">
-                <a16:creationId xmlns:a16="http://schemas.microsoft.com/office/drawing/2014/main" xmlns="" id="{55A42631-74CA-4086-8355-0D18574FCB06}"/>
+                <a16:creationId xmlns="" xmlns:a16="http://schemas.microsoft.com/office/drawing/2014/main" id="{55A42631-74CA-4086-8355-0D18574FCB06}"/>
               </a:ext>
             </a:extLst>
           </p:cNvPr>
@@ -5223,7 +5223,7 @@
           <p:cNvPr id="73" name="Прямоугольник 72">
             <a:extLst>
               <a:ext uri="{FF2B5EF4-FFF2-40B4-BE49-F238E27FC236}">
-                <a16:creationId xmlns:a16="http://schemas.microsoft.com/office/drawing/2014/main" xmlns="" id="{28846087-0D11-4C41-98D5-FF64F01C8EED}"/>
+                <a16:creationId xmlns="" xmlns:a16="http://schemas.microsoft.com/office/drawing/2014/main" id="{28846087-0D11-4C41-98D5-FF64F01C8EED}"/>
               </a:ext>
             </a:extLst>
           </p:cNvPr>
@@ -5276,7 +5276,7 @@
           <p:cNvPr id="74" name="Прямая со стрелкой 73">
             <a:extLst>
               <a:ext uri="{FF2B5EF4-FFF2-40B4-BE49-F238E27FC236}">
-                <a16:creationId xmlns:a16="http://schemas.microsoft.com/office/drawing/2014/main" xmlns="" id="{76BD4381-1AF6-47C0-9685-3C3F816BB149}"/>
+                <a16:creationId xmlns="" xmlns:a16="http://schemas.microsoft.com/office/drawing/2014/main" id="{76BD4381-1AF6-47C0-9685-3C3F816BB149}"/>
               </a:ext>
             </a:extLst>
           </p:cNvPr>
@@ -5319,7 +5319,7 @@
           <p:cNvPr id="77" name="Прямоугольник 76">
             <a:extLst>
               <a:ext uri="{FF2B5EF4-FFF2-40B4-BE49-F238E27FC236}">
-                <a16:creationId xmlns:a16="http://schemas.microsoft.com/office/drawing/2014/main" xmlns="" id="{25EF6ECF-6406-4EAA-9FFF-5F8B11AAFEEA}"/>
+                <a16:creationId xmlns="" xmlns:a16="http://schemas.microsoft.com/office/drawing/2014/main" id="{25EF6ECF-6406-4EAA-9FFF-5F8B11AAFEEA}"/>
               </a:ext>
             </a:extLst>
           </p:cNvPr>
@@ -5368,7 +5368,7 @@
           <p:cNvPr id="78" name="Прямая со стрелкой 77">
             <a:extLst>
               <a:ext uri="{FF2B5EF4-FFF2-40B4-BE49-F238E27FC236}">
-                <a16:creationId xmlns:a16="http://schemas.microsoft.com/office/drawing/2014/main" xmlns="" id="{6E9786A6-51F2-4C7F-A2C6-9E3184A50EA9}"/>
+                <a16:creationId xmlns="" xmlns:a16="http://schemas.microsoft.com/office/drawing/2014/main" id="{6E9786A6-51F2-4C7F-A2C6-9E3184A50EA9}"/>
               </a:ext>
             </a:extLst>
           </p:cNvPr>
@@ -5411,7 +5411,7 @@
           <p:cNvPr id="81" name="Прямая со стрелкой 80">
             <a:extLst>
               <a:ext uri="{FF2B5EF4-FFF2-40B4-BE49-F238E27FC236}">
-                <a16:creationId xmlns:a16="http://schemas.microsoft.com/office/drawing/2014/main" xmlns="" id="{4803635F-708D-4CBC-A897-0D61B6AA5CE6}"/>
+                <a16:creationId xmlns="" xmlns:a16="http://schemas.microsoft.com/office/drawing/2014/main" id="{4803635F-708D-4CBC-A897-0D61B6AA5CE6}"/>
               </a:ext>
             </a:extLst>
           </p:cNvPr>
@@ -5454,7 +5454,7 @@
           <p:cNvPr id="84" name="Shape 248">
             <a:extLst>
               <a:ext uri="{FF2B5EF4-FFF2-40B4-BE49-F238E27FC236}">
-                <a16:creationId xmlns:a16="http://schemas.microsoft.com/office/drawing/2014/main" xmlns="" id="{700C8A12-2D4F-49EA-86E1-78C48BA648F3}"/>
+                <a16:creationId xmlns="" xmlns:a16="http://schemas.microsoft.com/office/drawing/2014/main" id="{700C8A12-2D4F-49EA-86E1-78C48BA648F3}"/>
               </a:ext>
             </a:extLst>
           </p:cNvPr>
@@ -5499,7 +5499,7 @@
           <p:cNvPr id="87" name="Shape 248">
             <a:extLst>
               <a:ext uri="{FF2B5EF4-FFF2-40B4-BE49-F238E27FC236}">
-                <a16:creationId xmlns:a16="http://schemas.microsoft.com/office/drawing/2014/main" xmlns="" id="{59BFC179-4040-42B9-B9FD-CEBEB4F660EA}"/>
+                <a16:creationId xmlns="" xmlns:a16="http://schemas.microsoft.com/office/drawing/2014/main" id="{59BFC179-4040-42B9-B9FD-CEBEB4F660EA}"/>
               </a:ext>
             </a:extLst>
           </p:cNvPr>
@@ -5544,7 +5544,7 @@
           <p:cNvPr id="90" name="Shape 248">
             <a:extLst>
               <a:ext uri="{FF2B5EF4-FFF2-40B4-BE49-F238E27FC236}">
-                <a16:creationId xmlns:a16="http://schemas.microsoft.com/office/drawing/2014/main" xmlns="" id="{62AA7CF6-F06B-4A00-B8C6-DA4C8C112830}"/>
+                <a16:creationId xmlns="" xmlns:a16="http://schemas.microsoft.com/office/drawing/2014/main" id="{62AA7CF6-F06B-4A00-B8C6-DA4C8C112830}"/>
               </a:ext>
             </a:extLst>
           </p:cNvPr>
@@ -5589,7 +5589,7 @@
           <p:cNvPr id="93" name="Shape 248">
             <a:extLst>
               <a:ext uri="{FF2B5EF4-FFF2-40B4-BE49-F238E27FC236}">
-                <a16:creationId xmlns:a16="http://schemas.microsoft.com/office/drawing/2014/main" xmlns="" id="{1E71622C-0B52-40C2-B2A7-7C300CBE6EA7}"/>
+                <a16:creationId xmlns="" xmlns:a16="http://schemas.microsoft.com/office/drawing/2014/main" id="{1E71622C-0B52-40C2-B2A7-7C300CBE6EA7}"/>
               </a:ext>
             </a:extLst>
           </p:cNvPr>
@@ -5634,7 +5634,7 @@
           <p:cNvPr id="96" name="Shape 248">
             <a:extLst>
               <a:ext uri="{FF2B5EF4-FFF2-40B4-BE49-F238E27FC236}">
-                <a16:creationId xmlns:a16="http://schemas.microsoft.com/office/drawing/2014/main" xmlns="" id="{678CE35A-0F37-49CD-B54A-CAFFF9D4A1F6}"/>
+                <a16:creationId xmlns="" xmlns:a16="http://schemas.microsoft.com/office/drawing/2014/main" id="{678CE35A-0F37-49CD-B54A-CAFFF9D4A1F6}"/>
               </a:ext>
             </a:extLst>
           </p:cNvPr>
@@ -5679,7 +5679,7 @@
           <p:cNvPr id="99" name="Shape 248">
             <a:extLst>
               <a:ext uri="{FF2B5EF4-FFF2-40B4-BE49-F238E27FC236}">
-                <a16:creationId xmlns:a16="http://schemas.microsoft.com/office/drawing/2014/main" xmlns="" id="{E6261722-3108-462A-B217-3F7FD3B0DDFB}"/>
+                <a16:creationId xmlns="" xmlns:a16="http://schemas.microsoft.com/office/drawing/2014/main" id="{E6261722-3108-462A-B217-3F7FD3B0DDFB}"/>
               </a:ext>
             </a:extLst>
           </p:cNvPr>
@@ -5724,7 +5724,7 @@
           <p:cNvPr id="102" name="Shape 248">
             <a:extLst>
               <a:ext uri="{FF2B5EF4-FFF2-40B4-BE49-F238E27FC236}">
-                <a16:creationId xmlns:a16="http://schemas.microsoft.com/office/drawing/2014/main" xmlns="" id="{FD5E7D5A-F053-4AE5-BA18-1275C8A6FF31}"/>
+                <a16:creationId xmlns="" xmlns:a16="http://schemas.microsoft.com/office/drawing/2014/main" id="{FD5E7D5A-F053-4AE5-BA18-1275C8A6FF31}"/>
               </a:ext>
             </a:extLst>
           </p:cNvPr>
@@ -5769,7 +5769,7 @@
           <p:cNvPr id="107" name="Shape 248">
             <a:extLst>
               <a:ext uri="{FF2B5EF4-FFF2-40B4-BE49-F238E27FC236}">
-                <a16:creationId xmlns:a16="http://schemas.microsoft.com/office/drawing/2014/main" xmlns="" id="{FE9E9FAE-0CA2-4071-8287-52722FDADD22}"/>
+                <a16:creationId xmlns="" xmlns:a16="http://schemas.microsoft.com/office/drawing/2014/main" id="{FE9E9FAE-0CA2-4071-8287-52722FDADD22}"/>
               </a:ext>
             </a:extLst>
           </p:cNvPr>
@@ -5815,7 +5815,7 @@
           <p:cNvPr id="110" name="Прямоугольник 109">
             <a:extLst>
               <a:ext uri="{FF2B5EF4-FFF2-40B4-BE49-F238E27FC236}">
-                <a16:creationId xmlns:a16="http://schemas.microsoft.com/office/drawing/2014/main" xmlns="" id="{AF761871-6C13-4546-83B1-02B3391D9F15}"/>
+                <a16:creationId xmlns="" xmlns:a16="http://schemas.microsoft.com/office/drawing/2014/main" id="{AF761871-6C13-4546-83B1-02B3391D9F15}"/>
               </a:ext>
             </a:extLst>
           </p:cNvPr>
@@ -5863,7 +5863,7 @@
           <p:cNvPr id="111" name="Прямоугольник 110">
             <a:extLst>
               <a:ext uri="{FF2B5EF4-FFF2-40B4-BE49-F238E27FC236}">
-                <a16:creationId xmlns:a16="http://schemas.microsoft.com/office/drawing/2014/main" xmlns="" id="{D2CDA8C3-CF75-4C72-93E9-E8DBACEC6530}"/>
+                <a16:creationId xmlns="" xmlns:a16="http://schemas.microsoft.com/office/drawing/2014/main" id="{D2CDA8C3-CF75-4C72-93E9-E8DBACEC6530}"/>
               </a:ext>
             </a:extLst>
           </p:cNvPr>
@@ -5912,7 +5912,7 @@
           <p:cNvPr id="112" name="Прямая со стрелкой 111">
             <a:extLst>
               <a:ext uri="{FF2B5EF4-FFF2-40B4-BE49-F238E27FC236}">
-                <a16:creationId xmlns:a16="http://schemas.microsoft.com/office/drawing/2014/main" xmlns="" id="{F58F84DE-E9C4-4BD7-8748-A78C2F6FD8BF}"/>
+                <a16:creationId xmlns="" xmlns:a16="http://schemas.microsoft.com/office/drawing/2014/main" id="{F58F84DE-E9C4-4BD7-8748-A78C2F6FD8BF}"/>
               </a:ext>
             </a:extLst>
           </p:cNvPr>
@@ -5955,7 +5955,7 @@
           <p:cNvPr id="115" name="Прямая со стрелкой 114">
             <a:extLst>
               <a:ext uri="{FF2B5EF4-FFF2-40B4-BE49-F238E27FC236}">
-                <a16:creationId xmlns:a16="http://schemas.microsoft.com/office/drawing/2014/main" xmlns="" id="{B1276E7E-09F3-4F48-83F0-61AD6A00A2DC}"/>
+                <a16:creationId xmlns="" xmlns:a16="http://schemas.microsoft.com/office/drawing/2014/main" id="{B1276E7E-09F3-4F48-83F0-61AD6A00A2DC}"/>
               </a:ext>
             </a:extLst>
           </p:cNvPr>
@@ -5998,7 +5998,7 @@
           <p:cNvPr id="118" name="Прямоугольник 117">
             <a:extLst>
               <a:ext uri="{FF2B5EF4-FFF2-40B4-BE49-F238E27FC236}">
-                <a16:creationId xmlns:a16="http://schemas.microsoft.com/office/drawing/2014/main" xmlns="" id="{B9B0CFE7-80AC-4244-B88C-C62FC2E3D2AD}"/>
+                <a16:creationId xmlns="" xmlns:a16="http://schemas.microsoft.com/office/drawing/2014/main" id="{B9B0CFE7-80AC-4244-B88C-C62FC2E3D2AD}"/>
               </a:ext>
             </a:extLst>
           </p:cNvPr>
@@ -6055,7 +6055,7 @@
           <p:cNvPr id="122" name="Прямая со стрелкой 121">
             <a:extLst>
               <a:ext uri="{FF2B5EF4-FFF2-40B4-BE49-F238E27FC236}">
-                <a16:creationId xmlns:a16="http://schemas.microsoft.com/office/drawing/2014/main" xmlns="" id="{AFFC3425-EE6E-4A23-8273-1B43F1F5FFD8}"/>
+                <a16:creationId xmlns="" xmlns:a16="http://schemas.microsoft.com/office/drawing/2014/main" id="{AFFC3425-EE6E-4A23-8273-1B43F1F5FFD8}"/>
               </a:ext>
             </a:extLst>
           </p:cNvPr>
@@ -6098,7 +6098,7 @@
           <p:cNvPr id="127" name="Shape 248">
             <a:extLst>
               <a:ext uri="{FF2B5EF4-FFF2-40B4-BE49-F238E27FC236}">
-                <a16:creationId xmlns:a16="http://schemas.microsoft.com/office/drawing/2014/main" xmlns="" id="{1281530A-C1F3-48DD-BF88-2B748908877C}"/>
+                <a16:creationId xmlns="" xmlns:a16="http://schemas.microsoft.com/office/drawing/2014/main" id="{1281530A-C1F3-48DD-BF88-2B748908877C}"/>
               </a:ext>
             </a:extLst>
           </p:cNvPr>
@@ -6143,7 +6143,7 @@
           <p:cNvPr id="130" name="Shape 248">
             <a:extLst>
               <a:ext uri="{FF2B5EF4-FFF2-40B4-BE49-F238E27FC236}">
-                <a16:creationId xmlns:a16="http://schemas.microsoft.com/office/drawing/2014/main" xmlns="" id="{5BC99ECC-6DFA-4AF9-A537-86299940BCE8}"/>
+                <a16:creationId xmlns="" xmlns:a16="http://schemas.microsoft.com/office/drawing/2014/main" id="{5BC99ECC-6DFA-4AF9-A537-86299940BCE8}"/>
               </a:ext>
             </a:extLst>
           </p:cNvPr>
@@ -6188,7 +6188,7 @@
           <p:cNvPr id="71" name="Прямая со стрелкой 70">
             <a:extLst>
               <a:ext uri="{FF2B5EF4-FFF2-40B4-BE49-F238E27FC236}">
-                <a16:creationId xmlns:a16="http://schemas.microsoft.com/office/drawing/2014/main" xmlns="" id="{5D611DF3-BAD3-4686-8234-9390823E265F}"/>
+                <a16:creationId xmlns="" xmlns:a16="http://schemas.microsoft.com/office/drawing/2014/main" id="{5D611DF3-BAD3-4686-8234-9390823E265F}"/>
               </a:ext>
             </a:extLst>
           </p:cNvPr>
@@ -6231,7 +6231,7 @@
           <p:cNvPr id="92" name="Shape 248">
             <a:extLst>
               <a:ext uri="{FF2B5EF4-FFF2-40B4-BE49-F238E27FC236}">
-                <a16:creationId xmlns:a16="http://schemas.microsoft.com/office/drawing/2014/main" xmlns="" id="{09A8D863-1F84-47A3-B5DC-A2A2F04B9107}"/>
+                <a16:creationId xmlns="" xmlns:a16="http://schemas.microsoft.com/office/drawing/2014/main" id="{09A8D863-1F84-47A3-B5DC-A2A2F04B9107}"/>
               </a:ext>
             </a:extLst>
           </p:cNvPr>
@@ -6276,7 +6276,7 @@
           <p:cNvPr id="97" name="Прямая со стрелкой 96">
             <a:extLst>
               <a:ext uri="{FF2B5EF4-FFF2-40B4-BE49-F238E27FC236}">
-                <a16:creationId xmlns:a16="http://schemas.microsoft.com/office/drawing/2014/main" xmlns="" id="{6AE319B6-0D5D-4CAD-8389-B4F846942362}"/>
+                <a16:creationId xmlns="" xmlns:a16="http://schemas.microsoft.com/office/drawing/2014/main" id="{6AE319B6-0D5D-4CAD-8389-B4F846942362}"/>
               </a:ext>
             </a:extLst>
           </p:cNvPr>
@@ -6319,7 +6319,7 @@
           <p:cNvPr id="65" name="Прямоугольник 64">
             <a:extLst>
               <a:ext uri="{FF2B5EF4-FFF2-40B4-BE49-F238E27FC236}">
-                <a16:creationId xmlns:a16="http://schemas.microsoft.com/office/drawing/2014/main" xmlns="" id="{D5C4CE5D-E228-4302-A40B-45607257F566}"/>
+                <a16:creationId xmlns="" xmlns:a16="http://schemas.microsoft.com/office/drawing/2014/main" id="{D5C4CE5D-E228-4302-A40B-45607257F566}"/>
               </a:ext>
             </a:extLst>
           </p:cNvPr>
@@ -6371,7 +6371,7 @@
           <p:cNvPr id="66" name="Прямоугольник 65">
             <a:extLst>
               <a:ext uri="{FF2B5EF4-FFF2-40B4-BE49-F238E27FC236}">
-                <a16:creationId xmlns:a16="http://schemas.microsoft.com/office/drawing/2014/main" xmlns="" id="{9814D52B-042A-4826-B9FB-5E23E9DC90C4}"/>
+                <a16:creationId xmlns="" xmlns:a16="http://schemas.microsoft.com/office/drawing/2014/main" id="{9814D52B-042A-4826-B9FB-5E23E9DC90C4}"/>
               </a:ext>
             </a:extLst>
           </p:cNvPr>
@@ -6423,7 +6423,7 @@
           <p:cNvPr id="69" name="Прямоугольник 68">
             <a:extLst>
               <a:ext uri="{FF2B5EF4-FFF2-40B4-BE49-F238E27FC236}">
-                <a16:creationId xmlns:a16="http://schemas.microsoft.com/office/drawing/2014/main" xmlns="" id="{D1E21AE8-FED8-415A-84BE-CECD9BE7D909}"/>
+                <a16:creationId xmlns="" xmlns:a16="http://schemas.microsoft.com/office/drawing/2014/main" id="{D1E21AE8-FED8-415A-84BE-CECD9BE7D909}"/>
               </a:ext>
             </a:extLst>
           </p:cNvPr>
@@ -6472,7 +6472,7 @@
           <p:cNvPr id="75" name="Прямоугольник 74">
             <a:extLst>
               <a:ext uri="{FF2B5EF4-FFF2-40B4-BE49-F238E27FC236}">
-                <a16:creationId xmlns:a16="http://schemas.microsoft.com/office/drawing/2014/main" xmlns="" id="{FFC663BD-E4F3-4BD7-AB51-03B9E26D051C}"/>
+                <a16:creationId xmlns="" xmlns:a16="http://schemas.microsoft.com/office/drawing/2014/main" id="{FFC663BD-E4F3-4BD7-AB51-03B9E26D051C}"/>
               </a:ext>
             </a:extLst>
           </p:cNvPr>
@@ -6521,7 +6521,7 @@
           <p:cNvPr id="76" name="Прямоугольник 75">
             <a:extLst>
               <a:ext uri="{FF2B5EF4-FFF2-40B4-BE49-F238E27FC236}">
-                <a16:creationId xmlns:a16="http://schemas.microsoft.com/office/drawing/2014/main" xmlns="" id="{81B2F421-1079-4D0D-A355-84D8F52990B6}"/>
+                <a16:creationId xmlns="" xmlns:a16="http://schemas.microsoft.com/office/drawing/2014/main" id="{81B2F421-1079-4D0D-A355-84D8F52990B6}"/>
               </a:ext>
             </a:extLst>
           </p:cNvPr>
@@ -6570,7 +6570,7 @@
           <p:cNvPr id="79" name="Прямоугольник 78">
             <a:extLst>
               <a:ext uri="{FF2B5EF4-FFF2-40B4-BE49-F238E27FC236}">
-                <a16:creationId xmlns:a16="http://schemas.microsoft.com/office/drawing/2014/main" xmlns="" id="{4A880EDB-FD22-487D-A63C-C40C68E73A62}"/>
+                <a16:creationId xmlns="" xmlns:a16="http://schemas.microsoft.com/office/drawing/2014/main" id="{4A880EDB-FD22-487D-A63C-C40C68E73A62}"/>
               </a:ext>
             </a:extLst>
           </p:cNvPr>
@@ -6619,7 +6619,7 @@
           <p:cNvPr id="82" name="Прямоугольник 81">
             <a:extLst>
               <a:ext uri="{FF2B5EF4-FFF2-40B4-BE49-F238E27FC236}">
-                <a16:creationId xmlns:a16="http://schemas.microsoft.com/office/drawing/2014/main" xmlns="" id="{6FB916C4-3F16-4E21-831A-E94C97D7C1BD}"/>
+                <a16:creationId xmlns="" xmlns:a16="http://schemas.microsoft.com/office/drawing/2014/main" id="{6FB916C4-3F16-4E21-831A-E94C97D7C1BD}"/>
               </a:ext>
             </a:extLst>
           </p:cNvPr>
@@ -6668,7 +6668,7 @@
           <p:cNvPr id="83" name="Прямоугольник 82">
             <a:extLst>
               <a:ext uri="{FF2B5EF4-FFF2-40B4-BE49-F238E27FC236}">
-                <a16:creationId xmlns:a16="http://schemas.microsoft.com/office/drawing/2014/main" xmlns="" id="{425A5458-014A-4B90-AB2E-D3A5BB1F561B}"/>
+                <a16:creationId xmlns="" xmlns:a16="http://schemas.microsoft.com/office/drawing/2014/main" id="{425A5458-014A-4B90-AB2E-D3A5BB1F561B}"/>
               </a:ext>
             </a:extLst>
           </p:cNvPr>
@@ -6721,7 +6721,7 @@
           <p:cNvPr id="86" name="Прямоугольник 85">
             <a:extLst>
               <a:ext uri="{FF2B5EF4-FFF2-40B4-BE49-F238E27FC236}">
-                <a16:creationId xmlns:a16="http://schemas.microsoft.com/office/drawing/2014/main" xmlns="" id="{5AE4370A-92AF-4C68-9C81-314B1F2EDB58}"/>
+                <a16:creationId xmlns="" xmlns:a16="http://schemas.microsoft.com/office/drawing/2014/main" id="{5AE4370A-92AF-4C68-9C81-314B1F2EDB58}"/>
               </a:ext>
             </a:extLst>
           </p:cNvPr>
@@ -6770,7 +6770,7 @@
           <p:cNvPr id="88" name="Прямоугольник 87">
             <a:extLst>
               <a:ext uri="{FF2B5EF4-FFF2-40B4-BE49-F238E27FC236}">
-                <a16:creationId xmlns:a16="http://schemas.microsoft.com/office/drawing/2014/main" xmlns="" id="{6EC0AFE5-F5AA-4DA8-9343-35C78004867D}"/>
+                <a16:creationId xmlns="" xmlns:a16="http://schemas.microsoft.com/office/drawing/2014/main" id="{6EC0AFE5-F5AA-4DA8-9343-35C78004867D}"/>
               </a:ext>
             </a:extLst>
           </p:cNvPr>
@@ -6819,7 +6819,7 @@
           <p:cNvPr id="89" name="Прямоугольник 88">
             <a:extLst>
               <a:ext uri="{FF2B5EF4-FFF2-40B4-BE49-F238E27FC236}">
-                <a16:creationId xmlns:a16="http://schemas.microsoft.com/office/drawing/2014/main" xmlns="" id="{3E84CE71-6654-4A0F-9542-713D6728B0CC}"/>
+                <a16:creationId xmlns="" xmlns:a16="http://schemas.microsoft.com/office/drawing/2014/main" id="{3E84CE71-6654-4A0F-9542-713D6728B0CC}"/>
               </a:ext>
             </a:extLst>
           </p:cNvPr>
@@ -6868,7 +6868,7 @@
           <p:cNvPr id="91" name="Прямоугольник 90">
             <a:extLst>
               <a:ext uri="{FF2B5EF4-FFF2-40B4-BE49-F238E27FC236}">
-                <a16:creationId xmlns:a16="http://schemas.microsoft.com/office/drawing/2014/main" xmlns="" id="{1754E2EA-CB0D-42EE-80B9-FC4D998F5280}"/>
+                <a16:creationId xmlns="" xmlns:a16="http://schemas.microsoft.com/office/drawing/2014/main" id="{1754E2EA-CB0D-42EE-80B9-FC4D998F5280}"/>
               </a:ext>
             </a:extLst>
           </p:cNvPr>
@@ -6917,7 +6917,7 @@
           <p:cNvPr id="95" name="Прямоугольник 94">
             <a:extLst>
               <a:ext uri="{FF2B5EF4-FFF2-40B4-BE49-F238E27FC236}">
-                <a16:creationId xmlns:a16="http://schemas.microsoft.com/office/drawing/2014/main" xmlns="" id="{DEDA82B9-E307-4F93-85E5-547ADE88D28B}"/>
+                <a16:creationId xmlns="" xmlns:a16="http://schemas.microsoft.com/office/drawing/2014/main" id="{DEDA82B9-E307-4F93-85E5-547ADE88D28B}"/>
               </a:ext>
             </a:extLst>
           </p:cNvPr>
@@ -6972,7 +6972,7 @@
           <p:cNvPr id="98" name="Прямоугольник 97">
             <a:extLst>
               <a:ext uri="{FF2B5EF4-FFF2-40B4-BE49-F238E27FC236}">
-                <a16:creationId xmlns:a16="http://schemas.microsoft.com/office/drawing/2014/main" xmlns="" id="{6413196C-E8CA-4F1B-B0BF-4E36A8D9CA72}"/>
+                <a16:creationId xmlns="" xmlns:a16="http://schemas.microsoft.com/office/drawing/2014/main" id="{6413196C-E8CA-4F1B-B0BF-4E36A8D9CA72}"/>
               </a:ext>
             </a:extLst>
           </p:cNvPr>
@@ -7021,7 +7021,7 @@
           <p:cNvPr id="100" name="Прямоугольник 99">
             <a:extLst>
               <a:ext uri="{FF2B5EF4-FFF2-40B4-BE49-F238E27FC236}">
-                <a16:creationId xmlns:a16="http://schemas.microsoft.com/office/drawing/2014/main" xmlns="" id="{2E431EFB-FFBD-4F28-8EDF-DAACB4BDE5DF}"/>
+                <a16:creationId xmlns="" xmlns:a16="http://schemas.microsoft.com/office/drawing/2014/main" id="{2E431EFB-FFBD-4F28-8EDF-DAACB4BDE5DF}"/>
               </a:ext>
             </a:extLst>
           </p:cNvPr>
@@ -7074,7 +7074,7 @@
           <p:cNvPr id="101" name="Прямоугольник 100">
             <a:extLst>
               <a:ext uri="{FF2B5EF4-FFF2-40B4-BE49-F238E27FC236}">
-                <a16:creationId xmlns:a16="http://schemas.microsoft.com/office/drawing/2014/main" xmlns="" id="{4D5CA7C1-C7E7-4441-A96D-1225D8429F32}"/>
+                <a16:creationId xmlns="" xmlns:a16="http://schemas.microsoft.com/office/drawing/2014/main" id="{4D5CA7C1-C7E7-4441-A96D-1225D8429F32}"/>
               </a:ext>
             </a:extLst>
           </p:cNvPr>
@@ -7123,7 +7123,7 @@
           <p:cNvPr id="104" name="Shape 248">
             <a:extLst>
               <a:ext uri="{FF2B5EF4-FFF2-40B4-BE49-F238E27FC236}">
-                <a16:creationId xmlns:a16="http://schemas.microsoft.com/office/drawing/2014/main" xmlns="" id="{50A46DFC-48CD-4996-962B-731F30654153}"/>
+                <a16:creationId xmlns="" xmlns:a16="http://schemas.microsoft.com/office/drawing/2014/main" id="{50A46DFC-48CD-4996-962B-731F30654153}"/>
               </a:ext>
             </a:extLst>
           </p:cNvPr>
@@ -7168,7 +7168,7 @@
           <p:cNvPr id="105" name="Shape 248">
             <a:extLst>
               <a:ext uri="{FF2B5EF4-FFF2-40B4-BE49-F238E27FC236}">
-                <a16:creationId xmlns:a16="http://schemas.microsoft.com/office/drawing/2014/main" xmlns="" id="{BA78C400-6195-44EF-8E9A-5CF984F63B83}"/>
+                <a16:creationId xmlns="" xmlns:a16="http://schemas.microsoft.com/office/drawing/2014/main" id="{BA78C400-6195-44EF-8E9A-5CF984F63B83}"/>
               </a:ext>
             </a:extLst>
           </p:cNvPr>
@@ -7213,7 +7213,7 @@
           <p:cNvPr id="106" name="Shape 248">
             <a:extLst>
               <a:ext uri="{FF2B5EF4-FFF2-40B4-BE49-F238E27FC236}">
-                <a16:creationId xmlns:a16="http://schemas.microsoft.com/office/drawing/2014/main" xmlns="" id="{911A6549-0DBC-4A77-853E-03AD62A81859}"/>
+                <a16:creationId xmlns="" xmlns:a16="http://schemas.microsoft.com/office/drawing/2014/main" id="{911A6549-0DBC-4A77-853E-03AD62A81859}"/>
               </a:ext>
             </a:extLst>
           </p:cNvPr>
@@ -7258,7 +7258,7 @@
           <p:cNvPr id="108" name="Shape 248">
             <a:extLst>
               <a:ext uri="{FF2B5EF4-FFF2-40B4-BE49-F238E27FC236}">
-                <a16:creationId xmlns:a16="http://schemas.microsoft.com/office/drawing/2014/main" xmlns="" id="{3CB2C9CA-D143-487B-B5AB-88D2BF81137D}"/>
+                <a16:creationId xmlns="" xmlns:a16="http://schemas.microsoft.com/office/drawing/2014/main" id="{3CB2C9CA-D143-487B-B5AB-88D2BF81137D}"/>
               </a:ext>
             </a:extLst>
           </p:cNvPr>
@@ -7303,7 +7303,7 @@
           <p:cNvPr id="109" name="Shape 248">
             <a:extLst>
               <a:ext uri="{FF2B5EF4-FFF2-40B4-BE49-F238E27FC236}">
-                <a16:creationId xmlns:a16="http://schemas.microsoft.com/office/drawing/2014/main" xmlns="" id="{1AF38B1E-4A4B-4A62-B680-9E377AB2B953}"/>
+                <a16:creationId xmlns="" xmlns:a16="http://schemas.microsoft.com/office/drawing/2014/main" id="{1AF38B1E-4A4B-4A62-B680-9E377AB2B953}"/>
               </a:ext>
             </a:extLst>
           </p:cNvPr>
@@ -7349,7 +7349,7 @@
           <p:cNvPr id="114" name="Shape 248">
             <a:extLst>
               <a:ext uri="{FF2B5EF4-FFF2-40B4-BE49-F238E27FC236}">
-                <a16:creationId xmlns:a16="http://schemas.microsoft.com/office/drawing/2014/main" xmlns="" id="{7502E7D5-9C5C-420C-88C2-51B3DD2E61B0}"/>
+                <a16:creationId xmlns="" xmlns:a16="http://schemas.microsoft.com/office/drawing/2014/main" id="{7502E7D5-9C5C-420C-88C2-51B3DD2E61B0}"/>
               </a:ext>
             </a:extLst>
           </p:cNvPr>
@@ -7395,7 +7395,7 @@
           <p:cNvPr id="116" name="Shape 248">
             <a:extLst>
               <a:ext uri="{FF2B5EF4-FFF2-40B4-BE49-F238E27FC236}">
-                <a16:creationId xmlns:a16="http://schemas.microsoft.com/office/drawing/2014/main" xmlns="" id="{85A530F4-1E0B-48DD-AD7F-830E6EB01AB5}"/>
+                <a16:creationId xmlns="" xmlns:a16="http://schemas.microsoft.com/office/drawing/2014/main" id="{85A530F4-1E0B-48DD-AD7F-830E6EB01AB5}"/>
               </a:ext>
             </a:extLst>
           </p:cNvPr>
@@ -7441,7 +7441,7 @@
           <p:cNvPr id="119" name="Shape 248">
             <a:extLst>
               <a:ext uri="{FF2B5EF4-FFF2-40B4-BE49-F238E27FC236}">
-                <a16:creationId xmlns:a16="http://schemas.microsoft.com/office/drawing/2014/main" xmlns="" id="{15B56209-2812-45D2-ADAD-DF88359CF2B3}"/>
+                <a16:creationId xmlns="" xmlns:a16="http://schemas.microsoft.com/office/drawing/2014/main" id="{15B56209-2812-45D2-ADAD-DF88359CF2B3}"/>
               </a:ext>
             </a:extLst>
           </p:cNvPr>
@@ -7487,7 +7487,7 @@
           <p:cNvPr id="123" name="Shape 248">
             <a:extLst>
               <a:ext uri="{FF2B5EF4-FFF2-40B4-BE49-F238E27FC236}">
-                <a16:creationId xmlns:a16="http://schemas.microsoft.com/office/drawing/2014/main" xmlns="" id="{95E032AE-0EBF-4995-8C39-DDC6681A1B7E}"/>
+                <a16:creationId xmlns="" xmlns:a16="http://schemas.microsoft.com/office/drawing/2014/main" id="{95E032AE-0EBF-4995-8C39-DDC6681A1B7E}"/>
               </a:ext>
             </a:extLst>
           </p:cNvPr>
@@ -7533,7 +7533,7 @@
           <p:cNvPr id="128" name="Shape 248">
             <a:extLst>
               <a:ext uri="{FF2B5EF4-FFF2-40B4-BE49-F238E27FC236}">
-                <a16:creationId xmlns:a16="http://schemas.microsoft.com/office/drawing/2014/main" xmlns="" id="{B2BA28E1-2581-4FA8-BDBE-B599C6A906A2}"/>
+                <a16:creationId xmlns="" xmlns:a16="http://schemas.microsoft.com/office/drawing/2014/main" id="{B2BA28E1-2581-4FA8-BDBE-B599C6A906A2}"/>
               </a:ext>
             </a:extLst>
           </p:cNvPr>
@@ -7579,7 +7579,7 @@
           <p:cNvPr id="131" name="Shape 248">
             <a:extLst>
               <a:ext uri="{FF2B5EF4-FFF2-40B4-BE49-F238E27FC236}">
-                <a16:creationId xmlns:a16="http://schemas.microsoft.com/office/drawing/2014/main" xmlns="" id="{E0AF8DD7-3889-4346-98A2-39A5A3B56D8A}"/>
+                <a16:creationId xmlns="" xmlns:a16="http://schemas.microsoft.com/office/drawing/2014/main" id="{E0AF8DD7-3889-4346-98A2-39A5A3B56D8A}"/>
               </a:ext>
             </a:extLst>
           </p:cNvPr>
@@ -7624,7 +7624,7 @@
           <p:cNvPr id="133" name="Shape 248">
             <a:extLst>
               <a:ext uri="{FF2B5EF4-FFF2-40B4-BE49-F238E27FC236}">
-                <a16:creationId xmlns:a16="http://schemas.microsoft.com/office/drawing/2014/main" xmlns="" id="{C56D727D-4959-4AF2-988E-526B674656E7}"/>
+                <a16:creationId xmlns="" xmlns:a16="http://schemas.microsoft.com/office/drawing/2014/main" id="{C56D727D-4959-4AF2-988E-526B674656E7}"/>
               </a:ext>
             </a:extLst>
           </p:cNvPr>
@@ -7669,7 +7669,7 @@
           <p:cNvPr id="136" name="Shape 248">
             <a:extLst>
               <a:ext uri="{FF2B5EF4-FFF2-40B4-BE49-F238E27FC236}">
-                <a16:creationId xmlns:a16="http://schemas.microsoft.com/office/drawing/2014/main" xmlns="" id="{5EA808C1-F8AA-4234-A194-F6D9DE19C15A}"/>
+                <a16:creationId xmlns="" xmlns:a16="http://schemas.microsoft.com/office/drawing/2014/main" id="{5EA808C1-F8AA-4234-A194-F6D9DE19C15A}"/>
               </a:ext>
             </a:extLst>
           </p:cNvPr>
@@ -7714,7 +7714,7 @@
           <p:cNvPr id="139" name="Shape 248">
             <a:extLst>
               <a:ext uri="{FF2B5EF4-FFF2-40B4-BE49-F238E27FC236}">
-                <a16:creationId xmlns:a16="http://schemas.microsoft.com/office/drawing/2014/main" xmlns="" id="{64D88D61-5DAA-4B2B-BD1B-324742A8CC4A}"/>
+                <a16:creationId xmlns="" xmlns:a16="http://schemas.microsoft.com/office/drawing/2014/main" id="{64D88D61-5DAA-4B2B-BD1B-324742A8CC4A}"/>
               </a:ext>
             </a:extLst>
           </p:cNvPr>
@@ -7759,7 +7759,7 @@
           <p:cNvPr id="113" name="Прямоугольник 112">
             <a:extLst>
               <a:ext uri="{FF2B5EF4-FFF2-40B4-BE49-F238E27FC236}">
-                <a16:creationId xmlns:a16="http://schemas.microsoft.com/office/drawing/2014/main" xmlns="" id="{692FD614-B45F-44F2-97C1-5B1F574A4286}"/>
+                <a16:creationId xmlns="" xmlns:a16="http://schemas.microsoft.com/office/drawing/2014/main" id="{692FD614-B45F-44F2-97C1-5B1F574A4286}"/>
               </a:ext>
             </a:extLst>
           </p:cNvPr>
@@ -7816,7 +7816,7 @@
           <p:cNvPr id="117" name="Shape 248">
             <a:extLst>
               <a:ext uri="{FF2B5EF4-FFF2-40B4-BE49-F238E27FC236}">
-                <a16:creationId xmlns:a16="http://schemas.microsoft.com/office/drawing/2014/main" xmlns="" id="{DF1CAE3A-A702-4A17-BD9A-7E154FAAA753}"/>
+                <a16:creationId xmlns="" xmlns:a16="http://schemas.microsoft.com/office/drawing/2014/main" id="{DF1CAE3A-A702-4A17-BD9A-7E154FAAA753}"/>
               </a:ext>
             </a:extLst>
           </p:cNvPr>
@@ -7861,7 +7861,7 @@
           <p:cNvPr id="120" name="Прямоугольник 119">
             <a:extLst>
               <a:ext uri="{FF2B5EF4-FFF2-40B4-BE49-F238E27FC236}">
-                <a16:creationId xmlns:a16="http://schemas.microsoft.com/office/drawing/2014/main" xmlns="" id="{52994B44-4FEE-4BC2-940E-9121055E91A1}"/>
+                <a16:creationId xmlns="" xmlns:a16="http://schemas.microsoft.com/office/drawing/2014/main" id="{52994B44-4FEE-4BC2-940E-9121055E91A1}"/>
               </a:ext>
             </a:extLst>
           </p:cNvPr>
@@ -7910,7 +7910,7 @@
           <p:cNvPr id="121" name="Shape 248">
             <a:extLst>
               <a:ext uri="{FF2B5EF4-FFF2-40B4-BE49-F238E27FC236}">
-                <a16:creationId xmlns:a16="http://schemas.microsoft.com/office/drawing/2014/main" xmlns="" id="{4D38D20E-AC58-411A-A865-3C081EF18269}"/>
+                <a16:creationId xmlns="" xmlns:a16="http://schemas.microsoft.com/office/drawing/2014/main" id="{4D38D20E-AC58-411A-A865-3C081EF18269}"/>
               </a:ext>
             </a:extLst>
           </p:cNvPr>
@@ -7955,7 +7955,7 @@
           <p:cNvPr id="124" name="Shape 248">
             <a:extLst>
               <a:ext uri="{FF2B5EF4-FFF2-40B4-BE49-F238E27FC236}">
-                <a16:creationId xmlns:a16="http://schemas.microsoft.com/office/drawing/2014/main" xmlns="" id="{96EAAB4B-25A1-45E5-8029-1961F49C27F6}"/>
+                <a16:creationId xmlns="" xmlns:a16="http://schemas.microsoft.com/office/drawing/2014/main" id="{96EAAB4B-25A1-45E5-8029-1961F49C27F6}"/>
               </a:ext>
             </a:extLst>
           </p:cNvPr>
@@ -8000,7 +8000,7 @@
           <p:cNvPr id="125" name="Прямоугольник 124">
             <a:extLst>
               <a:ext uri="{FF2B5EF4-FFF2-40B4-BE49-F238E27FC236}">
-                <a16:creationId xmlns:a16="http://schemas.microsoft.com/office/drawing/2014/main" xmlns="" id="{BBF66D38-3B77-4A72-80FE-1124919B958E}"/>
+                <a16:creationId xmlns="" xmlns:a16="http://schemas.microsoft.com/office/drawing/2014/main" id="{BBF66D38-3B77-4A72-80FE-1124919B958E}"/>
               </a:ext>
             </a:extLst>
           </p:cNvPr>
@@ -8049,7 +8049,7 @@
           <p:cNvPr id="126" name="Shape 248">
             <a:extLst>
               <a:ext uri="{FF2B5EF4-FFF2-40B4-BE49-F238E27FC236}">
-                <a16:creationId xmlns:a16="http://schemas.microsoft.com/office/drawing/2014/main" xmlns="" id="{002436B9-1324-4489-8D67-C6E3C1427869}"/>
+                <a16:creationId xmlns="" xmlns:a16="http://schemas.microsoft.com/office/drawing/2014/main" id="{002436B9-1324-4489-8D67-C6E3C1427869}"/>
               </a:ext>
             </a:extLst>
           </p:cNvPr>
@@ -8094,7 +8094,7 @@
           <p:cNvPr id="129" name="Shape 248">
             <a:extLst>
               <a:ext uri="{FF2B5EF4-FFF2-40B4-BE49-F238E27FC236}">
-                <a16:creationId xmlns:a16="http://schemas.microsoft.com/office/drawing/2014/main" xmlns="" id="{8B2AE635-F813-4D4B-93C0-BFAE7C59986C}"/>
+                <a16:creationId xmlns="" xmlns:a16="http://schemas.microsoft.com/office/drawing/2014/main" id="{8B2AE635-F813-4D4B-93C0-BFAE7C59986C}"/>
               </a:ext>
             </a:extLst>
           </p:cNvPr>
@@ -8139,7 +8139,7 @@
           <p:cNvPr id="132" name="Прямоугольник 131">
             <a:extLst>
               <a:ext uri="{FF2B5EF4-FFF2-40B4-BE49-F238E27FC236}">
-                <a16:creationId xmlns:a16="http://schemas.microsoft.com/office/drawing/2014/main" xmlns="" id="{C13EAB58-199B-4B01-9E93-CCDA91E30626}"/>
+                <a16:creationId xmlns="" xmlns:a16="http://schemas.microsoft.com/office/drawing/2014/main" id="{C13EAB58-199B-4B01-9E93-CCDA91E30626}"/>
               </a:ext>
             </a:extLst>
           </p:cNvPr>
@@ -8194,7 +8194,7 @@
           <p:cNvPr id="135" name="Прямоугольник 134">
             <a:extLst>
               <a:ext uri="{FF2B5EF4-FFF2-40B4-BE49-F238E27FC236}">
-                <a16:creationId xmlns:a16="http://schemas.microsoft.com/office/drawing/2014/main" xmlns="" id="{9C9F49EE-9417-4A04-A4B0-B121AE471BAB}"/>
+                <a16:creationId xmlns="" xmlns:a16="http://schemas.microsoft.com/office/drawing/2014/main" id="{9C9F49EE-9417-4A04-A4B0-B121AE471BAB}"/>
               </a:ext>
             </a:extLst>
           </p:cNvPr>
@@ -8249,7 +8249,7 @@
           <p:cNvPr id="137" name="Прямоугольник 136">
             <a:extLst>
               <a:ext uri="{FF2B5EF4-FFF2-40B4-BE49-F238E27FC236}">
-                <a16:creationId xmlns:a16="http://schemas.microsoft.com/office/drawing/2014/main" xmlns="" id="{40BC72D3-CE41-4743-90C0-615333F29391}"/>
+                <a16:creationId xmlns="" xmlns:a16="http://schemas.microsoft.com/office/drawing/2014/main" id="{40BC72D3-CE41-4743-90C0-615333F29391}"/>
               </a:ext>
             </a:extLst>
           </p:cNvPr>
@@ -8304,7 +8304,7 @@
           <p:cNvPr id="138" name="Прямоугольник 137">
             <a:extLst>
               <a:ext uri="{FF2B5EF4-FFF2-40B4-BE49-F238E27FC236}">
-                <a16:creationId xmlns:a16="http://schemas.microsoft.com/office/drawing/2014/main" xmlns="" id="{3F5C4FA9-61FD-4FD2-97D7-1672A9A1C989}"/>
+                <a16:creationId xmlns="" xmlns:a16="http://schemas.microsoft.com/office/drawing/2014/main" id="{3F5C4FA9-61FD-4FD2-97D7-1672A9A1C989}"/>
               </a:ext>
             </a:extLst>
           </p:cNvPr>
@@ -8359,7 +8359,7 @@
           <p:cNvPr id="140" name="Прямоугольник 139">
             <a:extLst>
               <a:ext uri="{FF2B5EF4-FFF2-40B4-BE49-F238E27FC236}">
-                <a16:creationId xmlns:a16="http://schemas.microsoft.com/office/drawing/2014/main" xmlns="" id="{58AFA13B-EEC9-4097-BE09-1C51485C8F1F}"/>
+                <a16:creationId xmlns="" xmlns:a16="http://schemas.microsoft.com/office/drawing/2014/main" id="{58AFA13B-EEC9-4097-BE09-1C51485C8F1F}"/>
               </a:ext>
             </a:extLst>
           </p:cNvPr>
@@ -8414,7 +8414,7 @@
           <p:cNvPr id="141" name="Прямая соединительная линия 140">
             <a:extLst>
               <a:ext uri="{FF2B5EF4-FFF2-40B4-BE49-F238E27FC236}">
-                <a16:creationId xmlns:a16="http://schemas.microsoft.com/office/drawing/2014/main" xmlns="" id="{BB94E2D8-7880-44D7-97CA-4D17D4CAC014}"/>
+                <a16:creationId xmlns="" xmlns:a16="http://schemas.microsoft.com/office/drawing/2014/main" id="{BB94E2D8-7880-44D7-97CA-4D17D4CAC014}"/>
               </a:ext>
             </a:extLst>
           </p:cNvPr>
@@ -8459,7 +8459,7 @@
           <p:cNvPr id="142" name="Прямоугольник 141">
             <a:extLst>
               <a:ext uri="{FF2B5EF4-FFF2-40B4-BE49-F238E27FC236}">
-                <a16:creationId xmlns:a16="http://schemas.microsoft.com/office/drawing/2014/main" xmlns="" id="{3F50D8DF-0634-43AD-80A2-E47126298642}"/>
+                <a16:creationId xmlns="" xmlns:a16="http://schemas.microsoft.com/office/drawing/2014/main" id="{3F50D8DF-0634-43AD-80A2-E47126298642}"/>
               </a:ext>
             </a:extLst>
           </p:cNvPr>
@@ -8514,7 +8514,7 @@
           <p:cNvPr id="143" name="Прямоугольник 142">
             <a:extLst>
               <a:ext uri="{FF2B5EF4-FFF2-40B4-BE49-F238E27FC236}">
-                <a16:creationId xmlns:a16="http://schemas.microsoft.com/office/drawing/2014/main" xmlns="" id="{95B3EF4F-5151-431D-AA6A-D00E487D5830}"/>
+                <a16:creationId xmlns="" xmlns:a16="http://schemas.microsoft.com/office/drawing/2014/main" id="{95B3EF4F-5151-431D-AA6A-D00E487D5830}"/>
               </a:ext>
             </a:extLst>
           </p:cNvPr>
@@ -8569,7 +8569,7 @@
           <p:cNvPr id="144" name="Прямоугольник 143">
             <a:extLst>
               <a:ext uri="{FF2B5EF4-FFF2-40B4-BE49-F238E27FC236}">
-                <a16:creationId xmlns:a16="http://schemas.microsoft.com/office/drawing/2014/main" xmlns="" id="{60610E5E-754A-4D53-A261-E399488942B9}"/>
+                <a16:creationId xmlns="" xmlns:a16="http://schemas.microsoft.com/office/drawing/2014/main" id="{60610E5E-754A-4D53-A261-E399488942B9}"/>
               </a:ext>
             </a:extLst>
           </p:cNvPr>
@@ -8624,7 +8624,7 @@
           <p:cNvPr id="145" name="Прямая соединительная линия 144">
             <a:extLst>
               <a:ext uri="{FF2B5EF4-FFF2-40B4-BE49-F238E27FC236}">
-                <a16:creationId xmlns:a16="http://schemas.microsoft.com/office/drawing/2014/main" xmlns="" id="{FA260062-FB46-4D5D-9DE2-7B0B8BD8DFD0}"/>
+                <a16:creationId xmlns="" xmlns:a16="http://schemas.microsoft.com/office/drawing/2014/main" id="{FA260062-FB46-4D5D-9DE2-7B0B8BD8DFD0}"/>
               </a:ext>
             </a:extLst>
           </p:cNvPr>
@@ -8669,7 +8669,7 @@
           <p:cNvPr id="146" name="Shape 248">
             <a:extLst>
               <a:ext uri="{FF2B5EF4-FFF2-40B4-BE49-F238E27FC236}">
-                <a16:creationId xmlns:a16="http://schemas.microsoft.com/office/drawing/2014/main" xmlns="" id="{FC2C2AD8-9C0B-40B1-9111-0A2E007A3288}"/>
+                <a16:creationId xmlns="" xmlns:a16="http://schemas.microsoft.com/office/drawing/2014/main" id="{FC2C2AD8-9C0B-40B1-9111-0A2E007A3288}"/>
               </a:ext>
             </a:extLst>
           </p:cNvPr>
@@ -8714,7 +8714,7 @@
           <p:cNvPr id="147" name="Shape 248">
             <a:extLst>
               <a:ext uri="{FF2B5EF4-FFF2-40B4-BE49-F238E27FC236}">
-                <a16:creationId xmlns:a16="http://schemas.microsoft.com/office/drawing/2014/main" xmlns="" id="{80E2086F-3E60-4652-AE9A-32DB04678296}"/>
+                <a16:creationId xmlns="" xmlns:a16="http://schemas.microsoft.com/office/drawing/2014/main" id="{80E2086F-3E60-4652-AE9A-32DB04678296}"/>
               </a:ext>
             </a:extLst>
           </p:cNvPr>
@@ -8759,7 +8759,7 @@
           <p:cNvPr id="148" name="Shape 248">
             <a:extLst>
               <a:ext uri="{FF2B5EF4-FFF2-40B4-BE49-F238E27FC236}">
-                <a16:creationId xmlns:a16="http://schemas.microsoft.com/office/drawing/2014/main" xmlns="" id="{E0B741F2-E935-498D-AC4E-642D3630538B}"/>
+                <a16:creationId xmlns="" xmlns:a16="http://schemas.microsoft.com/office/drawing/2014/main" id="{E0B741F2-E935-498D-AC4E-642D3630538B}"/>
               </a:ext>
             </a:extLst>
           </p:cNvPr>
@@ -8804,7 +8804,7 @@
           <p:cNvPr id="149" name="Shape 248">
             <a:extLst>
               <a:ext uri="{FF2B5EF4-FFF2-40B4-BE49-F238E27FC236}">
-                <a16:creationId xmlns:a16="http://schemas.microsoft.com/office/drawing/2014/main" xmlns="" id="{47638B92-B99E-4CB4-99E2-4C7AC3B60060}"/>
+                <a16:creationId xmlns="" xmlns:a16="http://schemas.microsoft.com/office/drawing/2014/main" id="{47638B92-B99E-4CB4-99E2-4C7AC3B60060}"/>
               </a:ext>
             </a:extLst>
           </p:cNvPr>
@@ -8849,7 +8849,7 @@
           <p:cNvPr id="152" name="Shape 248">
             <a:extLst>
               <a:ext uri="{FF2B5EF4-FFF2-40B4-BE49-F238E27FC236}">
-                <a16:creationId xmlns:a16="http://schemas.microsoft.com/office/drawing/2014/main" xmlns="" id="{7C8EDC8E-CDE1-4CA2-91B4-52D4658E58DA}"/>
+                <a16:creationId xmlns="" xmlns:a16="http://schemas.microsoft.com/office/drawing/2014/main" id="{7C8EDC8E-CDE1-4CA2-91B4-52D4658E58DA}"/>
               </a:ext>
             </a:extLst>
           </p:cNvPr>
@@ -8894,7 +8894,7 @@
           <p:cNvPr id="155" name="Shape 248">
             <a:extLst>
               <a:ext uri="{FF2B5EF4-FFF2-40B4-BE49-F238E27FC236}">
-                <a16:creationId xmlns:a16="http://schemas.microsoft.com/office/drawing/2014/main" xmlns="" id="{1279B33C-FD72-4315-86F0-C7DB150F3DD1}"/>
+                <a16:creationId xmlns="" xmlns:a16="http://schemas.microsoft.com/office/drawing/2014/main" id="{1279B33C-FD72-4315-86F0-C7DB150F3DD1}"/>
               </a:ext>
             </a:extLst>
           </p:cNvPr>
@@ -8939,7 +8939,7 @@
           <p:cNvPr id="158" name="Shape 248">
             <a:extLst>
               <a:ext uri="{FF2B5EF4-FFF2-40B4-BE49-F238E27FC236}">
-                <a16:creationId xmlns:a16="http://schemas.microsoft.com/office/drawing/2014/main" xmlns="" id="{6CED0B40-61B7-466B-8F67-3EF77B3584A5}"/>
+                <a16:creationId xmlns="" xmlns:a16="http://schemas.microsoft.com/office/drawing/2014/main" id="{6CED0B40-61B7-466B-8F67-3EF77B3584A5}"/>
               </a:ext>
             </a:extLst>
           </p:cNvPr>
@@ -8984,7 +8984,7 @@
           <p:cNvPr id="161" name="Прямоугольник 160">
             <a:extLst>
               <a:ext uri="{FF2B5EF4-FFF2-40B4-BE49-F238E27FC236}">
-                <a16:creationId xmlns:a16="http://schemas.microsoft.com/office/drawing/2014/main" xmlns="" id="{5198995C-E84D-44CF-8362-6FC5D4B1143B}"/>
+                <a16:creationId xmlns="" xmlns:a16="http://schemas.microsoft.com/office/drawing/2014/main" id="{5198995C-E84D-44CF-8362-6FC5D4B1143B}"/>
               </a:ext>
             </a:extLst>
           </p:cNvPr>
@@ -9039,7 +9039,7 @@
           <p:cNvPr id="162" name="Прямоугольник 161">
             <a:extLst>
               <a:ext uri="{FF2B5EF4-FFF2-40B4-BE49-F238E27FC236}">
-                <a16:creationId xmlns:a16="http://schemas.microsoft.com/office/drawing/2014/main" xmlns="" id="{4020F592-5054-4E4A-B023-6359EC72C162}"/>
+                <a16:creationId xmlns="" xmlns:a16="http://schemas.microsoft.com/office/drawing/2014/main" id="{4020F592-5054-4E4A-B023-6359EC72C162}"/>
               </a:ext>
             </a:extLst>
           </p:cNvPr>
@@ -9094,7 +9094,7 @@
           <p:cNvPr id="163" name="Прямоугольник 162">
             <a:extLst>
               <a:ext uri="{FF2B5EF4-FFF2-40B4-BE49-F238E27FC236}">
-                <a16:creationId xmlns:a16="http://schemas.microsoft.com/office/drawing/2014/main" xmlns="" id="{8E7A537A-8EE2-4454-A485-36EAF5844820}"/>
+                <a16:creationId xmlns="" xmlns:a16="http://schemas.microsoft.com/office/drawing/2014/main" id="{8E7A537A-8EE2-4454-A485-36EAF5844820}"/>
               </a:ext>
             </a:extLst>
           </p:cNvPr>
@@ -9149,7 +9149,7 @@
           <p:cNvPr id="164" name="Прямоугольник 163">
             <a:extLst>
               <a:ext uri="{FF2B5EF4-FFF2-40B4-BE49-F238E27FC236}">
-                <a16:creationId xmlns:a16="http://schemas.microsoft.com/office/drawing/2014/main" xmlns="" id="{4FF87BA2-DD53-4A8E-BC1F-D19E1127E3CD}"/>
+                <a16:creationId xmlns="" xmlns:a16="http://schemas.microsoft.com/office/drawing/2014/main" id="{4FF87BA2-DD53-4A8E-BC1F-D19E1127E3CD}"/>
               </a:ext>
             </a:extLst>
           </p:cNvPr>
@@ -9204,7 +9204,7 @@
           <p:cNvPr id="165" name="Shape 248">
             <a:extLst>
               <a:ext uri="{FF2B5EF4-FFF2-40B4-BE49-F238E27FC236}">
-                <a16:creationId xmlns:a16="http://schemas.microsoft.com/office/drawing/2014/main" xmlns="" id="{C584C0F4-71B5-4D37-8305-6677CA9CA6F0}"/>
+                <a16:creationId xmlns="" xmlns:a16="http://schemas.microsoft.com/office/drawing/2014/main" id="{C584C0F4-71B5-4D37-8305-6677CA9CA6F0}"/>
               </a:ext>
             </a:extLst>
           </p:cNvPr>
@@ -9249,7 +9249,7 @@
           <p:cNvPr id="168" name="Shape 248">
             <a:extLst>
               <a:ext uri="{FF2B5EF4-FFF2-40B4-BE49-F238E27FC236}">
-                <a16:creationId xmlns:a16="http://schemas.microsoft.com/office/drawing/2014/main" xmlns="" id="{3E5C971E-8B32-48F3-BCFC-6EDF7FDD62B8}"/>
+                <a16:creationId xmlns="" xmlns:a16="http://schemas.microsoft.com/office/drawing/2014/main" id="{3E5C971E-8B32-48F3-BCFC-6EDF7FDD62B8}"/>
               </a:ext>
             </a:extLst>
           </p:cNvPr>
@@ -9294,7 +9294,7 @@
           <p:cNvPr id="171" name="Shape 248">
             <a:extLst>
               <a:ext uri="{FF2B5EF4-FFF2-40B4-BE49-F238E27FC236}">
-                <a16:creationId xmlns:a16="http://schemas.microsoft.com/office/drawing/2014/main" xmlns="" id="{388CEDB2-BCE5-47F4-A263-5613F83B749C}"/>
+                <a16:creationId xmlns="" xmlns:a16="http://schemas.microsoft.com/office/drawing/2014/main" id="{388CEDB2-BCE5-47F4-A263-5613F83B749C}"/>
               </a:ext>
             </a:extLst>
           </p:cNvPr>
@@ -9339,7 +9339,7 @@
           <p:cNvPr id="175" name="Shape 248">
             <a:extLst>
               <a:ext uri="{FF2B5EF4-FFF2-40B4-BE49-F238E27FC236}">
-                <a16:creationId xmlns:a16="http://schemas.microsoft.com/office/drawing/2014/main" xmlns="" id="{15ABCEDF-284E-44F8-83ED-B2CE718081A7}"/>
+                <a16:creationId xmlns="" xmlns:a16="http://schemas.microsoft.com/office/drawing/2014/main" id="{15ABCEDF-284E-44F8-83ED-B2CE718081A7}"/>
               </a:ext>
             </a:extLst>
           </p:cNvPr>
@@ -9384,7 +9384,7 @@
           <p:cNvPr id="179" name="Прямоугольник 178">
             <a:extLst>
               <a:ext uri="{FF2B5EF4-FFF2-40B4-BE49-F238E27FC236}">
-                <a16:creationId xmlns:a16="http://schemas.microsoft.com/office/drawing/2014/main" xmlns="" id="{4D450CD8-6BA8-4CE6-A7AF-1D646DC797A7}"/>
+                <a16:creationId xmlns="" xmlns:a16="http://schemas.microsoft.com/office/drawing/2014/main" id="{4D450CD8-6BA8-4CE6-A7AF-1D646DC797A7}"/>
               </a:ext>
             </a:extLst>
           </p:cNvPr>
@@ -9436,7 +9436,7 @@
           <p:cNvPr id="180" name="Прямоугольник 179">
             <a:extLst>
               <a:ext uri="{FF2B5EF4-FFF2-40B4-BE49-F238E27FC236}">
-                <a16:creationId xmlns:a16="http://schemas.microsoft.com/office/drawing/2014/main" xmlns="" id="{40BC13A1-50C0-4F8A-A26E-B9A261B680F0}"/>
+                <a16:creationId xmlns="" xmlns:a16="http://schemas.microsoft.com/office/drawing/2014/main" id="{40BC13A1-50C0-4F8A-A26E-B9A261B680F0}"/>
               </a:ext>
             </a:extLst>
           </p:cNvPr>
@@ -9492,7 +9492,7 @@
           <p:cNvPr id="181" name="Прямая соединительная линия 180">
             <a:extLst>
               <a:ext uri="{FF2B5EF4-FFF2-40B4-BE49-F238E27FC236}">
-                <a16:creationId xmlns:a16="http://schemas.microsoft.com/office/drawing/2014/main" xmlns="" id="{C0AA5F36-639B-4043-9411-7F1C19FF42D1}"/>
+                <a16:creationId xmlns="" xmlns:a16="http://schemas.microsoft.com/office/drawing/2014/main" id="{C0AA5F36-639B-4043-9411-7F1C19FF42D1}"/>
               </a:ext>
             </a:extLst>
           </p:cNvPr>
@@ -9537,7 +9537,7 @@
           <p:cNvPr id="182" name="Прямоугольник 181">
             <a:extLst>
               <a:ext uri="{FF2B5EF4-FFF2-40B4-BE49-F238E27FC236}">
-                <a16:creationId xmlns:a16="http://schemas.microsoft.com/office/drawing/2014/main" xmlns="" id="{95166D09-967B-48B4-A7E5-518E9CABBC8E}"/>
+                <a16:creationId xmlns="" xmlns:a16="http://schemas.microsoft.com/office/drawing/2014/main" id="{95166D09-967B-48B4-A7E5-518E9CABBC8E}"/>
               </a:ext>
             </a:extLst>
           </p:cNvPr>
@@ -9589,7 +9589,7 @@
           <p:cNvPr id="183" name="Прямоугольник 182">
             <a:extLst>
               <a:ext uri="{FF2B5EF4-FFF2-40B4-BE49-F238E27FC236}">
-                <a16:creationId xmlns:a16="http://schemas.microsoft.com/office/drawing/2014/main" xmlns="" id="{D04E1CE4-188F-4F4B-8A68-8D0B3634515C}"/>
+                <a16:creationId xmlns="" xmlns:a16="http://schemas.microsoft.com/office/drawing/2014/main" id="{D04E1CE4-188F-4F4B-8A68-8D0B3634515C}"/>
               </a:ext>
             </a:extLst>
           </p:cNvPr>
@@ -9641,7 +9641,7 @@
           <p:cNvPr id="184" name="Прямоугольник 183">
             <a:extLst>
               <a:ext uri="{FF2B5EF4-FFF2-40B4-BE49-F238E27FC236}">
-                <a16:creationId xmlns:a16="http://schemas.microsoft.com/office/drawing/2014/main" xmlns="" id="{7D95E591-1D9F-40DF-BB43-A1025426DC3B}"/>
+                <a16:creationId xmlns="" xmlns:a16="http://schemas.microsoft.com/office/drawing/2014/main" id="{7D95E591-1D9F-40DF-BB43-A1025426DC3B}"/>
               </a:ext>
             </a:extLst>
           </p:cNvPr>
@@ -9697,7 +9697,7 @@
           <p:cNvPr id="189" name="Прямоугольник 188">
             <a:extLst>
               <a:ext uri="{FF2B5EF4-FFF2-40B4-BE49-F238E27FC236}">
-                <a16:creationId xmlns:a16="http://schemas.microsoft.com/office/drawing/2014/main" xmlns="" id="{A51D4A15-1158-4C28-8484-2097D4960981}"/>
+                <a16:creationId xmlns="" xmlns:a16="http://schemas.microsoft.com/office/drawing/2014/main" id="{A51D4A15-1158-4C28-8484-2097D4960981}"/>
               </a:ext>
             </a:extLst>
           </p:cNvPr>
@@ -9753,7 +9753,7 @@
           <p:cNvPr id="190" name="Shape 248">
             <a:extLst>
               <a:ext uri="{FF2B5EF4-FFF2-40B4-BE49-F238E27FC236}">
-                <a16:creationId xmlns:a16="http://schemas.microsoft.com/office/drawing/2014/main" xmlns="" id="{51852AA5-4BC9-45D7-B135-81009A9566A8}"/>
+                <a16:creationId xmlns="" xmlns:a16="http://schemas.microsoft.com/office/drawing/2014/main" id="{51852AA5-4BC9-45D7-B135-81009A9566A8}"/>
               </a:ext>
             </a:extLst>
           </p:cNvPr>
@@ -9798,7 +9798,7 @@
           <p:cNvPr id="193" name="Shape 248">
             <a:extLst>
               <a:ext uri="{FF2B5EF4-FFF2-40B4-BE49-F238E27FC236}">
-                <a16:creationId xmlns:a16="http://schemas.microsoft.com/office/drawing/2014/main" xmlns="" id="{D7D93370-20F5-4517-932B-5E66AC2C63FE}"/>
+                <a16:creationId xmlns="" xmlns:a16="http://schemas.microsoft.com/office/drawing/2014/main" id="{D7D93370-20F5-4517-932B-5E66AC2C63FE}"/>
               </a:ext>
             </a:extLst>
           </p:cNvPr>
@@ -9843,7 +9843,7 @@
           <p:cNvPr id="196" name="Shape 248">
             <a:extLst>
               <a:ext uri="{FF2B5EF4-FFF2-40B4-BE49-F238E27FC236}">
-                <a16:creationId xmlns:a16="http://schemas.microsoft.com/office/drawing/2014/main" xmlns="" id="{5BB9178E-3847-431F-B9DF-970D3B652FA9}"/>
+                <a16:creationId xmlns="" xmlns:a16="http://schemas.microsoft.com/office/drawing/2014/main" id="{5BB9178E-3847-431F-B9DF-970D3B652FA9}"/>
               </a:ext>
             </a:extLst>
           </p:cNvPr>
@@ -9888,7 +9888,7 @@
           <p:cNvPr id="199" name="Shape 248">
             <a:extLst>
               <a:ext uri="{FF2B5EF4-FFF2-40B4-BE49-F238E27FC236}">
-                <a16:creationId xmlns:a16="http://schemas.microsoft.com/office/drawing/2014/main" xmlns="" id="{1A9FD21D-78EE-4BA4-B9E1-E5D6A6E41E1D}"/>
+                <a16:creationId xmlns="" xmlns:a16="http://schemas.microsoft.com/office/drawing/2014/main" id="{1A9FD21D-78EE-4BA4-B9E1-E5D6A6E41E1D}"/>
               </a:ext>
             </a:extLst>
           </p:cNvPr>
@@ -9933,7 +9933,7 @@
           <p:cNvPr id="202" name="Shape 248">
             <a:extLst>
               <a:ext uri="{FF2B5EF4-FFF2-40B4-BE49-F238E27FC236}">
-                <a16:creationId xmlns:a16="http://schemas.microsoft.com/office/drawing/2014/main" xmlns="" id="{EE84D303-F6DA-4C56-92C0-57364B77ACF8}"/>
+                <a16:creationId xmlns="" xmlns:a16="http://schemas.microsoft.com/office/drawing/2014/main" id="{EE84D303-F6DA-4C56-92C0-57364B77ACF8}"/>
               </a:ext>
             </a:extLst>
           </p:cNvPr>
@@ -9978,7 +9978,7 @@
           <p:cNvPr id="208" name="Прямая соединительная линия 207">
             <a:extLst>
               <a:ext uri="{FF2B5EF4-FFF2-40B4-BE49-F238E27FC236}">
-                <a16:creationId xmlns:a16="http://schemas.microsoft.com/office/drawing/2014/main" xmlns="" id="{D5947B72-7F18-4E3D-9015-6DE7BA610776}"/>
+                <a16:creationId xmlns="" xmlns:a16="http://schemas.microsoft.com/office/drawing/2014/main" id="{D5947B72-7F18-4E3D-9015-6DE7BA610776}"/>
               </a:ext>
             </a:extLst>
           </p:cNvPr>
@@ -10023,7 +10023,7 @@
           <p:cNvPr id="211" name="Прямоугольник 210">
             <a:extLst>
               <a:ext uri="{FF2B5EF4-FFF2-40B4-BE49-F238E27FC236}">
-                <a16:creationId xmlns:a16="http://schemas.microsoft.com/office/drawing/2014/main" xmlns="" id="{D75815DF-1295-45F6-A24F-F3F3F8B4BBFB}"/>
+                <a16:creationId xmlns="" xmlns:a16="http://schemas.microsoft.com/office/drawing/2014/main" id="{D75815DF-1295-45F6-A24F-F3F3F8B4BBFB}"/>
               </a:ext>
             </a:extLst>
           </p:cNvPr>
@@ -10079,7 +10079,7 @@
           <p:cNvPr id="212" name="Прямоугольник 211">
             <a:extLst>
               <a:ext uri="{FF2B5EF4-FFF2-40B4-BE49-F238E27FC236}">
-                <a16:creationId xmlns:a16="http://schemas.microsoft.com/office/drawing/2014/main" xmlns="" id="{0151B7FA-9194-430D-BD39-8CC623C30AAC}"/>
+                <a16:creationId xmlns="" xmlns:a16="http://schemas.microsoft.com/office/drawing/2014/main" id="{0151B7FA-9194-430D-BD39-8CC623C30AAC}"/>
               </a:ext>
             </a:extLst>
           </p:cNvPr>
@@ -10135,7 +10135,7 @@
           <p:cNvPr id="213" name="Прямоугольник 212">
             <a:extLst>
               <a:ext uri="{FF2B5EF4-FFF2-40B4-BE49-F238E27FC236}">
-                <a16:creationId xmlns:a16="http://schemas.microsoft.com/office/drawing/2014/main" xmlns="" id="{7729F444-4FEA-432F-8013-2BEBC57E2B6D}"/>
+                <a16:creationId xmlns="" xmlns:a16="http://schemas.microsoft.com/office/drawing/2014/main" id="{7729F444-4FEA-432F-8013-2BEBC57E2B6D}"/>
               </a:ext>
             </a:extLst>
           </p:cNvPr>
@@ -10191,7 +10191,7 @@
           <p:cNvPr id="214" name="Прямоугольник 213">
             <a:extLst>
               <a:ext uri="{FF2B5EF4-FFF2-40B4-BE49-F238E27FC236}">
-                <a16:creationId xmlns:a16="http://schemas.microsoft.com/office/drawing/2014/main" xmlns="" id="{16AAD304-6FEE-4D2E-9993-5A8DC45D6651}"/>
+                <a16:creationId xmlns="" xmlns:a16="http://schemas.microsoft.com/office/drawing/2014/main" id="{16AAD304-6FEE-4D2E-9993-5A8DC45D6651}"/>
               </a:ext>
             </a:extLst>
           </p:cNvPr>
@@ -10247,7 +10247,7 @@
           <p:cNvPr id="215" name="Прямоугольник 214">
             <a:extLst>
               <a:ext uri="{FF2B5EF4-FFF2-40B4-BE49-F238E27FC236}">
-                <a16:creationId xmlns:a16="http://schemas.microsoft.com/office/drawing/2014/main" xmlns="" id="{74B39C5A-7232-4332-92CA-D9A8138D38DA}"/>
+                <a16:creationId xmlns="" xmlns:a16="http://schemas.microsoft.com/office/drawing/2014/main" id="{74B39C5A-7232-4332-92CA-D9A8138D38DA}"/>
               </a:ext>
             </a:extLst>
           </p:cNvPr>
@@ -10303,7 +10303,7 @@
           <p:cNvPr id="216" name="Прямоугольник 215">
             <a:extLst>
               <a:ext uri="{FF2B5EF4-FFF2-40B4-BE49-F238E27FC236}">
-                <a16:creationId xmlns:a16="http://schemas.microsoft.com/office/drawing/2014/main" xmlns="" id="{AE26874C-3E14-4254-9FF9-22A53182396D}"/>
+                <a16:creationId xmlns="" xmlns:a16="http://schemas.microsoft.com/office/drawing/2014/main" id="{AE26874C-3E14-4254-9FF9-22A53182396D}"/>
               </a:ext>
             </a:extLst>
           </p:cNvPr>
@@ -10367,7 +10367,7 @@
           <p:cNvPr id="217" name="Shape 248">
             <a:extLst>
               <a:ext uri="{FF2B5EF4-FFF2-40B4-BE49-F238E27FC236}">
-                <a16:creationId xmlns:a16="http://schemas.microsoft.com/office/drawing/2014/main" xmlns="" id="{FC454BD7-96BE-4558-85A5-0C6F748CF25B}"/>
+                <a16:creationId xmlns="" xmlns:a16="http://schemas.microsoft.com/office/drawing/2014/main" id="{FC454BD7-96BE-4558-85A5-0C6F748CF25B}"/>
               </a:ext>
             </a:extLst>
           </p:cNvPr>
@@ -10412,7 +10412,7 @@
           <p:cNvPr id="224" name="Shape 248">
             <a:extLst>
               <a:ext uri="{FF2B5EF4-FFF2-40B4-BE49-F238E27FC236}">
-                <a16:creationId xmlns:a16="http://schemas.microsoft.com/office/drawing/2014/main" xmlns="" id="{458482DB-E941-4E82-968C-B151033B4F35}"/>
+                <a16:creationId xmlns="" xmlns:a16="http://schemas.microsoft.com/office/drawing/2014/main" id="{458482DB-E941-4E82-968C-B151033B4F35}"/>
               </a:ext>
             </a:extLst>
           </p:cNvPr>
@@ -10457,7 +10457,7 @@
           <p:cNvPr id="229" name="Shape 248">
             <a:extLst>
               <a:ext uri="{FF2B5EF4-FFF2-40B4-BE49-F238E27FC236}">
-                <a16:creationId xmlns:a16="http://schemas.microsoft.com/office/drawing/2014/main" xmlns="" id="{3AE9B19C-B228-4A22-8CCB-A75C420B187D}"/>
+                <a16:creationId xmlns="" xmlns:a16="http://schemas.microsoft.com/office/drawing/2014/main" id="{3AE9B19C-B228-4A22-8CCB-A75C420B187D}"/>
               </a:ext>
             </a:extLst>
           </p:cNvPr>
@@ -10502,7 +10502,7 @@
           <p:cNvPr id="235" name="Прямоугольник 234">
             <a:extLst>
               <a:ext uri="{FF2B5EF4-FFF2-40B4-BE49-F238E27FC236}">
-                <a16:creationId xmlns:a16="http://schemas.microsoft.com/office/drawing/2014/main" xmlns="" id="{169ADD3C-7D9B-40F6-B582-CA9FCE0885C3}"/>
+                <a16:creationId xmlns="" xmlns:a16="http://schemas.microsoft.com/office/drawing/2014/main" id="{169ADD3C-7D9B-40F6-B582-CA9FCE0885C3}"/>
               </a:ext>
             </a:extLst>
           </p:cNvPr>
@@ -10554,7 +10554,7 @@
           <p:cNvPr id="237" name="Shape 248">
             <a:extLst>
               <a:ext uri="{FF2B5EF4-FFF2-40B4-BE49-F238E27FC236}">
-                <a16:creationId xmlns:a16="http://schemas.microsoft.com/office/drawing/2014/main" xmlns="" id="{B3D13C37-9FB0-4412-BC63-C2A65F220279}"/>
+                <a16:creationId xmlns="" xmlns:a16="http://schemas.microsoft.com/office/drawing/2014/main" id="{B3D13C37-9FB0-4412-BC63-C2A65F220279}"/>
               </a:ext>
             </a:extLst>
           </p:cNvPr>
@@ -10600,7 +10600,7 @@
           <p:cNvPr id="240" name="Shape 248">
             <a:extLst>
               <a:ext uri="{FF2B5EF4-FFF2-40B4-BE49-F238E27FC236}">
-                <a16:creationId xmlns:a16="http://schemas.microsoft.com/office/drawing/2014/main" xmlns="" id="{EC3C1C20-31C0-458B-B819-AA2D51E58845}"/>
+                <a16:creationId xmlns="" xmlns:a16="http://schemas.microsoft.com/office/drawing/2014/main" id="{EC3C1C20-31C0-458B-B819-AA2D51E58845}"/>
               </a:ext>
             </a:extLst>
           </p:cNvPr>
@@ -10646,7 +10646,7 @@
           <p:cNvPr id="243" name="Прямоугольник 242">
             <a:extLst>
               <a:ext uri="{FF2B5EF4-FFF2-40B4-BE49-F238E27FC236}">
-                <a16:creationId xmlns:a16="http://schemas.microsoft.com/office/drawing/2014/main" xmlns="" id="{EC9BD36C-D972-42C4-93E6-6DAE9234F692}"/>
+                <a16:creationId xmlns="" xmlns:a16="http://schemas.microsoft.com/office/drawing/2014/main" id="{EC9BD36C-D972-42C4-93E6-6DAE9234F692}"/>
               </a:ext>
             </a:extLst>
           </p:cNvPr>
@@ -10701,7 +10701,7 @@
           <p:cNvPr id="244" name="Прямоугольник 243">
             <a:extLst>
               <a:ext uri="{FF2B5EF4-FFF2-40B4-BE49-F238E27FC236}">
-                <a16:creationId xmlns:a16="http://schemas.microsoft.com/office/drawing/2014/main" xmlns="" id="{948FBE2C-B2A6-473E-BB60-11F26ADF54F1}"/>
+                <a16:creationId xmlns="" xmlns:a16="http://schemas.microsoft.com/office/drawing/2014/main" id="{948FBE2C-B2A6-473E-BB60-11F26ADF54F1}"/>
               </a:ext>
             </a:extLst>
           </p:cNvPr>
@@ -10756,7 +10756,7 @@
           <p:cNvPr id="245" name="Прямоугольник 244">
             <a:extLst>
               <a:ext uri="{FF2B5EF4-FFF2-40B4-BE49-F238E27FC236}">
-                <a16:creationId xmlns:a16="http://schemas.microsoft.com/office/drawing/2014/main" xmlns="" id="{2E0544E4-9592-4382-8DDF-EB6FEA328AC2}"/>
+                <a16:creationId xmlns="" xmlns:a16="http://schemas.microsoft.com/office/drawing/2014/main" id="{2E0544E4-9592-4382-8DDF-EB6FEA328AC2}"/>
               </a:ext>
             </a:extLst>
           </p:cNvPr>
@@ -10811,7 +10811,7 @@
           <p:cNvPr id="247" name="Прямоугольник 246">
             <a:extLst>
               <a:ext uri="{FF2B5EF4-FFF2-40B4-BE49-F238E27FC236}">
-                <a16:creationId xmlns:a16="http://schemas.microsoft.com/office/drawing/2014/main" xmlns="" id="{B8E1ED6E-2489-4B4F-B2DE-827983897179}"/>
+                <a16:creationId xmlns="" xmlns:a16="http://schemas.microsoft.com/office/drawing/2014/main" id="{B8E1ED6E-2489-4B4F-B2DE-827983897179}"/>
               </a:ext>
             </a:extLst>
           </p:cNvPr>
@@ -10866,7 +10866,7 @@
           <p:cNvPr id="252" name="Прямоугольник 251">
             <a:extLst>
               <a:ext uri="{FF2B5EF4-FFF2-40B4-BE49-F238E27FC236}">
-                <a16:creationId xmlns:a16="http://schemas.microsoft.com/office/drawing/2014/main" xmlns="" id="{5C03381E-AD84-48D0-9DF4-9972112B9350}"/>
+                <a16:creationId xmlns="" xmlns:a16="http://schemas.microsoft.com/office/drawing/2014/main" id="{5C03381E-AD84-48D0-9DF4-9972112B9350}"/>
               </a:ext>
             </a:extLst>
           </p:cNvPr>
@@ -10921,7 +10921,7 @@
           <p:cNvPr id="253" name="Прямоугольник 252">
             <a:extLst>
               <a:ext uri="{FF2B5EF4-FFF2-40B4-BE49-F238E27FC236}">
-                <a16:creationId xmlns:a16="http://schemas.microsoft.com/office/drawing/2014/main" xmlns="" id="{850A0E66-09E6-4644-8D6F-21BF01BD6C95}"/>
+                <a16:creationId xmlns="" xmlns:a16="http://schemas.microsoft.com/office/drawing/2014/main" id="{850A0E66-09E6-4644-8D6F-21BF01BD6C95}"/>
               </a:ext>
             </a:extLst>
           </p:cNvPr>
@@ -10973,7 +10973,7 @@
           <p:cNvPr id="254" name="Прямая соединительная линия 253">
             <a:extLst>
               <a:ext uri="{FF2B5EF4-FFF2-40B4-BE49-F238E27FC236}">
-                <a16:creationId xmlns:a16="http://schemas.microsoft.com/office/drawing/2014/main" xmlns="" id="{05512C7F-F1A2-4A1D-9E7E-FDFD88048733}"/>
+                <a16:creationId xmlns="" xmlns:a16="http://schemas.microsoft.com/office/drawing/2014/main" id="{05512C7F-F1A2-4A1D-9E7E-FDFD88048733}"/>
               </a:ext>
             </a:extLst>
           </p:cNvPr>
@@ -11018,7 +11018,7 @@
           <p:cNvPr id="265" name="Shape 248">
             <a:extLst>
               <a:ext uri="{FF2B5EF4-FFF2-40B4-BE49-F238E27FC236}">
-                <a16:creationId xmlns:a16="http://schemas.microsoft.com/office/drawing/2014/main" xmlns="" id="{965E4F13-6620-46F1-9F72-BCA7B26C6B87}"/>
+                <a16:creationId xmlns="" xmlns:a16="http://schemas.microsoft.com/office/drawing/2014/main" id="{965E4F13-6620-46F1-9F72-BCA7B26C6B87}"/>
               </a:ext>
             </a:extLst>
           </p:cNvPr>
@@ -11063,7 +11063,7 @@
           <p:cNvPr id="268" name="Shape 248">
             <a:extLst>
               <a:ext uri="{FF2B5EF4-FFF2-40B4-BE49-F238E27FC236}">
-                <a16:creationId xmlns:a16="http://schemas.microsoft.com/office/drawing/2014/main" xmlns="" id="{43A2D1CA-9033-40EF-87B0-93997D4F9F71}"/>
+                <a16:creationId xmlns="" xmlns:a16="http://schemas.microsoft.com/office/drawing/2014/main" id="{43A2D1CA-9033-40EF-87B0-93997D4F9F71}"/>
               </a:ext>
             </a:extLst>
           </p:cNvPr>
@@ -11108,7 +11108,7 @@
           <p:cNvPr id="271" name="Shape 248">
             <a:extLst>
               <a:ext uri="{FF2B5EF4-FFF2-40B4-BE49-F238E27FC236}">
-                <a16:creationId xmlns:a16="http://schemas.microsoft.com/office/drawing/2014/main" xmlns="" id="{31EA9CC3-4B9C-471F-B841-04E10150BF96}"/>
+                <a16:creationId xmlns="" xmlns:a16="http://schemas.microsoft.com/office/drawing/2014/main" id="{31EA9CC3-4B9C-471F-B841-04E10150BF96}"/>
               </a:ext>
             </a:extLst>
           </p:cNvPr>
@@ -11153,7 +11153,7 @@
           <p:cNvPr id="274" name="Shape 248">
             <a:extLst>
               <a:ext uri="{FF2B5EF4-FFF2-40B4-BE49-F238E27FC236}">
-                <a16:creationId xmlns:a16="http://schemas.microsoft.com/office/drawing/2014/main" xmlns="" id="{A394FB90-22D2-4484-A214-232F2AEB4696}"/>
+                <a16:creationId xmlns="" xmlns:a16="http://schemas.microsoft.com/office/drawing/2014/main" id="{A394FB90-22D2-4484-A214-232F2AEB4696}"/>
               </a:ext>
             </a:extLst>
           </p:cNvPr>
@@ -11198,7 +11198,7 @@
           <p:cNvPr id="278" name="Shape 248">
             <a:extLst>
               <a:ext uri="{FF2B5EF4-FFF2-40B4-BE49-F238E27FC236}">
-                <a16:creationId xmlns:a16="http://schemas.microsoft.com/office/drawing/2014/main" xmlns="" id="{703E60BD-ADB7-4A72-90BF-7EF67693663E}"/>
+                <a16:creationId xmlns="" xmlns:a16="http://schemas.microsoft.com/office/drawing/2014/main" id="{703E60BD-ADB7-4A72-90BF-7EF67693663E}"/>
               </a:ext>
             </a:extLst>
           </p:cNvPr>
@@ -11244,7 +11244,7 @@
           <p:cNvPr id="281" name="Shape 248">
             <a:extLst>
               <a:ext uri="{FF2B5EF4-FFF2-40B4-BE49-F238E27FC236}">
-                <a16:creationId xmlns:a16="http://schemas.microsoft.com/office/drawing/2014/main" xmlns="" id="{2BE0D2B9-EF73-4EA6-8C3F-892E696BB91F}"/>
+                <a16:creationId xmlns="" xmlns:a16="http://schemas.microsoft.com/office/drawing/2014/main" id="{2BE0D2B9-EF73-4EA6-8C3F-892E696BB91F}"/>
               </a:ext>
             </a:extLst>
           </p:cNvPr>
@@ -11290,7 +11290,7 @@
           <p:cNvPr id="284" name="Shape 248">
             <a:extLst>
               <a:ext uri="{FF2B5EF4-FFF2-40B4-BE49-F238E27FC236}">
-                <a16:creationId xmlns:a16="http://schemas.microsoft.com/office/drawing/2014/main" xmlns="" id="{C4320DC5-3F17-4C64-A1A3-5D0740777DD5}"/>
+                <a16:creationId xmlns="" xmlns:a16="http://schemas.microsoft.com/office/drawing/2014/main" id="{C4320DC5-3F17-4C64-A1A3-5D0740777DD5}"/>
               </a:ext>
             </a:extLst>
           </p:cNvPr>
@@ -11335,7 +11335,7 @@
           <p:cNvPr id="287" name="Shape 248">
             <a:extLst>
               <a:ext uri="{FF2B5EF4-FFF2-40B4-BE49-F238E27FC236}">
-                <a16:creationId xmlns:a16="http://schemas.microsoft.com/office/drawing/2014/main" xmlns="" id="{B5D0389A-2DCC-4BBF-9A57-8FF52A479BBB}"/>
+                <a16:creationId xmlns="" xmlns:a16="http://schemas.microsoft.com/office/drawing/2014/main" id="{B5D0389A-2DCC-4BBF-9A57-8FF52A479BBB}"/>
               </a:ext>
             </a:extLst>
           </p:cNvPr>
@@ -11380,7 +11380,7 @@
           <p:cNvPr id="308" name="Прямоугольник 307">
             <a:extLst>
               <a:ext uri="{FF2B5EF4-FFF2-40B4-BE49-F238E27FC236}">
-                <a16:creationId xmlns:a16="http://schemas.microsoft.com/office/drawing/2014/main" xmlns="" id="{2556BFD4-D2F0-4404-AAEE-9366CE5E0E2B}"/>
+                <a16:creationId xmlns="" xmlns:a16="http://schemas.microsoft.com/office/drawing/2014/main" id="{2556BFD4-D2F0-4404-AAEE-9366CE5E0E2B}"/>
               </a:ext>
             </a:extLst>
           </p:cNvPr>
@@ -11435,7 +11435,7 @@
           <p:cNvPr id="309" name="Shape 248">
             <a:extLst>
               <a:ext uri="{FF2B5EF4-FFF2-40B4-BE49-F238E27FC236}">
-                <a16:creationId xmlns:a16="http://schemas.microsoft.com/office/drawing/2014/main" xmlns="" id="{5F86BDF8-1375-4E38-BF60-B4D7F56FC739}"/>
+                <a16:creationId xmlns="" xmlns:a16="http://schemas.microsoft.com/office/drawing/2014/main" id="{5F86BDF8-1375-4E38-BF60-B4D7F56FC739}"/>
               </a:ext>
             </a:extLst>
           </p:cNvPr>
@@ -11480,7 +11480,7 @@
           <p:cNvPr id="314" name="Прямоугольник 313">
             <a:extLst>
               <a:ext uri="{FF2B5EF4-FFF2-40B4-BE49-F238E27FC236}">
-                <a16:creationId xmlns:a16="http://schemas.microsoft.com/office/drawing/2014/main" xmlns="" id="{215ABD23-9D4E-461A-9AF0-4DBCA32E7358}"/>
+                <a16:creationId xmlns="" xmlns:a16="http://schemas.microsoft.com/office/drawing/2014/main" id="{215ABD23-9D4E-461A-9AF0-4DBCA32E7358}"/>
               </a:ext>
             </a:extLst>
           </p:cNvPr>
@@ -11535,7 +11535,7 @@
           <p:cNvPr id="315" name="Shape 248">
             <a:extLst>
               <a:ext uri="{FF2B5EF4-FFF2-40B4-BE49-F238E27FC236}">
-                <a16:creationId xmlns:a16="http://schemas.microsoft.com/office/drawing/2014/main" xmlns="" id="{3DE9E056-50E7-4870-B99F-6A62987742D8}"/>
+                <a16:creationId xmlns="" xmlns:a16="http://schemas.microsoft.com/office/drawing/2014/main" id="{3DE9E056-50E7-4870-B99F-6A62987742D8}"/>
               </a:ext>
             </a:extLst>
           </p:cNvPr>
@@ -11580,7 +11580,7 @@
           <p:cNvPr id="319" name="Прямоугольник 318">
             <a:extLst>
               <a:ext uri="{FF2B5EF4-FFF2-40B4-BE49-F238E27FC236}">
-                <a16:creationId xmlns:a16="http://schemas.microsoft.com/office/drawing/2014/main" xmlns="" id="{6735B9BD-008B-4094-B7AA-5B87EFC9DE63}"/>
+                <a16:creationId xmlns="" xmlns:a16="http://schemas.microsoft.com/office/drawing/2014/main" id="{6735B9BD-008B-4094-B7AA-5B87EFC9DE63}"/>
               </a:ext>
             </a:extLst>
           </p:cNvPr>
@@ -11629,7 +11629,7 @@
           <p:cNvPr id="320" name="Прямоугольник 319">
             <a:extLst>
               <a:ext uri="{FF2B5EF4-FFF2-40B4-BE49-F238E27FC236}">
-                <a16:creationId xmlns:a16="http://schemas.microsoft.com/office/drawing/2014/main" xmlns="" id="{C77885C1-D5CA-4930-ADE1-7C46C64D16E5}"/>
+                <a16:creationId xmlns="" xmlns:a16="http://schemas.microsoft.com/office/drawing/2014/main" id="{C77885C1-D5CA-4930-ADE1-7C46C64D16E5}"/>
               </a:ext>
             </a:extLst>
           </p:cNvPr>
@@ -11682,7 +11682,7 @@
           <p:cNvPr id="321" name="Прямоугольник 320">
             <a:extLst>
               <a:ext uri="{FF2B5EF4-FFF2-40B4-BE49-F238E27FC236}">
-                <a16:creationId xmlns:a16="http://schemas.microsoft.com/office/drawing/2014/main" xmlns="" id="{961053D9-AAA7-4CAF-848A-3DA66DABCD04}"/>
+                <a16:creationId xmlns="" xmlns:a16="http://schemas.microsoft.com/office/drawing/2014/main" id="{961053D9-AAA7-4CAF-848A-3DA66DABCD04}"/>
               </a:ext>
             </a:extLst>
           </p:cNvPr>
@@ -11731,7 +11731,7 @@
           <p:cNvPr id="322" name="Прямоугольник 321">
             <a:extLst>
               <a:ext uri="{FF2B5EF4-FFF2-40B4-BE49-F238E27FC236}">
-                <a16:creationId xmlns:a16="http://schemas.microsoft.com/office/drawing/2014/main" xmlns="" id="{8A876C97-99BD-45AC-8D01-F343AE503AE2}"/>
+                <a16:creationId xmlns="" xmlns:a16="http://schemas.microsoft.com/office/drawing/2014/main" id="{8A876C97-99BD-45AC-8D01-F343AE503AE2}"/>
               </a:ext>
             </a:extLst>
           </p:cNvPr>
@@ -11780,7 +11780,7 @@
           <p:cNvPr id="323" name="Прямоугольник 322">
             <a:extLst>
               <a:ext uri="{FF2B5EF4-FFF2-40B4-BE49-F238E27FC236}">
-                <a16:creationId xmlns:a16="http://schemas.microsoft.com/office/drawing/2014/main" xmlns="" id="{665A1BD9-0771-4BD6-B348-D40983890E9C}"/>
+                <a16:creationId xmlns="" xmlns:a16="http://schemas.microsoft.com/office/drawing/2014/main" id="{665A1BD9-0771-4BD6-B348-D40983890E9C}"/>
               </a:ext>
             </a:extLst>
           </p:cNvPr>
@@ -11832,7 +11832,7 @@
           <p:cNvPr id="191" name="Прямоугольник 190">
             <a:extLst>
               <a:ext uri="{FF2B5EF4-FFF2-40B4-BE49-F238E27FC236}">
-                <a16:creationId xmlns:a16="http://schemas.microsoft.com/office/drawing/2014/main" xmlns="" id="{752C84E7-7069-46CF-8D98-C9A1A02720BA}"/>
+                <a16:creationId xmlns="" xmlns:a16="http://schemas.microsoft.com/office/drawing/2014/main" id="{752C84E7-7069-46CF-8D98-C9A1A02720BA}"/>
               </a:ext>
             </a:extLst>
           </p:cNvPr>
@@ -11884,7 +11884,7 @@
           <p:cNvPr id="194" name="Прямоугольник 193">
             <a:extLst>
               <a:ext uri="{FF2B5EF4-FFF2-40B4-BE49-F238E27FC236}">
-                <a16:creationId xmlns:a16="http://schemas.microsoft.com/office/drawing/2014/main" xmlns="" id="{215EA1EA-7CCD-4839-A9B1-0356F6327E10}"/>
+                <a16:creationId xmlns="" xmlns:a16="http://schemas.microsoft.com/office/drawing/2014/main" id="{215EA1EA-7CCD-4839-A9B1-0356F6327E10}"/>
               </a:ext>
             </a:extLst>
           </p:cNvPr>
@@ -11940,7 +11940,7 @@
           <p:cNvPr id="197" name="Прямоугольник 196">
             <a:extLst>
               <a:ext uri="{FF2B5EF4-FFF2-40B4-BE49-F238E27FC236}">
-                <a16:creationId xmlns:a16="http://schemas.microsoft.com/office/drawing/2014/main" xmlns="" id="{15DD7879-ED81-4846-A052-BDF25170F776}"/>
+                <a16:creationId xmlns="" xmlns:a16="http://schemas.microsoft.com/office/drawing/2014/main" id="{15DD7879-ED81-4846-A052-BDF25170F776}"/>
               </a:ext>
             </a:extLst>
           </p:cNvPr>
@@ -11992,7 +11992,7 @@
           <p:cNvPr id="198" name="Прямоугольник 197">
             <a:extLst>
               <a:ext uri="{FF2B5EF4-FFF2-40B4-BE49-F238E27FC236}">
-                <a16:creationId xmlns:a16="http://schemas.microsoft.com/office/drawing/2014/main" xmlns="" id="{40F3892C-19A4-4EE2-8CF4-3802CB87F842}"/>
+                <a16:creationId xmlns="" xmlns:a16="http://schemas.microsoft.com/office/drawing/2014/main" id="{40F3892C-19A4-4EE2-8CF4-3802CB87F842}"/>
               </a:ext>
             </a:extLst>
           </p:cNvPr>
@@ -12044,7 +12044,7 @@
           <p:cNvPr id="200" name="Прямоугольник 199">
             <a:extLst>
               <a:ext uri="{FF2B5EF4-FFF2-40B4-BE49-F238E27FC236}">
-                <a16:creationId xmlns:a16="http://schemas.microsoft.com/office/drawing/2014/main" xmlns="" id="{FFAA3B33-5852-432D-A3C7-D46B69099BB1}"/>
+                <a16:creationId xmlns="" xmlns:a16="http://schemas.microsoft.com/office/drawing/2014/main" id="{FFAA3B33-5852-432D-A3C7-D46B69099BB1}"/>
               </a:ext>
             </a:extLst>
           </p:cNvPr>
@@ -12096,7 +12096,7 @@
           <p:cNvPr id="201" name="Прямоугольник 200">
             <a:extLst>
               <a:ext uri="{FF2B5EF4-FFF2-40B4-BE49-F238E27FC236}">
-                <a16:creationId xmlns:a16="http://schemas.microsoft.com/office/drawing/2014/main" xmlns="" id="{5FD3282B-6227-4385-846F-EA7DAB179048}"/>
+                <a16:creationId xmlns="" xmlns:a16="http://schemas.microsoft.com/office/drawing/2014/main" id="{5FD3282B-6227-4385-846F-EA7DAB179048}"/>
               </a:ext>
             </a:extLst>
           </p:cNvPr>
@@ -12148,7 +12148,7 @@
           <p:cNvPr id="203" name="Прямоугольник 202">
             <a:extLst>
               <a:ext uri="{FF2B5EF4-FFF2-40B4-BE49-F238E27FC236}">
-                <a16:creationId xmlns:a16="http://schemas.microsoft.com/office/drawing/2014/main" xmlns="" id="{057FDB6C-639A-4A2B-B43B-A1EAEDD0FA56}"/>
+                <a16:creationId xmlns="" xmlns:a16="http://schemas.microsoft.com/office/drawing/2014/main" id="{057FDB6C-639A-4A2B-B43B-A1EAEDD0FA56}"/>
               </a:ext>
             </a:extLst>
           </p:cNvPr>
@@ -12204,7 +12204,7 @@
           <p:cNvPr id="204" name="Прямоугольник 203">
             <a:extLst>
               <a:ext uri="{FF2B5EF4-FFF2-40B4-BE49-F238E27FC236}">
-                <a16:creationId xmlns:a16="http://schemas.microsoft.com/office/drawing/2014/main" xmlns="" id="{6C94C3ED-2619-47F4-A7C9-E9B23AF450C0}"/>
+                <a16:creationId xmlns="" xmlns:a16="http://schemas.microsoft.com/office/drawing/2014/main" id="{6C94C3ED-2619-47F4-A7C9-E9B23AF450C0}"/>
               </a:ext>
             </a:extLst>
           </p:cNvPr>
@@ -12260,7 +12260,7 @@
           <p:cNvPr id="209" name="Прямоугольник 208">
             <a:extLst>
               <a:ext uri="{FF2B5EF4-FFF2-40B4-BE49-F238E27FC236}">
-                <a16:creationId xmlns:a16="http://schemas.microsoft.com/office/drawing/2014/main" xmlns="" id="{DA264832-EDDB-45DE-857E-EF2A1A0CCA95}"/>
+                <a16:creationId xmlns="" xmlns:a16="http://schemas.microsoft.com/office/drawing/2014/main" id="{DA264832-EDDB-45DE-857E-EF2A1A0CCA95}"/>
               </a:ext>
             </a:extLst>
           </p:cNvPr>
@@ -12312,7 +12312,7 @@
           <p:cNvPr id="218" name="Прямоугольник 217">
             <a:extLst>
               <a:ext uri="{FF2B5EF4-FFF2-40B4-BE49-F238E27FC236}">
-                <a16:creationId xmlns:a16="http://schemas.microsoft.com/office/drawing/2014/main" xmlns="" id="{84BD2C83-7F0B-495E-A795-68E099A4282C}"/>
+                <a16:creationId xmlns="" xmlns:a16="http://schemas.microsoft.com/office/drawing/2014/main" id="{84BD2C83-7F0B-495E-A795-68E099A4282C}"/>
               </a:ext>
             </a:extLst>
           </p:cNvPr>
@@ -12364,7 +12364,7 @@
           <p:cNvPr id="219" name="Прямоугольник 218">
             <a:extLst>
               <a:ext uri="{FF2B5EF4-FFF2-40B4-BE49-F238E27FC236}">
-                <a16:creationId xmlns:a16="http://schemas.microsoft.com/office/drawing/2014/main" xmlns="" id="{068D5A92-12C5-4674-BB60-C9AF6DC376DD}"/>
+                <a16:creationId xmlns="" xmlns:a16="http://schemas.microsoft.com/office/drawing/2014/main" id="{068D5A92-12C5-4674-BB60-C9AF6DC376DD}"/>
               </a:ext>
             </a:extLst>
           </p:cNvPr>
@@ -12416,7 +12416,7 @@
           <p:cNvPr id="225" name="Shape 248">
             <a:extLst>
               <a:ext uri="{FF2B5EF4-FFF2-40B4-BE49-F238E27FC236}">
-                <a16:creationId xmlns:a16="http://schemas.microsoft.com/office/drawing/2014/main" xmlns="" id="{EC83F1B2-5677-47B7-89B7-9339717E53CE}"/>
+                <a16:creationId xmlns="" xmlns:a16="http://schemas.microsoft.com/office/drawing/2014/main" id="{EC83F1B2-5677-47B7-89B7-9339717E53CE}"/>
               </a:ext>
             </a:extLst>
           </p:cNvPr>
@@ -12461,7 +12461,7 @@
           <p:cNvPr id="227" name="Shape 248">
             <a:extLst>
               <a:ext uri="{FF2B5EF4-FFF2-40B4-BE49-F238E27FC236}">
-                <a16:creationId xmlns:a16="http://schemas.microsoft.com/office/drawing/2014/main" xmlns="" id="{F9072406-5AA8-42DE-92B5-0D4BA917E76A}"/>
+                <a16:creationId xmlns="" xmlns:a16="http://schemas.microsoft.com/office/drawing/2014/main" id="{F9072406-5AA8-42DE-92B5-0D4BA917E76A}"/>
               </a:ext>
             </a:extLst>
           </p:cNvPr>
@@ -12506,7 +12506,7 @@
           <p:cNvPr id="228" name="Shape 248">
             <a:extLst>
               <a:ext uri="{FF2B5EF4-FFF2-40B4-BE49-F238E27FC236}">
-                <a16:creationId xmlns:a16="http://schemas.microsoft.com/office/drawing/2014/main" xmlns="" id="{5D6B41B9-2CC5-41C0-B3A7-715B18E79872}"/>
+                <a16:creationId xmlns="" xmlns:a16="http://schemas.microsoft.com/office/drawing/2014/main" id="{5D6B41B9-2CC5-41C0-B3A7-715B18E79872}"/>
               </a:ext>
             </a:extLst>
           </p:cNvPr>
@@ -12551,7 +12551,7 @@
           <p:cNvPr id="231" name="Shape 248">
             <a:extLst>
               <a:ext uri="{FF2B5EF4-FFF2-40B4-BE49-F238E27FC236}">
-                <a16:creationId xmlns:a16="http://schemas.microsoft.com/office/drawing/2014/main" xmlns="" id="{256A8B7B-1717-4B4C-9F5D-E711DC225A0F}"/>
+                <a16:creationId xmlns="" xmlns:a16="http://schemas.microsoft.com/office/drawing/2014/main" id="{256A8B7B-1717-4B4C-9F5D-E711DC225A0F}"/>
               </a:ext>
             </a:extLst>
           </p:cNvPr>
@@ -12596,7 +12596,7 @@
           <p:cNvPr id="233" name="Shape 248">
             <a:extLst>
               <a:ext uri="{FF2B5EF4-FFF2-40B4-BE49-F238E27FC236}">
-                <a16:creationId xmlns:a16="http://schemas.microsoft.com/office/drawing/2014/main" xmlns="" id="{11232296-C52D-45C3-BBF1-C59D3E29E989}"/>
+                <a16:creationId xmlns="" xmlns:a16="http://schemas.microsoft.com/office/drawing/2014/main" id="{11232296-C52D-45C3-BBF1-C59D3E29E989}"/>
               </a:ext>
             </a:extLst>
           </p:cNvPr>
@@ -12641,7 +12641,7 @@
           <p:cNvPr id="236" name="Shape 248">
             <a:extLst>
               <a:ext uri="{FF2B5EF4-FFF2-40B4-BE49-F238E27FC236}">
-                <a16:creationId xmlns:a16="http://schemas.microsoft.com/office/drawing/2014/main" xmlns="" id="{0E3C4F9F-42F6-472D-8A8B-E36CC3BEAA58}"/>
+                <a16:creationId xmlns="" xmlns:a16="http://schemas.microsoft.com/office/drawing/2014/main" id="{0E3C4F9F-42F6-472D-8A8B-E36CC3BEAA58}"/>
               </a:ext>
             </a:extLst>
           </p:cNvPr>
@@ -12687,7 +12687,7 @@
           <p:cNvPr id="238" name="Shape 248">
             <a:extLst>
               <a:ext uri="{FF2B5EF4-FFF2-40B4-BE49-F238E27FC236}">
-                <a16:creationId xmlns:a16="http://schemas.microsoft.com/office/drawing/2014/main" xmlns="" id="{DC5596EF-0BFD-4C5F-BE4B-81CC4EB3D125}"/>
+                <a16:creationId xmlns="" xmlns:a16="http://schemas.microsoft.com/office/drawing/2014/main" id="{DC5596EF-0BFD-4C5F-BE4B-81CC4EB3D125}"/>
               </a:ext>
             </a:extLst>
           </p:cNvPr>
@@ -12733,7 +12733,7 @@
           <p:cNvPr id="255" name="Прямоугольник 254">
             <a:extLst>
               <a:ext uri="{FF2B5EF4-FFF2-40B4-BE49-F238E27FC236}">
-                <a16:creationId xmlns:a16="http://schemas.microsoft.com/office/drawing/2014/main" xmlns="" id="{46A324E1-A9F3-4F99-9754-C8F10879F564}"/>
+                <a16:creationId xmlns="" xmlns:a16="http://schemas.microsoft.com/office/drawing/2014/main" id="{46A324E1-A9F3-4F99-9754-C8F10879F564}"/>
               </a:ext>
             </a:extLst>
           </p:cNvPr>
@@ -12785,7 +12785,7 @@
           <p:cNvPr id="257" name="Прямоугольник 256">
             <a:extLst>
               <a:ext uri="{FF2B5EF4-FFF2-40B4-BE49-F238E27FC236}">
-                <a16:creationId xmlns:a16="http://schemas.microsoft.com/office/drawing/2014/main" xmlns="" id="{E19DB08F-F422-42E4-8EC8-DCF6DF6ADE72}"/>
+                <a16:creationId xmlns="" xmlns:a16="http://schemas.microsoft.com/office/drawing/2014/main" id="{E19DB08F-F422-42E4-8EC8-DCF6DF6ADE72}"/>
               </a:ext>
             </a:extLst>
           </p:cNvPr>
@@ -12837,7 +12837,7 @@
           <p:cNvPr id="258" name="Прямоугольник 257">
             <a:extLst>
               <a:ext uri="{FF2B5EF4-FFF2-40B4-BE49-F238E27FC236}">
-                <a16:creationId xmlns:a16="http://schemas.microsoft.com/office/drawing/2014/main" xmlns="" id="{DBB21772-5DC6-49CD-8347-70472CFCB171}"/>
+                <a16:creationId xmlns="" xmlns:a16="http://schemas.microsoft.com/office/drawing/2014/main" id="{DBB21772-5DC6-49CD-8347-70472CFCB171}"/>
               </a:ext>
             </a:extLst>
           </p:cNvPr>
@@ -12889,7 +12889,7 @@
           <p:cNvPr id="259" name="Прямоугольник 258">
             <a:extLst>
               <a:ext uri="{FF2B5EF4-FFF2-40B4-BE49-F238E27FC236}">
-                <a16:creationId xmlns:a16="http://schemas.microsoft.com/office/drawing/2014/main" xmlns="" id="{08EE18AE-8727-4E84-B350-FF84B357DC6D}"/>
+                <a16:creationId xmlns="" xmlns:a16="http://schemas.microsoft.com/office/drawing/2014/main" id="{08EE18AE-8727-4E84-B350-FF84B357DC6D}"/>
               </a:ext>
             </a:extLst>
           </p:cNvPr>
@@ -12941,7 +12941,7 @@
           <p:cNvPr id="260" name="Прямоугольник 259">
             <a:extLst>
               <a:ext uri="{FF2B5EF4-FFF2-40B4-BE49-F238E27FC236}">
-                <a16:creationId xmlns:a16="http://schemas.microsoft.com/office/drawing/2014/main" xmlns="" id="{621FE09E-C13D-4C26-BDAE-5E66C7E42E9D}"/>
+                <a16:creationId xmlns="" xmlns:a16="http://schemas.microsoft.com/office/drawing/2014/main" id="{621FE09E-C13D-4C26-BDAE-5E66C7E42E9D}"/>
               </a:ext>
             </a:extLst>
           </p:cNvPr>
@@ -12993,7 +12993,7 @@
           <p:cNvPr id="261" name="Прямоугольник 260">
             <a:extLst>
               <a:ext uri="{FF2B5EF4-FFF2-40B4-BE49-F238E27FC236}">
-                <a16:creationId xmlns:a16="http://schemas.microsoft.com/office/drawing/2014/main" xmlns="" id="{956584E7-3DC8-451E-8A93-10468CFF313C}"/>
+                <a16:creationId xmlns="" xmlns:a16="http://schemas.microsoft.com/office/drawing/2014/main" id="{956584E7-3DC8-451E-8A93-10468CFF313C}"/>
               </a:ext>
             </a:extLst>
           </p:cNvPr>
@@ -13049,7 +13049,7 @@
           <p:cNvPr id="262" name="Прямоугольник 261">
             <a:extLst>
               <a:ext uri="{FF2B5EF4-FFF2-40B4-BE49-F238E27FC236}">
-                <a16:creationId xmlns:a16="http://schemas.microsoft.com/office/drawing/2014/main" xmlns="" id="{52EFBB1F-7910-4514-87B0-5B6B22F9A1E2}"/>
+                <a16:creationId xmlns="" xmlns:a16="http://schemas.microsoft.com/office/drawing/2014/main" id="{52EFBB1F-7910-4514-87B0-5B6B22F9A1E2}"/>
               </a:ext>
             </a:extLst>
           </p:cNvPr>
@@ -13105,7 +13105,7 @@
           <p:cNvPr id="263" name="Прямоугольник 262">
             <a:extLst>
               <a:ext uri="{FF2B5EF4-FFF2-40B4-BE49-F238E27FC236}">
-                <a16:creationId xmlns:a16="http://schemas.microsoft.com/office/drawing/2014/main" xmlns="" id="{0AE0E348-7DA9-40B5-B7FB-B39FB858D660}"/>
+                <a16:creationId xmlns="" xmlns:a16="http://schemas.microsoft.com/office/drawing/2014/main" id="{0AE0E348-7DA9-40B5-B7FB-B39FB858D660}"/>
               </a:ext>
             </a:extLst>
           </p:cNvPr>
@@ -13161,7 +13161,7 @@
           <p:cNvPr id="266" name="Прямоугольник 265">
             <a:extLst>
               <a:ext uri="{FF2B5EF4-FFF2-40B4-BE49-F238E27FC236}">
-                <a16:creationId xmlns:a16="http://schemas.microsoft.com/office/drawing/2014/main" xmlns="" id="{2A2DA3A3-7506-43C9-8221-C1A4D02D818C}"/>
+                <a16:creationId xmlns="" xmlns:a16="http://schemas.microsoft.com/office/drawing/2014/main" id="{2A2DA3A3-7506-43C9-8221-C1A4D02D818C}"/>
               </a:ext>
             </a:extLst>
           </p:cNvPr>
@@ -13217,7 +13217,7 @@
           <p:cNvPr id="267" name="Прямоугольник 266">
             <a:extLst>
               <a:ext uri="{FF2B5EF4-FFF2-40B4-BE49-F238E27FC236}">
-                <a16:creationId xmlns:a16="http://schemas.microsoft.com/office/drawing/2014/main" xmlns="" id="{6A09D8C1-FE84-48D6-A838-F1E4C6F73CDC}"/>
+                <a16:creationId xmlns="" xmlns:a16="http://schemas.microsoft.com/office/drawing/2014/main" id="{6A09D8C1-FE84-48D6-A838-F1E4C6F73CDC}"/>
               </a:ext>
             </a:extLst>
           </p:cNvPr>
@@ -13269,7 +13269,7 @@
           <p:cNvPr id="269" name="Shape 248">
             <a:extLst>
               <a:ext uri="{FF2B5EF4-FFF2-40B4-BE49-F238E27FC236}">
-                <a16:creationId xmlns:a16="http://schemas.microsoft.com/office/drawing/2014/main" xmlns="" id="{FBEAA8DC-5277-431B-B72A-96CB92AB08F2}"/>
+                <a16:creationId xmlns="" xmlns:a16="http://schemas.microsoft.com/office/drawing/2014/main" id="{FBEAA8DC-5277-431B-B72A-96CB92AB08F2}"/>
               </a:ext>
             </a:extLst>
           </p:cNvPr>
@@ -13314,7 +13314,7 @@
           <p:cNvPr id="272" name="Shape 248">
             <a:extLst>
               <a:ext uri="{FF2B5EF4-FFF2-40B4-BE49-F238E27FC236}">
-                <a16:creationId xmlns:a16="http://schemas.microsoft.com/office/drawing/2014/main" xmlns="" id="{D5D4437B-1223-4FCE-9062-B8243AC66A55}"/>
+                <a16:creationId xmlns="" xmlns:a16="http://schemas.microsoft.com/office/drawing/2014/main" id="{D5D4437B-1223-4FCE-9062-B8243AC66A55}"/>
               </a:ext>
             </a:extLst>
           </p:cNvPr>
@@ -13359,7 +13359,7 @@
           <p:cNvPr id="275" name="Shape 248">
             <a:extLst>
               <a:ext uri="{FF2B5EF4-FFF2-40B4-BE49-F238E27FC236}">
-                <a16:creationId xmlns:a16="http://schemas.microsoft.com/office/drawing/2014/main" xmlns="" id="{D95A6C3B-CFE7-40B6-9CE6-1A9B074D319A}"/>
+                <a16:creationId xmlns="" xmlns:a16="http://schemas.microsoft.com/office/drawing/2014/main" id="{D95A6C3B-CFE7-40B6-9CE6-1A9B074D319A}"/>
               </a:ext>
             </a:extLst>
           </p:cNvPr>
@@ -13404,7 +13404,7 @@
           <p:cNvPr id="277" name="Shape 248">
             <a:extLst>
               <a:ext uri="{FF2B5EF4-FFF2-40B4-BE49-F238E27FC236}">
-                <a16:creationId xmlns:a16="http://schemas.microsoft.com/office/drawing/2014/main" xmlns="" id="{1084AFBE-7DDB-4565-899D-F5786F8B9959}"/>
+                <a16:creationId xmlns="" xmlns:a16="http://schemas.microsoft.com/office/drawing/2014/main" id="{1084AFBE-7DDB-4565-899D-F5786F8B9959}"/>
               </a:ext>
             </a:extLst>
           </p:cNvPr>
@@ -13449,7 +13449,7 @@
           <p:cNvPr id="280" name="Shape 248">
             <a:extLst>
               <a:ext uri="{FF2B5EF4-FFF2-40B4-BE49-F238E27FC236}">
-                <a16:creationId xmlns:a16="http://schemas.microsoft.com/office/drawing/2014/main" xmlns="" id="{25708BBE-8555-4AEA-85E9-6204F5F68A3E}"/>
+                <a16:creationId xmlns="" xmlns:a16="http://schemas.microsoft.com/office/drawing/2014/main" id="{25708BBE-8555-4AEA-85E9-6204F5F68A3E}"/>
               </a:ext>
             </a:extLst>
           </p:cNvPr>
@@ -13494,7 +13494,7 @@
           <p:cNvPr id="283" name="Shape 248">
             <a:extLst>
               <a:ext uri="{FF2B5EF4-FFF2-40B4-BE49-F238E27FC236}">
-                <a16:creationId xmlns:a16="http://schemas.microsoft.com/office/drawing/2014/main" xmlns="" id="{0E0F779A-C2E1-4552-804D-2183B64A70F0}"/>
+                <a16:creationId xmlns="" xmlns:a16="http://schemas.microsoft.com/office/drawing/2014/main" id="{0E0F779A-C2E1-4552-804D-2183B64A70F0}"/>
               </a:ext>
             </a:extLst>
           </p:cNvPr>
@@ -13539,7 +13539,7 @@
           <p:cNvPr id="286" name="Shape 248">
             <a:extLst>
               <a:ext uri="{FF2B5EF4-FFF2-40B4-BE49-F238E27FC236}">
-                <a16:creationId xmlns:a16="http://schemas.microsoft.com/office/drawing/2014/main" xmlns="" id="{EB6E88A6-88A3-42F9-BD1A-6684BEB9B8D6}"/>
+                <a16:creationId xmlns="" xmlns:a16="http://schemas.microsoft.com/office/drawing/2014/main" id="{EB6E88A6-88A3-42F9-BD1A-6684BEB9B8D6}"/>
               </a:ext>
             </a:extLst>
           </p:cNvPr>
@@ -13584,7 +13584,7 @@
           <p:cNvPr id="289" name="Shape 248">
             <a:extLst>
               <a:ext uri="{FF2B5EF4-FFF2-40B4-BE49-F238E27FC236}">
-                <a16:creationId xmlns:a16="http://schemas.microsoft.com/office/drawing/2014/main" xmlns="" id="{B02C59D2-F9E9-489C-9E27-CE850599413C}"/>
+                <a16:creationId xmlns="" xmlns:a16="http://schemas.microsoft.com/office/drawing/2014/main" id="{B02C59D2-F9E9-489C-9E27-CE850599413C}"/>
               </a:ext>
             </a:extLst>
           </p:cNvPr>
@@ -13629,7 +13629,7 @@
           <p:cNvPr id="292" name="Shape 248">
             <a:extLst>
               <a:ext uri="{FF2B5EF4-FFF2-40B4-BE49-F238E27FC236}">
-                <a16:creationId xmlns:a16="http://schemas.microsoft.com/office/drawing/2014/main" xmlns="" id="{8B496B63-0C0F-4927-8651-F1B95AF109E8}"/>
+                <a16:creationId xmlns="" xmlns:a16="http://schemas.microsoft.com/office/drawing/2014/main" id="{8B496B63-0C0F-4927-8651-F1B95AF109E8}"/>
               </a:ext>
             </a:extLst>
           </p:cNvPr>
@@ -13674,7 +13674,7 @@
           <p:cNvPr id="296" name="Shape 248">
             <a:extLst>
               <a:ext uri="{FF2B5EF4-FFF2-40B4-BE49-F238E27FC236}">
-                <a16:creationId xmlns:a16="http://schemas.microsoft.com/office/drawing/2014/main" xmlns="" id="{E6DE7C41-4D34-4CBF-97CF-6AF882811621}"/>
+                <a16:creationId xmlns="" xmlns:a16="http://schemas.microsoft.com/office/drawing/2014/main" id="{E6DE7C41-4D34-4CBF-97CF-6AF882811621}"/>
               </a:ext>
             </a:extLst>
           </p:cNvPr>
@@ -13719,7 +13719,7 @@
           <p:cNvPr id="299" name="Shape 248">
             <a:extLst>
               <a:ext uri="{FF2B5EF4-FFF2-40B4-BE49-F238E27FC236}">
-                <a16:creationId xmlns:a16="http://schemas.microsoft.com/office/drawing/2014/main" xmlns="" id="{5847288F-E13F-43FA-AA58-BCF5A8AF3328}"/>
+                <a16:creationId xmlns="" xmlns:a16="http://schemas.microsoft.com/office/drawing/2014/main" id="{5847288F-E13F-43FA-AA58-BCF5A8AF3328}"/>
               </a:ext>
             </a:extLst>
           </p:cNvPr>
@@ -13764,7 +13764,7 @@
           <p:cNvPr id="303" name="Shape 248">
             <a:extLst>
               <a:ext uri="{FF2B5EF4-FFF2-40B4-BE49-F238E27FC236}">
-                <a16:creationId xmlns:a16="http://schemas.microsoft.com/office/drawing/2014/main" xmlns="" id="{C80F61D8-ADF1-4B65-8A1E-844EE7901F2F}"/>
+                <a16:creationId xmlns="" xmlns:a16="http://schemas.microsoft.com/office/drawing/2014/main" id="{C80F61D8-ADF1-4B65-8A1E-844EE7901F2F}"/>
               </a:ext>
             </a:extLst>
           </p:cNvPr>
@@ -13810,7 +13810,7 @@
           <p:cNvPr id="306" name="Shape 248">
             <a:extLst>
               <a:ext uri="{FF2B5EF4-FFF2-40B4-BE49-F238E27FC236}">
-                <a16:creationId xmlns:a16="http://schemas.microsoft.com/office/drawing/2014/main" xmlns="" id="{43615F59-8DE9-4A52-A00D-280ED942E214}"/>
+                <a16:creationId xmlns="" xmlns:a16="http://schemas.microsoft.com/office/drawing/2014/main" id="{43615F59-8DE9-4A52-A00D-280ED942E214}"/>
               </a:ext>
             </a:extLst>
           </p:cNvPr>
@@ -13856,7 +13856,7 @@
           <p:cNvPr id="310" name="Shape 248">
             <a:extLst>
               <a:ext uri="{FF2B5EF4-FFF2-40B4-BE49-F238E27FC236}">
-                <a16:creationId xmlns:a16="http://schemas.microsoft.com/office/drawing/2014/main" xmlns="" id="{3E568EFD-AB22-4B1D-ABAE-A49289BD4CD7}"/>
+                <a16:creationId xmlns="" xmlns:a16="http://schemas.microsoft.com/office/drawing/2014/main" id="{3E568EFD-AB22-4B1D-ABAE-A49289BD4CD7}"/>
               </a:ext>
             </a:extLst>
           </p:cNvPr>
@@ -13901,7 +13901,7 @@
           <p:cNvPr id="312" name="Shape 248">
             <a:extLst>
               <a:ext uri="{FF2B5EF4-FFF2-40B4-BE49-F238E27FC236}">
-                <a16:creationId xmlns:a16="http://schemas.microsoft.com/office/drawing/2014/main" xmlns="" id="{EF759961-7159-4379-AA26-833B860B0ED0}"/>
+                <a16:creationId xmlns="" xmlns:a16="http://schemas.microsoft.com/office/drawing/2014/main" id="{EF759961-7159-4379-AA26-833B860B0ED0}"/>
               </a:ext>
             </a:extLst>
           </p:cNvPr>
@@ -13946,7 +13946,7 @@
           <p:cNvPr id="317" name="Shape 248">
             <a:extLst>
               <a:ext uri="{FF2B5EF4-FFF2-40B4-BE49-F238E27FC236}">
-                <a16:creationId xmlns:a16="http://schemas.microsoft.com/office/drawing/2014/main" xmlns="" id="{7F1D5B0D-BF85-4F7E-8FDE-7B0B73F1D859}"/>
+                <a16:creationId xmlns="" xmlns:a16="http://schemas.microsoft.com/office/drawing/2014/main" id="{7F1D5B0D-BF85-4F7E-8FDE-7B0B73F1D859}"/>
               </a:ext>
             </a:extLst>
           </p:cNvPr>
@@ -13991,7 +13991,7 @@
           <p:cNvPr id="324" name="Прямоугольник 323">
             <a:extLst>
               <a:ext uri="{FF2B5EF4-FFF2-40B4-BE49-F238E27FC236}">
-                <a16:creationId xmlns:a16="http://schemas.microsoft.com/office/drawing/2014/main" xmlns="" id="{090D5B30-D28E-45E5-80C9-AC7113668184}"/>
+                <a16:creationId xmlns="" xmlns:a16="http://schemas.microsoft.com/office/drawing/2014/main" id="{090D5B30-D28E-45E5-80C9-AC7113668184}"/>
               </a:ext>
             </a:extLst>
           </p:cNvPr>
@@ -14043,7 +14043,7 @@
           <p:cNvPr id="325" name="Shape 248">
             <a:extLst>
               <a:ext uri="{FF2B5EF4-FFF2-40B4-BE49-F238E27FC236}">
-                <a16:creationId xmlns:a16="http://schemas.microsoft.com/office/drawing/2014/main" xmlns="" id="{7C694EB8-431B-486D-BF60-285B9805A151}"/>
+                <a16:creationId xmlns="" xmlns:a16="http://schemas.microsoft.com/office/drawing/2014/main" id="{7C694EB8-431B-486D-BF60-285B9805A151}"/>
               </a:ext>
             </a:extLst>
           </p:cNvPr>
@@ -14088,7 +14088,7 @@
           <p:cNvPr id="242" name="Прямоугольник 241">
             <a:extLst>
               <a:ext uri="{FF2B5EF4-FFF2-40B4-BE49-F238E27FC236}">
-                <a16:creationId xmlns:a16="http://schemas.microsoft.com/office/drawing/2014/main" xmlns="" id="{6201302F-2B79-485A-8CA8-C76C5AFF5369}"/>
+                <a16:creationId xmlns="" xmlns:a16="http://schemas.microsoft.com/office/drawing/2014/main" id="{6201302F-2B79-485A-8CA8-C76C5AFF5369}"/>
               </a:ext>
             </a:extLst>
           </p:cNvPr>
@@ -14140,7 +14140,7 @@
           <p:cNvPr id="246" name="Прямоугольник 245">
             <a:extLst>
               <a:ext uri="{FF2B5EF4-FFF2-40B4-BE49-F238E27FC236}">
-                <a16:creationId xmlns:a16="http://schemas.microsoft.com/office/drawing/2014/main" xmlns="" id="{143F99BB-7B85-4860-8066-4F19AE080121}"/>
+                <a16:creationId xmlns="" xmlns:a16="http://schemas.microsoft.com/office/drawing/2014/main" id="{143F99BB-7B85-4860-8066-4F19AE080121}"/>
               </a:ext>
             </a:extLst>
           </p:cNvPr>
@@ -14192,7 +14192,7 @@
           <p:cNvPr id="249" name="Прямоугольник 248">
             <a:extLst>
               <a:ext uri="{FF2B5EF4-FFF2-40B4-BE49-F238E27FC236}">
-                <a16:creationId xmlns:a16="http://schemas.microsoft.com/office/drawing/2014/main" xmlns="" id="{CBF8D7E5-5FA7-45F0-905E-03584CFA09A9}"/>
+                <a16:creationId xmlns="" xmlns:a16="http://schemas.microsoft.com/office/drawing/2014/main" id="{CBF8D7E5-5FA7-45F0-905E-03584CFA09A9}"/>
               </a:ext>
             </a:extLst>
           </p:cNvPr>
@@ -14252,7 +14252,7 @@
           <p:cNvPr id="273" name="Прямоугольник 272">
             <a:extLst>
               <a:ext uri="{FF2B5EF4-FFF2-40B4-BE49-F238E27FC236}">
-                <a16:creationId xmlns:a16="http://schemas.microsoft.com/office/drawing/2014/main" xmlns="" id="{790C883A-8E36-488E-9D37-AB7A70439BE5}"/>
+                <a16:creationId xmlns="" xmlns:a16="http://schemas.microsoft.com/office/drawing/2014/main" id="{790C883A-8E36-488E-9D37-AB7A70439BE5}"/>
               </a:ext>
             </a:extLst>
           </p:cNvPr>
@@ -14304,7 +14304,7 @@
           <p:cNvPr id="276" name="Shape 248">
             <a:extLst>
               <a:ext uri="{FF2B5EF4-FFF2-40B4-BE49-F238E27FC236}">
-                <a16:creationId xmlns:a16="http://schemas.microsoft.com/office/drawing/2014/main" xmlns="" id="{4AA09D23-CE38-421D-BBD5-32E3F4CE98E5}"/>
+                <a16:creationId xmlns="" xmlns:a16="http://schemas.microsoft.com/office/drawing/2014/main" id="{4AA09D23-CE38-421D-BBD5-32E3F4CE98E5}"/>
               </a:ext>
             </a:extLst>
           </p:cNvPr>
@@ -14349,7 +14349,7 @@
           <p:cNvPr id="279" name="Shape 248">
             <a:extLst>
               <a:ext uri="{FF2B5EF4-FFF2-40B4-BE49-F238E27FC236}">
-                <a16:creationId xmlns:a16="http://schemas.microsoft.com/office/drawing/2014/main" xmlns="" id="{3FA42726-9174-4F29-BF65-55ADC46C885A}"/>
+                <a16:creationId xmlns="" xmlns:a16="http://schemas.microsoft.com/office/drawing/2014/main" id="{3FA42726-9174-4F29-BF65-55ADC46C885A}"/>
               </a:ext>
             </a:extLst>
           </p:cNvPr>
@@ -14394,7 +14394,7 @@
           <p:cNvPr id="282" name="Shape 248">
             <a:extLst>
               <a:ext uri="{FF2B5EF4-FFF2-40B4-BE49-F238E27FC236}">
-                <a16:creationId xmlns:a16="http://schemas.microsoft.com/office/drawing/2014/main" xmlns="" id="{32093D4D-B7AB-4952-AC16-553CF78E1350}"/>
+                <a16:creationId xmlns="" xmlns:a16="http://schemas.microsoft.com/office/drawing/2014/main" id="{32093D4D-B7AB-4952-AC16-553CF78E1350}"/>
               </a:ext>
             </a:extLst>
           </p:cNvPr>
@@ -14439,7 +14439,7 @@
           <p:cNvPr id="285" name="Shape 248">
             <a:extLst>
               <a:ext uri="{FF2B5EF4-FFF2-40B4-BE49-F238E27FC236}">
-                <a16:creationId xmlns:a16="http://schemas.microsoft.com/office/drawing/2014/main" xmlns="" id="{4D3DE100-6F63-4974-9A7E-28065A179310}"/>
+                <a16:creationId xmlns="" xmlns:a16="http://schemas.microsoft.com/office/drawing/2014/main" id="{4D3DE100-6F63-4974-9A7E-28065A179310}"/>
               </a:ext>
             </a:extLst>
           </p:cNvPr>
@@ -14484,7 +14484,7 @@
           <p:cNvPr id="288" name="Shape 248">
             <a:extLst>
               <a:ext uri="{FF2B5EF4-FFF2-40B4-BE49-F238E27FC236}">
-                <a16:creationId xmlns:a16="http://schemas.microsoft.com/office/drawing/2014/main" xmlns="" id="{E5891B7E-CB5F-4EBA-B244-E22ED8E1A91A}"/>
+                <a16:creationId xmlns="" xmlns:a16="http://schemas.microsoft.com/office/drawing/2014/main" id="{E5891B7E-CB5F-4EBA-B244-E22ED8E1A91A}"/>
               </a:ext>
             </a:extLst>
           </p:cNvPr>
@@ -14529,7 +14529,7 @@
           <p:cNvPr id="290" name="Прямоугольник 289">
             <a:extLst>
               <a:ext uri="{FF2B5EF4-FFF2-40B4-BE49-F238E27FC236}">
-                <a16:creationId xmlns:a16="http://schemas.microsoft.com/office/drawing/2014/main" xmlns="" id="{278D16BB-FDBF-449B-A690-A858ABF81FDD}"/>
+                <a16:creationId xmlns="" xmlns:a16="http://schemas.microsoft.com/office/drawing/2014/main" id="{278D16BB-FDBF-449B-A690-A858ABF81FDD}"/>
               </a:ext>
             </a:extLst>
           </p:cNvPr>
@@ -14585,7 +14585,7 @@
           <p:cNvPr id="297" name="Shape 248">
             <a:extLst>
               <a:ext uri="{FF2B5EF4-FFF2-40B4-BE49-F238E27FC236}">
-                <a16:creationId xmlns:a16="http://schemas.microsoft.com/office/drawing/2014/main" xmlns="" id="{2E5CEB81-8F51-4CC7-BFD3-6870AF84267A}"/>
+                <a16:creationId xmlns="" xmlns:a16="http://schemas.microsoft.com/office/drawing/2014/main" id="{2E5CEB81-8F51-4CC7-BFD3-6870AF84267A}"/>
               </a:ext>
             </a:extLst>
           </p:cNvPr>
@@ -14630,7 +14630,7 @@
           <p:cNvPr id="300" name="Shape 248">
             <a:extLst>
               <a:ext uri="{FF2B5EF4-FFF2-40B4-BE49-F238E27FC236}">
-                <a16:creationId xmlns:a16="http://schemas.microsoft.com/office/drawing/2014/main" xmlns="" id="{84E866F4-D79B-450D-9F47-A00044FA3472}"/>
+                <a16:creationId xmlns="" xmlns:a16="http://schemas.microsoft.com/office/drawing/2014/main" id="{84E866F4-D79B-450D-9F47-A00044FA3472}"/>
               </a:ext>
             </a:extLst>
           </p:cNvPr>
@@ -14675,7 +14675,7 @@
           <p:cNvPr id="302" name="Shape 248">
             <a:extLst>
               <a:ext uri="{FF2B5EF4-FFF2-40B4-BE49-F238E27FC236}">
-                <a16:creationId xmlns:a16="http://schemas.microsoft.com/office/drawing/2014/main" xmlns="" id="{6806A5C0-9C92-4221-9909-972B914DA1ED}"/>
+                <a16:creationId xmlns="" xmlns:a16="http://schemas.microsoft.com/office/drawing/2014/main" id="{6806A5C0-9C92-4221-9909-972B914DA1ED}"/>
               </a:ext>
             </a:extLst>
           </p:cNvPr>
@@ -14720,7 +14720,7 @@
           <p:cNvPr id="305" name="Shape 248">
             <a:extLst>
               <a:ext uri="{FF2B5EF4-FFF2-40B4-BE49-F238E27FC236}">
-                <a16:creationId xmlns:a16="http://schemas.microsoft.com/office/drawing/2014/main" xmlns="" id="{166046F6-53A2-4A8F-9E82-FECD6D61EDCA}"/>
+                <a16:creationId xmlns="" xmlns:a16="http://schemas.microsoft.com/office/drawing/2014/main" id="{166046F6-53A2-4A8F-9E82-FECD6D61EDCA}"/>
               </a:ext>
             </a:extLst>
           </p:cNvPr>
@@ -14765,7 +14765,7 @@
           <p:cNvPr id="311" name="Прямоугольник 310">
             <a:extLst>
               <a:ext uri="{FF2B5EF4-FFF2-40B4-BE49-F238E27FC236}">
-                <a16:creationId xmlns:a16="http://schemas.microsoft.com/office/drawing/2014/main" xmlns="" id="{868A50E7-D497-4453-8F17-23811042DB8B}"/>
+                <a16:creationId xmlns="" xmlns:a16="http://schemas.microsoft.com/office/drawing/2014/main" id="{868A50E7-D497-4453-8F17-23811042DB8B}"/>
               </a:ext>
             </a:extLst>
           </p:cNvPr>
@@ -14821,7 +14821,7 @@
           <p:cNvPr id="313" name="Shape 248">
             <a:extLst>
               <a:ext uri="{FF2B5EF4-FFF2-40B4-BE49-F238E27FC236}">
-                <a16:creationId xmlns:a16="http://schemas.microsoft.com/office/drawing/2014/main" xmlns="" id="{BEB45FBF-7486-4531-8351-79A56BEB7C89}"/>
+                <a16:creationId xmlns="" xmlns:a16="http://schemas.microsoft.com/office/drawing/2014/main" id="{BEB45FBF-7486-4531-8351-79A56BEB7C89}"/>
               </a:ext>
             </a:extLst>
           </p:cNvPr>
@@ -14866,7 +14866,7 @@
           <p:cNvPr id="316" name="Прямоугольник 315">
             <a:extLst>
               <a:ext uri="{FF2B5EF4-FFF2-40B4-BE49-F238E27FC236}">
-                <a16:creationId xmlns:a16="http://schemas.microsoft.com/office/drawing/2014/main" xmlns="" id="{C8C7E08F-B7C9-4CD3-8C8F-5B457D7950AB}"/>
+                <a16:creationId xmlns="" xmlns:a16="http://schemas.microsoft.com/office/drawing/2014/main" id="{C8C7E08F-B7C9-4CD3-8C8F-5B457D7950AB}"/>
               </a:ext>
             </a:extLst>
           </p:cNvPr>
@@ -14922,7 +14922,7 @@
           <p:cNvPr id="318" name="Shape 248">
             <a:extLst>
               <a:ext uri="{FF2B5EF4-FFF2-40B4-BE49-F238E27FC236}">
-                <a16:creationId xmlns:a16="http://schemas.microsoft.com/office/drawing/2014/main" xmlns="" id="{C6747080-ACF1-466D-BAE8-F4F3F47DC1F4}"/>
+                <a16:creationId xmlns="" xmlns:a16="http://schemas.microsoft.com/office/drawing/2014/main" id="{C6747080-ACF1-466D-BAE8-F4F3F47DC1F4}"/>
               </a:ext>
             </a:extLst>
           </p:cNvPr>
@@ -14967,7 +14967,7 @@
           <p:cNvPr id="326" name="Shape 248">
             <a:extLst>
               <a:ext uri="{FF2B5EF4-FFF2-40B4-BE49-F238E27FC236}">
-                <a16:creationId xmlns:a16="http://schemas.microsoft.com/office/drawing/2014/main" xmlns="" id="{58161C5D-DEC3-4839-BC8D-724EEFE6C33B}"/>
+                <a16:creationId xmlns="" xmlns:a16="http://schemas.microsoft.com/office/drawing/2014/main" id="{58161C5D-DEC3-4839-BC8D-724EEFE6C33B}"/>
               </a:ext>
             </a:extLst>
           </p:cNvPr>
@@ -15012,7 +15012,7 @@
           <p:cNvPr id="329" name="Shape 248">
             <a:extLst>
               <a:ext uri="{FF2B5EF4-FFF2-40B4-BE49-F238E27FC236}">
-                <a16:creationId xmlns:a16="http://schemas.microsoft.com/office/drawing/2014/main" xmlns="" id="{BED6FD35-7ED6-489B-ACD7-6FC6A87D7BDF}"/>
+                <a16:creationId xmlns="" xmlns:a16="http://schemas.microsoft.com/office/drawing/2014/main" id="{BED6FD35-7ED6-489B-ACD7-6FC6A87D7BDF}"/>
               </a:ext>
             </a:extLst>
           </p:cNvPr>
@@ -15058,7 +15058,7 @@
           <p:cNvPr id="332" name="Shape 248">
             <a:extLst>
               <a:ext uri="{FF2B5EF4-FFF2-40B4-BE49-F238E27FC236}">
-                <a16:creationId xmlns:a16="http://schemas.microsoft.com/office/drawing/2014/main" xmlns="" id="{A63CAA29-B0BF-400A-84BE-FBC537E38D9C}"/>
+                <a16:creationId xmlns="" xmlns:a16="http://schemas.microsoft.com/office/drawing/2014/main" id="{A63CAA29-B0BF-400A-84BE-FBC537E38D9C}"/>
               </a:ext>
             </a:extLst>
           </p:cNvPr>
@@ -15104,7 +15104,7 @@
           <p:cNvPr id="335" name="Shape 248">
             <a:extLst>
               <a:ext uri="{FF2B5EF4-FFF2-40B4-BE49-F238E27FC236}">
-                <a16:creationId xmlns:a16="http://schemas.microsoft.com/office/drawing/2014/main" xmlns="" id="{5EC344A3-0BF5-4484-9C11-CE03EA7FB834}"/>
+                <a16:creationId xmlns="" xmlns:a16="http://schemas.microsoft.com/office/drawing/2014/main" id="{5EC344A3-0BF5-4484-9C11-CE03EA7FB834}"/>
               </a:ext>
             </a:extLst>
           </p:cNvPr>
@@ -15150,7 +15150,7 @@
           <p:cNvPr id="338" name="Shape 248">
             <a:extLst>
               <a:ext uri="{FF2B5EF4-FFF2-40B4-BE49-F238E27FC236}">
-                <a16:creationId xmlns:a16="http://schemas.microsoft.com/office/drawing/2014/main" xmlns="" id="{A7F12841-AB34-4CC1-9965-824DF87AC7B9}"/>
+                <a16:creationId xmlns="" xmlns:a16="http://schemas.microsoft.com/office/drawing/2014/main" id="{A7F12841-AB34-4CC1-9965-824DF87AC7B9}"/>
               </a:ext>
             </a:extLst>
           </p:cNvPr>
@@ -15196,7 +15196,7 @@
           <p:cNvPr id="341" name="Shape 248">
             <a:extLst>
               <a:ext uri="{FF2B5EF4-FFF2-40B4-BE49-F238E27FC236}">
-                <a16:creationId xmlns:a16="http://schemas.microsoft.com/office/drawing/2014/main" xmlns="" id="{6336FDC1-AA70-43B0-9203-70B8EF94EAD4}"/>
+                <a16:creationId xmlns="" xmlns:a16="http://schemas.microsoft.com/office/drawing/2014/main" id="{6336FDC1-AA70-43B0-9203-70B8EF94EAD4}"/>
               </a:ext>
             </a:extLst>
           </p:cNvPr>
@@ -15242,7 +15242,7 @@
           <p:cNvPr id="344" name="Shape 248">
             <a:extLst>
               <a:ext uri="{FF2B5EF4-FFF2-40B4-BE49-F238E27FC236}">
-                <a16:creationId xmlns:a16="http://schemas.microsoft.com/office/drawing/2014/main" xmlns="" id="{1C5B0918-B29C-4027-908B-CB9D03FDFEA9}"/>
+                <a16:creationId xmlns="" xmlns:a16="http://schemas.microsoft.com/office/drawing/2014/main" id="{1C5B0918-B29C-4027-908B-CB9D03FDFEA9}"/>
               </a:ext>
             </a:extLst>
           </p:cNvPr>
@@ -15288,7 +15288,7 @@
           <p:cNvPr id="347" name="Shape 248">
             <a:extLst>
               <a:ext uri="{FF2B5EF4-FFF2-40B4-BE49-F238E27FC236}">
-                <a16:creationId xmlns:a16="http://schemas.microsoft.com/office/drawing/2014/main" xmlns="" id="{6A050BE5-6D0C-4AD4-868D-EC7425253258}"/>
+                <a16:creationId xmlns="" xmlns:a16="http://schemas.microsoft.com/office/drawing/2014/main" id="{6A050BE5-6D0C-4AD4-868D-EC7425253258}"/>
               </a:ext>
             </a:extLst>
           </p:cNvPr>
@@ -15333,7 +15333,7 @@
           <p:cNvPr id="350" name="Прямоугольник 349">
             <a:extLst>
               <a:ext uri="{FF2B5EF4-FFF2-40B4-BE49-F238E27FC236}">
-                <a16:creationId xmlns:a16="http://schemas.microsoft.com/office/drawing/2014/main" xmlns="" id="{765E26F8-259A-4760-98B9-CFA5E8DB365C}"/>
+                <a16:creationId xmlns="" xmlns:a16="http://schemas.microsoft.com/office/drawing/2014/main" id="{765E26F8-259A-4760-98B9-CFA5E8DB365C}"/>
               </a:ext>
             </a:extLst>
           </p:cNvPr>
@@ -15389,7 +15389,7 @@
           <p:cNvPr id="351" name="Shape 248">
             <a:extLst>
               <a:ext uri="{FF2B5EF4-FFF2-40B4-BE49-F238E27FC236}">
-                <a16:creationId xmlns:a16="http://schemas.microsoft.com/office/drawing/2014/main" xmlns="" id="{148F55FF-8BDD-4E8A-BE73-081B70FFD284}"/>
+                <a16:creationId xmlns="" xmlns:a16="http://schemas.microsoft.com/office/drawing/2014/main" id="{148F55FF-8BDD-4E8A-BE73-081B70FFD284}"/>
               </a:ext>
             </a:extLst>
           </p:cNvPr>
@@ -15434,7 +15434,7 @@
           <p:cNvPr id="354" name="Прямоугольник 353">
             <a:extLst>
               <a:ext uri="{FF2B5EF4-FFF2-40B4-BE49-F238E27FC236}">
-                <a16:creationId xmlns:a16="http://schemas.microsoft.com/office/drawing/2014/main" xmlns="" id="{BDEC123E-8F59-477F-B827-9EB5E35E3B23}"/>
+                <a16:creationId xmlns="" xmlns:a16="http://schemas.microsoft.com/office/drawing/2014/main" id="{BDEC123E-8F59-477F-B827-9EB5E35E3B23}"/>
               </a:ext>
             </a:extLst>
           </p:cNvPr>
@@ -15490,7 +15490,7 @@
           <p:cNvPr id="355" name="Shape 248">
             <a:extLst>
               <a:ext uri="{FF2B5EF4-FFF2-40B4-BE49-F238E27FC236}">
-                <a16:creationId xmlns:a16="http://schemas.microsoft.com/office/drawing/2014/main" xmlns="" id="{0D0F5707-F5F0-4A89-9C8D-7B643700012E}"/>
+                <a16:creationId xmlns="" xmlns:a16="http://schemas.microsoft.com/office/drawing/2014/main" id="{0D0F5707-F5F0-4A89-9C8D-7B643700012E}"/>
               </a:ext>
             </a:extLst>
           </p:cNvPr>
@@ -15535,7 +15535,7 @@
           <p:cNvPr id="358" name="Прямоугольник 357">
             <a:extLst>
               <a:ext uri="{FF2B5EF4-FFF2-40B4-BE49-F238E27FC236}">
-                <a16:creationId xmlns:a16="http://schemas.microsoft.com/office/drawing/2014/main" xmlns="" id="{303508BD-E009-4A74-9100-C9F0887DF0CB}"/>
+                <a16:creationId xmlns="" xmlns:a16="http://schemas.microsoft.com/office/drawing/2014/main" id="{303508BD-E009-4A74-9100-C9F0887DF0CB}"/>
               </a:ext>
             </a:extLst>
           </p:cNvPr>
@@ -15591,7 +15591,7 @@
           <p:cNvPr id="359" name="Shape 248">
             <a:extLst>
               <a:ext uri="{FF2B5EF4-FFF2-40B4-BE49-F238E27FC236}">
-                <a16:creationId xmlns:a16="http://schemas.microsoft.com/office/drawing/2014/main" xmlns="" id="{FF497636-6F8A-4D52-A5D8-7BDAE47FFF42}"/>
+                <a16:creationId xmlns="" xmlns:a16="http://schemas.microsoft.com/office/drawing/2014/main" id="{FF497636-6F8A-4D52-A5D8-7BDAE47FFF42}"/>
               </a:ext>
             </a:extLst>
           </p:cNvPr>
@@ -15637,7 +15637,7 @@
           <p:cNvPr id="363" name="Shape 248">
             <a:extLst>
               <a:ext uri="{FF2B5EF4-FFF2-40B4-BE49-F238E27FC236}">
-                <a16:creationId xmlns:a16="http://schemas.microsoft.com/office/drawing/2014/main" xmlns="" id="{7BA2ACFB-4C24-4A72-A2EB-4B1262117E3C}"/>
+                <a16:creationId xmlns="" xmlns:a16="http://schemas.microsoft.com/office/drawing/2014/main" id="{7BA2ACFB-4C24-4A72-A2EB-4B1262117E3C}"/>
               </a:ext>
             </a:extLst>
           </p:cNvPr>
@@ -15683,7 +15683,7 @@
           <p:cNvPr id="381" name="Прямая соединительная линия 380">
             <a:extLst>
               <a:ext uri="{FF2B5EF4-FFF2-40B4-BE49-F238E27FC236}">
-                <a16:creationId xmlns:a16="http://schemas.microsoft.com/office/drawing/2014/main" xmlns="" id="{CD8E8FE1-3FE9-4617-A9E7-1413F44D5694}"/>
+                <a16:creationId xmlns="" xmlns:a16="http://schemas.microsoft.com/office/drawing/2014/main" id="{CD8E8FE1-3FE9-4617-A9E7-1413F44D5694}"/>
               </a:ext>
             </a:extLst>
           </p:cNvPr>
@@ -15728,7 +15728,7 @@
           <p:cNvPr id="401" name="Прямоугольник 400">
             <a:extLst>
               <a:ext uri="{FF2B5EF4-FFF2-40B4-BE49-F238E27FC236}">
-                <a16:creationId xmlns:a16="http://schemas.microsoft.com/office/drawing/2014/main" xmlns="" id="{1A5ACA76-F98C-4AAE-8C89-68E8846C4F3E}"/>
+                <a16:creationId xmlns="" xmlns:a16="http://schemas.microsoft.com/office/drawing/2014/main" id="{1A5ACA76-F98C-4AAE-8C89-68E8846C4F3E}"/>
               </a:ext>
             </a:extLst>
           </p:cNvPr>
@@ -15777,7 +15777,7 @@
           <p:cNvPr id="294" name="Прямоугольник 293">
             <a:extLst>
               <a:ext uri="{FF2B5EF4-FFF2-40B4-BE49-F238E27FC236}">
-                <a16:creationId xmlns:a16="http://schemas.microsoft.com/office/drawing/2014/main" xmlns="" id="{6E35469B-525C-4828-B38E-EB394D1EC372}"/>
+                <a16:creationId xmlns="" xmlns:a16="http://schemas.microsoft.com/office/drawing/2014/main" id="{6E35469B-525C-4828-B38E-EB394D1EC372}"/>
               </a:ext>
             </a:extLst>
           </p:cNvPr>
@@ -15829,7 +15829,7 @@
           <p:cNvPr id="295" name="Shape 248">
             <a:extLst>
               <a:ext uri="{FF2B5EF4-FFF2-40B4-BE49-F238E27FC236}">
-                <a16:creationId xmlns:a16="http://schemas.microsoft.com/office/drawing/2014/main" xmlns="" id="{98250168-2090-4892-8242-4BC7C0F6FB8F}"/>
+                <a16:creationId xmlns="" xmlns:a16="http://schemas.microsoft.com/office/drawing/2014/main" id="{98250168-2090-4892-8242-4BC7C0F6FB8F}"/>
               </a:ext>
             </a:extLst>
           </p:cNvPr>
@@ -15874,7 +15874,7 @@
           <p:cNvPr id="301" name="Прямоугольник 300">
             <a:extLst>
               <a:ext uri="{FF2B5EF4-FFF2-40B4-BE49-F238E27FC236}">
-                <a16:creationId xmlns:a16="http://schemas.microsoft.com/office/drawing/2014/main" xmlns="" id="{E0B91D39-873F-4E56-AD7B-A4D2A2CCFE0A}"/>
+                <a16:creationId xmlns="" xmlns:a16="http://schemas.microsoft.com/office/drawing/2014/main" id="{E0B91D39-873F-4E56-AD7B-A4D2A2CCFE0A}"/>
               </a:ext>
             </a:extLst>
           </p:cNvPr>
@@ -15923,7 +15923,7 @@
           <p:cNvPr id="304" name="Прямоугольник 303">
             <a:extLst>
               <a:ext uri="{FF2B5EF4-FFF2-40B4-BE49-F238E27FC236}">
-                <a16:creationId xmlns:a16="http://schemas.microsoft.com/office/drawing/2014/main" xmlns="" id="{1EC70A17-71D7-4837-A6E2-DD76104A96BE}"/>
+                <a16:creationId xmlns="" xmlns:a16="http://schemas.microsoft.com/office/drawing/2014/main" id="{1EC70A17-71D7-4837-A6E2-DD76104A96BE}"/>
               </a:ext>
             </a:extLst>
           </p:cNvPr>
@@ -15975,7 +15975,7 @@
           <p:cNvPr id="307" name="Shape 248">
             <a:extLst>
               <a:ext uri="{FF2B5EF4-FFF2-40B4-BE49-F238E27FC236}">
-                <a16:creationId xmlns:a16="http://schemas.microsoft.com/office/drawing/2014/main" xmlns="" id="{3D4FFAB0-F1E2-47BA-8A15-E97093B366CB}"/>
+                <a16:creationId xmlns="" xmlns:a16="http://schemas.microsoft.com/office/drawing/2014/main" id="{3D4FFAB0-F1E2-47BA-8A15-E97093B366CB}"/>
               </a:ext>
             </a:extLst>
           </p:cNvPr>
@@ -16020,7 +16020,7 @@
           <p:cNvPr id="327" name="Прямоугольник 326">
             <a:extLst>
               <a:ext uri="{FF2B5EF4-FFF2-40B4-BE49-F238E27FC236}">
-                <a16:creationId xmlns:a16="http://schemas.microsoft.com/office/drawing/2014/main" xmlns="" id="{A2AB9ED9-5B3C-4386-B630-F3FB0647C62A}"/>
+                <a16:creationId xmlns="" xmlns:a16="http://schemas.microsoft.com/office/drawing/2014/main" id="{A2AB9ED9-5B3C-4386-B630-F3FB0647C62A}"/>
               </a:ext>
             </a:extLst>
           </p:cNvPr>
@@ -16069,7 +16069,7 @@
           <p:cNvPr id="330" name="Прямоугольник 329">
             <a:extLst>
               <a:ext uri="{FF2B5EF4-FFF2-40B4-BE49-F238E27FC236}">
-                <a16:creationId xmlns:a16="http://schemas.microsoft.com/office/drawing/2014/main" xmlns="" id="{8934B9E5-7DDC-45E3-B553-D88557E3717A}"/>
+                <a16:creationId xmlns="" xmlns:a16="http://schemas.microsoft.com/office/drawing/2014/main" id="{8934B9E5-7DDC-45E3-B553-D88557E3717A}"/>
               </a:ext>
             </a:extLst>
           </p:cNvPr>
@@ -16118,7 +16118,7 @@
           <p:cNvPr id="331" name="Прямоугольник 330">
             <a:extLst>
               <a:ext uri="{FF2B5EF4-FFF2-40B4-BE49-F238E27FC236}">
-                <a16:creationId xmlns:a16="http://schemas.microsoft.com/office/drawing/2014/main" xmlns="" id="{2A539DFE-7DE2-4F44-A176-FBF949A136E7}"/>
+                <a16:creationId xmlns="" xmlns:a16="http://schemas.microsoft.com/office/drawing/2014/main" id="{2A539DFE-7DE2-4F44-A176-FBF949A136E7}"/>
               </a:ext>
             </a:extLst>
           </p:cNvPr>
@@ -16167,7 +16167,7 @@
           <p:cNvPr id="333" name="Shape 248">
             <a:extLst>
               <a:ext uri="{FF2B5EF4-FFF2-40B4-BE49-F238E27FC236}">
-                <a16:creationId xmlns:a16="http://schemas.microsoft.com/office/drawing/2014/main" xmlns="" id="{B197B95A-64FD-40DB-8AEF-404BEC0A4FAF}"/>
+                <a16:creationId xmlns="" xmlns:a16="http://schemas.microsoft.com/office/drawing/2014/main" id="{B197B95A-64FD-40DB-8AEF-404BEC0A4FAF}"/>
               </a:ext>
             </a:extLst>
           </p:cNvPr>
@@ -16212,7 +16212,7 @@
           <p:cNvPr id="334" name="Shape 248">
             <a:extLst>
               <a:ext uri="{FF2B5EF4-FFF2-40B4-BE49-F238E27FC236}">
-                <a16:creationId xmlns:a16="http://schemas.microsoft.com/office/drawing/2014/main" xmlns="" id="{AEF02320-8584-4B14-9DA4-9E158D4E6BE1}"/>
+                <a16:creationId xmlns="" xmlns:a16="http://schemas.microsoft.com/office/drawing/2014/main" id="{AEF02320-8584-4B14-9DA4-9E158D4E6BE1}"/>
               </a:ext>
             </a:extLst>
           </p:cNvPr>
@@ -16257,7 +16257,7 @@
           <p:cNvPr id="336" name="Shape 248">
             <a:extLst>
               <a:ext uri="{FF2B5EF4-FFF2-40B4-BE49-F238E27FC236}">
-                <a16:creationId xmlns:a16="http://schemas.microsoft.com/office/drawing/2014/main" xmlns="" id="{FFE49214-3D1A-47C5-853C-A519DED7E626}"/>
+                <a16:creationId xmlns="" xmlns:a16="http://schemas.microsoft.com/office/drawing/2014/main" id="{FFE49214-3D1A-47C5-853C-A519DED7E626}"/>
               </a:ext>
             </a:extLst>
           </p:cNvPr>
@@ -16302,7 +16302,7 @@
           <p:cNvPr id="337" name="Прямоугольник 336">
             <a:extLst>
               <a:ext uri="{FF2B5EF4-FFF2-40B4-BE49-F238E27FC236}">
-                <a16:creationId xmlns:a16="http://schemas.microsoft.com/office/drawing/2014/main" xmlns="" id="{4810CE09-044F-4028-9963-17F645CF17E1}"/>
+                <a16:creationId xmlns="" xmlns:a16="http://schemas.microsoft.com/office/drawing/2014/main" id="{4810CE09-044F-4028-9963-17F645CF17E1}"/>
               </a:ext>
             </a:extLst>
           </p:cNvPr>
@@ -16351,7 +16351,7 @@
           <p:cNvPr id="339" name="Прямоугольник 338">
             <a:extLst>
               <a:ext uri="{FF2B5EF4-FFF2-40B4-BE49-F238E27FC236}">
-                <a16:creationId xmlns:a16="http://schemas.microsoft.com/office/drawing/2014/main" xmlns="" id="{DACD93FF-4987-4926-8F38-D945341E780F}"/>
+                <a16:creationId xmlns="" xmlns:a16="http://schemas.microsoft.com/office/drawing/2014/main" id="{DACD93FF-4987-4926-8F38-D945341E780F}"/>
               </a:ext>
             </a:extLst>
           </p:cNvPr>
@@ -16400,7 +16400,7 @@
           <p:cNvPr id="340" name="Shape 248">
             <a:extLst>
               <a:ext uri="{FF2B5EF4-FFF2-40B4-BE49-F238E27FC236}">
-                <a16:creationId xmlns:a16="http://schemas.microsoft.com/office/drawing/2014/main" xmlns="" id="{57ED5092-06C9-451A-9497-EE2BA068B736}"/>
+                <a16:creationId xmlns="" xmlns:a16="http://schemas.microsoft.com/office/drawing/2014/main" id="{57ED5092-06C9-451A-9497-EE2BA068B736}"/>
               </a:ext>
             </a:extLst>
           </p:cNvPr>
@@ -16445,7 +16445,7 @@
           <p:cNvPr id="342" name="Shape 248">
             <a:extLst>
               <a:ext uri="{FF2B5EF4-FFF2-40B4-BE49-F238E27FC236}">
-                <a16:creationId xmlns:a16="http://schemas.microsoft.com/office/drawing/2014/main" xmlns="" id="{89C02F00-0F9E-417D-B0F2-B3BC9ACDD8E7}"/>
+                <a16:creationId xmlns="" xmlns:a16="http://schemas.microsoft.com/office/drawing/2014/main" id="{89C02F00-0F9E-417D-B0F2-B3BC9ACDD8E7}"/>
               </a:ext>
             </a:extLst>
           </p:cNvPr>
@@ -16490,7 +16490,7 @@
           <p:cNvPr id="343" name="Прямоугольник 342">
             <a:extLst>
               <a:ext uri="{FF2B5EF4-FFF2-40B4-BE49-F238E27FC236}">
-                <a16:creationId xmlns:a16="http://schemas.microsoft.com/office/drawing/2014/main" xmlns="" id="{84AADFEF-C44F-4A0C-B548-AD6C27E9481A}"/>
+                <a16:creationId xmlns="" xmlns:a16="http://schemas.microsoft.com/office/drawing/2014/main" id="{84AADFEF-C44F-4A0C-B548-AD6C27E9481A}"/>
               </a:ext>
             </a:extLst>
           </p:cNvPr>
@@ -16545,7 +16545,7 @@
           <p:cNvPr id="345" name="Shape 248">
             <a:extLst>
               <a:ext uri="{FF2B5EF4-FFF2-40B4-BE49-F238E27FC236}">
-                <a16:creationId xmlns:a16="http://schemas.microsoft.com/office/drawing/2014/main" xmlns="" id="{ED164C79-E745-4E00-B162-C077CEB94B3D}"/>
+                <a16:creationId xmlns="" xmlns:a16="http://schemas.microsoft.com/office/drawing/2014/main" id="{ED164C79-E745-4E00-B162-C077CEB94B3D}"/>
               </a:ext>
             </a:extLst>
           </p:cNvPr>
@@ -16590,7 +16590,7 @@
           <p:cNvPr id="346" name="Shape 248">
             <a:extLst>
               <a:ext uri="{FF2B5EF4-FFF2-40B4-BE49-F238E27FC236}">
-                <a16:creationId xmlns:a16="http://schemas.microsoft.com/office/drawing/2014/main" xmlns="" id="{AB025B75-CA82-4738-9584-661FF1F9AFC7}"/>
+                <a16:creationId xmlns="" xmlns:a16="http://schemas.microsoft.com/office/drawing/2014/main" id="{AB025B75-CA82-4738-9584-661FF1F9AFC7}"/>
               </a:ext>
             </a:extLst>
           </p:cNvPr>
@@ -16635,7 +16635,7 @@
           <p:cNvPr id="348" name="Прямоугольник 347">
             <a:extLst>
               <a:ext uri="{FF2B5EF4-FFF2-40B4-BE49-F238E27FC236}">
-                <a16:creationId xmlns:a16="http://schemas.microsoft.com/office/drawing/2014/main" xmlns="" id="{D55A3798-78DE-4AEA-B65A-44853BA63CDC}"/>
+                <a16:creationId xmlns="" xmlns:a16="http://schemas.microsoft.com/office/drawing/2014/main" id="{D55A3798-78DE-4AEA-B65A-44853BA63CDC}"/>
               </a:ext>
             </a:extLst>
           </p:cNvPr>
@@ -16690,7 +16690,7 @@
           <p:cNvPr id="349" name="Shape 248">
             <a:extLst>
               <a:ext uri="{FF2B5EF4-FFF2-40B4-BE49-F238E27FC236}">
-                <a16:creationId xmlns:a16="http://schemas.microsoft.com/office/drawing/2014/main" xmlns="" id="{0D3B46AE-B282-44B8-8A12-4E5EECB02E66}"/>
+                <a16:creationId xmlns="" xmlns:a16="http://schemas.microsoft.com/office/drawing/2014/main" id="{0D3B46AE-B282-44B8-8A12-4E5EECB02E66}"/>
               </a:ext>
             </a:extLst>
           </p:cNvPr>
@@ -16735,7 +16735,7 @@
           <p:cNvPr id="291" name="Прямоугольник 290">
             <a:extLst>
               <a:ext uri="{FF2B5EF4-FFF2-40B4-BE49-F238E27FC236}">
-                <a16:creationId xmlns:a16="http://schemas.microsoft.com/office/drawing/2014/main" xmlns="" id="{BBE97868-F913-4A04-B315-FFBD7C869FB8}"/>
+                <a16:creationId xmlns="" xmlns:a16="http://schemas.microsoft.com/office/drawing/2014/main" id="{BBE97868-F913-4A04-B315-FFBD7C869FB8}"/>
               </a:ext>
             </a:extLst>
           </p:cNvPr>
@@ -16784,7 +16784,7 @@
           <p:cNvPr id="293" name="Прямоугольник 292">
             <a:extLst>
               <a:ext uri="{FF2B5EF4-FFF2-40B4-BE49-F238E27FC236}">
-                <a16:creationId xmlns:a16="http://schemas.microsoft.com/office/drawing/2014/main" xmlns="" id="{19E19291-2883-482A-9158-780CCDD02818}"/>
+                <a16:creationId xmlns="" xmlns:a16="http://schemas.microsoft.com/office/drawing/2014/main" id="{19E19291-2883-482A-9158-780CCDD02818}"/>
               </a:ext>
             </a:extLst>
           </p:cNvPr>
@@ -16836,7 +16836,7 @@
           <p:cNvPr id="356" name="Прямоугольник 355">
             <a:extLst>
               <a:ext uri="{FF2B5EF4-FFF2-40B4-BE49-F238E27FC236}">
-                <a16:creationId xmlns:a16="http://schemas.microsoft.com/office/drawing/2014/main" xmlns="" id="{F30D2F31-8C89-4480-AD61-A748CEF20503}"/>
+                <a16:creationId xmlns="" xmlns:a16="http://schemas.microsoft.com/office/drawing/2014/main" id="{F30D2F31-8C89-4480-AD61-A748CEF20503}"/>
               </a:ext>
             </a:extLst>
           </p:cNvPr>
@@ -16888,7 +16888,7 @@
           <p:cNvPr id="357" name="Прямоугольник 356">
             <a:extLst>
               <a:ext uri="{FF2B5EF4-FFF2-40B4-BE49-F238E27FC236}">
-                <a16:creationId xmlns:a16="http://schemas.microsoft.com/office/drawing/2014/main" xmlns="" id="{2FEA859D-10FB-4DAA-9DBD-D0DC7593E82F}"/>
+                <a16:creationId xmlns="" xmlns:a16="http://schemas.microsoft.com/office/drawing/2014/main" id="{2FEA859D-10FB-4DAA-9DBD-D0DC7593E82F}"/>
               </a:ext>
             </a:extLst>
           </p:cNvPr>
@@ -16940,7 +16940,7 @@
           <p:cNvPr id="360" name="Прямоугольник 359">
             <a:extLst>
               <a:ext uri="{FF2B5EF4-FFF2-40B4-BE49-F238E27FC236}">
-                <a16:creationId xmlns:a16="http://schemas.microsoft.com/office/drawing/2014/main" xmlns="" id="{1151439D-42B9-4DDC-B179-24BAE7966164}"/>
+                <a16:creationId xmlns="" xmlns:a16="http://schemas.microsoft.com/office/drawing/2014/main" id="{1151439D-42B9-4DDC-B179-24BAE7966164}"/>
               </a:ext>
             </a:extLst>
           </p:cNvPr>
@@ -16992,7 +16992,7 @@
           <p:cNvPr id="365" name="Shape 248">
             <a:extLst>
               <a:ext uri="{FF2B5EF4-FFF2-40B4-BE49-F238E27FC236}">
-                <a16:creationId xmlns:a16="http://schemas.microsoft.com/office/drawing/2014/main" xmlns="" id="{A31771CB-5275-4C25-86A3-AEC450D8ADA5}"/>
+                <a16:creationId xmlns="" xmlns:a16="http://schemas.microsoft.com/office/drawing/2014/main" id="{A31771CB-5275-4C25-86A3-AEC450D8ADA5}"/>
               </a:ext>
             </a:extLst>
           </p:cNvPr>
@@ -17037,7 +17037,7 @@
           <p:cNvPr id="366" name="Shape 248">
             <a:extLst>
               <a:ext uri="{FF2B5EF4-FFF2-40B4-BE49-F238E27FC236}">
-                <a16:creationId xmlns:a16="http://schemas.microsoft.com/office/drawing/2014/main" xmlns="" id="{0B92EA90-7AF8-459E-B3F8-E86651C88809}"/>
+                <a16:creationId xmlns="" xmlns:a16="http://schemas.microsoft.com/office/drawing/2014/main" id="{0B92EA90-7AF8-459E-B3F8-E86651C88809}"/>
               </a:ext>
             </a:extLst>
           </p:cNvPr>
@@ -17082,7 +17082,7 @@
           <p:cNvPr id="367" name="Shape 248">
             <a:extLst>
               <a:ext uri="{FF2B5EF4-FFF2-40B4-BE49-F238E27FC236}">
-                <a16:creationId xmlns:a16="http://schemas.microsoft.com/office/drawing/2014/main" xmlns="" id="{E0B58690-7BFB-4341-9B0B-D2CF51567296}"/>
+                <a16:creationId xmlns="" xmlns:a16="http://schemas.microsoft.com/office/drawing/2014/main" id="{E0B58690-7BFB-4341-9B0B-D2CF51567296}"/>
               </a:ext>
             </a:extLst>
           </p:cNvPr>
@@ -17128,7 +17128,7 @@
           <p:cNvPr id="368" name="Shape 248">
             <a:extLst>
               <a:ext uri="{FF2B5EF4-FFF2-40B4-BE49-F238E27FC236}">
-                <a16:creationId xmlns:a16="http://schemas.microsoft.com/office/drawing/2014/main" xmlns="" id="{A0D9E41C-B9B6-4B98-AA22-DCB7343A00A2}"/>
+                <a16:creationId xmlns="" xmlns:a16="http://schemas.microsoft.com/office/drawing/2014/main" id="{A0D9E41C-B9B6-4B98-AA22-DCB7343A00A2}"/>
               </a:ext>
             </a:extLst>
           </p:cNvPr>
@@ -17174,7 +17174,7 @@
           <p:cNvPr id="371" name="Прямоугольник 370">
             <a:extLst>
               <a:ext uri="{FF2B5EF4-FFF2-40B4-BE49-F238E27FC236}">
-                <a16:creationId xmlns:a16="http://schemas.microsoft.com/office/drawing/2014/main" xmlns="" id="{6589CDF3-EA74-4502-BEF2-691BB87A46C4}"/>
+                <a16:creationId xmlns="" xmlns:a16="http://schemas.microsoft.com/office/drawing/2014/main" id="{6589CDF3-EA74-4502-BEF2-691BB87A46C4}"/>
               </a:ext>
             </a:extLst>
           </p:cNvPr>
@@ -17231,7 +17231,7 @@
           <p:cNvPr id="373" name="Прямоугольник 372">
             <a:extLst>
               <a:ext uri="{FF2B5EF4-FFF2-40B4-BE49-F238E27FC236}">
-                <a16:creationId xmlns:a16="http://schemas.microsoft.com/office/drawing/2014/main" xmlns="" id="{2FC2B334-CF25-4EFB-958E-A3877D34A5B4}"/>
+                <a16:creationId xmlns="" xmlns:a16="http://schemas.microsoft.com/office/drawing/2014/main" id="{2FC2B334-CF25-4EFB-958E-A3877D34A5B4}"/>
               </a:ext>
             </a:extLst>
           </p:cNvPr>
@@ -17280,7 +17280,7 @@
           <p:cNvPr id="383" name="Прямоугольник 382">
             <a:extLst>
               <a:ext uri="{FF2B5EF4-FFF2-40B4-BE49-F238E27FC236}">
-                <a16:creationId xmlns:a16="http://schemas.microsoft.com/office/drawing/2014/main" xmlns="" id="{74E3C8C4-8719-4232-8983-702495896567}"/>
+                <a16:creationId xmlns="" xmlns:a16="http://schemas.microsoft.com/office/drawing/2014/main" id="{74E3C8C4-8719-4232-8983-702495896567}"/>
               </a:ext>
             </a:extLst>
           </p:cNvPr>
@@ -17329,7 +17329,7 @@
           <p:cNvPr id="384" name="Прямоугольник 383">
             <a:extLst>
               <a:ext uri="{FF2B5EF4-FFF2-40B4-BE49-F238E27FC236}">
-                <a16:creationId xmlns:a16="http://schemas.microsoft.com/office/drawing/2014/main" xmlns="" id="{34CBEC2C-B29B-4008-BB32-C0D97A96B6A4}"/>
+                <a16:creationId xmlns="" xmlns:a16="http://schemas.microsoft.com/office/drawing/2014/main" id="{34CBEC2C-B29B-4008-BB32-C0D97A96B6A4}"/>
               </a:ext>
             </a:extLst>
           </p:cNvPr>
@@ -17378,7 +17378,7 @@
           <p:cNvPr id="385" name="Прямоугольник 384">
             <a:extLst>
               <a:ext uri="{FF2B5EF4-FFF2-40B4-BE49-F238E27FC236}">
-                <a16:creationId xmlns:a16="http://schemas.microsoft.com/office/drawing/2014/main" xmlns="" id="{F6212F07-8BD3-444F-ADFF-B5C47CFD3244}"/>
+                <a16:creationId xmlns="" xmlns:a16="http://schemas.microsoft.com/office/drawing/2014/main" id="{F6212F07-8BD3-444F-ADFF-B5C47CFD3244}"/>
               </a:ext>
             </a:extLst>
           </p:cNvPr>
@@ -17427,7 +17427,7 @@
           <p:cNvPr id="387" name="Прямоугольник 386">
             <a:extLst>
               <a:ext uri="{FF2B5EF4-FFF2-40B4-BE49-F238E27FC236}">
-                <a16:creationId xmlns:a16="http://schemas.microsoft.com/office/drawing/2014/main" xmlns="" id="{98064EED-8B9F-4A13-90EE-26802E23532C}"/>
+                <a16:creationId xmlns="" xmlns:a16="http://schemas.microsoft.com/office/drawing/2014/main" id="{98064EED-8B9F-4A13-90EE-26802E23532C}"/>
               </a:ext>
             </a:extLst>
           </p:cNvPr>
@@ -17476,7 +17476,7 @@
           <p:cNvPr id="393" name="Прямоугольник 392">
             <a:extLst>
               <a:ext uri="{FF2B5EF4-FFF2-40B4-BE49-F238E27FC236}">
-                <a16:creationId xmlns:a16="http://schemas.microsoft.com/office/drawing/2014/main" xmlns="" id="{7D821894-30E4-4D16-B7A3-4288BF3A8DD5}"/>
+                <a16:creationId xmlns="" xmlns:a16="http://schemas.microsoft.com/office/drawing/2014/main" id="{7D821894-30E4-4D16-B7A3-4288BF3A8DD5}"/>
               </a:ext>
             </a:extLst>
           </p:cNvPr>
@@ -17525,7 +17525,7 @@
           <p:cNvPr id="394" name="Прямоугольник 393">
             <a:extLst>
               <a:ext uri="{FF2B5EF4-FFF2-40B4-BE49-F238E27FC236}">
-                <a16:creationId xmlns:a16="http://schemas.microsoft.com/office/drawing/2014/main" xmlns="" id="{85C37AE4-8F03-4A08-9707-A3ADEC64EC29}"/>
+                <a16:creationId xmlns="" xmlns:a16="http://schemas.microsoft.com/office/drawing/2014/main" id="{85C37AE4-8F03-4A08-9707-A3ADEC64EC29}"/>
               </a:ext>
             </a:extLst>
           </p:cNvPr>
@@ -17574,7 +17574,7 @@
           <p:cNvPr id="395" name="Прямая соединительная линия 394">
             <a:extLst>
               <a:ext uri="{FF2B5EF4-FFF2-40B4-BE49-F238E27FC236}">
-                <a16:creationId xmlns:a16="http://schemas.microsoft.com/office/drawing/2014/main" xmlns="" id="{EA678973-43FE-47C6-B2EF-08BFA8BDCB5C}"/>
+                <a16:creationId xmlns="" xmlns:a16="http://schemas.microsoft.com/office/drawing/2014/main" id="{EA678973-43FE-47C6-B2EF-08BFA8BDCB5C}"/>
               </a:ext>
             </a:extLst>
           </p:cNvPr>
@@ -17619,7 +17619,7 @@
           <p:cNvPr id="396" name="Прямая соединительная линия 395">
             <a:extLst>
               <a:ext uri="{FF2B5EF4-FFF2-40B4-BE49-F238E27FC236}">
-                <a16:creationId xmlns:a16="http://schemas.microsoft.com/office/drawing/2014/main" xmlns="" id="{E8A01847-02CC-4C2D-B6D4-08D7E256ABCB}"/>
+                <a16:creationId xmlns="" xmlns:a16="http://schemas.microsoft.com/office/drawing/2014/main" id="{E8A01847-02CC-4C2D-B6D4-08D7E256ABCB}"/>
               </a:ext>
             </a:extLst>
           </p:cNvPr>
@@ -17664,7 +17664,7 @@
           <p:cNvPr id="397" name="Прямая соединительная линия 396">
             <a:extLst>
               <a:ext uri="{FF2B5EF4-FFF2-40B4-BE49-F238E27FC236}">
-                <a16:creationId xmlns:a16="http://schemas.microsoft.com/office/drawing/2014/main" xmlns="" id="{1BE9E3DD-A17F-40ED-BBBC-532AEDB0BD61}"/>
+                <a16:creationId xmlns="" xmlns:a16="http://schemas.microsoft.com/office/drawing/2014/main" id="{1BE9E3DD-A17F-40ED-BBBC-532AEDB0BD61}"/>
               </a:ext>
             </a:extLst>
           </p:cNvPr>
@@ -17709,7 +17709,7 @@
           <p:cNvPr id="398" name="Shape 248">
             <a:extLst>
               <a:ext uri="{FF2B5EF4-FFF2-40B4-BE49-F238E27FC236}">
-                <a16:creationId xmlns:a16="http://schemas.microsoft.com/office/drawing/2014/main" xmlns="" id="{EC82461A-7A55-41A3-80AF-7A628CA5F8E5}"/>
+                <a16:creationId xmlns="" xmlns:a16="http://schemas.microsoft.com/office/drawing/2014/main" id="{EC82461A-7A55-41A3-80AF-7A628CA5F8E5}"/>
               </a:ext>
             </a:extLst>
           </p:cNvPr>
@@ -17754,7 +17754,7 @@
           <p:cNvPr id="399" name="Shape 248">
             <a:extLst>
               <a:ext uri="{FF2B5EF4-FFF2-40B4-BE49-F238E27FC236}">
-                <a16:creationId xmlns:a16="http://schemas.microsoft.com/office/drawing/2014/main" xmlns="" id="{04663475-868B-4441-B2AC-AFF94DAC204A}"/>
+                <a16:creationId xmlns="" xmlns:a16="http://schemas.microsoft.com/office/drawing/2014/main" id="{04663475-868B-4441-B2AC-AFF94DAC204A}"/>
               </a:ext>
             </a:extLst>
           </p:cNvPr>
@@ -17799,7 +17799,7 @@
           <p:cNvPr id="400" name="Прямоугольник 399">
             <a:extLst>
               <a:ext uri="{FF2B5EF4-FFF2-40B4-BE49-F238E27FC236}">
-                <a16:creationId xmlns:a16="http://schemas.microsoft.com/office/drawing/2014/main" xmlns="" id="{98CB1FCD-D016-4556-A623-C25C9F69458D}"/>
+                <a16:creationId xmlns="" xmlns:a16="http://schemas.microsoft.com/office/drawing/2014/main" id="{98CB1FCD-D016-4556-A623-C25C9F69458D}"/>
               </a:ext>
             </a:extLst>
           </p:cNvPr>
@@ -17848,7 +17848,7 @@
           <p:cNvPr id="403" name="Shape 248">
             <a:extLst>
               <a:ext uri="{FF2B5EF4-FFF2-40B4-BE49-F238E27FC236}">
-                <a16:creationId xmlns:a16="http://schemas.microsoft.com/office/drawing/2014/main" xmlns="" id="{B3D5614B-64AC-46FA-9641-F98A81F2C35D}"/>
+                <a16:creationId xmlns="" xmlns:a16="http://schemas.microsoft.com/office/drawing/2014/main" id="{B3D5614B-64AC-46FA-9641-F98A81F2C35D}"/>
               </a:ext>
             </a:extLst>
           </p:cNvPr>
@@ -17893,7 +17893,7 @@
           <p:cNvPr id="404" name="Shape 248">
             <a:extLst>
               <a:ext uri="{FF2B5EF4-FFF2-40B4-BE49-F238E27FC236}">
-                <a16:creationId xmlns:a16="http://schemas.microsoft.com/office/drawing/2014/main" xmlns="" id="{58E38658-E864-43E9-A148-A077C3FEA59C}"/>
+                <a16:creationId xmlns="" xmlns:a16="http://schemas.microsoft.com/office/drawing/2014/main" id="{58E38658-E864-43E9-A148-A077C3FEA59C}"/>
               </a:ext>
             </a:extLst>
           </p:cNvPr>
@@ -17938,7 +17938,7 @@
           <p:cNvPr id="406" name="Прямоугольник 405">
             <a:extLst>
               <a:ext uri="{FF2B5EF4-FFF2-40B4-BE49-F238E27FC236}">
-                <a16:creationId xmlns:a16="http://schemas.microsoft.com/office/drawing/2014/main" xmlns="" id="{11D53174-6F15-4B59-9C87-AEC60385AFE0}"/>
+                <a16:creationId xmlns="" xmlns:a16="http://schemas.microsoft.com/office/drawing/2014/main" id="{11D53174-6F15-4B59-9C87-AEC60385AFE0}"/>
               </a:ext>
             </a:extLst>
           </p:cNvPr>
@@ -17987,7 +17987,7 @@
           <p:cNvPr id="407" name="Прямоугольник 406">
             <a:extLst>
               <a:ext uri="{FF2B5EF4-FFF2-40B4-BE49-F238E27FC236}">
-                <a16:creationId xmlns:a16="http://schemas.microsoft.com/office/drawing/2014/main" xmlns="" id="{B2BDEA18-D950-4D2A-84E0-6AFC7BFECBD1}"/>
+                <a16:creationId xmlns="" xmlns:a16="http://schemas.microsoft.com/office/drawing/2014/main" id="{B2BDEA18-D950-4D2A-84E0-6AFC7BFECBD1}"/>
               </a:ext>
             </a:extLst>
           </p:cNvPr>
@@ -18036,7 +18036,7 @@
           <p:cNvPr id="408" name="Прямоугольник 407">
             <a:extLst>
               <a:ext uri="{FF2B5EF4-FFF2-40B4-BE49-F238E27FC236}">
-                <a16:creationId xmlns:a16="http://schemas.microsoft.com/office/drawing/2014/main" xmlns="" id="{B510A4A1-0CB1-4B30-877B-8169A826C48F}"/>
+                <a16:creationId xmlns="" xmlns:a16="http://schemas.microsoft.com/office/drawing/2014/main" id="{B510A4A1-0CB1-4B30-877B-8169A826C48F}"/>
               </a:ext>
             </a:extLst>
           </p:cNvPr>
@@ -18085,7 +18085,7 @@
           <p:cNvPr id="409" name="Прямоугольник 408">
             <a:extLst>
               <a:ext uri="{FF2B5EF4-FFF2-40B4-BE49-F238E27FC236}">
-                <a16:creationId xmlns:a16="http://schemas.microsoft.com/office/drawing/2014/main" xmlns="" id="{5B3B97FD-E9A5-466E-B336-C13C2EC33A2A}"/>
+                <a16:creationId xmlns="" xmlns:a16="http://schemas.microsoft.com/office/drawing/2014/main" id="{5B3B97FD-E9A5-466E-B336-C13C2EC33A2A}"/>
               </a:ext>
             </a:extLst>
           </p:cNvPr>
@@ -18134,7 +18134,7 @@
           <p:cNvPr id="410" name="Прямоугольник 409">
             <a:extLst>
               <a:ext uri="{FF2B5EF4-FFF2-40B4-BE49-F238E27FC236}">
-                <a16:creationId xmlns:a16="http://schemas.microsoft.com/office/drawing/2014/main" xmlns="" id="{A6251E2A-62E6-457D-B6AD-4AB5C5F67C14}"/>
+                <a16:creationId xmlns="" xmlns:a16="http://schemas.microsoft.com/office/drawing/2014/main" id="{A6251E2A-62E6-457D-B6AD-4AB5C5F67C14}"/>
               </a:ext>
             </a:extLst>
           </p:cNvPr>
@@ -18183,7 +18183,7 @@
           <p:cNvPr id="411" name="Прямоугольник 410">
             <a:extLst>
               <a:ext uri="{FF2B5EF4-FFF2-40B4-BE49-F238E27FC236}">
-                <a16:creationId xmlns:a16="http://schemas.microsoft.com/office/drawing/2014/main" xmlns="" id="{A810956C-8C81-46CD-82F1-2C73CD6A360D}"/>
+                <a16:creationId xmlns="" xmlns:a16="http://schemas.microsoft.com/office/drawing/2014/main" id="{A810956C-8C81-46CD-82F1-2C73CD6A360D}"/>
               </a:ext>
             </a:extLst>
           </p:cNvPr>
@@ -18232,7 +18232,7 @@
           <p:cNvPr id="412" name="Прямоугольник 411">
             <a:extLst>
               <a:ext uri="{FF2B5EF4-FFF2-40B4-BE49-F238E27FC236}">
-                <a16:creationId xmlns:a16="http://schemas.microsoft.com/office/drawing/2014/main" xmlns="" id="{E013B640-13C2-4561-A980-61EEF4C9936B}"/>
+                <a16:creationId xmlns="" xmlns:a16="http://schemas.microsoft.com/office/drawing/2014/main" id="{E013B640-13C2-4561-A980-61EEF4C9936B}"/>
               </a:ext>
             </a:extLst>
           </p:cNvPr>
@@ -18281,7 +18281,7 @@
           <p:cNvPr id="413" name="Прямоугольник 412">
             <a:extLst>
               <a:ext uri="{FF2B5EF4-FFF2-40B4-BE49-F238E27FC236}">
-                <a16:creationId xmlns:a16="http://schemas.microsoft.com/office/drawing/2014/main" xmlns="" id="{8BB552E8-5927-43C6-9CBE-BD94613D3A4F}"/>
+                <a16:creationId xmlns="" xmlns:a16="http://schemas.microsoft.com/office/drawing/2014/main" id="{8BB552E8-5927-43C6-9CBE-BD94613D3A4F}"/>
               </a:ext>
             </a:extLst>
           </p:cNvPr>
@@ -18330,7 +18330,7 @@
           <p:cNvPr id="414" name="Прямоугольник 413">
             <a:extLst>
               <a:ext uri="{FF2B5EF4-FFF2-40B4-BE49-F238E27FC236}">
-                <a16:creationId xmlns:a16="http://schemas.microsoft.com/office/drawing/2014/main" xmlns="" id="{3B68D7CC-ADC7-45FC-AAC2-C4834B00D8D4}"/>
+                <a16:creationId xmlns="" xmlns:a16="http://schemas.microsoft.com/office/drawing/2014/main" id="{3B68D7CC-ADC7-45FC-AAC2-C4834B00D8D4}"/>
               </a:ext>
             </a:extLst>
           </p:cNvPr>
@@ -18379,7 +18379,7 @@
           <p:cNvPr id="415" name="Прямоугольник 414">
             <a:extLst>
               <a:ext uri="{FF2B5EF4-FFF2-40B4-BE49-F238E27FC236}">
-                <a16:creationId xmlns:a16="http://schemas.microsoft.com/office/drawing/2014/main" xmlns="" id="{0208E2E7-22A1-4E23-AD59-E183A4AB30B4}"/>
+                <a16:creationId xmlns="" xmlns:a16="http://schemas.microsoft.com/office/drawing/2014/main" id="{0208E2E7-22A1-4E23-AD59-E183A4AB30B4}"/>
               </a:ext>
             </a:extLst>
           </p:cNvPr>
@@ -18428,7 +18428,7 @@
           <p:cNvPr id="416" name="Прямоугольник 415">
             <a:extLst>
               <a:ext uri="{FF2B5EF4-FFF2-40B4-BE49-F238E27FC236}">
-                <a16:creationId xmlns:a16="http://schemas.microsoft.com/office/drawing/2014/main" xmlns="" id="{5183ADFB-0CE9-4641-8F3A-B7B41140F3D9}"/>
+                <a16:creationId xmlns="" xmlns:a16="http://schemas.microsoft.com/office/drawing/2014/main" id="{5183ADFB-0CE9-4641-8F3A-B7B41140F3D9}"/>
               </a:ext>
             </a:extLst>
           </p:cNvPr>
@@ -18481,7 +18481,7 @@
           <p:cNvPr id="417" name="Прямоугольник 416">
             <a:extLst>
               <a:ext uri="{FF2B5EF4-FFF2-40B4-BE49-F238E27FC236}">
-                <a16:creationId xmlns:a16="http://schemas.microsoft.com/office/drawing/2014/main" xmlns="" id="{8DAA09BF-0621-4F87-82F3-0F2D1D560DB6}"/>
+                <a16:creationId xmlns="" xmlns:a16="http://schemas.microsoft.com/office/drawing/2014/main" id="{8DAA09BF-0621-4F87-82F3-0F2D1D560DB6}"/>
               </a:ext>
             </a:extLst>
           </p:cNvPr>
@@ -18530,7 +18530,7 @@
           <p:cNvPr id="418" name="Прямоугольник 417">
             <a:extLst>
               <a:ext uri="{FF2B5EF4-FFF2-40B4-BE49-F238E27FC236}">
-                <a16:creationId xmlns:a16="http://schemas.microsoft.com/office/drawing/2014/main" xmlns="" id="{CCF4112B-78CF-44C9-BFC8-E5AE5800A998}"/>
+                <a16:creationId xmlns="" xmlns:a16="http://schemas.microsoft.com/office/drawing/2014/main" id="{CCF4112B-78CF-44C9-BFC8-E5AE5800A998}"/>
               </a:ext>
             </a:extLst>
           </p:cNvPr>
@@ -18591,7 +18591,7 @@
           <p:cNvPr id="419" name="Прямоугольник 418">
             <a:extLst>
               <a:ext uri="{FF2B5EF4-FFF2-40B4-BE49-F238E27FC236}">
-                <a16:creationId xmlns:a16="http://schemas.microsoft.com/office/drawing/2014/main" xmlns="" id="{97EDE762-91A1-4BD2-B3B0-16CF467752B1}"/>
+                <a16:creationId xmlns="" xmlns:a16="http://schemas.microsoft.com/office/drawing/2014/main" id="{97EDE762-91A1-4BD2-B3B0-16CF467752B1}"/>
               </a:ext>
             </a:extLst>
           </p:cNvPr>
@@ -18640,7 +18640,7 @@
           <p:cNvPr id="420" name="Прямоугольник 419">
             <a:extLst>
               <a:ext uri="{FF2B5EF4-FFF2-40B4-BE49-F238E27FC236}">
-                <a16:creationId xmlns:a16="http://schemas.microsoft.com/office/drawing/2014/main" xmlns="" id="{026787F2-46EB-48E7-8A00-39DBCA329709}"/>
+                <a16:creationId xmlns="" xmlns:a16="http://schemas.microsoft.com/office/drawing/2014/main" id="{026787F2-46EB-48E7-8A00-39DBCA329709}"/>
               </a:ext>
             </a:extLst>
           </p:cNvPr>
@@ -18689,7 +18689,7 @@
           <p:cNvPr id="421" name="Прямоугольник 420">
             <a:extLst>
               <a:ext uri="{FF2B5EF4-FFF2-40B4-BE49-F238E27FC236}">
-                <a16:creationId xmlns:a16="http://schemas.microsoft.com/office/drawing/2014/main" xmlns="" id="{F99920BC-5BD7-4AA3-BB90-FD60CF3820C9}"/>
+                <a16:creationId xmlns="" xmlns:a16="http://schemas.microsoft.com/office/drawing/2014/main" id="{F99920BC-5BD7-4AA3-BB90-FD60CF3820C9}"/>
               </a:ext>
             </a:extLst>
           </p:cNvPr>
@@ -18738,7 +18738,7 @@
           <p:cNvPr id="422" name="Прямоугольник 421">
             <a:extLst>
               <a:ext uri="{FF2B5EF4-FFF2-40B4-BE49-F238E27FC236}">
-                <a16:creationId xmlns:a16="http://schemas.microsoft.com/office/drawing/2014/main" xmlns="" id="{C9A6598D-6EBA-41F5-A086-7422F7D1CBBC}"/>
+                <a16:creationId xmlns="" xmlns:a16="http://schemas.microsoft.com/office/drawing/2014/main" id="{C9A6598D-6EBA-41F5-A086-7422F7D1CBBC}"/>
               </a:ext>
             </a:extLst>
           </p:cNvPr>
@@ -18787,7 +18787,7 @@
           <p:cNvPr id="425" name="Shape 248">
             <a:extLst>
               <a:ext uri="{FF2B5EF4-FFF2-40B4-BE49-F238E27FC236}">
-                <a16:creationId xmlns:a16="http://schemas.microsoft.com/office/drawing/2014/main" xmlns="" id="{1C0E1EDA-6112-449B-8D45-E7C72731CCF7}"/>
+                <a16:creationId xmlns="" xmlns:a16="http://schemas.microsoft.com/office/drawing/2014/main" id="{1C0E1EDA-6112-449B-8D45-E7C72731CCF7}"/>
               </a:ext>
             </a:extLst>
           </p:cNvPr>
@@ -18832,7 +18832,7 @@
           <p:cNvPr id="428" name="Shape 248">
             <a:extLst>
               <a:ext uri="{FF2B5EF4-FFF2-40B4-BE49-F238E27FC236}">
-                <a16:creationId xmlns:a16="http://schemas.microsoft.com/office/drawing/2014/main" xmlns="" id="{A1569A00-87C6-4ACC-9C9F-5AE7DDFE889E}"/>
+                <a16:creationId xmlns="" xmlns:a16="http://schemas.microsoft.com/office/drawing/2014/main" id="{A1569A00-87C6-4ACC-9C9F-5AE7DDFE889E}"/>
               </a:ext>
             </a:extLst>
           </p:cNvPr>
@@ -18877,7 +18877,7 @@
           <p:cNvPr id="431" name="Shape 248">
             <a:extLst>
               <a:ext uri="{FF2B5EF4-FFF2-40B4-BE49-F238E27FC236}">
-                <a16:creationId xmlns:a16="http://schemas.microsoft.com/office/drawing/2014/main" xmlns="" id="{56649A38-32E3-4575-AD86-B79539030BD1}"/>
+                <a16:creationId xmlns="" xmlns:a16="http://schemas.microsoft.com/office/drawing/2014/main" id="{56649A38-32E3-4575-AD86-B79539030BD1}"/>
               </a:ext>
             </a:extLst>
           </p:cNvPr>
@@ -18922,7 +18922,7 @@
           <p:cNvPr id="434" name="Shape 248">
             <a:extLst>
               <a:ext uri="{FF2B5EF4-FFF2-40B4-BE49-F238E27FC236}">
-                <a16:creationId xmlns:a16="http://schemas.microsoft.com/office/drawing/2014/main" xmlns="" id="{4393AA00-4777-49B6-A614-A445AD9E48FA}"/>
+                <a16:creationId xmlns="" xmlns:a16="http://schemas.microsoft.com/office/drawing/2014/main" id="{4393AA00-4777-49B6-A614-A445AD9E48FA}"/>
               </a:ext>
             </a:extLst>
           </p:cNvPr>
@@ -18967,7 +18967,7 @@
           <p:cNvPr id="437" name="Shape 248">
             <a:extLst>
               <a:ext uri="{FF2B5EF4-FFF2-40B4-BE49-F238E27FC236}">
-                <a16:creationId xmlns:a16="http://schemas.microsoft.com/office/drawing/2014/main" xmlns="" id="{95CC49D0-1574-4AE3-9C68-91FF8A89FF0B}"/>
+                <a16:creationId xmlns="" xmlns:a16="http://schemas.microsoft.com/office/drawing/2014/main" id="{95CC49D0-1574-4AE3-9C68-91FF8A89FF0B}"/>
               </a:ext>
             </a:extLst>
           </p:cNvPr>
@@ -19012,7 +19012,7 @@
           <p:cNvPr id="440" name="Shape 248">
             <a:extLst>
               <a:ext uri="{FF2B5EF4-FFF2-40B4-BE49-F238E27FC236}">
-                <a16:creationId xmlns:a16="http://schemas.microsoft.com/office/drawing/2014/main" xmlns="" id="{CA5992D2-100E-4BF6-8084-8A327F4990F1}"/>
+                <a16:creationId xmlns="" xmlns:a16="http://schemas.microsoft.com/office/drawing/2014/main" id="{CA5992D2-100E-4BF6-8084-8A327F4990F1}"/>
               </a:ext>
             </a:extLst>
           </p:cNvPr>
@@ -19057,7 +19057,7 @@
           <p:cNvPr id="443" name="Shape 248">
             <a:extLst>
               <a:ext uri="{FF2B5EF4-FFF2-40B4-BE49-F238E27FC236}">
-                <a16:creationId xmlns:a16="http://schemas.microsoft.com/office/drawing/2014/main" xmlns="" id="{75DBBB45-4351-426F-9388-2BEF9986DFAD}"/>
+                <a16:creationId xmlns="" xmlns:a16="http://schemas.microsoft.com/office/drawing/2014/main" id="{75DBBB45-4351-426F-9388-2BEF9986DFAD}"/>
               </a:ext>
             </a:extLst>
           </p:cNvPr>
@@ -19102,7 +19102,7 @@
           <p:cNvPr id="448" name="Прямая со стрелкой 447">
             <a:extLst>
               <a:ext uri="{FF2B5EF4-FFF2-40B4-BE49-F238E27FC236}">
-                <a16:creationId xmlns:a16="http://schemas.microsoft.com/office/drawing/2014/main" xmlns="" id="{D054572B-74CE-49FB-B23F-137ACAB3AA29}"/>
+                <a16:creationId xmlns="" xmlns:a16="http://schemas.microsoft.com/office/drawing/2014/main" id="{D054572B-74CE-49FB-B23F-137ACAB3AA29}"/>
               </a:ext>
             </a:extLst>
           </p:cNvPr>
@@ -19145,7 +19145,7 @@
           <p:cNvPr id="451" name="Прямая со стрелкой 450">
             <a:extLst>
               <a:ext uri="{FF2B5EF4-FFF2-40B4-BE49-F238E27FC236}">
-                <a16:creationId xmlns:a16="http://schemas.microsoft.com/office/drawing/2014/main" xmlns="" id="{2C43F354-059D-4DB0-8721-719221C10B3F}"/>
+                <a16:creationId xmlns="" xmlns:a16="http://schemas.microsoft.com/office/drawing/2014/main" id="{2C43F354-059D-4DB0-8721-719221C10B3F}"/>
               </a:ext>
             </a:extLst>
           </p:cNvPr>
@@ -19188,7 +19188,7 @@
           <p:cNvPr id="454" name="Прямая со стрелкой 453">
             <a:extLst>
               <a:ext uri="{FF2B5EF4-FFF2-40B4-BE49-F238E27FC236}">
-                <a16:creationId xmlns:a16="http://schemas.microsoft.com/office/drawing/2014/main" xmlns="" id="{B6C01A1F-50D4-4C7F-90CA-A7766887112D}"/>
+                <a16:creationId xmlns="" xmlns:a16="http://schemas.microsoft.com/office/drawing/2014/main" id="{B6C01A1F-50D4-4C7F-90CA-A7766887112D}"/>
               </a:ext>
             </a:extLst>
           </p:cNvPr>
@@ -19231,7 +19231,7 @@
           <p:cNvPr id="457" name="Shape 248">
             <a:extLst>
               <a:ext uri="{FF2B5EF4-FFF2-40B4-BE49-F238E27FC236}">
-                <a16:creationId xmlns:a16="http://schemas.microsoft.com/office/drawing/2014/main" xmlns="" id="{585F9789-D5B6-4751-945B-516EC2C58F23}"/>
+                <a16:creationId xmlns="" xmlns:a16="http://schemas.microsoft.com/office/drawing/2014/main" id="{585F9789-D5B6-4751-945B-516EC2C58F23}"/>
               </a:ext>
             </a:extLst>
           </p:cNvPr>
@@ -19276,7 +19276,7 @@
           <p:cNvPr id="460" name="Прямая со стрелкой 459">
             <a:extLst>
               <a:ext uri="{FF2B5EF4-FFF2-40B4-BE49-F238E27FC236}">
-                <a16:creationId xmlns:a16="http://schemas.microsoft.com/office/drawing/2014/main" xmlns="" id="{08C12D7C-36D5-4E12-9188-111687479AB6}"/>
+                <a16:creationId xmlns="" xmlns:a16="http://schemas.microsoft.com/office/drawing/2014/main" id="{08C12D7C-36D5-4E12-9188-111687479AB6}"/>
               </a:ext>
             </a:extLst>
           </p:cNvPr>
@@ -19319,7 +19319,7 @@
           <p:cNvPr id="463" name="Прямая со стрелкой 462">
             <a:extLst>
               <a:ext uri="{FF2B5EF4-FFF2-40B4-BE49-F238E27FC236}">
-                <a16:creationId xmlns:a16="http://schemas.microsoft.com/office/drawing/2014/main" xmlns="" id="{BE6B48E0-57CB-4905-B3CF-5A9AF18FA3F4}"/>
+                <a16:creationId xmlns="" xmlns:a16="http://schemas.microsoft.com/office/drawing/2014/main" id="{BE6B48E0-57CB-4905-B3CF-5A9AF18FA3F4}"/>
               </a:ext>
             </a:extLst>
           </p:cNvPr>
@@ -19362,7 +19362,7 @@
           <p:cNvPr id="470" name="Shape 248">
             <a:extLst>
               <a:ext uri="{FF2B5EF4-FFF2-40B4-BE49-F238E27FC236}">
-                <a16:creationId xmlns:a16="http://schemas.microsoft.com/office/drawing/2014/main" xmlns="" id="{163D0B73-AD3F-45C1-9871-F265D332646A}"/>
+                <a16:creationId xmlns="" xmlns:a16="http://schemas.microsoft.com/office/drawing/2014/main" id="{163D0B73-AD3F-45C1-9871-F265D332646A}"/>
               </a:ext>
             </a:extLst>
           </p:cNvPr>
@@ -19407,7 +19407,7 @@
           <p:cNvPr id="474" name="Shape 248">
             <a:extLst>
               <a:ext uri="{FF2B5EF4-FFF2-40B4-BE49-F238E27FC236}">
-                <a16:creationId xmlns:a16="http://schemas.microsoft.com/office/drawing/2014/main" xmlns="" id="{38B97A0C-CF15-45DB-9FD6-EC725FD84812}"/>
+                <a16:creationId xmlns="" xmlns:a16="http://schemas.microsoft.com/office/drawing/2014/main" id="{38B97A0C-CF15-45DB-9FD6-EC725FD84812}"/>
               </a:ext>
             </a:extLst>
           </p:cNvPr>
@@ -19452,7 +19452,7 @@
           <p:cNvPr id="477" name="Shape 248">
             <a:extLst>
               <a:ext uri="{FF2B5EF4-FFF2-40B4-BE49-F238E27FC236}">
-                <a16:creationId xmlns:a16="http://schemas.microsoft.com/office/drawing/2014/main" xmlns="" id="{E43BDC75-E8C3-42B8-B225-CDFD4A24FC1F}"/>
+                <a16:creationId xmlns="" xmlns:a16="http://schemas.microsoft.com/office/drawing/2014/main" id="{E43BDC75-E8C3-42B8-B225-CDFD4A24FC1F}"/>
               </a:ext>
             </a:extLst>
           </p:cNvPr>
@@ -19497,7 +19497,7 @@
           <p:cNvPr id="480" name="Shape 248">
             <a:extLst>
               <a:ext uri="{FF2B5EF4-FFF2-40B4-BE49-F238E27FC236}">
-                <a16:creationId xmlns:a16="http://schemas.microsoft.com/office/drawing/2014/main" xmlns="" id="{87234C00-795E-4185-BB78-B4DFED59D8D5}"/>
+                <a16:creationId xmlns="" xmlns:a16="http://schemas.microsoft.com/office/drawing/2014/main" id="{87234C00-795E-4185-BB78-B4DFED59D8D5}"/>
               </a:ext>
             </a:extLst>
           </p:cNvPr>
@@ -19542,7 +19542,7 @@
           <p:cNvPr id="483" name="Shape 248">
             <a:extLst>
               <a:ext uri="{FF2B5EF4-FFF2-40B4-BE49-F238E27FC236}">
-                <a16:creationId xmlns:a16="http://schemas.microsoft.com/office/drawing/2014/main" xmlns="" id="{D4CCABE6-97D4-4105-93E9-32A70EB5ACB6}"/>
+                <a16:creationId xmlns="" xmlns:a16="http://schemas.microsoft.com/office/drawing/2014/main" id="{D4CCABE6-97D4-4105-93E9-32A70EB5ACB6}"/>
               </a:ext>
             </a:extLst>
           </p:cNvPr>
@@ -19587,7 +19587,7 @@
           <p:cNvPr id="488" name="Shape 248">
             <a:extLst>
               <a:ext uri="{FF2B5EF4-FFF2-40B4-BE49-F238E27FC236}">
-                <a16:creationId xmlns:a16="http://schemas.microsoft.com/office/drawing/2014/main" xmlns="" id="{04406A94-4D68-4E3B-A185-816972AAD50D}"/>
+                <a16:creationId xmlns="" xmlns:a16="http://schemas.microsoft.com/office/drawing/2014/main" id="{04406A94-4D68-4E3B-A185-816972AAD50D}"/>
               </a:ext>
             </a:extLst>
           </p:cNvPr>
@@ -19633,7 +19633,7 @@
           <p:cNvPr id="491" name="Shape 248">
             <a:extLst>
               <a:ext uri="{FF2B5EF4-FFF2-40B4-BE49-F238E27FC236}">
-                <a16:creationId xmlns:a16="http://schemas.microsoft.com/office/drawing/2014/main" xmlns="" id="{379DA79B-7B03-4CE3-B5C7-7E9C569C7BFF}"/>
+                <a16:creationId xmlns="" xmlns:a16="http://schemas.microsoft.com/office/drawing/2014/main" id="{379DA79B-7B03-4CE3-B5C7-7E9C569C7BFF}"/>
               </a:ext>
             </a:extLst>
           </p:cNvPr>
@@ -19679,7 +19679,7 @@
           <p:cNvPr id="494" name="Shape 248">
             <a:extLst>
               <a:ext uri="{FF2B5EF4-FFF2-40B4-BE49-F238E27FC236}">
-                <a16:creationId xmlns:a16="http://schemas.microsoft.com/office/drawing/2014/main" xmlns="" id="{D41A89F4-AADC-494A-A04C-F120E6B71608}"/>
+                <a16:creationId xmlns="" xmlns:a16="http://schemas.microsoft.com/office/drawing/2014/main" id="{D41A89F4-AADC-494A-A04C-F120E6B71608}"/>
               </a:ext>
             </a:extLst>
           </p:cNvPr>
@@ -19725,7 +19725,7 @@
           <p:cNvPr id="497" name="Shape 248">
             <a:extLst>
               <a:ext uri="{FF2B5EF4-FFF2-40B4-BE49-F238E27FC236}">
-                <a16:creationId xmlns:a16="http://schemas.microsoft.com/office/drawing/2014/main" xmlns="" id="{3687ACE2-F7C0-4ECB-9022-B8221549BF70}"/>
+                <a16:creationId xmlns="" xmlns:a16="http://schemas.microsoft.com/office/drawing/2014/main" id="{3687ACE2-F7C0-4ECB-9022-B8221549BF70}"/>
               </a:ext>
             </a:extLst>
           </p:cNvPr>
@@ -19771,7 +19771,7 @@
           <p:cNvPr id="500" name="Shape 248">
             <a:extLst>
               <a:ext uri="{FF2B5EF4-FFF2-40B4-BE49-F238E27FC236}">
-                <a16:creationId xmlns:a16="http://schemas.microsoft.com/office/drawing/2014/main" xmlns="" id="{592B8110-494B-4B66-B594-90A5E025E9F1}"/>
+                <a16:creationId xmlns="" xmlns:a16="http://schemas.microsoft.com/office/drawing/2014/main" id="{592B8110-494B-4B66-B594-90A5E025E9F1}"/>
               </a:ext>
             </a:extLst>
           </p:cNvPr>
@@ -19816,7 +19816,7 @@
           <p:cNvPr id="505" name="Shape 248">
             <a:extLst>
               <a:ext uri="{FF2B5EF4-FFF2-40B4-BE49-F238E27FC236}">
-                <a16:creationId xmlns:a16="http://schemas.microsoft.com/office/drawing/2014/main" xmlns="" id="{5A4B961B-3733-4129-BC73-3B4C2244B2D4}"/>
+                <a16:creationId xmlns="" xmlns:a16="http://schemas.microsoft.com/office/drawing/2014/main" id="{5A4B961B-3733-4129-BC73-3B4C2244B2D4}"/>
               </a:ext>
             </a:extLst>
           </p:cNvPr>
@@ -19861,7 +19861,7 @@
           <p:cNvPr id="509" name="Shape 248">
             <a:extLst>
               <a:ext uri="{FF2B5EF4-FFF2-40B4-BE49-F238E27FC236}">
-                <a16:creationId xmlns:a16="http://schemas.microsoft.com/office/drawing/2014/main" xmlns="" id="{0E49FC30-7F95-414C-BCF1-C89612144E07}"/>
+                <a16:creationId xmlns="" xmlns:a16="http://schemas.microsoft.com/office/drawing/2014/main" id="{0E49FC30-7F95-414C-BCF1-C89612144E07}"/>
               </a:ext>
             </a:extLst>
           </p:cNvPr>
@@ -19906,7 +19906,7 @@
           <p:cNvPr id="576" name="Прямая со стрелкой 575">
             <a:extLst>
               <a:ext uri="{FF2B5EF4-FFF2-40B4-BE49-F238E27FC236}">
-                <a16:creationId xmlns:a16="http://schemas.microsoft.com/office/drawing/2014/main" xmlns="" id="{9786A1C4-F115-4707-BEB8-7BD45F18AFA1}"/>
+                <a16:creationId xmlns="" xmlns:a16="http://schemas.microsoft.com/office/drawing/2014/main" id="{9786A1C4-F115-4707-BEB8-7BD45F18AFA1}"/>
               </a:ext>
             </a:extLst>
           </p:cNvPr>
@@ -19949,7 +19949,7 @@
           <p:cNvPr id="578" name="Shape 248">
             <a:extLst>
               <a:ext uri="{FF2B5EF4-FFF2-40B4-BE49-F238E27FC236}">
-                <a16:creationId xmlns:a16="http://schemas.microsoft.com/office/drawing/2014/main" xmlns="" id="{79E19F73-D641-4C7A-AA27-959AAEAD578F}"/>
+                <a16:creationId xmlns="" xmlns:a16="http://schemas.microsoft.com/office/drawing/2014/main" id="{79E19F73-D641-4C7A-AA27-959AAEAD578F}"/>
               </a:ext>
             </a:extLst>
           </p:cNvPr>
@@ -19994,7 +19994,7 @@
           <p:cNvPr id="597" name="Прямая со стрелкой 596">
             <a:extLst>
               <a:ext uri="{FF2B5EF4-FFF2-40B4-BE49-F238E27FC236}">
-                <a16:creationId xmlns:a16="http://schemas.microsoft.com/office/drawing/2014/main" xmlns="" id="{EFF7721C-2831-4027-8613-EB301D241B42}"/>
+                <a16:creationId xmlns="" xmlns:a16="http://schemas.microsoft.com/office/drawing/2014/main" id="{EFF7721C-2831-4027-8613-EB301D241B42}"/>
               </a:ext>
             </a:extLst>
           </p:cNvPr>
@@ -20037,7 +20037,7 @@
           <p:cNvPr id="377" name="Shape 248">
             <a:extLst>
               <a:ext uri="{FF2B5EF4-FFF2-40B4-BE49-F238E27FC236}">
-                <a16:creationId xmlns:a16="http://schemas.microsoft.com/office/drawing/2014/main" xmlns="" id="{1BDFD058-3088-4A39-B00D-0D88C5B4D41E}"/>
+                <a16:creationId xmlns="" xmlns:a16="http://schemas.microsoft.com/office/drawing/2014/main" id="{1BDFD058-3088-4A39-B00D-0D88C5B4D41E}"/>
               </a:ext>
             </a:extLst>
           </p:cNvPr>
@@ -20082,7 +20082,7 @@
           <p:cNvPr id="362" name="Прямоугольник 361">
             <a:extLst>
               <a:ext uri="{FF2B5EF4-FFF2-40B4-BE49-F238E27FC236}">
-                <a16:creationId xmlns:a16="http://schemas.microsoft.com/office/drawing/2014/main" xmlns="" id="{33D724F3-BCB9-4419-ABB7-752519A753B4}"/>
+                <a16:creationId xmlns="" xmlns:a16="http://schemas.microsoft.com/office/drawing/2014/main" id="{33D724F3-BCB9-4419-ABB7-752519A753B4}"/>
               </a:ext>
             </a:extLst>
           </p:cNvPr>
@@ -20138,7 +20138,7 @@
           <p:cNvPr id="364" name="Shape 248">
             <a:extLst>
               <a:ext uri="{FF2B5EF4-FFF2-40B4-BE49-F238E27FC236}">
-                <a16:creationId xmlns:a16="http://schemas.microsoft.com/office/drawing/2014/main" xmlns="" id="{9B715593-1715-4A42-91C3-88FE3A615CA3}"/>
+                <a16:creationId xmlns="" xmlns:a16="http://schemas.microsoft.com/office/drawing/2014/main" id="{9B715593-1715-4A42-91C3-88FE3A615CA3}"/>
               </a:ext>
             </a:extLst>
           </p:cNvPr>
@@ -20184,7 +20184,7 @@
           <p:cNvPr id="374" name="Shape 248">
             <a:extLst>
               <a:ext uri="{FF2B5EF4-FFF2-40B4-BE49-F238E27FC236}">
-                <a16:creationId xmlns:a16="http://schemas.microsoft.com/office/drawing/2014/main" xmlns="" id="{66F0B54A-C8E7-4525-B599-B86C61BA3285}"/>
+                <a16:creationId xmlns="" xmlns:a16="http://schemas.microsoft.com/office/drawing/2014/main" id="{66F0B54A-C8E7-4525-B599-B86C61BA3285}"/>
               </a:ext>
             </a:extLst>
           </p:cNvPr>
@@ -20259,7 +20259,7 @@
           <p:cNvPr id="4" name="Прямоугольник 3">
             <a:extLst>
               <a:ext uri="{FF2B5EF4-FFF2-40B4-BE49-F238E27FC236}">
-                <a16:creationId xmlns:a16="http://schemas.microsoft.com/office/drawing/2014/main" xmlns="" id="{1F9C0D72-2B8C-422F-AA1B-75E2613CE527}"/>
+                <a16:creationId xmlns="" xmlns:a16="http://schemas.microsoft.com/office/drawing/2014/main" id="{1F9C0D72-2B8C-422F-AA1B-75E2613CE527}"/>
               </a:ext>
             </a:extLst>
           </p:cNvPr>
@@ -20300,37 +20300,53 @@
             <a:pPr algn="ctr"/>
             <a:r>
               <a:rPr lang="ru-RU" sz="1400" dirty="0"/>
-              <a:t>Нацистская диктатура (</a:t>
-            </a:r>
-            <a:r>
-              <a:rPr lang="ru-RU" sz="1400" dirty="0" err="1"/>
+              <a:t>Нацистская диктатура </a:t>
+            </a:r>
+            <a:r>
+              <a:rPr lang="ru-RU" sz="1200" dirty="0"/>
+              <a:t>(</a:t>
+            </a:r>
+            <a:r>
+              <a:rPr lang="ru-RU" sz="1200" dirty="0" err="1"/>
               <a:t>кирино</a:t>
             </a:r>
             <a:r>
-              <a:rPr lang="en-US" sz="1400" dirty="0"/>
+              <a:rPr lang="en-US" sz="1200" dirty="0"/>
               <a:t>: </a:t>
             </a:r>
             <a:r>
-              <a:rPr lang="ru-RU" sz="1400" dirty="0"/>
+              <a:rPr lang="ru-RU" sz="1200" dirty="0"/>
               <a:t>НД на 100 дней, </a:t>
             </a:r>
             <a:r>
-              <a:rPr lang="ru-RU" sz="1400" dirty="0" err="1"/>
+              <a:rPr lang="ru-RU" sz="1200" dirty="0" err="1"/>
               <a:t>политка</a:t>
             </a:r>
             <a:r>
-              <a:rPr lang="ru-RU" sz="1400" dirty="0"/>
+              <a:rPr lang="ru-RU" sz="1200" dirty="0"/>
               <a:t> +1, автономия +2, </a:t>
             </a:r>
             <a:r>
-              <a:rPr lang="ru-RU" sz="1400" dirty="0" err="1"/>
+              <a:rPr lang="ru-RU" sz="1200" dirty="0" err="1"/>
               <a:t>фазим</a:t>
             </a:r>
             <a:r>
-              <a:rPr lang="ru-RU" sz="1400" dirty="0"/>
-              <a:t> +0,1)</a:t>
-            </a:r>
-            <a:endParaRPr lang="ru-RU" sz="800" dirty="0"/>
+              <a:rPr lang="ru-RU" sz="1200" dirty="0"/>
+              <a:t> +</a:t>
+            </a:r>
+            <a:r>
+              <a:rPr lang="ru-RU" sz="1200" dirty="0" smtClean="0"/>
+              <a:t>0,1, </a:t>
+            </a:r>
+            <a:r>
+              <a:rPr lang="ru-RU" sz="1200" dirty="0" err="1" smtClean="0"/>
+              <a:t>Африканерская</a:t>
+            </a:r>
+            <a:r>
+              <a:rPr lang="ru-RU" sz="1200" dirty="0" smtClean="0"/>
+              <a:t> республика)</a:t>
+            </a:r>
+            <a:endParaRPr lang="ru-RU" sz="700" dirty="0"/>
           </a:p>
         </p:txBody>
       </p:sp>
@@ -20339,7 +20355,7 @@
           <p:cNvPr id="5" name="Прямоугольник 4">
             <a:extLst>
               <a:ext uri="{FF2B5EF4-FFF2-40B4-BE49-F238E27FC236}">
-                <a16:creationId xmlns:a16="http://schemas.microsoft.com/office/drawing/2014/main" xmlns="" id="{1EEB06B4-DE13-4E69-B6E7-D0359E824360}"/>
+                <a16:creationId xmlns="" xmlns:a16="http://schemas.microsoft.com/office/drawing/2014/main" id="{1EEB06B4-DE13-4E69-B6E7-D0359E824360}"/>
               </a:ext>
             </a:extLst>
           </p:cNvPr>
@@ -20435,7 +20451,7 @@
           <p:cNvPr id="6" name="Shape 248">
             <a:extLst>
               <a:ext uri="{FF2B5EF4-FFF2-40B4-BE49-F238E27FC236}">
-                <a16:creationId xmlns:a16="http://schemas.microsoft.com/office/drawing/2014/main" xmlns="" id="{B234CA33-0C27-440C-A25F-97E99F3EBEA0}"/>
+                <a16:creationId xmlns="" xmlns:a16="http://schemas.microsoft.com/office/drawing/2014/main" id="{B234CA33-0C27-440C-A25F-97E99F3EBEA0}"/>
               </a:ext>
             </a:extLst>
           </p:cNvPr>
@@ -20479,7 +20495,7 @@
           <p:cNvPr id="7" name="Shape 248">
             <a:extLst>
               <a:ext uri="{FF2B5EF4-FFF2-40B4-BE49-F238E27FC236}">
-                <a16:creationId xmlns:a16="http://schemas.microsoft.com/office/drawing/2014/main" xmlns="" id="{9C43B1C8-42BA-4945-AF2A-77ECD434BF3F}"/>
+                <a16:creationId xmlns="" xmlns:a16="http://schemas.microsoft.com/office/drawing/2014/main" id="{9C43B1C8-42BA-4945-AF2A-77ECD434BF3F}"/>
               </a:ext>
             </a:extLst>
           </p:cNvPr>
@@ -20522,7 +20538,7 @@
           <p:cNvPr id="8" name="Прямая со стрелкой 7">
             <a:extLst>
               <a:ext uri="{FF2B5EF4-FFF2-40B4-BE49-F238E27FC236}">
-                <a16:creationId xmlns:a16="http://schemas.microsoft.com/office/drawing/2014/main" xmlns="" id="{A5B1A6DF-B58D-4E00-8DA0-A96D9F0E3C53}"/>
+                <a16:creationId xmlns="" xmlns:a16="http://schemas.microsoft.com/office/drawing/2014/main" id="{A5B1A6DF-B58D-4E00-8DA0-A96D9F0E3C53}"/>
               </a:ext>
             </a:extLst>
           </p:cNvPr>
@@ -20563,7 +20579,7 @@
           <p:cNvPr id="9" name="Прямая соединительная линия 8">
             <a:extLst>
               <a:ext uri="{FF2B5EF4-FFF2-40B4-BE49-F238E27FC236}">
-                <a16:creationId xmlns:a16="http://schemas.microsoft.com/office/drawing/2014/main" xmlns="" id="{021126FA-D9A9-479C-94E2-9B1AF5E5451A}"/>
+                <a16:creationId xmlns="" xmlns:a16="http://schemas.microsoft.com/office/drawing/2014/main" id="{021126FA-D9A9-479C-94E2-9B1AF5E5451A}"/>
               </a:ext>
             </a:extLst>
           </p:cNvPr>
@@ -20608,7 +20624,7 @@
           <p:cNvPr id="10" name="Прямоугольник 9">
             <a:extLst>
               <a:ext uri="{FF2B5EF4-FFF2-40B4-BE49-F238E27FC236}">
-                <a16:creationId xmlns:a16="http://schemas.microsoft.com/office/drawing/2014/main" xmlns="" id="{66B19C8F-C1CF-449B-9FD8-33ABF2ABBEF2}"/>
+                <a16:creationId xmlns="" xmlns:a16="http://schemas.microsoft.com/office/drawing/2014/main" id="{66B19C8F-C1CF-449B-9FD8-33ABF2ABBEF2}"/>
               </a:ext>
             </a:extLst>
           </p:cNvPr>
@@ -20672,7 +20688,7 @@
           <p:cNvPr id="11" name="Прямоугольник 10">
             <a:extLst>
               <a:ext uri="{FF2B5EF4-FFF2-40B4-BE49-F238E27FC236}">
-                <a16:creationId xmlns:a16="http://schemas.microsoft.com/office/drawing/2014/main" xmlns="" id="{79058CB1-7ABF-43FB-AD92-0741BD72F940}"/>
+                <a16:creationId xmlns="" xmlns:a16="http://schemas.microsoft.com/office/drawing/2014/main" id="{79058CB1-7ABF-43FB-AD92-0741BD72F940}"/>
               </a:ext>
             </a:extLst>
           </p:cNvPr>
@@ -20736,7 +20752,7 @@
           <p:cNvPr id="12" name="Прямоугольник 11">
             <a:extLst>
               <a:ext uri="{FF2B5EF4-FFF2-40B4-BE49-F238E27FC236}">
-                <a16:creationId xmlns:a16="http://schemas.microsoft.com/office/drawing/2014/main" xmlns="" id="{98BC2A06-2E3C-4DF7-B51A-82E3CD9D83BE}"/>
+                <a16:creationId xmlns="" xmlns:a16="http://schemas.microsoft.com/office/drawing/2014/main" id="{98BC2A06-2E3C-4DF7-B51A-82E3CD9D83BE}"/>
               </a:ext>
             </a:extLst>
           </p:cNvPr>
@@ -20796,7 +20812,7 @@
           <p:cNvPr id="13" name="Прямоугольник 12">
             <a:extLst>
               <a:ext uri="{FF2B5EF4-FFF2-40B4-BE49-F238E27FC236}">
-                <a16:creationId xmlns:a16="http://schemas.microsoft.com/office/drawing/2014/main" xmlns="" id="{79F30FFD-254C-4994-BCCF-7802FA86095A}"/>
+                <a16:creationId xmlns="" xmlns:a16="http://schemas.microsoft.com/office/drawing/2014/main" id="{79F30FFD-254C-4994-BCCF-7802FA86095A}"/>
               </a:ext>
             </a:extLst>
           </p:cNvPr>
@@ -20860,7 +20876,7 @@
           <p:cNvPr id="16" name="Прямоугольник 15">
             <a:extLst>
               <a:ext uri="{FF2B5EF4-FFF2-40B4-BE49-F238E27FC236}">
-                <a16:creationId xmlns:a16="http://schemas.microsoft.com/office/drawing/2014/main" xmlns="" id="{15A5BF7B-9859-4D99-B8AC-4D91B0C96D00}"/>
+                <a16:creationId xmlns="" xmlns:a16="http://schemas.microsoft.com/office/drawing/2014/main" id="{15A5BF7B-9859-4D99-B8AC-4D91B0C96D00}"/>
               </a:ext>
             </a:extLst>
           </p:cNvPr>
@@ -20924,7 +20940,7 @@
           <p:cNvPr id="17" name="Прямоугольник 16">
             <a:extLst>
               <a:ext uri="{FF2B5EF4-FFF2-40B4-BE49-F238E27FC236}">
-                <a16:creationId xmlns:a16="http://schemas.microsoft.com/office/drawing/2014/main" xmlns="" id="{6F904001-736C-4D47-AD3B-976AAF18B4B5}"/>
+                <a16:creationId xmlns="" xmlns:a16="http://schemas.microsoft.com/office/drawing/2014/main" id="{6F904001-736C-4D47-AD3B-976AAF18B4B5}"/>
               </a:ext>
             </a:extLst>
           </p:cNvPr>
@@ -21000,7 +21016,7 @@
           <p:cNvPr id="23" name="Прямоугольник 22">
             <a:extLst>
               <a:ext uri="{FF2B5EF4-FFF2-40B4-BE49-F238E27FC236}">
-                <a16:creationId xmlns:a16="http://schemas.microsoft.com/office/drawing/2014/main" xmlns="" id="{460B3274-71A8-4E02-BF84-C018D966FCE8}"/>
+                <a16:creationId xmlns="" xmlns:a16="http://schemas.microsoft.com/office/drawing/2014/main" id="{460B3274-71A8-4E02-BF84-C018D966FCE8}"/>
               </a:ext>
             </a:extLst>
           </p:cNvPr>
@@ -21064,7 +21080,7 @@
           <p:cNvPr id="24" name="Прямоугольник 23">
             <a:extLst>
               <a:ext uri="{FF2B5EF4-FFF2-40B4-BE49-F238E27FC236}">
-                <a16:creationId xmlns:a16="http://schemas.microsoft.com/office/drawing/2014/main" xmlns="" id="{8B932D75-8E0B-42AE-9709-A099564F76B0}"/>
+                <a16:creationId xmlns="" xmlns:a16="http://schemas.microsoft.com/office/drawing/2014/main" id="{8B932D75-8E0B-42AE-9709-A099564F76B0}"/>
               </a:ext>
             </a:extLst>
           </p:cNvPr>
@@ -21132,7 +21148,7 @@
           <p:cNvPr id="25" name="Прямоугольник 24">
             <a:extLst>
               <a:ext uri="{FF2B5EF4-FFF2-40B4-BE49-F238E27FC236}">
-                <a16:creationId xmlns:a16="http://schemas.microsoft.com/office/drawing/2014/main" xmlns="" id="{75AC6935-7994-4025-972C-A9B606F1C600}"/>
+                <a16:creationId xmlns="" xmlns:a16="http://schemas.microsoft.com/office/drawing/2014/main" id="{75AC6935-7994-4025-972C-A9B606F1C600}"/>
               </a:ext>
             </a:extLst>
           </p:cNvPr>
@@ -21244,7 +21260,7 @@
           <p:cNvPr id="26" name="Прямоугольник 25">
             <a:extLst>
               <a:ext uri="{FF2B5EF4-FFF2-40B4-BE49-F238E27FC236}">
-                <a16:creationId xmlns:a16="http://schemas.microsoft.com/office/drawing/2014/main" xmlns="" id="{CD50A99F-E1B4-48A5-97DB-ADFEE84EBF5C}"/>
+                <a16:creationId xmlns="" xmlns:a16="http://schemas.microsoft.com/office/drawing/2014/main" id="{CD50A99F-E1B4-48A5-97DB-ADFEE84EBF5C}"/>
               </a:ext>
             </a:extLst>
           </p:cNvPr>
@@ -21308,7 +21324,7 @@
           <p:cNvPr id="27" name="Прямоугольник 26">
             <a:extLst>
               <a:ext uri="{FF2B5EF4-FFF2-40B4-BE49-F238E27FC236}">
-                <a16:creationId xmlns:a16="http://schemas.microsoft.com/office/drawing/2014/main" xmlns="" id="{17F70722-D13D-41F3-BE3E-56DF8747031F}"/>
+                <a16:creationId xmlns="" xmlns:a16="http://schemas.microsoft.com/office/drawing/2014/main" id="{17F70722-D13D-41F3-BE3E-56DF8747031F}"/>
               </a:ext>
             </a:extLst>
           </p:cNvPr>
@@ -21363,7 +21379,7 @@
           <p:cNvPr id="28" name="Прямоугольник 27">
             <a:extLst>
               <a:ext uri="{FF2B5EF4-FFF2-40B4-BE49-F238E27FC236}">
-                <a16:creationId xmlns:a16="http://schemas.microsoft.com/office/drawing/2014/main" xmlns="" id="{E5389385-69EE-48FB-A1DC-B9F4755FB094}"/>
+                <a16:creationId xmlns="" xmlns:a16="http://schemas.microsoft.com/office/drawing/2014/main" id="{E5389385-69EE-48FB-A1DC-B9F4755FB094}"/>
               </a:ext>
             </a:extLst>
           </p:cNvPr>
@@ -21427,7 +21443,7 @@
           <p:cNvPr id="29" name="Прямоугольник 28">
             <a:extLst>
               <a:ext uri="{FF2B5EF4-FFF2-40B4-BE49-F238E27FC236}">
-                <a16:creationId xmlns:a16="http://schemas.microsoft.com/office/drawing/2014/main" xmlns="" id="{ADC16910-B304-4E84-891B-163B651F2E74}"/>
+                <a16:creationId xmlns="" xmlns:a16="http://schemas.microsoft.com/office/drawing/2014/main" id="{ADC16910-B304-4E84-891B-163B651F2E74}"/>
               </a:ext>
             </a:extLst>
           </p:cNvPr>
@@ -21515,7 +21531,7 @@
           <p:cNvPr id="30" name="Прямоугольник 29">
             <a:extLst>
               <a:ext uri="{FF2B5EF4-FFF2-40B4-BE49-F238E27FC236}">
-                <a16:creationId xmlns:a16="http://schemas.microsoft.com/office/drawing/2014/main" xmlns="" id="{8451F12F-5CAE-4431-8EB7-1F746686EB80}"/>
+                <a16:creationId xmlns="" xmlns:a16="http://schemas.microsoft.com/office/drawing/2014/main" id="{8451F12F-5CAE-4431-8EB7-1F746686EB80}"/>
               </a:ext>
             </a:extLst>
           </p:cNvPr>
@@ -21587,7 +21603,7 @@
           <p:cNvPr id="22" name="Прямоугольник 21">
             <a:extLst>
               <a:ext uri="{FF2B5EF4-FFF2-40B4-BE49-F238E27FC236}">
-                <a16:creationId xmlns:a16="http://schemas.microsoft.com/office/drawing/2014/main" xmlns="" id="{98BC2A06-2E3C-4DF7-B51A-82E3CD9D83BE}"/>
+                <a16:creationId xmlns="" xmlns:a16="http://schemas.microsoft.com/office/drawing/2014/main" id="{98BC2A06-2E3C-4DF7-B51A-82E3CD9D83BE}"/>
               </a:ext>
             </a:extLst>
           </p:cNvPr>
@@ -21596,7 +21612,7 @@
         </p:nvSpPr>
         <p:spPr>
           <a:xfrm>
-            <a:off x="10228983" y="5385670"/>
+            <a:off x="7514793" y="5300610"/>
             <a:ext cx="2115918" cy="1080000"/>
           </a:xfrm>
           <a:prstGeom prst="rect">
@@ -21627,15 +21643,243 @@
           <a:p>
             <a:pPr algn="ctr"/>
             <a:r>
+              <a:rPr lang="ru-RU" sz="1400" dirty="0" err="1" smtClean="0"/>
+              <a:t>Антикапитализм</a:t>
+            </a:r>
+            <a:endParaRPr lang="ru-RU" sz="800" dirty="0"/>
+          </a:p>
+        </p:txBody>
+      </p:sp>
+      <p:sp>
+        <p:nvSpPr>
+          <p:cNvPr id="31" name="Прямоугольник 30">
+            <a:extLst>
+              <a:ext uri="{FF2B5EF4-FFF2-40B4-BE49-F238E27FC236}">
+                <a16:creationId xmlns="" xmlns:a16="http://schemas.microsoft.com/office/drawing/2014/main" id="{98BC2A06-2E3C-4DF7-B51A-82E3CD9D83BE}"/>
+              </a:ext>
+            </a:extLst>
+          </p:cNvPr>
+          <p:cNvSpPr/>
+          <p:nvPr/>
+        </p:nvSpPr>
+        <p:spPr>
+          <a:xfrm>
+            <a:off x="7390589" y="3956387"/>
+            <a:ext cx="2115918" cy="1080000"/>
+          </a:xfrm>
+          <a:prstGeom prst="rect">
+            <a:avLst/>
+          </a:prstGeom>
+          <a:solidFill>
+            <a:schemeClr val="accent2"/>
+          </a:solidFill>
+          <a:ln w="28575"/>
+        </p:spPr>
+        <p:style>
+          <a:lnRef idx="2">
+            <a:schemeClr val="accent1"/>
+          </a:lnRef>
+          <a:fillRef idx="1">
+            <a:schemeClr val="lt1"/>
+          </a:fillRef>
+          <a:effectRef idx="0">
+            <a:schemeClr val="accent1"/>
+          </a:effectRef>
+          <a:fontRef idx="minor">
+            <a:schemeClr val="dk1"/>
+          </a:fontRef>
+        </p:style>
+        <p:txBody>
+          <a:bodyPr lIns="124733" tIns="62367" rIns="124733" bIns="62367" rtlCol="0" anchor="ctr"/>
+          <a:lstStyle/>
+          <a:p>
+            <a:pPr algn="ctr"/>
+            <a:r>
+              <a:rPr lang="ru-RU" sz="1400" dirty="0" smtClean="0"/>
+              <a:t>Ввести дисциплину </a:t>
+            </a:r>
+            <a:r>
               <a:rPr lang="ru-RU" sz="1400" dirty="0"/>
-              <a:t>Вступить в Ось (</a:t>
-            </a:r>
-            <a:r>
-              <a:rPr lang="ru-RU" sz="1400" dirty="0" err="1"/>
-              <a:t>кирино</a:t>
-            </a:r>
-            <a:r>
-              <a:rPr lang="ru-RU" sz="1400" dirty="0"/>
+              <a:t>в государство </a:t>
+            </a:r>
+            <a:r>
+              <a:rPr lang="ru-RU" sz="700" dirty="0"/>
+              <a:t>(Цель </a:t>
+            </a:r>
+            <a:r>
+              <a:rPr lang="ru-RU" sz="700" dirty="0" err="1"/>
+              <a:t>Оссевабрандваг</a:t>
+            </a:r>
+            <a:r>
+              <a:rPr lang="ru-RU" sz="700" dirty="0"/>
+              <a:t> — создание однопартийного авторитарного и дисциплинированного государства, в котором люди не позволят себе говорить и делать что им заблагорассудится в ущерб народу и правительству (29 мая 1942). )</a:t>
+            </a:r>
+            <a:endParaRPr lang="ru-RU" sz="100" dirty="0"/>
+          </a:p>
+        </p:txBody>
+      </p:sp>
+      <p:sp>
+        <p:nvSpPr>
+          <p:cNvPr id="32" name="Прямоугольник 31">
+            <a:extLst>
+              <a:ext uri="{FF2B5EF4-FFF2-40B4-BE49-F238E27FC236}">
+                <a16:creationId xmlns="" xmlns:a16="http://schemas.microsoft.com/office/drawing/2014/main" id="{98BC2A06-2E3C-4DF7-B51A-82E3CD9D83BE}"/>
+              </a:ext>
+            </a:extLst>
+          </p:cNvPr>
+          <p:cNvSpPr/>
+          <p:nvPr/>
+        </p:nvSpPr>
+        <p:spPr>
+          <a:xfrm>
+            <a:off x="9942560" y="5300610"/>
+            <a:ext cx="2115918" cy="1080000"/>
+          </a:xfrm>
+          <a:prstGeom prst="rect">
+            <a:avLst/>
+          </a:prstGeom>
+          <a:solidFill>
+            <a:schemeClr val="accent2"/>
+          </a:solidFill>
+          <a:ln w="28575"/>
+        </p:spPr>
+        <p:style>
+          <a:lnRef idx="2">
+            <a:schemeClr val="accent1"/>
+          </a:lnRef>
+          <a:fillRef idx="1">
+            <a:schemeClr val="lt1"/>
+          </a:fillRef>
+          <a:effectRef idx="0">
+            <a:schemeClr val="accent1"/>
+          </a:effectRef>
+          <a:fontRef idx="minor">
+            <a:schemeClr val="dk1"/>
+          </a:fontRef>
+        </p:style>
+        <p:txBody>
+          <a:bodyPr lIns="124733" tIns="62367" rIns="124733" bIns="62367" rtlCol="0" anchor="ctr"/>
+          <a:lstStyle/>
+          <a:p>
+            <a:pPr algn="ctr"/>
+            <a:r>
+              <a:rPr lang="ru-RU" sz="1400" dirty="0" smtClean="0"/>
+              <a:t>Антикоммунизм</a:t>
+            </a:r>
+            <a:endParaRPr lang="ru-RU" sz="800" dirty="0"/>
+          </a:p>
+        </p:txBody>
+      </p:sp>
+      <p:sp>
+        <p:nvSpPr>
+          <p:cNvPr id="33" name="Прямоугольник 32">
+            <a:extLst>
+              <a:ext uri="{FF2B5EF4-FFF2-40B4-BE49-F238E27FC236}">
+                <a16:creationId xmlns="" xmlns:a16="http://schemas.microsoft.com/office/drawing/2014/main" id="{98BC2A06-2E3C-4DF7-B51A-82E3CD9D83BE}"/>
+              </a:ext>
+            </a:extLst>
+          </p:cNvPr>
+          <p:cNvSpPr/>
+          <p:nvPr/>
+        </p:nvSpPr>
+        <p:spPr>
+          <a:xfrm>
+            <a:off x="12210878" y="5300610"/>
+            <a:ext cx="2115918" cy="1080000"/>
+          </a:xfrm>
+          <a:prstGeom prst="rect">
+            <a:avLst/>
+          </a:prstGeom>
+          <a:solidFill>
+            <a:schemeClr val="accent2"/>
+          </a:solidFill>
+          <a:ln w="28575"/>
+        </p:spPr>
+        <p:style>
+          <a:lnRef idx="2">
+            <a:schemeClr val="accent1"/>
+          </a:lnRef>
+          <a:fillRef idx="1">
+            <a:schemeClr val="lt1"/>
+          </a:fillRef>
+          <a:effectRef idx="0">
+            <a:schemeClr val="accent1"/>
+          </a:effectRef>
+          <a:fontRef idx="minor">
+            <a:schemeClr val="dk1"/>
+          </a:fontRef>
+        </p:style>
+        <p:txBody>
+          <a:bodyPr lIns="124733" tIns="62367" rIns="124733" bIns="62367" rtlCol="0" anchor="ctr"/>
+          <a:lstStyle/>
+          <a:p>
+            <a:pPr algn="ctr"/>
+            <a:r>
+              <a:rPr lang="ru-RU" sz="1400" dirty="0" err="1" smtClean="0"/>
+              <a:t>Антисемизм</a:t>
+            </a:r>
+            <a:endParaRPr lang="ru-RU" sz="800" dirty="0"/>
+          </a:p>
+        </p:txBody>
+      </p:sp>
+      <p:sp>
+        <p:nvSpPr>
+          <p:cNvPr id="34" name="Прямоугольник 33">
+            <a:extLst>
+              <a:ext uri="{FF2B5EF4-FFF2-40B4-BE49-F238E27FC236}">
+                <a16:creationId xmlns="" xmlns:a16="http://schemas.microsoft.com/office/drawing/2014/main" id="{98BC2A06-2E3C-4DF7-B51A-82E3CD9D83BE}"/>
+              </a:ext>
+            </a:extLst>
+          </p:cNvPr>
+          <p:cNvSpPr/>
+          <p:nvPr/>
+        </p:nvSpPr>
+        <p:spPr>
+          <a:xfrm>
+            <a:off x="9942560" y="6658033"/>
+            <a:ext cx="2115918" cy="1080000"/>
+          </a:xfrm>
+          <a:prstGeom prst="rect">
+            <a:avLst/>
+          </a:prstGeom>
+          <a:solidFill>
+            <a:schemeClr val="accent2"/>
+          </a:solidFill>
+          <a:ln w="28575"/>
+        </p:spPr>
+        <p:style>
+          <a:lnRef idx="2">
+            <a:schemeClr val="accent1"/>
+          </a:lnRef>
+          <a:fillRef idx="1">
+            <a:schemeClr val="lt1"/>
+          </a:fillRef>
+          <a:effectRef idx="0">
+            <a:schemeClr val="accent1"/>
+          </a:effectRef>
+          <a:fontRef idx="minor">
+            <a:schemeClr val="dk1"/>
+          </a:fontRef>
+        </p:style>
+        <p:txBody>
+          <a:bodyPr lIns="124733" tIns="62367" rIns="124733" bIns="62367" rtlCol="0" anchor="ctr"/>
+          <a:lstStyle/>
+          <a:p>
+            <a:pPr algn="ctr"/>
+            <a:r>
+              <a:rPr lang="en-US" sz="1400" dirty="0" err="1" smtClean="0"/>
+              <a:t>Reddingsdaadbond</a:t>
+            </a:r>
+            <a:r>
+              <a:rPr lang="ru-RU" sz="1400" dirty="0" smtClean="0"/>
+              <a:t> (</a:t>
+            </a:r>
+            <a:r>
+              <a:rPr lang="en-US" sz="1400" dirty="0"/>
+              <a:t>https://af.m.wikipedia.org/wiki/Reddingsdaadbond</a:t>
+            </a:r>
+            <a:r>
+              <a:rPr lang="ru-RU" sz="1400" dirty="0" smtClean="0"/>
               <a:t>)</a:t>
             </a:r>
             <a:endParaRPr lang="ru-RU" sz="800" dirty="0"/>
@@ -21910,7 +22154,7 @@
   <a:extraClrSchemeLst/>
   <a:extLst>
     <a:ext uri="{05A4C25C-085E-4340-85A3-A5531E510DB2}">
-      <thm15:themeFamily xmlns:thm15="http://schemas.microsoft.com/office/thememl/2012/main" xmlns="" name="Office Theme" id="{62F939B6-93AF-4DB8-9C6B-D6C7DFDC589F}" vid="{4A3C46E8-61CC-4603-A589-7422A47A8E4A}"/>
+      <thm15:themeFamily xmlns="" xmlns:thm15="http://schemas.microsoft.com/office/thememl/2012/main" name="Office Theme" id="{62F939B6-93AF-4DB8-9C6B-D6C7DFDC589F}" vid="{4A3C46E8-61CC-4603-A589-7422A47A8E4A}"/>
     </a:ext>
   </a:extLst>
 </a:theme>
@@ -22171,7 +22415,7 @@
   <a:extraClrSchemeLst/>
   <a:extLst>
     <a:ext uri="{05A4C25C-085E-4340-85A3-A5531E510DB2}">
-      <thm15:themeFamily xmlns:thm15="http://schemas.microsoft.com/office/thememl/2012/main" xmlns="" name="Office Theme" id="{62F939B6-93AF-4DB8-9C6B-D6C7DFDC589F}" vid="{4A3C46E8-61CC-4603-A589-7422A47A8E4A}"/>
+      <thm15:themeFamily xmlns="" xmlns:thm15="http://schemas.microsoft.com/office/thememl/2012/main" name="Office Theme" id="{62F939B6-93AF-4DB8-9C6B-D6C7DFDC589F}" vid="{4A3C46E8-61CC-4603-A589-7422A47A8E4A}"/>
     </a:ext>
   </a:extLst>
 </a:theme>

--- a/Наработки/диздоки/ЮАС/ЮАС доработка.pptx
+++ b/Наработки/диздоки/ЮАС/ЮАС доработка.pptx
@@ -110,7 +110,7 @@
   </p:defaultTextStyle>
   <p:extLst>
     <p:ext uri="{EFAFB233-063F-42B5-8137-9DF3F51BA10A}">
-      <p15:sldGuideLst xmlns="" xmlns:p15="http://schemas.microsoft.com/office/powerpoint/2012/main">
+      <p15:sldGuideLst xmlns:p15="http://schemas.microsoft.com/office/powerpoint/2012/main">
         <p15:guide id="1" orient="horz" pos="11344">
           <p15:clr>
             <a:srgbClr val="A4A3A4"/>
@@ -210,7 +210,7 @@
             <a:fld id="{33E3D7F9-E251-484C-A6FF-FA958879DF69}" type="datetimeFigureOut">
               <a:rPr lang="ru-RU" smtClean="0"/>
               <a:pPr/>
-              <a:t>08.11.2023</a:t>
+              <a:t>29.10.2024</a:t>
             </a:fld>
             <a:endParaRPr lang="ru-RU"/>
           </a:p>
@@ -700,7 +700,7 @@
             <a:fld id="{85A5DE44-605B-4D3B-B2B7-94543DF81A36}" type="datetimeFigureOut">
               <a:rPr lang="ru-RU" smtClean="0"/>
               <a:pPr/>
-              <a:t>08.11.2023</a:t>
+              <a:t>29.10.2024</a:t>
             </a:fld>
             <a:endParaRPr lang="ru-RU"/>
           </a:p>
@@ -872,7 +872,7 @@
             <a:fld id="{85A5DE44-605B-4D3B-B2B7-94543DF81A36}" type="datetimeFigureOut">
               <a:rPr lang="ru-RU" smtClean="0"/>
               <a:pPr/>
-              <a:t>08.11.2023</a:t>
+              <a:t>29.10.2024</a:t>
             </a:fld>
             <a:endParaRPr lang="ru-RU"/>
           </a:p>
@@ -1054,7 +1054,7 @@
             <a:fld id="{85A5DE44-605B-4D3B-B2B7-94543DF81A36}" type="datetimeFigureOut">
               <a:rPr lang="ru-RU" smtClean="0"/>
               <a:pPr/>
-              <a:t>08.11.2023</a:t>
+              <a:t>29.10.2024</a:t>
             </a:fld>
             <a:endParaRPr lang="ru-RU"/>
           </a:p>
@@ -1226,7 +1226,7 @@
             <a:fld id="{85A5DE44-605B-4D3B-B2B7-94543DF81A36}" type="datetimeFigureOut">
               <a:rPr lang="ru-RU" smtClean="0"/>
               <a:pPr/>
-              <a:t>08.11.2023</a:t>
+              <a:t>29.10.2024</a:t>
             </a:fld>
             <a:endParaRPr lang="ru-RU"/>
           </a:p>
@@ -1474,7 +1474,7 @@
             <a:fld id="{85A5DE44-605B-4D3B-B2B7-94543DF81A36}" type="datetimeFigureOut">
               <a:rPr lang="ru-RU" smtClean="0"/>
               <a:pPr/>
-              <a:t>08.11.2023</a:t>
+              <a:t>29.10.2024</a:t>
             </a:fld>
             <a:endParaRPr lang="ru-RU"/>
           </a:p>
@@ -1708,7 +1708,7 @@
             <a:fld id="{85A5DE44-605B-4D3B-B2B7-94543DF81A36}" type="datetimeFigureOut">
               <a:rPr lang="ru-RU" smtClean="0"/>
               <a:pPr/>
-              <a:t>08.11.2023</a:t>
+              <a:t>29.10.2024</a:t>
             </a:fld>
             <a:endParaRPr lang="ru-RU"/>
           </a:p>
@@ -2077,7 +2077,7 @@
             <a:fld id="{85A5DE44-605B-4D3B-B2B7-94543DF81A36}" type="datetimeFigureOut">
               <a:rPr lang="ru-RU" smtClean="0"/>
               <a:pPr/>
-              <a:t>08.11.2023</a:t>
+              <a:t>29.10.2024</a:t>
             </a:fld>
             <a:endParaRPr lang="ru-RU"/>
           </a:p>
@@ -2197,7 +2197,7 @@
             <a:fld id="{85A5DE44-605B-4D3B-B2B7-94543DF81A36}" type="datetimeFigureOut">
               <a:rPr lang="ru-RU" smtClean="0"/>
               <a:pPr/>
-              <a:t>08.11.2023</a:t>
+              <a:t>29.10.2024</a:t>
             </a:fld>
             <a:endParaRPr lang="ru-RU"/>
           </a:p>
@@ -2294,7 +2294,7 @@
             <a:fld id="{85A5DE44-605B-4D3B-B2B7-94543DF81A36}" type="datetimeFigureOut">
               <a:rPr lang="ru-RU" smtClean="0"/>
               <a:pPr/>
-              <a:t>08.11.2023</a:t>
+              <a:t>29.10.2024</a:t>
             </a:fld>
             <a:endParaRPr lang="ru-RU"/>
           </a:p>
@@ -2573,7 +2573,7 @@
             <a:fld id="{85A5DE44-605B-4D3B-B2B7-94543DF81A36}" type="datetimeFigureOut">
               <a:rPr lang="ru-RU" smtClean="0"/>
               <a:pPr/>
-              <a:t>08.11.2023</a:t>
+              <a:t>29.10.2024</a:t>
             </a:fld>
             <a:endParaRPr lang="ru-RU"/>
           </a:p>
@@ -2832,7 +2832,7 @@
             <a:fld id="{85A5DE44-605B-4D3B-B2B7-94543DF81A36}" type="datetimeFigureOut">
               <a:rPr lang="ru-RU" smtClean="0"/>
               <a:pPr/>
-              <a:t>08.11.2023</a:t>
+              <a:t>29.10.2024</a:t>
             </a:fld>
             <a:endParaRPr lang="ru-RU"/>
           </a:p>
@@ -3047,7 +3047,7 @@
             <a:fld id="{85A5DE44-605B-4D3B-B2B7-94543DF81A36}" type="datetimeFigureOut">
               <a:rPr lang="ru-RU" smtClean="0"/>
               <a:pPr/>
-              <a:t>08.11.2023</a:t>
+              <a:t>29.10.2024</a:t>
             </a:fld>
             <a:endParaRPr lang="ru-RU"/>
           </a:p>
@@ -3622,7 +3622,7 @@
           <p:cNvPr id="746" name="Прямоугольник 745">
             <a:extLst>
               <a:ext uri="{FF2B5EF4-FFF2-40B4-BE49-F238E27FC236}">
-                <a16:creationId xmlns="" xmlns:a16="http://schemas.microsoft.com/office/drawing/2014/main" id="{5A5C35EB-BF83-444C-A337-D22BC58B37C6}"/>
+                <a16:creationId xmlns:a16="http://schemas.microsoft.com/office/drawing/2014/main" id="{5A5C35EB-BF83-444C-A337-D22BC58B37C6}"/>
               </a:ext>
             </a:extLst>
           </p:cNvPr>
@@ -3671,7 +3671,7 @@
           <p:cNvPr id="749" name="Прямоугольник 748">
             <a:extLst>
               <a:ext uri="{FF2B5EF4-FFF2-40B4-BE49-F238E27FC236}">
-                <a16:creationId xmlns="" xmlns:a16="http://schemas.microsoft.com/office/drawing/2014/main" id="{4D6886D0-A543-4D66-A88B-993D92E2F107}"/>
+                <a16:creationId xmlns:a16="http://schemas.microsoft.com/office/drawing/2014/main" id="{4D6886D0-A543-4D66-A88B-993D92E2F107}"/>
               </a:ext>
             </a:extLst>
           </p:cNvPr>
@@ -3720,7 +3720,7 @@
           <p:cNvPr id="17" name="Прямоугольник 16">
             <a:extLst>
               <a:ext uri="{FF2B5EF4-FFF2-40B4-BE49-F238E27FC236}">
-                <a16:creationId xmlns="" xmlns:a16="http://schemas.microsoft.com/office/drawing/2014/main" id="{2A6F6301-CA97-4EB0-A44D-E7FF27A013B5}"/>
+                <a16:creationId xmlns:a16="http://schemas.microsoft.com/office/drawing/2014/main" id="{2A6F6301-CA97-4EB0-A44D-E7FF27A013B5}"/>
               </a:ext>
             </a:extLst>
           </p:cNvPr>
@@ -3769,7 +3769,7 @@
           <p:cNvPr id="18" name="Прямоугольник 17">
             <a:extLst>
               <a:ext uri="{FF2B5EF4-FFF2-40B4-BE49-F238E27FC236}">
-                <a16:creationId xmlns="" xmlns:a16="http://schemas.microsoft.com/office/drawing/2014/main" id="{221854E5-65A8-4BC0-9062-E1F29DFF7724}"/>
+                <a16:creationId xmlns:a16="http://schemas.microsoft.com/office/drawing/2014/main" id="{221854E5-65A8-4BC0-9062-E1F29DFF7724}"/>
               </a:ext>
             </a:extLst>
           </p:cNvPr>
@@ -3818,7 +3818,7 @@
           <p:cNvPr id="19" name="Прямоугольник 18">
             <a:extLst>
               <a:ext uri="{FF2B5EF4-FFF2-40B4-BE49-F238E27FC236}">
-                <a16:creationId xmlns="" xmlns:a16="http://schemas.microsoft.com/office/drawing/2014/main" id="{033C32B1-7FB5-4427-AC80-41EF0E3274D9}"/>
+                <a16:creationId xmlns:a16="http://schemas.microsoft.com/office/drawing/2014/main" id="{033C32B1-7FB5-4427-AC80-41EF0E3274D9}"/>
               </a:ext>
             </a:extLst>
           </p:cNvPr>
@@ -3867,7 +3867,7 @@
           <p:cNvPr id="20" name="Прямоугольник 19">
             <a:extLst>
               <a:ext uri="{FF2B5EF4-FFF2-40B4-BE49-F238E27FC236}">
-                <a16:creationId xmlns="" xmlns:a16="http://schemas.microsoft.com/office/drawing/2014/main" id="{DE8DA818-D0A4-4747-B22E-8EA433779FBF}"/>
+                <a16:creationId xmlns:a16="http://schemas.microsoft.com/office/drawing/2014/main" id="{DE8DA818-D0A4-4747-B22E-8EA433779FBF}"/>
               </a:ext>
             </a:extLst>
           </p:cNvPr>
@@ -3916,7 +3916,7 @@
           <p:cNvPr id="21" name="Прямоугольник 20">
             <a:extLst>
               <a:ext uri="{FF2B5EF4-FFF2-40B4-BE49-F238E27FC236}">
-                <a16:creationId xmlns="" xmlns:a16="http://schemas.microsoft.com/office/drawing/2014/main" id="{CC1F0354-3AC0-4BAF-B8BB-C910E7C4A5D6}"/>
+                <a16:creationId xmlns:a16="http://schemas.microsoft.com/office/drawing/2014/main" id="{CC1F0354-3AC0-4BAF-B8BB-C910E7C4A5D6}"/>
               </a:ext>
             </a:extLst>
           </p:cNvPr>
@@ -3965,7 +3965,7 @@
           <p:cNvPr id="22" name="Прямоугольник 21">
             <a:extLst>
               <a:ext uri="{FF2B5EF4-FFF2-40B4-BE49-F238E27FC236}">
-                <a16:creationId xmlns="" xmlns:a16="http://schemas.microsoft.com/office/drawing/2014/main" id="{626AB241-048C-4E7B-8C47-DD836E054087}"/>
+                <a16:creationId xmlns:a16="http://schemas.microsoft.com/office/drawing/2014/main" id="{626AB241-048C-4E7B-8C47-DD836E054087}"/>
               </a:ext>
             </a:extLst>
           </p:cNvPr>
@@ -4014,7 +4014,7 @@
           <p:cNvPr id="23" name="Прямоугольник 22">
             <a:extLst>
               <a:ext uri="{FF2B5EF4-FFF2-40B4-BE49-F238E27FC236}">
-                <a16:creationId xmlns="" xmlns:a16="http://schemas.microsoft.com/office/drawing/2014/main" id="{3E58D11B-FF28-4315-BCA2-A769980F1758}"/>
+                <a16:creationId xmlns:a16="http://schemas.microsoft.com/office/drawing/2014/main" id="{3E58D11B-FF28-4315-BCA2-A769980F1758}"/>
               </a:ext>
             </a:extLst>
           </p:cNvPr>
@@ -4063,7 +4063,7 @@
           <p:cNvPr id="24" name="Прямоугольник 23">
             <a:extLst>
               <a:ext uri="{FF2B5EF4-FFF2-40B4-BE49-F238E27FC236}">
-                <a16:creationId xmlns="" xmlns:a16="http://schemas.microsoft.com/office/drawing/2014/main" id="{35D89978-ED38-4BF1-8A1D-667372754781}"/>
+                <a16:creationId xmlns:a16="http://schemas.microsoft.com/office/drawing/2014/main" id="{35D89978-ED38-4BF1-8A1D-667372754781}"/>
               </a:ext>
             </a:extLst>
           </p:cNvPr>
@@ -4112,7 +4112,7 @@
           <p:cNvPr id="25" name="Прямоугольник 24">
             <a:extLst>
               <a:ext uri="{FF2B5EF4-FFF2-40B4-BE49-F238E27FC236}">
-                <a16:creationId xmlns="" xmlns:a16="http://schemas.microsoft.com/office/drawing/2014/main" id="{771F1D95-8056-47E0-8042-78976D883C77}"/>
+                <a16:creationId xmlns:a16="http://schemas.microsoft.com/office/drawing/2014/main" id="{771F1D95-8056-47E0-8042-78976D883C77}"/>
               </a:ext>
             </a:extLst>
           </p:cNvPr>
@@ -4161,7 +4161,7 @@
           <p:cNvPr id="26" name="Прямоугольник 25">
             <a:extLst>
               <a:ext uri="{FF2B5EF4-FFF2-40B4-BE49-F238E27FC236}">
-                <a16:creationId xmlns="" xmlns:a16="http://schemas.microsoft.com/office/drawing/2014/main" id="{9F9C69CF-CC3F-47D0-B213-FA599973B24B}"/>
+                <a16:creationId xmlns:a16="http://schemas.microsoft.com/office/drawing/2014/main" id="{9F9C69CF-CC3F-47D0-B213-FA599973B24B}"/>
               </a:ext>
             </a:extLst>
           </p:cNvPr>
@@ -4214,7 +4214,7 @@
           <p:cNvPr id="28" name="Прямоугольник 27">
             <a:extLst>
               <a:ext uri="{FF2B5EF4-FFF2-40B4-BE49-F238E27FC236}">
-                <a16:creationId xmlns="" xmlns:a16="http://schemas.microsoft.com/office/drawing/2014/main" id="{3D69AD52-26EA-4816-8BCF-6D9B1B889307}"/>
+                <a16:creationId xmlns:a16="http://schemas.microsoft.com/office/drawing/2014/main" id="{3D69AD52-26EA-4816-8BCF-6D9B1B889307}"/>
               </a:ext>
             </a:extLst>
           </p:cNvPr>
@@ -4263,7 +4263,7 @@
           <p:cNvPr id="29" name="Прямоугольник 28">
             <a:extLst>
               <a:ext uri="{FF2B5EF4-FFF2-40B4-BE49-F238E27FC236}">
-                <a16:creationId xmlns="" xmlns:a16="http://schemas.microsoft.com/office/drawing/2014/main" id="{792B2C5D-D74D-4FB3-8B78-C7BCC7046C90}"/>
+                <a16:creationId xmlns:a16="http://schemas.microsoft.com/office/drawing/2014/main" id="{792B2C5D-D74D-4FB3-8B78-C7BCC7046C90}"/>
               </a:ext>
             </a:extLst>
           </p:cNvPr>
@@ -4312,7 +4312,7 @@
           <p:cNvPr id="30" name="Прямоугольник 29">
             <a:extLst>
               <a:ext uri="{FF2B5EF4-FFF2-40B4-BE49-F238E27FC236}">
-                <a16:creationId xmlns="" xmlns:a16="http://schemas.microsoft.com/office/drawing/2014/main" id="{9EE84AD7-C133-4B21-8162-048600DC6053}"/>
+                <a16:creationId xmlns:a16="http://schemas.microsoft.com/office/drawing/2014/main" id="{9EE84AD7-C133-4B21-8162-048600DC6053}"/>
               </a:ext>
             </a:extLst>
           </p:cNvPr>
@@ -4361,7 +4361,7 @@
           <p:cNvPr id="31" name="Прямоугольник 30">
             <a:extLst>
               <a:ext uri="{FF2B5EF4-FFF2-40B4-BE49-F238E27FC236}">
-                <a16:creationId xmlns="" xmlns:a16="http://schemas.microsoft.com/office/drawing/2014/main" id="{BAE0D071-9F16-46A2-A3C7-D4043769D316}"/>
+                <a16:creationId xmlns:a16="http://schemas.microsoft.com/office/drawing/2014/main" id="{BAE0D071-9F16-46A2-A3C7-D4043769D316}"/>
               </a:ext>
             </a:extLst>
           </p:cNvPr>
@@ -4417,7 +4417,7 @@
           <p:cNvPr id="32" name="Прямоугольник 31">
             <a:extLst>
               <a:ext uri="{FF2B5EF4-FFF2-40B4-BE49-F238E27FC236}">
-                <a16:creationId xmlns="" xmlns:a16="http://schemas.microsoft.com/office/drawing/2014/main" id="{3FA86464-4A7A-4479-B421-35E994E3C985}"/>
+                <a16:creationId xmlns:a16="http://schemas.microsoft.com/office/drawing/2014/main" id="{3FA86464-4A7A-4479-B421-35E994E3C985}"/>
               </a:ext>
             </a:extLst>
           </p:cNvPr>
@@ -4466,7 +4466,7 @@
           <p:cNvPr id="36" name="Прямоугольник 35">
             <a:extLst>
               <a:ext uri="{FF2B5EF4-FFF2-40B4-BE49-F238E27FC236}">
-                <a16:creationId xmlns="" xmlns:a16="http://schemas.microsoft.com/office/drawing/2014/main" id="{1DE14A81-2776-4187-BF76-C4A0AB64650B}"/>
+                <a16:creationId xmlns:a16="http://schemas.microsoft.com/office/drawing/2014/main" id="{1DE14A81-2776-4187-BF76-C4A0AB64650B}"/>
               </a:ext>
             </a:extLst>
           </p:cNvPr>
@@ -4515,7 +4515,7 @@
           <p:cNvPr id="37" name="Прямоугольник 36">
             <a:extLst>
               <a:ext uri="{FF2B5EF4-FFF2-40B4-BE49-F238E27FC236}">
-                <a16:creationId xmlns="" xmlns:a16="http://schemas.microsoft.com/office/drawing/2014/main" id="{FBD8229D-379D-4D52-BB0C-76E0E81CD826}"/>
+                <a16:creationId xmlns:a16="http://schemas.microsoft.com/office/drawing/2014/main" id="{FBD8229D-379D-4D52-BB0C-76E0E81CD826}"/>
               </a:ext>
             </a:extLst>
           </p:cNvPr>
@@ -4580,7 +4580,7 @@
           <p:cNvPr id="38" name="Прямоугольник 37">
             <a:extLst>
               <a:ext uri="{FF2B5EF4-FFF2-40B4-BE49-F238E27FC236}">
-                <a16:creationId xmlns="" xmlns:a16="http://schemas.microsoft.com/office/drawing/2014/main" id="{5577797A-63B1-4A4D-BF5F-CE7415CAF008}"/>
+                <a16:creationId xmlns:a16="http://schemas.microsoft.com/office/drawing/2014/main" id="{5577797A-63B1-4A4D-BF5F-CE7415CAF008}"/>
               </a:ext>
             </a:extLst>
           </p:cNvPr>
@@ -4629,7 +4629,7 @@
           <p:cNvPr id="39" name="Прямоугольник 38">
             <a:extLst>
               <a:ext uri="{FF2B5EF4-FFF2-40B4-BE49-F238E27FC236}">
-                <a16:creationId xmlns="" xmlns:a16="http://schemas.microsoft.com/office/drawing/2014/main" id="{EC51DEA3-FD70-4670-A431-295D6B333808}"/>
+                <a16:creationId xmlns:a16="http://schemas.microsoft.com/office/drawing/2014/main" id="{EC51DEA3-FD70-4670-A431-295D6B333808}"/>
               </a:ext>
             </a:extLst>
           </p:cNvPr>
@@ -4684,7 +4684,7 @@
           <p:cNvPr id="40" name="Прямоугольник 39">
             <a:extLst>
               <a:ext uri="{FF2B5EF4-FFF2-40B4-BE49-F238E27FC236}">
-                <a16:creationId xmlns="" xmlns:a16="http://schemas.microsoft.com/office/drawing/2014/main" id="{EA2CA77D-FB8E-4EA3-BD84-AEE2E9318B52}"/>
+                <a16:creationId xmlns:a16="http://schemas.microsoft.com/office/drawing/2014/main" id="{EA2CA77D-FB8E-4EA3-BD84-AEE2E9318B52}"/>
               </a:ext>
             </a:extLst>
           </p:cNvPr>
@@ -4741,7 +4741,7 @@
           <p:cNvPr id="42" name="Прямоугольник 41">
             <a:extLst>
               <a:ext uri="{FF2B5EF4-FFF2-40B4-BE49-F238E27FC236}">
-                <a16:creationId xmlns="" xmlns:a16="http://schemas.microsoft.com/office/drawing/2014/main" id="{BD556DD8-C967-42C9-9A2B-4B9E2DB3097F}"/>
+                <a16:creationId xmlns:a16="http://schemas.microsoft.com/office/drawing/2014/main" id="{BD556DD8-C967-42C9-9A2B-4B9E2DB3097F}"/>
               </a:ext>
             </a:extLst>
           </p:cNvPr>
@@ -4790,7 +4790,7 @@
           <p:cNvPr id="43" name="Прямоугольник 42">
             <a:extLst>
               <a:ext uri="{FF2B5EF4-FFF2-40B4-BE49-F238E27FC236}">
-                <a16:creationId xmlns="" xmlns:a16="http://schemas.microsoft.com/office/drawing/2014/main" id="{645E2E65-98B9-4262-8BA0-E3EE832689F7}"/>
+                <a16:creationId xmlns:a16="http://schemas.microsoft.com/office/drawing/2014/main" id="{645E2E65-98B9-4262-8BA0-E3EE832689F7}"/>
               </a:ext>
             </a:extLst>
           </p:cNvPr>
@@ -4843,7 +4843,7 @@
           <p:cNvPr id="49" name="Shape 248">
             <a:extLst>
               <a:ext uri="{FF2B5EF4-FFF2-40B4-BE49-F238E27FC236}">
-                <a16:creationId xmlns="" xmlns:a16="http://schemas.microsoft.com/office/drawing/2014/main" id="{BD5D228F-210F-458B-89AE-DDE88B49461D}"/>
+                <a16:creationId xmlns:a16="http://schemas.microsoft.com/office/drawing/2014/main" id="{BD5D228F-210F-458B-89AE-DDE88B49461D}"/>
               </a:ext>
             </a:extLst>
           </p:cNvPr>
@@ -4888,7 +4888,7 @@
           <p:cNvPr id="52" name="Прямоугольник 51">
             <a:extLst>
               <a:ext uri="{FF2B5EF4-FFF2-40B4-BE49-F238E27FC236}">
-                <a16:creationId xmlns="" xmlns:a16="http://schemas.microsoft.com/office/drawing/2014/main" id="{46EE00FE-646D-4C1F-A9C8-51C2B2622237}"/>
+                <a16:creationId xmlns:a16="http://schemas.microsoft.com/office/drawing/2014/main" id="{46EE00FE-646D-4C1F-A9C8-51C2B2622237}"/>
               </a:ext>
             </a:extLst>
           </p:cNvPr>
@@ -4937,7 +4937,7 @@
           <p:cNvPr id="55" name="Shape 248">
             <a:extLst>
               <a:ext uri="{FF2B5EF4-FFF2-40B4-BE49-F238E27FC236}">
-                <a16:creationId xmlns="" xmlns:a16="http://schemas.microsoft.com/office/drawing/2014/main" id="{E7E90FE1-73EE-4AA8-B507-2A9427ABD363}"/>
+                <a16:creationId xmlns:a16="http://schemas.microsoft.com/office/drawing/2014/main" id="{E7E90FE1-73EE-4AA8-B507-2A9427ABD363}"/>
               </a:ext>
             </a:extLst>
           </p:cNvPr>
@@ -4982,7 +4982,7 @@
           <p:cNvPr id="58" name="Прямоугольник 57">
             <a:extLst>
               <a:ext uri="{FF2B5EF4-FFF2-40B4-BE49-F238E27FC236}">
-                <a16:creationId xmlns="" xmlns:a16="http://schemas.microsoft.com/office/drawing/2014/main" id="{BEA30B09-C375-448F-862A-864DB922DE93}"/>
+                <a16:creationId xmlns:a16="http://schemas.microsoft.com/office/drawing/2014/main" id="{BEA30B09-C375-448F-862A-864DB922DE93}"/>
               </a:ext>
             </a:extLst>
           </p:cNvPr>
@@ -5047,7 +5047,7 @@
           <p:cNvPr id="61" name="Прямая со стрелкой 60">
             <a:extLst>
               <a:ext uri="{FF2B5EF4-FFF2-40B4-BE49-F238E27FC236}">
-                <a16:creationId xmlns="" xmlns:a16="http://schemas.microsoft.com/office/drawing/2014/main" id="{CCA94CF1-3EF1-4DC8-8583-E856FE0E7B60}"/>
+                <a16:creationId xmlns:a16="http://schemas.microsoft.com/office/drawing/2014/main" id="{CCA94CF1-3EF1-4DC8-8583-E856FE0E7B60}"/>
               </a:ext>
             </a:extLst>
           </p:cNvPr>
@@ -5090,7 +5090,7 @@
           <p:cNvPr id="64" name="Прямая со стрелкой 63">
             <a:extLst>
               <a:ext uri="{FF2B5EF4-FFF2-40B4-BE49-F238E27FC236}">
-                <a16:creationId xmlns="" xmlns:a16="http://schemas.microsoft.com/office/drawing/2014/main" id="{E4E35A0E-E65F-407D-AB83-AA088EBABEBC}"/>
+                <a16:creationId xmlns:a16="http://schemas.microsoft.com/office/drawing/2014/main" id="{E4E35A0E-E65F-407D-AB83-AA088EBABEBC}"/>
               </a:ext>
             </a:extLst>
           </p:cNvPr>
@@ -5133,7 +5133,7 @@
           <p:cNvPr id="67" name="Shape 248">
             <a:extLst>
               <a:ext uri="{FF2B5EF4-FFF2-40B4-BE49-F238E27FC236}">
-                <a16:creationId xmlns="" xmlns:a16="http://schemas.microsoft.com/office/drawing/2014/main" id="{5D4BE53E-DF5C-4E66-B1E7-1885D3B286F1}"/>
+                <a16:creationId xmlns:a16="http://schemas.microsoft.com/office/drawing/2014/main" id="{5D4BE53E-DF5C-4E66-B1E7-1885D3B286F1}"/>
               </a:ext>
             </a:extLst>
           </p:cNvPr>
@@ -5178,7 +5178,7 @@
           <p:cNvPr id="70" name="Shape 248">
             <a:extLst>
               <a:ext uri="{FF2B5EF4-FFF2-40B4-BE49-F238E27FC236}">
-                <a16:creationId xmlns="" xmlns:a16="http://schemas.microsoft.com/office/drawing/2014/main" id="{55A42631-74CA-4086-8355-0D18574FCB06}"/>
+                <a16:creationId xmlns:a16="http://schemas.microsoft.com/office/drawing/2014/main" id="{55A42631-74CA-4086-8355-0D18574FCB06}"/>
               </a:ext>
             </a:extLst>
           </p:cNvPr>
@@ -5223,7 +5223,7 @@
           <p:cNvPr id="73" name="Прямоугольник 72">
             <a:extLst>
               <a:ext uri="{FF2B5EF4-FFF2-40B4-BE49-F238E27FC236}">
-                <a16:creationId xmlns="" xmlns:a16="http://schemas.microsoft.com/office/drawing/2014/main" id="{28846087-0D11-4C41-98D5-FF64F01C8EED}"/>
+                <a16:creationId xmlns:a16="http://schemas.microsoft.com/office/drawing/2014/main" id="{28846087-0D11-4C41-98D5-FF64F01C8EED}"/>
               </a:ext>
             </a:extLst>
           </p:cNvPr>
@@ -5276,7 +5276,7 @@
           <p:cNvPr id="74" name="Прямая со стрелкой 73">
             <a:extLst>
               <a:ext uri="{FF2B5EF4-FFF2-40B4-BE49-F238E27FC236}">
-                <a16:creationId xmlns="" xmlns:a16="http://schemas.microsoft.com/office/drawing/2014/main" id="{76BD4381-1AF6-47C0-9685-3C3F816BB149}"/>
+                <a16:creationId xmlns:a16="http://schemas.microsoft.com/office/drawing/2014/main" id="{76BD4381-1AF6-47C0-9685-3C3F816BB149}"/>
               </a:ext>
             </a:extLst>
           </p:cNvPr>
@@ -5319,7 +5319,7 @@
           <p:cNvPr id="77" name="Прямоугольник 76">
             <a:extLst>
               <a:ext uri="{FF2B5EF4-FFF2-40B4-BE49-F238E27FC236}">
-                <a16:creationId xmlns="" xmlns:a16="http://schemas.microsoft.com/office/drawing/2014/main" id="{25EF6ECF-6406-4EAA-9FFF-5F8B11AAFEEA}"/>
+                <a16:creationId xmlns:a16="http://schemas.microsoft.com/office/drawing/2014/main" id="{25EF6ECF-6406-4EAA-9FFF-5F8B11AAFEEA}"/>
               </a:ext>
             </a:extLst>
           </p:cNvPr>
@@ -5368,7 +5368,7 @@
           <p:cNvPr id="78" name="Прямая со стрелкой 77">
             <a:extLst>
               <a:ext uri="{FF2B5EF4-FFF2-40B4-BE49-F238E27FC236}">
-                <a16:creationId xmlns="" xmlns:a16="http://schemas.microsoft.com/office/drawing/2014/main" id="{6E9786A6-51F2-4C7F-A2C6-9E3184A50EA9}"/>
+                <a16:creationId xmlns:a16="http://schemas.microsoft.com/office/drawing/2014/main" id="{6E9786A6-51F2-4C7F-A2C6-9E3184A50EA9}"/>
               </a:ext>
             </a:extLst>
           </p:cNvPr>
@@ -5411,7 +5411,7 @@
           <p:cNvPr id="81" name="Прямая со стрелкой 80">
             <a:extLst>
               <a:ext uri="{FF2B5EF4-FFF2-40B4-BE49-F238E27FC236}">
-                <a16:creationId xmlns="" xmlns:a16="http://schemas.microsoft.com/office/drawing/2014/main" id="{4803635F-708D-4CBC-A897-0D61B6AA5CE6}"/>
+                <a16:creationId xmlns:a16="http://schemas.microsoft.com/office/drawing/2014/main" id="{4803635F-708D-4CBC-A897-0D61B6AA5CE6}"/>
               </a:ext>
             </a:extLst>
           </p:cNvPr>
@@ -5454,7 +5454,7 @@
           <p:cNvPr id="84" name="Shape 248">
             <a:extLst>
               <a:ext uri="{FF2B5EF4-FFF2-40B4-BE49-F238E27FC236}">
-                <a16:creationId xmlns="" xmlns:a16="http://schemas.microsoft.com/office/drawing/2014/main" id="{700C8A12-2D4F-49EA-86E1-78C48BA648F3}"/>
+                <a16:creationId xmlns:a16="http://schemas.microsoft.com/office/drawing/2014/main" id="{700C8A12-2D4F-49EA-86E1-78C48BA648F3}"/>
               </a:ext>
             </a:extLst>
           </p:cNvPr>
@@ -5499,7 +5499,7 @@
           <p:cNvPr id="87" name="Shape 248">
             <a:extLst>
               <a:ext uri="{FF2B5EF4-FFF2-40B4-BE49-F238E27FC236}">
-                <a16:creationId xmlns="" xmlns:a16="http://schemas.microsoft.com/office/drawing/2014/main" id="{59BFC179-4040-42B9-B9FD-CEBEB4F660EA}"/>
+                <a16:creationId xmlns:a16="http://schemas.microsoft.com/office/drawing/2014/main" id="{59BFC179-4040-42B9-B9FD-CEBEB4F660EA}"/>
               </a:ext>
             </a:extLst>
           </p:cNvPr>
@@ -5544,7 +5544,7 @@
           <p:cNvPr id="90" name="Shape 248">
             <a:extLst>
               <a:ext uri="{FF2B5EF4-FFF2-40B4-BE49-F238E27FC236}">
-                <a16:creationId xmlns="" xmlns:a16="http://schemas.microsoft.com/office/drawing/2014/main" id="{62AA7CF6-F06B-4A00-B8C6-DA4C8C112830}"/>
+                <a16:creationId xmlns:a16="http://schemas.microsoft.com/office/drawing/2014/main" id="{62AA7CF6-F06B-4A00-B8C6-DA4C8C112830}"/>
               </a:ext>
             </a:extLst>
           </p:cNvPr>
@@ -5589,7 +5589,7 @@
           <p:cNvPr id="93" name="Shape 248">
             <a:extLst>
               <a:ext uri="{FF2B5EF4-FFF2-40B4-BE49-F238E27FC236}">
-                <a16:creationId xmlns="" xmlns:a16="http://schemas.microsoft.com/office/drawing/2014/main" id="{1E71622C-0B52-40C2-B2A7-7C300CBE6EA7}"/>
+                <a16:creationId xmlns:a16="http://schemas.microsoft.com/office/drawing/2014/main" id="{1E71622C-0B52-40C2-B2A7-7C300CBE6EA7}"/>
               </a:ext>
             </a:extLst>
           </p:cNvPr>
@@ -5634,7 +5634,7 @@
           <p:cNvPr id="96" name="Shape 248">
             <a:extLst>
               <a:ext uri="{FF2B5EF4-FFF2-40B4-BE49-F238E27FC236}">
-                <a16:creationId xmlns="" xmlns:a16="http://schemas.microsoft.com/office/drawing/2014/main" id="{678CE35A-0F37-49CD-B54A-CAFFF9D4A1F6}"/>
+                <a16:creationId xmlns:a16="http://schemas.microsoft.com/office/drawing/2014/main" id="{678CE35A-0F37-49CD-B54A-CAFFF9D4A1F6}"/>
               </a:ext>
             </a:extLst>
           </p:cNvPr>
@@ -5679,7 +5679,7 @@
           <p:cNvPr id="99" name="Shape 248">
             <a:extLst>
               <a:ext uri="{FF2B5EF4-FFF2-40B4-BE49-F238E27FC236}">
-                <a16:creationId xmlns="" xmlns:a16="http://schemas.microsoft.com/office/drawing/2014/main" id="{E6261722-3108-462A-B217-3F7FD3B0DDFB}"/>
+                <a16:creationId xmlns:a16="http://schemas.microsoft.com/office/drawing/2014/main" id="{E6261722-3108-462A-B217-3F7FD3B0DDFB}"/>
               </a:ext>
             </a:extLst>
           </p:cNvPr>
@@ -5724,7 +5724,7 @@
           <p:cNvPr id="102" name="Shape 248">
             <a:extLst>
               <a:ext uri="{FF2B5EF4-FFF2-40B4-BE49-F238E27FC236}">
-                <a16:creationId xmlns="" xmlns:a16="http://schemas.microsoft.com/office/drawing/2014/main" id="{FD5E7D5A-F053-4AE5-BA18-1275C8A6FF31}"/>
+                <a16:creationId xmlns:a16="http://schemas.microsoft.com/office/drawing/2014/main" id="{FD5E7D5A-F053-4AE5-BA18-1275C8A6FF31}"/>
               </a:ext>
             </a:extLst>
           </p:cNvPr>
@@ -5769,7 +5769,7 @@
           <p:cNvPr id="107" name="Shape 248">
             <a:extLst>
               <a:ext uri="{FF2B5EF4-FFF2-40B4-BE49-F238E27FC236}">
-                <a16:creationId xmlns="" xmlns:a16="http://schemas.microsoft.com/office/drawing/2014/main" id="{FE9E9FAE-0CA2-4071-8287-52722FDADD22}"/>
+                <a16:creationId xmlns:a16="http://schemas.microsoft.com/office/drawing/2014/main" id="{FE9E9FAE-0CA2-4071-8287-52722FDADD22}"/>
               </a:ext>
             </a:extLst>
           </p:cNvPr>
@@ -5815,7 +5815,7 @@
           <p:cNvPr id="110" name="Прямоугольник 109">
             <a:extLst>
               <a:ext uri="{FF2B5EF4-FFF2-40B4-BE49-F238E27FC236}">
-                <a16:creationId xmlns="" xmlns:a16="http://schemas.microsoft.com/office/drawing/2014/main" id="{AF761871-6C13-4546-83B1-02B3391D9F15}"/>
+                <a16:creationId xmlns:a16="http://schemas.microsoft.com/office/drawing/2014/main" id="{AF761871-6C13-4546-83B1-02B3391D9F15}"/>
               </a:ext>
             </a:extLst>
           </p:cNvPr>
@@ -5863,7 +5863,7 @@
           <p:cNvPr id="111" name="Прямоугольник 110">
             <a:extLst>
               <a:ext uri="{FF2B5EF4-FFF2-40B4-BE49-F238E27FC236}">
-                <a16:creationId xmlns="" xmlns:a16="http://schemas.microsoft.com/office/drawing/2014/main" id="{D2CDA8C3-CF75-4C72-93E9-E8DBACEC6530}"/>
+                <a16:creationId xmlns:a16="http://schemas.microsoft.com/office/drawing/2014/main" id="{D2CDA8C3-CF75-4C72-93E9-E8DBACEC6530}"/>
               </a:ext>
             </a:extLst>
           </p:cNvPr>
@@ -5912,7 +5912,7 @@
           <p:cNvPr id="112" name="Прямая со стрелкой 111">
             <a:extLst>
               <a:ext uri="{FF2B5EF4-FFF2-40B4-BE49-F238E27FC236}">
-                <a16:creationId xmlns="" xmlns:a16="http://schemas.microsoft.com/office/drawing/2014/main" id="{F58F84DE-E9C4-4BD7-8748-A78C2F6FD8BF}"/>
+                <a16:creationId xmlns:a16="http://schemas.microsoft.com/office/drawing/2014/main" id="{F58F84DE-E9C4-4BD7-8748-A78C2F6FD8BF}"/>
               </a:ext>
             </a:extLst>
           </p:cNvPr>
@@ -5955,7 +5955,7 @@
           <p:cNvPr id="115" name="Прямая со стрелкой 114">
             <a:extLst>
               <a:ext uri="{FF2B5EF4-FFF2-40B4-BE49-F238E27FC236}">
-                <a16:creationId xmlns="" xmlns:a16="http://schemas.microsoft.com/office/drawing/2014/main" id="{B1276E7E-09F3-4F48-83F0-61AD6A00A2DC}"/>
+                <a16:creationId xmlns:a16="http://schemas.microsoft.com/office/drawing/2014/main" id="{B1276E7E-09F3-4F48-83F0-61AD6A00A2DC}"/>
               </a:ext>
             </a:extLst>
           </p:cNvPr>
@@ -5998,7 +5998,7 @@
           <p:cNvPr id="118" name="Прямоугольник 117">
             <a:extLst>
               <a:ext uri="{FF2B5EF4-FFF2-40B4-BE49-F238E27FC236}">
-                <a16:creationId xmlns="" xmlns:a16="http://schemas.microsoft.com/office/drawing/2014/main" id="{B9B0CFE7-80AC-4244-B88C-C62FC2E3D2AD}"/>
+                <a16:creationId xmlns:a16="http://schemas.microsoft.com/office/drawing/2014/main" id="{B9B0CFE7-80AC-4244-B88C-C62FC2E3D2AD}"/>
               </a:ext>
             </a:extLst>
           </p:cNvPr>
@@ -6055,7 +6055,7 @@
           <p:cNvPr id="122" name="Прямая со стрелкой 121">
             <a:extLst>
               <a:ext uri="{FF2B5EF4-FFF2-40B4-BE49-F238E27FC236}">
-                <a16:creationId xmlns="" xmlns:a16="http://schemas.microsoft.com/office/drawing/2014/main" id="{AFFC3425-EE6E-4A23-8273-1B43F1F5FFD8}"/>
+                <a16:creationId xmlns:a16="http://schemas.microsoft.com/office/drawing/2014/main" id="{AFFC3425-EE6E-4A23-8273-1B43F1F5FFD8}"/>
               </a:ext>
             </a:extLst>
           </p:cNvPr>
@@ -6098,7 +6098,7 @@
           <p:cNvPr id="127" name="Shape 248">
             <a:extLst>
               <a:ext uri="{FF2B5EF4-FFF2-40B4-BE49-F238E27FC236}">
-                <a16:creationId xmlns="" xmlns:a16="http://schemas.microsoft.com/office/drawing/2014/main" id="{1281530A-C1F3-48DD-BF88-2B748908877C}"/>
+                <a16:creationId xmlns:a16="http://schemas.microsoft.com/office/drawing/2014/main" id="{1281530A-C1F3-48DD-BF88-2B748908877C}"/>
               </a:ext>
             </a:extLst>
           </p:cNvPr>
@@ -6143,7 +6143,7 @@
           <p:cNvPr id="130" name="Shape 248">
             <a:extLst>
               <a:ext uri="{FF2B5EF4-FFF2-40B4-BE49-F238E27FC236}">
-                <a16:creationId xmlns="" xmlns:a16="http://schemas.microsoft.com/office/drawing/2014/main" id="{5BC99ECC-6DFA-4AF9-A537-86299940BCE8}"/>
+                <a16:creationId xmlns:a16="http://schemas.microsoft.com/office/drawing/2014/main" id="{5BC99ECC-6DFA-4AF9-A537-86299940BCE8}"/>
               </a:ext>
             </a:extLst>
           </p:cNvPr>
@@ -6188,7 +6188,7 @@
           <p:cNvPr id="71" name="Прямая со стрелкой 70">
             <a:extLst>
               <a:ext uri="{FF2B5EF4-FFF2-40B4-BE49-F238E27FC236}">
-                <a16:creationId xmlns="" xmlns:a16="http://schemas.microsoft.com/office/drawing/2014/main" id="{5D611DF3-BAD3-4686-8234-9390823E265F}"/>
+                <a16:creationId xmlns:a16="http://schemas.microsoft.com/office/drawing/2014/main" id="{5D611DF3-BAD3-4686-8234-9390823E265F}"/>
               </a:ext>
             </a:extLst>
           </p:cNvPr>
@@ -6231,7 +6231,7 @@
           <p:cNvPr id="92" name="Shape 248">
             <a:extLst>
               <a:ext uri="{FF2B5EF4-FFF2-40B4-BE49-F238E27FC236}">
-                <a16:creationId xmlns="" xmlns:a16="http://schemas.microsoft.com/office/drawing/2014/main" id="{09A8D863-1F84-47A3-B5DC-A2A2F04B9107}"/>
+                <a16:creationId xmlns:a16="http://schemas.microsoft.com/office/drawing/2014/main" id="{09A8D863-1F84-47A3-B5DC-A2A2F04B9107}"/>
               </a:ext>
             </a:extLst>
           </p:cNvPr>
@@ -6276,7 +6276,7 @@
           <p:cNvPr id="97" name="Прямая со стрелкой 96">
             <a:extLst>
               <a:ext uri="{FF2B5EF4-FFF2-40B4-BE49-F238E27FC236}">
-                <a16:creationId xmlns="" xmlns:a16="http://schemas.microsoft.com/office/drawing/2014/main" id="{6AE319B6-0D5D-4CAD-8389-B4F846942362}"/>
+                <a16:creationId xmlns:a16="http://schemas.microsoft.com/office/drawing/2014/main" id="{6AE319B6-0D5D-4CAD-8389-B4F846942362}"/>
               </a:ext>
             </a:extLst>
           </p:cNvPr>
@@ -6319,7 +6319,7 @@
           <p:cNvPr id="65" name="Прямоугольник 64">
             <a:extLst>
               <a:ext uri="{FF2B5EF4-FFF2-40B4-BE49-F238E27FC236}">
-                <a16:creationId xmlns="" xmlns:a16="http://schemas.microsoft.com/office/drawing/2014/main" id="{D5C4CE5D-E228-4302-A40B-45607257F566}"/>
+                <a16:creationId xmlns:a16="http://schemas.microsoft.com/office/drawing/2014/main" id="{D5C4CE5D-E228-4302-A40B-45607257F566}"/>
               </a:ext>
             </a:extLst>
           </p:cNvPr>
@@ -6371,7 +6371,7 @@
           <p:cNvPr id="66" name="Прямоугольник 65">
             <a:extLst>
               <a:ext uri="{FF2B5EF4-FFF2-40B4-BE49-F238E27FC236}">
-                <a16:creationId xmlns="" xmlns:a16="http://schemas.microsoft.com/office/drawing/2014/main" id="{9814D52B-042A-4826-B9FB-5E23E9DC90C4}"/>
+                <a16:creationId xmlns:a16="http://schemas.microsoft.com/office/drawing/2014/main" id="{9814D52B-042A-4826-B9FB-5E23E9DC90C4}"/>
               </a:ext>
             </a:extLst>
           </p:cNvPr>
@@ -6423,7 +6423,7 @@
           <p:cNvPr id="69" name="Прямоугольник 68">
             <a:extLst>
               <a:ext uri="{FF2B5EF4-FFF2-40B4-BE49-F238E27FC236}">
-                <a16:creationId xmlns="" xmlns:a16="http://schemas.microsoft.com/office/drawing/2014/main" id="{D1E21AE8-FED8-415A-84BE-CECD9BE7D909}"/>
+                <a16:creationId xmlns:a16="http://schemas.microsoft.com/office/drawing/2014/main" id="{D1E21AE8-FED8-415A-84BE-CECD9BE7D909}"/>
               </a:ext>
             </a:extLst>
           </p:cNvPr>
@@ -6472,7 +6472,7 @@
           <p:cNvPr id="75" name="Прямоугольник 74">
             <a:extLst>
               <a:ext uri="{FF2B5EF4-FFF2-40B4-BE49-F238E27FC236}">
-                <a16:creationId xmlns="" xmlns:a16="http://schemas.microsoft.com/office/drawing/2014/main" id="{FFC663BD-E4F3-4BD7-AB51-03B9E26D051C}"/>
+                <a16:creationId xmlns:a16="http://schemas.microsoft.com/office/drawing/2014/main" id="{FFC663BD-E4F3-4BD7-AB51-03B9E26D051C}"/>
               </a:ext>
             </a:extLst>
           </p:cNvPr>
@@ -6521,7 +6521,7 @@
           <p:cNvPr id="76" name="Прямоугольник 75">
             <a:extLst>
               <a:ext uri="{FF2B5EF4-FFF2-40B4-BE49-F238E27FC236}">
-                <a16:creationId xmlns="" xmlns:a16="http://schemas.microsoft.com/office/drawing/2014/main" id="{81B2F421-1079-4D0D-A355-84D8F52990B6}"/>
+                <a16:creationId xmlns:a16="http://schemas.microsoft.com/office/drawing/2014/main" id="{81B2F421-1079-4D0D-A355-84D8F52990B6}"/>
               </a:ext>
             </a:extLst>
           </p:cNvPr>
@@ -6570,7 +6570,7 @@
           <p:cNvPr id="79" name="Прямоугольник 78">
             <a:extLst>
               <a:ext uri="{FF2B5EF4-FFF2-40B4-BE49-F238E27FC236}">
-                <a16:creationId xmlns="" xmlns:a16="http://schemas.microsoft.com/office/drawing/2014/main" id="{4A880EDB-FD22-487D-A63C-C40C68E73A62}"/>
+                <a16:creationId xmlns:a16="http://schemas.microsoft.com/office/drawing/2014/main" id="{4A880EDB-FD22-487D-A63C-C40C68E73A62}"/>
               </a:ext>
             </a:extLst>
           </p:cNvPr>
@@ -6619,7 +6619,7 @@
           <p:cNvPr id="82" name="Прямоугольник 81">
             <a:extLst>
               <a:ext uri="{FF2B5EF4-FFF2-40B4-BE49-F238E27FC236}">
-                <a16:creationId xmlns="" xmlns:a16="http://schemas.microsoft.com/office/drawing/2014/main" id="{6FB916C4-3F16-4E21-831A-E94C97D7C1BD}"/>
+                <a16:creationId xmlns:a16="http://schemas.microsoft.com/office/drawing/2014/main" id="{6FB916C4-3F16-4E21-831A-E94C97D7C1BD}"/>
               </a:ext>
             </a:extLst>
           </p:cNvPr>
@@ -6668,7 +6668,7 @@
           <p:cNvPr id="83" name="Прямоугольник 82">
             <a:extLst>
               <a:ext uri="{FF2B5EF4-FFF2-40B4-BE49-F238E27FC236}">
-                <a16:creationId xmlns="" xmlns:a16="http://schemas.microsoft.com/office/drawing/2014/main" id="{425A5458-014A-4B90-AB2E-D3A5BB1F561B}"/>
+                <a16:creationId xmlns:a16="http://schemas.microsoft.com/office/drawing/2014/main" id="{425A5458-014A-4B90-AB2E-D3A5BB1F561B}"/>
               </a:ext>
             </a:extLst>
           </p:cNvPr>
@@ -6721,7 +6721,7 @@
           <p:cNvPr id="86" name="Прямоугольник 85">
             <a:extLst>
               <a:ext uri="{FF2B5EF4-FFF2-40B4-BE49-F238E27FC236}">
-                <a16:creationId xmlns="" xmlns:a16="http://schemas.microsoft.com/office/drawing/2014/main" id="{5AE4370A-92AF-4C68-9C81-314B1F2EDB58}"/>
+                <a16:creationId xmlns:a16="http://schemas.microsoft.com/office/drawing/2014/main" id="{5AE4370A-92AF-4C68-9C81-314B1F2EDB58}"/>
               </a:ext>
             </a:extLst>
           </p:cNvPr>
@@ -6770,7 +6770,7 @@
           <p:cNvPr id="88" name="Прямоугольник 87">
             <a:extLst>
               <a:ext uri="{FF2B5EF4-FFF2-40B4-BE49-F238E27FC236}">
-                <a16:creationId xmlns="" xmlns:a16="http://schemas.microsoft.com/office/drawing/2014/main" id="{6EC0AFE5-F5AA-4DA8-9343-35C78004867D}"/>
+                <a16:creationId xmlns:a16="http://schemas.microsoft.com/office/drawing/2014/main" id="{6EC0AFE5-F5AA-4DA8-9343-35C78004867D}"/>
               </a:ext>
             </a:extLst>
           </p:cNvPr>
@@ -6819,7 +6819,7 @@
           <p:cNvPr id="89" name="Прямоугольник 88">
             <a:extLst>
               <a:ext uri="{FF2B5EF4-FFF2-40B4-BE49-F238E27FC236}">
-                <a16:creationId xmlns="" xmlns:a16="http://schemas.microsoft.com/office/drawing/2014/main" id="{3E84CE71-6654-4A0F-9542-713D6728B0CC}"/>
+                <a16:creationId xmlns:a16="http://schemas.microsoft.com/office/drawing/2014/main" id="{3E84CE71-6654-4A0F-9542-713D6728B0CC}"/>
               </a:ext>
             </a:extLst>
           </p:cNvPr>
@@ -6868,7 +6868,7 @@
           <p:cNvPr id="91" name="Прямоугольник 90">
             <a:extLst>
               <a:ext uri="{FF2B5EF4-FFF2-40B4-BE49-F238E27FC236}">
-                <a16:creationId xmlns="" xmlns:a16="http://schemas.microsoft.com/office/drawing/2014/main" id="{1754E2EA-CB0D-42EE-80B9-FC4D998F5280}"/>
+                <a16:creationId xmlns:a16="http://schemas.microsoft.com/office/drawing/2014/main" id="{1754E2EA-CB0D-42EE-80B9-FC4D998F5280}"/>
               </a:ext>
             </a:extLst>
           </p:cNvPr>
@@ -6917,7 +6917,7 @@
           <p:cNvPr id="95" name="Прямоугольник 94">
             <a:extLst>
               <a:ext uri="{FF2B5EF4-FFF2-40B4-BE49-F238E27FC236}">
-                <a16:creationId xmlns="" xmlns:a16="http://schemas.microsoft.com/office/drawing/2014/main" id="{DEDA82B9-E307-4F93-85E5-547ADE88D28B}"/>
+                <a16:creationId xmlns:a16="http://schemas.microsoft.com/office/drawing/2014/main" id="{DEDA82B9-E307-4F93-85E5-547ADE88D28B}"/>
               </a:ext>
             </a:extLst>
           </p:cNvPr>
@@ -6972,7 +6972,7 @@
           <p:cNvPr id="98" name="Прямоугольник 97">
             <a:extLst>
               <a:ext uri="{FF2B5EF4-FFF2-40B4-BE49-F238E27FC236}">
-                <a16:creationId xmlns="" xmlns:a16="http://schemas.microsoft.com/office/drawing/2014/main" id="{6413196C-E8CA-4F1B-B0BF-4E36A8D9CA72}"/>
+                <a16:creationId xmlns:a16="http://schemas.microsoft.com/office/drawing/2014/main" id="{6413196C-E8CA-4F1B-B0BF-4E36A8D9CA72}"/>
               </a:ext>
             </a:extLst>
           </p:cNvPr>
@@ -7021,7 +7021,7 @@
           <p:cNvPr id="100" name="Прямоугольник 99">
             <a:extLst>
               <a:ext uri="{FF2B5EF4-FFF2-40B4-BE49-F238E27FC236}">
-                <a16:creationId xmlns="" xmlns:a16="http://schemas.microsoft.com/office/drawing/2014/main" id="{2E431EFB-FFBD-4F28-8EDF-DAACB4BDE5DF}"/>
+                <a16:creationId xmlns:a16="http://schemas.microsoft.com/office/drawing/2014/main" id="{2E431EFB-FFBD-4F28-8EDF-DAACB4BDE5DF}"/>
               </a:ext>
             </a:extLst>
           </p:cNvPr>
@@ -7074,7 +7074,7 @@
           <p:cNvPr id="101" name="Прямоугольник 100">
             <a:extLst>
               <a:ext uri="{FF2B5EF4-FFF2-40B4-BE49-F238E27FC236}">
-                <a16:creationId xmlns="" xmlns:a16="http://schemas.microsoft.com/office/drawing/2014/main" id="{4D5CA7C1-C7E7-4441-A96D-1225D8429F32}"/>
+                <a16:creationId xmlns:a16="http://schemas.microsoft.com/office/drawing/2014/main" id="{4D5CA7C1-C7E7-4441-A96D-1225D8429F32}"/>
               </a:ext>
             </a:extLst>
           </p:cNvPr>
@@ -7123,7 +7123,7 @@
           <p:cNvPr id="104" name="Shape 248">
             <a:extLst>
               <a:ext uri="{FF2B5EF4-FFF2-40B4-BE49-F238E27FC236}">
-                <a16:creationId xmlns="" xmlns:a16="http://schemas.microsoft.com/office/drawing/2014/main" id="{50A46DFC-48CD-4996-962B-731F30654153}"/>
+                <a16:creationId xmlns:a16="http://schemas.microsoft.com/office/drawing/2014/main" id="{50A46DFC-48CD-4996-962B-731F30654153}"/>
               </a:ext>
             </a:extLst>
           </p:cNvPr>
@@ -7168,7 +7168,7 @@
           <p:cNvPr id="105" name="Shape 248">
             <a:extLst>
               <a:ext uri="{FF2B5EF4-FFF2-40B4-BE49-F238E27FC236}">
-                <a16:creationId xmlns="" xmlns:a16="http://schemas.microsoft.com/office/drawing/2014/main" id="{BA78C400-6195-44EF-8E9A-5CF984F63B83}"/>
+                <a16:creationId xmlns:a16="http://schemas.microsoft.com/office/drawing/2014/main" id="{BA78C400-6195-44EF-8E9A-5CF984F63B83}"/>
               </a:ext>
             </a:extLst>
           </p:cNvPr>
@@ -7213,7 +7213,7 @@
           <p:cNvPr id="106" name="Shape 248">
             <a:extLst>
               <a:ext uri="{FF2B5EF4-FFF2-40B4-BE49-F238E27FC236}">
-                <a16:creationId xmlns="" xmlns:a16="http://schemas.microsoft.com/office/drawing/2014/main" id="{911A6549-0DBC-4A77-853E-03AD62A81859}"/>
+                <a16:creationId xmlns:a16="http://schemas.microsoft.com/office/drawing/2014/main" id="{911A6549-0DBC-4A77-853E-03AD62A81859}"/>
               </a:ext>
             </a:extLst>
           </p:cNvPr>
@@ -7258,7 +7258,7 @@
           <p:cNvPr id="108" name="Shape 248">
             <a:extLst>
               <a:ext uri="{FF2B5EF4-FFF2-40B4-BE49-F238E27FC236}">
-                <a16:creationId xmlns="" xmlns:a16="http://schemas.microsoft.com/office/drawing/2014/main" id="{3CB2C9CA-D143-487B-B5AB-88D2BF81137D}"/>
+                <a16:creationId xmlns:a16="http://schemas.microsoft.com/office/drawing/2014/main" id="{3CB2C9CA-D143-487B-B5AB-88D2BF81137D}"/>
               </a:ext>
             </a:extLst>
           </p:cNvPr>
@@ -7303,7 +7303,7 @@
           <p:cNvPr id="109" name="Shape 248">
             <a:extLst>
               <a:ext uri="{FF2B5EF4-FFF2-40B4-BE49-F238E27FC236}">
-                <a16:creationId xmlns="" xmlns:a16="http://schemas.microsoft.com/office/drawing/2014/main" id="{1AF38B1E-4A4B-4A62-B680-9E377AB2B953}"/>
+                <a16:creationId xmlns:a16="http://schemas.microsoft.com/office/drawing/2014/main" id="{1AF38B1E-4A4B-4A62-B680-9E377AB2B953}"/>
               </a:ext>
             </a:extLst>
           </p:cNvPr>
@@ -7349,7 +7349,7 @@
           <p:cNvPr id="114" name="Shape 248">
             <a:extLst>
               <a:ext uri="{FF2B5EF4-FFF2-40B4-BE49-F238E27FC236}">
-                <a16:creationId xmlns="" xmlns:a16="http://schemas.microsoft.com/office/drawing/2014/main" id="{7502E7D5-9C5C-420C-88C2-51B3DD2E61B0}"/>
+                <a16:creationId xmlns:a16="http://schemas.microsoft.com/office/drawing/2014/main" id="{7502E7D5-9C5C-420C-88C2-51B3DD2E61B0}"/>
               </a:ext>
             </a:extLst>
           </p:cNvPr>
@@ -7395,7 +7395,7 @@
           <p:cNvPr id="116" name="Shape 248">
             <a:extLst>
               <a:ext uri="{FF2B5EF4-FFF2-40B4-BE49-F238E27FC236}">
-                <a16:creationId xmlns="" xmlns:a16="http://schemas.microsoft.com/office/drawing/2014/main" id="{85A530F4-1E0B-48DD-AD7F-830E6EB01AB5}"/>
+                <a16:creationId xmlns:a16="http://schemas.microsoft.com/office/drawing/2014/main" id="{85A530F4-1E0B-48DD-AD7F-830E6EB01AB5}"/>
               </a:ext>
             </a:extLst>
           </p:cNvPr>
@@ -7441,7 +7441,7 @@
           <p:cNvPr id="119" name="Shape 248">
             <a:extLst>
               <a:ext uri="{FF2B5EF4-FFF2-40B4-BE49-F238E27FC236}">
-                <a16:creationId xmlns="" xmlns:a16="http://schemas.microsoft.com/office/drawing/2014/main" id="{15B56209-2812-45D2-ADAD-DF88359CF2B3}"/>
+                <a16:creationId xmlns:a16="http://schemas.microsoft.com/office/drawing/2014/main" id="{15B56209-2812-45D2-ADAD-DF88359CF2B3}"/>
               </a:ext>
             </a:extLst>
           </p:cNvPr>
@@ -7487,7 +7487,7 @@
           <p:cNvPr id="123" name="Shape 248">
             <a:extLst>
               <a:ext uri="{FF2B5EF4-FFF2-40B4-BE49-F238E27FC236}">
-                <a16:creationId xmlns="" xmlns:a16="http://schemas.microsoft.com/office/drawing/2014/main" id="{95E032AE-0EBF-4995-8C39-DDC6681A1B7E}"/>
+                <a16:creationId xmlns:a16="http://schemas.microsoft.com/office/drawing/2014/main" id="{95E032AE-0EBF-4995-8C39-DDC6681A1B7E}"/>
               </a:ext>
             </a:extLst>
           </p:cNvPr>
@@ -7533,7 +7533,7 @@
           <p:cNvPr id="128" name="Shape 248">
             <a:extLst>
               <a:ext uri="{FF2B5EF4-FFF2-40B4-BE49-F238E27FC236}">
-                <a16:creationId xmlns="" xmlns:a16="http://schemas.microsoft.com/office/drawing/2014/main" id="{B2BA28E1-2581-4FA8-BDBE-B599C6A906A2}"/>
+                <a16:creationId xmlns:a16="http://schemas.microsoft.com/office/drawing/2014/main" id="{B2BA28E1-2581-4FA8-BDBE-B599C6A906A2}"/>
               </a:ext>
             </a:extLst>
           </p:cNvPr>
@@ -7579,7 +7579,7 @@
           <p:cNvPr id="131" name="Shape 248">
             <a:extLst>
               <a:ext uri="{FF2B5EF4-FFF2-40B4-BE49-F238E27FC236}">
-                <a16:creationId xmlns="" xmlns:a16="http://schemas.microsoft.com/office/drawing/2014/main" id="{E0AF8DD7-3889-4346-98A2-39A5A3B56D8A}"/>
+                <a16:creationId xmlns:a16="http://schemas.microsoft.com/office/drawing/2014/main" id="{E0AF8DD7-3889-4346-98A2-39A5A3B56D8A}"/>
               </a:ext>
             </a:extLst>
           </p:cNvPr>
@@ -7624,7 +7624,7 @@
           <p:cNvPr id="133" name="Shape 248">
             <a:extLst>
               <a:ext uri="{FF2B5EF4-FFF2-40B4-BE49-F238E27FC236}">
-                <a16:creationId xmlns="" xmlns:a16="http://schemas.microsoft.com/office/drawing/2014/main" id="{C56D727D-4959-4AF2-988E-526B674656E7}"/>
+                <a16:creationId xmlns:a16="http://schemas.microsoft.com/office/drawing/2014/main" id="{C56D727D-4959-4AF2-988E-526B674656E7}"/>
               </a:ext>
             </a:extLst>
           </p:cNvPr>
@@ -7669,7 +7669,7 @@
           <p:cNvPr id="136" name="Shape 248">
             <a:extLst>
               <a:ext uri="{FF2B5EF4-FFF2-40B4-BE49-F238E27FC236}">
-                <a16:creationId xmlns="" xmlns:a16="http://schemas.microsoft.com/office/drawing/2014/main" id="{5EA808C1-F8AA-4234-A194-F6D9DE19C15A}"/>
+                <a16:creationId xmlns:a16="http://schemas.microsoft.com/office/drawing/2014/main" id="{5EA808C1-F8AA-4234-A194-F6D9DE19C15A}"/>
               </a:ext>
             </a:extLst>
           </p:cNvPr>
@@ -7714,7 +7714,7 @@
           <p:cNvPr id="139" name="Shape 248">
             <a:extLst>
               <a:ext uri="{FF2B5EF4-FFF2-40B4-BE49-F238E27FC236}">
-                <a16:creationId xmlns="" xmlns:a16="http://schemas.microsoft.com/office/drawing/2014/main" id="{64D88D61-5DAA-4B2B-BD1B-324742A8CC4A}"/>
+                <a16:creationId xmlns:a16="http://schemas.microsoft.com/office/drawing/2014/main" id="{64D88D61-5DAA-4B2B-BD1B-324742A8CC4A}"/>
               </a:ext>
             </a:extLst>
           </p:cNvPr>
@@ -7759,7 +7759,7 @@
           <p:cNvPr id="113" name="Прямоугольник 112">
             <a:extLst>
               <a:ext uri="{FF2B5EF4-FFF2-40B4-BE49-F238E27FC236}">
-                <a16:creationId xmlns="" xmlns:a16="http://schemas.microsoft.com/office/drawing/2014/main" id="{692FD614-B45F-44F2-97C1-5B1F574A4286}"/>
+                <a16:creationId xmlns:a16="http://schemas.microsoft.com/office/drawing/2014/main" id="{692FD614-B45F-44F2-97C1-5B1F574A4286}"/>
               </a:ext>
             </a:extLst>
           </p:cNvPr>
@@ -7816,7 +7816,7 @@
           <p:cNvPr id="117" name="Shape 248">
             <a:extLst>
               <a:ext uri="{FF2B5EF4-FFF2-40B4-BE49-F238E27FC236}">
-                <a16:creationId xmlns="" xmlns:a16="http://schemas.microsoft.com/office/drawing/2014/main" id="{DF1CAE3A-A702-4A17-BD9A-7E154FAAA753}"/>
+                <a16:creationId xmlns:a16="http://schemas.microsoft.com/office/drawing/2014/main" id="{DF1CAE3A-A702-4A17-BD9A-7E154FAAA753}"/>
               </a:ext>
             </a:extLst>
           </p:cNvPr>
@@ -7861,7 +7861,7 @@
           <p:cNvPr id="120" name="Прямоугольник 119">
             <a:extLst>
               <a:ext uri="{FF2B5EF4-FFF2-40B4-BE49-F238E27FC236}">
-                <a16:creationId xmlns="" xmlns:a16="http://schemas.microsoft.com/office/drawing/2014/main" id="{52994B44-4FEE-4BC2-940E-9121055E91A1}"/>
+                <a16:creationId xmlns:a16="http://schemas.microsoft.com/office/drawing/2014/main" id="{52994B44-4FEE-4BC2-940E-9121055E91A1}"/>
               </a:ext>
             </a:extLst>
           </p:cNvPr>
@@ -7910,7 +7910,7 @@
           <p:cNvPr id="121" name="Shape 248">
             <a:extLst>
               <a:ext uri="{FF2B5EF4-FFF2-40B4-BE49-F238E27FC236}">
-                <a16:creationId xmlns="" xmlns:a16="http://schemas.microsoft.com/office/drawing/2014/main" id="{4D38D20E-AC58-411A-A865-3C081EF18269}"/>
+                <a16:creationId xmlns:a16="http://schemas.microsoft.com/office/drawing/2014/main" id="{4D38D20E-AC58-411A-A865-3C081EF18269}"/>
               </a:ext>
             </a:extLst>
           </p:cNvPr>
@@ -7955,7 +7955,7 @@
           <p:cNvPr id="124" name="Shape 248">
             <a:extLst>
               <a:ext uri="{FF2B5EF4-FFF2-40B4-BE49-F238E27FC236}">
-                <a16:creationId xmlns="" xmlns:a16="http://schemas.microsoft.com/office/drawing/2014/main" id="{96EAAB4B-25A1-45E5-8029-1961F49C27F6}"/>
+                <a16:creationId xmlns:a16="http://schemas.microsoft.com/office/drawing/2014/main" id="{96EAAB4B-25A1-45E5-8029-1961F49C27F6}"/>
               </a:ext>
             </a:extLst>
           </p:cNvPr>
@@ -8000,7 +8000,7 @@
           <p:cNvPr id="125" name="Прямоугольник 124">
             <a:extLst>
               <a:ext uri="{FF2B5EF4-FFF2-40B4-BE49-F238E27FC236}">
-                <a16:creationId xmlns="" xmlns:a16="http://schemas.microsoft.com/office/drawing/2014/main" id="{BBF66D38-3B77-4A72-80FE-1124919B958E}"/>
+                <a16:creationId xmlns:a16="http://schemas.microsoft.com/office/drawing/2014/main" id="{BBF66D38-3B77-4A72-80FE-1124919B958E}"/>
               </a:ext>
             </a:extLst>
           </p:cNvPr>
@@ -8049,7 +8049,7 @@
           <p:cNvPr id="126" name="Shape 248">
             <a:extLst>
               <a:ext uri="{FF2B5EF4-FFF2-40B4-BE49-F238E27FC236}">
-                <a16:creationId xmlns="" xmlns:a16="http://schemas.microsoft.com/office/drawing/2014/main" id="{002436B9-1324-4489-8D67-C6E3C1427869}"/>
+                <a16:creationId xmlns:a16="http://schemas.microsoft.com/office/drawing/2014/main" id="{002436B9-1324-4489-8D67-C6E3C1427869}"/>
               </a:ext>
             </a:extLst>
           </p:cNvPr>
@@ -8094,7 +8094,7 @@
           <p:cNvPr id="129" name="Shape 248">
             <a:extLst>
               <a:ext uri="{FF2B5EF4-FFF2-40B4-BE49-F238E27FC236}">
-                <a16:creationId xmlns="" xmlns:a16="http://schemas.microsoft.com/office/drawing/2014/main" id="{8B2AE635-F813-4D4B-93C0-BFAE7C59986C}"/>
+                <a16:creationId xmlns:a16="http://schemas.microsoft.com/office/drawing/2014/main" id="{8B2AE635-F813-4D4B-93C0-BFAE7C59986C}"/>
               </a:ext>
             </a:extLst>
           </p:cNvPr>
@@ -8139,7 +8139,7 @@
           <p:cNvPr id="132" name="Прямоугольник 131">
             <a:extLst>
               <a:ext uri="{FF2B5EF4-FFF2-40B4-BE49-F238E27FC236}">
-                <a16:creationId xmlns="" xmlns:a16="http://schemas.microsoft.com/office/drawing/2014/main" id="{C13EAB58-199B-4B01-9E93-CCDA91E30626}"/>
+                <a16:creationId xmlns:a16="http://schemas.microsoft.com/office/drawing/2014/main" id="{C13EAB58-199B-4B01-9E93-CCDA91E30626}"/>
               </a:ext>
             </a:extLst>
           </p:cNvPr>
@@ -8194,7 +8194,7 @@
           <p:cNvPr id="135" name="Прямоугольник 134">
             <a:extLst>
               <a:ext uri="{FF2B5EF4-FFF2-40B4-BE49-F238E27FC236}">
-                <a16:creationId xmlns="" xmlns:a16="http://schemas.microsoft.com/office/drawing/2014/main" id="{9C9F49EE-9417-4A04-A4B0-B121AE471BAB}"/>
+                <a16:creationId xmlns:a16="http://schemas.microsoft.com/office/drawing/2014/main" id="{9C9F49EE-9417-4A04-A4B0-B121AE471BAB}"/>
               </a:ext>
             </a:extLst>
           </p:cNvPr>
@@ -8249,7 +8249,7 @@
           <p:cNvPr id="137" name="Прямоугольник 136">
             <a:extLst>
               <a:ext uri="{FF2B5EF4-FFF2-40B4-BE49-F238E27FC236}">
-                <a16:creationId xmlns="" xmlns:a16="http://schemas.microsoft.com/office/drawing/2014/main" id="{40BC72D3-CE41-4743-90C0-615333F29391}"/>
+                <a16:creationId xmlns:a16="http://schemas.microsoft.com/office/drawing/2014/main" id="{40BC72D3-CE41-4743-90C0-615333F29391}"/>
               </a:ext>
             </a:extLst>
           </p:cNvPr>
@@ -8304,7 +8304,7 @@
           <p:cNvPr id="138" name="Прямоугольник 137">
             <a:extLst>
               <a:ext uri="{FF2B5EF4-FFF2-40B4-BE49-F238E27FC236}">
-                <a16:creationId xmlns="" xmlns:a16="http://schemas.microsoft.com/office/drawing/2014/main" id="{3F5C4FA9-61FD-4FD2-97D7-1672A9A1C989}"/>
+                <a16:creationId xmlns:a16="http://schemas.microsoft.com/office/drawing/2014/main" id="{3F5C4FA9-61FD-4FD2-97D7-1672A9A1C989}"/>
               </a:ext>
             </a:extLst>
           </p:cNvPr>
@@ -8359,7 +8359,7 @@
           <p:cNvPr id="140" name="Прямоугольник 139">
             <a:extLst>
               <a:ext uri="{FF2B5EF4-FFF2-40B4-BE49-F238E27FC236}">
-                <a16:creationId xmlns="" xmlns:a16="http://schemas.microsoft.com/office/drawing/2014/main" id="{58AFA13B-EEC9-4097-BE09-1C51485C8F1F}"/>
+                <a16:creationId xmlns:a16="http://schemas.microsoft.com/office/drawing/2014/main" id="{58AFA13B-EEC9-4097-BE09-1C51485C8F1F}"/>
               </a:ext>
             </a:extLst>
           </p:cNvPr>
@@ -8414,7 +8414,7 @@
           <p:cNvPr id="141" name="Прямая соединительная линия 140">
             <a:extLst>
               <a:ext uri="{FF2B5EF4-FFF2-40B4-BE49-F238E27FC236}">
-                <a16:creationId xmlns="" xmlns:a16="http://schemas.microsoft.com/office/drawing/2014/main" id="{BB94E2D8-7880-44D7-97CA-4D17D4CAC014}"/>
+                <a16:creationId xmlns:a16="http://schemas.microsoft.com/office/drawing/2014/main" id="{BB94E2D8-7880-44D7-97CA-4D17D4CAC014}"/>
               </a:ext>
             </a:extLst>
           </p:cNvPr>
@@ -8459,7 +8459,7 @@
           <p:cNvPr id="142" name="Прямоугольник 141">
             <a:extLst>
               <a:ext uri="{FF2B5EF4-FFF2-40B4-BE49-F238E27FC236}">
-                <a16:creationId xmlns="" xmlns:a16="http://schemas.microsoft.com/office/drawing/2014/main" id="{3F50D8DF-0634-43AD-80A2-E47126298642}"/>
+                <a16:creationId xmlns:a16="http://schemas.microsoft.com/office/drawing/2014/main" id="{3F50D8DF-0634-43AD-80A2-E47126298642}"/>
               </a:ext>
             </a:extLst>
           </p:cNvPr>
@@ -8514,7 +8514,7 @@
           <p:cNvPr id="143" name="Прямоугольник 142">
             <a:extLst>
               <a:ext uri="{FF2B5EF4-FFF2-40B4-BE49-F238E27FC236}">
-                <a16:creationId xmlns="" xmlns:a16="http://schemas.microsoft.com/office/drawing/2014/main" id="{95B3EF4F-5151-431D-AA6A-D00E487D5830}"/>
+                <a16:creationId xmlns:a16="http://schemas.microsoft.com/office/drawing/2014/main" id="{95B3EF4F-5151-431D-AA6A-D00E487D5830}"/>
               </a:ext>
             </a:extLst>
           </p:cNvPr>
@@ -8569,7 +8569,7 @@
           <p:cNvPr id="144" name="Прямоугольник 143">
             <a:extLst>
               <a:ext uri="{FF2B5EF4-FFF2-40B4-BE49-F238E27FC236}">
-                <a16:creationId xmlns="" xmlns:a16="http://schemas.microsoft.com/office/drawing/2014/main" id="{60610E5E-754A-4D53-A261-E399488942B9}"/>
+                <a16:creationId xmlns:a16="http://schemas.microsoft.com/office/drawing/2014/main" id="{60610E5E-754A-4D53-A261-E399488942B9}"/>
               </a:ext>
             </a:extLst>
           </p:cNvPr>
@@ -8624,7 +8624,7 @@
           <p:cNvPr id="145" name="Прямая соединительная линия 144">
             <a:extLst>
               <a:ext uri="{FF2B5EF4-FFF2-40B4-BE49-F238E27FC236}">
-                <a16:creationId xmlns="" xmlns:a16="http://schemas.microsoft.com/office/drawing/2014/main" id="{FA260062-FB46-4D5D-9DE2-7B0B8BD8DFD0}"/>
+                <a16:creationId xmlns:a16="http://schemas.microsoft.com/office/drawing/2014/main" id="{FA260062-FB46-4D5D-9DE2-7B0B8BD8DFD0}"/>
               </a:ext>
             </a:extLst>
           </p:cNvPr>
@@ -8669,7 +8669,7 @@
           <p:cNvPr id="146" name="Shape 248">
             <a:extLst>
               <a:ext uri="{FF2B5EF4-FFF2-40B4-BE49-F238E27FC236}">
-                <a16:creationId xmlns="" xmlns:a16="http://schemas.microsoft.com/office/drawing/2014/main" id="{FC2C2AD8-9C0B-40B1-9111-0A2E007A3288}"/>
+                <a16:creationId xmlns:a16="http://schemas.microsoft.com/office/drawing/2014/main" id="{FC2C2AD8-9C0B-40B1-9111-0A2E007A3288}"/>
               </a:ext>
             </a:extLst>
           </p:cNvPr>
@@ -8714,7 +8714,7 @@
           <p:cNvPr id="147" name="Shape 248">
             <a:extLst>
               <a:ext uri="{FF2B5EF4-FFF2-40B4-BE49-F238E27FC236}">
-                <a16:creationId xmlns="" xmlns:a16="http://schemas.microsoft.com/office/drawing/2014/main" id="{80E2086F-3E60-4652-AE9A-32DB04678296}"/>
+                <a16:creationId xmlns:a16="http://schemas.microsoft.com/office/drawing/2014/main" id="{80E2086F-3E60-4652-AE9A-32DB04678296}"/>
               </a:ext>
             </a:extLst>
           </p:cNvPr>
@@ -8759,7 +8759,7 @@
           <p:cNvPr id="148" name="Shape 248">
             <a:extLst>
               <a:ext uri="{FF2B5EF4-FFF2-40B4-BE49-F238E27FC236}">
-                <a16:creationId xmlns="" xmlns:a16="http://schemas.microsoft.com/office/drawing/2014/main" id="{E0B741F2-E935-498D-AC4E-642D3630538B}"/>
+                <a16:creationId xmlns:a16="http://schemas.microsoft.com/office/drawing/2014/main" id="{E0B741F2-E935-498D-AC4E-642D3630538B}"/>
               </a:ext>
             </a:extLst>
           </p:cNvPr>
@@ -8804,7 +8804,7 @@
           <p:cNvPr id="149" name="Shape 248">
             <a:extLst>
               <a:ext uri="{FF2B5EF4-FFF2-40B4-BE49-F238E27FC236}">
-                <a16:creationId xmlns="" xmlns:a16="http://schemas.microsoft.com/office/drawing/2014/main" id="{47638B92-B99E-4CB4-99E2-4C7AC3B60060}"/>
+                <a16:creationId xmlns:a16="http://schemas.microsoft.com/office/drawing/2014/main" id="{47638B92-B99E-4CB4-99E2-4C7AC3B60060}"/>
               </a:ext>
             </a:extLst>
           </p:cNvPr>
@@ -8849,7 +8849,7 @@
           <p:cNvPr id="152" name="Shape 248">
             <a:extLst>
               <a:ext uri="{FF2B5EF4-FFF2-40B4-BE49-F238E27FC236}">
-                <a16:creationId xmlns="" xmlns:a16="http://schemas.microsoft.com/office/drawing/2014/main" id="{7C8EDC8E-CDE1-4CA2-91B4-52D4658E58DA}"/>
+                <a16:creationId xmlns:a16="http://schemas.microsoft.com/office/drawing/2014/main" id="{7C8EDC8E-CDE1-4CA2-91B4-52D4658E58DA}"/>
               </a:ext>
             </a:extLst>
           </p:cNvPr>
@@ -8894,7 +8894,7 @@
           <p:cNvPr id="155" name="Shape 248">
             <a:extLst>
               <a:ext uri="{FF2B5EF4-FFF2-40B4-BE49-F238E27FC236}">
-                <a16:creationId xmlns="" xmlns:a16="http://schemas.microsoft.com/office/drawing/2014/main" id="{1279B33C-FD72-4315-86F0-C7DB150F3DD1}"/>
+                <a16:creationId xmlns:a16="http://schemas.microsoft.com/office/drawing/2014/main" id="{1279B33C-FD72-4315-86F0-C7DB150F3DD1}"/>
               </a:ext>
             </a:extLst>
           </p:cNvPr>
@@ -8939,7 +8939,7 @@
           <p:cNvPr id="158" name="Shape 248">
             <a:extLst>
               <a:ext uri="{FF2B5EF4-FFF2-40B4-BE49-F238E27FC236}">
-                <a16:creationId xmlns="" xmlns:a16="http://schemas.microsoft.com/office/drawing/2014/main" id="{6CED0B40-61B7-466B-8F67-3EF77B3584A5}"/>
+                <a16:creationId xmlns:a16="http://schemas.microsoft.com/office/drawing/2014/main" id="{6CED0B40-61B7-466B-8F67-3EF77B3584A5}"/>
               </a:ext>
             </a:extLst>
           </p:cNvPr>
@@ -8984,7 +8984,7 @@
           <p:cNvPr id="161" name="Прямоугольник 160">
             <a:extLst>
               <a:ext uri="{FF2B5EF4-FFF2-40B4-BE49-F238E27FC236}">
-                <a16:creationId xmlns="" xmlns:a16="http://schemas.microsoft.com/office/drawing/2014/main" id="{5198995C-E84D-44CF-8362-6FC5D4B1143B}"/>
+                <a16:creationId xmlns:a16="http://schemas.microsoft.com/office/drawing/2014/main" id="{5198995C-E84D-44CF-8362-6FC5D4B1143B}"/>
               </a:ext>
             </a:extLst>
           </p:cNvPr>
@@ -9039,7 +9039,7 @@
           <p:cNvPr id="162" name="Прямоугольник 161">
             <a:extLst>
               <a:ext uri="{FF2B5EF4-FFF2-40B4-BE49-F238E27FC236}">
-                <a16:creationId xmlns="" xmlns:a16="http://schemas.microsoft.com/office/drawing/2014/main" id="{4020F592-5054-4E4A-B023-6359EC72C162}"/>
+                <a16:creationId xmlns:a16="http://schemas.microsoft.com/office/drawing/2014/main" id="{4020F592-5054-4E4A-B023-6359EC72C162}"/>
               </a:ext>
             </a:extLst>
           </p:cNvPr>
@@ -9094,7 +9094,7 @@
           <p:cNvPr id="163" name="Прямоугольник 162">
             <a:extLst>
               <a:ext uri="{FF2B5EF4-FFF2-40B4-BE49-F238E27FC236}">
-                <a16:creationId xmlns="" xmlns:a16="http://schemas.microsoft.com/office/drawing/2014/main" id="{8E7A537A-8EE2-4454-A485-36EAF5844820}"/>
+                <a16:creationId xmlns:a16="http://schemas.microsoft.com/office/drawing/2014/main" id="{8E7A537A-8EE2-4454-A485-36EAF5844820}"/>
               </a:ext>
             </a:extLst>
           </p:cNvPr>
@@ -9149,7 +9149,7 @@
           <p:cNvPr id="164" name="Прямоугольник 163">
             <a:extLst>
               <a:ext uri="{FF2B5EF4-FFF2-40B4-BE49-F238E27FC236}">
-                <a16:creationId xmlns="" xmlns:a16="http://schemas.microsoft.com/office/drawing/2014/main" id="{4FF87BA2-DD53-4A8E-BC1F-D19E1127E3CD}"/>
+                <a16:creationId xmlns:a16="http://schemas.microsoft.com/office/drawing/2014/main" id="{4FF87BA2-DD53-4A8E-BC1F-D19E1127E3CD}"/>
               </a:ext>
             </a:extLst>
           </p:cNvPr>
@@ -9204,7 +9204,7 @@
           <p:cNvPr id="165" name="Shape 248">
             <a:extLst>
               <a:ext uri="{FF2B5EF4-FFF2-40B4-BE49-F238E27FC236}">
-                <a16:creationId xmlns="" xmlns:a16="http://schemas.microsoft.com/office/drawing/2014/main" id="{C584C0F4-71B5-4D37-8305-6677CA9CA6F0}"/>
+                <a16:creationId xmlns:a16="http://schemas.microsoft.com/office/drawing/2014/main" id="{C584C0F4-71B5-4D37-8305-6677CA9CA6F0}"/>
               </a:ext>
             </a:extLst>
           </p:cNvPr>
@@ -9249,7 +9249,7 @@
           <p:cNvPr id="168" name="Shape 248">
             <a:extLst>
               <a:ext uri="{FF2B5EF4-FFF2-40B4-BE49-F238E27FC236}">
-                <a16:creationId xmlns="" xmlns:a16="http://schemas.microsoft.com/office/drawing/2014/main" id="{3E5C971E-8B32-48F3-BCFC-6EDF7FDD62B8}"/>
+                <a16:creationId xmlns:a16="http://schemas.microsoft.com/office/drawing/2014/main" id="{3E5C971E-8B32-48F3-BCFC-6EDF7FDD62B8}"/>
               </a:ext>
             </a:extLst>
           </p:cNvPr>
@@ -9294,7 +9294,7 @@
           <p:cNvPr id="171" name="Shape 248">
             <a:extLst>
               <a:ext uri="{FF2B5EF4-FFF2-40B4-BE49-F238E27FC236}">
-                <a16:creationId xmlns="" xmlns:a16="http://schemas.microsoft.com/office/drawing/2014/main" id="{388CEDB2-BCE5-47F4-A263-5613F83B749C}"/>
+                <a16:creationId xmlns:a16="http://schemas.microsoft.com/office/drawing/2014/main" id="{388CEDB2-BCE5-47F4-A263-5613F83B749C}"/>
               </a:ext>
             </a:extLst>
           </p:cNvPr>
@@ -9339,7 +9339,7 @@
           <p:cNvPr id="175" name="Shape 248">
             <a:extLst>
               <a:ext uri="{FF2B5EF4-FFF2-40B4-BE49-F238E27FC236}">
-                <a16:creationId xmlns="" xmlns:a16="http://schemas.microsoft.com/office/drawing/2014/main" id="{15ABCEDF-284E-44F8-83ED-B2CE718081A7}"/>
+                <a16:creationId xmlns:a16="http://schemas.microsoft.com/office/drawing/2014/main" id="{15ABCEDF-284E-44F8-83ED-B2CE718081A7}"/>
               </a:ext>
             </a:extLst>
           </p:cNvPr>
@@ -9384,7 +9384,7 @@
           <p:cNvPr id="179" name="Прямоугольник 178">
             <a:extLst>
               <a:ext uri="{FF2B5EF4-FFF2-40B4-BE49-F238E27FC236}">
-                <a16:creationId xmlns="" xmlns:a16="http://schemas.microsoft.com/office/drawing/2014/main" id="{4D450CD8-6BA8-4CE6-A7AF-1D646DC797A7}"/>
+                <a16:creationId xmlns:a16="http://schemas.microsoft.com/office/drawing/2014/main" id="{4D450CD8-6BA8-4CE6-A7AF-1D646DC797A7}"/>
               </a:ext>
             </a:extLst>
           </p:cNvPr>
@@ -9436,7 +9436,7 @@
           <p:cNvPr id="180" name="Прямоугольник 179">
             <a:extLst>
               <a:ext uri="{FF2B5EF4-FFF2-40B4-BE49-F238E27FC236}">
-                <a16:creationId xmlns="" xmlns:a16="http://schemas.microsoft.com/office/drawing/2014/main" id="{40BC13A1-50C0-4F8A-A26E-B9A261B680F0}"/>
+                <a16:creationId xmlns:a16="http://schemas.microsoft.com/office/drawing/2014/main" id="{40BC13A1-50C0-4F8A-A26E-B9A261B680F0}"/>
               </a:ext>
             </a:extLst>
           </p:cNvPr>
@@ -9492,7 +9492,7 @@
           <p:cNvPr id="181" name="Прямая соединительная линия 180">
             <a:extLst>
               <a:ext uri="{FF2B5EF4-FFF2-40B4-BE49-F238E27FC236}">
-                <a16:creationId xmlns="" xmlns:a16="http://schemas.microsoft.com/office/drawing/2014/main" id="{C0AA5F36-639B-4043-9411-7F1C19FF42D1}"/>
+                <a16:creationId xmlns:a16="http://schemas.microsoft.com/office/drawing/2014/main" id="{C0AA5F36-639B-4043-9411-7F1C19FF42D1}"/>
               </a:ext>
             </a:extLst>
           </p:cNvPr>
@@ -9537,7 +9537,7 @@
           <p:cNvPr id="182" name="Прямоугольник 181">
             <a:extLst>
               <a:ext uri="{FF2B5EF4-FFF2-40B4-BE49-F238E27FC236}">
-                <a16:creationId xmlns="" xmlns:a16="http://schemas.microsoft.com/office/drawing/2014/main" id="{95166D09-967B-48B4-A7E5-518E9CABBC8E}"/>
+                <a16:creationId xmlns:a16="http://schemas.microsoft.com/office/drawing/2014/main" id="{95166D09-967B-48B4-A7E5-518E9CABBC8E}"/>
               </a:ext>
             </a:extLst>
           </p:cNvPr>
@@ -9589,7 +9589,7 @@
           <p:cNvPr id="183" name="Прямоугольник 182">
             <a:extLst>
               <a:ext uri="{FF2B5EF4-FFF2-40B4-BE49-F238E27FC236}">
-                <a16:creationId xmlns="" xmlns:a16="http://schemas.microsoft.com/office/drawing/2014/main" id="{D04E1CE4-188F-4F4B-8A68-8D0B3634515C}"/>
+                <a16:creationId xmlns:a16="http://schemas.microsoft.com/office/drawing/2014/main" id="{D04E1CE4-188F-4F4B-8A68-8D0B3634515C}"/>
               </a:ext>
             </a:extLst>
           </p:cNvPr>
@@ -9641,7 +9641,7 @@
           <p:cNvPr id="184" name="Прямоугольник 183">
             <a:extLst>
               <a:ext uri="{FF2B5EF4-FFF2-40B4-BE49-F238E27FC236}">
-                <a16:creationId xmlns="" xmlns:a16="http://schemas.microsoft.com/office/drawing/2014/main" id="{7D95E591-1D9F-40DF-BB43-A1025426DC3B}"/>
+                <a16:creationId xmlns:a16="http://schemas.microsoft.com/office/drawing/2014/main" id="{7D95E591-1D9F-40DF-BB43-A1025426DC3B}"/>
               </a:ext>
             </a:extLst>
           </p:cNvPr>
@@ -9697,7 +9697,7 @@
           <p:cNvPr id="189" name="Прямоугольник 188">
             <a:extLst>
               <a:ext uri="{FF2B5EF4-FFF2-40B4-BE49-F238E27FC236}">
-                <a16:creationId xmlns="" xmlns:a16="http://schemas.microsoft.com/office/drawing/2014/main" id="{A51D4A15-1158-4C28-8484-2097D4960981}"/>
+                <a16:creationId xmlns:a16="http://schemas.microsoft.com/office/drawing/2014/main" id="{A51D4A15-1158-4C28-8484-2097D4960981}"/>
               </a:ext>
             </a:extLst>
           </p:cNvPr>
@@ -9753,7 +9753,7 @@
           <p:cNvPr id="190" name="Shape 248">
             <a:extLst>
               <a:ext uri="{FF2B5EF4-FFF2-40B4-BE49-F238E27FC236}">
-                <a16:creationId xmlns="" xmlns:a16="http://schemas.microsoft.com/office/drawing/2014/main" id="{51852AA5-4BC9-45D7-B135-81009A9566A8}"/>
+                <a16:creationId xmlns:a16="http://schemas.microsoft.com/office/drawing/2014/main" id="{51852AA5-4BC9-45D7-B135-81009A9566A8}"/>
               </a:ext>
             </a:extLst>
           </p:cNvPr>
@@ -9798,7 +9798,7 @@
           <p:cNvPr id="193" name="Shape 248">
             <a:extLst>
               <a:ext uri="{FF2B5EF4-FFF2-40B4-BE49-F238E27FC236}">
-                <a16:creationId xmlns="" xmlns:a16="http://schemas.microsoft.com/office/drawing/2014/main" id="{D7D93370-20F5-4517-932B-5E66AC2C63FE}"/>
+                <a16:creationId xmlns:a16="http://schemas.microsoft.com/office/drawing/2014/main" id="{D7D93370-20F5-4517-932B-5E66AC2C63FE}"/>
               </a:ext>
             </a:extLst>
           </p:cNvPr>
@@ -9843,7 +9843,7 @@
           <p:cNvPr id="196" name="Shape 248">
             <a:extLst>
               <a:ext uri="{FF2B5EF4-FFF2-40B4-BE49-F238E27FC236}">
-                <a16:creationId xmlns="" xmlns:a16="http://schemas.microsoft.com/office/drawing/2014/main" id="{5BB9178E-3847-431F-B9DF-970D3B652FA9}"/>
+                <a16:creationId xmlns:a16="http://schemas.microsoft.com/office/drawing/2014/main" id="{5BB9178E-3847-431F-B9DF-970D3B652FA9}"/>
               </a:ext>
             </a:extLst>
           </p:cNvPr>
@@ -9888,7 +9888,7 @@
           <p:cNvPr id="199" name="Shape 248">
             <a:extLst>
               <a:ext uri="{FF2B5EF4-FFF2-40B4-BE49-F238E27FC236}">
-                <a16:creationId xmlns="" xmlns:a16="http://schemas.microsoft.com/office/drawing/2014/main" id="{1A9FD21D-78EE-4BA4-B9E1-E5D6A6E41E1D}"/>
+                <a16:creationId xmlns:a16="http://schemas.microsoft.com/office/drawing/2014/main" id="{1A9FD21D-78EE-4BA4-B9E1-E5D6A6E41E1D}"/>
               </a:ext>
             </a:extLst>
           </p:cNvPr>
@@ -9933,7 +9933,7 @@
           <p:cNvPr id="202" name="Shape 248">
             <a:extLst>
               <a:ext uri="{FF2B5EF4-FFF2-40B4-BE49-F238E27FC236}">
-                <a16:creationId xmlns="" xmlns:a16="http://schemas.microsoft.com/office/drawing/2014/main" id="{EE84D303-F6DA-4C56-92C0-57364B77ACF8}"/>
+                <a16:creationId xmlns:a16="http://schemas.microsoft.com/office/drawing/2014/main" id="{EE84D303-F6DA-4C56-92C0-57364B77ACF8}"/>
               </a:ext>
             </a:extLst>
           </p:cNvPr>
@@ -9978,7 +9978,7 @@
           <p:cNvPr id="208" name="Прямая соединительная линия 207">
             <a:extLst>
               <a:ext uri="{FF2B5EF4-FFF2-40B4-BE49-F238E27FC236}">
-                <a16:creationId xmlns="" xmlns:a16="http://schemas.microsoft.com/office/drawing/2014/main" id="{D5947B72-7F18-4E3D-9015-6DE7BA610776}"/>
+                <a16:creationId xmlns:a16="http://schemas.microsoft.com/office/drawing/2014/main" id="{D5947B72-7F18-4E3D-9015-6DE7BA610776}"/>
               </a:ext>
             </a:extLst>
           </p:cNvPr>
@@ -10023,7 +10023,7 @@
           <p:cNvPr id="211" name="Прямоугольник 210">
             <a:extLst>
               <a:ext uri="{FF2B5EF4-FFF2-40B4-BE49-F238E27FC236}">
-                <a16:creationId xmlns="" xmlns:a16="http://schemas.microsoft.com/office/drawing/2014/main" id="{D75815DF-1295-45F6-A24F-F3F3F8B4BBFB}"/>
+                <a16:creationId xmlns:a16="http://schemas.microsoft.com/office/drawing/2014/main" id="{D75815DF-1295-45F6-A24F-F3F3F8B4BBFB}"/>
               </a:ext>
             </a:extLst>
           </p:cNvPr>
@@ -10079,7 +10079,7 @@
           <p:cNvPr id="212" name="Прямоугольник 211">
             <a:extLst>
               <a:ext uri="{FF2B5EF4-FFF2-40B4-BE49-F238E27FC236}">
-                <a16:creationId xmlns="" xmlns:a16="http://schemas.microsoft.com/office/drawing/2014/main" id="{0151B7FA-9194-430D-BD39-8CC623C30AAC}"/>
+                <a16:creationId xmlns:a16="http://schemas.microsoft.com/office/drawing/2014/main" id="{0151B7FA-9194-430D-BD39-8CC623C30AAC}"/>
               </a:ext>
             </a:extLst>
           </p:cNvPr>
@@ -10135,7 +10135,7 @@
           <p:cNvPr id="213" name="Прямоугольник 212">
             <a:extLst>
               <a:ext uri="{FF2B5EF4-FFF2-40B4-BE49-F238E27FC236}">
-                <a16:creationId xmlns="" xmlns:a16="http://schemas.microsoft.com/office/drawing/2014/main" id="{7729F444-4FEA-432F-8013-2BEBC57E2B6D}"/>
+                <a16:creationId xmlns:a16="http://schemas.microsoft.com/office/drawing/2014/main" id="{7729F444-4FEA-432F-8013-2BEBC57E2B6D}"/>
               </a:ext>
             </a:extLst>
           </p:cNvPr>
@@ -10191,7 +10191,7 @@
           <p:cNvPr id="214" name="Прямоугольник 213">
             <a:extLst>
               <a:ext uri="{FF2B5EF4-FFF2-40B4-BE49-F238E27FC236}">
-                <a16:creationId xmlns="" xmlns:a16="http://schemas.microsoft.com/office/drawing/2014/main" id="{16AAD304-6FEE-4D2E-9993-5A8DC45D6651}"/>
+                <a16:creationId xmlns:a16="http://schemas.microsoft.com/office/drawing/2014/main" id="{16AAD304-6FEE-4D2E-9993-5A8DC45D6651}"/>
               </a:ext>
             </a:extLst>
           </p:cNvPr>
@@ -10247,7 +10247,7 @@
           <p:cNvPr id="215" name="Прямоугольник 214">
             <a:extLst>
               <a:ext uri="{FF2B5EF4-FFF2-40B4-BE49-F238E27FC236}">
-                <a16:creationId xmlns="" xmlns:a16="http://schemas.microsoft.com/office/drawing/2014/main" id="{74B39C5A-7232-4332-92CA-D9A8138D38DA}"/>
+                <a16:creationId xmlns:a16="http://schemas.microsoft.com/office/drawing/2014/main" id="{74B39C5A-7232-4332-92CA-D9A8138D38DA}"/>
               </a:ext>
             </a:extLst>
           </p:cNvPr>
@@ -10303,7 +10303,7 @@
           <p:cNvPr id="216" name="Прямоугольник 215">
             <a:extLst>
               <a:ext uri="{FF2B5EF4-FFF2-40B4-BE49-F238E27FC236}">
-                <a16:creationId xmlns="" xmlns:a16="http://schemas.microsoft.com/office/drawing/2014/main" id="{AE26874C-3E14-4254-9FF9-22A53182396D}"/>
+                <a16:creationId xmlns:a16="http://schemas.microsoft.com/office/drawing/2014/main" id="{AE26874C-3E14-4254-9FF9-22A53182396D}"/>
               </a:ext>
             </a:extLst>
           </p:cNvPr>
@@ -10367,7 +10367,7 @@
           <p:cNvPr id="217" name="Shape 248">
             <a:extLst>
               <a:ext uri="{FF2B5EF4-FFF2-40B4-BE49-F238E27FC236}">
-                <a16:creationId xmlns="" xmlns:a16="http://schemas.microsoft.com/office/drawing/2014/main" id="{FC454BD7-96BE-4558-85A5-0C6F748CF25B}"/>
+                <a16:creationId xmlns:a16="http://schemas.microsoft.com/office/drawing/2014/main" id="{FC454BD7-96BE-4558-85A5-0C6F748CF25B}"/>
               </a:ext>
             </a:extLst>
           </p:cNvPr>
@@ -10412,7 +10412,7 @@
           <p:cNvPr id="224" name="Shape 248">
             <a:extLst>
               <a:ext uri="{FF2B5EF4-FFF2-40B4-BE49-F238E27FC236}">
-                <a16:creationId xmlns="" xmlns:a16="http://schemas.microsoft.com/office/drawing/2014/main" id="{458482DB-E941-4E82-968C-B151033B4F35}"/>
+                <a16:creationId xmlns:a16="http://schemas.microsoft.com/office/drawing/2014/main" id="{458482DB-E941-4E82-968C-B151033B4F35}"/>
               </a:ext>
             </a:extLst>
           </p:cNvPr>
@@ -10457,7 +10457,7 @@
           <p:cNvPr id="229" name="Shape 248">
             <a:extLst>
               <a:ext uri="{FF2B5EF4-FFF2-40B4-BE49-F238E27FC236}">
-                <a16:creationId xmlns="" xmlns:a16="http://schemas.microsoft.com/office/drawing/2014/main" id="{3AE9B19C-B228-4A22-8CCB-A75C420B187D}"/>
+                <a16:creationId xmlns:a16="http://schemas.microsoft.com/office/drawing/2014/main" id="{3AE9B19C-B228-4A22-8CCB-A75C420B187D}"/>
               </a:ext>
             </a:extLst>
           </p:cNvPr>
@@ -10502,7 +10502,7 @@
           <p:cNvPr id="235" name="Прямоугольник 234">
             <a:extLst>
               <a:ext uri="{FF2B5EF4-FFF2-40B4-BE49-F238E27FC236}">
-                <a16:creationId xmlns="" xmlns:a16="http://schemas.microsoft.com/office/drawing/2014/main" id="{169ADD3C-7D9B-40F6-B582-CA9FCE0885C3}"/>
+                <a16:creationId xmlns:a16="http://schemas.microsoft.com/office/drawing/2014/main" id="{169ADD3C-7D9B-40F6-B582-CA9FCE0885C3}"/>
               </a:ext>
             </a:extLst>
           </p:cNvPr>
@@ -10554,7 +10554,7 @@
           <p:cNvPr id="237" name="Shape 248">
             <a:extLst>
               <a:ext uri="{FF2B5EF4-FFF2-40B4-BE49-F238E27FC236}">
-                <a16:creationId xmlns="" xmlns:a16="http://schemas.microsoft.com/office/drawing/2014/main" id="{B3D13C37-9FB0-4412-BC63-C2A65F220279}"/>
+                <a16:creationId xmlns:a16="http://schemas.microsoft.com/office/drawing/2014/main" id="{B3D13C37-9FB0-4412-BC63-C2A65F220279}"/>
               </a:ext>
             </a:extLst>
           </p:cNvPr>
@@ -10600,7 +10600,7 @@
           <p:cNvPr id="240" name="Shape 248">
             <a:extLst>
               <a:ext uri="{FF2B5EF4-FFF2-40B4-BE49-F238E27FC236}">
-                <a16:creationId xmlns="" xmlns:a16="http://schemas.microsoft.com/office/drawing/2014/main" id="{EC3C1C20-31C0-458B-B819-AA2D51E58845}"/>
+                <a16:creationId xmlns:a16="http://schemas.microsoft.com/office/drawing/2014/main" id="{EC3C1C20-31C0-458B-B819-AA2D51E58845}"/>
               </a:ext>
             </a:extLst>
           </p:cNvPr>
@@ -10646,7 +10646,7 @@
           <p:cNvPr id="243" name="Прямоугольник 242">
             <a:extLst>
               <a:ext uri="{FF2B5EF4-FFF2-40B4-BE49-F238E27FC236}">
-                <a16:creationId xmlns="" xmlns:a16="http://schemas.microsoft.com/office/drawing/2014/main" id="{EC9BD36C-D972-42C4-93E6-6DAE9234F692}"/>
+                <a16:creationId xmlns:a16="http://schemas.microsoft.com/office/drawing/2014/main" id="{EC9BD36C-D972-42C4-93E6-6DAE9234F692}"/>
               </a:ext>
             </a:extLst>
           </p:cNvPr>
@@ -10701,7 +10701,7 @@
           <p:cNvPr id="244" name="Прямоугольник 243">
             <a:extLst>
               <a:ext uri="{FF2B5EF4-FFF2-40B4-BE49-F238E27FC236}">
-                <a16:creationId xmlns="" xmlns:a16="http://schemas.microsoft.com/office/drawing/2014/main" id="{948FBE2C-B2A6-473E-BB60-11F26ADF54F1}"/>
+                <a16:creationId xmlns:a16="http://schemas.microsoft.com/office/drawing/2014/main" id="{948FBE2C-B2A6-473E-BB60-11F26ADF54F1}"/>
               </a:ext>
             </a:extLst>
           </p:cNvPr>
@@ -10756,7 +10756,7 @@
           <p:cNvPr id="245" name="Прямоугольник 244">
             <a:extLst>
               <a:ext uri="{FF2B5EF4-FFF2-40B4-BE49-F238E27FC236}">
-                <a16:creationId xmlns="" xmlns:a16="http://schemas.microsoft.com/office/drawing/2014/main" id="{2E0544E4-9592-4382-8DDF-EB6FEA328AC2}"/>
+                <a16:creationId xmlns:a16="http://schemas.microsoft.com/office/drawing/2014/main" id="{2E0544E4-9592-4382-8DDF-EB6FEA328AC2}"/>
               </a:ext>
             </a:extLst>
           </p:cNvPr>
@@ -10811,7 +10811,7 @@
           <p:cNvPr id="247" name="Прямоугольник 246">
             <a:extLst>
               <a:ext uri="{FF2B5EF4-FFF2-40B4-BE49-F238E27FC236}">
-                <a16:creationId xmlns="" xmlns:a16="http://schemas.microsoft.com/office/drawing/2014/main" id="{B8E1ED6E-2489-4B4F-B2DE-827983897179}"/>
+                <a16:creationId xmlns:a16="http://schemas.microsoft.com/office/drawing/2014/main" id="{B8E1ED6E-2489-4B4F-B2DE-827983897179}"/>
               </a:ext>
             </a:extLst>
           </p:cNvPr>
@@ -10866,7 +10866,7 @@
           <p:cNvPr id="252" name="Прямоугольник 251">
             <a:extLst>
               <a:ext uri="{FF2B5EF4-FFF2-40B4-BE49-F238E27FC236}">
-                <a16:creationId xmlns="" xmlns:a16="http://schemas.microsoft.com/office/drawing/2014/main" id="{5C03381E-AD84-48D0-9DF4-9972112B9350}"/>
+                <a16:creationId xmlns:a16="http://schemas.microsoft.com/office/drawing/2014/main" id="{5C03381E-AD84-48D0-9DF4-9972112B9350}"/>
               </a:ext>
             </a:extLst>
           </p:cNvPr>
@@ -10921,7 +10921,7 @@
           <p:cNvPr id="253" name="Прямоугольник 252">
             <a:extLst>
               <a:ext uri="{FF2B5EF4-FFF2-40B4-BE49-F238E27FC236}">
-                <a16:creationId xmlns="" xmlns:a16="http://schemas.microsoft.com/office/drawing/2014/main" id="{850A0E66-09E6-4644-8D6F-21BF01BD6C95}"/>
+                <a16:creationId xmlns:a16="http://schemas.microsoft.com/office/drawing/2014/main" id="{850A0E66-09E6-4644-8D6F-21BF01BD6C95}"/>
               </a:ext>
             </a:extLst>
           </p:cNvPr>
@@ -10973,7 +10973,7 @@
           <p:cNvPr id="254" name="Прямая соединительная линия 253">
             <a:extLst>
               <a:ext uri="{FF2B5EF4-FFF2-40B4-BE49-F238E27FC236}">
-                <a16:creationId xmlns="" xmlns:a16="http://schemas.microsoft.com/office/drawing/2014/main" id="{05512C7F-F1A2-4A1D-9E7E-FDFD88048733}"/>
+                <a16:creationId xmlns:a16="http://schemas.microsoft.com/office/drawing/2014/main" id="{05512C7F-F1A2-4A1D-9E7E-FDFD88048733}"/>
               </a:ext>
             </a:extLst>
           </p:cNvPr>
@@ -11018,7 +11018,7 @@
           <p:cNvPr id="265" name="Shape 248">
             <a:extLst>
               <a:ext uri="{FF2B5EF4-FFF2-40B4-BE49-F238E27FC236}">
-                <a16:creationId xmlns="" xmlns:a16="http://schemas.microsoft.com/office/drawing/2014/main" id="{965E4F13-6620-46F1-9F72-BCA7B26C6B87}"/>
+                <a16:creationId xmlns:a16="http://schemas.microsoft.com/office/drawing/2014/main" id="{965E4F13-6620-46F1-9F72-BCA7B26C6B87}"/>
               </a:ext>
             </a:extLst>
           </p:cNvPr>
@@ -11063,7 +11063,7 @@
           <p:cNvPr id="268" name="Shape 248">
             <a:extLst>
               <a:ext uri="{FF2B5EF4-FFF2-40B4-BE49-F238E27FC236}">
-                <a16:creationId xmlns="" xmlns:a16="http://schemas.microsoft.com/office/drawing/2014/main" id="{43A2D1CA-9033-40EF-87B0-93997D4F9F71}"/>
+                <a16:creationId xmlns:a16="http://schemas.microsoft.com/office/drawing/2014/main" id="{43A2D1CA-9033-40EF-87B0-93997D4F9F71}"/>
               </a:ext>
             </a:extLst>
           </p:cNvPr>
@@ -11108,7 +11108,7 @@
           <p:cNvPr id="271" name="Shape 248">
             <a:extLst>
               <a:ext uri="{FF2B5EF4-FFF2-40B4-BE49-F238E27FC236}">
-                <a16:creationId xmlns="" xmlns:a16="http://schemas.microsoft.com/office/drawing/2014/main" id="{31EA9CC3-4B9C-471F-B841-04E10150BF96}"/>
+                <a16:creationId xmlns:a16="http://schemas.microsoft.com/office/drawing/2014/main" id="{31EA9CC3-4B9C-471F-B841-04E10150BF96}"/>
               </a:ext>
             </a:extLst>
           </p:cNvPr>
@@ -11153,7 +11153,7 @@
           <p:cNvPr id="274" name="Shape 248">
             <a:extLst>
               <a:ext uri="{FF2B5EF4-FFF2-40B4-BE49-F238E27FC236}">
-                <a16:creationId xmlns="" xmlns:a16="http://schemas.microsoft.com/office/drawing/2014/main" id="{A394FB90-22D2-4484-A214-232F2AEB4696}"/>
+                <a16:creationId xmlns:a16="http://schemas.microsoft.com/office/drawing/2014/main" id="{A394FB90-22D2-4484-A214-232F2AEB4696}"/>
               </a:ext>
             </a:extLst>
           </p:cNvPr>
@@ -11198,7 +11198,7 @@
           <p:cNvPr id="278" name="Shape 248">
             <a:extLst>
               <a:ext uri="{FF2B5EF4-FFF2-40B4-BE49-F238E27FC236}">
-                <a16:creationId xmlns="" xmlns:a16="http://schemas.microsoft.com/office/drawing/2014/main" id="{703E60BD-ADB7-4A72-90BF-7EF67693663E}"/>
+                <a16:creationId xmlns:a16="http://schemas.microsoft.com/office/drawing/2014/main" id="{703E60BD-ADB7-4A72-90BF-7EF67693663E}"/>
               </a:ext>
             </a:extLst>
           </p:cNvPr>
@@ -11244,7 +11244,7 @@
           <p:cNvPr id="281" name="Shape 248">
             <a:extLst>
               <a:ext uri="{FF2B5EF4-FFF2-40B4-BE49-F238E27FC236}">
-                <a16:creationId xmlns="" xmlns:a16="http://schemas.microsoft.com/office/drawing/2014/main" id="{2BE0D2B9-EF73-4EA6-8C3F-892E696BB91F}"/>
+                <a16:creationId xmlns:a16="http://schemas.microsoft.com/office/drawing/2014/main" id="{2BE0D2B9-EF73-4EA6-8C3F-892E696BB91F}"/>
               </a:ext>
             </a:extLst>
           </p:cNvPr>
@@ -11290,7 +11290,7 @@
           <p:cNvPr id="284" name="Shape 248">
             <a:extLst>
               <a:ext uri="{FF2B5EF4-FFF2-40B4-BE49-F238E27FC236}">
-                <a16:creationId xmlns="" xmlns:a16="http://schemas.microsoft.com/office/drawing/2014/main" id="{C4320DC5-3F17-4C64-A1A3-5D0740777DD5}"/>
+                <a16:creationId xmlns:a16="http://schemas.microsoft.com/office/drawing/2014/main" id="{C4320DC5-3F17-4C64-A1A3-5D0740777DD5}"/>
               </a:ext>
             </a:extLst>
           </p:cNvPr>
@@ -11335,7 +11335,7 @@
           <p:cNvPr id="287" name="Shape 248">
             <a:extLst>
               <a:ext uri="{FF2B5EF4-FFF2-40B4-BE49-F238E27FC236}">
-                <a16:creationId xmlns="" xmlns:a16="http://schemas.microsoft.com/office/drawing/2014/main" id="{B5D0389A-2DCC-4BBF-9A57-8FF52A479BBB}"/>
+                <a16:creationId xmlns:a16="http://schemas.microsoft.com/office/drawing/2014/main" id="{B5D0389A-2DCC-4BBF-9A57-8FF52A479BBB}"/>
               </a:ext>
             </a:extLst>
           </p:cNvPr>
@@ -11380,7 +11380,7 @@
           <p:cNvPr id="308" name="Прямоугольник 307">
             <a:extLst>
               <a:ext uri="{FF2B5EF4-FFF2-40B4-BE49-F238E27FC236}">
-                <a16:creationId xmlns="" xmlns:a16="http://schemas.microsoft.com/office/drawing/2014/main" id="{2556BFD4-D2F0-4404-AAEE-9366CE5E0E2B}"/>
+                <a16:creationId xmlns:a16="http://schemas.microsoft.com/office/drawing/2014/main" id="{2556BFD4-D2F0-4404-AAEE-9366CE5E0E2B}"/>
               </a:ext>
             </a:extLst>
           </p:cNvPr>
@@ -11435,7 +11435,7 @@
           <p:cNvPr id="309" name="Shape 248">
             <a:extLst>
               <a:ext uri="{FF2B5EF4-FFF2-40B4-BE49-F238E27FC236}">
-                <a16:creationId xmlns="" xmlns:a16="http://schemas.microsoft.com/office/drawing/2014/main" id="{5F86BDF8-1375-4E38-BF60-B4D7F56FC739}"/>
+                <a16:creationId xmlns:a16="http://schemas.microsoft.com/office/drawing/2014/main" id="{5F86BDF8-1375-4E38-BF60-B4D7F56FC739}"/>
               </a:ext>
             </a:extLst>
           </p:cNvPr>
@@ -11480,7 +11480,7 @@
           <p:cNvPr id="314" name="Прямоугольник 313">
             <a:extLst>
               <a:ext uri="{FF2B5EF4-FFF2-40B4-BE49-F238E27FC236}">
-                <a16:creationId xmlns="" xmlns:a16="http://schemas.microsoft.com/office/drawing/2014/main" id="{215ABD23-9D4E-461A-9AF0-4DBCA32E7358}"/>
+                <a16:creationId xmlns:a16="http://schemas.microsoft.com/office/drawing/2014/main" id="{215ABD23-9D4E-461A-9AF0-4DBCA32E7358}"/>
               </a:ext>
             </a:extLst>
           </p:cNvPr>
@@ -11535,7 +11535,7 @@
           <p:cNvPr id="315" name="Shape 248">
             <a:extLst>
               <a:ext uri="{FF2B5EF4-FFF2-40B4-BE49-F238E27FC236}">
-                <a16:creationId xmlns="" xmlns:a16="http://schemas.microsoft.com/office/drawing/2014/main" id="{3DE9E056-50E7-4870-B99F-6A62987742D8}"/>
+                <a16:creationId xmlns:a16="http://schemas.microsoft.com/office/drawing/2014/main" id="{3DE9E056-50E7-4870-B99F-6A62987742D8}"/>
               </a:ext>
             </a:extLst>
           </p:cNvPr>
@@ -11580,7 +11580,7 @@
           <p:cNvPr id="319" name="Прямоугольник 318">
             <a:extLst>
               <a:ext uri="{FF2B5EF4-FFF2-40B4-BE49-F238E27FC236}">
-                <a16:creationId xmlns="" xmlns:a16="http://schemas.microsoft.com/office/drawing/2014/main" id="{6735B9BD-008B-4094-B7AA-5B87EFC9DE63}"/>
+                <a16:creationId xmlns:a16="http://schemas.microsoft.com/office/drawing/2014/main" id="{6735B9BD-008B-4094-B7AA-5B87EFC9DE63}"/>
               </a:ext>
             </a:extLst>
           </p:cNvPr>
@@ -11629,7 +11629,7 @@
           <p:cNvPr id="320" name="Прямоугольник 319">
             <a:extLst>
               <a:ext uri="{FF2B5EF4-FFF2-40B4-BE49-F238E27FC236}">
-                <a16:creationId xmlns="" xmlns:a16="http://schemas.microsoft.com/office/drawing/2014/main" id="{C77885C1-D5CA-4930-ADE1-7C46C64D16E5}"/>
+                <a16:creationId xmlns:a16="http://schemas.microsoft.com/office/drawing/2014/main" id="{C77885C1-D5CA-4930-ADE1-7C46C64D16E5}"/>
               </a:ext>
             </a:extLst>
           </p:cNvPr>
@@ -11682,7 +11682,7 @@
           <p:cNvPr id="321" name="Прямоугольник 320">
             <a:extLst>
               <a:ext uri="{FF2B5EF4-FFF2-40B4-BE49-F238E27FC236}">
-                <a16:creationId xmlns="" xmlns:a16="http://schemas.microsoft.com/office/drawing/2014/main" id="{961053D9-AAA7-4CAF-848A-3DA66DABCD04}"/>
+                <a16:creationId xmlns:a16="http://schemas.microsoft.com/office/drawing/2014/main" id="{961053D9-AAA7-4CAF-848A-3DA66DABCD04}"/>
               </a:ext>
             </a:extLst>
           </p:cNvPr>
@@ -11731,7 +11731,7 @@
           <p:cNvPr id="322" name="Прямоугольник 321">
             <a:extLst>
               <a:ext uri="{FF2B5EF4-FFF2-40B4-BE49-F238E27FC236}">
-                <a16:creationId xmlns="" xmlns:a16="http://schemas.microsoft.com/office/drawing/2014/main" id="{8A876C97-99BD-45AC-8D01-F343AE503AE2}"/>
+                <a16:creationId xmlns:a16="http://schemas.microsoft.com/office/drawing/2014/main" id="{8A876C97-99BD-45AC-8D01-F343AE503AE2}"/>
               </a:ext>
             </a:extLst>
           </p:cNvPr>
@@ -11780,7 +11780,7 @@
           <p:cNvPr id="323" name="Прямоугольник 322">
             <a:extLst>
               <a:ext uri="{FF2B5EF4-FFF2-40B4-BE49-F238E27FC236}">
-                <a16:creationId xmlns="" xmlns:a16="http://schemas.microsoft.com/office/drawing/2014/main" id="{665A1BD9-0771-4BD6-B348-D40983890E9C}"/>
+                <a16:creationId xmlns:a16="http://schemas.microsoft.com/office/drawing/2014/main" id="{665A1BD9-0771-4BD6-B348-D40983890E9C}"/>
               </a:ext>
             </a:extLst>
           </p:cNvPr>
@@ -11832,7 +11832,7 @@
           <p:cNvPr id="191" name="Прямоугольник 190">
             <a:extLst>
               <a:ext uri="{FF2B5EF4-FFF2-40B4-BE49-F238E27FC236}">
-                <a16:creationId xmlns="" xmlns:a16="http://schemas.microsoft.com/office/drawing/2014/main" id="{752C84E7-7069-46CF-8D98-C9A1A02720BA}"/>
+                <a16:creationId xmlns:a16="http://schemas.microsoft.com/office/drawing/2014/main" id="{752C84E7-7069-46CF-8D98-C9A1A02720BA}"/>
               </a:ext>
             </a:extLst>
           </p:cNvPr>
@@ -11884,7 +11884,7 @@
           <p:cNvPr id="194" name="Прямоугольник 193">
             <a:extLst>
               <a:ext uri="{FF2B5EF4-FFF2-40B4-BE49-F238E27FC236}">
-                <a16:creationId xmlns="" xmlns:a16="http://schemas.microsoft.com/office/drawing/2014/main" id="{215EA1EA-7CCD-4839-A9B1-0356F6327E10}"/>
+                <a16:creationId xmlns:a16="http://schemas.microsoft.com/office/drawing/2014/main" id="{215EA1EA-7CCD-4839-A9B1-0356F6327E10}"/>
               </a:ext>
             </a:extLst>
           </p:cNvPr>
@@ -11925,11 +11925,7 @@
             <a:pPr algn="ctr"/>
             <a:r>
               <a:rPr lang="ru-RU" sz="1400" dirty="0"/>
-              <a:t>Военный социализм в африканских </a:t>
-            </a:r>
-            <a:r>
-              <a:rPr lang="ru-RU" sz="1400" dirty="0" smtClean="0"/>
-              <a:t>условиях</a:t>
+              <a:t>Военный социализм в африканских условиях</a:t>
             </a:r>
             <a:endParaRPr lang="ru-RU" sz="500" dirty="0"/>
           </a:p>
@@ -11940,7 +11936,7 @@
           <p:cNvPr id="197" name="Прямоугольник 196">
             <a:extLst>
               <a:ext uri="{FF2B5EF4-FFF2-40B4-BE49-F238E27FC236}">
-                <a16:creationId xmlns="" xmlns:a16="http://schemas.microsoft.com/office/drawing/2014/main" id="{15DD7879-ED81-4846-A052-BDF25170F776}"/>
+                <a16:creationId xmlns:a16="http://schemas.microsoft.com/office/drawing/2014/main" id="{15DD7879-ED81-4846-A052-BDF25170F776}"/>
               </a:ext>
             </a:extLst>
           </p:cNvPr>
@@ -11992,7 +11988,7 @@
           <p:cNvPr id="198" name="Прямоугольник 197">
             <a:extLst>
               <a:ext uri="{FF2B5EF4-FFF2-40B4-BE49-F238E27FC236}">
-                <a16:creationId xmlns="" xmlns:a16="http://schemas.microsoft.com/office/drawing/2014/main" id="{40F3892C-19A4-4EE2-8CF4-3802CB87F842}"/>
+                <a16:creationId xmlns:a16="http://schemas.microsoft.com/office/drawing/2014/main" id="{40F3892C-19A4-4EE2-8CF4-3802CB87F842}"/>
               </a:ext>
             </a:extLst>
           </p:cNvPr>
@@ -12044,7 +12040,7 @@
           <p:cNvPr id="200" name="Прямоугольник 199">
             <a:extLst>
               <a:ext uri="{FF2B5EF4-FFF2-40B4-BE49-F238E27FC236}">
-                <a16:creationId xmlns="" xmlns:a16="http://schemas.microsoft.com/office/drawing/2014/main" id="{FFAA3B33-5852-432D-A3C7-D46B69099BB1}"/>
+                <a16:creationId xmlns:a16="http://schemas.microsoft.com/office/drawing/2014/main" id="{FFAA3B33-5852-432D-A3C7-D46B69099BB1}"/>
               </a:ext>
             </a:extLst>
           </p:cNvPr>
@@ -12096,7 +12092,7 @@
           <p:cNvPr id="201" name="Прямоугольник 200">
             <a:extLst>
               <a:ext uri="{FF2B5EF4-FFF2-40B4-BE49-F238E27FC236}">
-                <a16:creationId xmlns="" xmlns:a16="http://schemas.microsoft.com/office/drawing/2014/main" id="{5FD3282B-6227-4385-846F-EA7DAB179048}"/>
+                <a16:creationId xmlns:a16="http://schemas.microsoft.com/office/drawing/2014/main" id="{5FD3282B-6227-4385-846F-EA7DAB179048}"/>
               </a:ext>
             </a:extLst>
           </p:cNvPr>
@@ -12148,7 +12144,7 @@
           <p:cNvPr id="203" name="Прямоугольник 202">
             <a:extLst>
               <a:ext uri="{FF2B5EF4-FFF2-40B4-BE49-F238E27FC236}">
-                <a16:creationId xmlns="" xmlns:a16="http://schemas.microsoft.com/office/drawing/2014/main" id="{057FDB6C-639A-4A2B-B43B-A1EAEDD0FA56}"/>
+                <a16:creationId xmlns:a16="http://schemas.microsoft.com/office/drawing/2014/main" id="{057FDB6C-639A-4A2B-B43B-A1EAEDD0FA56}"/>
               </a:ext>
             </a:extLst>
           </p:cNvPr>
@@ -12189,11 +12185,7 @@
             <a:pPr algn="ctr"/>
             <a:r>
               <a:rPr lang="ru-RU" sz="1400" dirty="0"/>
-              <a:t>Спасти угнетённых </a:t>
-            </a:r>
-            <a:r>
-              <a:rPr lang="ru-RU" sz="1400" dirty="0" smtClean="0"/>
-              <a:t>арабов</a:t>
+              <a:t>Спасти угнетённых арабов</a:t>
             </a:r>
             <a:endParaRPr lang="ru-RU" sz="500" dirty="0"/>
           </a:p>
@@ -12204,7 +12196,7 @@
           <p:cNvPr id="204" name="Прямоугольник 203">
             <a:extLst>
               <a:ext uri="{FF2B5EF4-FFF2-40B4-BE49-F238E27FC236}">
-                <a16:creationId xmlns="" xmlns:a16="http://schemas.microsoft.com/office/drawing/2014/main" id="{6C94C3ED-2619-47F4-A7C9-E9B23AF450C0}"/>
+                <a16:creationId xmlns:a16="http://schemas.microsoft.com/office/drawing/2014/main" id="{6C94C3ED-2619-47F4-A7C9-E9B23AF450C0}"/>
               </a:ext>
             </a:extLst>
           </p:cNvPr>
@@ -12245,11 +12237,7 @@
             <a:pPr algn="ctr"/>
             <a:r>
               <a:rPr lang="ru-RU" sz="1400" dirty="0"/>
-              <a:t>Спасти индусов от империалистического </a:t>
-            </a:r>
-            <a:r>
-              <a:rPr lang="ru-RU" sz="1400" dirty="0" smtClean="0"/>
-              <a:t>гнёта</a:t>
+              <a:t>Спасти индусов от империалистического гнёта</a:t>
             </a:r>
             <a:endParaRPr lang="ru-RU" sz="500" dirty="0"/>
           </a:p>
@@ -12260,7 +12248,7 @@
           <p:cNvPr id="209" name="Прямоугольник 208">
             <a:extLst>
               <a:ext uri="{FF2B5EF4-FFF2-40B4-BE49-F238E27FC236}">
-                <a16:creationId xmlns="" xmlns:a16="http://schemas.microsoft.com/office/drawing/2014/main" id="{DA264832-EDDB-45DE-857E-EF2A1A0CCA95}"/>
+                <a16:creationId xmlns:a16="http://schemas.microsoft.com/office/drawing/2014/main" id="{DA264832-EDDB-45DE-857E-EF2A1A0CCA95}"/>
               </a:ext>
             </a:extLst>
           </p:cNvPr>
@@ -12312,7 +12300,7 @@
           <p:cNvPr id="218" name="Прямоугольник 217">
             <a:extLst>
               <a:ext uri="{FF2B5EF4-FFF2-40B4-BE49-F238E27FC236}">
-                <a16:creationId xmlns="" xmlns:a16="http://schemas.microsoft.com/office/drawing/2014/main" id="{84BD2C83-7F0B-495E-A795-68E099A4282C}"/>
+                <a16:creationId xmlns:a16="http://schemas.microsoft.com/office/drawing/2014/main" id="{84BD2C83-7F0B-495E-A795-68E099A4282C}"/>
               </a:ext>
             </a:extLst>
           </p:cNvPr>
@@ -12364,7 +12352,7 @@
           <p:cNvPr id="219" name="Прямоугольник 218">
             <a:extLst>
               <a:ext uri="{FF2B5EF4-FFF2-40B4-BE49-F238E27FC236}">
-                <a16:creationId xmlns="" xmlns:a16="http://schemas.microsoft.com/office/drawing/2014/main" id="{068D5A92-12C5-4674-BB60-C9AF6DC376DD}"/>
+                <a16:creationId xmlns:a16="http://schemas.microsoft.com/office/drawing/2014/main" id="{068D5A92-12C5-4674-BB60-C9AF6DC376DD}"/>
               </a:ext>
             </a:extLst>
           </p:cNvPr>
@@ -12416,7 +12404,7 @@
           <p:cNvPr id="225" name="Shape 248">
             <a:extLst>
               <a:ext uri="{FF2B5EF4-FFF2-40B4-BE49-F238E27FC236}">
-                <a16:creationId xmlns="" xmlns:a16="http://schemas.microsoft.com/office/drawing/2014/main" id="{EC83F1B2-5677-47B7-89B7-9339717E53CE}"/>
+                <a16:creationId xmlns:a16="http://schemas.microsoft.com/office/drawing/2014/main" id="{EC83F1B2-5677-47B7-89B7-9339717E53CE}"/>
               </a:ext>
             </a:extLst>
           </p:cNvPr>
@@ -12461,7 +12449,7 @@
           <p:cNvPr id="227" name="Shape 248">
             <a:extLst>
               <a:ext uri="{FF2B5EF4-FFF2-40B4-BE49-F238E27FC236}">
-                <a16:creationId xmlns="" xmlns:a16="http://schemas.microsoft.com/office/drawing/2014/main" id="{F9072406-5AA8-42DE-92B5-0D4BA917E76A}"/>
+                <a16:creationId xmlns:a16="http://schemas.microsoft.com/office/drawing/2014/main" id="{F9072406-5AA8-42DE-92B5-0D4BA917E76A}"/>
               </a:ext>
             </a:extLst>
           </p:cNvPr>
@@ -12506,7 +12494,7 @@
           <p:cNvPr id="228" name="Shape 248">
             <a:extLst>
               <a:ext uri="{FF2B5EF4-FFF2-40B4-BE49-F238E27FC236}">
-                <a16:creationId xmlns="" xmlns:a16="http://schemas.microsoft.com/office/drawing/2014/main" id="{5D6B41B9-2CC5-41C0-B3A7-715B18E79872}"/>
+                <a16:creationId xmlns:a16="http://schemas.microsoft.com/office/drawing/2014/main" id="{5D6B41B9-2CC5-41C0-B3A7-715B18E79872}"/>
               </a:ext>
             </a:extLst>
           </p:cNvPr>
@@ -12551,7 +12539,7 @@
           <p:cNvPr id="231" name="Shape 248">
             <a:extLst>
               <a:ext uri="{FF2B5EF4-FFF2-40B4-BE49-F238E27FC236}">
-                <a16:creationId xmlns="" xmlns:a16="http://schemas.microsoft.com/office/drawing/2014/main" id="{256A8B7B-1717-4B4C-9F5D-E711DC225A0F}"/>
+                <a16:creationId xmlns:a16="http://schemas.microsoft.com/office/drawing/2014/main" id="{256A8B7B-1717-4B4C-9F5D-E711DC225A0F}"/>
               </a:ext>
             </a:extLst>
           </p:cNvPr>
@@ -12596,7 +12584,7 @@
           <p:cNvPr id="233" name="Shape 248">
             <a:extLst>
               <a:ext uri="{FF2B5EF4-FFF2-40B4-BE49-F238E27FC236}">
-                <a16:creationId xmlns="" xmlns:a16="http://schemas.microsoft.com/office/drawing/2014/main" id="{11232296-C52D-45C3-BBF1-C59D3E29E989}"/>
+                <a16:creationId xmlns:a16="http://schemas.microsoft.com/office/drawing/2014/main" id="{11232296-C52D-45C3-BBF1-C59D3E29E989}"/>
               </a:ext>
             </a:extLst>
           </p:cNvPr>
@@ -12641,7 +12629,7 @@
           <p:cNvPr id="236" name="Shape 248">
             <a:extLst>
               <a:ext uri="{FF2B5EF4-FFF2-40B4-BE49-F238E27FC236}">
-                <a16:creationId xmlns="" xmlns:a16="http://schemas.microsoft.com/office/drawing/2014/main" id="{0E3C4F9F-42F6-472D-8A8B-E36CC3BEAA58}"/>
+                <a16:creationId xmlns:a16="http://schemas.microsoft.com/office/drawing/2014/main" id="{0E3C4F9F-42F6-472D-8A8B-E36CC3BEAA58}"/>
               </a:ext>
             </a:extLst>
           </p:cNvPr>
@@ -12687,7 +12675,7 @@
           <p:cNvPr id="238" name="Shape 248">
             <a:extLst>
               <a:ext uri="{FF2B5EF4-FFF2-40B4-BE49-F238E27FC236}">
-                <a16:creationId xmlns="" xmlns:a16="http://schemas.microsoft.com/office/drawing/2014/main" id="{DC5596EF-0BFD-4C5F-BE4B-81CC4EB3D125}"/>
+                <a16:creationId xmlns:a16="http://schemas.microsoft.com/office/drawing/2014/main" id="{DC5596EF-0BFD-4C5F-BE4B-81CC4EB3D125}"/>
               </a:ext>
             </a:extLst>
           </p:cNvPr>
@@ -12733,7 +12721,7 @@
           <p:cNvPr id="255" name="Прямоугольник 254">
             <a:extLst>
               <a:ext uri="{FF2B5EF4-FFF2-40B4-BE49-F238E27FC236}">
-                <a16:creationId xmlns="" xmlns:a16="http://schemas.microsoft.com/office/drawing/2014/main" id="{46A324E1-A9F3-4F99-9754-C8F10879F564}"/>
+                <a16:creationId xmlns:a16="http://schemas.microsoft.com/office/drawing/2014/main" id="{46A324E1-A9F3-4F99-9754-C8F10879F564}"/>
               </a:ext>
             </a:extLst>
           </p:cNvPr>
@@ -12785,7 +12773,7 @@
           <p:cNvPr id="257" name="Прямоугольник 256">
             <a:extLst>
               <a:ext uri="{FF2B5EF4-FFF2-40B4-BE49-F238E27FC236}">
-                <a16:creationId xmlns="" xmlns:a16="http://schemas.microsoft.com/office/drawing/2014/main" id="{E19DB08F-F422-42E4-8EC8-DCF6DF6ADE72}"/>
+                <a16:creationId xmlns:a16="http://schemas.microsoft.com/office/drawing/2014/main" id="{E19DB08F-F422-42E4-8EC8-DCF6DF6ADE72}"/>
               </a:ext>
             </a:extLst>
           </p:cNvPr>
@@ -12837,7 +12825,7 @@
           <p:cNvPr id="258" name="Прямоугольник 257">
             <a:extLst>
               <a:ext uri="{FF2B5EF4-FFF2-40B4-BE49-F238E27FC236}">
-                <a16:creationId xmlns="" xmlns:a16="http://schemas.microsoft.com/office/drawing/2014/main" id="{DBB21772-5DC6-49CD-8347-70472CFCB171}"/>
+                <a16:creationId xmlns:a16="http://schemas.microsoft.com/office/drawing/2014/main" id="{DBB21772-5DC6-49CD-8347-70472CFCB171}"/>
               </a:ext>
             </a:extLst>
           </p:cNvPr>
@@ -12889,7 +12877,7 @@
           <p:cNvPr id="259" name="Прямоугольник 258">
             <a:extLst>
               <a:ext uri="{FF2B5EF4-FFF2-40B4-BE49-F238E27FC236}">
-                <a16:creationId xmlns="" xmlns:a16="http://schemas.microsoft.com/office/drawing/2014/main" id="{08EE18AE-8727-4E84-B350-FF84B357DC6D}"/>
+                <a16:creationId xmlns:a16="http://schemas.microsoft.com/office/drawing/2014/main" id="{08EE18AE-8727-4E84-B350-FF84B357DC6D}"/>
               </a:ext>
             </a:extLst>
           </p:cNvPr>
@@ -12929,7 +12917,7 @@
           <a:p>
             <a:pPr algn="ctr"/>
             <a:r>
-              <a:rPr lang="ru-RU" sz="1400" dirty="0" smtClean="0"/>
+              <a:rPr lang="ru-RU" sz="1400" dirty="0"/>
               <a:t>От каждого по способностям, каждому по потребностям</a:t>
             </a:r>
             <a:endParaRPr lang="ru-RU" sz="500" dirty="0"/>
@@ -12941,7 +12929,7 @@
           <p:cNvPr id="260" name="Прямоугольник 259">
             <a:extLst>
               <a:ext uri="{FF2B5EF4-FFF2-40B4-BE49-F238E27FC236}">
-                <a16:creationId xmlns="" xmlns:a16="http://schemas.microsoft.com/office/drawing/2014/main" id="{621FE09E-C13D-4C26-BDAE-5E66C7E42E9D}"/>
+                <a16:creationId xmlns:a16="http://schemas.microsoft.com/office/drawing/2014/main" id="{621FE09E-C13D-4C26-BDAE-5E66C7E42E9D}"/>
               </a:ext>
             </a:extLst>
           </p:cNvPr>
@@ -12993,7 +12981,7 @@
           <p:cNvPr id="261" name="Прямоугольник 260">
             <a:extLst>
               <a:ext uri="{FF2B5EF4-FFF2-40B4-BE49-F238E27FC236}">
-                <a16:creationId xmlns="" xmlns:a16="http://schemas.microsoft.com/office/drawing/2014/main" id="{956584E7-3DC8-451E-8A93-10468CFF313C}"/>
+                <a16:creationId xmlns:a16="http://schemas.microsoft.com/office/drawing/2014/main" id="{956584E7-3DC8-451E-8A93-10468CFF313C}"/>
               </a:ext>
             </a:extLst>
           </p:cNvPr>
@@ -13034,11 +13022,7 @@
             <a:pPr algn="ctr"/>
             <a:r>
               <a:rPr lang="ru-RU" sz="1400" dirty="0"/>
-              <a:t>Создание единой образовательной </a:t>
-            </a:r>
-            <a:r>
-              <a:rPr lang="ru-RU" sz="1400" dirty="0" smtClean="0"/>
-              <a:t>лиги</a:t>
+              <a:t>Создание единой образовательной лиги</a:t>
             </a:r>
             <a:endParaRPr lang="ru-RU" sz="800" dirty="0"/>
           </a:p>
@@ -13049,7 +13033,7 @@
           <p:cNvPr id="262" name="Прямоугольник 261">
             <a:extLst>
               <a:ext uri="{FF2B5EF4-FFF2-40B4-BE49-F238E27FC236}">
-                <a16:creationId xmlns="" xmlns:a16="http://schemas.microsoft.com/office/drawing/2014/main" id="{52EFBB1F-7910-4514-87B0-5B6B22F9A1E2}"/>
+                <a16:creationId xmlns:a16="http://schemas.microsoft.com/office/drawing/2014/main" id="{52EFBB1F-7910-4514-87B0-5B6B22F9A1E2}"/>
               </a:ext>
             </a:extLst>
           </p:cNvPr>
@@ -13090,11 +13074,7 @@
             <a:pPr algn="ctr"/>
             <a:r>
               <a:rPr lang="ru-RU" sz="1400" dirty="0"/>
-              <a:t>Изъять имущество миссионерских </a:t>
-            </a:r>
-            <a:r>
-              <a:rPr lang="ru-RU" sz="1400" dirty="0" smtClean="0"/>
-              <a:t>церквей</a:t>
+              <a:t>Изъять имущество миссионерских церквей</a:t>
             </a:r>
             <a:endParaRPr lang="ru-RU" sz="100" dirty="0"/>
           </a:p>
@@ -13105,7 +13085,7 @@
           <p:cNvPr id="263" name="Прямоугольник 262">
             <a:extLst>
               <a:ext uri="{FF2B5EF4-FFF2-40B4-BE49-F238E27FC236}">
-                <a16:creationId xmlns="" xmlns:a16="http://schemas.microsoft.com/office/drawing/2014/main" id="{0AE0E348-7DA9-40B5-B7FB-B39FB858D660}"/>
+                <a16:creationId xmlns:a16="http://schemas.microsoft.com/office/drawing/2014/main" id="{0AE0E348-7DA9-40B5-B7FB-B39FB858D660}"/>
               </a:ext>
             </a:extLst>
           </p:cNvPr>
@@ -13146,11 +13126,7 @@
             <a:pPr algn="ctr"/>
             <a:r>
               <a:rPr lang="ru-RU" sz="1400" dirty="0"/>
-              <a:t>Политическая революция в </a:t>
-            </a:r>
-            <a:r>
-              <a:rPr lang="ru-RU" sz="1400" dirty="0" smtClean="0"/>
-              <a:t>СССР</a:t>
+              <a:t>Политическая революция в СССР</a:t>
             </a:r>
             <a:endParaRPr lang="ru-RU" sz="500" dirty="0"/>
           </a:p>
@@ -13161,7 +13137,7 @@
           <p:cNvPr id="266" name="Прямоугольник 265">
             <a:extLst>
               <a:ext uri="{FF2B5EF4-FFF2-40B4-BE49-F238E27FC236}">
-                <a16:creationId xmlns="" xmlns:a16="http://schemas.microsoft.com/office/drawing/2014/main" id="{2A2DA3A3-7506-43C9-8221-C1A4D02D818C}"/>
+                <a16:creationId xmlns:a16="http://schemas.microsoft.com/office/drawing/2014/main" id="{2A2DA3A3-7506-43C9-8221-C1A4D02D818C}"/>
               </a:ext>
             </a:extLst>
           </p:cNvPr>
@@ -13202,11 +13178,7 @@
             <a:pPr algn="ctr"/>
             <a:r>
               <a:rPr lang="ru-RU" sz="1400" dirty="0"/>
-              <a:t>Принять антиимпериалистические </a:t>
-            </a:r>
-            <a:r>
-              <a:rPr lang="ru-RU" sz="1400" dirty="0" smtClean="0"/>
-              <a:t>лозунги</a:t>
+              <a:t>Принять антиимпериалистические лозунги</a:t>
             </a:r>
             <a:endParaRPr lang="ru-RU" sz="500" dirty="0"/>
           </a:p>
@@ -13217,7 +13189,7 @@
           <p:cNvPr id="267" name="Прямоугольник 266">
             <a:extLst>
               <a:ext uri="{FF2B5EF4-FFF2-40B4-BE49-F238E27FC236}">
-                <a16:creationId xmlns="" xmlns:a16="http://schemas.microsoft.com/office/drawing/2014/main" id="{6A09D8C1-FE84-48D6-A838-F1E4C6F73CDC}"/>
+                <a16:creationId xmlns:a16="http://schemas.microsoft.com/office/drawing/2014/main" id="{6A09D8C1-FE84-48D6-A838-F1E4C6F73CDC}"/>
               </a:ext>
             </a:extLst>
           </p:cNvPr>
@@ -13269,7 +13241,7 @@
           <p:cNvPr id="269" name="Shape 248">
             <a:extLst>
               <a:ext uri="{FF2B5EF4-FFF2-40B4-BE49-F238E27FC236}">
-                <a16:creationId xmlns="" xmlns:a16="http://schemas.microsoft.com/office/drawing/2014/main" id="{FBEAA8DC-5277-431B-B72A-96CB92AB08F2}"/>
+                <a16:creationId xmlns:a16="http://schemas.microsoft.com/office/drawing/2014/main" id="{FBEAA8DC-5277-431B-B72A-96CB92AB08F2}"/>
               </a:ext>
             </a:extLst>
           </p:cNvPr>
@@ -13314,7 +13286,7 @@
           <p:cNvPr id="272" name="Shape 248">
             <a:extLst>
               <a:ext uri="{FF2B5EF4-FFF2-40B4-BE49-F238E27FC236}">
-                <a16:creationId xmlns="" xmlns:a16="http://schemas.microsoft.com/office/drawing/2014/main" id="{D5D4437B-1223-4FCE-9062-B8243AC66A55}"/>
+                <a16:creationId xmlns:a16="http://schemas.microsoft.com/office/drawing/2014/main" id="{D5D4437B-1223-4FCE-9062-B8243AC66A55}"/>
               </a:ext>
             </a:extLst>
           </p:cNvPr>
@@ -13359,7 +13331,7 @@
           <p:cNvPr id="275" name="Shape 248">
             <a:extLst>
               <a:ext uri="{FF2B5EF4-FFF2-40B4-BE49-F238E27FC236}">
-                <a16:creationId xmlns="" xmlns:a16="http://schemas.microsoft.com/office/drawing/2014/main" id="{D95A6C3B-CFE7-40B6-9CE6-1A9B074D319A}"/>
+                <a16:creationId xmlns:a16="http://schemas.microsoft.com/office/drawing/2014/main" id="{D95A6C3B-CFE7-40B6-9CE6-1A9B074D319A}"/>
               </a:ext>
             </a:extLst>
           </p:cNvPr>
@@ -13404,7 +13376,7 @@
           <p:cNvPr id="277" name="Shape 248">
             <a:extLst>
               <a:ext uri="{FF2B5EF4-FFF2-40B4-BE49-F238E27FC236}">
-                <a16:creationId xmlns="" xmlns:a16="http://schemas.microsoft.com/office/drawing/2014/main" id="{1084AFBE-7DDB-4565-899D-F5786F8B9959}"/>
+                <a16:creationId xmlns:a16="http://schemas.microsoft.com/office/drawing/2014/main" id="{1084AFBE-7DDB-4565-899D-F5786F8B9959}"/>
               </a:ext>
             </a:extLst>
           </p:cNvPr>
@@ -13449,7 +13421,7 @@
           <p:cNvPr id="280" name="Shape 248">
             <a:extLst>
               <a:ext uri="{FF2B5EF4-FFF2-40B4-BE49-F238E27FC236}">
-                <a16:creationId xmlns="" xmlns:a16="http://schemas.microsoft.com/office/drawing/2014/main" id="{25708BBE-8555-4AEA-85E9-6204F5F68A3E}"/>
+                <a16:creationId xmlns:a16="http://schemas.microsoft.com/office/drawing/2014/main" id="{25708BBE-8555-4AEA-85E9-6204F5F68A3E}"/>
               </a:ext>
             </a:extLst>
           </p:cNvPr>
@@ -13494,7 +13466,7 @@
           <p:cNvPr id="283" name="Shape 248">
             <a:extLst>
               <a:ext uri="{FF2B5EF4-FFF2-40B4-BE49-F238E27FC236}">
-                <a16:creationId xmlns="" xmlns:a16="http://schemas.microsoft.com/office/drawing/2014/main" id="{0E0F779A-C2E1-4552-804D-2183B64A70F0}"/>
+                <a16:creationId xmlns:a16="http://schemas.microsoft.com/office/drawing/2014/main" id="{0E0F779A-C2E1-4552-804D-2183B64A70F0}"/>
               </a:ext>
             </a:extLst>
           </p:cNvPr>
@@ -13539,7 +13511,7 @@
           <p:cNvPr id="286" name="Shape 248">
             <a:extLst>
               <a:ext uri="{FF2B5EF4-FFF2-40B4-BE49-F238E27FC236}">
-                <a16:creationId xmlns="" xmlns:a16="http://schemas.microsoft.com/office/drawing/2014/main" id="{EB6E88A6-88A3-42F9-BD1A-6684BEB9B8D6}"/>
+                <a16:creationId xmlns:a16="http://schemas.microsoft.com/office/drawing/2014/main" id="{EB6E88A6-88A3-42F9-BD1A-6684BEB9B8D6}"/>
               </a:ext>
             </a:extLst>
           </p:cNvPr>
@@ -13584,7 +13556,7 @@
           <p:cNvPr id="289" name="Shape 248">
             <a:extLst>
               <a:ext uri="{FF2B5EF4-FFF2-40B4-BE49-F238E27FC236}">
-                <a16:creationId xmlns="" xmlns:a16="http://schemas.microsoft.com/office/drawing/2014/main" id="{B02C59D2-F9E9-489C-9E27-CE850599413C}"/>
+                <a16:creationId xmlns:a16="http://schemas.microsoft.com/office/drawing/2014/main" id="{B02C59D2-F9E9-489C-9E27-CE850599413C}"/>
               </a:ext>
             </a:extLst>
           </p:cNvPr>
@@ -13629,7 +13601,7 @@
           <p:cNvPr id="292" name="Shape 248">
             <a:extLst>
               <a:ext uri="{FF2B5EF4-FFF2-40B4-BE49-F238E27FC236}">
-                <a16:creationId xmlns="" xmlns:a16="http://schemas.microsoft.com/office/drawing/2014/main" id="{8B496B63-0C0F-4927-8651-F1B95AF109E8}"/>
+                <a16:creationId xmlns:a16="http://schemas.microsoft.com/office/drawing/2014/main" id="{8B496B63-0C0F-4927-8651-F1B95AF109E8}"/>
               </a:ext>
             </a:extLst>
           </p:cNvPr>
@@ -13674,7 +13646,7 @@
           <p:cNvPr id="296" name="Shape 248">
             <a:extLst>
               <a:ext uri="{FF2B5EF4-FFF2-40B4-BE49-F238E27FC236}">
-                <a16:creationId xmlns="" xmlns:a16="http://schemas.microsoft.com/office/drawing/2014/main" id="{E6DE7C41-4D34-4CBF-97CF-6AF882811621}"/>
+                <a16:creationId xmlns:a16="http://schemas.microsoft.com/office/drawing/2014/main" id="{E6DE7C41-4D34-4CBF-97CF-6AF882811621}"/>
               </a:ext>
             </a:extLst>
           </p:cNvPr>
@@ -13719,7 +13691,7 @@
           <p:cNvPr id="299" name="Shape 248">
             <a:extLst>
               <a:ext uri="{FF2B5EF4-FFF2-40B4-BE49-F238E27FC236}">
-                <a16:creationId xmlns="" xmlns:a16="http://schemas.microsoft.com/office/drawing/2014/main" id="{5847288F-E13F-43FA-AA58-BCF5A8AF3328}"/>
+                <a16:creationId xmlns:a16="http://schemas.microsoft.com/office/drawing/2014/main" id="{5847288F-E13F-43FA-AA58-BCF5A8AF3328}"/>
               </a:ext>
             </a:extLst>
           </p:cNvPr>
@@ -13764,7 +13736,7 @@
           <p:cNvPr id="303" name="Shape 248">
             <a:extLst>
               <a:ext uri="{FF2B5EF4-FFF2-40B4-BE49-F238E27FC236}">
-                <a16:creationId xmlns="" xmlns:a16="http://schemas.microsoft.com/office/drawing/2014/main" id="{C80F61D8-ADF1-4B65-8A1E-844EE7901F2F}"/>
+                <a16:creationId xmlns:a16="http://schemas.microsoft.com/office/drawing/2014/main" id="{C80F61D8-ADF1-4B65-8A1E-844EE7901F2F}"/>
               </a:ext>
             </a:extLst>
           </p:cNvPr>
@@ -13810,7 +13782,7 @@
           <p:cNvPr id="306" name="Shape 248">
             <a:extLst>
               <a:ext uri="{FF2B5EF4-FFF2-40B4-BE49-F238E27FC236}">
-                <a16:creationId xmlns="" xmlns:a16="http://schemas.microsoft.com/office/drawing/2014/main" id="{43615F59-8DE9-4A52-A00D-280ED942E214}"/>
+                <a16:creationId xmlns:a16="http://schemas.microsoft.com/office/drawing/2014/main" id="{43615F59-8DE9-4A52-A00D-280ED942E214}"/>
               </a:ext>
             </a:extLst>
           </p:cNvPr>
@@ -13856,7 +13828,7 @@
           <p:cNvPr id="310" name="Shape 248">
             <a:extLst>
               <a:ext uri="{FF2B5EF4-FFF2-40B4-BE49-F238E27FC236}">
-                <a16:creationId xmlns="" xmlns:a16="http://schemas.microsoft.com/office/drawing/2014/main" id="{3E568EFD-AB22-4B1D-ABAE-A49289BD4CD7}"/>
+                <a16:creationId xmlns:a16="http://schemas.microsoft.com/office/drawing/2014/main" id="{3E568EFD-AB22-4B1D-ABAE-A49289BD4CD7}"/>
               </a:ext>
             </a:extLst>
           </p:cNvPr>
@@ -13901,7 +13873,7 @@
           <p:cNvPr id="312" name="Shape 248">
             <a:extLst>
               <a:ext uri="{FF2B5EF4-FFF2-40B4-BE49-F238E27FC236}">
-                <a16:creationId xmlns="" xmlns:a16="http://schemas.microsoft.com/office/drawing/2014/main" id="{EF759961-7159-4379-AA26-833B860B0ED0}"/>
+                <a16:creationId xmlns:a16="http://schemas.microsoft.com/office/drawing/2014/main" id="{EF759961-7159-4379-AA26-833B860B0ED0}"/>
               </a:ext>
             </a:extLst>
           </p:cNvPr>
@@ -13946,7 +13918,7 @@
           <p:cNvPr id="317" name="Shape 248">
             <a:extLst>
               <a:ext uri="{FF2B5EF4-FFF2-40B4-BE49-F238E27FC236}">
-                <a16:creationId xmlns="" xmlns:a16="http://schemas.microsoft.com/office/drawing/2014/main" id="{7F1D5B0D-BF85-4F7E-8FDE-7B0B73F1D859}"/>
+                <a16:creationId xmlns:a16="http://schemas.microsoft.com/office/drawing/2014/main" id="{7F1D5B0D-BF85-4F7E-8FDE-7B0B73F1D859}"/>
               </a:ext>
             </a:extLst>
           </p:cNvPr>
@@ -13991,7 +13963,7 @@
           <p:cNvPr id="324" name="Прямоугольник 323">
             <a:extLst>
               <a:ext uri="{FF2B5EF4-FFF2-40B4-BE49-F238E27FC236}">
-                <a16:creationId xmlns="" xmlns:a16="http://schemas.microsoft.com/office/drawing/2014/main" id="{090D5B30-D28E-45E5-80C9-AC7113668184}"/>
+                <a16:creationId xmlns:a16="http://schemas.microsoft.com/office/drawing/2014/main" id="{090D5B30-D28E-45E5-80C9-AC7113668184}"/>
               </a:ext>
             </a:extLst>
           </p:cNvPr>
@@ -14043,7 +14015,7 @@
           <p:cNvPr id="325" name="Shape 248">
             <a:extLst>
               <a:ext uri="{FF2B5EF4-FFF2-40B4-BE49-F238E27FC236}">
-                <a16:creationId xmlns="" xmlns:a16="http://schemas.microsoft.com/office/drawing/2014/main" id="{7C694EB8-431B-486D-BF60-285B9805A151}"/>
+                <a16:creationId xmlns:a16="http://schemas.microsoft.com/office/drawing/2014/main" id="{7C694EB8-431B-486D-BF60-285B9805A151}"/>
               </a:ext>
             </a:extLst>
           </p:cNvPr>
@@ -14088,7 +14060,7 @@
           <p:cNvPr id="242" name="Прямоугольник 241">
             <a:extLst>
               <a:ext uri="{FF2B5EF4-FFF2-40B4-BE49-F238E27FC236}">
-                <a16:creationId xmlns="" xmlns:a16="http://schemas.microsoft.com/office/drawing/2014/main" id="{6201302F-2B79-485A-8CA8-C76C5AFF5369}"/>
+                <a16:creationId xmlns:a16="http://schemas.microsoft.com/office/drawing/2014/main" id="{6201302F-2B79-485A-8CA8-C76C5AFF5369}"/>
               </a:ext>
             </a:extLst>
           </p:cNvPr>
@@ -14140,7 +14112,7 @@
           <p:cNvPr id="246" name="Прямоугольник 245">
             <a:extLst>
               <a:ext uri="{FF2B5EF4-FFF2-40B4-BE49-F238E27FC236}">
-                <a16:creationId xmlns="" xmlns:a16="http://schemas.microsoft.com/office/drawing/2014/main" id="{143F99BB-7B85-4860-8066-4F19AE080121}"/>
+                <a16:creationId xmlns:a16="http://schemas.microsoft.com/office/drawing/2014/main" id="{143F99BB-7B85-4860-8066-4F19AE080121}"/>
               </a:ext>
             </a:extLst>
           </p:cNvPr>
@@ -14192,7 +14164,7 @@
           <p:cNvPr id="249" name="Прямоугольник 248">
             <a:extLst>
               <a:ext uri="{FF2B5EF4-FFF2-40B4-BE49-F238E27FC236}">
-                <a16:creationId xmlns="" xmlns:a16="http://schemas.microsoft.com/office/drawing/2014/main" id="{CBF8D7E5-5FA7-45F0-905E-03584CFA09A9}"/>
+                <a16:creationId xmlns:a16="http://schemas.microsoft.com/office/drawing/2014/main" id="{CBF8D7E5-5FA7-45F0-905E-03584CFA09A9}"/>
               </a:ext>
             </a:extLst>
           </p:cNvPr>
@@ -14252,7 +14224,7 @@
           <p:cNvPr id="273" name="Прямоугольник 272">
             <a:extLst>
               <a:ext uri="{FF2B5EF4-FFF2-40B4-BE49-F238E27FC236}">
-                <a16:creationId xmlns="" xmlns:a16="http://schemas.microsoft.com/office/drawing/2014/main" id="{790C883A-8E36-488E-9D37-AB7A70439BE5}"/>
+                <a16:creationId xmlns:a16="http://schemas.microsoft.com/office/drawing/2014/main" id="{790C883A-8E36-488E-9D37-AB7A70439BE5}"/>
               </a:ext>
             </a:extLst>
           </p:cNvPr>
@@ -14304,7 +14276,7 @@
           <p:cNvPr id="276" name="Shape 248">
             <a:extLst>
               <a:ext uri="{FF2B5EF4-FFF2-40B4-BE49-F238E27FC236}">
-                <a16:creationId xmlns="" xmlns:a16="http://schemas.microsoft.com/office/drawing/2014/main" id="{4AA09D23-CE38-421D-BBD5-32E3F4CE98E5}"/>
+                <a16:creationId xmlns:a16="http://schemas.microsoft.com/office/drawing/2014/main" id="{4AA09D23-CE38-421D-BBD5-32E3F4CE98E5}"/>
               </a:ext>
             </a:extLst>
           </p:cNvPr>
@@ -14349,7 +14321,7 @@
           <p:cNvPr id="279" name="Shape 248">
             <a:extLst>
               <a:ext uri="{FF2B5EF4-FFF2-40B4-BE49-F238E27FC236}">
-                <a16:creationId xmlns="" xmlns:a16="http://schemas.microsoft.com/office/drawing/2014/main" id="{3FA42726-9174-4F29-BF65-55ADC46C885A}"/>
+                <a16:creationId xmlns:a16="http://schemas.microsoft.com/office/drawing/2014/main" id="{3FA42726-9174-4F29-BF65-55ADC46C885A}"/>
               </a:ext>
             </a:extLst>
           </p:cNvPr>
@@ -14394,7 +14366,7 @@
           <p:cNvPr id="282" name="Shape 248">
             <a:extLst>
               <a:ext uri="{FF2B5EF4-FFF2-40B4-BE49-F238E27FC236}">
-                <a16:creationId xmlns="" xmlns:a16="http://schemas.microsoft.com/office/drawing/2014/main" id="{32093D4D-B7AB-4952-AC16-553CF78E1350}"/>
+                <a16:creationId xmlns:a16="http://schemas.microsoft.com/office/drawing/2014/main" id="{32093D4D-B7AB-4952-AC16-553CF78E1350}"/>
               </a:ext>
             </a:extLst>
           </p:cNvPr>
@@ -14439,7 +14411,7 @@
           <p:cNvPr id="285" name="Shape 248">
             <a:extLst>
               <a:ext uri="{FF2B5EF4-FFF2-40B4-BE49-F238E27FC236}">
-                <a16:creationId xmlns="" xmlns:a16="http://schemas.microsoft.com/office/drawing/2014/main" id="{4D3DE100-6F63-4974-9A7E-28065A179310}"/>
+                <a16:creationId xmlns:a16="http://schemas.microsoft.com/office/drawing/2014/main" id="{4D3DE100-6F63-4974-9A7E-28065A179310}"/>
               </a:ext>
             </a:extLst>
           </p:cNvPr>
@@ -14484,7 +14456,7 @@
           <p:cNvPr id="288" name="Shape 248">
             <a:extLst>
               <a:ext uri="{FF2B5EF4-FFF2-40B4-BE49-F238E27FC236}">
-                <a16:creationId xmlns="" xmlns:a16="http://schemas.microsoft.com/office/drawing/2014/main" id="{E5891B7E-CB5F-4EBA-B244-E22ED8E1A91A}"/>
+                <a16:creationId xmlns:a16="http://schemas.microsoft.com/office/drawing/2014/main" id="{E5891B7E-CB5F-4EBA-B244-E22ED8E1A91A}"/>
               </a:ext>
             </a:extLst>
           </p:cNvPr>
@@ -14529,7 +14501,7 @@
           <p:cNvPr id="290" name="Прямоугольник 289">
             <a:extLst>
               <a:ext uri="{FF2B5EF4-FFF2-40B4-BE49-F238E27FC236}">
-                <a16:creationId xmlns="" xmlns:a16="http://schemas.microsoft.com/office/drawing/2014/main" id="{278D16BB-FDBF-449B-A690-A858ABF81FDD}"/>
+                <a16:creationId xmlns:a16="http://schemas.microsoft.com/office/drawing/2014/main" id="{278D16BB-FDBF-449B-A690-A858ABF81FDD}"/>
               </a:ext>
             </a:extLst>
           </p:cNvPr>
@@ -14585,7 +14557,7 @@
           <p:cNvPr id="297" name="Shape 248">
             <a:extLst>
               <a:ext uri="{FF2B5EF4-FFF2-40B4-BE49-F238E27FC236}">
-                <a16:creationId xmlns="" xmlns:a16="http://schemas.microsoft.com/office/drawing/2014/main" id="{2E5CEB81-8F51-4CC7-BFD3-6870AF84267A}"/>
+                <a16:creationId xmlns:a16="http://schemas.microsoft.com/office/drawing/2014/main" id="{2E5CEB81-8F51-4CC7-BFD3-6870AF84267A}"/>
               </a:ext>
             </a:extLst>
           </p:cNvPr>
@@ -14630,7 +14602,7 @@
           <p:cNvPr id="300" name="Shape 248">
             <a:extLst>
               <a:ext uri="{FF2B5EF4-FFF2-40B4-BE49-F238E27FC236}">
-                <a16:creationId xmlns="" xmlns:a16="http://schemas.microsoft.com/office/drawing/2014/main" id="{84E866F4-D79B-450D-9F47-A00044FA3472}"/>
+                <a16:creationId xmlns:a16="http://schemas.microsoft.com/office/drawing/2014/main" id="{84E866F4-D79B-450D-9F47-A00044FA3472}"/>
               </a:ext>
             </a:extLst>
           </p:cNvPr>
@@ -14675,7 +14647,7 @@
           <p:cNvPr id="302" name="Shape 248">
             <a:extLst>
               <a:ext uri="{FF2B5EF4-FFF2-40B4-BE49-F238E27FC236}">
-                <a16:creationId xmlns="" xmlns:a16="http://schemas.microsoft.com/office/drawing/2014/main" id="{6806A5C0-9C92-4221-9909-972B914DA1ED}"/>
+                <a16:creationId xmlns:a16="http://schemas.microsoft.com/office/drawing/2014/main" id="{6806A5C0-9C92-4221-9909-972B914DA1ED}"/>
               </a:ext>
             </a:extLst>
           </p:cNvPr>
@@ -14720,7 +14692,7 @@
           <p:cNvPr id="305" name="Shape 248">
             <a:extLst>
               <a:ext uri="{FF2B5EF4-FFF2-40B4-BE49-F238E27FC236}">
-                <a16:creationId xmlns="" xmlns:a16="http://schemas.microsoft.com/office/drawing/2014/main" id="{166046F6-53A2-4A8F-9E82-FECD6D61EDCA}"/>
+                <a16:creationId xmlns:a16="http://schemas.microsoft.com/office/drawing/2014/main" id="{166046F6-53A2-4A8F-9E82-FECD6D61EDCA}"/>
               </a:ext>
             </a:extLst>
           </p:cNvPr>
@@ -14765,7 +14737,7 @@
           <p:cNvPr id="311" name="Прямоугольник 310">
             <a:extLst>
               <a:ext uri="{FF2B5EF4-FFF2-40B4-BE49-F238E27FC236}">
-                <a16:creationId xmlns="" xmlns:a16="http://schemas.microsoft.com/office/drawing/2014/main" id="{868A50E7-D497-4453-8F17-23811042DB8B}"/>
+                <a16:creationId xmlns:a16="http://schemas.microsoft.com/office/drawing/2014/main" id="{868A50E7-D497-4453-8F17-23811042DB8B}"/>
               </a:ext>
             </a:extLst>
           </p:cNvPr>
@@ -14821,7 +14793,7 @@
           <p:cNvPr id="313" name="Shape 248">
             <a:extLst>
               <a:ext uri="{FF2B5EF4-FFF2-40B4-BE49-F238E27FC236}">
-                <a16:creationId xmlns="" xmlns:a16="http://schemas.microsoft.com/office/drawing/2014/main" id="{BEB45FBF-7486-4531-8351-79A56BEB7C89}"/>
+                <a16:creationId xmlns:a16="http://schemas.microsoft.com/office/drawing/2014/main" id="{BEB45FBF-7486-4531-8351-79A56BEB7C89}"/>
               </a:ext>
             </a:extLst>
           </p:cNvPr>
@@ -14866,7 +14838,7 @@
           <p:cNvPr id="316" name="Прямоугольник 315">
             <a:extLst>
               <a:ext uri="{FF2B5EF4-FFF2-40B4-BE49-F238E27FC236}">
-                <a16:creationId xmlns="" xmlns:a16="http://schemas.microsoft.com/office/drawing/2014/main" id="{C8C7E08F-B7C9-4CD3-8C8F-5B457D7950AB}"/>
+                <a16:creationId xmlns:a16="http://schemas.microsoft.com/office/drawing/2014/main" id="{C8C7E08F-B7C9-4CD3-8C8F-5B457D7950AB}"/>
               </a:ext>
             </a:extLst>
           </p:cNvPr>
@@ -14922,7 +14894,7 @@
           <p:cNvPr id="318" name="Shape 248">
             <a:extLst>
               <a:ext uri="{FF2B5EF4-FFF2-40B4-BE49-F238E27FC236}">
-                <a16:creationId xmlns="" xmlns:a16="http://schemas.microsoft.com/office/drawing/2014/main" id="{C6747080-ACF1-466D-BAE8-F4F3F47DC1F4}"/>
+                <a16:creationId xmlns:a16="http://schemas.microsoft.com/office/drawing/2014/main" id="{C6747080-ACF1-466D-BAE8-F4F3F47DC1F4}"/>
               </a:ext>
             </a:extLst>
           </p:cNvPr>
@@ -14967,7 +14939,7 @@
           <p:cNvPr id="326" name="Shape 248">
             <a:extLst>
               <a:ext uri="{FF2B5EF4-FFF2-40B4-BE49-F238E27FC236}">
-                <a16:creationId xmlns="" xmlns:a16="http://schemas.microsoft.com/office/drawing/2014/main" id="{58161C5D-DEC3-4839-BC8D-724EEFE6C33B}"/>
+                <a16:creationId xmlns:a16="http://schemas.microsoft.com/office/drawing/2014/main" id="{58161C5D-DEC3-4839-BC8D-724EEFE6C33B}"/>
               </a:ext>
             </a:extLst>
           </p:cNvPr>
@@ -15012,7 +14984,7 @@
           <p:cNvPr id="329" name="Shape 248">
             <a:extLst>
               <a:ext uri="{FF2B5EF4-FFF2-40B4-BE49-F238E27FC236}">
-                <a16:creationId xmlns="" xmlns:a16="http://schemas.microsoft.com/office/drawing/2014/main" id="{BED6FD35-7ED6-489B-ACD7-6FC6A87D7BDF}"/>
+                <a16:creationId xmlns:a16="http://schemas.microsoft.com/office/drawing/2014/main" id="{BED6FD35-7ED6-489B-ACD7-6FC6A87D7BDF}"/>
               </a:ext>
             </a:extLst>
           </p:cNvPr>
@@ -15058,7 +15030,7 @@
           <p:cNvPr id="332" name="Shape 248">
             <a:extLst>
               <a:ext uri="{FF2B5EF4-FFF2-40B4-BE49-F238E27FC236}">
-                <a16:creationId xmlns="" xmlns:a16="http://schemas.microsoft.com/office/drawing/2014/main" id="{A63CAA29-B0BF-400A-84BE-FBC537E38D9C}"/>
+                <a16:creationId xmlns:a16="http://schemas.microsoft.com/office/drawing/2014/main" id="{A63CAA29-B0BF-400A-84BE-FBC537E38D9C}"/>
               </a:ext>
             </a:extLst>
           </p:cNvPr>
@@ -15104,7 +15076,7 @@
           <p:cNvPr id="335" name="Shape 248">
             <a:extLst>
               <a:ext uri="{FF2B5EF4-FFF2-40B4-BE49-F238E27FC236}">
-                <a16:creationId xmlns="" xmlns:a16="http://schemas.microsoft.com/office/drawing/2014/main" id="{5EC344A3-0BF5-4484-9C11-CE03EA7FB834}"/>
+                <a16:creationId xmlns:a16="http://schemas.microsoft.com/office/drawing/2014/main" id="{5EC344A3-0BF5-4484-9C11-CE03EA7FB834}"/>
               </a:ext>
             </a:extLst>
           </p:cNvPr>
@@ -15150,7 +15122,7 @@
           <p:cNvPr id="338" name="Shape 248">
             <a:extLst>
               <a:ext uri="{FF2B5EF4-FFF2-40B4-BE49-F238E27FC236}">
-                <a16:creationId xmlns="" xmlns:a16="http://schemas.microsoft.com/office/drawing/2014/main" id="{A7F12841-AB34-4CC1-9965-824DF87AC7B9}"/>
+                <a16:creationId xmlns:a16="http://schemas.microsoft.com/office/drawing/2014/main" id="{A7F12841-AB34-4CC1-9965-824DF87AC7B9}"/>
               </a:ext>
             </a:extLst>
           </p:cNvPr>
@@ -15196,7 +15168,7 @@
           <p:cNvPr id="341" name="Shape 248">
             <a:extLst>
               <a:ext uri="{FF2B5EF4-FFF2-40B4-BE49-F238E27FC236}">
-                <a16:creationId xmlns="" xmlns:a16="http://schemas.microsoft.com/office/drawing/2014/main" id="{6336FDC1-AA70-43B0-9203-70B8EF94EAD4}"/>
+                <a16:creationId xmlns:a16="http://schemas.microsoft.com/office/drawing/2014/main" id="{6336FDC1-AA70-43B0-9203-70B8EF94EAD4}"/>
               </a:ext>
             </a:extLst>
           </p:cNvPr>
@@ -15242,7 +15214,7 @@
           <p:cNvPr id="344" name="Shape 248">
             <a:extLst>
               <a:ext uri="{FF2B5EF4-FFF2-40B4-BE49-F238E27FC236}">
-                <a16:creationId xmlns="" xmlns:a16="http://schemas.microsoft.com/office/drawing/2014/main" id="{1C5B0918-B29C-4027-908B-CB9D03FDFEA9}"/>
+                <a16:creationId xmlns:a16="http://schemas.microsoft.com/office/drawing/2014/main" id="{1C5B0918-B29C-4027-908B-CB9D03FDFEA9}"/>
               </a:ext>
             </a:extLst>
           </p:cNvPr>
@@ -15288,7 +15260,7 @@
           <p:cNvPr id="347" name="Shape 248">
             <a:extLst>
               <a:ext uri="{FF2B5EF4-FFF2-40B4-BE49-F238E27FC236}">
-                <a16:creationId xmlns="" xmlns:a16="http://schemas.microsoft.com/office/drawing/2014/main" id="{6A050BE5-6D0C-4AD4-868D-EC7425253258}"/>
+                <a16:creationId xmlns:a16="http://schemas.microsoft.com/office/drawing/2014/main" id="{6A050BE5-6D0C-4AD4-868D-EC7425253258}"/>
               </a:ext>
             </a:extLst>
           </p:cNvPr>
@@ -15333,7 +15305,7 @@
           <p:cNvPr id="350" name="Прямоугольник 349">
             <a:extLst>
               <a:ext uri="{FF2B5EF4-FFF2-40B4-BE49-F238E27FC236}">
-                <a16:creationId xmlns="" xmlns:a16="http://schemas.microsoft.com/office/drawing/2014/main" id="{765E26F8-259A-4760-98B9-CFA5E8DB365C}"/>
+                <a16:creationId xmlns:a16="http://schemas.microsoft.com/office/drawing/2014/main" id="{765E26F8-259A-4760-98B9-CFA5E8DB365C}"/>
               </a:ext>
             </a:extLst>
           </p:cNvPr>
@@ -15389,7 +15361,7 @@
           <p:cNvPr id="351" name="Shape 248">
             <a:extLst>
               <a:ext uri="{FF2B5EF4-FFF2-40B4-BE49-F238E27FC236}">
-                <a16:creationId xmlns="" xmlns:a16="http://schemas.microsoft.com/office/drawing/2014/main" id="{148F55FF-8BDD-4E8A-BE73-081B70FFD284}"/>
+                <a16:creationId xmlns:a16="http://schemas.microsoft.com/office/drawing/2014/main" id="{148F55FF-8BDD-4E8A-BE73-081B70FFD284}"/>
               </a:ext>
             </a:extLst>
           </p:cNvPr>
@@ -15434,7 +15406,7 @@
           <p:cNvPr id="354" name="Прямоугольник 353">
             <a:extLst>
               <a:ext uri="{FF2B5EF4-FFF2-40B4-BE49-F238E27FC236}">
-                <a16:creationId xmlns="" xmlns:a16="http://schemas.microsoft.com/office/drawing/2014/main" id="{BDEC123E-8F59-477F-B827-9EB5E35E3B23}"/>
+                <a16:creationId xmlns:a16="http://schemas.microsoft.com/office/drawing/2014/main" id="{BDEC123E-8F59-477F-B827-9EB5E35E3B23}"/>
               </a:ext>
             </a:extLst>
           </p:cNvPr>
@@ -15490,7 +15462,7 @@
           <p:cNvPr id="355" name="Shape 248">
             <a:extLst>
               <a:ext uri="{FF2B5EF4-FFF2-40B4-BE49-F238E27FC236}">
-                <a16:creationId xmlns="" xmlns:a16="http://schemas.microsoft.com/office/drawing/2014/main" id="{0D0F5707-F5F0-4A89-9C8D-7B643700012E}"/>
+                <a16:creationId xmlns:a16="http://schemas.microsoft.com/office/drawing/2014/main" id="{0D0F5707-F5F0-4A89-9C8D-7B643700012E}"/>
               </a:ext>
             </a:extLst>
           </p:cNvPr>
@@ -15535,7 +15507,7 @@
           <p:cNvPr id="358" name="Прямоугольник 357">
             <a:extLst>
               <a:ext uri="{FF2B5EF4-FFF2-40B4-BE49-F238E27FC236}">
-                <a16:creationId xmlns="" xmlns:a16="http://schemas.microsoft.com/office/drawing/2014/main" id="{303508BD-E009-4A74-9100-C9F0887DF0CB}"/>
+                <a16:creationId xmlns:a16="http://schemas.microsoft.com/office/drawing/2014/main" id="{303508BD-E009-4A74-9100-C9F0887DF0CB}"/>
               </a:ext>
             </a:extLst>
           </p:cNvPr>
@@ -15591,7 +15563,7 @@
           <p:cNvPr id="359" name="Shape 248">
             <a:extLst>
               <a:ext uri="{FF2B5EF4-FFF2-40B4-BE49-F238E27FC236}">
-                <a16:creationId xmlns="" xmlns:a16="http://schemas.microsoft.com/office/drawing/2014/main" id="{FF497636-6F8A-4D52-A5D8-7BDAE47FFF42}"/>
+                <a16:creationId xmlns:a16="http://schemas.microsoft.com/office/drawing/2014/main" id="{FF497636-6F8A-4D52-A5D8-7BDAE47FFF42}"/>
               </a:ext>
             </a:extLst>
           </p:cNvPr>
@@ -15637,7 +15609,7 @@
           <p:cNvPr id="363" name="Shape 248">
             <a:extLst>
               <a:ext uri="{FF2B5EF4-FFF2-40B4-BE49-F238E27FC236}">
-                <a16:creationId xmlns="" xmlns:a16="http://schemas.microsoft.com/office/drawing/2014/main" id="{7BA2ACFB-4C24-4A72-A2EB-4B1262117E3C}"/>
+                <a16:creationId xmlns:a16="http://schemas.microsoft.com/office/drawing/2014/main" id="{7BA2ACFB-4C24-4A72-A2EB-4B1262117E3C}"/>
               </a:ext>
             </a:extLst>
           </p:cNvPr>
@@ -15683,7 +15655,7 @@
           <p:cNvPr id="381" name="Прямая соединительная линия 380">
             <a:extLst>
               <a:ext uri="{FF2B5EF4-FFF2-40B4-BE49-F238E27FC236}">
-                <a16:creationId xmlns="" xmlns:a16="http://schemas.microsoft.com/office/drawing/2014/main" id="{CD8E8FE1-3FE9-4617-A9E7-1413F44D5694}"/>
+                <a16:creationId xmlns:a16="http://schemas.microsoft.com/office/drawing/2014/main" id="{CD8E8FE1-3FE9-4617-A9E7-1413F44D5694}"/>
               </a:ext>
             </a:extLst>
           </p:cNvPr>
@@ -15728,7 +15700,7 @@
           <p:cNvPr id="401" name="Прямоугольник 400">
             <a:extLst>
               <a:ext uri="{FF2B5EF4-FFF2-40B4-BE49-F238E27FC236}">
-                <a16:creationId xmlns="" xmlns:a16="http://schemas.microsoft.com/office/drawing/2014/main" id="{1A5ACA76-F98C-4AAE-8C89-68E8846C4F3E}"/>
+                <a16:creationId xmlns:a16="http://schemas.microsoft.com/office/drawing/2014/main" id="{1A5ACA76-F98C-4AAE-8C89-68E8846C4F3E}"/>
               </a:ext>
             </a:extLst>
           </p:cNvPr>
@@ -15777,7 +15749,7 @@
           <p:cNvPr id="294" name="Прямоугольник 293">
             <a:extLst>
               <a:ext uri="{FF2B5EF4-FFF2-40B4-BE49-F238E27FC236}">
-                <a16:creationId xmlns="" xmlns:a16="http://schemas.microsoft.com/office/drawing/2014/main" id="{6E35469B-525C-4828-B38E-EB394D1EC372}"/>
+                <a16:creationId xmlns:a16="http://schemas.microsoft.com/office/drawing/2014/main" id="{6E35469B-525C-4828-B38E-EB394D1EC372}"/>
               </a:ext>
             </a:extLst>
           </p:cNvPr>
@@ -15829,7 +15801,7 @@
           <p:cNvPr id="295" name="Shape 248">
             <a:extLst>
               <a:ext uri="{FF2B5EF4-FFF2-40B4-BE49-F238E27FC236}">
-                <a16:creationId xmlns="" xmlns:a16="http://schemas.microsoft.com/office/drawing/2014/main" id="{98250168-2090-4892-8242-4BC7C0F6FB8F}"/>
+                <a16:creationId xmlns:a16="http://schemas.microsoft.com/office/drawing/2014/main" id="{98250168-2090-4892-8242-4BC7C0F6FB8F}"/>
               </a:ext>
             </a:extLst>
           </p:cNvPr>
@@ -15874,7 +15846,7 @@
           <p:cNvPr id="301" name="Прямоугольник 300">
             <a:extLst>
               <a:ext uri="{FF2B5EF4-FFF2-40B4-BE49-F238E27FC236}">
-                <a16:creationId xmlns="" xmlns:a16="http://schemas.microsoft.com/office/drawing/2014/main" id="{E0B91D39-873F-4E56-AD7B-A4D2A2CCFE0A}"/>
+                <a16:creationId xmlns:a16="http://schemas.microsoft.com/office/drawing/2014/main" id="{E0B91D39-873F-4E56-AD7B-A4D2A2CCFE0A}"/>
               </a:ext>
             </a:extLst>
           </p:cNvPr>
@@ -15923,7 +15895,7 @@
           <p:cNvPr id="304" name="Прямоугольник 303">
             <a:extLst>
               <a:ext uri="{FF2B5EF4-FFF2-40B4-BE49-F238E27FC236}">
-                <a16:creationId xmlns="" xmlns:a16="http://schemas.microsoft.com/office/drawing/2014/main" id="{1EC70A17-71D7-4837-A6E2-DD76104A96BE}"/>
+                <a16:creationId xmlns:a16="http://schemas.microsoft.com/office/drawing/2014/main" id="{1EC70A17-71D7-4837-A6E2-DD76104A96BE}"/>
               </a:ext>
             </a:extLst>
           </p:cNvPr>
@@ -15975,7 +15947,7 @@
           <p:cNvPr id="307" name="Shape 248">
             <a:extLst>
               <a:ext uri="{FF2B5EF4-FFF2-40B4-BE49-F238E27FC236}">
-                <a16:creationId xmlns="" xmlns:a16="http://schemas.microsoft.com/office/drawing/2014/main" id="{3D4FFAB0-F1E2-47BA-8A15-E97093B366CB}"/>
+                <a16:creationId xmlns:a16="http://schemas.microsoft.com/office/drawing/2014/main" id="{3D4FFAB0-F1E2-47BA-8A15-E97093B366CB}"/>
               </a:ext>
             </a:extLst>
           </p:cNvPr>
@@ -16020,7 +15992,7 @@
           <p:cNvPr id="327" name="Прямоугольник 326">
             <a:extLst>
               <a:ext uri="{FF2B5EF4-FFF2-40B4-BE49-F238E27FC236}">
-                <a16:creationId xmlns="" xmlns:a16="http://schemas.microsoft.com/office/drawing/2014/main" id="{A2AB9ED9-5B3C-4386-B630-F3FB0647C62A}"/>
+                <a16:creationId xmlns:a16="http://schemas.microsoft.com/office/drawing/2014/main" id="{A2AB9ED9-5B3C-4386-B630-F3FB0647C62A}"/>
               </a:ext>
             </a:extLst>
           </p:cNvPr>
@@ -16069,7 +16041,7 @@
           <p:cNvPr id="330" name="Прямоугольник 329">
             <a:extLst>
               <a:ext uri="{FF2B5EF4-FFF2-40B4-BE49-F238E27FC236}">
-                <a16:creationId xmlns="" xmlns:a16="http://schemas.microsoft.com/office/drawing/2014/main" id="{8934B9E5-7DDC-45E3-B553-D88557E3717A}"/>
+                <a16:creationId xmlns:a16="http://schemas.microsoft.com/office/drawing/2014/main" id="{8934B9E5-7DDC-45E3-B553-D88557E3717A}"/>
               </a:ext>
             </a:extLst>
           </p:cNvPr>
@@ -16118,7 +16090,7 @@
           <p:cNvPr id="331" name="Прямоугольник 330">
             <a:extLst>
               <a:ext uri="{FF2B5EF4-FFF2-40B4-BE49-F238E27FC236}">
-                <a16:creationId xmlns="" xmlns:a16="http://schemas.microsoft.com/office/drawing/2014/main" id="{2A539DFE-7DE2-4F44-A176-FBF949A136E7}"/>
+                <a16:creationId xmlns:a16="http://schemas.microsoft.com/office/drawing/2014/main" id="{2A539DFE-7DE2-4F44-A176-FBF949A136E7}"/>
               </a:ext>
             </a:extLst>
           </p:cNvPr>
@@ -16167,7 +16139,7 @@
           <p:cNvPr id="333" name="Shape 248">
             <a:extLst>
               <a:ext uri="{FF2B5EF4-FFF2-40B4-BE49-F238E27FC236}">
-                <a16:creationId xmlns="" xmlns:a16="http://schemas.microsoft.com/office/drawing/2014/main" id="{B197B95A-64FD-40DB-8AEF-404BEC0A4FAF}"/>
+                <a16:creationId xmlns:a16="http://schemas.microsoft.com/office/drawing/2014/main" id="{B197B95A-64FD-40DB-8AEF-404BEC0A4FAF}"/>
               </a:ext>
             </a:extLst>
           </p:cNvPr>
@@ -16212,7 +16184,7 @@
           <p:cNvPr id="334" name="Shape 248">
             <a:extLst>
               <a:ext uri="{FF2B5EF4-FFF2-40B4-BE49-F238E27FC236}">
-                <a16:creationId xmlns="" xmlns:a16="http://schemas.microsoft.com/office/drawing/2014/main" id="{AEF02320-8584-4B14-9DA4-9E158D4E6BE1}"/>
+                <a16:creationId xmlns:a16="http://schemas.microsoft.com/office/drawing/2014/main" id="{AEF02320-8584-4B14-9DA4-9E158D4E6BE1}"/>
               </a:ext>
             </a:extLst>
           </p:cNvPr>
@@ -16257,7 +16229,7 @@
           <p:cNvPr id="336" name="Shape 248">
             <a:extLst>
               <a:ext uri="{FF2B5EF4-FFF2-40B4-BE49-F238E27FC236}">
-                <a16:creationId xmlns="" xmlns:a16="http://schemas.microsoft.com/office/drawing/2014/main" id="{FFE49214-3D1A-47C5-853C-A519DED7E626}"/>
+                <a16:creationId xmlns:a16="http://schemas.microsoft.com/office/drawing/2014/main" id="{FFE49214-3D1A-47C5-853C-A519DED7E626}"/>
               </a:ext>
             </a:extLst>
           </p:cNvPr>
@@ -16302,7 +16274,7 @@
           <p:cNvPr id="337" name="Прямоугольник 336">
             <a:extLst>
               <a:ext uri="{FF2B5EF4-FFF2-40B4-BE49-F238E27FC236}">
-                <a16:creationId xmlns="" xmlns:a16="http://schemas.microsoft.com/office/drawing/2014/main" id="{4810CE09-044F-4028-9963-17F645CF17E1}"/>
+                <a16:creationId xmlns:a16="http://schemas.microsoft.com/office/drawing/2014/main" id="{4810CE09-044F-4028-9963-17F645CF17E1}"/>
               </a:ext>
             </a:extLst>
           </p:cNvPr>
@@ -16351,7 +16323,7 @@
           <p:cNvPr id="339" name="Прямоугольник 338">
             <a:extLst>
               <a:ext uri="{FF2B5EF4-FFF2-40B4-BE49-F238E27FC236}">
-                <a16:creationId xmlns="" xmlns:a16="http://schemas.microsoft.com/office/drawing/2014/main" id="{DACD93FF-4987-4926-8F38-D945341E780F}"/>
+                <a16:creationId xmlns:a16="http://schemas.microsoft.com/office/drawing/2014/main" id="{DACD93FF-4987-4926-8F38-D945341E780F}"/>
               </a:ext>
             </a:extLst>
           </p:cNvPr>
@@ -16400,7 +16372,7 @@
           <p:cNvPr id="340" name="Shape 248">
             <a:extLst>
               <a:ext uri="{FF2B5EF4-FFF2-40B4-BE49-F238E27FC236}">
-                <a16:creationId xmlns="" xmlns:a16="http://schemas.microsoft.com/office/drawing/2014/main" id="{57ED5092-06C9-451A-9497-EE2BA068B736}"/>
+                <a16:creationId xmlns:a16="http://schemas.microsoft.com/office/drawing/2014/main" id="{57ED5092-06C9-451A-9497-EE2BA068B736}"/>
               </a:ext>
             </a:extLst>
           </p:cNvPr>
@@ -16445,7 +16417,7 @@
           <p:cNvPr id="342" name="Shape 248">
             <a:extLst>
               <a:ext uri="{FF2B5EF4-FFF2-40B4-BE49-F238E27FC236}">
-                <a16:creationId xmlns="" xmlns:a16="http://schemas.microsoft.com/office/drawing/2014/main" id="{89C02F00-0F9E-417D-B0F2-B3BC9ACDD8E7}"/>
+                <a16:creationId xmlns:a16="http://schemas.microsoft.com/office/drawing/2014/main" id="{89C02F00-0F9E-417D-B0F2-B3BC9ACDD8E7}"/>
               </a:ext>
             </a:extLst>
           </p:cNvPr>
@@ -16490,7 +16462,7 @@
           <p:cNvPr id="343" name="Прямоугольник 342">
             <a:extLst>
               <a:ext uri="{FF2B5EF4-FFF2-40B4-BE49-F238E27FC236}">
-                <a16:creationId xmlns="" xmlns:a16="http://schemas.microsoft.com/office/drawing/2014/main" id="{84AADFEF-C44F-4A0C-B548-AD6C27E9481A}"/>
+                <a16:creationId xmlns:a16="http://schemas.microsoft.com/office/drawing/2014/main" id="{84AADFEF-C44F-4A0C-B548-AD6C27E9481A}"/>
               </a:ext>
             </a:extLst>
           </p:cNvPr>
@@ -16545,7 +16517,7 @@
           <p:cNvPr id="345" name="Shape 248">
             <a:extLst>
               <a:ext uri="{FF2B5EF4-FFF2-40B4-BE49-F238E27FC236}">
-                <a16:creationId xmlns="" xmlns:a16="http://schemas.microsoft.com/office/drawing/2014/main" id="{ED164C79-E745-4E00-B162-C077CEB94B3D}"/>
+                <a16:creationId xmlns:a16="http://schemas.microsoft.com/office/drawing/2014/main" id="{ED164C79-E745-4E00-B162-C077CEB94B3D}"/>
               </a:ext>
             </a:extLst>
           </p:cNvPr>
@@ -16590,7 +16562,7 @@
           <p:cNvPr id="346" name="Shape 248">
             <a:extLst>
               <a:ext uri="{FF2B5EF4-FFF2-40B4-BE49-F238E27FC236}">
-                <a16:creationId xmlns="" xmlns:a16="http://schemas.microsoft.com/office/drawing/2014/main" id="{AB025B75-CA82-4738-9584-661FF1F9AFC7}"/>
+                <a16:creationId xmlns:a16="http://schemas.microsoft.com/office/drawing/2014/main" id="{AB025B75-CA82-4738-9584-661FF1F9AFC7}"/>
               </a:ext>
             </a:extLst>
           </p:cNvPr>
@@ -16635,7 +16607,7 @@
           <p:cNvPr id="348" name="Прямоугольник 347">
             <a:extLst>
               <a:ext uri="{FF2B5EF4-FFF2-40B4-BE49-F238E27FC236}">
-                <a16:creationId xmlns="" xmlns:a16="http://schemas.microsoft.com/office/drawing/2014/main" id="{D55A3798-78DE-4AEA-B65A-44853BA63CDC}"/>
+                <a16:creationId xmlns:a16="http://schemas.microsoft.com/office/drawing/2014/main" id="{D55A3798-78DE-4AEA-B65A-44853BA63CDC}"/>
               </a:ext>
             </a:extLst>
           </p:cNvPr>
@@ -16690,7 +16662,7 @@
           <p:cNvPr id="349" name="Shape 248">
             <a:extLst>
               <a:ext uri="{FF2B5EF4-FFF2-40B4-BE49-F238E27FC236}">
-                <a16:creationId xmlns="" xmlns:a16="http://schemas.microsoft.com/office/drawing/2014/main" id="{0D3B46AE-B282-44B8-8A12-4E5EECB02E66}"/>
+                <a16:creationId xmlns:a16="http://schemas.microsoft.com/office/drawing/2014/main" id="{0D3B46AE-B282-44B8-8A12-4E5EECB02E66}"/>
               </a:ext>
             </a:extLst>
           </p:cNvPr>
@@ -16735,7 +16707,7 @@
           <p:cNvPr id="291" name="Прямоугольник 290">
             <a:extLst>
               <a:ext uri="{FF2B5EF4-FFF2-40B4-BE49-F238E27FC236}">
-                <a16:creationId xmlns="" xmlns:a16="http://schemas.microsoft.com/office/drawing/2014/main" id="{BBE97868-F913-4A04-B315-FFBD7C869FB8}"/>
+                <a16:creationId xmlns:a16="http://schemas.microsoft.com/office/drawing/2014/main" id="{BBE97868-F913-4A04-B315-FFBD7C869FB8}"/>
               </a:ext>
             </a:extLst>
           </p:cNvPr>
@@ -16784,7 +16756,7 @@
           <p:cNvPr id="293" name="Прямоугольник 292">
             <a:extLst>
               <a:ext uri="{FF2B5EF4-FFF2-40B4-BE49-F238E27FC236}">
-                <a16:creationId xmlns="" xmlns:a16="http://schemas.microsoft.com/office/drawing/2014/main" id="{19E19291-2883-482A-9158-780CCDD02818}"/>
+                <a16:creationId xmlns:a16="http://schemas.microsoft.com/office/drawing/2014/main" id="{19E19291-2883-482A-9158-780CCDD02818}"/>
               </a:ext>
             </a:extLst>
           </p:cNvPr>
@@ -16836,7 +16808,7 @@
           <p:cNvPr id="356" name="Прямоугольник 355">
             <a:extLst>
               <a:ext uri="{FF2B5EF4-FFF2-40B4-BE49-F238E27FC236}">
-                <a16:creationId xmlns="" xmlns:a16="http://schemas.microsoft.com/office/drawing/2014/main" id="{F30D2F31-8C89-4480-AD61-A748CEF20503}"/>
+                <a16:creationId xmlns:a16="http://schemas.microsoft.com/office/drawing/2014/main" id="{F30D2F31-8C89-4480-AD61-A748CEF20503}"/>
               </a:ext>
             </a:extLst>
           </p:cNvPr>
@@ -16888,7 +16860,7 @@
           <p:cNvPr id="357" name="Прямоугольник 356">
             <a:extLst>
               <a:ext uri="{FF2B5EF4-FFF2-40B4-BE49-F238E27FC236}">
-                <a16:creationId xmlns="" xmlns:a16="http://schemas.microsoft.com/office/drawing/2014/main" id="{2FEA859D-10FB-4DAA-9DBD-D0DC7593E82F}"/>
+                <a16:creationId xmlns:a16="http://schemas.microsoft.com/office/drawing/2014/main" id="{2FEA859D-10FB-4DAA-9DBD-D0DC7593E82F}"/>
               </a:ext>
             </a:extLst>
           </p:cNvPr>
@@ -16940,7 +16912,7 @@
           <p:cNvPr id="360" name="Прямоугольник 359">
             <a:extLst>
               <a:ext uri="{FF2B5EF4-FFF2-40B4-BE49-F238E27FC236}">
-                <a16:creationId xmlns="" xmlns:a16="http://schemas.microsoft.com/office/drawing/2014/main" id="{1151439D-42B9-4DDC-B179-24BAE7966164}"/>
+                <a16:creationId xmlns:a16="http://schemas.microsoft.com/office/drawing/2014/main" id="{1151439D-42B9-4DDC-B179-24BAE7966164}"/>
               </a:ext>
             </a:extLst>
           </p:cNvPr>
@@ -16992,7 +16964,7 @@
           <p:cNvPr id="365" name="Shape 248">
             <a:extLst>
               <a:ext uri="{FF2B5EF4-FFF2-40B4-BE49-F238E27FC236}">
-                <a16:creationId xmlns="" xmlns:a16="http://schemas.microsoft.com/office/drawing/2014/main" id="{A31771CB-5275-4C25-86A3-AEC450D8ADA5}"/>
+                <a16:creationId xmlns:a16="http://schemas.microsoft.com/office/drawing/2014/main" id="{A31771CB-5275-4C25-86A3-AEC450D8ADA5}"/>
               </a:ext>
             </a:extLst>
           </p:cNvPr>
@@ -17037,7 +17009,7 @@
           <p:cNvPr id="366" name="Shape 248">
             <a:extLst>
               <a:ext uri="{FF2B5EF4-FFF2-40B4-BE49-F238E27FC236}">
-                <a16:creationId xmlns="" xmlns:a16="http://schemas.microsoft.com/office/drawing/2014/main" id="{0B92EA90-7AF8-459E-B3F8-E86651C88809}"/>
+                <a16:creationId xmlns:a16="http://schemas.microsoft.com/office/drawing/2014/main" id="{0B92EA90-7AF8-459E-B3F8-E86651C88809}"/>
               </a:ext>
             </a:extLst>
           </p:cNvPr>
@@ -17082,7 +17054,7 @@
           <p:cNvPr id="367" name="Shape 248">
             <a:extLst>
               <a:ext uri="{FF2B5EF4-FFF2-40B4-BE49-F238E27FC236}">
-                <a16:creationId xmlns="" xmlns:a16="http://schemas.microsoft.com/office/drawing/2014/main" id="{E0B58690-7BFB-4341-9B0B-D2CF51567296}"/>
+                <a16:creationId xmlns:a16="http://schemas.microsoft.com/office/drawing/2014/main" id="{E0B58690-7BFB-4341-9B0B-D2CF51567296}"/>
               </a:ext>
             </a:extLst>
           </p:cNvPr>
@@ -17128,7 +17100,7 @@
           <p:cNvPr id="368" name="Shape 248">
             <a:extLst>
               <a:ext uri="{FF2B5EF4-FFF2-40B4-BE49-F238E27FC236}">
-                <a16:creationId xmlns="" xmlns:a16="http://schemas.microsoft.com/office/drawing/2014/main" id="{A0D9E41C-B9B6-4B98-AA22-DCB7343A00A2}"/>
+                <a16:creationId xmlns:a16="http://schemas.microsoft.com/office/drawing/2014/main" id="{A0D9E41C-B9B6-4B98-AA22-DCB7343A00A2}"/>
               </a:ext>
             </a:extLst>
           </p:cNvPr>
@@ -17174,7 +17146,7 @@
           <p:cNvPr id="371" name="Прямоугольник 370">
             <a:extLst>
               <a:ext uri="{FF2B5EF4-FFF2-40B4-BE49-F238E27FC236}">
-                <a16:creationId xmlns="" xmlns:a16="http://schemas.microsoft.com/office/drawing/2014/main" id="{6589CDF3-EA74-4502-BEF2-691BB87A46C4}"/>
+                <a16:creationId xmlns:a16="http://schemas.microsoft.com/office/drawing/2014/main" id="{6589CDF3-EA74-4502-BEF2-691BB87A46C4}"/>
               </a:ext>
             </a:extLst>
           </p:cNvPr>
@@ -17231,7 +17203,7 @@
           <p:cNvPr id="373" name="Прямоугольник 372">
             <a:extLst>
               <a:ext uri="{FF2B5EF4-FFF2-40B4-BE49-F238E27FC236}">
-                <a16:creationId xmlns="" xmlns:a16="http://schemas.microsoft.com/office/drawing/2014/main" id="{2FC2B334-CF25-4EFB-958E-A3877D34A5B4}"/>
+                <a16:creationId xmlns:a16="http://schemas.microsoft.com/office/drawing/2014/main" id="{2FC2B334-CF25-4EFB-958E-A3877D34A5B4}"/>
               </a:ext>
             </a:extLst>
           </p:cNvPr>
@@ -17280,7 +17252,7 @@
           <p:cNvPr id="383" name="Прямоугольник 382">
             <a:extLst>
               <a:ext uri="{FF2B5EF4-FFF2-40B4-BE49-F238E27FC236}">
-                <a16:creationId xmlns="" xmlns:a16="http://schemas.microsoft.com/office/drawing/2014/main" id="{74E3C8C4-8719-4232-8983-702495896567}"/>
+                <a16:creationId xmlns:a16="http://schemas.microsoft.com/office/drawing/2014/main" id="{74E3C8C4-8719-4232-8983-702495896567}"/>
               </a:ext>
             </a:extLst>
           </p:cNvPr>
@@ -17329,7 +17301,7 @@
           <p:cNvPr id="384" name="Прямоугольник 383">
             <a:extLst>
               <a:ext uri="{FF2B5EF4-FFF2-40B4-BE49-F238E27FC236}">
-                <a16:creationId xmlns="" xmlns:a16="http://schemas.microsoft.com/office/drawing/2014/main" id="{34CBEC2C-B29B-4008-BB32-C0D97A96B6A4}"/>
+                <a16:creationId xmlns:a16="http://schemas.microsoft.com/office/drawing/2014/main" id="{34CBEC2C-B29B-4008-BB32-C0D97A96B6A4}"/>
               </a:ext>
             </a:extLst>
           </p:cNvPr>
@@ -17378,7 +17350,7 @@
           <p:cNvPr id="385" name="Прямоугольник 384">
             <a:extLst>
               <a:ext uri="{FF2B5EF4-FFF2-40B4-BE49-F238E27FC236}">
-                <a16:creationId xmlns="" xmlns:a16="http://schemas.microsoft.com/office/drawing/2014/main" id="{F6212F07-8BD3-444F-ADFF-B5C47CFD3244}"/>
+                <a16:creationId xmlns:a16="http://schemas.microsoft.com/office/drawing/2014/main" id="{F6212F07-8BD3-444F-ADFF-B5C47CFD3244}"/>
               </a:ext>
             </a:extLst>
           </p:cNvPr>
@@ -17427,7 +17399,7 @@
           <p:cNvPr id="387" name="Прямоугольник 386">
             <a:extLst>
               <a:ext uri="{FF2B5EF4-FFF2-40B4-BE49-F238E27FC236}">
-                <a16:creationId xmlns="" xmlns:a16="http://schemas.microsoft.com/office/drawing/2014/main" id="{98064EED-8B9F-4A13-90EE-26802E23532C}"/>
+                <a16:creationId xmlns:a16="http://schemas.microsoft.com/office/drawing/2014/main" id="{98064EED-8B9F-4A13-90EE-26802E23532C}"/>
               </a:ext>
             </a:extLst>
           </p:cNvPr>
@@ -17476,7 +17448,7 @@
           <p:cNvPr id="393" name="Прямоугольник 392">
             <a:extLst>
               <a:ext uri="{FF2B5EF4-FFF2-40B4-BE49-F238E27FC236}">
-                <a16:creationId xmlns="" xmlns:a16="http://schemas.microsoft.com/office/drawing/2014/main" id="{7D821894-30E4-4D16-B7A3-4288BF3A8DD5}"/>
+                <a16:creationId xmlns:a16="http://schemas.microsoft.com/office/drawing/2014/main" id="{7D821894-30E4-4D16-B7A3-4288BF3A8DD5}"/>
               </a:ext>
             </a:extLst>
           </p:cNvPr>
@@ -17525,7 +17497,7 @@
           <p:cNvPr id="394" name="Прямоугольник 393">
             <a:extLst>
               <a:ext uri="{FF2B5EF4-FFF2-40B4-BE49-F238E27FC236}">
-                <a16:creationId xmlns="" xmlns:a16="http://schemas.microsoft.com/office/drawing/2014/main" id="{85C37AE4-8F03-4A08-9707-A3ADEC64EC29}"/>
+                <a16:creationId xmlns:a16="http://schemas.microsoft.com/office/drawing/2014/main" id="{85C37AE4-8F03-4A08-9707-A3ADEC64EC29}"/>
               </a:ext>
             </a:extLst>
           </p:cNvPr>
@@ -17574,7 +17546,7 @@
           <p:cNvPr id="395" name="Прямая соединительная линия 394">
             <a:extLst>
               <a:ext uri="{FF2B5EF4-FFF2-40B4-BE49-F238E27FC236}">
-                <a16:creationId xmlns="" xmlns:a16="http://schemas.microsoft.com/office/drawing/2014/main" id="{EA678973-43FE-47C6-B2EF-08BFA8BDCB5C}"/>
+                <a16:creationId xmlns:a16="http://schemas.microsoft.com/office/drawing/2014/main" id="{EA678973-43FE-47C6-B2EF-08BFA8BDCB5C}"/>
               </a:ext>
             </a:extLst>
           </p:cNvPr>
@@ -17619,7 +17591,7 @@
           <p:cNvPr id="396" name="Прямая соединительная линия 395">
             <a:extLst>
               <a:ext uri="{FF2B5EF4-FFF2-40B4-BE49-F238E27FC236}">
-                <a16:creationId xmlns="" xmlns:a16="http://schemas.microsoft.com/office/drawing/2014/main" id="{E8A01847-02CC-4C2D-B6D4-08D7E256ABCB}"/>
+                <a16:creationId xmlns:a16="http://schemas.microsoft.com/office/drawing/2014/main" id="{E8A01847-02CC-4C2D-B6D4-08D7E256ABCB}"/>
               </a:ext>
             </a:extLst>
           </p:cNvPr>
@@ -17664,7 +17636,7 @@
           <p:cNvPr id="397" name="Прямая соединительная линия 396">
             <a:extLst>
               <a:ext uri="{FF2B5EF4-FFF2-40B4-BE49-F238E27FC236}">
-                <a16:creationId xmlns="" xmlns:a16="http://schemas.microsoft.com/office/drawing/2014/main" id="{1BE9E3DD-A17F-40ED-BBBC-532AEDB0BD61}"/>
+                <a16:creationId xmlns:a16="http://schemas.microsoft.com/office/drawing/2014/main" id="{1BE9E3DD-A17F-40ED-BBBC-532AEDB0BD61}"/>
               </a:ext>
             </a:extLst>
           </p:cNvPr>
@@ -17709,7 +17681,7 @@
           <p:cNvPr id="398" name="Shape 248">
             <a:extLst>
               <a:ext uri="{FF2B5EF4-FFF2-40B4-BE49-F238E27FC236}">
-                <a16:creationId xmlns="" xmlns:a16="http://schemas.microsoft.com/office/drawing/2014/main" id="{EC82461A-7A55-41A3-80AF-7A628CA5F8E5}"/>
+                <a16:creationId xmlns:a16="http://schemas.microsoft.com/office/drawing/2014/main" id="{EC82461A-7A55-41A3-80AF-7A628CA5F8E5}"/>
               </a:ext>
             </a:extLst>
           </p:cNvPr>
@@ -17754,7 +17726,7 @@
           <p:cNvPr id="399" name="Shape 248">
             <a:extLst>
               <a:ext uri="{FF2B5EF4-FFF2-40B4-BE49-F238E27FC236}">
-                <a16:creationId xmlns="" xmlns:a16="http://schemas.microsoft.com/office/drawing/2014/main" id="{04663475-868B-4441-B2AC-AFF94DAC204A}"/>
+                <a16:creationId xmlns:a16="http://schemas.microsoft.com/office/drawing/2014/main" id="{04663475-868B-4441-B2AC-AFF94DAC204A}"/>
               </a:ext>
             </a:extLst>
           </p:cNvPr>
@@ -17799,7 +17771,7 @@
           <p:cNvPr id="400" name="Прямоугольник 399">
             <a:extLst>
               <a:ext uri="{FF2B5EF4-FFF2-40B4-BE49-F238E27FC236}">
-                <a16:creationId xmlns="" xmlns:a16="http://schemas.microsoft.com/office/drawing/2014/main" id="{98CB1FCD-D016-4556-A623-C25C9F69458D}"/>
+                <a16:creationId xmlns:a16="http://schemas.microsoft.com/office/drawing/2014/main" id="{98CB1FCD-D016-4556-A623-C25C9F69458D}"/>
               </a:ext>
             </a:extLst>
           </p:cNvPr>
@@ -17848,7 +17820,7 @@
           <p:cNvPr id="403" name="Shape 248">
             <a:extLst>
               <a:ext uri="{FF2B5EF4-FFF2-40B4-BE49-F238E27FC236}">
-                <a16:creationId xmlns="" xmlns:a16="http://schemas.microsoft.com/office/drawing/2014/main" id="{B3D5614B-64AC-46FA-9641-F98A81F2C35D}"/>
+                <a16:creationId xmlns:a16="http://schemas.microsoft.com/office/drawing/2014/main" id="{B3D5614B-64AC-46FA-9641-F98A81F2C35D}"/>
               </a:ext>
             </a:extLst>
           </p:cNvPr>
@@ -17893,7 +17865,7 @@
           <p:cNvPr id="404" name="Shape 248">
             <a:extLst>
               <a:ext uri="{FF2B5EF4-FFF2-40B4-BE49-F238E27FC236}">
-                <a16:creationId xmlns="" xmlns:a16="http://schemas.microsoft.com/office/drawing/2014/main" id="{58E38658-E864-43E9-A148-A077C3FEA59C}"/>
+                <a16:creationId xmlns:a16="http://schemas.microsoft.com/office/drawing/2014/main" id="{58E38658-E864-43E9-A148-A077C3FEA59C}"/>
               </a:ext>
             </a:extLst>
           </p:cNvPr>
@@ -17938,7 +17910,7 @@
           <p:cNvPr id="406" name="Прямоугольник 405">
             <a:extLst>
               <a:ext uri="{FF2B5EF4-FFF2-40B4-BE49-F238E27FC236}">
-                <a16:creationId xmlns="" xmlns:a16="http://schemas.microsoft.com/office/drawing/2014/main" id="{11D53174-6F15-4B59-9C87-AEC60385AFE0}"/>
+                <a16:creationId xmlns:a16="http://schemas.microsoft.com/office/drawing/2014/main" id="{11D53174-6F15-4B59-9C87-AEC60385AFE0}"/>
               </a:ext>
             </a:extLst>
           </p:cNvPr>
@@ -17987,7 +17959,7 @@
           <p:cNvPr id="407" name="Прямоугольник 406">
             <a:extLst>
               <a:ext uri="{FF2B5EF4-FFF2-40B4-BE49-F238E27FC236}">
-                <a16:creationId xmlns="" xmlns:a16="http://schemas.microsoft.com/office/drawing/2014/main" id="{B2BDEA18-D950-4D2A-84E0-6AFC7BFECBD1}"/>
+                <a16:creationId xmlns:a16="http://schemas.microsoft.com/office/drawing/2014/main" id="{B2BDEA18-D950-4D2A-84E0-6AFC7BFECBD1}"/>
               </a:ext>
             </a:extLst>
           </p:cNvPr>
@@ -18036,7 +18008,7 @@
           <p:cNvPr id="408" name="Прямоугольник 407">
             <a:extLst>
               <a:ext uri="{FF2B5EF4-FFF2-40B4-BE49-F238E27FC236}">
-                <a16:creationId xmlns="" xmlns:a16="http://schemas.microsoft.com/office/drawing/2014/main" id="{B510A4A1-0CB1-4B30-877B-8169A826C48F}"/>
+                <a16:creationId xmlns:a16="http://schemas.microsoft.com/office/drawing/2014/main" id="{B510A4A1-0CB1-4B30-877B-8169A826C48F}"/>
               </a:ext>
             </a:extLst>
           </p:cNvPr>
@@ -18085,7 +18057,7 @@
           <p:cNvPr id="409" name="Прямоугольник 408">
             <a:extLst>
               <a:ext uri="{FF2B5EF4-FFF2-40B4-BE49-F238E27FC236}">
-                <a16:creationId xmlns="" xmlns:a16="http://schemas.microsoft.com/office/drawing/2014/main" id="{5B3B97FD-E9A5-466E-B336-C13C2EC33A2A}"/>
+                <a16:creationId xmlns:a16="http://schemas.microsoft.com/office/drawing/2014/main" id="{5B3B97FD-E9A5-466E-B336-C13C2EC33A2A}"/>
               </a:ext>
             </a:extLst>
           </p:cNvPr>
@@ -18134,7 +18106,7 @@
           <p:cNvPr id="410" name="Прямоугольник 409">
             <a:extLst>
               <a:ext uri="{FF2B5EF4-FFF2-40B4-BE49-F238E27FC236}">
-                <a16:creationId xmlns="" xmlns:a16="http://schemas.microsoft.com/office/drawing/2014/main" id="{A6251E2A-62E6-457D-B6AD-4AB5C5F67C14}"/>
+                <a16:creationId xmlns:a16="http://schemas.microsoft.com/office/drawing/2014/main" id="{A6251E2A-62E6-457D-B6AD-4AB5C5F67C14}"/>
               </a:ext>
             </a:extLst>
           </p:cNvPr>
@@ -18183,7 +18155,7 @@
           <p:cNvPr id="411" name="Прямоугольник 410">
             <a:extLst>
               <a:ext uri="{FF2B5EF4-FFF2-40B4-BE49-F238E27FC236}">
-                <a16:creationId xmlns="" xmlns:a16="http://schemas.microsoft.com/office/drawing/2014/main" id="{A810956C-8C81-46CD-82F1-2C73CD6A360D}"/>
+                <a16:creationId xmlns:a16="http://schemas.microsoft.com/office/drawing/2014/main" id="{A810956C-8C81-46CD-82F1-2C73CD6A360D}"/>
               </a:ext>
             </a:extLst>
           </p:cNvPr>
@@ -18232,7 +18204,7 @@
           <p:cNvPr id="412" name="Прямоугольник 411">
             <a:extLst>
               <a:ext uri="{FF2B5EF4-FFF2-40B4-BE49-F238E27FC236}">
-                <a16:creationId xmlns="" xmlns:a16="http://schemas.microsoft.com/office/drawing/2014/main" id="{E013B640-13C2-4561-A980-61EEF4C9936B}"/>
+                <a16:creationId xmlns:a16="http://schemas.microsoft.com/office/drawing/2014/main" id="{E013B640-13C2-4561-A980-61EEF4C9936B}"/>
               </a:ext>
             </a:extLst>
           </p:cNvPr>
@@ -18281,7 +18253,7 @@
           <p:cNvPr id="413" name="Прямоугольник 412">
             <a:extLst>
               <a:ext uri="{FF2B5EF4-FFF2-40B4-BE49-F238E27FC236}">
-                <a16:creationId xmlns="" xmlns:a16="http://schemas.microsoft.com/office/drawing/2014/main" id="{8BB552E8-5927-43C6-9CBE-BD94613D3A4F}"/>
+                <a16:creationId xmlns:a16="http://schemas.microsoft.com/office/drawing/2014/main" id="{8BB552E8-5927-43C6-9CBE-BD94613D3A4F}"/>
               </a:ext>
             </a:extLst>
           </p:cNvPr>
@@ -18330,7 +18302,7 @@
           <p:cNvPr id="414" name="Прямоугольник 413">
             <a:extLst>
               <a:ext uri="{FF2B5EF4-FFF2-40B4-BE49-F238E27FC236}">
-                <a16:creationId xmlns="" xmlns:a16="http://schemas.microsoft.com/office/drawing/2014/main" id="{3B68D7CC-ADC7-45FC-AAC2-C4834B00D8D4}"/>
+                <a16:creationId xmlns:a16="http://schemas.microsoft.com/office/drawing/2014/main" id="{3B68D7CC-ADC7-45FC-AAC2-C4834B00D8D4}"/>
               </a:ext>
             </a:extLst>
           </p:cNvPr>
@@ -18379,7 +18351,7 @@
           <p:cNvPr id="415" name="Прямоугольник 414">
             <a:extLst>
               <a:ext uri="{FF2B5EF4-FFF2-40B4-BE49-F238E27FC236}">
-                <a16:creationId xmlns="" xmlns:a16="http://schemas.microsoft.com/office/drawing/2014/main" id="{0208E2E7-22A1-4E23-AD59-E183A4AB30B4}"/>
+                <a16:creationId xmlns:a16="http://schemas.microsoft.com/office/drawing/2014/main" id="{0208E2E7-22A1-4E23-AD59-E183A4AB30B4}"/>
               </a:ext>
             </a:extLst>
           </p:cNvPr>
@@ -18428,7 +18400,7 @@
           <p:cNvPr id="416" name="Прямоугольник 415">
             <a:extLst>
               <a:ext uri="{FF2B5EF4-FFF2-40B4-BE49-F238E27FC236}">
-                <a16:creationId xmlns="" xmlns:a16="http://schemas.microsoft.com/office/drawing/2014/main" id="{5183ADFB-0CE9-4641-8F3A-B7B41140F3D9}"/>
+                <a16:creationId xmlns:a16="http://schemas.microsoft.com/office/drawing/2014/main" id="{5183ADFB-0CE9-4641-8F3A-B7B41140F3D9}"/>
               </a:ext>
             </a:extLst>
           </p:cNvPr>
@@ -18481,7 +18453,7 @@
           <p:cNvPr id="417" name="Прямоугольник 416">
             <a:extLst>
               <a:ext uri="{FF2B5EF4-FFF2-40B4-BE49-F238E27FC236}">
-                <a16:creationId xmlns="" xmlns:a16="http://schemas.microsoft.com/office/drawing/2014/main" id="{8DAA09BF-0621-4F87-82F3-0F2D1D560DB6}"/>
+                <a16:creationId xmlns:a16="http://schemas.microsoft.com/office/drawing/2014/main" id="{8DAA09BF-0621-4F87-82F3-0F2D1D560DB6}"/>
               </a:ext>
             </a:extLst>
           </p:cNvPr>
@@ -18530,7 +18502,7 @@
           <p:cNvPr id="418" name="Прямоугольник 417">
             <a:extLst>
               <a:ext uri="{FF2B5EF4-FFF2-40B4-BE49-F238E27FC236}">
-                <a16:creationId xmlns="" xmlns:a16="http://schemas.microsoft.com/office/drawing/2014/main" id="{CCF4112B-78CF-44C9-BFC8-E5AE5800A998}"/>
+                <a16:creationId xmlns:a16="http://schemas.microsoft.com/office/drawing/2014/main" id="{CCF4112B-78CF-44C9-BFC8-E5AE5800A998}"/>
               </a:ext>
             </a:extLst>
           </p:cNvPr>
@@ -18591,7 +18563,7 @@
           <p:cNvPr id="419" name="Прямоугольник 418">
             <a:extLst>
               <a:ext uri="{FF2B5EF4-FFF2-40B4-BE49-F238E27FC236}">
-                <a16:creationId xmlns="" xmlns:a16="http://schemas.microsoft.com/office/drawing/2014/main" id="{97EDE762-91A1-4BD2-B3B0-16CF467752B1}"/>
+                <a16:creationId xmlns:a16="http://schemas.microsoft.com/office/drawing/2014/main" id="{97EDE762-91A1-4BD2-B3B0-16CF467752B1}"/>
               </a:ext>
             </a:extLst>
           </p:cNvPr>
@@ -18640,7 +18612,7 @@
           <p:cNvPr id="420" name="Прямоугольник 419">
             <a:extLst>
               <a:ext uri="{FF2B5EF4-FFF2-40B4-BE49-F238E27FC236}">
-                <a16:creationId xmlns="" xmlns:a16="http://schemas.microsoft.com/office/drawing/2014/main" id="{026787F2-46EB-48E7-8A00-39DBCA329709}"/>
+                <a16:creationId xmlns:a16="http://schemas.microsoft.com/office/drawing/2014/main" id="{026787F2-46EB-48E7-8A00-39DBCA329709}"/>
               </a:ext>
             </a:extLst>
           </p:cNvPr>
@@ -18689,7 +18661,7 @@
           <p:cNvPr id="421" name="Прямоугольник 420">
             <a:extLst>
               <a:ext uri="{FF2B5EF4-FFF2-40B4-BE49-F238E27FC236}">
-                <a16:creationId xmlns="" xmlns:a16="http://schemas.microsoft.com/office/drawing/2014/main" id="{F99920BC-5BD7-4AA3-BB90-FD60CF3820C9}"/>
+                <a16:creationId xmlns:a16="http://schemas.microsoft.com/office/drawing/2014/main" id="{F99920BC-5BD7-4AA3-BB90-FD60CF3820C9}"/>
               </a:ext>
             </a:extLst>
           </p:cNvPr>
@@ -18738,7 +18710,7 @@
           <p:cNvPr id="422" name="Прямоугольник 421">
             <a:extLst>
               <a:ext uri="{FF2B5EF4-FFF2-40B4-BE49-F238E27FC236}">
-                <a16:creationId xmlns="" xmlns:a16="http://schemas.microsoft.com/office/drawing/2014/main" id="{C9A6598D-6EBA-41F5-A086-7422F7D1CBBC}"/>
+                <a16:creationId xmlns:a16="http://schemas.microsoft.com/office/drawing/2014/main" id="{C9A6598D-6EBA-41F5-A086-7422F7D1CBBC}"/>
               </a:ext>
             </a:extLst>
           </p:cNvPr>
@@ -18787,7 +18759,7 @@
           <p:cNvPr id="425" name="Shape 248">
             <a:extLst>
               <a:ext uri="{FF2B5EF4-FFF2-40B4-BE49-F238E27FC236}">
-                <a16:creationId xmlns="" xmlns:a16="http://schemas.microsoft.com/office/drawing/2014/main" id="{1C0E1EDA-6112-449B-8D45-E7C72731CCF7}"/>
+                <a16:creationId xmlns:a16="http://schemas.microsoft.com/office/drawing/2014/main" id="{1C0E1EDA-6112-449B-8D45-E7C72731CCF7}"/>
               </a:ext>
             </a:extLst>
           </p:cNvPr>
@@ -18832,7 +18804,7 @@
           <p:cNvPr id="428" name="Shape 248">
             <a:extLst>
               <a:ext uri="{FF2B5EF4-FFF2-40B4-BE49-F238E27FC236}">
-                <a16:creationId xmlns="" xmlns:a16="http://schemas.microsoft.com/office/drawing/2014/main" id="{A1569A00-87C6-4ACC-9C9F-5AE7DDFE889E}"/>
+                <a16:creationId xmlns:a16="http://schemas.microsoft.com/office/drawing/2014/main" id="{A1569A00-87C6-4ACC-9C9F-5AE7DDFE889E}"/>
               </a:ext>
             </a:extLst>
           </p:cNvPr>
@@ -18877,7 +18849,7 @@
           <p:cNvPr id="431" name="Shape 248">
             <a:extLst>
               <a:ext uri="{FF2B5EF4-FFF2-40B4-BE49-F238E27FC236}">
-                <a16:creationId xmlns="" xmlns:a16="http://schemas.microsoft.com/office/drawing/2014/main" id="{56649A38-32E3-4575-AD86-B79539030BD1}"/>
+                <a16:creationId xmlns:a16="http://schemas.microsoft.com/office/drawing/2014/main" id="{56649A38-32E3-4575-AD86-B79539030BD1}"/>
               </a:ext>
             </a:extLst>
           </p:cNvPr>
@@ -18922,7 +18894,7 @@
           <p:cNvPr id="434" name="Shape 248">
             <a:extLst>
               <a:ext uri="{FF2B5EF4-FFF2-40B4-BE49-F238E27FC236}">
-                <a16:creationId xmlns="" xmlns:a16="http://schemas.microsoft.com/office/drawing/2014/main" id="{4393AA00-4777-49B6-A614-A445AD9E48FA}"/>
+                <a16:creationId xmlns:a16="http://schemas.microsoft.com/office/drawing/2014/main" id="{4393AA00-4777-49B6-A614-A445AD9E48FA}"/>
               </a:ext>
             </a:extLst>
           </p:cNvPr>
@@ -18967,7 +18939,7 @@
           <p:cNvPr id="437" name="Shape 248">
             <a:extLst>
               <a:ext uri="{FF2B5EF4-FFF2-40B4-BE49-F238E27FC236}">
-                <a16:creationId xmlns="" xmlns:a16="http://schemas.microsoft.com/office/drawing/2014/main" id="{95CC49D0-1574-4AE3-9C68-91FF8A89FF0B}"/>
+                <a16:creationId xmlns:a16="http://schemas.microsoft.com/office/drawing/2014/main" id="{95CC49D0-1574-4AE3-9C68-91FF8A89FF0B}"/>
               </a:ext>
             </a:extLst>
           </p:cNvPr>
@@ -19012,7 +18984,7 @@
           <p:cNvPr id="440" name="Shape 248">
             <a:extLst>
               <a:ext uri="{FF2B5EF4-FFF2-40B4-BE49-F238E27FC236}">
-                <a16:creationId xmlns="" xmlns:a16="http://schemas.microsoft.com/office/drawing/2014/main" id="{CA5992D2-100E-4BF6-8084-8A327F4990F1}"/>
+                <a16:creationId xmlns:a16="http://schemas.microsoft.com/office/drawing/2014/main" id="{CA5992D2-100E-4BF6-8084-8A327F4990F1}"/>
               </a:ext>
             </a:extLst>
           </p:cNvPr>
@@ -19057,7 +19029,7 @@
           <p:cNvPr id="443" name="Shape 248">
             <a:extLst>
               <a:ext uri="{FF2B5EF4-FFF2-40B4-BE49-F238E27FC236}">
-                <a16:creationId xmlns="" xmlns:a16="http://schemas.microsoft.com/office/drawing/2014/main" id="{75DBBB45-4351-426F-9388-2BEF9986DFAD}"/>
+                <a16:creationId xmlns:a16="http://schemas.microsoft.com/office/drawing/2014/main" id="{75DBBB45-4351-426F-9388-2BEF9986DFAD}"/>
               </a:ext>
             </a:extLst>
           </p:cNvPr>
@@ -19102,7 +19074,7 @@
           <p:cNvPr id="448" name="Прямая со стрелкой 447">
             <a:extLst>
               <a:ext uri="{FF2B5EF4-FFF2-40B4-BE49-F238E27FC236}">
-                <a16:creationId xmlns="" xmlns:a16="http://schemas.microsoft.com/office/drawing/2014/main" id="{D054572B-74CE-49FB-B23F-137ACAB3AA29}"/>
+                <a16:creationId xmlns:a16="http://schemas.microsoft.com/office/drawing/2014/main" id="{D054572B-74CE-49FB-B23F-137ACAB3AA29}"/>
               </a:ext>
             </a:extLst>
           </p:cNvPr>
@@ -19145,7 +19117,7 @@
           <p:cNvPr id="451" name="Прямая со стрелкой 450">
             <a:extLst>
               <a:ext uri="{FF2B5EF4-FFF2-40B4-BE49-F238E27FC236}">
-                <a16:creationId xmlns="" xmlns:a16="http://schemas.microsoft.com/office/drawing/2014/main" id="{2C43F354-059D-4DB0-8721-719221C10B3F}"/>
+                <a16:creationId xmlns:a16="http://schemas.microsoft.com/office/drawing/2014/main" id="{2C43F354-059D-4DB0-8721-719221C10B3F}"/>
               </a:ext>
             </a:extLst>
           </p:cNvPr>
@@ -19188,7 +19160,7 @@
           <p:cNvPr id="454" name="Прямая со стрелкой 453">
             <a:extLst>
               <a:ext uri="{FF2B5EF4-FFF2-40B4-BE49-F238E27FC236}">
-                <a16:creationId xmlns="" xmlns:a16="http://schemas.microsoft.com/office/drawing/2014/main" id="{B6C01A1F-50D4-4C7F-90CA-A7766887112D}"/>
+                <a16:creationId xmlns:a16="http://schemas.microsoft.com/office/drawing/2014/main" id="{B6C01A1F-50D4-4C7F-90CA-A7766887112D}"/>
               </a:ext>
             </a:extLst>
           </p:cNvPr>
@@ -19231,7 +19203,7 @@
           <p:cNvPr id="457" name="Shape 248">
             <a:extLst>
               <a:ext uri="{FF2B5EF4-FFF2-40B4-BE49-F238E27FC236}">
-                <a16:creationId xmlns="" xmlns:a16="http://schemas.microsoft.com/office/drawing/2014/main" id="{585F9789-D5B6-4751-945B-516EC2C58F23}"/>
+                <a16:creationId xmlns:a16="http://schemas.microsoft.com/office/drawing/2014/main" id="{585F9789-D5B6-4751-945B-516EC2C58F23}"/>
               </a:ext>
             </a:extLst>
           </p:cNvPr>
@@ -19276,7 +19248,7 @@
           <p:cNvPr id="460" name="Прямая со стрелкой 459">
             <a:extLst>
               <a:ext uri="{FF2B5EF4-FFF2-40B4-BE49-F238E27FC236}">
-                <a16:creationId xmlns="" xmlns:a16="http://schemas.microsoft.com/office/drawing/2014/main" id="{08C12D7C-36D5-4E12-9188-111687479AB6}"/>
+                <a16:creationId xmlns:a16="http://schemas.microsoft.com/office/drawing/2014/main" id="{08C12D7C-36D5-4E12-9188-111687479AB6}"/>
               </a:ext>
             </a:extLst>
           </p:cNvPr>
@@ -19319,7 +19291,7 @@
           <p:cNvPr id="463" name="Прямая со стрелкой 462">
             <a:extLst>
               <a:ext uri="{FF2B5EF4-FFF2-40B4-BE49-F238E27FC236}">
-                <a16:creationId xmlns="" xmlns:a16="http://schemas.microsoft.com/office/drawing/2014/main" id="{BE6B48E0-57CB-4905-B3CF-5A9AF18FA3F4}"/>
+                <a16:creationId xmlns:a16="http://schemas.microsoft.com/office/drawing/2014/main" id="{BE6B48E0-57CB-4905-B3CF-5A9AF18FA3F4}"/>
               </a:ext>
             </a:extLst>
           </p:cNvPr>
@@ -19362,7 +19334,7 @@
           <p:cNvPr id="470" name="Shape 248">
             <a:extLst>
               <a:ext uri="{FF2B5EF4-FFF2-40B4-BE49-F238E27FC236}">
-                <a16:creationId xmlns="" xmlns:a16="http://schemas.microsoft.com/office/drawing/2014/main" id="{163D0B73-AD3F-45C1-9871-F265D332646A}"/>
+                <a16:creationId xmlns:a16="http://schemas.microsoft.com/office/drawing/2014/main" id="{163D0B73-AD3F-45C1-9871-F265D332646A}"/>
               </a:ext>
             </a:extLst>
           </p:cNvPr>
@@ -19407,7 +19379,7 @@
           <p:cNvPr id="474" name="Shape 248">
             <a:extLst>
               <a:ext uri="{FF2B5EF4-FFF2-40B4-BE49-F238E27FC236}">
-                <a16:creationId xmlns="" xmlns:a16="http://schemas.microsoft.com/office/drawing/2014/main" id="{38B97A0C-CF15-45DB-9FD6-EC725FD84812}"/>
+                <a16:creationId xmlns:a16="http://schemas.microsoft.com/office/drawing/2014/main" id="{38B97A0C-CF15-45DB-9FD6-EC725FD84812}"/>
               </a:ext>
             </a:extLst>
           </p:cNvPr>
@@ -19452,7 +19424,7 @@
           <p:cNvPr id="477" name="Shape 248">
             <a:extLst>
               <a:ext uri="{FF2B5EF4-FFF2-40B4-BE49-F238E27FC236}">
-                <a16:creationId xmlns="" xmlns:a16="http://schemas.microsoft.com/office/drawing/2014/main" id="{E43BDC75-E8C3-42B8-B225-CDFD4A24FC1F}"/>
+                <a16:creationId xmlns:a16="http://schemas.microsoft.com/office/drawing/2014/main" id="{E43BDC75-E8C3-42B8-B225-CDFD4A24FC1F}"/>
               </a:ext>
             </a:extLst>
           </p:cNvPr>
@@ -19497,7 +19469,7 @@
           <p:cNvPr id="480" name="Shape 248">
             <a:extLst>
               <a:ext uri="{FF2B5EF4-FFF2-40B4-BE49-F238E27FC236}">
-                <a16:creationId xmlns="" xmlns:a16="http://schemas.microsoft.com/office/drawing/2014/main" id="{87234C00-795E-4185-BB78-B4DFED59D8D5}"/>
+                <a16:creationId xmlns:a16="http://schemas.microsoft.com/office/drawing/2014/main" id="{87234C00-795E-4185-BB78-B4DFED59D8D5}"/>
               </a:ext>
             </a:extLst>
           </p:cNvPr>
@@ -19542,7 +19514,7 @@
           <p:cNvPr id="483" name="Shape 248">
             <a:extLst>
               <a:ext uri="{FF2B5EF4-FFF2-40B4-BE49-F238E27FC236}">
-                <a16:creationId xmlns="" xmlns:a16="http://schemas.microsoft.com/office/drawing/2014/main" id="{D4CCABE6-97D4-4105-93E9-32A70EB5ACB6}"/>
+                <a16:creationId xmlns:a16="http://schemas.microsoft.com/office/drawing/2014/main" id="{D4CCABE6-97D4-4105-93E9-32A70EB5ACB6}"/>
               </a:ext>
             </a:extLst>
           </p:cNvPr>
@@ -19587,7 +19559,7 @@
           <p:cNvPr id="488" name="Shape 248">
             <a:extLst>
               <a:ext uri="{FF2B5EF4-FFF2-40B4-BE49-F238E27FC236}">
-                <a16:creationId xmlns="" xmlns:a16="http://schemas.microsoft.com/office/drawing/2014/main" id="{04406A94-4D68-4E3B-A185-816972AAD50D}"/>
+                <a16:creationId xmlns:a16="http://schemas.microsoft.com/office/drawing/2014/main" id="{04406A94-4D68-4E3B-A185-816972AAD50D}"/>
               </a:ext>
             </a:extLst>
           </p:cNvPr>
@@ -19633,7 +19605,7 @@
           <p:cNvPr id="491" name="Shape 248">
             <a:extLst>
               <a:ext uri="{FF2B5EF4-FFF2-40B4-BE49-F238E27FC236}">
-                <a16:creationId xmlns="" xmlns:a16="http://schemas.microsoft.com/office/drawing/2014/main" id="{379DA79B-7B03-4CE3-B5C7-7E9C569C7BFF}"/>
+                <a16:creationId xmlns:a16="http://schemas.microsoft.com/office/drawing/2014/main" id="{379DA79B-7B03-4CE3-B5C7-7E9C569C7BFF}"/>
               </a:ext>
             </a:extLst>
           </p:cNvPr>
@@ -19679,7 +19651,7 @@
           <p:cNvPr id="494" name="Shape 248">
             <a:extLst>
               <a:ext uri="{FF2B5EF4-FFF2-40B4-BE49-F238E27FC236}">
-                <a16:creationId xmlns="" xmlns:a16="http://schemas.microsoft.com/office/drawing/2014/main" id="{D41A89F4-AADC-494A-A04C-F120E6B71608}"/>
+                <a16:creationId xmlns:a16="http://schemas.microsoft.com/office/drawing/2014/main" id="{D41A89F4-AADC-494A-A04C-F120E6B71608}"/>
               </a:ext>
             </a:extLst>
           </p:cNvPr>
@@ -19725,7 +19697,7 @@
           <p:cNvPr id="497" name="Shape 248">
             <a:extLst>
               <a:ext uri="{FF2B5EF4-FFF2-40B4-BE49-F238E27FC236}">
-                <a16:creationId xmlns="" xmlns:a16="http://schemas.microsoft.com/office/drawing/2014/main" id="{3687ACE2-F7C0-4ECB-9022-B8221549BF70}"/>
+                <a16:creationId xmlns:a16="http://schemas.microsoft.com/office/drawing/2014/main" id="{3687ACE2-F7C0-4ECB-9022-B8221549BF70}"/>
               </a:ext>
             </a:extLst>
           </p:cNvPr>
@@ -19771,7 +19743,7 @@
           <p:cNvPr id="500" name="Shape 248">
             <a:extLst>
               <a:ext uri="{FF2B5EF4-FFF2-40B4-BE49-F238E27FC236}">
-                <a16:creationId xmlns="" xmlns:a16="http://schemas.microsoft.com/office/drawing/2014/main" id="{592B8110-494B-4B66-B594-90A5E025E9F1}"/>
+                <a16:creationId xmlns:a16="http://schemas.microsoft.com/office/drawing/2014/main" id="{592B8110-494B-4B66-B594-90A5E025E9F1}"/>
               </a:ext>
             </a:extLst>
           </p:cNvPr>
@@ -19816,7 +19788,7 @@
           <p:cNvPr id="505" name="Shape 248">
             <a:extLst>
               <a:ext uri="{FF2B5EF4-FFF2-40B4-BE49-F238E27FC236}">
-                <a16:creationId xmlns="" xmlns:a16="http://schemas.microsoft.com/office/drawing/2014/main" id="{5A4B961B-3733-4129-BC73-3B4C2244B2D4}"/>
+                <a16:creationId xmlns:a16="http://schemas.microsoft.com/office/drawing/2014/main" id="{5A4B961B-3733-4129-BC73-3B4C2244B2D4}"/>
               </a:ext>
             </a:extLst>
           </p:cNvPr>
@@ -19861,7 +19833,7 @@
           <p:cNvPr id="509" name="Shape 248">
             <a:extLst>
               <a:ext uri="{FF2B5EF4-FFF2-40B4-BE49-F238E27FC236}">
-                <a16:creationId xmlns="" xmlns:a16="http://schemas.microsoft.com/office/drawing/2014/main" id="{0E49FC30-7F95-414C-BCF1-C89612144E07}"/>
+                <a16:creationId xmlns:a16="http://schemas.microsoft.com/office/drawing/2014/main" id="{0E49FC30-7F95-414C-BCF1-C89612144E07}"/>
               </a:ext>
             </a:extLst>
           </p:cNvPr>
@@ -19906,7 +19878,7 @@
           <p:cNvPr id="576" name="Прямая со стрелкой 575">
             <a:extLst>
               <a:ext uri="{FF2B5EF4-FFF2-40B4-BE49-F238E27FC236}">
-                <a16:creationId xmlns="" xmlns:a16="http://schemas.microsoft.com/office/drawing/2014/main" id="{9786A1C4-F115-4707-BEB8-7BD45F18AFA1}"/>
+                <a16:creationId xmlns:a16="http://schemas.microsoft.com/office/drawing/2014/main" id="{9786A1C4-F115-4707-BEB8-7BD45F18AFA1}"/>
               </a:ext>
             </a:extLst>
           </p:cNvPr>
@@ -19949,7 +19921,7 @@
           <p:cNvPr id="578" name="Shape 248">
             <a:extLst>
               <a:ext uri="{FF2B5EF4-FFF2-40B4-BE49-F238E27FC236}">
-                <a16:creationId xmlns="" xmlns:a16="http://schemas.microsoft.com/office/drawing/2014/main" id="{79E19F73-D641-4C7A-AA27-959AAEAD578F}"/>
+                <a16:creationId xmlns:a16="http://schemas.microsoft.com/office/drawing/2014/main" id="{79E19F73-D641-4C7A-AA27-959AAEAD578F}"/>
               </a:ext>
             </a:extLst>
           </p:cNvPr>
@@ -19994,7 +19966,7 @@
           <p:cNvPr id="597" name="Прямая со стрелкой 596">
             <a:extLst>
               <a:ext uri="{FF2B5EF4-FFF2-40B4-BE49-F238E27FC236}">
-                <a16:creationId xmlns="" xmlns:a16="http://schemas.microsoft.com/office/drawing/2014/main" id="{EFF7721C-2831-4027-8613-EB301D241B42}"/>
+                <a16:creationId xmlns:a16="http://schemas.microsoft.com/office/drawing/2014/main" id="{EFF7721C-2831-4027-8613-EB301D241B42}"/>
               </a:ext>
             </a:extLst>
           </p:cNvPr>
@@ -20037,7 +20009,7 @@
           <p:cNvPr id="377" name="Shape 248">
             <a:extLst>
               <a:ext uri="{FF2B5EF4-FFF2-40B4-BE49-F238E27FC236}">
-                <a16:creationId xmlns="" xmlns:a16="http://schemas.microsoft.com/office/drawing/2014/main" id="{1BDFD058-3088-4A39-B00D-0D88C5B4D41E}"/>
+                <a16:creationId xmlns:a16="http://schemas.microsoft.com/office/drawing/2014/main" id="{1BDFD058-3088-4A39-B00D-0D88C5B4D41E}"/>
               </a:ext>
             </a:extLst>
           </p:cNvPr>
@@ -20082,7 +20054,7 @@
           <p:cNvPr id="362" name="Прямоугольник 361">
             <a:extLst>
               <a:ext uri="{FF2B5EF4-FFF2-40B4-BE49-F238E27FC236}">
-                <a16:creationId xmlns="" xmlns:a16="http://schemas.microsoft.com/office/drawing/2014/main" id="{33D724F3-BCB9-4419-ABB7-752519A753B4}"/>
+                <a16:creationId xmlns:a16="http://schemas.microsoft.com/office/drawing/2014/main" id="{33D724F3-BCB9-4419-ABB7-752519A753B4}"/>
               </a:ext>
             </a:extLst>
           </p:cNvPr>
@@ -20138,7 +20110,7 @@
           <p:cNvPr id="364" name="Shape 248">
             <a:extLst>
               <a:ext uri="{FF2B5EF4-FFF2-40B4-BE49-F238E27FC236}">
-                <a16:creationId xmlns="" xmlns:a16="http://schemas.microsoft.com/office/drawing/2014/main" id="{9B715593-1715-4A42-91C3-88FE3A615CA3}"/>
+                <a16:creationId xmlns:a16="http://schemas.microsoft.com/office/drawing/2014/main" id="{9B715593-1715-4A42-91C3-88FE3A615CA3}"/>
               </a:ext>
             </a:extLst>
           </p:cNvPr>
@@ -20184,7 +20156,7 @@
           <p:cNvPr id="374" name="Shape 248">
             <a:extLst>
               <a:ext uri="{FF2B5EF4-FFF2-40B4-BE49-F238E27FC236}">
-                <a16:creationId xmlns="" xmlns:a16="http://schemas.microsoft.com/office/drawing/2014/main" id="{66F0B54A-C8E7-4525-B599-B86C61BA3285}"/>
+                <a16:creationId xmlns:a16="http://schemas.microsoft.com/office/drawing/2014/main" id="{66F0B54A-C8E7-4525-B599-B86C61BA3285}"/>
               </a:ext>
             </a:extLst>
           </p:cNvPr>
@@ -20259,7 +20231,7 @@
           <p:cNvPr id="4" name="Прямоугольник 3">
             <a:extLst>
               <a:ext uri="{FF2B5EF4-FFF2-40B4-BE49-F238E27FC236}">
-                <a16:creationId xmlns="" xmlns:a16="http://schemas.microsoft.com/office/drawing/2014/main" id="{1F9C0D72-2B8C-422F-AA1B-75E2613CE527}"/>
+                <a16:creationId xmlns:a16="http://schemas.microsoft.com/office/drawing/2014/main" id="{1F9C0D72-2B8C-422F-AA1B-75E2613CE527}"/>
               </a:ext>
             </a:extLst>
           </p:cNvPr>
@@ -20332,18 +20304,14 @@
             </a:r>
             <a:r>
               <a:rPr lang="ru-RU" sz="1200" dirty="0"/>
-              <a:t> +</a:t>
-            </a:r>
-            <a:r>
-              <a:rPr lang="ru-RU" sz="1200" dirty="0" smtClean="0"/>
-              <a:t>0,1, </a:t>
-            </a:r>
-            <a:r>
-              <a:rPr lang="ru-RU" sz="1200" dirty="0" err="1" smtClean="0"/>
+              <a:t> +0,1, </a:t>
+            </a:r>
+            <a:r>
+              <a:rPr lang="ru-RU" sz="1200" dirty="0" err="1"/>
               <a:t>Африканерская</a:t>
             </a:r>
             <a:r>
-              <a:rPr lang="ru-RU" sz="1200" dirty="0" smtClean="0"/>
+              <a:rPr lang="ru-RU" sz="1200" dirty="0"/>
               <a:t> республика)</a:t>
             </a:r>
             <a:endParaRPr lang="ru-RU" sz="700" dirty="0"/>
@@ -20355,7 +20323,7 @@
           <p:cNvPr id="5" name="Прямоугольник 4">
             <a:extLst>
               <a:ext uri="{FF2B5EF4-FFF2-40B4-BE49-F238E27FC236}">
-                <a16:creationId xmlns="" xmlns:a16="http://schemas.microsoft.com/office/drawing/2014/main" id="{1EEB06B4-DE13-4E69-B6E7-D0359E824360}"/>
+                <a16:creationId xmlns:a16="http://schemas.microsoft.com/office/drawing/2014/main" id="{1EEB06B4-DE13-4E69-B6E7-D0359E824360}"/>
               </a:ext>
             </a:extLst>
           </p:cNvPr>
@@ -20448,138 +20416,10 @@
       </p:sp>
       <p:cxnSp>
         <p:nvCxnSpPr>
-          <p:cNvPr id="6" name="Shape 248">
-            <a:extLst>
-              <a:ext uri="{FF2B5EF4-FFF2-40B4-BE49-F238E27FC236}">
-                <a16:creationId xmlns="" xmlns:a16="http://schemas.microsoft.com/office/drawing/2014/main" id="{B234CA33-0C27-440C-A25F-97E99F3EBEA0}"/>
-              </a:ext>
-            </a:extLst>
-          </p:cNvPr>
-          <p:cNvCxnSpPr>
-            <a:cxnSpLocks/>
-          </p:cNvCxnSpPr>
-          <p:nvPr/>
-        </p:nvCxnSpPr>
-        <p:spPr>
-          <a:xfrm rot="16200000" flipH="1">
-            <a:off x="7805014" y="2156063"/>
-            <a:ext cx="353071" cy="1182405"/>
-          </a:xfrm>
-          <a:prstGeom prst="bentConnector3">
-            <a:avLst>
-              <a:gd name="adj1" fmla="val 50000"/>
-            </a:avLst>
-          </a:prstGeom>
-          <a:ln w="28575">
-            <a:prstDash val="dash"/>
-            <a:tailEnd type="arrow"/>
-          </a:ln>
-        </p:spPr>
-        <p:style>
-          <a:lnRef idx="1">
-            <a:schemeClr val="accent1"/>
-          </a:lnRef>
-          <a:fillRef idx="0">
-            <a:schemeClr val="accent1"/>
-          </a:fillRef>
-          <a:effectRef idx="0">
-            <a:schemeClr val="accent1"/>
-          </a:effectRef>
-          <a:fontRef idx="minor">
-            <a:schemeClr val="tx1"/>
-          </a:fontRef>
-        </p:style>
-      </p:cxnSp>
-      <p:cxnSp>
-        <p:nvCxnSpPr>
-          <p:cNvPr id="7" name="Shape 248">
-            <a:extLst>
-              <a:ext uri="{FF2B5EF4-FFF2-40B4-BE49-F238E27FC236}">
-                <a16:creationId xmlns="" xmlns:a16="http://schemas.microsoft.com/office/drawing/2014/main" id="{9C43B1C8-42BA-4945-AF2A-77ECD434BF3F}"/>
-              </a:ext>
-            </a:extLst>
-          </p:cNvPr>
-          <p:cNvCxnSpPr>
-            <a:cxnSpLocks/>
-          </p:cNvCxnSpPr>
-          <p:nvPr/>
-        </p:nvCxnSpPr>
-        <p:spPr>
-          <a:xfrm rot="5400000">
-            <a:off x="6587839" y="2121293"/>
-            <a:ext cx="353071" cy="1251946"/>
-          </a:xfrm>
-          <a:prstGeom prst="bentConnector3">
-            <a:avLst>
-              <a:gd name="adj1" fmla="val 50000"/>
-            </a:avLst>
-          </a:prstGeom>
-          <a:ln w="28575">
-            <a:tailEnd type="arrow"/>
-          </a:ln>
-        </p:spPr>
-        <p:style>
-          <a:lnRef idx="1">
-            <a:schemeClr val="accent1"/>
-          </a:lnRef>
-          <a:fillRef idx="0">
-            <a:schemeClr val="accent1"/>
-          </a:fillRef>
-          <a:effectRef idx="0">
-            <a:schemeClr val="accent1"/>
-          </a:effectRef>
-          <a:fontRef idx="minor">
-            <a:schemeClr val="tx1"/>
-          </a:fontRef>
-        </p:style>
-      </p:cxnSp>
-      <p:cxnSp>
-        <p:nvCxnSpPr>
-          <p:cNvPr id="8" name="Прямая со стрелкой 7">
-            <a:extLst>
-              <a:ext uri="{FF2B5EF4-FFF2-40B4-BE49-F238E27FC236}">
-                <a16:creationId xmlns="" xmlns:a16="http://schemas.microsoft.com/office/drawing/2014/main" id="{A5B1A6DF-B58D-4E00-8DA0-A96D9F0E3C53}"/>
-              </a:ext>
-            </a:extLst>
-          </p:cNvPr>
-          <p:cNvCxnSpPr>
-            <a:cxnSpLocks/>
-          </p:cNvCxnSpPr>
-          <p:nvPr/>
-        </p:nvCxnSpPr>
-        <p:spPr>
-          <a:xfrm flipH="1">
-            <a:off x="7390347" y="1146555"/>
-            <a:ext cx="242" cy="344176"/>
-          </a:xfrm>
-          <a:prstGeom prst="straightConnector1">
-            <a:avLst/>
-          </a:prstGeom>
-          <a:ln w="28575">
-            <a:tailEnd type="arrow"/>
-          </a:ln>
-        </p:spPr>
-        <p:style>
-          <a:lnRef idx="1">
-            <a:schemeClr val="accent1"/>
-          </a:lnRef>
-          <a:fillRef idx="0">
-            <a:schemeClr val="accent1"/>
-          </a:fillRef>
-          <a:effectRef idx="0">
-            <a:schemeClr val="accent1"/>
-          </a:effectRef>
-          <a:fontRef idx="minor">
-            <a:schemeClr val="tx1"/>
-          </a:fontRef>
-        </p:style>
-      </p:cxnSp>
-      <p:cxnSp>
-        <p:nvCxnSpPr>
           <p:cNvPr id="9" name="Прямая соединительная линия 8">
             <a:extLst>
               <a:ext uri="{FF2B5EF4-FFF2-40B4-BE49-F238E27FC236}">
-                <a16:creationId xmlns="" xmlns:a16="http://schemas.microsoft.com/office/drawing/2014/main" id="{021126FA-D9A9-479C-94E2-9B1AF5E5451A}"/>
+                <a16:creationId xmlns:a16="http://schemas.microsoft.com/office/drawing/2014/main" id="{021126FA-D9A9-479C-94E2-9B1AF5E5451A}"/>
               </a:ext>
             </a:extLst>
           </p:cNvPr>
@@ -20624,7 +20464,7 @@
           <p:cNvPr id="10" name="Прямоугольник 9">
             <a:extLst>
               <a:ext uri="{FF2B5EF4-FFF2-40B4-BE49-F238E27FC236}">
-                <a16:creationId xmlns="" xmlns:a16="http://schemas.microsoft.com/office/drawing/2014/main" id="{66B19C8F-C1CF-449B-9FD8-33ABF2ABBEF2}"/>
+                <a16:creationId xmlns:a16="http://schemas.microsoft.com/office/drawing/2014/main" id="{66B19C8F-C1CF-449B-9FD8-33ABF2ABBEF2}"/>
               </a:ext>
             </a:extLst>
           </p:cNvPr>
@@ -20688,7 +20528,7 @@
           <p:cNvPr id="11" name="Прямоугольник 10">
             <a:extLst>
               <a:ext uri="{FF2B5EF4-FFF2-40B4-BE49-F238E27FC236}">
-                <a16:creationId xmlns="" xmlns:a16="http://schemas.microsoft.com/office/drawing/2014/main" id="{79058CB1-7ABF-43FB-AD92-0741BD72F940}"/>
+                <a16:creationId xmlns:a16="http://schemas.microsoft.com/office/drawing/2014/main" id="{79058CB1-7ABF-43FB-AD92-0741BD72F940}"/>
               </a:ext>
             </a:extLst>
           </p:cNvPr>
@@ -20752,7 +20592,7 @@
           <p:cNvPr id="12" name="Прямоугольник 11">
             <a:extLst>
               <a:ext uri="{FF2B5EF4-FFF2-40B4-BE49-F238E27FC236}">
-                <a16:creationId xmlns="" xmlns:a16="http://schemas.microsoft.com/office/drawing/2014/main" id="{98BC2A06-2E3C-4DF7-B51A-82E3CD9D83BE}"/>
+                <a16:creationId xmlns:a16="http://schemas.microsoft.com/office/drawing/2014/main" id="{98BC2A06-2E3C-4DF7-B51A-82E3CD9D83BE}"/>
               </a:ext>
             </a:extLst>
           </p:cNvPr>
@@ -20812,7 +20652,7 @@
           <p:cNvPr id="13" name="Прямоугольник 12">
             <a:extLst>
               <a:ext uri="{FF2B5EF4-FFF2-40B4-BE49-F238E27FC236}">
-                <a16:creationId xmlns="" xmlns:a16="http://schemas.microsoft.com/office/drawing/2014/main" id="{79F30FFD-254C-4994-BCCF-7802FA86095A}"/>
+                <a16:creationId xmlns:a16="http://schemas.microsoft.com/office/drawing/2014/main" id="{79F30FFD-254C-4994-BCCF-7802FA86095A}"/>
               </a:ext>
             </a:extLst>
           </p:cNvPr>
@@ -20876,7 +20716,7 @@
           <p:cNvPr id="16" name="Прямоугольник 15">
             <a:extLst>
               <a:ext uri="{FF2B5EF4-FFF2-40B4-BE49-F238E27FC236}">
-                <a16:creationId xmlns="" xmlns:a16="http://schemas.microsoft.com/office/drawing/2014/main" id="{15A5BF7B-9859-4D99-B8AC-4D91B0C96D00}"/>
+                <a16:creationId xmlns:a16="http://schemas.microsoft.com/office/drawing/2014/main" id="{15A5BF7B-9859-4D99-B8AC-4D91B0C96D00}"/>
               </a:ext>
             </a:extLst>
           </p:cNvPr>
@@ -20940,7 +20780,7 @@
           <p:cNvPr id="17" name="Прямоугольник 16">
             <a:extLst>
               <a:ext uri="{FF2B5EF4-FFF2-40B4-BE49-F238E27FC236}">
-                <a16:creationId xmlns="" xmlns:a16="http://schemas.microsoft.com/office/drawing/2014/main" id="{6F904001-736C-4D47-AD3B-976AAF18B4B5}"/>
+                <a16:creationId xmlns:a16="http://schemas.microsoft.com/office/drawing/2014/main" id="{6F904001-736C-4D47-AD3B-976AAF18B4B5}"/>
               </a:ext>
             </a:extLst>
           </p:cNvPr>
@@ -21016,7 +20856,7 @@
           <p:cNvPr id="23" name="Прямоугольник 22">
             <a:extLst>
               <a:ext uri="{FF2B5EF4-FFF2-40B4-BE49-F238E27FC236}">
-                <a16:creationId xmlns="" xmlns:a16="http://schemas.microsoft.com/office/drawing/2014/main" id="{460B3274-71A8-4E02-BF84-C018D966FCE8}"/>
+                <a16:creationId xmlns:a16="http://schemas.microsoft.com/office/drawing/2014/main" id="{460B3274-71A8-4E02-BF84-C018D966FCE8}"/>
               </a:ext>
             </a:extLst>
           </p:cNvPr>
@@ -21080,7 +20920,7 @@
           <p:cNvPr id="24" name="Прямоугольник 23">
             <a:extLst>
               <a:ext uri="{FF2B5EF4-FFF2-40B4-BE49-F238E27FC236}">
-                <a16:creationId xmlns="" xmlns:a16="http://schemas.microsoft.com/office/drawing/2014/main" id="{8B932D75-8E0B-42AE-9709-A099564F76B0}"/>
+                <a16:creationId xmlns:a16="http://schemas.microsoft.com/office/drawing/2014/main" id="{8B932D75-8E0B-42AE-9709-A099564F76B0}"/>
               </a:ext>
             </a:extLst>
           </p:cNvPr>
@@ -21148,7 +20988,7 @@
           <p:cNvPr id="25" name="Прямоугольник 24">
             <a:extLst>
               <a:ext uri="{FF2B5EF4-FFF2-40B4-BE49-F238E27FC236}">
-                <a16:creationId xmlns="" xmlns:a16="http://schemas.microsoft.com/office/drawing/2014/main" id="{75AC6935-7994-4025-972C-A9B606F1C600}"/>
+                <a16:creationId xmlns:a16="http://schemas.microsoft.com/office/drawing/2014/main" id="{75AC6935-7994-4025-972C-A9B606F1C600}"/>
               </a:ext>
             </a:extLst>
           </p:cNvPr>
@@ -21260,7 +21100,7 @@
           <p:cNvPr id="26" name="Прямоугольник 25">
             <a:extLst>
               <a:ext uri="{FF2B5EF4-FFF2-40B4-BE49-F238E27FC236}">
-                <a16:creationId xmlns="" xmlns:a16="http://schemas.microsoft.com/office/drawing/2014/main" id="{CD50A99F-E1B4-48A5-97DB-ADFEE84EBF5C}"/>
+                <a16:creationId xmlns:a16="http://schemas.microsoft.com/office/drawing/2014/main" id="{CD50A99F-E1B4-48A5-97DB-ADFEE84EBF5C}"/>
               </a:ext>
             </a:extLst>
           </p:cNvPr>
@@ -21324,7 +21164,7 @@
           <p:cNvPr id="27" name="Прямоугольник 26">
             <a:extLst>
               <a:ext uri="{FF2B5EF4-FFF2-40B4-BE49-F238E27FC236}">
-                <a16:creationId xmlns="" xmlns:a16="http://schemas.microsoft.com/office/drawing/2014/main" id="{17F70722-D13D-41F3-BE3E-56DF8747031F}"/>
+                <a16:creationId xmlns:a16="http://schemas.microsoft.com/office/drawing/2014/main" id="{17F70722-D13D-41F3-BE3E-56DF8747031F}"/>
               </a:ext>
             </a:extLst>
           </p:cNvPr>
@@ -21379,7 +21219,7 @@
           <p:cNvPr id="28" name="Прямоугольник 27">
             <a:extLst>
               <a:ext uri="{FF2B5EF4-FFF2-40B4-BE49-F238E27FC236}">
-                <a16:creationId xmlns="" xmlns:a16="http://schemas.microsoft.com/office/drawing/2014/main" id="{E5389385-69EE-48FB-A1DC-B9F4755FB094}"/>
+                <a16:creationId xmlns:a16="http://schemas.microsoft.com/office/drawing/2014/main" id="{E5389385-69EE-48FB-A1DC-B9F4755FB094}"/>
               </a:ext>
             </a:extLst>
           </p:cNvPr>
@@ -21443,7 +21283,7 @@
           <p:cNvPr id="29" name="Прямоугольник 28">
             <a:extLst>
               <a:ext uri="{FF2B5EF4-FFF2-40B4-BE49-F238E27FC236}">
-                <a16:creationId xmlns="" xmlns:a16="http://schemas.microsoft.com/office/drawing/2014/main" id="{ADC16910-B304-4E84-891B-163B651F2E74}"/>
+                <a16:creationId xmlns:a16="http://schemas.microsoft.com/office/drawing/2014/main" id="{ADC16910-B304-4E84-891B-163B651F2E74}"/>
               </a:ext>
             </a:extLst>
           </p:cNvPr>
@@ -21531,7 +21371,7 @@
           <p:cNvPr id="30" name="Прямоугольник 29">
             <a:extLst>
               <a:ext uri="{FF2B5EF4-FFF2-40B4-BE49-F238E27FC236}">
-                <a16:creationId xmlns="" xmlns:a16="http://schemas.microsoft.com/office/drawing/2014/main" id="{8451F12F-5CAE-4431-8EB7-1F746686EB80}"/>
+                <a16:creationId xmlns:a16="http://schemas.microsoft.com/office/drawing/2014/main" id="{8451F12F-5CAE-4431-8EB7-1F746686EB80}"/>
               </a:ext>
             </a:extLst>
           </p:cNvPr>
@@ -21603,7 +21443,7 @@
           <p:cNvPr id="22" name="Прямоугольник 21">
             <a:extLst>
               <a:ext uri="{FF2B5EF4-FFF2-40B4-BE49-F238E27FC236}">
-                <a16:creationId xmlns="" xmlns:a16="http://schemas.microsoft.com/office/drawing/2014/main" id="{98BC2A06-2E3C-4DF7-B51A-82E3CD9D83BE}"/>
+                <a16:creationId xmlns:a16="http://schemas.microsoft.com/office/drawing/2014/main" id="{98BC2A06-2E3C-4DF7-B51A-82E3CD9D83BE}"/>
               </a:ext>
             </a:extLst>
           </p:cNvPr>
@@ -21643,7 +21483,7 @@
           <a:p>
             <a:pPr algn="ctr"/>
             <a:r>
-              <a:rPr lang="ru-RU" sz="1400" dirty="0" err="1" smtClean="0"/>
+              <a:rPr lang="ru-RU" sz="1400" dirty="0" err="1"/>
               <a:t>Антикапитализм</a:t>
             </a:r>
             <a:endParaRPr lang="ru-RU" sz="800" dirty="0"/>
@@ -21655,7 +21495,7 @@
           <p:cNvPr id="31" name="Прямоугольник 30">
             <a:extLst>
               <a:ext uri="{FF2B5EF4-FFF2-40B4-BE49-F238E27FC236}">
-                <a16:creationId xmlns="" xmlns:a16="http://schemas.microsoft.com/office/drawing/2014/main" id="{98BC2A06-2E3C-4DF7-B51A-82E3CD9D83BE}"/>
+                <a16:creationId xmlns:a16="http://schemas.microsoft.com/office/drawing/2014/main" id="{98BC2A06-2E3C-4DF7-B51A-82E3CD9D83BE}"/>
               </a:ext>
             </a:extLst>
           </p:cNvPr>
@@ -21695,12 +21535,8 @@
           <a:p>
             <a:pPr algn="ctr"/>
             <a:r>
-              <a:rPr lang="ru-RU" sz="1400" dirty="0" smtClean="0"/>
-              <a:t>Ввести дисциплину </a:t>
-            </a:r>
-            <a:r>
               <a:rPr lang="ru-RU" sz="1400" dirty="0"/>
-              <a:t>в государство </a:t>
+              <a:t>Ввести дисциплину в государство </a:t>
             </a:r>
             <a:r>
               <a:rPr lang="ru-RU" sz="700" dirty="0"/>
@@ -21723,7 +21559,7 @@
           <p:cNvPr id="32" name="Прямоугольник 31">
             <a:extLst>
               <a:ext uri="{FF2B5EF4-FFF2-40B4-BE49-F238E27FC236}">
-                <a16:creationId xmlns="" xmlns:a16="http://schemas.microsoft.com/office/drawing/2014/main" id="{98BC2A06-2E3C-4DF7-B51A-82E3CD9D83BE}"/>
+                <a16:creationId xmlns:a16="http://schemas.microsoft.com/office/drawing/2014/main" id="{98BC2A06-2E3C-4DF7-B51A-82E3CD9D83BE}"/>
               </a:ext>
             </a:extLst>
           </p:cNvPr>
@@ -21763,7 +21599,7 @@
           <a:p>
             <a:pPr algn="ctr"/>
             <a:r>
-              <a:rPr lang="ru-RU" sz="1400" dirty="0" smtClean="0"/>
+              <a:rPr lang="ru-RU" sz="1400" dirty="0"/>
               <a:t>Антикоммунизм</a:t>
             </a:r>
             <a:endParaRPr lang="ru-RU" sz="800" dirty="0"/>
@@ -21775,7 +21611,7 @@
           <p:cNvPr id="33" name="Прямоугольник 32">
             <a:extLst>
               <a:ext uri="{FF2B5EF4-FFF2-40B4-BE49-F238E27FC236}">
-                <a16:creationId xmlns="" xmlns:a16="http://schemas.microsoft.com/office/drawing/2014/main" id="{98BC2A06-2E3C-4DF7-B51A-82E3CD9D83BE}"/>
+                <a16:creationId xmlns:a16="http://schemas.microsoft.com/office/drawing/2014/main" id="{98BC2A06-2E3C-4DF7-B51A-82E3CD9D83BE}"/>
               </a:ext>
             </a:extLst>
           </p:cNvPr>
@@ -21815,7 +21651,7 @@
           <a:p>
             <a:pPr algn="ctr"/>
             <a:r>
-              <a:rPr lang="ru-RU" sz="1400" dirty="0" err="1" smtClean="0"/>
+              <a:rPr lang="ru-RU" sz="1400" dirty="0" err="1"/>
               <a:t>Антисемизм</a:t>
             </a:r>
             <a:endParaRPr lang="ru-RU" sz="800" dirty="0"/>
@@ -21827,7 +21663,7 @@
           <p:cNvPr id="34" name="Прямоугольник 33">
             <a:extLst>
               <a:ext uri="{FF2B5EF4-FFF2-40B4-BE49-F238E27FC236}">
-                <a16:creationId xmlns="" xmlns:a16="http://schemas.microsoft.com/office/drawing/2014/main" id="{98BC2A06-2E3C-4DF7-B51A-82E3CD9D83BE}"/>
+                <a16:creationId xmlns:a16="http://schemas.microsoft.com/office/drawing/2014/main" id="{98BC2A06-2E3C-4DF7-B51A-82E3CD9D83BE}"/>
               </a:ext>
             </a:extLst>
           </p:cNvPr>
@@ -21867,11 +21703,11 @@
           <a:p>
             <a:pPr algn="ctr"/>
             <a:r>
-              <a:rPr lang="en-US" sz="1400" dirty="0" err="1" smtClean="0"/>
+              <a:rPr lang="en-US" sz="1400" dirty="0" err="1"/>
               <a:t>Reddingsdaadbond</a:t>
             </a:r>
             <a:r>
-              <a:rPr lang="ru-RU" sz="1400" dirty="0" smtClean="0"/>
+              <a:rPr lang="ru-RU" sz="1400" dirty="0"/>
               <a:t> (</a:t>
             </a:r>
             <a:r>
@@ -21879,7 +21715,7 @@
               <a:t>https://af.m.wikipedia.org/wiki/Reddingsdaadbond</a:t>
             </a:r>
             <a:r>
-              <a:rPr lang="ru-RU" sz="1400" dirty="0" smtClean="0"/>
+              <a:rPr lang="ru-RU" sz="1400" dirty="0"/>
               <a:t>)</a:t>
             </a:r>
             <a:endParaRPr lang="ru-RU" sz="800" dirty="0"/>
@@ -22154,7 +21990,7 @@
   <a:extraClrSchemeLst/>
   <a:extLst>
     <a:ext uri="{05A4C25C-085E-4340-85A3-A5531E510DB2}">
-      <thm15:themeFamily xmlns="" xmlns:thm15="http://schemas.microsoft.com/office/thememl/2012/main" name="Office Theme" id="{62F939B6-93AF-4DB8-9C6B-D6C7DFDC589F}" vid="{4A3C46E8-61CC-4603-A589-7422A47A8E4A}"/>
+      <thm15:themeFamily xmlns:thm15="http://schemas.microsoft.com/office/thememl/2012/main" name="Office Theme" id="{62F939B6-93AF-4DB8-9C6B-D6C7DFDC589F}" vid="{4A3C46E8-61CC-4603-A589-7422A47A8E4A}"/>
     </a:ext>
   </a:extLst>
 </a:theme>
@@ -22415,7 +22251,7 @@
   <a:extraClrSchemeLst/>
   <a:extLst>
     <a:ext uri="{05A4C25C-085E-4340-85A3-A5531E510DB2}">
-      <thm15:themeFamily xmlns="" xmlns:thm15="http://schemas.microsoft.com/office/thememl/2012/main" name="Office Theme" id="{62F939B6-93AF-4DB8-9C6B-D6C7DFDC589F}" vid="{4A3C46E8-61CC-4603-A589-7422A47A8E4A}"/>
+      <thm15:themeFamily xmlns:thm15="http://schemas.microsoft.com/office/thememl/2012/main" name="Office Theme" id="{62F939B6-93AF-4DB8-9C6B-D6C7DFDC589F}" vid="{4A3C46E8-61CC-4603-A589-7422A47A8E4A}"/>
     </a:ext>
   </a:extLst>
 </a:theme>
